--- a/lectures/KR-4.pptx
+++ b/lectures/KR-4.pptx
@@ -7,8 +7,12 @@
   <p:sldIdLst>
     <p:sldId id="256" r:id="rId2"/>
     <p:sldId id="287" r:id="rId3"/>
-    <p:sldId id="284" r:id="rId4"/>
-    <p:sldId id="285" r:id="rId5"/>
+    <p:sldId id="288" r:id="rId4"/>
+    <p:sldId id="289" r:id="rId5"/>
+    <p:sldId id="290" r:id="rId6"/>
+    <p:sldId id="291" r:id="rId7"/>
+    <p:sldId id="284" r:id="rId8"/>
+    <p:sldId id="285" r:id="rId9"/>
   </p:sldIdLst>
   <p:sldSz cx="12192000" cy="6858000"/>
   <p:notesSz cx="6858000" cy="9144000"/>
@@ -262,7 +266,7 @@
           <a:p>
             <a:fld id="{C13A938A-C9BA-0346-A74F-83EB1631032C}" type="datetimeFigureOut">
               <a:rPr lang="en-US" smtClean="0"/>
-              <a:t>7/31/22</a:t>
+              <a:t>1/23/23</a:t>
             </a:fld>
             <a:endParaRPr lang="en-US"/>
           </a:p>
@@ -460,7 +464,7 @@
           <a:p>
             <a:fld id="{C13A938A-C9BA-0346-A74F-83EB1631032C}" type="datetimeFigureOut">
               <a:rPr lang="en-US" smtClean="0"/>
-              <a:t>7/31/22</a:t>
+              <a:t>1/23/23</a:t>
             </a:fld>
             <a:endParaRPr lang="en-US"/>
           </a:p>
@@ -668,7 +672,7 @@
           <a:p>
             <a:fld id="{C13A938A-C9BA-0346-A74F-83EB1631032C}" type="datetimeFigureOut">
               <a:rPr lang="en-US" smtClean="0"/>
-              <a:t>7/31/22</a:t>
+              <a:t>1/23/23</a:t>
             </a:fld>
             <a:endParaRPr lang="en-US"/>
           </a:p>
@@ -866,7 +870,7 @@
           <a:p>
             <a:fld id="{C13A938A-C9BA-0346-A74F-83EB1631032C}" type="datetimeFigureOut">
               <a:rPr lang="en-US" smtClean="0"/>
-              <a:t>7/31/22</a:t>
+              <a:t>1/23/23</a:t>
             </a:fld>
             <a:endParaRPr lang="en-US"/>
           </a:p>
@@ -1141,7 +1145,7 @@
           <a:p>
             <a:fld id="{C13A938A-C9BA-0346-A74F-83EB1631032C}" type="datetimeFigureOut">
               <a:rPr lang="en-US" smtClean="0"/>
-              <a:t>7/31/22</a:t>
+              <a:t>1/23/23</a:t>
             </a:fld>
             <a:endParaRPr lang="en-US"/>
           </a:p>
@@ -1406,7 +1410,7 @@
           <a:p>
             <a:fld id="{C13A938A-C9BA-0346-A74F-83EB1631032C}" type="datetimeFigureOut">
               <a:rPr lang="en-US" smtClean="0"/>
-              <a:t>7/31/22</a:t>
+              <a:t>1/23/23</a:t>
             </a:fld>
             <a:endParaRPr lang="en-US"/>
           </a:p>
@@ -1818,7 +1822,7 @@
           <a:p>
             <a:fld id="{C13A938A-C9BA-0346-A74F-83EB1631032C}" type="datetimeFigureOut">
               <a:rPr lang="en-US" smtClean="0"/>
-              <a:t>7/31/22</a:t>
+              <a:t>1/23/23</a:t>
             </a:fld>
             <a:endParaRPr lang="en-US"/>
           </a:p>
@@ -1959,7 +1963,7 @@
           <a:p>
             <a:fld id="{C13A938A-C9BA-0346-A74F-83EB1631032C}" type="datetimeFigureOut">
               <a:rPr lang="en-US" smtClean="0"/>
-              <a:t>7/31/22</a:t>
+              <a:t>1/23/23</a:t>
             </a:fld>
             <a:endParaRPr lang="en-US"/>
           </a:p>
@@ -2072,7 +2076,7 @@
           <a:p>
             <a:fld id="{C13A938A-C9BA-0346-A74F-83EB1631032C}" type="datetimeFigureOut">
               <a:rPr lang="en-US" smtClean="0"/>
-              <a:t>7/31/22</a:t>
+              <a:t>1/23/23</a:t>
             </a:fld>
             <a:endParaRPr lang="en-US"/>
           </a:p>
@@ -2383,7 +2387,7 @@
           <a:p>
             <a:fld id="{C13A938A-C9BA-0346-A74F-83EB1631032C}" type="datetimeFigureOut">
               <a:rPr lang="en-US" smtClean="0"/>
-              <a:t>7/31/22</a:t>
+              <a:t>1/23/23</a:t>
             </a:fld>
             <a:endParaRPr lang="en-US"/>
           </a:p>
@@ -2671,7 +2675,7 @@
           <a:p>
             <a:fld id="{C13A938A-C9BA-0346-A74F-83EB1631032C}" type="datetimeFigureOut">
               <a:rPr lang="en-US" smtClean="0"/>
-              <a:t>7/31/22</a:t>
+              <a:t>1/23/23</a:t>
             </a:fld>
             <a:endParaRPr lang="en-US"/>
           </a:p>
@@ -2912,7 +2916,7 @@
           <a:p>
             <a:fld id="{C13A938A-C9BA-0346-A74F-83EB1631032C}" type="datetimeFigureOut">
               <a:rPr lang="en-US" smtClean="0"/>
-              <a:t>7/31/22</a:t>
+              <a:t>1/23/23</a:t>
             </a:fld>
             <a:endParaRPr lang="en-US"/>
           </a:p>
@@ -3542,7 +3546,7 @@
           <a:p>
             <a:r>
               <a:rPr lang="en-US" dirty="0"/>
-              <a:t>Section 4.2 – New and improved ‘void’ type</a:t>
+              <a:t>Section 4.1 – Automatic variables and the stack</a:t>
             </a:r>
           </a:p>
           <a:p>
@@ -3611,6 +3615,338 @@
       </p:grpSpPr>
       <p:sp>
         <p:nvSpPr>
+          <p:cNvPr id="2" name="Title 1">
+            <a:extLst>
+              <a:ext uri="{FF2B5EF4-FFF2-40B4-BE49-F238E27FC236}">
+                <a16:creationId xmlns:a16="http://schemas.microsoft.com/office/drawing/2014/main" id="{3F5C10CB-F825-A6A7-0F62-5C0BF4ADAD7F}"/>
+              </a:ext>
+            </a:extLst>
+          </p:cNvPr>
+          <p:cNvSpPr>
+            <a:spLocks noGrp="1"/>
+          </p:cNvSpPr>
+          <p:nvPr>
+            <p:ph type="title"/>
+          </p:nvPr>
+        </p:nvSpPr>
+        <p:spPr/>
+        <p:txBody>
+          <a:bodyPr/>
+          <a:lstStyle/>
+          <a:p>
+            <a:r>
+              <a:rPr lang="en-US" dirty="0"/>
+              <a:t>Automatic Variables and the Stack</a:t>
+            </a:r>
+          </a:p>
+        </p:txBody>
+      </p:sp>
+      <p:sp>
+        <p:nvSpPr>
+          <p:cNvPr id="3" name="Content Placeholder 2">
+            <a:extLst>
+              <a:ext uri="{FF2B5EF4-FFF2-40B4-BE49-F238E27FC236}">
+                <a16:creationId xmlns:a16="http://schemas.microsoft.com/office/drawing/2014/main" id="{D24102EC-796C-7284-84E1-C70122B66A12}"/>
+              </a:ext>
+            </a:extLst>
+          </p:cNvPr>
+          <p:cNvSpPr>
+            <a:spLocks noGrp="1"/>
+          </p:cNvSpPr>
+          <p:nvPr>
+            <p:ph idx="1"/>
+          </p:nvPr>
+        </p:nvSpPr>
+        <p:spPr/>
+        <p:txBody>
+          <a:bodyPr/>
+          <a:lstStyle/>
+          <a:p>
+            <a:endParaRPr lang="en-US"/>
+          </a:p>
+        </p:txBody>
+      </p:sp>
+    </p:spTree>
+    <p:extLst>
+      <p:ext uri="{BB962C8B-B14F-4D97-AF65-F5344CB8AC3E}">
+        <p14:creationId xmlns:p14="http://schemas.microsoft.com/office/powerpoint/2010/main" val="496964535"/>
+      </p:ext>
+    </p:extLst>
+  </p:cSld>
+  <p:clrMapOvr>
+    <a:masterClrMapping/>
+  </p:clrMapOvr>
+</p:sld>
+</file>
+
+<file path=ppt/slides/slide4.xml><?xml version="1.0" encoding="utf-8"?>
+<p:sld xmlns:a="http://schemas.openxmlformats.org/drawingml/2006/main" xmlns:r="http://schemas.openxmlformats.org/officeDocument/2006/relationships" xmlns:p="http://schemas.openxmlformats.org/presentationml/2006/main">
+  <p:cSld>
+    <p:spTree>
+      <p:nvGrpSpPr>
+        <p:cNvPr id="1" name=""/>
+        <p:cNvGrpSpPr/>
+        <p:nvPr/>
+      </p:nvGrpSpPr>
+      <p:grpSpPr>
+        <a:xfrm>
+          <a:off x="0" y="0"/>
+          <a:ext cx="0" cy="0"/>
+          <a:chOff x="0" y="0"/>
+          <a:chExt cx="0" cy="0"/>
+        </a:xfrm>
+      </p:grpSpPr>
+      <p:sp>
+        <p:nvSpPr>
+          <p:cNvPr id="2" name="Title 1">
+            <a:extLst>
+              <a:ext uri="{FF2B5EF4-FFF2-40B4-BE49-F238E27FC236}">
+                <a16:creationId xmlns:a16="http://schemas.microsoft.com/office/drawing/2014/main" id="{385F24F3-8CFB-3A2B-58E6-8338F5E96C74}"/>
+              </a:ext>
+            </a:extLst>
+          </p:cNvPr>
+          <p:cNvSpPr>
+            <a:spLocks noGrp="1"/>
+          </p:cNvSpPr>
+          <p:nvPr>
+            <p:ph type="title"/>
+          </p:nvPr>
+        </p:nvSpPr>
+        <p:spPr/>
+        <p:txBody>
+          <a:bodyPr/>
+          <a:lstStyle/>
+          <a:p>
+            <a:r>
+              <a:rPr lang="en-US" dirty="0"/>
+              <a:t>Arrays pass by reference</a:t>
+            </a:r>
+          </a:p>
+        </p:txBody>
+      </p:sp>
+      <p:sp>
+        <p:nvSpPr>
+          <p:cNvPr id="3" name="Content Placeholder 2">
+            <a:extLst>
+              <a:ext uri="{FF2B5EF4-FFF2-40B4-BE49-F238E27FC236}">
+                <a16:creationId xmlns:a16="http://schemas.microsoft.com/office/drawing/2014/main" id="{9E14723B-2E88-EE4E-C3F7-1C1BCD89DBFB}"/>
+              </a:ext>
+            </a:extLst>
+          </p:cNvPr>
+          <p:cNvSpPr>
+            <a:spLocks noGrp="1"/>
+          </p:cNvSpPr>
+          <p:nvPr>
+            <p:ph idx="1"/>
+          </p:nvPr>
+        </p:nvSpPr>
+        <p:spPr/>
+        <p:txBody>
+          <a:bodyPr/>
+          <a:lstStyle/>
+          <a:p>
+            <a:endParaRPr lang="en-US"/>
+          </a:p>
+        </p:txBody>
+      </p:sp>
+    </p:spTree>
+    <p:extLst>
+      <p:ext uri="{BB962C8B-B14F-4D97-AF65-F5344CB8AC3E}">
+        <p14:creationId xmlns:p14="http://schemas.microsoft.com/office/powerpoint/2010/main" val="3196115876"/>
+      </p:ext>
+    </p:extLst>
+  </p:cSld>
+  <p:clrMapOvr>
+    <a:masterClrMapping/>
+  </p:clrMapOvr>
+</p:sld>
+</file>
+
+<file path=ppt/slides/slide5.xml><?xml version="1.0" encoding="utf-8"?>
+<p:sld xmlns:a="http://schemas.openxmlformats.org/drawingml/2006/main" xmlns:r="http://schemas.openxmlformats.org/officeDocument/2006/relationships" xmlns:p="http://schemas.openxmlformats.org/presentationml/2006/main">
+  <p:cSld>
+    <p:spTree>
+      <p:nvGrpSpPr>
+        <p:cNvPr id="1" name=""/>
+        <p:cNvGrpSpPr/>
+        <p:nvPr/>
+      </p:nvGrpSpPr>
+      <p:grpSpPr>
+        <a:xfrm>
+          <a:off x="0" y="0"/>
+          <a:ext cx="0" cy="0"/>
+          <a:chOff x="0" y="0"/>
+          <a:chExt cx="0" cy="0"/>
+        </a:xfrm>
+      </p:grpSpPr>
+      <p:sp>
+        <p:nvSpPr>
+          <p:cNvPr id="2" name="Title 1">
+            <a:extLst>
+              <a:ext uri="{FF2B5EF4-FFF2-40B4-BE49-F238E27FC236}">
+                <a16:creationId xmlns:a16="http://schemas.microsoft.com/office/drawing/2014/main" id="{617513D2-75CA-9FF5-AF46-15E529B6E5B9}"/>
+              </a:ext>
+            </a:extLst>
+          </p:cNvPr>
+          <p:cNvSpPr>
+            <a:spLocks noGrp="1"/>
+          </p:cNvSpPr>
+          <p:nvPr>
+            <p:ph type="title"/>
+          </p:nvPr>
+        </p:nvSpPr>
+        <p:spPr/>
+        <p:txBody>
+          <a:bodyPr/>
+          <a:lstStyle/>
+          <a:p>
+            <a:r>
+              <a:rPr lang="en-US" dirty="0"/>
+              <a:t>Recursion, see recursion</a:t>
+            </a:r>
+          </a:p>
+        </p:txBody>
+      </p:sp>
+      <p:sp>
+        <p:nvSpPr>
+          <p:cNvPr id="3" name="Content Placeholder 2">
+            <a:extLst>
+              <a:ext uri="{FF2B5EF4-FFF2-40B4-BE49-F238E27FC236}">
+                <a16:creationId xmlns:a16="http://schemas.microsoft.com/office/drawing/2014/main" id="{7DAC45BB-9830-1EBE-B746-2FA7FEC20F2F}"/>
+              </a:ext>
+            </a:extLst>
+          </p:cNvPr>
+          <p:cNvSpPr>
+            <a:spLocks noGrp="1"/>
+          </p:cNvSpPr>
+          <p:nvPr>
+            <p:ph idx="1"/>
+          </p:nvPr>
+        </p:nvSpPr>
+        <p:spPr/>
+        <p:txBody>
+          <a:bodyPr/>
+          <a:lstStyle/>
+          <a:p>
+            <a:endParaRPr lang="en-US"/>
+          </a:p>
+        </p:txBody>
+      </p:sp>
+    </p:spTree>
+    <p:extLst>
+      <p:ext uri="{BB962C8B-B14F-4D97-AF65-F5344CB8AC3E}">
+        <p14:creationId xmlns:p14="http://schemas.microsoft.com/office/powerpoint/2010/main" val="1546743805"/>
+      </p:ext>
+    </p:extLst>
+  </p:cSld>
+  <p:clrMapOvr>
+    <a:masterClrMapping/>
+  </p:clrMapOvr>
+</p:sld>
+</file>
+
+<file path=ppt/slides/slide6.xml><?xml version="1.0" encoding="utf-8"?>
+<p:sld xmlns:a="http://schemas.openxmlformats.org/drawingml/2006/main" xmlns:r="http://schemas.openxmlformats.org/officeDocument/2006/relationships" xmlns:p="http://schemas.openxmlformats.org/presentationml/2006/main">
+  <p:cSld>
+    <p:spTree>
+      <p:nvGrpSpPr>
+        <p:cNvPr id="1" name=""/>
+        <p:cNvGrpSpPr/>
+        <p:nvPr/>
+      </p:nvGrpSpPr>
+      <p:grpSpPr>
+        <a:xfrm>
+          <a:off x="0" y="0"/>
+          <a:ext cx="0" cy="0"/>
+          <a:chOff x="0" y="0"/>
+          <a:chExt cx="0" cy="0"/>
+        </a:xfrm>
+      </p:grpSpPr>
+      <p:sp>
+        <p:nvSpPr>
+          <p:cNvPr id="2" name="Title 1">
+            <a:extLst>
+              <a:ext uri="{FF2B5EF4-FFF2-40B4-BE49-F238E27FC236}">
+                <a16:creationId xmlns:a16="http://schemas.microsoft.com/office/drawing/2014/main" id="{A873E460-3B9E-0C94-30C0-5AA55AAF307F}"/>
+              </a:ext>
+            </a:extLst>
+          </p:cNvPr>
+          <p:cNvSpPr>
+            <a:spLocks noGrp="1"/>
+          </p:cNvSpPr>
+          <p:nvPr>
+            <p:ph type="title"/>
+          </p:nvPr>
+        </p:nvSpPr>
+        <p:spPr/>
+        <p:txBody>
+          <a:bodyPr/>
+          <a:lstStyle/>
+          <a:p>
+            <a:r>
+              <a:rPr lang="en-US" dirty="0"/>
+              <a:t>The C Pre Processor</a:t>
+            </a:r>
+          </a:p>
+        </p:txBody>
+      </p:sp>
+      <p:sp>
+        <p:nvSpPr>
+          <p:cNvPr id="3" name="Content Placeholder 2">
+            <a:extLst>
+              <a:ext uri="{FF2B5EF4-FFF2-40B4-BE49-F238E27FC236}">
+                <a16:creationId xmlns:a16="http://schemas.microsoft.com/office/drawing/2014/main" id="{D4AF128A-08B5-673B-CFE8-E3156CD0D2DB}"/>
+              </a:ext>
+            </a:extLst>
+          </p:cNvPr>
+          <p:cNvSpPr>
+            <a:spLocks noGrp="1"/>
+          </p:cNvSpPr>
+          <p:nvPr>
+            <p:ph idx="1"/>
+          </p:nvPr>
+        </p:nvSpPr>
+        <p:spPr/>
+        <p:txBody>
+          <a:bodyPr/>
+          <a:lstStyle/>
+          <a:p>
+            <a:endParaRPr lang="en-US"/>
+          </a:p>
+        </p:txBody>
+      </p:sp>
+    </p:spTree>
+    <p:extLst>
+      <p:ext uri="{BB962C8B-B14F-4D97-AF65-F5344CB8AC3E}">
+        <p14:creationId xmlns:p14="http://schemas.microsoft.com/office/powerpoint/2010/main" val="2244150091"/>
+      </p:ext>
+    </p:extLst>
+  </p:cSld>
+  <p:clrMapOvr>
+    <a:masterClrMapping/>
+  </p:clrMapOvr>
+</p:sld>
+</file>
+
+<file path=ppt/slides/slide7.xml><?xml version="1.0" encoding="utf-8"?>
+<p:sld xmlns:a="http://schemas.openxmlformats.org/drawingml/2006/main" xmlns:r="http://schemas.openxmlformats.org/officeDocument/2006/relationships" xmlns:p="http://schemas.openxmlformats.org/presentationml/2006/main">
+  <p:cSld>
+    <p:spTree>
+      <p:nvGrpSpPr>
+        <p:cNvPr id="1" name=""/>
+        <p:cNvGrpSpPr/>
+        <p:nvPr/>
+      </p:nvGrpSpPr>
+      <p:grpSpPr>
+        <a:xfrm>
+          <a:off x="0" y="0"/>
+          <a:ext cx="0" cy="0"/>
+          <a:chOff x="0" y="0"/>
+          <a:chExt cx="0" cy="0"/>
+        </a:xfrm>
+      </p:grpSpPr>
+      <p:sp>
+        <p:nvSpPr>
           <p:cNvPr id="3" name="Title 2">
             <a:extLst>
               <a:ext uri="{FF2B5EF4-FFF2-40B4-BE49-F238E27FC236}">
@@ -3639,51 +3975,47 @@
       </p:sp>
       <p:sp>
         <p:nvSpPr>
-          <p:cNvPr id="4" name="Content Placeholder 3">
-            <a:extLst>
-              <a:ext uri="{FF2B5EF4-FFF2-40B4-BE49-F238E27FC236}">
-                <a16:creationId xmlns:a16="http://schemas.microsoft.com/office/drawing/2014/main" id="{4EAA055D-FA59-02F9-40B6-72AFC8A29A76}"/>
-              </a:ext>
-            </a:extLst>
-          </p:cNvPr>
-          <p:cNvSpPr>
-            <a:spLocks noGrp="1"/>
-          </p:cNvSpPr>
-          <p:nvPr>
-            <p:ph sz="half" idx="1"/>
-          </p:nvPr>
-        </p:nvSpPr>
-        <p:spPr/>
-        <p:txBody>
-          <a:bodyPr/>
-          <a:lstStyle/>
-          <a:p>
-            <a:endParaRPr lang="en-US" dirty="0"/>
-          </a:p>
-        </p:txBody>
-      </p:sp>
-      <p:sp>
-        <p:nvSpPr>
-          <p:cNvPr id="5" name="Content Placeholder 4">
-            <a:extLst>
-              <a:ext uri="{FF2B5EF4-FFF2-40B4-BE49-F238E27FC236}">
-                <a16:creationId xmlns:a16="http://schemas.microsoft.com/office/drawing/2014/main" id="{23FD6821-0D52-C591-FBFA-4AB416D5DA58}"/>
-              </a:ext>
-            </a:extLst>
-          </p:cNvPr>
-          <p:cNvSpPr>
-            <a:spLocks noGrp="1"/>
-          </p:cNvSpPr>
-          <p:nvPr>
-            <p:ph sz="half" idx="2"/>
-          </p:nvPr>
-        </p:nvSpPr>
-        <p:spPr/>
-        <p:txBody>
-          <a:bodyPr/>
-          <a:lstStyle/>
-          <a:p>
-            <a:endParaRPr lang="en-US" dirty="0"/>
+          <p:cNvPr id="2" name="Content Placeholder 1">
+            <a:extLst>
+              <a:ext uri="{FF2B5EF4-FFF2-40B4-BE49-F238E27FC236}">
+                <a16:creationId xmlns:a16="http://schemas.microsoft.com/office/drawing/2014/main" id="{50791E68-B219-7E1C-2218-042D2ED13759}"/>
+              </a:ext>
+            </a:extLst>
+          </p:cNvPr>
+          <p:cNvSpPr>
+            <a:spLocks noGrp="1"/>
+          </p:cNvSpPr>
+          <p:nvPr>
+            <p:ph idx="1"/>
+          </p:nvPr>
+        </p:nvSpPr>
+        <p:spPr/>
+        <p:txBody>
+          <a:bodyPr/>
+          <a:lstStyle/>
+          <a:p>
+            <a:r>
+              <a:rPr lang="en-US" dirty="0"/>
+              <a:t>Void type – the universal pointer</a:t>
+            </a:r>
+          </a:p>
+          <a:p>
+            <a:r>
+              <a:rPr lang="en-US" dirty="0"/>
+              <a:t>Passing arrays by reference</a:t>
+            </a:r>
+          </a:p>
+          <a:p>
+            <a:r>
+              <a:rPr lang="en-US" dirty="0"/>
+              <a:t>Recursion</a:t>
+            </a:r>
+          </a:p>
+          <a:p>
+            <a:r>
+              <a:rPr lang="en-US" dirty="0"/>
+              <a:t>The Pre Processor</a:t>
+            </a:r>
           </a:p>
         </p:txBody>
       </p:sp>
@@ -3700,7 +4032,7 @@
 </p:sld>
 </file>
 
-<file path=ppt/slides/slide4.xml><?xml version="1.0" encoding="utf-8"?>
+<file path=ppt/slides/slide8.xml><?xml version="1.0" encoding="utf-8"?>
 <p:sld xmlns:a="http://schemas.openxmlformats.org/drawingml/2006/main" xmlns:r="http://schemas.openxmlformats.org/officeDocument/2006/relationships" xmlns:p="http://schemas.openxmlformats.org/presentationml/2006/main">
   <p:cSld>
     <p:spTree>

--- a/lectures/KR-4.pptx
+++ b/lectures/KR-4.pptx
@@ -7,12 +7,19 @@
   <p:sldIdLst>
     <p:sldId id="256" r:id="rId2"/>
     <p:sldId id="287" r:id="rId3"/>
-    <p:sldId id="288" r:id="rId4"/>
-    <p:sldId id="289" r:id="rId5"/>
-    <p:sldId id="290" r:id="rId6"/>
-    <p:sldId id="291" r:id="rId7"/>
-    <p:sldId id="284" r:id="rId8"/>
-    <p:sldId id="285" r:id="rId9"/>
+    <p:sldId id="297" r:id="rId4"/>
+    <p:sldId id="298" r:id="rId5"/>
+    <p:sldId id="288" r:id="rId6"/>
+    <p:sldId id="292" r:id="rId7"/>
+    <p:sldId id="293" r:id="rId8"/>
+    <p:sldId id="294" r:id="rId9"/>
+    <p:sldId id="295" r:id="rId10"/>
+    <p:sldId id="296" r:id="rId11"/>
+    <p:sldId id="289" r:id="rId12"/>
+    <p:sldId id="290" r:id="rId13"/>
+    <p:sldId id="291" r:id="rId14"/>
+    <p:sldId id="284" r:id="rId15"/>
+    <p:sldId id="285" r:id="rId16"/>
   </p:sldIdLst>
   <p:sldSz cx="12192000" cy="6858000"/>
   <p:notesSz cx="6858000" cy="9144000"/>
@@ -3478,6 +3485,1429 @@
 </p:sld>
 </file>
 
+<file path=ppt/slides/slide10.xml><?xml version="1.0" encoding="utf-8"?>
+<p:sld xmlns:a="http://schemas.openxmlformats.org/drawingml/2006/main" xmlns:r="http://schemas.openxmlformats.org/officeDocument/2006/relationships" xmlns:p="http://schemas.openxmlformats.org/presentationml/2006/main">
+  <p:cSld>
+    <p:spTree>
+      <p:nvGrpSpPr>
+        <p:cNvPr id="1" name=""/>
+        <p:cNvGrpSpPr/>
+        <p:nvPr/>
+      </p:nvGrpSpPr>
+      <p:grpSpPr>
+        <a:xfrm>
+          <a:off x="0" y="0"/>
+          <a:ext cx="0" cy="0"/>
+          <a:chOff x="0" y="0"/>
+          <a:chExt cx="0" cy="0"/>
+        </a:xfrm>
+      </p:grpSpPr>
+      <p:sp>
+        <p:nvSpPr>
+          <p:cNvPr id="9" name="Rectangle 8">
+            <a:extLst>
+              <a:ext uri="{FF2B5EF4-FFF2-40B4-BE49-F238E27FC236}">
+                <a16:creationId xmlns:a16="http://schemas.microsoft.com/office/drawing/2014/main" id="{B5DE88A2-0BAA-511E-921E-3BDA4B25E5A4}"/>
+              </a:ext>
+            </a:extLst>
+          </p:cNvPr>
+          <p:cNvSpPr/>
+          <p:nvPr/>
+        </p:nvSpPr>
+        <p:spPr>
+          <a:xfrm>
+            <a:off x="5861943" y="1203060"/>
+            <a:ext cx="1289957" cy="4629149"/>
+          </a:xfrm>
+          <a:prstGeom prst="rect">
+            <a:avLst/>
+          </a:prstGeom>
+          <a:solidFill>
+            <a:schemeClr val="bg1"/>
+          </a:solidFill>
+          <a:ln w="28575"/>
+        </p:spPr>
+        <p:style>
+          <a:lnRef idx="2">
+            <a:schemeClr val="accent1">
+              <a:shade val="50000"/>
+            </a:schemeClr>
+          </a:lnRef>
+          <a:fillRef idx="1">
+            <a:schemeClr val="accent1"/>
+          </a:fillRef>
+          <a:effectRef idx="0">
+            <a:schemeClr val="accent1"/>
+          </a:effectRef>
+          <a:fontRef idx="minor">
+            <a:schemeClr val="lt1"/>
+          </a:fontRef>
+        </p:style>
+        <p:txBody>
+          <a:bodyPr rtlCol="0" anchor="ctr"/>
+          <a:lstStyle/>
+          <a:p>
+            <a:pPr algn="ctr"/>
+            <a:endParaRPr lang="en-US"/>
+          </a:p>
+        </p:txBody>
+      </p:sp>
+      <p:sp>
+        <p:nvSpPr>
+          <p:cNvPr id="4" name="TextBox 3">
+            <a:extLst>
+              <a:ext uri="{FF2B5EF4-FFF2-40B4-BE49-F238E27FC236}">
+                <a16:creationId xmlns:a16="http://schemas.microsoft.com/office/drawing/2014/main" id="{F6120957-35F6-C82C-E0BD-A7B15EF85A00}"/>
+              </a:ext>
+            </a:extLst>
+          </p:cNvPr>
+          <p:cNvSpPr txBox="1"/>
+          <p:nvPr/>
+        </p:nvSpPr>
+        <p:spPr>
+          <a:xfrm>
+            <a:off x="598695" y="776453"/>
+            <a:ext cx="4751622" cy="3785652"/>
+          </a:xfrm>
+          <a:prstGeom prst="rect">
+            <a:avLst/>
+          </a:prstGeom>
+          <a:noFill/>
+        </p:spPr>
+        <p:txBody>
+          <a:bodyPr wrap="none" rtlCol="0">
+            <a:spAutoFit/>
+          </a:bodyPr>
+          <a:lstStyle/>
+          <a:p>
+            <a:r>
+              <a:rPr lang="en-US" sz="1600" b="1" dirty="0">
+                <a:latin typeface="Courier New" panose="02070309020205020404" pitchFamily="49" charset="0"/>
+                <a:cs typeface="Courier New" panose="02070309020205020404" pitchFamily="49" charset="0"/>
+              </a:rPr>
+              <a:t>void one(op)</a:t>
+            </a:r>
+          </a:p>
+          <a:p>
+            <a:r>
+              <a:rPr lang="en-US" sz="1600" b="1" dirty="0">
+                <a:latin typeface="Courier New" panose="02070309020205020404" pitchFamily="49" charset="0"/>
+                <a:cs typeface="Courier New" panose="02070309020205020404" pitchFamily="49" charset="0"/>
+              </a:rPr>
+              <a:t>    int op;</a:t>
+            </a:r>
+          </a:p>
+          <a:p>
+            <a:r>
+              <a:rPr lang="en-US" sz="1600" b="1" dirty="0">
+                <a:latin typeface="Courier New" panose="02070309020205020404" pitchFamily="49" charset="0"/>
+                <a:cs typeface="Courier New" panose="02070309020205020404" pitchFamily="49" charset="0"/>
+              </a:rPr>
+              <a:t>{   </a:t>
+            </a:r>
+          </a:p>
+          <a:p>
+            <a:r>
+              <a:rPr lang="en-US" sz="1600" b="1" dirty="0">
+                <a:latin typeface="Courier New" panose="02070309020205020404" pitchFamily="49" charset="0"/>
+                <a:cs typeface="Courier New" panose="02070309020205020404" pitchFamily="49" charset="0"/>
+              </a:rPr>
+              <a:t>    int </a:t>
+            </a:r>
+            <a:r>
+              <a:rPr lang="en-US" sz="1600" b="1" dirty="0" err="1">
+                <a:latin typeface="Courier New" panose="02070309020205020404" pitchFamily="49" charset="0"/>
+                <a:cs typeface="Courier New" panose="02070309020205020404" pitchFamily="49" charset="0"/>
+              </a:rPr>
+              <a:t>tn</a:t>
+            </a:r>
+            <a:r>
+              <a:rPr lang="en-US" sz="1600" b="1" dirty="0">
+                <a:latin typeface="Courier New" panose="02070309020205020404" pitchFamily="49" charset="0"/>
+                <a:cs typeface="Courier New" panose="02070309020205020404" pitchFamily="49" charset="0"/>
+              </a:rPr>
+              <a:t> = 10;</a:t>
+            </a:r>
+          </a:p>
+          <a:p>
+            <a:r>
+              <a:rPr lang="en-US" sz="1600" b="1" dirty="0">
+                <a:latin typeface="Courier New" panose="02070309020205020404" pitchFamily="49" charset="0"/>
+                <a:cs typeface="Courier New" panose="02070309020205020404" pitchFamily="49" charset="0"/>
+              </a:rPr>
+              <a:t>    </a:t>
+            </a:r>
+            <a:r>
+              <a:rPr lang="en-US" sz="1600" b="1" dirty="0" err="1">
+                <a:latin typeface="Courier New" panose="02070309020205020404" pitchFamily="49" charset="0"/>
+                <a:cs typeface="Courier New" panose="02070309020205020404" pitchFamily="49" charset="0"/>
+              </a:rPr>
+              <a:t>printf</a:t>
+            </a:r>
+            <a:r>
+              <a:rPr lang="en-US" sz="1600" b="1" dirty="0">
+                <a:latin typeface="Courier New" panose="02070309020205020404" pitchFamily="49" charset="0"/>
+                <a:cs typeface="Courier New" panose="02070309020205020404" pitchFamily="49" charset="0"/>
+              </a:rPr>
+              <a:t>("One  op before %d\</a:t>
+            </a:r>
+            <a:r>
+              <a:rPr lang="en-US" sz="1600" b="1" dirty="0" err="1">
+                <a:latin typeface="Courier New" panose="02070309020205020404" pitchFamily="49" charset="0"/>
+                <a:cs typeface="Courier New" panose="02070309020205020404" pitchFamily="49" charset="0"/>
+              </a:rPr>
+              <a:t>n",op</a:t>
+            </a:r>
+            <a:r>
+              <a:rPr lang="en-US" sz="1600" b="1" dirty="0">
+                <a:latin typeface="Courier New" panose="02070309020205020404" pitchFamily="49" charset="0"/>
+                <a:cs typeface="Courier New" panose="02070309020205020404" pitchFamily="49" charset="0"/>
+              </a:rPr>
+              <a:t>);</a:t>
+            </a:r>
+          </a:p>
+          <a:p>
+            <a:r>
+              <a:rPr lang="en-US" sz="1600" b="1" dirty="0">
+                <a:latin typeface="Courier New" panose="02070309020205020404" pitchFamily="49" charset="0"/>
+                <a:cs typeface="Courier New" panose="02070309020205020404" pitchFamily="49" charset="0"/>
+              </a:rPr>
+              <a:t>    op = op - </a:t>
+            </a:r>
+            <a:r>
+              <a:rPr lang="en-US" sz="1600" b="1" dirty="0" err="1">
+                <a:latin typeface="Courier New" panose="02070309020205020404" pitchFamily="49" charset="0"/>
+                <a:cs typeface="Courier New" panose="02070309020205020404" pitchFamily="49" charset="0"/>
+              </a:rPr>
+              <a:t>tn</a:t>
+            </a:r>
+            <a:r>
+              <a:rPr lang="en-US" sz="1600" b="1" dirty="0">
+                <a:latin typeface="Courier New" panose="02070309020205020404" pitchFamily="49" charset="0"/>
+                <a:cs typeface="Courier New" panose="02070309020205020404" pitchFamily="49" charset="0"/>
+              </a:rPr>
+              <a:t>;</a:t>
+            </a:r>
+          </a:p>
+          <a:p>
+            <a:r>
+              <a:rPr lang="en-US" sz="1600" b="1" dirty="0">
+                <a:latin typeface="Courier New" panose="02070309020205020404" pitchFamily="49" charset="0"/>
+                <a:cs typeface="Courier New" panose="02070309020205020404" pitchFamily="49" charset="0"/>
+              </a:rPr>
+              <a:t>    </a:t>
+            </a:r>
+            <a:r>
+              <a:rPr lang="en-US" sz="1600" b="1" dirty="0" err="1">
+                <a:latin typeface="Courier New" panose="02070309020205020404" pitchFamily="49" charset="0"/>
+                <a:cs typeface="Courier New" panose="02070309020205020404" pitchFamily="49" charset="0"/>
+              </a:rPr>
+              <a:t>printf</a:t>
+            </a:r>
+            <a:r>
+              <a:rPr lang="en-US" sz="1600" b="1" dirty="0">
+                <a:latin typeface="Courier New" panose="02070309020205020404" pitchFamily="49" charset="0"/>
+                <a:cs typeface="Courier New" panose="02070309020205020404" pitchFamily="49" charset="0"/>
+              </a:rPr>
+              <a:t>("One  op after  %d\</a:t>
+            </a:r>
+            <a:r>
+              <a:rPr lang="en-US" sz="1600" b="1" dirty="0" err="1">
+                <a:latin typeface="Courier New" panose="02070309020205020404" pitchFamily="49" charset="0"/>
+                <a:cs typeface="Courier New" panose="02070309020205020404" pitchFamily="49" charset="0"/>
+              </a:rPr>
+              <a:t>n",op</a:t>
+            </a:r>
+            <a:r>
+              <a:rPr lang="en-US" sz="1600" b="1" dirty="0">
+                <a:latin typeface="Courier New" panose="02070309020205020404" pitchFamily="49" charset="0"/>
+                <a:cs typeface="Courier New" panose="02070309020205020404" pitchFamily="49" charset="0"/>
+              </a:rPr>
+              <a:t>);</a:t>
+            </a:r>
+          </a:p>
+          <a:p>
+            <a:r>
+              <a:rPr lang="en-US" sz="1600" b="1" dirty="0">
+                <a:latin typeface="Courier New" panose="02070309020205020404" pitchFamily="49" charset="0"/>
+                <a:cs typeface="Courier New" panose="02070309020205020404" pitchFamily="49" charset="0"/>
+              </a:rPr>
+              <a:t>}</a:t>
+            </a:r>
+          </a:p>
+          <a:p>
+            <a:endParaRPr lang="en-US" sz="1600" b="1" dirty="0">
+              <a:latin typeface="Courier New" panose="02070309020205020404" pitchFamily="49" charset="0"/>
+              <a:cs typeface="Courier New" panose="02070309020205020404" pitchFamily="49" charset="0"/>
+            </a:endParaRPr>
+          </a:p>
+          <a:p>
+            <a:r>
+              <a:rPr lang="en-US" sz="1600" b="1" dirty="0">
+                <a:latin typeface="Courier New" panose="02070309020205020404" pitchFamily="49" charset="0"/>
+                <a:cs typeface="Courier New" panose="02070309020205020404" pitchFamily="49" charset="0"/>
+              </a:rPr>
+              <a:t>int main() {</a:t>
+            </a:r>
+          </a:p>
+          <a:p>
+            <a:r>
+              <a:rPr lang="en-US" sz="1600" b="1" dirty="0">
+                <a:latin typeface="Courier New" panose="02070309020205020404" pitchFamily="49" charset="0"/>
+                <a:cs typeface="Courier New" panose="02070309020205020404" pitchFamily="49" charset="0"/>
+              </a:rPr>
+              <a:t>    int ma = 42; </a:t>
+            </a:r>
+          </a:p>
+          <a:p>
+            <a:r>
+              <a:rPr lang="en-US" sz="1600" b="1" dirty="0">
+                <a:latin typeface="Courier New" panose="02070309020205020404" pitchFamily="49" charset="0"/>
+                <a:cs typeface="Courier New" panose="02070309020205020404" pitchFamily="49" charset="0"/>
+              </a:rPr>
+              <a:t>    </a:t>
+            </a:r>
+            <a:r>
+              <a:rPr lang="en-US" sz="1600" b="1" dirty="0" err="1">
+                <a:latin typeface="Courier New" panose="02070309020205020404" pitchFamily="49" charset="0"/>
+                <a:cs typeface="Courier New" panose="02070309020205020404" pitchFamily="49" charset="0"/>
+              </a:rPr>
+              <a:t>printf</a:t>
+            </a:r>
+            <a:r>
+              <a:rPr lang="en-US" sz="1600" b="1" dirty="0">
+                <a:latin typeface="Courier New" panose="02070309020205020404" pitchFamily="49" charset="0"/>
+                <a:cs typeface="Courier New" panose="02070309020205020404" pitchFamily="49" charset="0"/>
+              </a:rPr>
+              <a:t>("Main ma before %d\</a:t>
+            </a:r>
+            <a:r>
+              <a:rPr lang="en-US" sz="1600" b="1" dirty="0" err="1">
+                <a:latin typeface="Courier New" panose="02070309020205020404" pitchFamily="49" charset="0"/>
+                <a:cs typeface="Courier New" panose="02070309020205020404" pitchFamily="49" charset="0"/>
+              </a:rPr>
+              <a:t>n",ma</a:t>
+            </a:r>
+            <a:r>
+              <a:rPr lang="en-US" sz="1600" b="1" dirty="0">
+                <a:latin typeface="Courier New" panose="02070309020205020404" pitchFamily="49" charset="0"/>
+                <a:cs typeface="Courier New" panose="02070309020205020404" pitchFamily="49" charset="0"/>
+              </a:rPr>
+              <a:t>);</a:t>
+            </a:r>
+          </a:p>
+          <a:p>
+            <a:r>
+              <a:rPr lang="en-US" sz="1600" b="1" dirty="0">
+                <a:latin typeface="Courier New" panose="02070309020205020404" pitchFamily="49" charset="0"/>
+                <a:cs typeface="Courier New" panose="02070309020205020404" pitchFamily="49" charset="0"/>
+              </a:rPr>
+              <a:t>    one(ma);</a:t>
+            </a:r>
+          </a:p>
+          <a:p>
+            <a:r>
+              <a:rPr lang="en-US" sz="1600" b="1" dirty="0">
+                <a:latin typeface="Courier New" panose="02070309020205020404" pitchFamily="49" charset="0"/>
+                <a:cs typeface="Courier New" panose="02070309020205020404" pitchFamily="49" charset="0"/>
+              </a:rPr>
+              <a:t>    </a:t>
+            </a:r>
+            <a:r>
+              <a:rPr lang="en-US" sz="1600" b="1" dirty="0" err="1">
+                <a:latin typeface="Courier New" panose="02070309020205020404" pitchFamily="49" charset="0"/>
+                <a:cs typeface="Courier New" panose="02070309020205020404" pitchFamily="49" charset="0"/>
+              </a:rPr>
+              <a:t>printf</a:t>
+            </a:r>
+            <a:r>
+              <a:rPr lang="en-US" sz="1600" b="1" dirty="0">
+                <a:latin typeface="Courier New" panose="02070309020205020404" pitchFamily="49" charset="0"/>
+                <a:cs typeface="Courier New" panose="02070309020205020404" pitchFamily="49" charset="0"/>
+              </a:rPr>
+              <a:t>("Main ma after  %d\</a:t>
+            </a:r>
+            <a:r>
+              <a:rPr lang="en-US" sz="1600" b="1" dirty="0" err="1">
+                <a:latin typeface="Courier New" panose="02070309020205020404" pitchFamily="49" charset="0"/>
+                <a:cs typeface="Courier New" panose="02070309020205020404" pitchFamily="49" charset="0"/>
+              </a:rPr>
+              <a:t>n",ma</a:t>
+            </a:r>
+            <a:r>
+              <a:rPr lang="en-US" sz="1600" b="1" dirty="0">
+                <a:latin typeface="Courier New" panose="02070309020205020404" pitchFamily="49" charset="0"/>
+                <a:cs typeface="Courier New" panose="02070309020205020404" pitchFamily="49" charset="0"/>
+              </a:rPr>
+              <a:t>);</a:t>
+            </a:r>
+          </a:p>
+          <a:p>
+            <a:r>
+              <a:rPr lang="en-US" sz="1600" b="1" dirty="0">
+                <a:latin typeface="Courier New" panose="02070309020205020404" pitchFamily="49" charset="0"/>
+                <a:cs typeface="Courier New" panose="02070309020205020404" pitchFamily="49" charset="0"/>
+              </a:rPr>
+              <a:t>}</a:t>
+            </a:r>
+          </a:p>
+        </p:txBody>
+      </p:sp>
+      <p:sp>
+        <p:nvSpPr>
+          <p:cNvPr id="5" name="TextBox 4">
+            <a:extLst>
+              <a:ext uri="{FF2B5EF4-FFF2-40B4-BE49-F238E27FC236}">
+                <a16:creationId xmlns:a16="http://schemas.microsoft.com/office/drawing/2014/main" id="{70BF47B6-82C2-527F-764A-DBEF6FE9491F}"/>
+              </a:ext>
+            </a:extLst>
+          </p:cNvPr>
+          <p:cNvSpPr txBox="1"/>
+          <p:nvPr/>
+        </p:nvSpPr>
+        <p:spPr>
+          <a:xfrm>
+            <a:off x="293915" y="6338986"/>
+            <a:ext cx="1382485" cy="307777"/>
+          </a:xfrm>
+          <a:prstGeom prst="rect">
+            <a:avLst/>
+          </a:prstGeom>
+          <a:noFill/>
+        </p:spPr>
+        <p:txBody>
+          <a:bodyPr wrap="square">
+            <a:spAutoFit/>
+          </a:bodyPr>
+          <a:lstStyle/>
+          <a:p>
+            <a:r>
+              <a:rPr lang="en-US" sz="1400" b="1" dirty="0">
+                <a:solidFill>
+                  <a:srgbClr val="000000"/>
+                </a:solidFill>
+                <a:latin typeface="Menlo" panose="020B0609030804020204" pitchFamily="49" charset="0"/>
+              </a:rPr>
+              <a:t>kr_04_01.c</a:t>
+            </a:r>
+          </a:p>
+        </p:txBody>
+      </p:sp>
+      <p:sp>
+        <p:nvSpPr>
+          <p:cNvPr id="6" name="TextBox 5">
+            <a:extLst>
+              <a:ext uri="{FF2B5EF4-FFF2-40B4-BE49-F238E27FC236}">
+                <a16:creationId xmlns:a16="http://schemas.microsoft.com/office/drawing/2014/main" id="{2C6526EF-2BB6-C9A5-C88A-9548E85E54AA}"/>
+              </a:ext>
+            </a:extLst>
+          </p:cNvPr>
+          <p:cNvSpPr txBox="1"/>
+          <p:nvPr/>
+        </p:nvSpPr>
+        <p:spPr>
+          <a:xfrm>
+            <a:off x="1103538" y="4799337"/>
+            <a:ext cx="2528256" cy="1200329"/>
+          </a:xfrm>
+          <a:prstGeom prst="rect">
+            <a:avLst/>
+          </a:prstGeom>
+          <a:noFill/>
+        </p:spPr>
+        <p:txBody>
+          <a:bodyPr wrap="none" rtlCol="0">
+            <a:spAutoFit/>
+          </a:bodyPr>
+          <a:lstStyle/>
+          <a:p>
+            <a:r>
+              <a:rPr lang="en-US" b="1" dirty="0">
+                <a:latin typeface="Courier New" panose="02070309020205020404" pitchFamily="49" charset="0"/>
+                <a:cs typeface="Courier New" panose="02070309020205020404" pitchFamily="49" charset="0"/>
+              </a:rPr>
+              <a:t>Main ma before 42</a:t>
+            </a:r>
+          </a:p>
+          <a:p>
+            <a:r>
+              <a:rPr lang="en-US" b="1" dirty="0">
+                <a:latin typeface="Courier New" panose="02070309020205020404" pitchFamily="49" charset="0"/>
+                <a:cs typeface="Courier New" panose="02070309020205020404" pitchFamily="49" charset="0"/>
+              </a:rPr>
+              <a:t>One  op before 42</a:t>
+            </a:r>
+          </a:p>
+          <a:p>
+            <a:r>
+              <a:rPr lang="en-US" b="1" dirty="0">
+                <a:latin typeface="Courier New" panose="02070309020205020404" pitchFamily="49" charset="0"/>
+                <a:cs typeface="Courier New" panose="02070309020205020404" pitchFamily="49" charset="0"/>
+              </a:rPr>
+              <a:t>One  op after  30</a:t>
+            </a:r>
+          </a:p>
+          <a:p>
+            <a:r>
+              <a:rPr lang="en-US" b="1" dirty="0">
+                <a:latin typeface="Courier New" panose="02070309020205020404" pitchFamily="49" charset="0"/>
+                <a:cs typeface="Courier New" panose="02070309020205020404" pitchFamily="49" charset="0"/>
+              </a:rPr>
+              <a:t>Main ma after  42</a:t>
+            </a:r>
+          </a:p>
+        </p:txBody>
+      </p:sp>
+      <p:sp>
+        <p:nvSpPr>
+          <p:cNvPr id="7" name="Rectangle 6">
+            <a:extLst>
+              <a:ext uri="{FF2B5EF4-FFF2-40B4-BE49-F238E27FC236}">
+                <a16:creationId xmlns:a16="http://schemas.microsoft.com/office/drawing/2014/main" id="{CF2A4D56-1F60-AB7D-3BCB-6C5FC63E6905}"/>
+              </a:ext>
+            </a:extLst>
+          </p:cNvPr>
+          <p:cNvSpPr/>
+          <p:nvPr/>
+        </p:nvSpPr>
+        <p:spPr>
+          <a:xfrm>
+            <a:off x="5861943" y="5399502"/>
+            <a:ext cx="1289957" cy="432707"/>
+          </a:xfrm>
+          <a:prstGeom prst="rect">
+            <a:avLst/>
+          </a:prstGeom>
+          <a:solidFill>
+            <a:schemeClr val="bg1"/>
+          </a:solidFill>
+          <a:ln w="28575"/>
+        </p:spPr>
+        <p:style>
+          <a:lnRef idx="2">
+            <a:schemeClr val="accent1">
+              <a:shade val="50000"/>
+            </a:schemeClr>
+          </a:lnRef>
+          <a:fillRef idx="1">
+            <a:schemeClr val="accent1"/>
+          </a:fillRef>
+          <a:effectRef idx="0">
+            <a:schemeClr val="accent1"/>
+          </a:effectRef>
+          <a:fontRef idx="minor">
+            <a:schemeClr val="lt1"/>
+          </a:fontRef>
+        </p:style>
+        <p:txBody>
+          <a:bodyPr rtlCol="0" anchor="ctr"/>
+          <a:lstStyle/>
+          <a:p>
+            <a:r>
+              <a:rPr lang="en-US" dirty="0">
+                <a:solidFill>
+                  <a:schemeClr val="tx1"/>
+                </a:solidFill>
+                <a:latin typeface="Courier New" panose="02070309020205020404" pitchFamily="49" charset="0"/>
+                <a:cs typeface="Courier New" panose="02070309020205020404" pitchFamily="49" charset="0"/>
+              </a:rPr>
+              <a:t>ma</a:t>
+            </a:r>
+          </a:p>
+        </p:txBody>
+      </p:sp>
+      <p:sp>
+        <p:nvSpPr>
+          <p:cNvPr id="8" name="Rectangle 7">
+            <a:extLst>
+              <a:ext uri="{FF2B5EF4-FFF2-40B4-BE49-F238E27FC236}">
+                <a16:creationId xmlns:a16="http://schemas.microsoft.com/office/drawing/2014/main" id="{A88B3B43-2899-3CF2-FFBA-DC1357ED5834}"/>
+              </a:ext>
+            </a:extLst>
+          </p:cNvPr>
+          <p:cNvSpPr/>
+          <p:nvPr/>
+        </p:nvSpPr>
+        <p:spPr>
+          <a:xfrm>
+            <a:off x="6368129" y="5399502"/>
+            <a:ext cx="783771" cy="432707"/>
+          </a:xfrm>
+          <a:prstGeom prst="rect">
+            <a:avLst/>
+          </a:prstGeom>
+          <a:solidFill>
+            <a:schemeClr val="bg2"/>
+          </a:solidFill>
+          <a:ln w="28575"/>
+        </p:spPr>
+        <p:style>
+          <a:lnRef idx="2">
+            <a:schemeClr val="accent1">
+              <a:shade val="50000"/>
+            </a:schemeClr>
+          </a:lnRef>
+          <a:fillRef idx="1">
+            <a:schemeClr val="accent1"/>
+          </a:fillRef>
+          <a:effectRef idx="0">
+            <a:schemeClr val="accent1"/>
+          </a:effectRef>
+          <a:fontRef idx="minor">
+            <a:schemeClr val="lt1"/>
+          </a:fontRef>
+        </p:style>
+        <p:txBody>
+          <a:bodyPr rtlCol="0" anchor="ctr"/>
+          <a:lstStyle/>
+          <a:p>
+            <a:pPr algn="ctr"/>
+            <a:r>
+              <a:rPr lang="en-US" dirty="0">
+                <a:solidFill>
+                  <a:schemeClr val="tx1"/>
+                </a:solidFill>
+              </a:rPr>
+              <a:t>42</a:t>
+            </a:r>
+          </a:p>
+        </p:txBody>
+      </p:sp>
+      <p:sp>
+        <p:nvSpPr>
+          <p:cNvPr id="10" name="TextBox 9">
+            <a:extLst>
+              <a:ext uri="{FF2B5EF4-FFF2-40B4-BE49-F238E27FC236}">
+                <a16:creationId xmlns:a16="http://schemas.microsoft.com/office/drawing/2014/main" id="{350BE642-BC91-4CE6-A618-D8AC090F594B}"/>
+              </a:ext>
+            </a:extLst>
+          </p:cNvPr>
+          <p:cNvSpPr txBox="1"/>
+          <p:nvPr/>
+        </p:nvSpPr>
+        <p:spPr>
+          <a:xfrm>
+            <a:off x="6188510" y="625681"/>
+            <a:ext cx="736164" cy="400110"/>
+          </a:xfrm>
+          <a:prstGeom prst="rect">
+            <a:avLst/>
+          </a:prstGeom>
+          <a:noFill/>
+        </p:spPr>
+        <p:txBody>
+          <a:bodyPr wrap="none" rtlCol="0">
+            <a:spAutoFit/>
+          </a:bodyPr>
+          <a:lstStyle/>
+          <a:p>
+            <a:r>
+              <a:rPr lang="en-US" sz="2000" dirty="0"/>
+              <a:t>Stack</a:t>
+            </a:r>
+          </a:p>
+        </p:txBody>
+      </p:sp>
+      <p:sp>
+        <p:nvSpPr>
+          <p:cNvPr id="11" name="TextBox 10">
+            <a:extLst>
+              <a:ext uri="{FF2B5EF4-FFF2-40B4-BE49-F238E27FC236}">
+                <a16:creationId xmlns:a16="http://schemas.microsoft.com/office/drawing/2014/main" id="{FE0E6899-6033-14FE-FD62-FF541AC3ABDD}"/>
+              </a:ext>
+            </a:extLst>
+          </p:cNvPr>
+          <p:cNvSpPr txBox="1"/>
+          <p:nvPr/>
+        </p:nvSpPr>
+        <p:spPr>
+          <a:xfrm>
+            <a:off x="5955302" y="5992385"/>
+            <a:ext cx="966931" cy="400110"/>
+          </a:xfrm>
+          <a:prstGeom prst="rect">
+            <a:avLst/>
+          </a:prstGeom>
+          <a:noFill/>
+        </p:spPr>
+        <p:txBody>
+          <a:bodyPr wrap="none" rtlCol="0">
+            <a:spAutoFit/>
+          </a:bodyPr>
+          <a:lstStyle/>
+          <a:p>
+            <a:r>
+              <a:rPr lang="en-US" sz="2000" dirty="0"/>
+              <a:t>Time -&gt;</a:t>
+            </a:r>
+          </a:p>
+        </p:txBody>
+      </p:sp>
+      <p:sp>
+        <p:nvSpPr>
+          <p:cNvPr id="22" name="Rectangle 21">
+            <a:extLst>
+              <a:ext uri="{FF2B5EF4-FFF2-40B4-BE49-F238E27FC236}">
+                <a16:creationId xmlns:a16="http://schemas.microsoft.com/office/drawing/2014/main" id="{95C2C898-8B93-AE6A-F5BF-F266F8A779B4}"/>
+              </a:ext>
+            </a:extLst>
+          </p:cNvPr>
+          <p:cNvSpPr/>
+          <p:nvPr/>
+        </p:nvSpPr>
+        <p:spPr>
+          <a:xfrm>
+            <a:off x="10480215" y="1203060"/>
+            <a:ext cx="1289957" cy="4629149"/>
+          </a:xfrm>
+          <a:prstGeom prst="rect">
+            <a:avLst/>
+          </a:prstGeom>
+          <a:solidFill>
+            <a:schemeClr val="bg1"/>
+          </a:solidFill>
+          <a:ln w="28575"/>
+        </p:spPr>
+        <p:style>
+          <a:lnRef idx="2">
+            <a:schemeClr val="accent1">
+              <a:shade val="50000"/>
+            </a:schemeClr>
+          </a:lnRef>
+          <a:fillRef idx="1">
+            <a:schemeClr val="accent1"/>
+          </a:fillRef>
+          <a:effectRef idx="0">
+            <a:schemeClr val="accent1"/>
+          </a:effectRef>
+          <a:fontRef idx="minor">
+            <a:schemeClr val="lt1"/>
+          </a:fontRef>
+        </p:style>
+        <p:txBody>
+          <a:bodyPr rtlCol="0" anchor="ctr"/>
+          <a:lstStyle/>
+          <a:p>
+            <a:pPr algn="ctr"/>
+            <a:endParaRPr lang="en-US"/>
+          </a:p>
+        </p:txBody>
+      </p:sp>
+      <p:sp>
+        <p:nvSpPr>
+          <p:cNvPr id="23" name="Rectangle 22">
+            <a:extLst>
+              <a:ext uri="{FF2B5EF4-FFF2-40B4-BE49-F238E27FC236}">
+                <a16:creationId xmlns:a16="http://schemas.microsoft.com/office/drawing/2014/main" id="{69AF8311-5969-47A0-9844-0688B9F55248}"/>
+              </a:ext>
+            </a:extLst>
+          </p:cNvPr>
+          <p:cNvSpPr/>
+          <p:nvPr/>
+        </p:nvSpPr>
+        <p:spPr>
+          <a:xfrm>
+            <a:off x="10480215" y="5399502"/>
+            <a:ext cx="1289957" cy="432707"/>
+          </a:xfrm>
+          <a:prstGeom prst="rect">
+            <a:avLst/>
+          </a:prstGeom>
+          <a:solidFill>
+            <a:schemeClr val="bg1"/>
+          </a:solidFill>
+          <a:ln w="28575"/>
+        </p:spPr>
+        <p:style>
+          <a:lnRef idx="2">
+            <a:schemeClr val="accent1">
+              <a:shade val="50000"/>
+            </a:schemeClr>
+          </a:lnRef>
+          <a:fillRef idx="1">
+            <a:schemeClr val="accent1"/>
+          </a:fillRef>
+          <a:effectRef idx="0">
+            <a:schemeClr val="accent1"/>
+          </a:effectRef>
+          <a:fontRef idx="minor">
+            <a:schemeClr val="lt1"/>
+          </a:fontRef>
+        </p:style>
+        <p:txBody>
+          <a:bodyPr rtlCol="0" anchor="ctr"/>
+          <a:lstStyle/>
+          <a:p>
+            <a:r>
+              <a:rPr lang="en-US" dirty="0">
+                <a:solidFill>
+                  <a:schemeClr val="tx1"/>
+                </a:solidFill>
+                <a:latin typeface="Courier New" panose="02070309020205020404" pitchFamily="49" charset="0"/>
+                <a:cs typeface="Courier New" panose="02070309020205020404" pitchFamily="49" charset="0"/>
+              </a:rPr>
+              <a:t>ma</a:t>
+            </a:r>
+          </a:p>
+        </p:txBody>
+      </p:sp>
+      <p:sp>
+        <p:nvSpPr>
+          <p:cNvPr id="24" name="Rectangle 23">
+            <a:extLst>
+              <a:ext uri="{FF2B5EF4-FFF2-40B4-BE49-F238E27FC236}">
+                <a16:creationId xmlns:a16="http://schemas.microsoft.com/office/drawing/2014/main" id="{38AEECC6-957E-E6B8-9CC1-969BCACFDA48}"/>
+              </a:ext>
+            </a:extLst>
+          </p:cNvPr>
+          <p:cNvSpPr/>
+          <p:nvPr/>
+        </p:nvSpPr>
+        <p:spPr>
+          <a:xfrm>
+            <a:off x="10986401" y="5399502"/>
+            <a:ext cx="783771" cy="432707"/>
+          </a:xfrm>
+          <a:prstGeom prst="rect">
+            <a:avLst/>
+          </a:prstGeom>
+          <a:solidFill>
+            <a:schemeClr val="bg2"/>
+          </a:solidFill>
+          <a:ln w="28575"/>
+        </p:spPr>
+        <p:style>
+          <a:lnRef idx="2">
+            <a:schemeClr val="accent1">
+              <a:shade val="50000"/>
+            </a:schemeClr>
+          </a:lnRef>
+          <a:fillRef idx="1">
+            <a:schemeClr val="accent1"/>
+          </a:fillRef>
+          <a:effectRef idx="0">
+            <a:schemeClr val="accent1"/>
+          </a:effectRef>
+          <a:fontRef idx="minor">
+            <a:schemeClr val="lt1"/>
+          </a:fontRef>
+        </p:style>
+        <p:txBody>
+          <a:bodyPr rtlCol="0" anchor="ctr"/>
+          <a:lstStyle/>
+          <a:p>
+            <a:pPr algn="ctr"/>
+            <a:r>
+              <a:rPr lang="en-US" dirty="0">
+                <a:solidFill>
+                  <a:schemeClr val="tx1"/>
+                </a:solidFill>
+              </a:rPr>
+              <a:t>42</a:t>
+            </a:r>
+          </a:p>
+        </p:txBody>
+      </p:sp>
+      <p:sp>
+        <p:nvSpPr>
+          <p:cNvPr id="32" name="TextBox 31">
+            <a:extLst>
+              <a:ext uri="{FF2B5EF4-FFF2-40B4-BE49-F238E27FC236}">
+                <a16:creationId xmlns:a16="http://schemas.microsoft.com/office/drawing/2014/main" id="{256190C7-007A-83BA-39F3-0655ED2C880A}"/>
+              </a:ext>
+            </a:extLst>
+          </p:cNvPr>
+          <p:cNvSpPr txBox="1"/>
+          <p:nvPr/>
+        </p:nvSpPr>
+        <p:spPr>
+          <a:xfrm>
+            <a:off x="4454966" y="5292689"/>
+            <a:ext cx="1289957" cy="646331"/>
+          </a:xfrm>
+          <a:prstGeom prst="rect">
+            <a:avLst/>
+          </a:prstGeom>
+          <a:noFill/>
+        </p:spPr>
+        <p:txBody>
+          <a:bodyPr wrap="square" rtlCol="0">
+            <a:spAutoFit/>
+          </a:bodyPr>
+          <a:lstStyle/>
+          <a:p>
+            <a:r>
+              <a:rPr lang="en-US" dirty="0"/>
+              <a:t>main auto vars</a:t>
+            </a:r>
+          </a:p>
+        </p:txBody>
+      </p:sp>
+      <p:sp>
+        <p:nvSpPr>
+          <p:cNvPr id="3" name="TextBox 2">
+            <a:extLst>
+              <a:ext uri="{FF2B5EF4-FFF2-40B4-BE49-F238E27FC236}">
+                <a16:creationId xmlns:a16="http://schemas.microsoft.com/office/drawing/2014/main" id="{AF635377-5CD7-D7B6-C252-FBFFE0BD0CB6}"/>
+              </a:ext>
+            </a:extLst>
+          </p:cNvPr>
+          <p:cNvSpPr txBox="1"/>
+          <p:nvPr/>
+        </p:nvSpPr>
+        <p:spPr>
+          <a:xfrm>
+            <a:off x="7377781" y="5420002"/>
+            <a:ext cx="2925548" cy="369332"/>
+          </a:xfrm>
+          <a:prstGeom prst="rect">
+            <a:avLst/>
+          </a:prstGeom>
+          <a:noFill/>
+        </p:spPr>
+        <p:txBody>
+          <a:bodyPr wrap="square" rtlCol="0">
+            <a:spAutoFit/>
+          </a:bodyPr>
+          <a:lstStyle/>
+          <a:p>
+            <a:pPr algn="ctr"/>
+            <a:r>
+              <a:rPr lang="en-US" dirty="0"/>
+              <a:t>main automatic variables</a:t>
+            </a:r>
+          </a:p>
+        </p:txBody>
+      </p:sp>
+    </p:spTree>
+    <p:extLst>
+      <p:ext uri="{BB962C8B-B14F-4D97-AF65-F5344CB8AC3E}">
+        <p14:creationId xmlns:p14="http://schemas.microsoft.com/office/powerpoint/2010/main" val="1220354159"/>
+      </p:ext>
+    </p:extLst>
+  </p:cSld>
+  <p:clrMapOvr>
+    <a:masterClrMapping/>
+  </p:clrMapOvr>
+</p:sld>
+</file>
+
+<file path=ppt/slides/slide11.xml><?xml version="1.0" encoding="utf-8"?>
+<p:sld xmlns:a="http://schemas.openxmlformats.org/drawingml/2006/main" xmlns:r="http://schemas.openxmlformats.org/officeDocument/2006/relationships" xmlns:p="http://schemas.openxmlformats.org/presentationml/2006/main">
+  <p:cSld>
+    <p:spTree>
+      <p:nvGrpSpPr>
+        <p:cNvPr id="1" name=""/>
+        <p:cNvGrpSpPr/>
+        <p:nvPr/>
+      </p:nvGrpSpPr>
+      <p:grpSpPr>
+        <a:xfrm>
+          <a:off x="0" y="0"/>
+          <a:ext cx="0" cy="0"/>
+          <a:chOff x="0" y="0"/>
+          <a:chExt cx="0" cy="0"/>
+        </a:xfrm>
+      </p:grpSpPr>
+      <p:sp>
+        <p:nvSpPr>
+          <p:cNvPr id="2" name="Title 1">
+            <a:extLst>
+              <a:ext uri="{FF2B5EF4-FFF2-40B4-BE49-F238E27FC236}">
+                <a16:creationId xmlns:a16="http://schemas.microsoft.com/office/drawing/2014/main" id="{385F24F3-8CFB-3A2B-58E6-8338F5E96C74}"/>
+              </a:ext>
+            </a:extLst>
+          </p:cNvPr>
+          <p:cNvSpPr>
+            <a:spLocks noGrp="1"/>
+          </p:cNvSpPr>
+          <p:nvPr>
+            <p:ph type="title"/>
+          </p:nvPr>
+        </p:nvSpPr>
+        <p:spPr/>
+        <p:txBody>
+          <a:bodyPr/>
+          <a:lstStyle/>
+          <a:p>
+            <a:r>
+              <a:rPr lang="en-US" dirty="0"/>
+              <a:t>Arrays pass by reference</a:t>
+            </a:r>
+          </a:p>
+        </p:txBody>
+      </p:sp>
+      <p:sp>
+        <p:nvSpPr>
+          <p:cNvPr id="3" name="Content Placeholder 2">
+            <a:extLst>
+              <a:ext uri="{FF2B5EF4-FFF2-40B4-BE49-F238E27FC236}">
+                <a16:creationId xmlns:a16="http://schemas.microsoft.com/office/drawing/2014/main" id="{9E14723B-2E88-EE4E-C3F7-1C1BCD89DBFB}"/>
+              </a:ext>
+            </a:extLst>
+          </p:cNvPr>
+          <p:cNvSpPr>
+            <a:spLocks noGrp="1"/>
+          </p:cNvSpPr>
+          <p:nvPr>
+            <p:ph idx="1"/>
+          </p:nvPr>
+        </p:nvSpPr>
+        <p:spPr/>
+        <p:txBody>
+          <a:bodyPr/>
+          <a:lstStyle/>
+          <a:p>
+            <a:endParaRPr lang="en-US"/>
+          </a:p>
+        </p:txBody>
+      </p:sp>
+    </p:spTree>
+    <p:extLst>
+      <p:ext uri="{BB962C8B-B14F-4D97-AF65-F5344CB8AC3E}">
+        <p14:creationId xmlns:p14="http://schemas.microsoft.com/office/powerpoint/2010/main" val="3196115876"/>
+      </p:ext>
+    </p:extLst>
+  </p:cSld>
+  <p:clrMapOvr>
+    <a:masterClrMapping/>
+  </p:clrMapOvr>
+</p:sld>
+</file>
+
+<file path=ppt/slides/slide12.xml><?xml version="1.0" encoding="utf-8"?>
+<p:sld xmlns:a="http://schemas.openxmlformats.org/drawingml/2006/main" xmlns:r="http://schemas.openxmlformats.org/officeDocument/2006/relationships" xmlns:p="http://schemas.openxmlformats.org/presentationml/2006/main">
+  <p:cSld>
+    <p:spTree>
+      <p:nvGrpSpPr>
+        <p:cNvPr id="1" name=""/>
+        <p:cNvGrpSpPr/>
+        <p:nvPr/>
+      </p:nvGrpSpPr>
+      <p:grpSpPr>
+        <a:xfrm>
+          <a:off x="0" y="0"/>
+          <a:ext cx="0" cy="0"/>
+          <a:chOff x="0" y="0"/>
+          <a:chExt cx="0" cy="0"/>
+        </a:xfrm>
+      </p:grpSpPr>
+      <p:sp>
+        <p:nvSpPr>
+          <p:cNvPr id="2" name="Title 1">
+            <a:extLst>
+              <a:ext uri="{FF2B5EF4-FFF2-40B4-BE49-F238E27FC236}">
+                <a16:creationId xmlns:a16="http://schemas.microsoft.com/office/drawing/2014/main" id="{617513D2-75CA-9FF5-AF46-15E529B6E5B9}"/>
+              </a:ext>
+            </a:extLst>
+          </p:cNvPr>
+          <p:cNvSpPr>
+            <a:spLocks noGrp="1"/>
+          </p:cNvSpPr>
+          <p:nvPr>
+            <p:ph type="title"/>
+          </p:nvPr>
+        </p:nvSpPr>
+        <p:spPr/>
+        <p:txBody>
+          <a:bodyPr/>
+          <a:lstStyle/>
+          <a:p>
+            <a:r>
+              <a:rPr lang="en-US" dirty="0"/>
+              <a:t>Recursion, see recursion</a:t>
+            </a:r>
+          </a:p>
+        </p:txBody>
+      </p:sp>
+      <p:sp>
+        <p:nvSpPr>
+          <p:cNvPr id="3" name="Content Placeholder 2">
+            <a:extLst>
+              <a:ext uri="{FF2B5EF4-FFF2-40B4-BE49-F238E27FC236}">
+                <a16:creationId xmlns:a16="http://schemas.microsoft.com/office/drawing/2014/main" id="{7DAC45BB-9830-1EBE-B746-2FA7FEC20F2F}"/>
+              </a:ext>
+            </a:extLst>
+          </p:cNvPr>
+          <p:cNvSpPr>
+            <a:spLocks noGrp="1"/>
+          </p:cNvSpPr>
+          <p:nvPr>
+            <p:ph idx="1"/>
+          </p:nvPr>
+        </p:nvSpPr>
+        <p:spPr/>
+        <p:txBody>
+          <a:bodyPr/>
+          <a:lstStyle/>
+          <a:p>
+            <a:endParaRPr lang="en-US"/>
+          </a:p>
+        </p:txBody>
+      </p:sp>
+    </p:spTree>
+    <p:extLst>
+      <p:ext uri="{BB962C8B-B14F-4D97-AF65-F5344CB8AC3E}">
+        <p14:creationId xmlns:p14="http://schemas.microsoft.com/office/powerpoint/2010/main" val="1546743805"/>
+      </p:ext>
+    </p:extLst>
+  </p:cSld>
+  <p:clrMapOvr>
+    <a:masterClrMapping/>
+  </p:clrMapOvr>
+</p:sld>
+</file>
+
+<file path=ppt/slides/slide13.xml><?xml version="1.0" encoding="utf-8"?>
+<p:sld xmlns:a="http://schemas.openxmlformats.org/drawingml/2006/main" xmlns:r="http://schemas.openxmlformats.org/officeDocument/2006/relationships" xmlns:p="http://schemas.openxmlformats.org/presentationml/2006/main">
+  <p:cSld>
+    <p:spTree>
+      <p:nvGrpSpPr>
+        <p:cNvPr id="1" name=""/>
+        <p:cNvGrpSpPr/>
+        <p:nvPr/>
+      </p:nvGrpSpPr>
+      <p:grpSpPr>
+        <a:xfrm>
+          <a:off x="0" y="0"/>
+          <a:ext cx="0" cy="0"/>
+          <a:chOff x="0" y="0"/>
+          <a:chExt cx="0" cy="0"/>
+        </a:xfrm>
+      </p:grpSpPr>
+      <p:sp>
+        <p:nvSpPr>
+          <p:cNvPr id="2" name="Title 1">
+            <a:extLst>
+              <a:ext uri="{FF2B5EF4-FFF2-40B4-BE49-F238E27FC236}">
+                <a16:creationId xmlns:a16="http://schemas.microsoft.com/office/drawing/2014/main" id="{A873E460-3B9E-0C94-30C0-5AA55AAF307F}"/>
+              </a:ext>
+            </a:extLst>
+          </p:cNvPr>
+          <p:cNvSpPr>
+            <a:spLocks noGrp="1"/>
+          </p:cNvSpPr>
+          <p:nvPr>
+            <p:ph type="title"/>
+          </p:nvPr>
+        </p:nvSpPr>
+        <p:spPr/>
+        <p:txBody>
+          <a:bodyPr/>
+          <a:lstStyle/>
+          <a:p>
+            <a:r>
+              <a:rPr lang="en-US" dirty="0"/>
+              <a:t>The C Pre Processor</a:t>
+            </a:r>
+          </a:p>
+        </p:txBody>
+      </p:sp>
+      <p:sp>
+        <p:nvSpPr>
+          <p:cNvPr id="3" name="Content Placeholder 2">
+            <a:extLst>
+              <a:ext uri="{FF2B5EF4-FFF2-40B4-BE49-F238E27FC236}">
+                <a16:creationId xmlns:a16="http://schemas.microsoft.com/office/drawing/2014/main" id="{D4AF128A-08B5-673B-CFE8-E3156CD0D2DB}"/>
+              </a:ext>
+            </a:extLst>
+          </p:cNvPr>
+          <p:cNvSpPr>
+            <a:spLocks noGrp="1"/>
+          </p:cNvSpPr>
+          <p:nvPr>
+            <p:ph idx="1"/>
+          </p:nvPr>
+        </p:nvSpPr>
+        <p:spPr/>
+        <p:txBody>
+          <a:bodyPr/>
+          <a:lstStyle/>
+          <a:p>
+            <a:endParaRPr lang="en-US"/>
+          </a:p>
+        </p:txBody>
+      </p:sp>
+    </p:spTree>
+    <p:extLst>
+      <p:ext uri="{BB962C8B-B14F-4D97-AF65-F5344CB8AC3E}">
+        <p14:creationId xmlns:p14="http://schemas.microsoft.com/office/powerpoint/2010/main" val="2244150091"/>
+      </p:ext>
+    </p:extLst>
+  </p:cSld>
+  <p:clrMapOvr>
+    <a:masterClrMapping/>
+  </p:clrMapOvr>
+</p:sld>
+</file>
+
+<file path=ppt/slides/slide14.xml><?xml version="1.0" encoding="utf-8"?>
+<p:sld xmlns:a="http://schemas.openxmlformats.org/drawingml/2006/main" xmlns:r="http://schemas.openxmlformats.org/officeDocument/2006/relationships" xmlns:p="http://schemas.openxmlformats.org/presentationml/2006/main">
+  <p:cSld>
+    <p:spTree>
+      <p:nvGrpSpPr>
+        <p:cNvPr id="1" name=""/>
+        <p:cNvGrpSpPr/>
+        <p:nvPr/>
+      </p:nvGrpSpPr>
+      <p:grpSpPr>
+        <a:xfrm>
+          <a:off x="0" y="0"/>
+          <a:ext cx="0" cy="0"/>
+          <a:chOff x="0" y="0"/>
+          <a:chExt cx="0" cy="0"/>
+        </a:xfrm>
+      </p:grpSpPr>
+      <p:sp>
+        <p:nvSpPr>
+          <p:cNvPr id="3" name="Title 2">
+            <a:extLst>
+              <a:ext uri="{FF2B5EF4-FFF2-40B4-BE49-F238E27FC236}">
+                <a16:creationId xmlns:a16="http://schemas.microsoft.com/office/drawing/2014/main" id="{26D5DF8A-3D98-DC7E-85E8-EAC7EDC57520}"/>
+              </a:ext>
+            </a:extLst>
+          </p:cNvPr>
+          <p:cNvSpPr>
+            <a:spLocks noGrp="1"/>
+          </p:cNvSpPr>
+          <p:nvPr>
+            <p:ph type="title"/>
+          </p:nvPr>
+        </p:nvSpPr>
+        <p:spPr/>
+        <p:txBody>
+          <a:bodyPr/>
+          <a:lstStyle/>
+          <a:p>
+            <a:r>
+              <a:rPr lang="en-US" dirty="0"/>
+              <a:t>Summary</a:t>
+            </a:r>
+          </a:p>
+        </p:txBody>
+      </p:sp>
+      <p:sp>
+        <p:nvSpPr>
+          <p:cNvPr id="2" name="Content Placeholder 1">
+            <a:extLst>
+              <a:ext uri="{FF2B5EF4-FFF2-40B4-BE49-F238E27FC236}">
+                <a16:creationId xmlns:a16="http://schemas.microsoft.com/office/drawing/2014/main" id="{50791E68-B219-7E1C-2218-042D2ED13759}"/>
+              </a:ext>
+            </a:extLst>
+          </p:cNvPr>
+          <p:cNvSpPr>
+            <a:spLocks noGrp="1"/>
+          </p:cNvSpPr>
+          <p:nvPr>
+            <p:ph idx="1"/>
+          </p:nvPr>
+        </p:nvSpPr>
+        <p:spPr/>
+        <p:txBody>
+          <a:bodyPr/>
+          <a:lstStyle/>
+          <a:p>
+            <a:r>
+              <a:rPr lang="en-US" dirty="0"/>
+              <a:t>Void type – the universal pointer</a:t>
+            </a:r>
+          </a:p>
+          <a:p>
+            <a:r>
+              <a:rPr lang="en-US" dirty="0"/>
+              <a:t>Passing arrays by reference</a:t>
+            </a:r>
+          </a:p>
+          <a:p>
+            <a:r>
+              <a:rPr lang="en-US" dirty="0"/>
+              <a:t>Recursion</a:t>
+            </a:r>
+          </a:p>
+          <a:p>
+            <a:r>
+              <a:rPr lang="en-US" dirty="0"/>
+              <a:t>The Pre Processor</a:t>
+            </a:r>
+          </a:p>
+        </p:txBody>
+      </p:sp>
+    </p:spTree>
+    <p:extLst>
+      <p:ext uri="{BB962C8B-B14F-4D97-AF65-F5344CB8AC3E}">
+        <p14:creationId xmlns:p14="http://schemas.microsoft.com/office/powerpoint/2010/main" val="3953165598"/>
+      </p:ext>
+    </p:extLst>
+  </p:cSld>
+  <p:clrMapOvr>
+    <a:masterClrMapping/>
+  </p:clrMapOvr>
+</p:sld>
+</file>
+
+<file path=ppt/slides/slide15.xml><?xml version="1.0" encoding="utf-8"?>
+<p:sld xmlns:a="http://schemas.openxmlformats.org/drawingml/2006/main" xmlns:r="http://schemas.openxmlformats.org/officeDocument/2006/relationships" xmlns:p="http://schemas.openxmlformats.org/presentationml/2006/main">
+  <p:cSld>
+    <p:spTree>
+      <p:nvGrpSpPr>
+        <p:cNvPr id="1" name=""/>
+        <p:cNvGrpSpPr/>
+        <p:nvPr/>
+      </p:nvGrpSpPr>
+      <p:grpSpPr>
+        <a:xfrm>
+          <a:off x="0" y="0"/>
+          <a:ext cx="0" cy="0"/>
+          <a:chOff x="0" y="0"/>
+          <a:chExt cx="0" cy="0"/>
+        </a:xfrm>
+      </p:grpSpPr>
+      <p:sp>
+        <p:nvSpPr>
+          <p:cNvPr id="2" name="Title 1">
+            <a:extLst>
+              <a:ext uri="{FF2B5EF4-FFF2-40B4-BE49-F238E27FC236}">
+                <a16:creationId xmlns:a16="http://schemas.microsoft.com/office/drawing/2014/main" id="{38E4AE3D-C70D-220E-82A8-C1D64A900A0F}"/>
+              </a:ext>
+            </a:extLst>
+          </p:cNvPr>
+          <p:cNvSpPr>
+            <a:spLocks noGrp="1"/>
+          </p:cNvSpPr>
+          <p:nvPr>
+            <p:ph type="title"/>
+          </p:nvPr>
+        </p:nvSpPr>
+        <p:spPr/>
+        <p:txBody>
+          <a:bodyPr/>
+          <a:lstStyle/>
+          <a:p>
+            <a:r>
+              <a:rPr lang="en-US" dirty="0"/>
+              <a:t>Acknowledgements / Contributions</a:t>
+            </a:r>
+          </a:p>
+        </p:txBody>
+      </p:sp>
+      <p:sp>
+        <p:nvSpPr>
+          <p:cNvPr id="7" name="TextBox 6">
+            <a:extLst>
+              <a:ext uri="{FF2B5EF4-FFF2-40B4-BE49-F238E27FC236}">
+                <a16:creationId xmlns:a16="http://schemas.microsoft.com/office/drawing/2014/main" id="{D1725F2C-A6DC-4096-AD36-A6A5AF1FFD40}"/>
+              </a:ext>
+            </a:extLst>
+          </p:cNvPr>
+          <p:cNvSpPr txBox="1"/>
+          <p:nvPr/>
+        </p:nvSpPr>
+        <p:spPr>
+          <a:xfrm>
+            <a:off x="838201" y="1502688"/>
+            <a:ext cx="5055704" cy="2492990"/>
+          </a:xfrm>
+          <a:prstGeom prst="rect">
+            <a:avLst/>
+          </a:prstGeom>
+          <a:noFill/>
+        </p:spPr>
+        <p:txBody>
+          <a:bodyPr wrap="square" rtlCol="0">
+            <a:spAutoFit/>
+          </a:bodyPr>
+          <a:lstStyle/>
+          <a:p>
+            <a:r>
+              <a:rPr lang="en-US" sz="1200" dirty="0"/>
+              <a:t>These slides are Copyright 2022-  Charles R. Severance (</a:t>
+            </a:r>
+            <a:r>
+              <a:rPr lang="en-US" sz="1200" dirty="0" err="1"/>
+              <a:t>online.dr-chuck.com</a:t>
+            </a:r>
+            <a:r>
+              <a:rPr lang="en-US" sz="1200" dirty="0"/>
+              <a:t>) as part of www.cc4e.com and made available under a Creative Commons Attribution 4.0 License.  Please maintain this last slide in all copies of the document to comply with the attribution requirements of the license.  If you make a change, feel free to add your name and organization to the list of contributors on this page as you republish the materials.</a:t>
+            </a:r>
+          </a:p>
+          <a:p>
+            <a:endParaRPr lang="en-US" sz="1200" dirty="0"/>
+          </a:p>
+          <a:p>
+            <a:r>
+              <a:rPr lang="en-US" sz="1200" dirty="0"/>
+              <a:t>Initial Development: Charles Severance, University of Michigan School of Information</a:t>
+            </a:r>
+          </a:p>
+          <a:p>
+            <a:endParaRPr lang="en-US" sz="1200" dirty="0"/>
+          </a:p>
+          <a:p>
+            <a:r>
+              <a:rPr lang="en-US" sz="1200" b="1" dirty="0"/>
+              <a:t>Insert new Contributors and Translators here including names and dates</a:t>
+            </a:r>
+          </a:p>
+          <a:p>
+            <a:endParaRPr lang="en-US" sz="1200" dirty="0"/>
+          </a:p>
+          <a:p>
+            <a:endParaRPr lang="en-US" sz="1200" dirty="0"/>
+          </a:p>
+        </p:txBody>
+      </p:sp>
+      <p:sp>
+        <p:nvSpPr>
+          <p:cNvPr id="8" name="TextBox 7">
+            <a:extLst>
+              <a:ext uri="{FF2B5EF4-FFF2-40B4-BE49-F238E27FC236}">
+                <a16:creationId xmlns:a16="http://schemas.microsoft.com/office/drawing/2014/main" id="{A5B0D5A1-502A-F6A1-76FD-6D954B37EE94}"/>
+              </a:ext>
+            </a:extLst>
+          </p:cNvPr>
+          <p:cNvSpPr txBox="1"/>
+          <p:nvPr/>
+        </p:nvSpPr>
+        <p:spPr>
+          <a:xfrm>
+            <a:off x="6298097" y="1502688"/>
+            <a:ext cx="5055704" cy="461665"/>
+          </a:xfrm>
+          <a:prstGeom prst="rect">
+            <a:avLst/>
+          </a:prstGeom>
+          <a:noFill/>
+        </p:spPr>
+        <p:txBody>
+          <a:bodyPr wrap="square" rtlCol="0">
+            <a:spAutoFit/>
+          </a:bodyPr>
+          <a:lstStyle/>
+          <a:p>
+            <a:r>
+              <a:rPr lang="en-US" sz="1200" b="1" dirty="0"/>
+              <a:t>Continue new Contributors and Translators here</a:t>
+            </a:r>
+          </a:p>
+          <a:p>
+            <a:endParaRPr lang="en-US" sz="1200" dirty="0"/>
+          </a:p>
+        </p:txBody>
+      </p:sp>
+    </p:spTree>
+    <p:extLst>
+      <p:ext uri="{BB962C8B-B14F-4D97-AF65-F5344CB8AC3E}">
+        <p14:creationId xmlns:p14="http://schemas.microsoft.com/office/powerpoint/2010/main" val="2963881526"/>
+      </p:ext>
+    </p:extLst>
+  </p:cSld>
+  <p:clrMapOvr>
+    <a:masterClrMapping/>
+  </p:clrMapOvr>
+</p:sld>
+</file>
+
 <file path=ppt/slides/slide2.xml><?xml version="1.0" encoding="utf-8"?>
 <p:sld xmlns:a="http://schemas.openxmlformats.org/drawingml/2006/main" xmlns:r="http://schemas.openxmlformats.org/officeDocument/2006/relationships" xmlns:p="http://schemas.openxmlformats.org/presentationml/2006/main">
   <p:cSld>
@@ -3546,7 +4976,7 @@
           <a:p>
             <a:r>
               <a:rPr lang="en-US" dirty="0"/>
-              <a:t>Section 4.1 – Automatic variables and the stack</a:t>
+              <a:t>Section 4.1 – Automatic variables, parameters and the stack</a:t>
             </a:r>
           </a:p>
           <a:p>
@@ -3618,7 +5048,7 @@
           <p:cNvPr id="2" name="Title 1">
             <a:extLst>
               <a:ext uri="{FF2B5EF4-FFF2-40B4-BE49-F238E27FC236}">
-                <a16:creationId xmlns:a16="http://schemas.microsoft.com/office/drawing/2014/main" id="{3F5C10CB-F825-A6A7-0F62-5C0BF4ADAD7F}"/>
+                <a16:creationId xmlns:a16="http://schemas.microsoft.com/office/drawing/2014/main" id="{D33C2309-AC69-508E-4DD7-095E19117273}"/>
               </a:ext>
             </a:extLst>
           </p:cNvPr>
@@ -3636,7 +5066,7 @@
           <a:p>
             <a:r>
               <a:rPr lang="en-US" dirty="0"/>
-              <a:t>Automatic Variables and the Stack</a:t>
+              <a:t>What is a “stack”</a:t>
             </a:r>
           </a:p>
         </p:txBody>
@@ -3646,7 +5076,7 @@
           <p:cNvPr id="3" name="Content Placeholder 2">
             <a:extLst>
               <a:ext uri="{FF2B5EF4-FFF2-40B4-BE49-F238E27FC236}">
-                <a16:creationId xmlns:a16="http://schemas.microsoft.com/office/drawing/2014/main" id="{D24102EC-796C-7284-84E1-C70122B66A12}"/>
+                <a16:creationId xmlns:a16="http://schemas.microsoft.com/office/drawing/2014/main" id="{53B3770C-1D01-6BF5-1F7B-C38E64A66963}"/>
               </a:ext>
             </a:extLst>
           </p:cNvPr>
@@ -3657,19 +5087,557 @@
             <p:ph idx="1"/>
           </p:nvPr>
         </p:nvSpPr>
-        <p:spPr/>
+        <p:spPr>
+          <a:xfrm>
+            <a:off x="838200" y="1825625"/>
+            <a:ext cx="10515600" cy="1080861"/>
+          </a:xfrm>
+        </p:spPr>
         <p:txBody>
           <a:bodyPr/>
           <a:lstStyle/>
           <a:p>
+            <a:r>
+              <a:rPr lang="en-US" dirty="0"/>
+              <a:t>A stack is a dynamic memory structure that gets larger when we “push” new data onto it and shrinks when we “pop” data from it. </a:t>
+            </a:r>
+          </a:p>
+          <a:p>
+            <a:endParaRPr lang="en-US" dirty="0"/>
+          </a:p>
+          <a:p>
+            <a:endParaRPr lang="en-US" dirty="0"/>
+          </a:p>
+        </p:txBody>
+      </p:sp>
+      <p:sp>
+        <p:nvSpPr>
+          <p:cNvPr id="6" name="TextBox 5">
+            <a:extLst>
+              <a:ext uri="{FF2B5EF4-FFF2-40B4-BE49-F238E27FC236}">
+                <a16:creationId xmlns:a16="http://schemas.microsoft.com/office/drawing/2014/main" id="{E4AF82BA-C6A5-5296-AA34-7B66EDCFE3AF}"/>
+              </a:ext>
+            </a:extLst>
+          </p:cNvPr>
+          <p:cNvSpPr txBox="1"/>
+          <p:nvPr/>
+        </p:nvSpPr>
+        <p:spPr>
+          <a:xfrm>
+            <a:off x="856101" y="3081019"/>
+            <a:ext cx="3147015" cy="2308324"/>
+          </a:xfrm>
+          <a:prstGeom prst="rect">
+            <a:avLst/>
+          </a:prstGeom>
+          <a:noFill/>
+        </p:spPr>
+        <p:txBody>
+          <a:bodyPr wrap="none" rtlCol="0">
+            <a:spAutoFit/>
+          </a:bodyPr>
+          <a:lstStyle/>
+          <a:p>
+            <a:r>
+              <a:rPr lang="en-US" sz="1600" b="1" dirty="0" err="1">
+                <a:latin typeface="Courier New" panose="02070309020205020404" pitchFamily="49" charset="0"/>
+                <a:cs typeface="Courier New" panose="02070309020205020404" pitchFamily="49" charset="0"/>
+              </a:rPr>
+              <a:t>stk</a:t>
+            </a:r>
+            <a:r>
+              <a:rPr lang="en-US" sz="1600" b="1" dirty="0">
+                <a:latin typeface="Courier New" panose="02070309020205020404" pitchFamily="49" charset="0"/>
+                <a:cs typeface="Courier New" panose="02070309020205020404" pitchFamily="49" charset="0"/>
+              </a:rPr>
+              <a:t> = list()</a:t>
+            </a:r>
+          </a:p>
+          <a:p>
+            <a:r>
+              <a:rPr lang="en-US" sz="1600" b="1" dirty="0" err="1">
+                <a:latin typeface="Courier New" panose="02070309020205020404" pitchFamily="49" charset="0"/>
+                <a:cs typeface="Courier New" panose="02070309020205020404" pitchFamily="49" charset="0"/>
+              </a:rPr>
+              <a:t>stk.append</a:t>
+            </a:r>
+            <a:r>
+              <a:rPr lang="en-US" sz="1600" b="1" dirty="0">
+                <a:latin typeface="Courier New" panose="02070309020205020404" pitchFamily="49" charset="0"/>
+                <a:cs typeface="Courier New" panose="02070309020205020404" pitchFamily="49" charset="0"/>
+              </a:rPr>
+              <a:t>("one")</a:t>
+            </a:r>
+          </a:p>
+          <a:p>
+            <a:r>
+              <a:rPr lang="en-US" sz="1600" b="1" dirty="0">
+                <a:latin typeface="Courier New" panose="02070309020205020404" pitchFamily="49" charset="0"/>
+                <a:cs typeface="Courier New" panose="02070309020205020404" pitchFamily="49" charset="0"/>
+              </a:rPr>
+              <a:t>print('Stack 1:', </a:t>
+            </a:r>
+            <a:r>
+              <a:rPr lang="en-US" sz="1600" b="1" dirty="0" err="1">
+                <a:latin typeface="Courier New" panose="02070309020205020404" pitchFamily="49" charset="0"/>
+                <a:cs typeface="Courier New" panose="02070309020205020404" pitchFamily="49" charset="0"/>
+              </a:rPr>
+              <a:t>stk</a:t>
+            </a:r>
+            <a:r>
+              <a:rPr lang="en-US" sz="1600" b="1" dirty="0">
+                <a:latin typeface="Courier New" panose="02070309020205020404" pitchFamily="49" charset="0"/>
+                <a:cs typeface="Courier New" panose="02070309020205020404" pitchFamily="49" charset="0"/>
+              </a:rPr>
+              <a:t>);</a:t>
+            </a:r>
+          </a:p>
+          <a:p>
+            <a:r>
+              <a:rPr lang="en-US" sz="1600" b="1" dirty="0" err="1">
+                <a:latin typeface="Courier New" panose="02070309020205020404" pitchFamily="49" charset="0"/>
+                <a:cs typeface="Courier New" panose="02070309020205020404" pitchFamily="49" charset="0"/>
+              </a:rPr>
+              <a:t>stk.append</a:t>
+            </a:r>
+            <a:r>
+              <a:rPr lang="en-US" sz="1600" b="1" dirty="0">
+                <a:latin typeface="Courier New" panose="02070309020205020404" pitchFamily="49" charset="0"/>
+                <a:cs typeface="Courier New" panose="02070309020205020404" pitchFamily="49" charset="0"/>
+              </a:rPr>
+              <a:t>("two")</a:t>
+            </a:r>
+          </a:p>
+          <a:p>
+            <a:r>
+              <a:rPr lang="en-US" sz="1600" b="1" dirty="0">
+                <a:latin typeface="Courier New" panose="02070309020205020404" pitchFamily="49" charset="0"/>
+                <a:cs typeface="Courier New" panose="02070309020205020404" pitchFamily="49" charset="0"/>
+              </a:rPr>
+              <a:t>print('Stack 2:', </a:t>
+            </a:r>
+            <a:r>
+              <a:rPr lang="en-US" sz="1600" b="1" dirty="0" err="1">
+                <a:latin typeface="Courier New" panose="02070309020205020404" pitchFamily="49" charset="0"/>
+                <a:cs typeface="Courier New" panose="02070309020205020404" pitchFamily="49" charset="0"/>
+              </a:rPr>
+              <a:t>stk</a:t>
+            </a:r>
+            <a:r>
+              <a:rPr lang="en-US" sz="1600" b="1" dirty="0">
+                <a:latin typeface="Courier New" panose="02070309020205020404" pitchFamily="49" charset="0"/>
+                <a:cs typeface="Courier New" panose="02070309020205020404" pitchFamily="49" charset="0"/>
+              </a:rPr>
+              <a:t>);</a:t>
+            </a:r>
+          </a:p>
+          <a:p>
+            <a:r>
+              <a:rPr lang="en-US" sz="1600" b="1" dirty="0" err="1">
+                <a:latin typeface="Courier New" panose="02070309020205020404" pitchFamily="49" charset="0"/>
+                <a:cs typeface="Courier New" panose="02070309020205020404" pitchFamily="49" charset="0"/>
+              </a:rPr>
+              <a:t>stk.append</a:t>
+            </a:r>
+            <a:r>
+              <a:rPr lang="en-US" sz="1600" b="1" dirty="0">
+                <a:latin typeface="Courier New" panose="02070309020205020404" pitchFamily="49" charset="0"/>
+                <a:cs typeface="Courier New" panose="02070309020205020404" pitchFamily="49" charset="0"/>
+              </a:rPr>
+              <a:t>("three")</a:t>
+            </a:r>
+          </a:p>
+          <a:p>
+            <a:r>
+              <a:rPr lang="en-US" sz="1600" b="1" dirty="0">
+                <a:latin typeface="Courier New" panose="02070309020205020404" pitchFamily="49" charset="0"/>
+                <a:cs typeface="Courier New" panose="02070309020205020404" pitchFamily="49" charset="0"/>
+              </a:rPr>
+              <a:t>print('Stack 3:', </a:t>
+            </a:r>
+            <a:r>
+              <a:rPr lang="en-US" sz="1600" b="1" dirty="0" err="1">
+                <a:latin typeface="Courier New" panose="02070309020205020404" pitchFamily="49" charset="0"/>
+                <a:cs typeface="Courier New" panose="02070309020205020404" pitchFamily="49" charset="0"/>
+              </a:rPr>
+              <a:t>stk</a:t>
+            </a:r>
+            <a:r>
+              <a:rPr lang="en-US" sz="1600" b="1" dirty="0">
+                <a:latin typeface="Courier New" panose="02070309020205020404" pitchFamily="49" charset="0"/>
+                <a:cs typeface="Courier New" panose="02070309020205020404" pitchFamily="49" charset="0"/>
+              </a:rPr>
+              <a:t>);</a:t>
+            </a:r>
+          </a:p>
+          <a:p>
+            <a:r>
+              <a:rPr lang="en-US" sz="1600" b="1" dirty="0">
+                <a:latin typeface="Courier New" panose="02070309020205020404" pitchFamily="49" charset="0"/>
+                <a:cs typeface="Courier New" panose="02070309020205020404" pitchFamily="49" charset="0"/>
+              </a:rPr>
+              <a:t>print('Pop!', </a:t>
+            </a:r>
+            <a:r>
+              <a:rPr lang="en-US" sz="1600" b="1" dirty="0" err="1">
+                <a:latin typeface="Courier New" panose="02070309020205020404" pitchFamily="49" charset="0"/>
+                <a:cs typeface="Courier New" panose="02070309020205020404" pitchFamily="49" charset="0"/>
+              </a:rPr>
+              <a:t>stk.pop</a:t>
+            </a:r>
+            <a:r>
+              <a:rPr lang="en-US" sz="1600" b="1" dirty="0">
+                <a:latin typeface="Courier New" panose="02070309020205020404" pitchFamily="49" charset="0"/>
+                <a:cs typeface="Courier New" panose="02070309020205020404" pitchFamily="49" charset="0"/>
+              </a:rPr>
+              <a:t>())</a:t>
+            </a:r>
+          </a:p>
+          <a:p>
+            <a:r>
+              <a:rPr lang="en-US" sz="1600" b="1" dirty="0">
+                <a:latin typeface="Courier New" panose="02070309020205020404" pitchFamily="49" charset="0"/>
+                <a:cs typeface="Courier New" panose="02070309020205020404" pitchFamily="49" charset="0"/>
+              </a:rPr>
+              <a:t>print('Stack 4:', </a:t>
+            </a:r>
+            <a:r>
+              <a:rPr lang="en-US" sz="1600" b="1" dirty="0" err="1">
+                <a:latin typeface="Courier New" panose="02070309020205020404" pitchFamily="49" charset="0"/>
+                <a:cs typeface="Courier New" panose="02070309020205020404" pitchFamily="49" charset="0"/>
+              </a:rPr>
+              <a:t>stk</a:t>
+            </a:r>
+            <a:r>
+              <a:rPr lang="en-US" sz="1600" b="1" dirty="0">
+                <a:latin typeface="Courier New" panose="02070309020205020404" pitchFamily="49" charset="0"/>
+                <a:cs typeface="Courier New" panose="02070309020205020404" pitchFamily="49" charset="0"/>
+              </a:rPr>
+              <a:t>);</a:t>
+            </a:r>
+          </a:p>
+        </p:txBody>
+      </p:sp>
+      <p:sp>
+        <p:nvSpPr>
+          <p:cNvPr id="7" name="TextBox 6">
+            <a:extLst>
+              <a:ext uri="{FF2B5EF4-FFF2-40B4-BE49-F238E27FC236}">
+                <a16:creationId xmlns:a16="http://schemas.microsoft.com/office/drawing/2014/main" id="{425709A2-92BC-EBCE-C6F2-5FD032CED85A}"/>
+              </a:ext>
+            </a:extLst>
+          </p:cNvPr>
+          <p:cNvSpPr txBox="1"/>
+          <p:nvPr/>
+        </p:nvSpPr>
+        <p:spPr>
+          <a:xfrm>
+            <a:off x="293915" y="6338986"/>
+            <a:ext cx="1382485" cy="307777"/>
+          </a:xfrm>
+          <a:prstGeom prst="rect">
+            <a:avLst/>
+          </a:prstGeom>
+          <a:noFill/>
+        </p:spPr>
+        <p:txBody>
+          <a:bodyPr wrap="square">
+            <a:spAutoFit/>
+          </a:bodyPr>
+          <a:lstStyle/>
+          <a:p>
+            <a:r>
+              <a:rPr lang="en-US" sz="1400" b="1" dirty="0">
+                <a:solidFill>
+                  <a:srgbClr val="000000"/>
+                </a:solidFill>
+                <a:latin typeface="Menlo" panose="020B0609030804020204" pitchFamily="49" charset="0"/>
+              </a:rPr>
+              <a:t>kr_04_01.py</a:t>
+            </a:r>
+          </a:p>
+        </p:txBody>
+      </p:sp>
+      <p:sp>
+        <p:nvSpPr>
+          <p:cNvPr id="8" name="TextBox 7">
+            <a:extLst>
+              <a:ext uri="{FF2B5EF4-FFF2-40B4-BE49-F238E27FC236}">
+                <a16:creationId xmlns:a16="http://schemas.microsoft.com/office/drawing/2014/main" id="{EE44C477-56FD-0DB5-B368-B0DC3C7852EA}"/>
+              </a:ext>
+            </a:extLst>
+          </p:cNvPr>
+          <p:cNvSpPr txBox="1"/>
+          <p:nvPr/>
+        </p:nvSpPr>
+        <p:spPr>
+          <a:xfrm>
+            <a:off x="4408346" y="3573461"/>
+            <a:ext cx="4134465" cy="1815882"/>
+          </a:xfrm>
+          <a:prstGeom prst="rect">
+            <a:avLst/>
+          </a:prstGeom>
+          <a:noFill/>
+        </p:spPr>
+        <p:txBody>
+          <a:bodyPr wrap="none" rtlCol="0">
+            <a:spAutoFit/>
+          </a:bodyPr>
+          <a:lstStyle/>
+          <a:p>
+            <a:r>
+              <a:rPr lang="en-US" sz="1600" b="1" dirty="0">
+                <a:latin typeface="Courier New" panose="02070309020205020404" pitchFamily="49" charset="0"/>
+                <a:cs typeface="Courier New" panose="02070309020205020404" pitchFamily="49" charset="0"/>
+              </a:rPr>
+              <a:t>Stack 1: ['one’]</a:t>
+            </a:r>
+          </a:p>
+          <a:p>
+            <a:endParaRPr lang="en-US" sz="1600" b="1" dirty="0">
+              <a:latin typeface="Courier New" panose="02070309020205020404" pitchFamily="49" charset="0"/>
+              <a:cs typeface="Courier New" panose="02070309020205020404" pitchFamily="49" charset="0"/>
+            </a:endParaRPr>
+          </a:p>
+          <a:p>
+            <a:r>
+              <a:rPr lang="en-US" sz="1600" b="1" dirty="0">
+                <a:latin typeface="Courier New" panose="02070309020205020404" pitchFamily="49" charset="0"/>
+                <a:cs typeface="Courier New" panose="02070309020205020404" pitchFamily="49" charset="0"/>
+              </a:rPr>
+              <a:t>Stack 2: ['one', 'two’]</a:t>
+            </a:r>
+          </a:p>
+          <a:p>
+            <a:endParaRPr lang="en-US" sz="1600" b="1" dirty="0">
+              <a:latin typeface="Courier New" panose="02070309020205020404" pitchFamily="49" charset="0"/>
+              <a:cs typeface="Courier New" panose="02070309020205020404" pitchFamily="49" charset="0"/>
+            </a:endParaRPr>
+          </a:p>
+          <a:p>
+            <a:r>
+              <a:rPr lang="en-US" sz="1600" b="1" dirty="0">
+                <a:latin typeface="Courier New" panose="02070309020205020404" pitchFamily="49" charset="0"/>
+                <a:cs typeface="Courier New" panose="02070309020205020404" pitchFamily="49" charset="0"/>
+              </a:rPr>
+              <a:t>Stack 3: ['one', 'two', 'three']</a:t>
+            </a:r>
+          </a:p>
+          <a:p>
+            <a:r>
+              <a:rPr lang="en-US" sz="1600" b="1" dirty="0">
+                <a:latin typeface="Courier New" panose="02070309020205020404" pitchFamily="49" charset="0"/>
+                <a:cs typeface="Courier New" panose="02070309020205020404" pitchFamily="49" charset="0"/>
+              </a:rPr>
+              <a:t>Pop! three</a:t>
+            </a:r>
+          </a:p>
+          <a:p>
+            <a:r>
+              <a:rPr lang="en-US" sz="1600" b="1" dirty="0">
+                <a:latin typeface="Courier New" panose="02070309020205020404" pitchFamily="49" charset="0"/>
+                <a:cs typeface="Courier New" panose="02070309020205020404" pitchFamily="49" charset="0"/>
+              </a:rPr>
+              <a:t>Stack 4: ['one', 'two']</a:t>
+            </a:r>
+          </a:p>
+        </p:txBody>
+      </p:sp>
+      <p:sp>
+        <p:nvSpPr>
+          <p:cNvPr id="9" name="Rectangle 8">
+            <a:extLst>
+              <a:ext uri="{FF2B5EF4-FFF2-40B4-BE49-F238E27FC236}">
+                <a16:creationId xmlns:a16="http://schemas.microsoft.com/office/drawing/2014/main" id="{2326350E-0795-3E87-91DA-97E8581AFD8F}"/>
+              </a:ext>
+            </a:extLst>
+          </p:cNvPr>
+          <p:cNvSpPr/>
+          <p:nvPr/>
+        </p:nvSpPr>
+        <p:spPr>
+          <a:xfrm>
+            <a:off x="8948042" y="3081019"/>
+            <a:ext cx="1289957" cy="2566495"/>
+          </a:xfrm>
+          <a:prstGeom prst="rect">
+            <a:avLst/>
+          </a:prstGeom>
+          <a:solidFill>
+            <a:schemeClr val="bg1"/>
+          </a:solidFill>
+          <a:ln w="28575"/>
+        </p:spPr>
+        <p:style>
+          <a:lnRef idx="2">
+            <a:schemeClr val="accent1">
+              <a:shade val="50000"/>
+            </a:schemeClr>
+          </a:lnRef>
+          <a:fillRef idx="1">
+            <a:schemeClr val="accent1"/>
+          </a:fillRef>
+          <a:effectRef idx="0">
+            <a:schemeClr val="accent1"/>
+          </a:effectRef>
+          <a:fontRef idx="minor">
+            <a:schemeClr val="lt1"/>
+          </a:fontRef>
+        </p:style>
+        <p:txBody>
+          <a:bodyPr rtlCol="0" anchor="ctr"/>
+          <a:lstStyle/>
+          <a:p>
+            <a:pPr algn="ctr"/>
             <a:endParaRPr lang="en-US"/>
+          </a:p>
+        </p:txBody>
+      </p:sp>
+      <p:sp>
+        <p:nvSpPr>
+          <p:cNvPr id="10" name="Rectangle 9">
+            <a:extLst>
+              <a:ext uri="{FF2B5EF4-FFF2-40B4-BE49-F238E27FC236}">
+                <a16:creationId xmlns:a16="http://schemas.microsoft.com/office/drawing/2014/main" id="{8E006ECC-3CCA-70B5-5736-F48E1B6ED2BC}"/>
+              </a:ext>
+            </a:extLst>
+          </p:cNvPr>
+          <p:cNvSpPr/>
+          <p:nvPr/>
+        </p:nvSpPr>
+        <p:spPr>
+          <a:xfrm>
+            <a:off x="8948042" y="5214807"/>
+            <a:ext cx="1289957" cy="432707"/>
+          </a:xfrm>
+          <a:prstGeom prst="rect">
+            <a:avLst/>
+          </a:prstGeom>
+          <a:solidFill>
+            <a:schemeClr val="bg1"/>
+          </a:solidFill>
+          <a:ln w="28575"/>
+        </p:spPr>
+        <p:style>
+          <a:lnRef idx="2">
+            <a:schemeClr val="accent1">
+              <a:shade val="50000"/>
+            </a:schemeClr>
+          </a:lnRef>
+          <a:fillRef idx="1">
+            <a:schemeClr val="accent1"/>
+          </a:fillRef>
+          <a:effectRef idx="0">
+            <a:schemeClr val="accent1"/>
+          </a:effectRef>
+          <a:fontRef idx="minor">
+            <a:schemeClr val="lt1"/>
+          </a:fontRef>
+        </p:style>
+        <p:txBody>
+          <a:bodyPr rtlCol="0" anchor="ctr"/>
+          <a:lstStyle/>
+          <a:p>
+            <a:pPr algn="ctr"/>
+            <a:r>
+              <a:rPr lang="en-US" dirty="0">
+                <a:solidFill>
+                  <a:schemeClr val="tx1"/>
+                </a:solidFill>
+                <a:latin typeface="Courier New" panose="02070309020205020404" pitchFamily="49" charset="0"/>
+                <a:cs typeface="Courier New" panose="02070309020205020404" pitchFamily="49" charset="0"/>
+              </a:rPr>
+              <a:t>one</a:t>
+            </a:r>
+          </a:p>
+        </p:txBody>
+      </p:sp>
+      <p:sp>
+        <p:nvSpPr>
+          <p:cNvPr id="12" name="Up-Down Arrow 11">
+            <a:extLst>
+              <a:ext uri="{FF2B5EF4-FFF2-40B4-BE49-F238E27FC236}">
+                <a16:creationId xmlns:a16="http://schemas.microsoft.com/office/drawing/2014/main" id="{C85E1BBA-E30C-9375-789C-7A097E17F47C}"/>
+              </a:ext>
+            </a:extLst>
+          </p:cNvPr>
+          <p:cNvSpPr/>
+          <p:nvPr/>
+        </p:nvSpPr>
+        <p:spPr>
+          <a:xfrm>
+            <a:off x="9421571" y="3217778"/>
+            <a:ext cx="326586" cy="1213396"/>
+          </a:xfrm>
+          <a:prstGeom prst="upDownArrow">
+            <a:avLst/>
+          </a:prstGeom>
+        </p:spPr>
+        <p:style>
+          <a:lnRef idx="2">
+            <a:schemeClr val="accent1">
+              <a:shade val="50000"/>
+            </a:schemeClr>
+          </a:lnRef>
+          <a:fillRef idx="1">
+            <a:schemeClr val="accent1"/>
+          </a:fillRef>
+          <a:effectRef idx="0">
+            <a:schemeClr val="accent1"/>
+          </a:effectRef>
+          <a:fontRef idx="minor">
+            <a:schemeClr val="lt1"/>
+          </a:fontRef>
+        </p:style>
+        <p:txBody>
+          <a:bodyPr rtlCol="0" anchor="ctr"/>
+          <a:lstStyle/>
+          <a:p>
+            <a:pPr algn="ctr"/>
+            <a:endParaRPr lang="en-US"/>
+          </a:p>
+        </p:txBody>
+      </p:sp>
+      <p:sp>
+        <p:nvSpPr>
+          <p:cNvPr id="18" name="TextBox 17">
+            <a:extLst>
+              <a:ext uri="{FF2B5EF4-FFF2-40B4-BE49-F238E27FC236}">
+                <a16:creationId xmlns:a16="http://schemas.microsoft.com/office/drawing/2014/main" id="{15C0E23D-A2AE-A942-312F-9C665BB8017A}"/>
+              </a:ext>
+            </a:extLst>
+          </p:cNvPr>
+          <p:cNvSpPr txBox="1"/>
+          <p:nvPr/>
+        </p:nvSpPr>
+        <p:spPr>
+          <a:xfrm>
+            <a:off x="3211296" y="5718061"/>
+            <a:ext cx="4691477" cy="369332"/>
+          </a:xfrm>
+          <a:prstGeom prst="rect">
+            <a:avLst/>
+          </a:prstGeom>
+          <a:noFill/>
+        </p:spPr>
+        <p:txBody>
+          <a:bodyPr wrap="none" rtlCol="0">
+            <a:spAutoFit/>
+          </a:bodyPr>
+          <a:lstStyle/>
+          <a:p>
+            <a:r>
+              <a:rPr lang="en-US" dirty="0"/>
+              <a:t>Also known as “Last in First Out” or LIFO Queue.</a:t>
+            </a:r>
           </a:p>
         </p:txBody>
       </p:sp>
     </p:spTree>
     <p:extLst>
       <p:ext uri="{BB962C8B-B14F-4D97-AF65-F5344CB8AC3E}">
-        <p14:creationId xmlns:p14="http://schemas.microsoft.com/office/powerpoint/2010/main" val="496964535"/>
+        <p14:creationId xmlns:p14="http://schemas.microsoft.com/office/powerpoint/2010/main" val="2207272698"/>
       </p:ext>
     </p:extLst>
   </p:cSld>
@@ -3701,7 +5669,7 @@
           <p:cNvPr id="2" name="Title 1">
             <a:extLst>
               <a:ext uri="{FF2B5EF4-FFF2-40B4-BE49-F238E27FC236}">
-                <a16:creationId xmlns:a16="http://schemas.microsoft.com/office/drawing/2014/main" id="{385F24F3-8CFB-3A2B-58E6-8338F5E96C74}"/>
+                <a16:creationId xmlns:a16="http://schemas.microsoft.com/office/drawing/2014/main" id="{D33C2309-AC69-508E-4DD7-095E19117273}"/>
               </a:ext>
             </a:extLst>
           </p:cNvPr>
@@ -3719,7 +5687,7 @@
           <a:p>
             <a:r>
               <a:rPr lang="en-US" dirty="0"/>
-              <a:t>Arrays pass by reference</a:t>
+              <a:t>What is a “stack”</a:t>
             </a:r>
           </a:p>
         </p:txBody>
@@ -3729,7 +5697,7 @@
           <p:cNvPr id="3" name="Content Placeholder 2">
             <a:extLst>
               <a:ext uri="{FF2B5EF4-FFF2-40B4-BE49-F238E27FC236}">
-                <a16:creationId xmlns:a16="http://schemas.microsoft.com/office/drawing/2014/main" id="{9E14723B-2E88-EE4E-C3F7-1C1BCD89DBFB}"/>
+                <a16:creationId xmlns:a16="http://schemas.microsoft.com/office/drawing/2014/main" id="{53B3770C-1D01-6BF5-1F7B-C38E64A66963}"/>
               </a:ext>
             </a:extLst>
           </p:cNvPr>
@@ -3740,19 +5708,771 @@
             <p:ph idx="1"/>
           </p:nvPr>
         </p:nvSpPr>
-        <p:spPr/>
+        <p:spPr>
+          <a:xfrm>
+            <a:off x="838200" y="1825625"/>
+            <a:ext cx="10515600" cy="1080861"/>
+          </a:xfrm>
+        </p:spPr>
         <p:txBody>
           <a:bodyPr/>
           <a:lstStyle/>
           <a:p>
+            <a:r>
+              <a:rPr lang="en-US" dirty="0"/>
+              <a:t>A stack is a dynamic memory structure that gets larger when we “push” new data onto it and shrinks when we “pop” data from it. </a:t>
+            </a:r>
+          </a:p>
+          <a:p>
+            <a:endParaRPr lang="en-US" dirty="0"/>
+          </a:p>
+          <a:p>
+            <a:endParaRPr lang="en-US" dirty="0"/>
+          </a:p>
+        </p:txBody>
+      </p:sp>
+      <p:sp>
+        <p:nvSpPr>
+          <p:cNvPr id="6" name="TextBox 5">
+            <a:extLst>
+              <a:ext uri="{FF2B5EF4-FFF2-40B4-BE49-F238E27FC236}">
+                <a16:creationId xmlns:a16="http://schemas.microsoft.com/office/drawing/2014/main" id="{E4AF82BA-C6A5-5296-AA34-7B66EDCFE3AF}"/>
+              </a:ext>
+            </a:extLst>
+          </p:cNvPr>
+          <p:cNvSpPr txBox="1"/>
+          <p:nvPr/>
+        </p:nvSpPr>
+        <p:spPr>
+          <a:xfrm>
+            <a:off x="856101" y="3081019"/>
+            <a:ext cx="3147015" cy="2308324"/>
+          </a:xfrm>
+          <a:prstGeom prst="rect">
+            <a:avLst/>
+          </a:prstGeom>
+          <a:noFill/>
+        </p:spPr>
+        <p:txBody>
+          <a:bodyPr wrap="none" rtlCol="0">
+            <a:spAutoFit/>
+          </a:bodyPr>
+          <a:lstStyle/>
+          <a:p>
+            <a:r>
+              <a:rPr lang="en-US" sz="1600" b="1" dirty="0" err="1">
+                <a:latin typeface="Courier New" panose="02070309020205020404" pitchFamily="49" charset="0"/>
+                <a:cs typeface="Courier New" panose="02070309020205020404" pitchFamily="49" charset="0"/>
+              </a:rPr>
+              <a:t>stk</a:t>
+            </a:r>
+            <a:r>
+              <a:rPr lang="en-US" sz="1600" b="1" dirty="0">
+                <a:latin typeface="Courier New" panose="02070309020205020404" pitchFamily="49" charset="0"/>
+                <a:cs typeface="Courier New" panose="02070309020205020404" pitchFamily="49" charset="0"/>
+              </a:rPr>
+              <a:t> = list()</a:t>
+            </a:r>
+          </a:p>
+          <a:p>
+            <a:r>
+              <a:rPr lang="en-US" sz="1600" b="1" dirty="0" err="1">
+                <a:latin typeface="Courier New" panose="02070309020205020404" pitchFamily="49" charset="0"/>
+                <a:cs typeface="Courier New" panose="02070309020205020404" pitchFamily="49" charset="0"/>
+              </a:rPr>
+              <a:t>stk.append</a:t>
+            </a:r>
+            <a:r>
+              <a:rPr lang="en-US" sz="1600" b="1" dirty="0">
+                <a:latin typeface="Courier New" panose="02070309020205020404" pitchFamily="49" charset="0"/>
+                <a:cs typeface="Courier New" panose="02070309020205020404" pitchFamily="49" charset="0"/>
+              </a:rPr>
+              <a:t>("one")</a:t>
+            </a:r>
+          </a:p>
+          <a:p>
+            <a:r>
+              <a:rPr lang="en-US" sz="1600" b="1" dirty="0">
+                <a:latin typeface="Courier New" panose="02070309020205020404" pitchFamily="49" charset="0"/>
+                <a:cs typeface="Courier New" panose="02070309020205020404" pitchFamily="49" charset="0"/>
+              </a:rPr>
+              <a:t>print('Stack 1:', </a:t>
+            </a:r>
+            <a:r>
+              <a:rPr lang="en-US" sz="1600" b="1" dirty="0" err="1">
+                <a:latin typeface="Courier New" panose="02070309020205020404" pitchFamily="49" charset="0"/>
+                <a:cs typeface="Courier New" panose="02070309020205020404" pitchFamily="49" charset="0"/>
+              </a:rPr>
+              <a:t>stk</a:t>
+            </a:r>
+            <a:r>
+              <a:rPr lang="en-US" sz="1600" b="1" dirty="0">
+                <a:latin typeface="Courier New" panose="02070309020205020404" pitchFamily="49" charset="0"/>
+                <a:cs typeface="Courier New" panose="02070309020205020404" pitchFamily="49" charset="0"/>
+              </a:rPr>
+              <a:t>);</a:t>
+            </a:r>
+          </a:p>
+          <a:p>
+            <a:r>
+              <a:rPr lang="en-US" sz="1600" b="1" dirty="0" err="1">
+                <a:latin typeface="Courier New" panose="02070309020205020404" pitchFamily="49" charset="0"/>
+                <a:cs typeface="Courier New" panose="02070309020205020404" pitchFamily="49" charset="0"/>
+              </a:rPr>
+              <a:t>stk.append</a:t>
+            </a:r>
+            <a:r>
+              <a:rPr lang="en-US" sz="1600" b="1" dirty="0">
+                <a:latin typeface="Courier New" panose="02070309020205020404" pitchFamily="49" charset="0"/>
+                <a:cs typeface="Courier New" panose="02070309020205020404" pitchFamily="49" charset="0"/>
+              </a:rPr>
+              <a:t>("two")</a:t>
+            </a:r>
+          </a:p>
+          <a:p>
+            <a:r>
+              <a:rPr lang="en-US" sz="1600" b="1" dirty="0">
+                <a:latin typeface="Courier New" panose="02070309020205020404" pitchFamily="49" charset="0"/>
+                <a:cs typeface="Courier New" panose="02070309020205020404" pitchFamily="49" charset="0"/>
+              </a:rPr>
+              <a:t>print('Stack 2:', </a:t>
+            </a:r>
+            <a:r>
+              <a:rPr lang="en-US" sz="1600" b="1" dirty="0" err="1">
+                <a:latin typeface="Courier New" panose="02070309020205020404" pitchFamily="49" charset="0"/>
+                <a:cs typeface="Courier New" panose="02070309020205020404" pitchFamily="49" charset="0"/>
+              </a:rPr>
+              <a:t>stk</a:t>
+            </a:r>
+            <a:r>
+              <a:rPr lang="en-US" sz="1600" b="1" dirty="0">
+                <a:latin typeface="Courier New" panose="02070309020205020404" pitchFamily="49" charset="0"/>
+                <a:cs typeface="Courier New" panose="02070309020205020404" pitchFamily="49" charset="0"/>
+              </a:rPr>
+              <a:t>);</a:t>
+            </a:r>
+          </a:p>
+          <a:p>
+            <a:r>
+              <a:rPr lang="en-US" sz="1600" b="1" dirty="0" err="1">
+                <a:latin typeface="Courier New" panose="02070309020205020404" pitchFamily="49" charset="0"/>
+                <a:cs typeface="Courier New" panose="02070309020205020404" pitchFamily="49" charset="0"/>
+              </a:rPr>
+              <a:t>stk.append</a:t>
+            </a:r>
+            <a:r>
+              <a:rPr lang="en-US" sz="1600" b="1" dirty="0">
+                <a:latin typeface="Courier New" panose="02070309020205020404" pitchFamily="49" charset="0"/>
+                <a:cs typeface="Courier New" panose="02070309020205020404" pitchFamily="49" charset="0"/>
+              </a:rPr>
+              <a:t>("three")</a:t>
+            </a:r>
+          </a:p>
+          <a:p>
+            <a:r>
+              <a:rPr lang="en-US" sz="1600" b="1" dirty="0">
+                <a:latin typeface="Courier New" panose="02070309020205020404" pitchFamily="49" charset="0"/>
+                <a:cs typeface="Courier New" panose="02070309020205020404" pitchFamily="49" charset="0"/>
+              </a:rPr>
+              <a:t>print('Stack 3:', </a:t>
+            </a:r>
+            <a:r>
+              <a:rPr lang="en-US" sz="1600" b="1" dirty="0" err="1">
+                <a:latin typeface="Courier New" panose="02070309020205020404" pitchFamily="49" charset="0"/>
+                <a:cs typeface="Courier New" panose="02070309020205020404" pitchFamily="49" charset="0"/>
+              </a:rPr>
+              <a:t>stk</a:t>
+            </a:r>
+            <a:r>
+              <a:rPr lang="en-US" sz="1600" b="1" dirty="0">
+                <a:latin typeface="Courier New" panose="02070309020205020404" pitchFamily="49" charset="0"/>
+                <a:cs typeface="Courier New" panose="02070309020205020404" pitchFamily="49" charset="0"/>
+              </a:rPr>
+              <a:t>);</a:t>
+            </a:r>
+          </a:p>
+          <a:p>
+            <a:r>
+              <a:rPr lang="en-US" sz="1600" b="1" dirty="0">
+                <a:latin typeface="Courier New" panose="02070309020205020404" pitchFamily="49" charset="0"/>
+                <a:cs typeface="Courier New" panose="02070309020205020404" pitchFamily="49" charset="0"/>
+              </a:rPr>
+              <a:t>print('Pop!', </a:t>
+            </a:r>
+            <a:r>
+              <a:rPr lang="en-US" sz="1600" b="1" dirty="0" err="1">
+                <a:latin typeface="Courier New" panose="02070309020205020404" pitchFamily="49" charset="0"/>
+                <a:cs typeface="Courier New" panose="02070309020205020404" pitchFamily="49" charset="0"/>
+              </a:rPr>
+              <a:t>stk.pop</a:t>
+            </a:r>
+            <a:r>
+              <a:rPr lang="en-US" sz="1600" b="1" dirty="0">
+                <a:latin typeface="Courier New" panose="02070309020205020404" pitchFamily="49" charset="0"/>
+                <a:cs typeface="Courier New" panose="02070309020205020404" pitchFamily="49" charset="0"/>
+              </a:rPr>
+              <a:t>())</a:t>
+            </a:r>
+          </a:p>
+          <a:p>
+            <a:r>
+              <a:rPr lang="en-US" sz="1600" b="1" dirty="0">
+                <a:latin typeface="Courier New" panose="02070309020205020404" pitchFamily="49" charset="0"/>
+                <a:cs typeface="Courier New" panose="02070309020205020404" pitchFamily="49" charset="0"/>
+              </a:rPr>
+              <a:t>print('Stack 4:', </a:t>
+            </a:r>
+            <a:r>
+              <a:rPr lang="en-US" sz="1600" b="1" dirty="0" err="1">
+                <a:latin typeface="Courier New" panose="02070309020205020404" pitchFamily="49" charset="0"/>
+                <a:cs typeface="Courier New" panose="02070309020205020404" pitchFamily="49" charset="0"/>
+              </a:rPr>
+              <a:t>stk</a:t>
+            </a:r>
+            <a:r>
+              <a:rPr lang="en-US" sz="1600" b="1" dirty="0">
+                <a:latin typeface="Courier New" panose="02070309020205020404" pitchFamily="49" charset="0"/>
+                <a:cs typeface="Courier New" panose="02070309020205020404" pitchFamily="49" charset="0"/>
+              </a:rPr>
+              <a:t>);</a:t>
+            </a:r>
+          </a:p>
+        </p:txBody>
+      </p:sp>
+      <p:sp>
+        <p:nvSpPr>
+          <p:cNvPr id="7" name="TextBox 6">
+            <a:extLst>
+              <a:ext uri="{FF2B5EF4-FFF2-40B4-BE49-F238E27FC236}">
+                <a16:creationId xmlns:a16="http://schemas.microsoft.com/office/drawing/2014/main" id="{425709A2-92BC-EBCE-C6F2-5FD032CED85A}"/>
+              </a:ext>
+            </a:extLst>
+          </p:cNvPr>
+          <p:cNvSpPr txBox="1"/>
+          <p:nvPr/>
+        </p:nvSpPr>
+        <p:spPr>
+          <a:xfrm>
+            <a:off x="293915" y="6338986"/>
+            <a:ext cx="1382485" cy="307777"/>
+          </a:xfrm>
+          <a:prstGeom prst="rect">
+            <a:avLst/>
+          </a:prstGeom>
+          <a:noFill/>
+        </p:spPr>
+        <p:txBody>
+          <a:bodyPr wrap="square">
+            <a:spAutoFit/>
+          </a:bodyPr>
+          <a:lstStyle/>
+          <a:p>
+            <a:r>
+              <a:rPr lang="en-US" sz="1400" b="1" dirty="0">
+                <a:solidFill>
+                  <a:srgbClr val="000000"/>
+                </a:solidFill>
+                <a:latin typeface="Menlo" panose="020B0609030804020204" pitchFamily="49" charset="0"/>
+              </a:rPr>
+              <a:t>kr_04_01.py</a:t>
+            </a:r>
+          </a:p>
+        </p:txBody>
+      </p:sp>
+      <p:sp>
+        <p:nvSpPr>
+          <p:cNvPr id="8" name="TextBox 7">
+            <a:extLst>
+              <a:ext uri="{FF2B5EF4-FFF2-40B4-BE49-F238E27FC236}">
+                <a16:creationId xmlns:a16="http://schemas.microsoft.com/office/drawing/2014/main" id="{EE44C477-56FD-0DB5-B368-B0DC3C7852EA}"/>
+              </a:ext>
+            </a:extLst>
+          </p:cNvPr>
+          <p:cNvSpPr txBox="1"/>
+          <p:nvPr/>
+        </p:nvSpPr>
+        <p:spPr>
+          <a:xfrm>
+            <a:off x="4408346" y="3573461"/>
+            <a:ext cx="4134465" cy="1815882"/>
+          </a:xfrm>
+          <a:prstGeom prst="rect">
+            <a:avLst/>
+          </a:prstGeom>
+          <a:noFill/>
+        </p:spPr>
+        <p:txBody>
+          <a:bodyPr wrap="none" rtlCol="0">
+            <a:spAutoFit/>
+          </a:bodyPr>
+          <a:lstStyle/>
+          <a:p>
+            <a:r>
+              <a:rPr lang="en-US" sz="1600" b="1" dirty="0">
+                <a:latin typeface="Courier New" panose="02070309020205020404" pitchFamily="49" charset="0"/>
+                <a:cs typeface="Courier New" panose="02070309020205020404" pitchFamily="49" charset="0"/>
+              </a:rPr>
+              <a:t>Stack 1: ['one’]</a:t>
+            </a:r>
+          </a:p>
+          <a:p>
+            <a:endParaRPr lang="en-US" sz="1600" b="1" dirty="0">
+              <a:latin typeface="Courier New" panose="02070309020205020404" pitchFamily="49" charset="0"/>
+              <a:cs typeface="Courier New" panose="02070309020205020404" pitchFamily="49" charset="0"/>
+            </a:endParaRPr>
+          </a:p>
+          <a:p>
+            <a:r>
+              <a:rPr lang="en-US" sz="1600" b="1" dirty="0">
+                <a:latin typeface="Courier New" panose="02070309020205020404" pitchFamily="49" charset="0"/>
+                <a:cs typeface="Courier New" panose="02070309020205020404" pitchFamily="49" charset="0"/>
+              </a:rPr>
+              <a:t>Stack 2: ['one', 'two’]</a:t>
+            </a:r>
+          </a:p>
+          <a:p>
+            <a:endParaRPr lang="en-US" sz="1600" b="1" dirty="0">
+              <a:latin typeface="Courier New" panose="02070309020205020404" pitchFamily="49" charset="0"/>
+              <a:cs typeface="Courier New" panose="02070309020205020404" pitchFamily="49" charset="0"/>
+            </a:endParaRPr>
+          </a:p>
+          <a:p>
+            <a:r>
+              <a:rPr lang="en-US" sz="1600" b="1" dirty="0">
+                <a:latin typeface="Courier New" panose="02070309020205020404" pitchFamily="49" charset="0"/>
+                <a:cs typeface="Courier New" panose="02070309020205020404" pitchFamily="49" charset="0"/>
+              </a:rPr>
+              <a:t>Stack 3: ['one', 'two', 'three']</a:t>
+            </a:r>
+          </a:p>
+          <a:p>
+            <a:r>
+              <a:rPr lang="en-US" sz="1600" b="1" dirty="0">
+                <a:latin typeface="Courier New" panose="02070309020205020404" pitchFamily="49" charset="0"/>
+                <a:cs typeface="Courier New" panose="02070309020205020404" pitchFamily="49" charset="0"/>
+              </a:rPr>
+              <a:t>Pop! three</a:t>
+            </a:r>
+          </a:p>
+          <a:p>
+            <a:r>
+              <a:rPr lang="en-US" sz="1600" b="1" dirty="0">
+                <a:latin typeface="Courier New" panose="02070309020205020404" pitchFamily="49" charset="0"/>
+                <a:cs typeface="Courier New" panose="02070309020205020404" pitchFamily="49" charset="0"/>
+              </a:rPr>
+              <a:t>Stack 4: ['one', 'two']</a:t>
+            </a:r>
+          </a:p>
+        </p:txBody>
+      </p:sp>
+      <p:sp>
+        <p:nvSpPr>
+          <p:cNvPr id="9" name="Rectangle 8">
+            <a:extLst>
+              <a:ext uri="{FF2B5EF4-FFF2-40B4-BE49-F238E27FC236}">
+                <a16:creationId xmlns:a16="http://schemas.microsoft.com/office/drawing/2014/main" id="{2326350E-0795-3E87-91DA-97E8581AFD8F}"/>
+              </a:ext>
+            </a:extLst>
+          </p:cNvPr>
+          <p:cNvSpPr/>
+          <p:nvPr/>
+        </p:nvSpPr>
+        <p:spPr>
+          <a:xfrm>
+            <a:off x="8948042" y="3081019"/>
+            <a:ext cx="1289957" cy="2566495"/>
+          </a:xfrm>
+          <a:prstGeom prst="rect">
+            <a:avLst/>
+          </a:prstGeom>
+          <a:solidFill>
+            <a:schemeClr val="bg1"/>
+          </a:solidFill>
+          <a:ln w="28575"/>
+        </p:spPr>
+        <p:style>
+          <a:lnRef idx="2">
+            <a:schemeClr val="accent1">
+              <a:shade val="50000"/>
+            </a:schemeClr>
+          </a:lnRef>
+          <a:fillRef idx="1">
+            <a:schemeClr val="accent1"/>
+          </a:fillRef>
+          <a:effectRef idx="0">
+            <a:schemeClr val="accent1"/>
+          </a:effectRef>
+          <a:fontRef idx="minor">
+            <a:schemeClr val="lt1"/>
+          </a:fontRef>
+        </p:style>
+        <p:txBody>
+          <a:bodyPr rtlCol="0" anchor="ctr"/>
+          <a:lstStyle/>
+          <a:p>
+            <a:pPr algn="ctr"/>
             <a:endParaRPr lang="en-US"/>
+          </a:p>
+        </p:txBody>
+      </p:sp>
+      <p:sp>
+        <p:nvSpPr>
+          <p:cNvPr id="10" name="Rectangle 9">
+            <a:extLst>
+              <a:ext uri="{FF2B5EF4-FFF2-40B4-BE49-F238E27FC236}">
+                <a16:creationId xmlns:a16="http://schemas.microsoft.com/office/drawing/2014/main" id="{8E006ECC-3CCA-70B5-5736-F48E1B6ED2BC}"/>
+              </a:ext>
+            </a:extLst>
+          </p:cNvPr>
+          <p:cNvSpPr/>
+          <p:nvPr/>
+        </p:nvSpPr>
+        <p:spPr>
+          <a:xfrm>
+            <a:off x="8948042" y="5214807"/>
+            <a:ext cx="1289957" cy="432707"/>
+          </a:xfrm>
+          <a:prstGeom prst="rect">
+            <a:avLst/>
+          </a:prstGeom>
+          <a:solidFill>
+            <a:schemeClr val="bg1"/>
+          </a:solidFill>
+          <a:ln w="28575"/>
+        </p:spPr>
+        <p:style>
+          <a:lnRef idx="2">
+            <a:schemeClr val="accent1">
+              <a:shade val="50000"/>
+            </a:schemeClr>
+          </a:lnRef>
+          <a:fillRef idx="1">
+            <a:schemeClr val="accent1"/>
+          </a:fillRef>
+          <a:effectRef idx="0">
+            <a:schemeClr val="accent1"/>
+          </a:effectRef>
+          <a:fontRef idx="minor">
+            <a:schemeClr val="lt1"/>
+          </a:fontRef>
+        </p:style>
+        <p:txBody>
+          <a:bodyPr rtlCol="0" anchor="ctr"/>
+          <a:lstStyle/>
+          <a:p>
+            <a:pPr algn="ctr"/>
+            <a:r>
+              <a:rPr lang="en-US" dirty="0">
+                <a:solidFill>
+                  <a:schemeClr val="tx1"/>
+                </a:solidFill>
+                <a:latin typeface="Courier New" panose="02070309020205020404" pitchFamily="49" charset="0"/>
+                <a:cs typeface="Courier New" panose="02070309020205020404" pitchFamily="49" charset="0"/>
+              </a:rPr>
+              <a:t>one</a:t>
+            </a:r>
+          </a:p>
+        </p:txBody>
+      </p:sp>
+      <p:sp>
+        <p:nvSpPr>
+          <p:cNvPr id="12" name="Up-Down Arrow 11">
+            <a:extLst>
+              <a:ext uri="{FF2B5EF4-FFF2-40B4-BE49-F238E27FC236}">
+                <a16:creationId xmlns:a16="http://schemas.microsoft.com/office/drawing/2014/main" id="{C85E1BBA-E30C-9375-789C-7A097E17F47C}"/>
+              </a:ext>
+            </a:extLst>
+          </p:cNvPr>
+          <p:cNvSpPr/>
+          <p:nvPr/>
+        </p:nvSpPr>
+        <p:spPr>
+          <a:xfrm>
+            <a:off x="9421571" y="3217778"/>
+            <a:ext cx="326586" cy="1213396"/>
+          </a:xfrm>
+          <a:prstGeom prst="upDownArrow">
+            <a:avLst/>
+          </a:prstGeom>
+        </p:spPr>
+        <p:style>
+          <a:lnRef idx="2">
+            <a:schemeClr val="accent1">
+              <a:shade val="50000"/>
+            </a:schemeClr>
+          </a:lnRef>
+          <a:fillRef idx="1">
+            <a:schemeClr val="accent1"/>
+          </a:fillRef>
+          <a:effectRef idx="0">
+            <a:schemeClr val="accent1"/>
+          </a:effectRef>
+          <a:fontRef idx="minor">
+            <a:schemeClr val="lt1"/>
+          </a:fontRef>
+        </p:style>
+        <p:txBody>
+          <a:bodyPr rtlCol="0" anchor="ctr"/>
+          <a:lstStyle/>
+          <a:p>
+            <a:pPr algn="ctr"/>
+            <a:endParaRPr lang="en-US"/>
+          </a:p>
+        </p:txBody>
+      </p:sp>
+      <p:sp>
+        <p:nvSpPr>
+          <p:cNvPr id="14" name="Rectangle 13">
+            <a:extLst>
+              <a:ext uri="{FF2B5EF4-FFF2-40B4-BE49-F238E27FC236}">
+                <a16:creationId xmlns:a16="http://schemas.microsoft.com/office/drawing/2014/main" id="{82EEE087-5732-2407-F95C-077959B84091}"/>
+              </a:ext>
+            </a:extLst>
+          </p:cNvPr>
+          <p:cNvSpPr/>
+          <p:nvPr/>
+        </p:nvSpPr>
+        <p:spPr>
+          <a:xfrm>
+            <a:off x="10517665" y="3090410"/>
+            <a:ext cx="1289957" cy="2566495"/>
+          </a:xfrm>
+          <a:prstGeom prst="rect">
+            <a:avLst/>
+          </a:prstGeom>
+          <a:solidFill>
+            <a:schemeClr val="bg1"/>
+          </a:solidFill>
+          <a:ln w="28575"/>
+        </p:spPr>
+        <p:style>
+          <a:lnRef idx="2">
+            <a:schemeClr val="accent1">
+              <a:shade val="50000"/>
+            </a:schemeClr>
+          </a:lnRef>
+          <a:fillRef idx="1">
+            <a:schemeClr val="accent1"/>
+          </a:fillRef>
+          <a:effectRef idx="0">
+            <a:schemeClr val="accent1"/>
+          </a:effectRef>
+          <a:fontRef idx="minor">
+            <a:schemeClr val="lt1"/>
+          </a:fontRef>
+        </p:style>
+        <p:txBody>
+          <a:bodyPr rtlCol="0" anchor="ctr"/>
+          <a:lstStyle/>
+          <a:p>
+            <a:pPr algn="ctr"/>
+            <a:endParaRPr lang="en-US"/>
+          </a:p>
+        </p:txBody>
+      </p:sp>
+      <p:sp>
+        <p:nvSpPr>
+          <p:cNvPr id="15" name="Rectangle 14">
+            <a:extLst>
+              <a:ext uri="{FF2B5EF4-FFF2-40B4-BE49-F238E27FC236}">
+                <a16:creationId xmlns:a16="http://schemas.microsoft.com/office/drawing/2014/main" id="{FE5594F2-3B92-9862-1CD3-F78844A3452B}"/>
+              </a:ext>
+            </a:extLst>
+          </p:cNvPr>
+          <p:cNvSpPr/>
+          <p:nvPr/>
+        </p:nvSpPr>
+        <p:spPr>
+          <a:xfrm>
+            <a:off x="10517665" y="5224198"/>
+            <a:ext cx="1289957" cy="432707"/>
+          </a:xfrm>
+          <a:prstGeom prst="rect">
+            <a:avLst/>
+          </a:prstGeom>
+          <a:solidFill>
+            <a:schemeClr val="bg1"/>
+          </a:solidFill>
+          <a:ln w="28575"/>
+        </p:spPr>
+        <p:style>
+          <a:lnRef idx="2">
+            <a:schemeClr val="accent1">
+              <a:shade val="50000"/>
+            </a:schemeClr>
+          </a:lnRef>
+          <a:fillRef idx="1">
+            <a:schemeClr val="accent1"/>
+          </a:fillRef>
+          <a:effectRef idx="0">
+            <a:schemeClr val="accent1"/>
+          </a:effectRef>
+          <a:fontRef idx="minor">
+            <a:schemeClr val="lt1"/>
+          </a:fontRef>
+        </p:style>
+        <p:txBody>
+          <a:bodyPr rtlCol="0" anchor="ctr"/>
+          <a:lstStyle/>
+          <a:p>
+            <a:pPr algn="ctr"/>
+            <a:r>
+              <a:rPr lang="en-US" dirty="0">
+                <a:solidFill>
+                  <a:schemeClr val="tx1"/>
+                </a:solidFill>
+                <a:latin typeface="Courier New" panose="02070309020205020404" pitchFamily="49" charset="0"/>
+                <a:cs typeface="Courier New" panose="02070309020205020404" pitchFamily="49" charset="0"/>
+              </a:rPr>
+              <a:t>one</a:t>
+            </a:r>
+          </a:p>
+        </p:txBody>
+      </p:sp>
+      <p:sp>
+        <p:nvSpPr>
+          <p:cNvPr id="16" name="Up-Down Arrow 15">
+            <a:extLst>
+              <a:ext uri="{FF2B5EF4-FFF2-40B4-BE49-F238E27FC236}">
+                <a16:creationId xmlns:a16="http://schemas.microsoft.com/office/drawing/2014/main" id="{71DA21F6-EC34-5C6D-2017-81A6937C172C}"/>
+              </a:ext>
+            </a:extLst>
+          </p:cNvPr>
+          <p:cNvSpPr/>
+          <p:nvPr/>
+        </p:nvSpPr>
+        <p:spPr>
+          <a:xfrm>
+            <a:off x="10991194" y="3227169"/>
+            <a:ext cx="326586" cy="1213396"/>
+          </a:xfrm>
+          <a:prstGeom prst="upDownArrow">
+            <a:avLst/>
+          </a:prstGeom>
+        </p:spPr>
+        <p:style>
+          <a:lnRef idx="2">
+            <a:schemeClr val="accent1">
+              <a:shade val="50000"/>
+            </a:schemeClr>
+          </a:lnRef>
+          <a:fillRef idx="1">
+            <a:schemeClr val="accent1"/>
+          </a:fillRef>
+          <a:effectRef idx="0">
+            <a:schemeClr val="accent1"/>
+          </a:effectRef>
+          <a:fontRef idx="minor">
+            <a:schemeClr val="lt1"/>
+          </a:fontRef>
+        </p:style>
+        <p:txBody>
+          <a:bodyPr rtlCol="0" anchor="ctr"/>
+          <a:lstStyle/>
+          <a:p>
+            <a:pPr algn="ctr"/>
+            <a:endParaRPr lang="en-US"/>
+          </a:p>
+        </p:txBody>
+      </p:sp>
+      <p:sp>
+        <p:nvSpPr>
+          <p:cNvPr id="17" name="Rectangle 16">
+            <a:extLst>
+              <a:ext uri="{FF2B5EF4-FFF2-40B4-BE49-F238E27FC236}">
+                <a16:creationId xmlns:a16="http://schemas.microsoft.com/office/drawing/2014/main" id="{14942FAE-1A7C-6ABE-8F88-E947CA3845B8}"/>
+              </a:ext>
+            </a:extLst>
+          </p:cNvPr>
+          <p:cNvSpPr/>
+          <p:nvPr/>
+        </p:nvSpPr>
+        <p:spPr>
+          <a:xfrm>
+            <a:off x="10517665" y="4808734"/>
+            <a:ext cx="1289957" cy="432707"/>
+          </a:xfrm>
+          <a:prstGeom prst="rect">
+            <a:avLst/>
+          </a:prstGeom>
+          <a:solidFill>
+            <a:schemeClr val="bg1"/>
+          </a:solidFill>
+          <a:ln w="28575"/>
+        </p:spPr>
+        <p:style>
+          <a:lnRef idx="2">
+            <a:schemeClr val="accent1">
+              <a:shade val="50000"/>
+            </a:schemeClr>
+          </a:lnRef>
+          <a:fillRef idx="1">
+            <a:schemeClr val="accent1"/>
+          </a:fillRef>
+          <a:effectRef idx="0">
+            <a:schemeClr val="accent1"/>
+          </a:effectRef>
+          <a:fontRef idx="minor">
+            <a:schemeClr val="lt1"/>
+          </a:fontRef>
+        </p:style>
+        <p:txBody>
+          <a:bodyPr rtlCol="0" anchor="ctr"/>
+          <a:lstStyle/>
+          <a:p>
+            <a:pPr algn="ctr"/>
+            <a:r>
+              <a:rPr lang="en-US" dirty="0">
+                <a:solidFill>
+                  <a:schemeClr val="tx1"/>
+                </a:solidFill>
+                <a:latin typeface="Courier New" panose="02070309020205020404" pitchFamily="49" charset="0"/>
+                <a:cs typeface="Courier New" panose="02070309020205020404" pitchFamily="49" charset="0"/>
+              </a:rPr>
+              <a:t>two</a:t>
+            </a:r>
+          </a:p>
+        </p:txBody>
+      </p:sp>
+      <p:sp>
+        <p:nvSpPr>
+          <p:cNvPr id="18" name="TextBox 17">
+            <a:extLst>
+              <a:ext uri="{FF2B5EF4-FFF2-40B4-BE49-F238E27FC236}">
+                <a16:creationId xmlns:a16="http://schemas.microsoft.com/office/drawing/2014/main" id="{15C0E23D-A2AE-A942-312F-9C665BB8017A}"/>
+              </a:ext>
+            </a:extLst>
+          </p:cNvPr>
+          <p:cNvSpPr txBox="1"/>
+          <p:nvPr/>
+        </p:nvSpPr>
+        <p:spPr>
+          <a:xfrm>
+            <a:off x="3211296" y="5718061"/>
+            <a:ext cx="4691477" cy="369332"/>
+          </a:xfrm>
+          <a:prstGeom prst="rect">
+            <a:avLst/>
+          </a:prstGeom>
+          <a:noFill/>
+        </p:spPr>
+        <p:txBody>
+          <a:bodyPr wrap="none" rtlCol="0">
+            <a:spAutoFit/>
+          </a:bodyPr>
+          <a:lstStyle/>
+          <a:p>
+            <a:r>
+              <a:rPr lang="en-US" dirty="0"/>
+              <a:t>Also known as “Last in First Out” or LIFO Queue.</a:t>
+            </a:r>
           </a:p>
         </p:txBody>
       </p:sp>
     </p:spTree>
     <p:extLst>
       <p:ext uri="{BB962C8B-B14F-4D97-AF65-F5344CB8AC3E}">
-        <p14:creationId xmlns:p14="http://schemas.microsoft.com/office/powerpoint/2010/main" val="3196115876"/>
+        <p14:creationId xmlns:p14="http://schemas.microsoft.com/office/powerpoint/2010/main" val="3457457936"/>
       </p:ext>
     </p:extLst>
   </p:cSld>
@@ -3784,7 +6504,7 @@
           <p:cNvPr id="2" name="Title 1">
             <a:extLst>
               <a:ext uri="{FF2B5EF4-FFF2-40B4-BE49-F238E27FC236}">
-                <a16:creationId xmlns:a16="http://schemas.microsoft.com/office/drawing/2014/main" id="{617513D2-75CA-9FF5-AF46-15E529B6E5B9}"/>
+                <a16:creationId xmlns:a16="http://schemas.microsoft.com/office/drawing/2014/main" id="{3F5C10CB-F825-A6A7-0F62-5C0BF4ADAD7F}"/>
               </a:ext>
             </a:extLst>
           </p:cNvPr>
@@ -3802,7 +6522,7 @@
           <a:p>
             <a:r>
               <a:rPr lang="en-US" dirty="0"/>
-              <a:t>Recursion, see recursion</a:t>
+              <a:t>Call by value – But how does it work?</a:t>
             </a:r>
           </a:p>
         </p:txBody>
@@ -3812,7 +6532,7 @@
           <p:cNvPr id="3" name="Content Placeholder 2">
             <a:extLst>
               <a:ext uri="{FF2B5EF4-FFF2-40B4-BE49-F238E27FC236}">
-                <a16:creationId xmlns:a16="http://schemas.microsoft.com/office/drawing/2014/main" id="{7DAC45BB-9830-1EBE-B746-2FA7FEC20F2F}"/>
+                <a16:creationId xmlns:a16="http://schemas.microsoft.com/office/drawing/2014/main" id="{D24102EC-796C-7284-84E1-C70122B66A12}"/>
               </a:ext>
             </a:extLst>
           </p:cNvPr>
@@ -3823,19 +6543,433 @@
             <p:ph idx="1"/>
           </p:nvPr>
         </p:nvSpPr>
-        <p:spPr/>
-        <p:txBody>
-          <a:bodyPr/>
-          <a:lstStyle/>
-          <a:p>
-            <a:endParaRPr lang="en-US"/>
+        <p:spPr>
+          <a:xfrm>
+            <a:off x="6384470" y="1825624"/>
+            <a:ext cx="4969329" cy="2485119"/>
+          </a:xfrm>
+        </p:spPr>
+        <p:txBody>
+          <a:bodyPr>
+            <a:normAutofit lnSpcReduction="10000"/>
+          </a:bodyPr>
+          <a:lstStyle/>
+          <a:p>
+            <a:r>
+              <a:rPr lang="en-US" dirty="0"/>
+              <a:t>Call by value says that within a function, you can change a parameter and it does not affect the variable in the main()</a:t>
+            </a:r>
+          </a:p>
+          <a:p>
+            <a:r>
+              <a:rPr lang="en-US" dirty="0"/>
+              <a:t>Parameters are “isolated to within the function”</a:t>
+            </a:r>
+          </a:p>
+        </p:txBody>
+      </p:sp>
+      <p:sp>
+        <p:nvSpPr>
+          <p:cNvPr id="4" name="TextBox 3">
+            <a:extLst>
+              <a:ext uri="{FF2B5EF4-FFF2-40B4-BE49-F238E27FC236}">
+                <a16:creationId xmlns:a16="http://schemas.microsoft.com/office/drawing/2014/main" id="{F6120957-35F6-C82C-E0BD-A7B15EF85A00}"/>
+              </a:ext>
+            </a:extLst>
+          </p:cNvPr>
+          <p:cNvSpPr txBox="1"/>
+          <p:nvPr/>
+        </p:nvSpPr>
+        <p:spPr>
+          <a:xfrm>
+            <a:off x="838200" y="1845012"/>
+            <a:ext cx="4751622" cy="4031873"/>
+          </a:xfrm>
+          <a:prstGeom prst="rect">
+            <a:avLst/>
+          </a:prstGeom>
+          <a:noFill/>
+        </p:spPr>
+        <p:txBody>
+          <a:bodyPr wrap="none" rtlCol="0">
+            <a:spAutoFit/>
+          </a:bodyPr>
+          <a:lstStyle/>
+          <a:p>
+            <a:r>
+              <a:rPr lang="en-US" sz="1600" b="1" dirty="0">
+                <a:latin typeface="Courier New" panose="02070309020205020404" pitchFamily="49" charset="0"/>
+                <a:cs typeface="Courier New" panose="02070309020205020404" pitchFamily="49" charset="0"/>
+              </a:rPr>
+              <a:t>#include &lt;</a:t>
+            </a:r>
+            <a:r>
+              <a:rPr lang="en-US" sz="1600" b="1" dirty="0" err="1">
+                <a:latin typeface="Courier New" panose="02070309020205020404" pitchFamily="49" charset="0"/>
+                <a:cs typeface="Courier New" panose="02070309020205020404" pitchFamily="49" charset="0"/>
+              </a:rPr>
+              <a:t>stdio.h</a:t>
+            </a:r>
+            <a:r>
+              <a:rPr lang="en-US" sz="1600" b="1" dirty="0">
+                <a:latin typeface="Courier New" panose="02070309020205020404" pitchFamily="49" charset="0"/>
+                <a:cs typeface="Courier New" panose="02070309020205020404" pitchFamily="49" charset="0"/>
+              </a:rPr>
+              <a:t>&gt;</a:t>
+            </a:r>
+          </a:p>
+          <a:p>
+            <a:endParaRPr lang="en-US" sz="1600" b="1" dirty="0">
+              <a:latin typeface="Courier New" panose="02070309020205020404" pitchFamily="49" charset="0"/>
+              <a:cs typeface="Courier New" panose="02070309020205020404" pitchFamily="49" charset="0"/>
+            </a:endParaRPr>
+          </a:p>
+          <a:p>
+            <a:r>
+              <a:rPr lang="en-US" sz="1600" b="1" dirty="0">
+                <a:latin typeface="Courier New" panose="02070309020205020404" pitchFamily="49" charset="0"/>
+                <a:cs typeface="Courier New" panose="02070309020205020404" pitchFamily="49" charset="0"/>
+              </a:rPr>
+              <a:t>void one(op)</a:t>
+            </a:r>
+          </a:p>
+          <a:p>
+            <a:r>
+              <a:rPr lang="en-US" sz="1600" b="1" dirty="0">
+                <a:latin typeface="Courier New" panose="02070309020205020404" pitchFamily="49" charset="0"/>
+                <a:cs typeface="Courier New" panose="02070309020205020404" pitchFamily="49" charset="0"/>
+              </a:rPr>
+              <a:t>    int op;</a:t>
+            </a:r>
+          </a:p>
+          <a:p>
+            <a:r>
+              <a:rPr lang="en-US" sz="1600" b="1" dirty="0">
+                <a:latin typeface="Courier New" panose="02070309020205020404" pitchFamily="49" charset="0"/>
+                <a:cs typeface="Courier New" panose="02070309020205020404" pitchFamily="49" charset="0"/>
+              </a:rPr>
+              <a:t>{   </a:t>
+            </a:r>
+          </a:p>
+          <a:p>
+            <a:r>
+              <a:rPr lang="en-US" sz="1600" b="1" dirty="0">
+                <a:latin typeface="Courier New" panose="02070309020205020404" pitchFamily="49" charset="0"/>
+                <a:cs typeface="Courier New" panose="02070309020205020404" pitchFamily="49" charset="0"/>
+              </a:rPr>
+              <a:t>    </a:t>
+            </a:r>
+            <a:r>
+              <a:rPr lang="en-US" sz="1600" b="1" dirty="0" err="1">
+                <a:latin typeface="Courier New" panose="02070309020205020404" pitchFamily="49" charset="0"/>
+                <a:cs typeface="Courier New" panose="02070309020205020404" pitchFamily="49" charset="0"/>
+              </a:rPr>
+              <a:t>printf</a:t>
+            </a:r>
+            <a:r>
+              <a:rPr lang="en-US" sz="1600" b="1" dirty="0">
+                <a:latin typeface="Courier New" panose="02070309020205020404" pitchFamily="49" charset="0"/>
+                <a:cs typeface="Courier New" panose="02070309020205020404" pitchFamily="49" charset="0"/>
+              </a:rPr>
+              <a:t>("One  op before %d\</a:t>
+            </a:r>
+            <a:r>
+              <a:rPr lang="en-US" sz="1600" b="1" dirty="0" err="1">
+                <a:latin typeface="Courier New" panose="02070309020205020404" pitchFamily="49" charset="0"/>
+                <a:cs typeface="Courier New" panose="02070309020205020404" pitchFamily="49" charset="0"/>
+              </a:rPr>
+              <a:t>n",op</a:t>
+            </a:r>
+            <a:r>
+              <a:rPr lang="en-US" sz="1600" b="1" dirty="0">
+                <a:latin typeface="Courier New" panose="02070309020205020404" pitchFamily="49" charset="0"/>
+                <a:cs typeface="Courier New" panose="02070309020205020404" pitchFamily="49" charset="0"/>
+              </a:rPr>
+              <a:t>);</a:t>
+            </a:r>
+          </a:p>
+          <a:p>
+            <a:r>
+              <a:rPr lang="en-US" sz="1600" b="1" dirty="0">
+                <a:latin typeface="Courier New" panose="02070309020205020404" pitchFamily="49" charset="0"/>
+                <a:cs typeface="Courier New" panose="02070309020205020404" pitchFamily="49" charset="0"/>
+              </a:rPr>
+              <a:t>    op = op - 10;</a:t>
+            </a:r>
+          </a:p>
+          <a:p>
+            <a:r>
+              <a:rPr lang="en-US" sz="1600" b="1" dirty="0">
+                <a:latin typeface="Courier New" panose="02070309020205020404" pitchFamily="49" charset="0"/>
+                <a:cs typeface="Courier New" panose="02070309020205020404" pitchFamily="49" charset="0"/>
+              </a:rPr>
+              <a:t>    </a:t>
+            </a:r>
+            <a:r>
+              <a:rPr lang="en-US" sz="1600" b="1" dirty="0" err="1">
+                <a:latin typeface="Courier New" panose="02070309020205020404" pitchFamily="49" charset="0"/>
+                <a:cs typeface="Courier New" panose="02070309020205020404" pitchFamily="49" charset="0"/>
+              </a:rPr>
+              <a:t>printf</a:t>
+            </a:r>
+            <a:r>
+              <a:rPr lang="en-US" sz="1600" b="1" dirty="0">
+                <a:latin typeface="Courier New" panose="02070309020205020404" pitchFamily="49" charset="0"/>
+                <a:cs typeface="Courier New" panose="02070309020205020404" pitchFamily="49" charset="0"/>
+              </a:rPr>
+              <a:t>("One  op after  %d\</a:t>
+            </a:r>
+            <a:r>
+              <a:rPr lang="en-US" sz="1600" b="1" dirty="0" err="1">
+                <a:latin typeface="Courier New" panose="02070309020205020404" pitchFamily="49" charset="0"/>
+                <a:cs typeface="Courier New" panose="02070309020205020404" pitchFamily="49" charset="0"/>
+              </a:rPr>
+              <a:t>n",op</a:t>
+            </a:r>
+            <a:r>
+              <a:rPr lang="en-US" sz="1600" b="1" dirty="0">
+                <a:latin typeface="Courier New" panose="02070309020205020404" pitchFamily="49" charset="0"/>
+                <a:cs typeface="Courier New" panose="02070309020205020404" pitchFamily="49" charset="0"/>
+              </a:rPr>
+              <a:t>);</a:t>
+            </a:r>
+          </a:p>
+          <a:p>
+            <a:r>
+              <a:rPr lang="en-US" sz="1600" b="1" dirty="0">
+                <a:latin typeface="Courier New" panose="02070309020205020404" pitchFamily="49" charset="0"/>
+                <a:cs typeface="Courier New" panose="02070309020205020404" pitchFamily="49" charset="0"/>
+              </a:rPr>
+              <a:t>}</a:t>
+            </a:r>
+          </a:p>
+          <a:p>
+            <a:endParaRPr lang="en-US" sz="1600" b="1" dirty="0">
+              <a:latin typeface="Courier New" panose="02070309020205020404" pitchFamily="49" charset="0"/>
+              <a:cs typeface="Courier New" panose="02070309020205020404" pitchFamily="49" charset="0"/>
+            </a:endParaRPr>
+          </a:p>
+          <a:p>
+            <a:r>
+              <a:rPr lang="en-US" sz="1600" b="1" dirty="0">
+                <a:latin typeface="Courier New" panose="02070309020205020404" pitchFamily="49" charset="0"/>
+                <a:cs typeface="Courier New" panose="02070309020205020404" pitchFamily="49" charset="0"/>
+              </a:rPr>
+              <a:t>int main() {</a:t>
+            </a:r>
+          </a:p>
+          <a:p>
+            <a:r>
+              <a:rPr lang="en-US" sz="1600" b="1" dirty="0">
+                <a:latin typeface="Courier New" panose="02070309020205020404" pitchFamily="49" charset="0"/>
+                <a:cs typeface="Courier New" panose="02070309020205020404" pitchFamily="49" charset="0"/>
+              </a:rPr>
+              <a:t>    int ma = 42; </a:t>
+            </a:r>
+          </a:p>
+          <a:p>
+            <a:r>
+              <a:rPr lang="en-US" sz="1600" b="1" dirty="0">
+                <a:latin typeface="Courier New" panose="02070309020205020404" pitchFamily="49" charset="0"/>
+                <a:cs typeface="Courier New" panose="02070309020205020404" pitchFamily="49" charset="0"/>
+              </a:rPr>
+              <a:t>    </a:t>
+            </a:r>
+            <a:r>
+              <a:rPr lang="en-US" sz="1600" b="1" dirty="0" err="1">
+                <a:latin typeface="Courier New" panose="02070309020205020404" pitchFamily="49" charset="0"/>
+                <a:cs typeface="Courier New" panose="02070309020205020404" pitchFamily="49" charset="0"/>
+              </a:rPr>
+              <a:t>printf</a:t>
+            </a:r>
+            <a:r>
+              <a:rPr lang="en-US" sz="1600" b="1" dirty="0">
+                <a:latin typeface="Courier New" panose="02070309020205020404" pitchFamily="49" charset="0"/>
+                <a:cs typeface="Courier New" panose="02070309020205020404" pitchFamily="49" charset="0"/>
+              </a:rPr>
+              <a:t>("Main ma before %d\</a:t>
+            </a:r>
+            <a:r>
+              <a:rPr lang="en-US" sz="1600" b="1" dirty="0" err="1">
+                <a:latin typeface="Courier New" panose="02070309020205020404" pitchFamily="49" charset="0"/>
+                <a:cs typeface="Courier New" panose="02070309020205020404" pitchFamily="49" charset="0"/>
+              </a:rPr>
+              <a:t>n",ma</a:t>
+            </a:r>
+            <a:r>
+              <a:rPr lang="en-US" sz="1600" b="1" dirty="0">
+                <a:latin typeface="Courier New" panose="02070309020205020404" pitchFamily="49" charset="0"/>
+                <a:cs typeface="Courier New" panose="02070309020205020404" pitchFamily="49" charset="0"/>
+              </a:rPr>
+              <a:t>);</a:t>
+            </a:r>
+          </a:p>
+          <a:p>
+            <a:r>
+              <a:rPr lang="en-US" sz="1600" b="1" dirty="0">
+                <a:latin typeface="Courier New" panose="02070309020205020404" pitchFamily="49" charset="0"/>
+                <a:cs typeface="Courier New" panose="02070309020205020404" pitchFamily="49" charset="0"/>
+              </a:rPr>
+              <a:t>    one(ma);</a:t>
+            </a:r>
+          </a:p>
+          <a:p>
+            <a:r>
+              <a:rPr lang="en-US" sz="1600" b="1" dirty="0">
+                <a:latin typeface="Courier New" panose="02070309020205020404" pitchFamily="49" charset="0"/>
+                <a:cs typeface="Courier New" panose="02070309020205020404" pitchFamily="49" charset="0"/>
+              </a:rPr>
+              <a:t>    </a:t>
+            </a:r>
+            <a:r>
+              <a:rPr lang="en-US" sz="1600" b="1" dirty="0" err="1">
+                <a:latin typeface="Courier New" panose="02070309020205020404" pitchFamily="49" charset="0"/>
+                <a:cs typeface="Courier New" panose="02070309020205020404" pitchFamily="49" charset="0"/>
+              </a:rPr>
+              <a:t>printf</a:t>
+            </a:r>
+            <a:r>
+              <a:rPr lang="en-US" sz="1600" b="1" dirty="0">
+                <a:latin typeface="Courier New" panose="02070309020205020404" pitchFamily="49" charset="0"/>
+                <a:cs typeface="Courier New" panose="02070309020205020404" pitchFamily="49" charset="0"/>
+              </a:rPr>
+              <a:t>("Main ma after  %d\</a:t>
+            </a:r>
+            <a:r>
+              <a:rPr lang="en-US" sz="1600" b="1" dirty="0" err="1">
+                <a:latin typeface="Courier New" panose="02070309020205020404" pitchFamily="49" charset="0"/>
+                <a:cs typeface="Courier New" panose="02070309020205020404" pitchFamily="49" charset="0"/>
+              </a:rPr>
+              <a:t>n",ma</a:t>
+            </a:r>
+            <a:r>
+              <a:rPr lang="en-US" sz="1600" b="1" dirty="0">
+                <a:latin typeface="Courier New" panose="02070309020205020404" pitchFamily="49" charset="0"/>
+                <a:cs typeface="Courier New" panose="02070309020205020404" pitchFamily="49" charset="0"/>
+              </a:rPr>
+              <a:t>);</a:t>
+            </a:r>
+          </a:p>
+          <a:p>
+            <a:r>
+              <a:rPr lang="en-US" sz="1600" b="1" dirty="0">
+                <a:latin typeface="Courier New" panose="02070309020205020404" pitchFamily="49" charset="0"/>
+                <a:cs typeface="Courier New" panose="02070309020205020404" pitchFamily="49" charset="0"/>
+              </a:rPr>
+              <a:t>}</a:t>
+            </a:r>
+          </a:p>
+        </p:txBody>
+      </p:sp>
+      <p:sp>
+        <p:nvSpPr>
+          <p:cNvPr id="5" name="TextBox 4">
+            <a:extLst>
+              <a:ext uri="{FF2B5EF4-FFF2-40B4-BE49-F238E27FC236}">
+                <a16:creationId xmlns:a16="http://schemas.microsoft.com/office/drawing/2014/main" id="{70BF47B6-82C2-527F-764A-DBEF6FE9491F}"/>
+              </a:ext>
+            </a:extLst>
+          </p:cNvPr>
+          <p:cNvSpPr txBox="1"/>
+          <p:nvPr/>
+        </p:nvSpPr>
+        <p:spPr>
+          <a:xfrm>
+            <a:off x="293915" y="6338986"/>
+            <a:ext cx="1382485" cy="307777"/>
+          </a:xfrm>
+          <a:prstGeom prst="rect">
+            <a:avLst/>
+          </a:prstGeom>
+          <a:noFill/>
+        </p:spPr>
+        <p:txBody>
+          <a:bodyPr wrap="square">
+            <a:spAutoFit/>
+          </a:bodyPr>
+          <a:lstStyle/>
+          <a:p>
+            <a:r>
+              <a:rPr lang="en-US" sz="1400" b="1" dirty="0">
+                <a:solidFill>
+                  <a:srgbClr val="000000"/>
+                </a:solidFill>
+                <a:latin typeface="Menlo" panose="020B0609030804020204" pitchFamily="49" charset="0"/>
+              </a:rPr>
+              <a:t>kr_04_01.c</a:t>
+            </a:r>
+          </a:p>
+        </p:txBody>
+      </p:sp>
+      <p:sp>
+        <p:nvSpPr>
+          <p:cNvPr id="6" name="TextBox 5">
+            <a:extLst>
+              <a:ext uri="{FF2B5EF4-FFF2-40B4-BE49-F238E27FC236}">
+                <a16:creationId xmlns:a16="http://schemas.microsoft.com/office/drawing/2014/main" id="{2C6526EF-2BB6-C9A5-C88A-9548E85E54AA}"/>
+              </a:ext>
+            </a:extLst>
+          </p:cNvPr>
+          <p:cNvSpPr txBox="1"/>
+          <p:nvPr/>
+        </p:nvSpPr>
+        <p:spPr>
+          <a:xfrm>
+            <a:off x="6999348" y="4648208"/>
+            <a:ext cx="2528256" cy="1200329"/>
+          </a:xfrm>
+          <a:prstGeom prst="rect">
+            <a:avLst/>
+          </a:prstGeom>
+          <a:noFill/>
+        </p:spPr>
+        <p:txBody>
+          <a:bodyPr wrap="none" rtlCol="0">
+            <a:spAutoFit/>
+          </a:bodyPr>
+          <a:lstStyle/>
+          <a:p>
+            <a:r>
+              <a:rPr lang="en-US" b="1" dirty="0">
+                <a:latin typeface="Courier New" panose="02070309020205020404" pitchFamily="49" charset="0"/>
+                <a:cs typeface="Courier New" panose="02070309020205020404" pitchFamily="49" charset="0"/>
+              </a:rPr>
+              <a:t>Main ma before 42</a:t>
+            </a:r>
+          </a:p>
+          <a:p>
+            <a:r>
+              <a:rPr lang="en-US" b="1" dirty="0">
+                <a:latin typeface="Courier New" panose="02070309020205020404" pitchFamily="49" charset="0"/>
+                <a:cs typeface="Courier New" panose="02070309020205020404" pitchFamily="49" charset="0"/>
+              </a:rPr>
+              <a:t>One  op before 42</a:t>
+            </a:r>
+          </a:p>
+          <a:p>
+            <a:r>
+              <a:rPr lang="en-US" b="1" dirty="0">
+                <a:latin typeface="Courier New" panose="02070309020205020404" pitchFamily="49" charset="0"/>
+                <a:cs typeface="Courier New" panose="02070309020205020404" pitchFamily="49" charset="0"/>
+              </a:rPr>
+              <a:t>One  op after  30</a:t>
+            </a:r>
+          </a:p>
+          <a:p>
+            <a:r>
+              <a:rPr lang="en-US" b="1" dirty="0">
+                <a:latin typeface="Courier New" panose="02070309020205020404" pitchFamily="49" charset="0"/>
+                <a:cs typeface="Courier New" panose="02070309020205020404" pitchFamily="49" charset="0"/>
+              </a:rPr>
+              <a:t>Main ma after  42</a:t>
+            </a:r>
           </a:p>
         </p:txBody>
       </p:sp>
     </p:spTree>
     <p:extLst>
       <p:ext uri="{BB962C8B-B14F-4D97-AF65-F5344CB8AC3E}">
-        <p14:creationId xmlns:p14="http://schemas.microsoft.com/office/powerpoint/2010/main" val="1546743805"/>
+        <p14:creationId xmlns:p14="http://schemas.microsoft.com/office/powerpoint/2010/main" val="496964535"/>
       </p:ext>
     </p:extLst>
   </p:cSld>
@@ -3864,61 +6998,765 @@
       </p:grpSpPr>
       <p:sp>
         <p:nvSpPr>
-          <p:cNvPr id="2" name="Title 1">
-            <a:extLst>
-              <a:ext uri="{FF2B5EF4-FFF2-40B4-BE49-F238E27FC236}">
-                <a16:creationId xmlns:a16="http://schemas.microsoft.com/office/drawing/2014/main" id="{A873E460-3B9E-0C94-30C0-5AA55AAF307F}"/>
-              </a:ext>
-            </a:extLst>
-          </p:cNvPr>
-          <p:cNvSpPr>
-            <a:spLocks noGrp="1"/>
-          </p:cNvSpPr>
-          <p:nvPr>
-            <p:ph type="title"/>
-          </p:nvPr>
-        </p:nvSpPr>
-        <p:spPr/>
-        <p:txBody>
-          <a:bodyPr/>
+          <p:cNvPr id="9" name="Rectangle 8">
+            <a:extLst>
+              <a:ext uri="{FF2B5EF4-FFF2-40B4-BE49-F238E27FC236}">
+                <a16:creationId xmlns:a16="http://schemas.microsoft.com/office/drawing/2014/main" id="{B5DE88A2-0BAA-511E-921E-3BDA4B25E5A4}"/>
+              </a:ext>
+            </a:extLst>
+          </p:cNvPr>
+          <p:cNvSpPr/>
+          <p:nvPr/>
+        </p:nvSpPr>
+        <p:spPr>
+          <a:xfrm>
+            <a:off x="5861943" y="1203060"/>
+            <a:ext cx="1289957" cy="4629149"/>
+          </a:xfrm>
+          <a:prstGeom prst="rect">
+            <a:avLst/>
+          </a:prstGeom>
+          <a:solidFill>
+            <a:schemeClr val="bg1"/>
+          </a:solidFill>
+          <a:ln w="28575"/>
+        </p:spPr>
+        <p:style>
+          <a:lnRef idx="2">
+            <a:schemeClr val="accent1">
+              <a:shade val="50000"/>
+            </a:schemeClr>
+          </a:lnRef>
+          <a:fillRef idx="1">
+            <a:schemeClr val="accent1"/>
+          </a:fillRef>
+          <a:effectRef idx="0">
+            <a:schemeClr val="accent1"/>
+          </a:effectRef>
+          <a:fontRef idx="minor">
+            <a:schemeClr val="lt1"/>
+          </a:fontRef>
+        </p:style>
+        <p:txBody>
+          <a:bodyPr rtlCol="0" anchor="ctr"/>
+          <a:lstStyle/>
+          <a:p>
+            <a:pPr algn="ctr"/>
+            <a:endParaRPr lang="en-US"/>
+          </a:p>
+        </p:txBody>
+      </p:sp>
+      <p:sp>
+        <p:nvSpPr>
+          <p:cNvPr id="4" name="TextBox 3">
+            <a:extLst>
+              <a:ext uri="{FF2B5EF4-FFF2-40B4-BE49-F238E27FC236}">
+                <a16:creationId xmlns:a16="http://schemas.microsoft.com/office/drawing/2014/main" id="{F6120957-35F6-C82C-E0BD-A7B15EF85A00}"/>
+              </a:ext>
+            </a:extLst>
+          </p:cNvPr>
+          <p:cNvSpPr txBox="1"/>
+          <p:nvPr/>
+        </p:nvSpPr>
+        <p:spPr>
+          <a:xfrm>
+            <a:off x="598695" y="776453"/>
+            <a:ext cx="4751622" cy="3785652"/>
+          </a:xfrm>
+          <a:prstGeom prst="rect">
+            <a:avLst/>
+          </a:prstGeom>
+          <a:noFill/>
+        </p:spPr>
+        <p:txBody>
+          <a:bodyPr wrap="none" rtlCol="0">
+            <a:spAutoFit/>
+          </a:bodyPr>
+          <a:lstStyle/>
+          <a:p>
+            <a:r>
+              <a:rPr lang="en-US" sz="1600" b="1" dirty="0">
+                <a:latin typeface="Courier New" panose="02070309020205020404" pitchFamily="49" charset="0"/>
+                <a:cs typeface="Courier New" panose="02070309020205020404" pitchFamily="49" charset="0"/>
+              </a:rPr>
+              <a:t>void one(op)</a:t>
+            </a:r>
+          </a:p>
+          <a:p>
+            <a:r>
+              <a:rPr lang="en-US" sz="1600" b="1" dirty="0">
+                <a:latin typeface="Courier New" panose="02070309020205020404" pitchFamily="49" charset="0"/>
+                <a:cs typeface="Courier New" panose="02070309020205020404" pitchFamily="49" charset="0"/>
+              </a:rPr>
+              <a:t>    int op;</a:t>
+            </a:r>
+          </a:p>
+          <a:p>
+            <a:r>
+              <a:rPr lang="en-US" sz="1600" b="1" dirty="0">
+                <a:latin typeface="Courier New" panose="02070309020205020404" pitchFamily="49" charset="0"/>
+                <a:cs typeface="Courier New" panose="02070309020205020404" pitchFamily="49" charset="0"/>
+              </a:rPr>
+              <a:t>{   </a:t>
+            </a:r>
+          </a:p>
+          <a:p>
+            <a:r>
+              <a:rPr lang="en-US" sz="1600" b="1" dirty="0">
+                <a:latin typeface="Courier New" panose="02070309020205020404" pitchFamily="49" charset="0"/>
+                <a:cs typeface="Courier New" panose="02070309020205020404" pitchFamily="49" charset="0"/>
+              </a:rPr>
+              <a:t>    int </a:t>
+            </a:r>
+            <a:r>
+              <a:rPr lang="en-US" sz="1600" b="1" dirty="0" err="1">
+                <a:latin typeface="Courier New" panose="02070309020205020404" pitchFamily="49" charset="0"/>
+                <a:cs typeface="Courier New" panose="02070309020205020404" pitchFamily="49" charset="0"/>
+              </a:rPr>
+              <a:t>tn</a:t>
+            </a:r>
+            <a:r>
+              <a:rPr lang="en-US" sz="1600" b="1" dirty="0">
+                <a:latin typeface="Courier New" panose="02070309020205020404" pitchFamily="49" charset="0"/>
+                <a:cs typeface="Courier New" panose="02070309020205020404" pitchFamily="49" charset="0"/>
+              </a:rPr>
+              <a:t> = 10;</a:t>
+            </a:r>
+          </a:p>
+          <a:p>
+            <a:r>
+              <a:rPr lang="en-US" sz="1600" b="1" dirty="0">
+                <a:latin typeface="Courier New" panose="02070309020205020404" pitchFamily="49" charset="0"/>
+                <a:cs typeface="Courier New" panose="02070309020205020404" pitchFamily="49" charset="0"/>
+              </a:rPr>
+              <a:t>    </a:t>
+            </a:r>
+            <a:r>
+              <a:rPr lang="en-US" sz="1600" b="1" dirty="0" err="1">
+                <a:latin typeface="Courier New" panose="02070309020205020404" pitchFamily="49" charset="0"/>
+                <a:cs typeface="Courier New" panose="02070309020205020404" pitchFamily="49" charset="0"/>
+              </a:rPr>
+              <a:t>printf</a:t>
+            </a:r>
+            <a:r>
+              <a:rPr lang="en-US" sz="1600" b="1" dirty="0">
+                <a:latin typeface="Courier New" panose="02070309020205020404" pitchFamily="49" charset="0"/>
+                <a:cs typeface="Courier New" panose="02070309020205020404" pitchFamily="49" charset="0"/>
+              </a:rPr>
+              <a:t>("One  op before %d\</a:t>
+            </a:r>
+            <a:r>
+              <a:rPr lang="en-US" sz="1600" b="1" dirty="0" err="1">
+                <a:latin typeface="Courier New" panose="02070309020205020404" pitchFamily="49" charset="0"/>
+                <a:cs typeface="Courier New" panose="02070309020205020404" pitchFamily="49" charset="0"/>
+              </a:rPr>
+              <a:t>n",op</a:t>
+            </a:r>
+            <a:r>
+              <a:rPr lang="en-US" sz="1600" b="1" dirty="0">
+                <a:latin typeface="Courier New" panose="02070309020205020404" pitchFamily="49" charset="0"/>
+                <a:cs typeface="Courier New" panose="02070309020205020404" pitchFamily="49" charset="0"/>
+              </a:rPr>
+              <a:t>);</a:t>
+            </a:r>
+          </a:p>
+          <a:p>
+            <a:r>
+              <a:rPr lang="en-US" sz="1600" b="1" dirty="0">
+                <a:latin typeface="Courier New" panose="02070309020205020404" pitchFamily="49" charset="0"/>
+                <a:cs typeface="Courier New" panose="02070309020205020404" pitchFamily="49" charset="0"/>
+              </a:rPr>
+              <a:t>    op = op - </a:t>
+            </a:r>
+            <a:r>
+              <a:rPr lang="en-US" sz="1600" b="1" dirty="0" err="1">
+                <a:latin typeface="Courier New" panose="02070309020205020404" pitchFamily="49" charset="0"/>
+                <a:cs typeface="Courier New" panose="02070309020205020404" pitchFamily="49" charset="0"/>
+              </a:rPr>
+              <a:t>tn</a:t>
+            </a:r>
+            <a:r>
+              <a:rPr lang="en-US" sz="1600" b="1" dirty="0">
+                <a:latin typeface="Courier New" panose="02070309020205020404" pitchFamily="49" charset="0"/>
+                <a:cs typeface="Courier New" panose="02070309020205020404" pitchFamily="49" charset="0"/>
+              </a:rPr>
+              <a:t>;</a:t>
+            </a:r>
+          </a:p>
+          <a:p>
+            <a:r>
+              <a:rPr lang="en-US" sz="1600" b="1" dirty="0">
+                <a:latin typeface="Courier New" panose="02070309020205020404" pitchFamily="49" charset="0"/>
+                <a:cs typeface="Courier New" panose="02070309020205020404" pitchFamily="49" charset="0"/>
+              </a:rPr>
+              <a:t>    </a:t>
+            </a:r>
+            <a:r>
+              <a:rPr lang="en-US" sz="1600" b="1" dirty="0" err="1">
+                <a:latin typeface="Courier New" panose="02070309020205020404" pitchFamily="49" charset="0"/>
+                <a:cs typeface="Courier New" panose="02070309020205020404" pitchFamily="49" charset="0"/>
+              </a:rPr>
+              <a:t>printf</a:t>
+            </a:r>
+            <a:r>
+              <a:rPr lang="en-US" sz="1600" b="1" dirty="0">
+                <a:latin typeface="Courier New" panose="02070309020205020404" pitchFamily="49" charset="0"/>
+                <a:cs typeface="Courier New" panose="02070309020205020404" pitchFamily="49" charset="0"/>
+              </a:rPr>
+              <a:t>("One  op after  %d\</a:t>
+            </a:r>
+            <a:r>
+              <a:rPr lang="en-US" sz="1600" b="1" dirty="0" err="1">
+                <a:latin typeface="Courier New" panose="02070309020205020404" pitchFamily="49" charset="0"/>
+                <a:cs typeface="Courier New" panose="02070309020205020404" pitchFamily="49" charset="0"/>
+              </a:rPr>
+              <a:t>n",op</a:t>
+            </a:r>
+            <a:r>
+              <a:rPr lang="en-US" sz="1600" b="1" dirty="0">
+                <a:latin typeface="Courier New" panose="02070309020205020404" pitchFamily="49" charset="0"/>
+                <a:cs typeface="Courier New" panose="02070309020205020404" pitchFamily="49" charset="0"/>
+              </a:rPr>
+              <a:t>);</a:t>
+            </a:r>
+          </a:p>
+          <a:p>
+            <a:r>
+              <a:rPr lang="en-US" sz="1600" b="1" dirty="0">
+                <a:latin typeface="Courier New" panose="02070309020205020404" pitchFamily="49" charset="0"/>
+                <a:cs typeface="Courier New" panose="02070309020205020404" pitchFamily="49" charset="0"/>
+              </a:rPr>
+              <a:t>}</a:t>
+            </a:r>
+          </a:p>
+          <a:p>
+            <a:endParaRPr lang="en-US" sz="1600" b="1" dirty="0">
+              <a:latin typeface="Courier New" panose="02070309020205020404" pitchFamily="49" charset="0"/>
+              <a:cs typeface="Courier New" panose="02070309020205020404" pitchFamily="49" charset="0"/>
+            </a:endParaRPr>
+          </a:p>
+          <a:p>
+            <a:r>
+              <a:rPr lang="en-US" sz="1600" b="1" dirty="0">
+                <a:latin typeface="Courier New" panose="02070309020205020404" pitchFamily="49" charset="0"/>
+                <a:cs typeface="Courier New" panose="02070309020205020404" pitchFamily="49" charset="0"/>
+              </a:rPr>
+              <a:t>int main() {</a:t>
+            </a:r>
+          </a:p>
+          <a:p>
+            <a:r>
+              <a:rPr lang="en-US" sz="1600" b="1" dirty="0">
+                <a:latin typeface="Courier New" panose="02070309020205020404" pitchFamily="49" charset="0"/>
+                <a:cs typeface="Courier New" panose="02070309020205020404" pitchFamily="49" charset="0"/>
+              </a:rPr>
+              <a:t>    int ma = 42; </a:t>
+            </a:r>
+          </a:p>
+          <a:p>
+            <a:r>
+              <a:rPr lang="en-US" sz="1600" b="1" dirty="0">
+                <a:latin typeface="Courier New" panose="02070309020205020404" pitchFamily="49" charset="0"/>
+                <a:cs typeface="Courier New" panose="02070309020205020404" pitchFamily="49" charset="0"/>
+              </a:rPr>
+              <a:t>    </a:t>
+            </a:r>
+            <a:r>
+              <a:rPr lang="en-US" sz="1600" b="1" dirty="0" err="1">
+                <a:latin typeface="Courier New" panose="02070309020205020404" pitchFamily="49" charset="0"/>
+                <a:cs typeface="Courier New" panose="02070309020205020404" pitchFamily="49" charset="0"/>
+              </a:rPr>
+              <a:t>printf</a:t>
+            </a:r>
+            <a:r>
+              <a:rPr lang="en-US" sz="1600" b="1" dirty="0">
+                <a:latin typeface="Courier New" panose="02070309020205020404" pitchFamily="49" charset="0"/>
+                <a:cs typeface="Courier New" panose="02070309020205020404" pitchFamily="49" charset="0"/>
+              </a:rPr>
+              <a:t>("Main ma before %d\</a:t>
+            </a:r>
+            <a:r>
+              <a:rPr lang="en-US" sz="1600" b="1" dirty="0" err="1">
+                <a:latin typeface="Courier New" panose="02070309020205020404" pitchFamily="49" charset="0"/>
+                <a:cs typeface="Courier New" panose="02070309020205020404" pitchFamily="49" charset="0"/>
+              </a:rPr>
+              <a:t>n",ma</a:t>
+            </a:r>
+            <a:r>
+              <a:rPr lang="en-US" sz="1600" b="1" dirty="0">
+                <a:latin typeface="Courier New" panose="02070309020205020404" pitchFamily="49" charset="0"/>
+                <a:cs typeface="Courier New" panose="02070309020205020404" pitchFamily="49" charset="0"/>
+              </a:rPr>
+              <a:t>);</a:t>
+            </a:r>
+          </a:p>
+          <a:p>
+            <a:r>
+              <a:rPr lang="en-US" sz="1600" b="1" dirty="0">
+                <a:latin typeface="Courier New" panose="02070309020205020404" pitchFamily="49" charset="0"/>
+                <a:cs typeface="Courier New" panose="02070309020205020404" pitchFamily="49" charset="0"/>
+              </a:rPr>
+              <a:t>    one(ma);</a:t>
+            </a:r>
+          </a:p>
+          <a:p>
+            <a:r>
+              <a:rPr lang="en-US" sz="1600" b="1" dirty="0">
+                <a:latin typeface="Courier New" panose="02070309020205020404" pitchFamily="49" charset="0"/>
+                <a:cs typeface="Courier New" panose="02070309020205020404" pitchFamily="49" charset="0"/>
+              </a:rPr>
+              <a:t>    </a:t>
+            </a:r>
+            <a:r>
+              <a:rPr lang="en-US" sz="1600" b="1" dirty="0" err="1">
+                <a:latin typeface="Courier New" panose="02070309020205020404" pitchFamily="49" charset="0"/>
+                <a:cs typeface="Courier New" panose="02070309020205020404" pitchFamily="49" charset="0"/>
+              </a:rPr>
+              <a:t>printf</a:t>
+            </a:r>
+            <a:r>
+              <a:rPr lang="en-US" sz="1600" b="1" dirty="0">
+                <a:latin typeface="Courier New" panose="02070309020205020404" pitchFamily="49" charset="0"/>
+                <a:cs typeface="Courier New" panose="02070309020205020404" pitchFamily="49" charset="0"/>
+              </a:rPr>
+              <a:t>("Main ma after  %d\</a:t>
+            </a:r>
+            <a:r>
+              <a:rPr lang="en-US" sz="1600" b="1" dirty="0" err="1">
+                <a:latin typeface="Courier New" panose="02070309020205020404" pitchFamily="49" charset="0"/>
+                <a:cs typeface="Courier New" panose="02070309020205020404" pitchFamily="49" charset="0"/>
+              </a:rPr>
+              <a:t>n",ma</a:t>
+            </a:r>
+            <a:r>
+              <a:rPr lang="en-US" sz="1600" b="1" dirty="0">
+                <a:latin typeface="Courier New" panose="02070309020205020404" pitchFamily="49" charset="0"/>
+                <a:cs typeface="Courier New" panose="02070309020205020404" pitchFamily="49" charset="0"/>
+              </a:rPr>
+              <a:t>);</a:t>
+            </a:r>
+          </a:p>
+          <a:p>
+            <a:r>
+              <a:rPr lang="en-US" sz="1600" b="1" dirty="0">
+                <a:latin typeface="Courier New" panose="02070309020205020404" pitchFamily="49" charset="0"/>
+                <a:cs typeface="Courier New" panose="02070309020205020404" pitchFamily="49" charset="0"/>
+              </a:rPr>
+              <a:t>}</a:t>
+            </a:r>
+          </a:p>
+        </p:txBody>
+      </p:sp>
+      <p:sp>
+        <p:nvSpPr>
+          <p:cNvPr id="5" name="TextBox 4">
+            <a:extLst>
+              <a:ext uri="{FF2B5EF4-FFF2-40B4-BE49-F238E27FC236}">
+                <a16:creationId xmlns:a16="http://schemas.microsoft.com/office/drawing/2014/main" id="{70BF47B6-82C2-527F-764A-DBEF6FE9491F}"/>
+              </a:ext>
+            </a:extLst>
+          </p:cNvPr>
+          <p:cNvSpPr txBox="1"/>
+          <p:nvPr/>
+        </p:nvSpPr>
+        <p:spPr>
+          <a:xfrm>
+            <a:off x="293915" y="6338986"/>
+            <a:ext cx="1382485" cy="307777"/>
+          </a:xfrm>
+          <a:prstGeom prst="rect">
+            <a:avLst/>
+          </a:prstGeom>
+          <a:noFill/>
+        </p:spPr>
+        <p:txBody>
+          <a:bodyPr wrap="square">
+            <a:spAutoFit/>
+          </a:bodyPr>
+          <a:lstStyle/>
+          <a:p>
+            <a:r>
+              <a:rPr lang="en-US" sz="1400" b="1" dirty="0">
+                <a:solidFill>
+                  <a:srgbClr val="000000"/>
+                </a:solidFill>
+                <a:latin typeface="Menlo" panose="020B0609030804020204" pitchFamily="49" charset="0"/>
+              </a:rPr>
+              <a:t>kr_04_01.c</a:t>
+            </a:r>
+          </a:p>
+        </p:txBody>
+      </p:sp>
+      <p:sp>
+        <p:nvSpPr>
+          <p:cNvPr id="6" name="TextBox 5">
+            <a:extLst>
+              <a:ext uri="{FF2B5EF4-FFF2-40B4-BE49-F238E27FC236}">
+                <a16:creationId xmlns:a16="http://schemas.microsoft.com/office/drawing/2014/main" id="{2C6526EF-2BB6-C9A5-C88A-9548E85E54AA}"/>
+              </a:ext>
+            </a:extLst>
+          </p:cNvPr>
+          <p:cNvSpPr txBox="1"/>
+          <p:nvPr/>
+        </p:nvSpPr>
+        <p:spPr>
+          <a:xfrm>
+            <a:off x="1103538" y="4799337"/>
+            <a:ext cx="2528256" cy="1200329"/>
+          </a:xfrm>
+          <a:prstGeom prst="rect">
+            <a:avLst/>
+          </a:prstGeom>
+          <a:noFill/>
+        </p:spPr>
+        <p:txBody>
+          <a:bodyPr wrap="none" rtlCol="0">
+            <a:spAutoFit/>
+          </a:bodyPr>
+          <a:lstStyle/>
+          <a:p>
+            <a:r>
+              <a:rPr lang="en-US" b="1" dirty="0">
+                <a:latin typeface="Courier New" panose="02070309020205020404" pitchFamily="49" charset="0"/>
+                <a:cs typeface="Courier New" panose="02070309020205020404" pitchFamily="49" charset="0"/>
+              </a:rPr>
+              <a:t>Main ma before 42</a:t>
+            </a:r>
+          </a:p>
+          <a:p>
+            <a:r>
+              <a:rPr lang="en-US" b="1" dirty="0">
+                <a:latin typeface="Courier New" panose="02070309020205020404" pitchFamily="49" charset="0"/>
+                <a:cs typeface="Courier New" panose="02070309020205020404" pitchFamily="49" charset="0"/>
+              </a:rPr>
+              <a:t>One  op before 42</a:t>
+            </a:r>
+          </a:p>
+          <a:p>
+            <a:r>
+              <a:rPr lang="en-US" b="1" dirty="0">
+                <a:latin typeface="Courier New" panose="02070309020205020404" pitchFamily="49" charset="0"/>
+                <a:cs typeface="Courier New" panose="02070309020205020404" pitchFamily="49" charset="0"/>
+              </a:rPr>
+              <a:t>One  op after  30</a:t>
+            </a:r>
+          </a:p>
+          <a:p>
+            <a:r>
+              <a:rPr lang="en-US" b="1" dirty="0">
+                <a:latin typeface="Courier New" panose="02070309020205020404" pitchFamily="49" charset="0"/>
+                <a:cs typeface="Courier New" panose="02070309020205020404" pitchFamily="49" charset="0"/>
+              </a:rPr>
+              <a:t>Main ma after  42</a:t>
+            </a:r>
+          </a:p>
+        </p:txBody>
+      </p:sp>
+      <p:sp>
+        <p:nvSpPr>
+          <p:cNvPr id="7" name="Rectangle 6">
+            <a:extLst>
+              <a:ext uri="{FF2B5EF4-FFF2-40B4-BE49-F238E27FC236}">
+                <a16:creationId xmlns:a16="http://schemas.microsoft.com/office/drawing/2014/main" id="{CF2A4D56-1F60-AB7D-3BCB-6C5FC63E6905}"/>
+              </a:ext>
+            </a:extLst>
+          </p:cNvPr>
+          <p:cNvSpPr/>
+          <p:nvPr/>
+        </p:nvSpPr>
+        <p:spPr>
+          <a:xfrm>
+            <a:off x="5861943" y="5399502"/>
+            <a:ext cx="1289957" cy="432707"/>
+          </a:xfrm>
+          <a:prstGeom prst="rect">
+            <a:avLst/>
+          </a:prstGeom>
+          <a:solidFill>
+            <a:schemeClr val="bg1"/>
+          </a:solidFill>
+          <a:ln w="28575"/>
+        </p:spPr>
+        <p:style>
+          <a:lnRef idx="2">
+            <a:schemeClr val="accent1">
+              <a:shade val="50000"/>
+            </a:schemeClr>
+          </a:lnRef>
+          <a:fillRef idx="1">
+            <a:schemeClr val="accent1"/>
+          </a:fillRef>
+          <a:effectRef idx="0">
+            <a:schemeClr val="accent1"/>
+          </a:effectRef>
+          <a:fontRef idx="minor">
+            <a:schemeClr val="lt1"/>
+          </a:fontRef>
+        </p:style>
+        <p:txBody>
+          <a:bodyPr rtlCol="0" anchor="ctr"/>
+          <a:lstStyle/>
+          <a:p>
+            <a:r>
+              <a:rPr lang="en-US" dirty="0">
+                <a:solidFill>
+                  <a:schemeClr val="tx1"/>
+                </a:solidFill>
+                <a:latin typeface="Courier New" panose="02070309020205020404" pitchFamily="49" charset="0"/>
+                <a:cs typeface="Courier New" panose="02070309020205020404" pitchFamily="49" charset="0"/>
+              </a:rPr>
+              <a:t>ma</a:t>
+            </a:r>
+          </a:p>
+        </p:txBody>
+      </p:sp>
+      <p:sp>
+        <p:nvSpPr>
+          <p:cNvPr id="8" name="Rectangle 7">
+            <a:extLst>
+              <a:ext uri="{FF2B5EF4-FFF2-40B4-BE49-F238E27FC236}">
+                <a16:creationId xmlns:a16="http://schemas.microsoft.com/office/drawing/2014/main" id="{A88B3B43-2899-3CF2-FFBA-DC1357ED5834}"/>
+              </a:ext>
+            </a:extLst>
+          </p:cNvPr>
+          <p:cNvSpPr/>
+          <p:nvPr/>
+        </p:nvSpPr>
+        <p:spPr>
+          <a:xfrm>
+            <a:off x="6368129" y="5399502"/>
+            <a:ext cx="783771" cy="432707"/>
+          </a:xfrm>
+          <a:prstGeom prst="rect">
+            <a:avLst/>
+          </a:prstGeom>
+          <a:solidFill>
+            <a:schemeClr val="bg2"/>
+          </a:solidFill>
+          <a:ln w="28575"/>
+        </p:spPr>
+        <p:style>
+          <a:lnRef idx="2">
+            <a:schemeClr val="accent1">
+              <a:shade val="50000"/>
+            </a:schemeClr>
+          </a:lnRef>
+          <a:fillRef idx="1">
+            <a:schemeClr val="accent1"/>
+          </a:fillRef>
+          <a:effectRef idx="0">
+            <a:schemeClr val="accent1"/>
+          </a:effectRef>
+          <a:fontRef idx="minor">
+            <a:schemeClr val="lt1"/>
+          </a:fontRef>
+        </p:style>
+        <p:txBody>
+          <a:bodyPr rtlCol="0" anchor="ctr"/>
+          <a:lstStyle/>
+          <a:p>
+            <a:pPr algn="ctr"/>
+            <a:r>
+              <a:rPr lang="en-US" dirty="0">
+                <a:solidFill>
+                  <a:schemeClr val="tx1"/>
+                </a:solidFill>
+              </a:rPr>
+              <a:t>42</a:t>
+            </a:r>
+          </a:p>
+        </p:txBody>
+      </p:sp>
+      <p:sp>
+        <p:nvSpPr>
+          <p:cNvPr id="10" name="TextBox 9">
+            <a:extLst>
+              <a:ext uri="{FF2B5EF4-FFF2-40B4-BE49-F238E27FC236}">
+                <a16:creationId xmlns:a16="http://schemas.microsoft.com/office/drawing/2014/main" id="{350BE642-BC91-4CE6-A618-D8AC090F594B}"/>
+              </a:ext>
+            </a:extLst>
+          </p:cNvPr>
+          <p:cNvSpPr txBox="1"/>
+          <p:nvPr/>
+        </p:nvSpPr>
+        <p:spPr>
+          <a:xfrm>
+            <a:off x="6188510" y="625681"/>
+            <a:ext cx="736164" cy="400110"/>
+          </a:xfrm>
+          <a:prstGeom prst="rect">
+            <a:avLst/>
+          </a:prstGeom>
+          <a:noFill/>
+        </p:spPr>
+        <p:txBody>
+          <a:bodyPr wrap="none" rtlCol="0">
+            <a:spAutoFit/>
+          </a:bodyPr>
+          <a:lstStyle/>
+          <a:p>
+            <a:r>
+              <a:rPr lang="en-US" sz="2000" dirty="0"/>
+              <a:t>Stack</a:t>
+            </a:r>
+          </a:p>
+        </p:txBody>
+      </p:sp>
+      <p:sp>
+        <p:nvSpPr>
+          <p:cNvPr id="11" name="TextBox 10">
+            <a:extLst>
+              <a:ext uri="{FF2B5EF4-FFF2-40B4-BE49-F238E27FC236}">
+                <a16:creationId xmlns:a16="http://schemas.microsoft.com/office/drawing/2014/main" id="{FE0E6899-6033-14FE-FD62-FF541AC3ABDD}"/>
+              </a:ext>
+            </a:extLst>
+          </p:cNvPr>
+          <p:cNvSpPr txBox="1"/>
+          <p:nvPr/>
+        </p:nvSpPr>
+        <p:spPr>
+          <a:xfrm>
+            <a:off x="5955302" y="5992385"/>
+            <a:ext cx="966931" cy="400110"/>
+          </a:xfrm>
+          <a:prstGeom prst="rect">
+            <a:avLst/>
+          </a:prstGeom>
+          <a:noFill/>
+        </p:spPr>
+        <p:txBody>
+          <a:bodyPr wrap="none" rtlCol="0">
+            <a:spAutoFit/>
+          </a:bodyPr>
+          <a:lstStyle/>
+          <a:p>
+            <a:r>
+              <a:rPr lang="en-US" sz="2000" dirty="0"/>
+              <a:t>Time -&gt;</a:t>
+            </a:r>
+          </a:p>
+        </p:txBody>
+      </p:sp>
+      <p:sp>
+        <p:nvSpPr>
+          <p:cNvPr id="32" name="TextBox 31">
+            <a:extLst>
+              <a:ext uri="{FF2B5EF4-FFF2-40B4-BE49-F238E27FC236}">
+                <a16:creationId xmlns:a16="http://schemas.microsoft.com/office/drawing/2014/main" id="{256190C7-007A-83BA-39F3-0655ED2C880A}"/>
+              </a:ext>
+            </a:extLst>
+          </p:cNvPr>
+          <p:cNvSpPr txBox="1"/>
+          <p:nvPr/>
+        </p:nvSpPr>
+        <p:spPr>
+          <a:xfrm>
+            <a:off x="7377781" y="5420002"/>
+            <a:ext cx="2925548" cy="369332"/>
+          </a:xfrm>
+          <a:prstGeom prst="rect">
+            <a:avLst/>
+          </a:prstGeom>
+          <a:noFill/>
+        </p:spPr>
+        <p:txBody>
+          <a:bodyPr wrap="square" rtlCol="0">
+            <a:spAutoFit/>
+          </a:bodyPr>
           <a:lstStyle/>
           <a:p>
             <a:r>
               <a:rPr lang="en-US" dirty="0"/>
-              <a:t>The C Pre Processor</a:t>
-            </a:r>
-          </a:p>
-        </p:txBody>
-      </p:sp>
-      <p:sp>
-        <p:nvSpPr>
-          <p:cNvPr id="3" name="Content Placeholder 2">
-            <a:extLst>
-              <a:ext uri="{FF2B5EF4-FFF2-40B4-BE49-F238E27FC236}">
-                <a16:creationId xmlns:a16="http://schemas.microsoft.com/office/drawing/2014/main" id="{D4AF128A-08B5-673B-CFE8-E3156CD0D2DB}"/>
-              </a:ext>
-            </a:extLst>
-          </p:cNvPr>
-          <p:cNvSpPr>
-            <a:spLocks noGrp="1"/>
-          </p:cNvSpPr>
-          <p:nvPr>
-            <p:ph idx="1"/>
-          </p:nvPr>
-        </p:nvSpPr>
-        <p:spPr/>
-        <p:txBody>
-          <a:bodyPr/>
-          <a:lstStyle/>
-          <a:p>
+              <a:t>main automatic variables</a:t>
+            </a:r>
+          </a:p>
+        </p:txBody>
+      </p:sp>
+      <p:sp>
+        <p:nvSpPr>
+          <p:cNvPr id="45" name="Up-Down Arrow 44">
+            <a:extLst>
+              <a:ext uri="{FF2B5EF4-FFF2-40B4-BE49-F238E27FC236}">
+                <a16:creationId xmlns:a16="http://schemas.microsoft.com/office/drawing/2014/main" id="{6F985769-EB82-6F22-0DCD-2C6C7DA271FB}"/>
+              </a:ext>
+            </a:extLst>
+          </p:cNvPr>
+          <p:cNvSpPr/>
+          <p:nvPr/>
+        </p:nvSpPr>
+        <p:spPr>
+          <a:xfrm>
+            <a:off x="6368129" y="2530929"/>
+            <a:ext cx="293928" cy="2530928"/>
+          </a:xfrm>
+          <a:prstGeom prst="upDownArrow">
+            <a:avLst/>
+          </a:prstGeom>
+        </p:spPr>
+        <p:style>
+          <a:lnRef idx="2">
+            <a:schemeClr val="accent1">
+              <a:shade val="50000"/>
+            </a:schemeClr>
+          </a:lnRef>
+          <a:fillRef idx="1">
+            <a:schemeClr val="accent1"/>
+          </a:fillRef>
+          <a:effectRef idx="0">
+            <a:schemeClr val="accent1"/>
+          </a:effectRef>
+          <a:fontRef idx="minor">
+            <a:schemeClr val="lt1"/>
+          </a:fontRef>
+        </p:style>
+        <p:txBody>
+          <a:bodyPr rtlCol="0" anchor="ctr"/>
+          <a:lstStyle/>
+          <a:p>
+            <a:pPr algn="ctr"/>
             <a:endParaRPr lang="en-US"/>
+          </a:p>
+        </p:txBody>
+      </p:sp>
+      <p:sp>
+        <p:nvSpPr>
+          <p:cNvPr id="46" name="TextBox 45">
+            <a:extLst>
+              <a:ext uri="{FF2B5EF4-FFF2-40B4-BE49-F238E27FC236}">
+                <a16:creationId xmlns:a16="http://schemas.microsoft.com/office/drawing/2014/main" id="{FEE2C6F8-63C8-4803-28E3-B0C7827BC1ED}"/>
+              </a:ext>
+            </a:extLst>
+          </p:cNvPr>
+          <p:cNvSpPr txBox="1"/>
+          <p:nvPr/>
+        </p:nvSpPr>
+        <p:spPr>
+          <a:xfrm>
+            <a:off x="7952013" y="1665515"/>
+            <a:ext cx="3477985" cy="2308324"/>
+          </a:xfrm>
+          <a:prstGeom prst="rect">
+            <a:avLst/>
+          </a:prstGeom>
+          <a:noFill/>
+        </p:spPr>
+        <p:txBody>
+          <a:bodyPr wrap="square" rtlCol="0">
+            <a:spAutoFit/>
+          </a:bodyPr>
+          <a:lstStyle/>
+          <a:p>
+            <a:r>
+              <a:rPr lang="en-US" sz="2400" dirty="0"/>
+              <a:t>A stack is a dynamic memory structure that gets larger when we “push” new data onto it and shrinks when we “pop” data from it. </a:t>
+            </a:r>
           </a:p>
         </p:txBody>
       </p:sp>
     </p:spTree>
     <p:extLst>
       <p:ext uri="{BB962C8B-B14F-4D97-AF65-F5344CB8AC3E}">
-        <p14:creationId xmlns:p14="http://schemas.microsoft.com/office/powerpoint/2010/main" val="2244150091"/>
+        <p14:creationId xmlns:p14="http://schemas.microsoft.com/office/powerpoint/2010/main" val="2383836321"/>
       </p:ext>
     </p:extLst>
   </p:cSld>
@@ -3947,74 +7785,1265 @@
       </p:grpSpPr>
       <p:sp>
         <p:nvSpPr>
-          <p:cNvPr id="3" name="Title 2">
-            <a:extLst>
-              <a:ext uri="{FF2B5EF4-FFF2-40B4-BE49-F238E27FC236}">
-                <a16:creationId xmlns:a16="http://schemas.microsoft.com/office/drawing/2014/main" id="{26D5DF8A-3D98-DC7E-85E8-EAC7EDC57520}"/>
-              </a:ext>
-            </a:extLst>
-          </p:cNvPr>
-          <p:cNvSpPr>
-            <a:spLocks noGrp="1"/>
-          </p:cNvSpPr>
-          <p:nvPr>
-            <p:ph type="title"/>
-          </p:nvPr>
-        </p:nvSpPr>
-        <p:spPr/>
-        <p:txBody>
-          <a:bodyPr/>
+          <p:cNvPr id="9" name="Rectangle 8">
+            <a:extLst>
+              <a:ext uri="{FF2B5EF4-FFF2-40B4-BE49-F238E27FC236}">
+                <a16:creationId xmlns:a16="http://schemas.microsoft.com/office/drawing/2014/main" id="{B5DE88A2-0BAA-511E-921E-3BDA4B25E5A4}"/>
+              </a:ext>
+            </a:extLst>
+          </p:cNvPr>
+          <p:cNvSpPr/>
+          <p:nvPr/>
+        </p:nvSpPr>
+        <p:spPr>
+          <a:xfrm>
+            <a:off x="5861943" y="1203060"/>
+            <a:ext cx="1289957" cy="4629149"/>
+          </a:xfrm>
+          <a:prstGeom prst="rect">
+            <a:avLst/>
+          </a:prstGeom>
+          <a:solidFill>
+            <a:schemeClr val="bg1"/>
+          </a:solidFill>
+          <a:ln w="28575"/>
+        </p:spPr>
+        <p:style>
+          <a:lnRef idx="2">
+            <a:schemeClr val="accent1">
+              <a:shade val="50000"/>
+            </a:schemeClr>
+          </a:lnRef>
+          <a:fillRef idx="1">
+            <a:schemeClr val="accent1"/>
+          </a:fillRef>
+          <a:effectRef idx="0">
+            <a:schemeClr val="accent1"/>
+          </a:effectRef>
+          <a:fontRef idx="minor">
+            <a:schemeClr val="lt1"/>
+          </a:fontRef>
+        </p:style>
+        <p:txBody>
+          <a:bodyPr rtlCol="0" anchor="ctr"/>
+          <a:lstStyle/>
+          <a:p>
+            <a:pPr algn="ctr"/>
+            <a:endParaRPr lang="en-US"/>
+          </a:p>
+        </p:txBody>
+      </p:sp>
+      <p:sp>
+        <p:nvSpPr>
+          <p:cNvPr id="4" name="TextBox 3">
+            <a:extLst>
+              <a:ext uri="{FF2B5EF4-FFF2-40B4-BE49-F238E27FC236}">
+                <a16:creationId xmlns:a16="http://schemas.microsoft.com/office/drawing/2014/main" id="{F6120957-35F6-C82C-E0BD-A7B15EF85A00}"/>
+              </a:ext>
+            </a:extLst>
+          </p:cNvPr>
+          <p:cNvSpPr txBox="1"/>
+          <p:nvPr/>
+        </p:nvSpPr>
+        <p:spPr>
+          <a:xfrm>
+            <a:off x="598695" y="776453"/>
+            <a:ext cx="4751622" cy="3785652"/>
+          </a:xfrm>
+          <a:prstGeom prst="rect">
+            <a:avLst/>
+          </a:prstGeom>
+          <a:noFill/>
+        </p:spPr>
+        <p:txBody>
+          <a:bodyPr wrap="none" rtlCol="0">
+            <a:spAutoFit/>
+          </a:bodyPr>
+          <a:lstStyle/>
+          <a:p>
+            <a:r>
+              <a:rPr lang="en-US" sz="1600" b="1" dirty="0">
+                <a:latin typeface="Courier New" panose="02070309020205020404" pitchFamily="49" charset="0"/>
+                <a:cs typeface="Courier New" panose="02070309020205020404" pitchFamily="49" charset="0"/>
+              </a:rPr>
+              <a:t>void one(op)</a:t>
+            </a:r>
+          </a:p>
+          <a:p>
+            <a:r>
+              <a:rPr lang="en-US" sz="1600" b="1" dirty="0">
+                <a:latin typeface="Courier New" panose="02070309020205020404" pitchFamily="49" charset="0"/>
+                <a:cs typeface="Courier New" panose="02070309020205020404" pitchFamily="49" charset="0"/>
+              </a:rPr>
+              <a:t>    int op;</a:t>
+            </a:r>
+          </a:p>
+          <a:p>
+            <a:r>
+              <a:rPr lang="en-US" sz="1600" b="1" dirty="0">
+                <a:latin typeface="Courier New" panose="02070309020205020404" pitchFamily="49" charset="0"/>
+                <a:cs typeface="Courier New" panose="02070309020205020404" pitchFamily="49" charset="0"/>
+              </a:rPr>
+              <a:t>{   </a:t>
+            </a:r>
+          </a:p>
+          <a:p>
+            <a:r>
+              <a:rPr lang="en-US" sz="1600" b="1" dirty="0">
+                <a:latin typeface="Courier New" panose="02070309020205020404" pitchFamily="49" charset="0"/>
+                <a:cs typeface="Courier New" panose="02070309020205020404" pitchFamily="49" charset="0"/>
+              </a:rPr>
+              <a:t>    int </a:t>
+            </a:r>
+            <a:r>
+              <a:rPr lang="en-US" sz="1600" b="1" dirty="0" err="1">
+                <a:latin typeface="Courier New" panose="02070309020205020404" pitchFamily="49" charset="0"/>
+                <a:cs typeface="Courier New" panose="02070309020205020404" pitchFamily="49" charset="0"/>
+              </a:rPr>
+              <a:t>tn</a:t>
+            </a:r>
+            <a:r>
+              <a:rPr lang="en-US" sz="1600" b="1" dirty="0">
+                <a:latin typeface="Courier New" panose="02070309020205020404" pitchFamily="49" charset="0"/>
+                <a:cs typeface="Courier New" panose="02070309020205020404" pitchFamily="49" charset="0"/>
+              </a:rPr>
+              <a:t> = 10;</a:t>
+            </a:r>
+          </a:p>
+          <a:p>
+            <a:r>
+              <a:rPr lang="en-US" sz="1600" b="1" dirty="0">
+                <a:latin typeface="Courier New" panose="02070309020205020404" pitchFamily="49" charset="0"/>
+                <a:cs typeface="Courier New" panose="02070309020205020404" pitchFamily="49" charset="0"/>
+              </a:rPr>
+              <a:t>    </a:t>
+            </a:r>
+            <a:r>
+              <a:rPr lang="en-US" sz="1600" b="1" dirty="0" err="1">
+                <a:latin typeface="Courier New" panose="02070309020205020404" pitchFamily="49" charset="0"/>
+                <a:cs typeface="Courier New" panose="02070309020205020404" pitchFamily="49" charset="0"/>
+              </a:rPr>
+              <a:t>printf</a:t>
+            </a:r>
+            <a:r>
+              <a:rPr lang="en-US" sz="1600" b="1" dirty="0">
+                <a:latin typeface="Courier New" panose="02070309020205020404" pitchFamily="49" charset="0"/>
+                <a:cs typeface="Courier New" panose="02070309020205020404" pitchFamily="49" charset="0"/>
+              </a:rPr>
+              <a:t>("One  op before %d\</a:t>
+            </a:r>
+            <a:r>
+              <a:rPr lang="en-US" sz="1600" b="1" dirty="0" err="1">
+                <a:latin typeface="Courier New" panose="02070309020205020404" pitchFamily="49" charset="0"/>
+                <a:cs typeface="Courier New" panose="02070309020205020404" pitchFamily="49" charset="0"/>
+              </a:rPr>
+              <a:t>n",op</a:t>
+            </a:r>
+            <a:r>
+              <a:rPr lang="en-US" sz="1600" b="1" dirty="0">
+                <a:latin typeface="Courier New" panose="02070309020205020404" pitchFamily="49" charset="0"/>
+                <a:cs typeface="Courier New" panose="02070309020205020404" pitchFamily="49" charset="0"/>
+              </a:rPr>
+              <a:t>);</a:t>
+            </a:r>
+          </a:p>
+          <a:p>
+            <a:r>
+              <a:rPr lang="en-US" sz="1600" b="1" dirty="0">
+                <a:latin typeface="Courier New" panose="02070309020205020404" pitchFamily="49" charset="0"/>
+                <a:cs typeface="Courier New" panose="02070309020205020404" pitchFamily="49" charset="0"/>
+              </a:rPr>
+              <a:t>    op = op - </a:t>
+            </a:r>
+            <a:r>
+              <a:rPr lang="en-US" sz="1600" b="1" dirty="0" err="1">
+                <a:latin typeface="Courier New" panose="02070309020205020404" pitchFamily="49" charset="0"/>
+                <a:cs typeface="Courier New" panose="02070309020205020404" pitchFamily="49" charset="0"/>
+              </a:rPr>
+              <a:t>tn</a:t>
+            </a:r>
+            <a:r>
+              <a:rPr lang="en-US" sz="1600" b="1" dirty="0">
+                <a:latin typeface="Courier New" panose="02070309020205020404" pitchFamily="49" charset="0"/>
+                <a:cs typeface="Courier New" panose="02070309020205020404" pitchFamily="49" charset="0"/>
+              </a:rPr>
+              <a:t>;</a:t>
+            </a:r>
+          </a:p>
+          <a:p>
+            <a:r>
+              <a:rPr lang="en-US" sz="1600" b="1" dirty="0">
+                <a:latin typeface="Courier New" panose="02070309020205020404" pitchFamily="49" charset="0"/>
+                <a:cs typeface="Courier New" panose="02070309020205020404" pitchFamily="49" charset="0"/>
+              </a:rPr>
+              <a:t>    </a:t>
+            </a:r>
+            <a:r>
+              <a:rPr lang="en-US" sz="1600" b="1" dirty="0" err="1">
+                <a:latin typeface="Courier New" panose="02070309020205020404" pitchFamily="49" charset="0"/>
+                <a:cs typeface="Courier New" panose="02070309020205020404" pitchFamily="49" charset="0"/>
+              </a:rPr>
+              <a:t>printf</a:t>
+            </a:r>
+            <a:r>
+              <a:rPr lang="en-US" sz="1600" b="1" dirty="0">
+                <a:latin typeface="Courier New" panose="02070309020205020404" pitchFamily="49" charset="0"/>
+                <a:cs typeface="Courier New" panose="02070309020205020404" pitchFamily="49" charset="0"/>
+              </a:rPr>
+              <a:t>("One  op after  %d\</a:t>
+            </a:r>
+            <a:r>
+              <a:rPr lang="en-US" sz="1600" b="1" dirty="0" err="1">
+                <a:latin typeface="Courier New" panose="02070309020205020404" pitchFamily="49" charset="0"/>
+                <a:cs typeface="Courier New" panose="02070309020205020404" pitchFamily="49" charset="0"/>
+              </a:rPr>
+              <a:t>n",op</a:t>
+            </a:r>
+            <a:r>
+              <a:rPr lang="en-US" sz="1600" b="1" dirty="0">
+                <a:latin typeface="Courier New" panose="02070309020205020404" pitchFamily="49" charset="0"/>
+                <a:cs typeface="Courier New" panose="02070309020205020404" pitchFamily="49" charset="0"/>
+              </a:rPr>
+              <a:t>);</a:t>
+            </a:r>
+          </a:p>
+          <a:p>
+            <a:r>
+              <a:rPr lang="en-US" sz="1600" b="1" dirty="0">
+                <a:latin typeface="Courier New" panose="02070309020205020404" pitchFamily="49" charset="0"/>
+                <a:cs typeface="Courier New" panose="02070309020205020404" pitchFamily="49" charset="0"/>
+              </a:rPr>
+              <a:t>}</a:t>
+            </a:r>
+          </a:p>
+          <a:p>
+            <a:endParaRPr lang="en-US" sz="1600" b="1" dirty="0">
+              <a:latin typeface="Courier New" panose="02070309020205020404" pitchFamily="49" charset="0"/>
+              <a:cs typeface="Courier New" panose="02070309020205020404" pitchFamily="49" charset="0"/>
+            </a:endParaRPr>
+          </a:p>
+          <a:p>
+            <a:r>
+              <a:rPr lang="en-US" sz="1600" b="1" dirty="0">
+                <a:latin typeface="Courier New" panose="02070309020205020404" pitchFamily="49" charset="0"/>
+                <a:cs typeface="Courier New" panose="02070309020205020404" pitchFamily="49" charset="0"/>
+              </a:rPr>
+              <a:t>int main() {</a:t>
+            </a:r>
+          </a:p>
+          <a:p>
+            <a:r>
+              <a:rPr lang="en-US" sz="1600" b="1" dirty="0">
+                <a:latin typeface="Courier New" panose="02070309020205020404" pitchFamily="49" charset="0"/>
+                <a:cs typeface="Courier New" panose="02070309020205020404" pitchFamily="49" charset="0"/>
+              </a:rPr>
+              <a:t>    int ma = 42; </a:t>
+            </a:r>
+          </a:p>
+          <a:p>
+            <a:r>
+              <a:rPr lang="en-US" sz="1600" b="1" dirty="0">
+                <a:latin typeface="Courier New" panose="02070309020205020404" pitchFamily="49" charset="0"/>
+                <a:cs typeface="Courier New" panose="02070309020205020404" pitchFamily="49" charset="0"/>
+              </a:rPr>
+              <a:t>    </a:t>
+            </a:r>
+            <a:r>
+              <a:rPr lang="en-US" sz="1600" b="1" dirty="0" err="1">
+                <a:latin typeface="Courier New" panose="02070309020205020404" pitchFamily="49" charset="0"/>
+                <a:cs typeface="Courier New" panose="02070309020205020404" pitchFamily="49" charset="0"/>
+              </a:rPr>
+              <a:t>printf</a:t>
+            </a:r>
+            <a:r>
+              <a:rPr lang="en-US" sz="1600" b="1" dirty="0">
+                <a:latin typeface="Courier New" panose="02070309020205020404" pitchFamily="49" charset="0"/>
+                <a:cs typeface="Courier New" panose="02070309020205020404" pitchFamily="49" charset="0"/>
+              </a:rPr>
+              <a:t>("Main ma before %d\</a:t>
+            </a:r>
+            <a:r>
+              <a:rPr lang="en-US" sz="1600" b="1" dirty="0" err="1">
+                <a:latin typeface="Courier New" panose="02070309020205020404" pitchFamily="49" charset="0"/>
+                <a:cs typeface="Courier New" panose="02070309020205020404" pitchFamily="49" charset="0"/>
+              </a:rPr>
+              <a:t>n",ma</a:t>
+            </a:r>
+            <a:r>
+              <a:rPr lang="en-US" sz="1600" b="1" dirty="0">
+                <a:latin typeface="Courier New" panose="02070309020205020404" pitchFamily="49" charset="0"/>
+                <a:cs typeface="Courier New" panose="02070309020205020404" pitchFamily="49" charset="0"/>
+              </a:rPr>
+              <a:t>);</a:t>
+            </a:r>
+          </a:p>
+          <a:p>
+            <a:r>
+              <a:rPr lang="en-US" sz="1600" b="1" dirty="0">
+                <a:latin typeface="Courier New" panose="02070309020205020404" pitchFamily="49" charset="0"/>
+                <a:cs typeface="Courier New" panose="02070309020205020404" pitchFamily="49" charset="0"/>
+              </a:rPr>
+              <a:t>    one(ma);</a:t>
+            </a:r>
+          </a:p>
+          <a:p>
+            <a:r>
+              <a:rPr lang="en-US" sz="1600" b="1" dirty="0">
+                <a:latin typeface="Courier New" panose="02070309020205020404" pitchFamily="49" charset="0"/>
+                <a:cs typeface="Courier New" panose="02070309020205020404" pitchFamily="49" charset="0"/>
+              </a:rPr>
+              <a:t>    </a:t>
+            </a:r>
+            <a:r>
+              <a:rPr lang="en-US" sz="1600" b="1" dirty="0" err="1">
+                <a:latin typeface="Courier New" panose="02070309020205020404" pitchFamily="49" charset="0"/>
+                <a:cs typeface="Courier New" panose="02070309020205020404" pitchFamily="49" charset="0"/>
+              </a:rPr>
+              <a:t>printf</a:t>
+            </a:r>
+            <a:r>
+              <a:rPr lang="en-US" sz="1600" b="1" dirty="0">
+                <a:latin typeface="Courier New" panose="02070309020205020404" pitchFamily="49" charset="0"/>
+                <a:cs typeface="Courier New" panose="02070309020205020404" pitchFamily="49" charset="0"/>
+              </a:rPr>
+              <a:t>("Main ma after  %d\</a:t>
+            </a:r>
+            <a:r>
+              <a:rPr lang="en-US" sz="1600" b="1" dirty="0" err="1">
+                <a:latin typeface="Courier New" panose="02070309020205020404" pitchFamily="49" charset="0"/>
+                <a:cs typeface="Courier New" panose="02070309020205020404" pitchFamily="49" charset="0"/>
+              </a:rPr>
+              <a:t>n",ma</a:t>
+            </a:r>
+            <a:r>
+              <a:rPr lang="en-US" sz="1600" b="1" dirty="0">
+                <a:latin typeface="Courier New" panose="02070309020205020404" pitchFamily="49" charset="0"/>
+                <a:cs typeface="Courier New" panose="02070309020205020404" pitchFamily="49" charset="0"/>
+              </a:rPr>
+              <a:t>);</a:t>
+            </a:r>
+          </a:p>
+          <a:p>
+            <a:r>
+              <a:rPr lang="en-US" sz="1600" b="1" dirty="0">
+                <a:latin typeface="Courier New" panose="02070309020205020404" pitchFamily="49" charset="0"/>
+                <a:cs typeface="Courier New" panose="02070309020205020404" pitchFamily="49" charset="0"/>
+              </a:rPr>
+              <a:t>}</a:t>
+            </a:r>
+          </a:p>
+        </p:txBody>
+      </p:sp>
+      <p:sp>
+        <p:nvSpPr>
+          <p:cNvPr id="5" name="TextBox 4">
+            <a:extLst>
+              <a:ext uri="{FF2B5EF4-FFF2-40B4-BE49-F238E27FC236}">
+                <a16:creationId xmlns:a16="http://schemas.microsoft.com/office/drawing/2014/main" id="{70BF47B6-82C2-527F-764A-DBEF6FE9491F}"/>
+              </a:ext>
+            </a:extLst>
+          </p:cNvPr>
+          <p:cNvSpPr txBox="1"/>
+          <p:nvPr/>
+        </p:nvSpPr>
+        <p:spPr>
+          <a:xfrm>
+            <a:off x="293915" y="6338986"/>
+            <a:ext cx="1382485" cy="307777"/>
+          </a:xfrm>
+          <a:prstGeom prst="rect">
+            <a:avLst/>
+          </a:prstGeom>
+          <a:noFill/>
+        </p:spPr>
+        <p:txBody>
+          <a:bodyPr wrap="square">
+            <a:spAutoFit/>
+          </a:bodyPr>
+          <a:lstStyle/>
+          <a:p>
+            <a:r>
+              <a:rPr lang="en-US" sz="1400" b="1" dirty="0">
+                <a:solidFill>
+                  <a:srgbClr val="000000"/>
+                </a:solidFill>
+                <a:latin typeface="Menlo" panose="020B0609030804020204" pitchFamily="49" charset="0"/>
+              </a:rPr>
+              <a:t>kr_04_01.c</a:t>
+            </a:r>
+          </a:p>
+        </p:txBody>
+      </p:sp>
+      <p:sp>
+        <p:nvSpPr>
+          <p:cNvPr id="6" name="TextBox 5">
+            <a:extLst>
+              <a:ext uri="{FF2B5EF4-FFF2-40B4-BE49-F238E27FC236}">
+                <a16:creationId xmlns:a16="http://schemas.microsoft.com/office/drawing/2014/main" id="{2C6526EF-2BB6-C9A5-C88A-9548E85E54AA}"/>
+              </a:ext>
+            </a:extLst>
+          </p:cNvPr>
+          <p:cNvSpPr txBox="1"/>
+          <p:nvPr/>
+        </p:nvSpPr>
+        <p:spPr>
+          <a:xfrm>
+            <a:off x="1103538" y="4799337"/>
+            <a:ext cx="2528256" cy="646331"/>
+          </a:xfrm>
+          <a:prstGeom prst="rect">
+            <a:avLst/>
+          </a:prstGeom>
+          <a:noFill/>
+        </p:spPr>
+        <p:txBody>
+          <a:bodyPr wrap="none" rtlCol="0">
+            <a:spAutoFit/>
+          </a:bodyPr>
+          <a:lstStyle/>
+          <a:p>
+            <a:r>
+              <a:rPr lang="en-US" b="1" dirty="0">
+                <a:latin typeface="Courier New" panose="02070309020205020404" pitchFamily="49" charset="0"/>
+                <a:cs typeface="Courier New" panose="02070309020205020404" pitchFamily="49" charset="0"/>
+              </a:rPr>
+              <a:t>Main ma before 42</a:t>
+            </a:r>
+          </a:p>
+          <a:p>
+            <a:r>
+              <a:rPr lang="en-US" b="1" dirty="0">
+                <a:latin typeface="Courier New" panose="02070309020205020404" pitchFamily="49" charset="0"/>
+                <a:cs typeface="Courier New" panose="02070309020205020404" pitchFamily="49" charset="0"/>
+              </a:rPr>
+              <a:t>One  op before 42</a:t>
+            </a:r>
+          </a:p>
+        </p:txBody>
+      </p:sp>
+      <p:sp>
+        <p:nvSpPr>
+          <p:cNvPr id="7" name="Rectangle 6">
+            <a:extLst>
+              <a:ext uri="{FF2B5EF4-FFF2-40B4-BE49-F238E27FC236}">
+                <a16:creationId xmlns:a16="http://schemas.microsoft.com/office/drawing/2014/main" id="{CF2A4D56-1F60-AB7D-3BCB-6C5FC63E6905}"/>
+              </a:ext>
+            </a:extLst>
+          </p:cNvPr>
+          <p:cNvSpPr/>
+          <p:nvPr/>
+        </p:nvSpPr>
+        <p:spPr>
+          <a:xfrm>
+            <a:off x="5861943" y="5399502"/>
+            <a:ext cx="1289957" cy="432707"/>
+          </a:xfrm>
+          <a:prstGeom prst="rect">
+            <a:avLst/>
+          </a:prstGeom>
+          <a:solidFill>
+            <a:schemeClr val="bg1"/>
+          </a:solidFill>
+          <a:ln w="28575"/>
+        </p:spPr>
+        <p:style>
+          <a:lnRef idx="2">
+            <a:schemeClr val="accent1">
+              <a:shade val="50000"/>
+            </a:schemeClr>
+          </a:lnRef>
+          <a:fillRef idx="1">
+            <a:schemeClr val="accent1"/>
+          </a:fillRef>
+          <a:effectRef idx="0">
+            <a:schemeClr val="accent1"/>
+          </a:effectRef>
+          <a:fontRef idx="minor">
+            <a:schemeClr val="lt1"/>
+          </a:fontRef>
+        </p:style>
+        <p:txBody>
+          <a:bodyPr rtlCol="0" anchor="ctr"/>
+          <a:lstStyle/>
+          <a:p>
+            <a:r>
+              <a:rPr lang="en-US" dirty="0">
+                <a:solidFill>
+                  <a:schemeClr val="tx1"/>
+                </a:solidFill>
+                <a:latin typeface="Courier New" panose="02070309020205020404" pitchFamily="49" charset="0"/>
+                <a:cs typeface="Courier New" panose="02070309020205020404" pitchFamily="49" charset="0"/>
+              </a:rPr>
+              <a:t>ma</a:t>
+            </a:r>
+          </a:p>
+        </p:txBody>
+      </p:sp>
+      <p:sp>
+        <p:nvSpPr>
+          <p:cNvPr id="8" name="Rectangle 7">
+            <a:extLst>
+              <a:ext uri="{FF2B5EF4-FFF2-40B4-BE49-F238E27FC236}">
+                <a16:creationId xmlns:a16="http://schemas.microsoft.com/office/drawing/2014/main" id="{A88B3B43-2899-3CF2-FFBA-DC1357ED5834}"/>
+              </a:ext>
+            </a:extLst>
+          </p:cNvPr>
+          <p:cNvSpPr/>
+          <p:nvPr/>
+        </p:nvSpPr>
+        <p:spPr>
+          <a:xfrm>
+            <a:off x="6368129" y="5399502"/>
+            <a:ext cx="783771" cy="432707"/>
+          </a:xfrm>
+          <a:prstGeom prst="rect">
+            <a:avLst/>
+          </a:prstGeom>
+          <a:solidFill>
+            <a:schemeClr val="bg2"/>
+          </a:solidFill>
+          <a:ln w="28575"/>
+        </p:spPr>
+        <p:style>
+          <a:lnRef idx="2">
+            <a:schemeClr val="accent1">
+              <a:shade val="50000"/>
+            </a:schemeClr>
+          </a:lnRef>
+          <a:fillRef idx="1">
+            <a:schemeClr val="accent1"/>
+          </a:fillRef>
+          <a:effectRef idx="0">
+            <a:schemeClr val="accent1"/>
+          </a:effectRef>
+          <a:fontRef idx="minor">
+            <a:schemeClr val="lt1"/>
+          </a:fontRef>
+        </p:style>
+        <p:txBody>
+          <a:bodyPr rtlCol="0" anchor="ctr"/>
+          <a:lstStyle/>
+          <a:p>
+            <a:pPr algn="ctr"/>
+            <a:r>
+              <a:rPr lang="en-US" dirty="0">
+                <a:solidFill>
+                  <a:schemeClr val="tx1"/>
+                </a:solidFill>
+              </a:rPr>
+              <a:t>42</a:t>
+            </a:r>
+          </a:p>
+        </p:txBody>
+      </p:sp>
+      <p:sp>
+        <p:nvSpPr>
+          <p:cNvPr id="10" name="TextBox 9">
+            <a:extLst>
+              <a:ext uri="{FF2B5EF4-FFF2-40B4-BE49-F238E27FC236}">
+                <a16:creationId xmlns:a16="http://schemas.microsoft.com/office/drawing/2014/main" id="{350BE642-BC91-4CE6-A618-D8AC090F594B}"/>
+              </a:ext>
+            </a:extLst>
+          </p:cNvPr>
+          <p:cNvSpPr txBox="1"/>
+          <p:nvPr/>
+        </p:nvSpPr>
+        <p:spPr>
+          <a:xfrm>
+            <a:off x="6188510" y="625681"/>
+            <a:ext cx="736164" cy="400110"/>
+          </a:xfrm>
+          <a:prstGeom prst="rect">
+            <a:avLst/>
+          </a:prstGeom>
+          <a:noFill/>
+        </p:spPr>
+        <p:txBody>
+          <a:bodyPr wrap="none" rtlCol="0">
+            <a:spAutoFit/>
+          </a:bodyPr>
+          <a:lstStyle/>
+          <a:p>
+            <a:r>
+              <a:rPr lang="en-US" sz="2000" dirty="0"/>
+              <a:t>Stack</a:t>
+            </a:r>
+          </a:p>
+        </p:txBody>
+      </p:sp>
+      <p:sp>
+        <p:nvSpPr>
+          <p:cNvPr id="11" name="TextBox 10">
+            <a:extLst>
+              <a:ext uri="{FF2B5EF4-FFF2-40B4-BE49-F238E27FC236}">
+                <a16:creationId xmlns:a16="http://schemas.microsoft.com/office/drawing/2014/main" id="{FE0E6899-6033-14FE-FD62-FF541AC3ABDD}"/>
+              </a:ext>
+            </a:extLst>
+          </p:cNvPr>
+          <p:cNvSpPr txBox="1"/>
+          <p:nvPr/>
+        </p:nvSpPr>
+        <p:spPr>
+          <a:xfrm>
+            <a:off x="5955302" y="5992385"/>
+            <a:ext cx="966931" cy="400110"/>
+          </a:xfrm>
+          <a:prstGeom prst="rect">
+            <a:avLst/>
+          </a:prstGeom>
+          <a:noFill/>
+        </p:spPr>
+        <p:txBody>
+          <a:bodyPr wrap="none" rtlCol="0">
+            <a:spAutoFit/>
+          </a:bodyPr>
+          <a:lstStyle/>
+          <a:p>
+            <a:r>
+              <a:rPr lang="en-US" sz="2000" dirty="0"/>
+              <a:t>Time -&gt;</a:t>
+            </a:r>
+          </a:p>
+        </p:txBody>
+      </p:sp>
+      <p:sp>
+        <p:nvSpPr>
+          <p:cNvPr id="12" name="Rectangle 11">
+            <a:extLst>
+              <a:ext uri="{FF2B5EF4-FFF2-40B4-BE49-F238E27FC236}">
+                <a16:creationId xmlns:a16="http://schemas.microsoft.com/office/drawing/2014/main" id="{69E42395-FE2D-27E6-D6A2-C0F4DFB59AC4}"/>
+              </a:ext>
+            </a:extLst>
+          </p:cNvPr>
+          <p:cNvSpPr/>
+          <p:nvPr/>
+        </p:nvSpPr>
+        <p:spPr>
+          <a:xfrm>
+            <a:off x="7402268" y="1203060"/>
+            <a:ext cx="1289957" cy="4629149"/>
+          </a:xfrm>
+          <a:prstGeom prst="rect">
+            <a:avLst/>
+          </a:prstGeom>
+          <a:solidFill>
+            <a:schemeClr val="bg1"/>
+          </a:solidFill>
+          <a:ln w="28575"/>
+        </p:spPr>
+        <p:style>
+          <a:lnRef idx="2">
+            <a:schemeClr val="accent1">
+              <a:shade val="50000"/>
+            </a:schemeClr>
+          </a:lnRef>
+          <a:fillRef idx="1">
+            <a:schemeClr val="accent1"/>
+          </a:fillRef>
+          <a:effectRef idx="0">
+            <a:schemeClr val="accent1"/>
+          </a:effectRef>
+          <a:fontRef idx="minor">
+            <a:schemeClr val="lt1"/>
+          </a:fontRef>
+        </p:style>
+        <p:txBody>
+          <a:bodyPr rtlCol="0" anchor="ctr"/>
+          <a:lstStyle/>
+          <a:p>
+            <a:pPr algn="ctr"/>
+            <a:endParaRPr lang="en-US"/>
+          </a:p>
+        </p:txBody>
+      </p:sp>
+      <p:sp>
+        <p:nvSpPr>
+          <p:cNvPr id="13" name="Rectangle 12">
+            <a:extLst>
+              <a:ext uri="{FF2B5EF4-FFF2-40B4-BE49-F238E27FC236}">
+                <a16:creationId xmlns:a16="http://schemas.microsoft.com/office/drawing/2014/main" id="{FEDC134D-7BD4-BF16-3015-C503AF138526}"/>
+              </a:ext>
+            </a:extLst>
+          </p:cNvPr>
+          <p:cNvSpPr/>
+          <p:nvPr/>
+        </p:nvSpPr>
+        <p:spPr>
+          <a:xfrm>
+            <a:off x="7402268" y="5399502"/>
+            <a:ext cx="1289957" cy="432707"/>
+          </a:xfrm>
+          <a:prstGeom prst="rect">
+            <a:avLst/>
+          </a:prstGeom>
+          <a:solidFill>
+            <a:schemeClr val="bg1"/>
+          </a:solidFill>
+          <a:ln w="28575"/>
+        </p:spPr>
+        <p:style>
+          <a:lnRef idx="2">
+            <a:schemeClr val="accent1">
+              <a:shade val="50000"/>
+            </a:schemeClr>
+          </a:lnRef>
+          <a:fillRef idx="1">
+            <a:schemeClr val="accent1"/>
+          </a:fillRef>
+          <a:effectRef idx="0">
+            <a:schemeClr val="accent1"/>
+          </a:effectRef>
+          <a:fontRef idx="minor">
+            <a:schemeClr val="lt1"/>
+          </a:fontRef>
+        </p:style>
+        <p:txBody>
+          <a:bodyPr rtlCol="0" anchor="ctr"/>
+          <a:lstStyle/>
+          <a:p>
+            <a:r>
+              <a:rPr lang="en-US" dirty="0">
+                <a:solidFill>
+                  <a:schemeClr val="tx1"/>
+                </a:solidFill>
+                <a:latin typeface="Courier New" panose="02070309020205020404" pitchFamily="49" charset="0"/>
+                <a:cs typeface="Courier New" panose="02070309020205020404" pitchFamily="49" charset="0"/>
+              </a:rPr>
+              <a:t>ma</a:t>
+            </a:r>
+          </a:p>
+        </p:txBody>
+      </p:sp>
+      <p:sp>
+        <p:nvSpPr>
+          <p:cNvPr id="14" name="Rectangle 13">
+            <a:extLst>
+              <a:ext uri="{FF2B5EF4-FFF2-40B4-BE49-F238E27FC236}">
+                <a16:creationId xmlns:a16="http://schemas.microsoft.com/office/drawing/2014/main" id="{A17D40F8-CDE5-2421-522B-C2B9868883BA}"/>
+              </a:ext>
+            </a:extLst>
+          </p:cNvPr>
+          <p:cNvSpPr/>
+          <p:nvPr/>
+        </p:nvSpPr>
+        <p:spPr>
+          <a:xfrm>
+            <a:off x="7908454" y="5399502"/>
+            <a:ext cx="783771" cy="432707"/>
+          </a:xfrm>
+          <a:prstGeom prst="rect">
+            <a:avLst/>
+          </a:prstGeom>
+          <a:solidFill>
+            <a:schemeClr val="bg2"/>
+          </a:solidFill>
+          <a:ln w="28575"/>
+        </p:spPr>
+        <p:style>
+          <a:lnRef idx="2">
+            <a:schemeClr val="accent1">
+              <a:shade val="50000"/>
+            </a:schemeClr>
+          </a:lnRef>
+          <a:fillRef idx="1">
+            <a:schemeClr val="accent1"/>
+          </a:fillRef>
+          <a:effectRef idx="0">
+            <a:schemeClr val="accent1"/>
+          </a:effectRef>
+          <a:fontRef idx="minor">
+            <a:schemeClr val="lt1"/>
+          </a:fontRef>
+        </p:style>
+        <p:txBody>
+          <a:bodyPr rtlCol="0" anchor="ctr"/>
+          <a:lstStyle/>
+          <a:p>
+            <a:pPr algn="ctr"/>
+            <a:r>
+              <a:rPr lang="en-US" dirty="0">
+                <a:solidFill>
+                  <a:schemeClr val="tx1"/>
+                </a:solidFill>
+              </a:rPr>
+              <a:t>42</a:t>
+            </a:r>
+          </a:p>
+        </p:txBody>
+      </p:sp>
+      <p:sp>
+        <p:nvSpPr>
+          <p:cNvPr id="15" name="Rectangle 14">
+            <a:extLst>
+              <a:ext uri="{FF2B5EF4-FFF2-40B4-BE49-F238E27FC236}">
+                <a16:creationId xmlns:a16="http://schemas.microsoft.com/office/drawing/2014/main" id="{1422B8C1-825D-A9F5-3295-18B4841249F3}"/>
+              </a:ext>
+            </a:extLst>
+          </p:cNvPr>
+          <p:cNvSpPr/>
+          <p:nvPr/>
+        </p:nvSpPr>
+        <p:spPr>
+          <a:xfrm>
+            <a:off x="7402268" y="4494211"/>
+            <a:ext cx="1289957" cy="432707"/>
+          </a:xfrm>
+          <a:prstGeom prst="rect">
+            <a:avLst/>
+          </a:prstGeom>
+          <a:solidFill>
+            <a:schemeClr val="bg1"/>
+          </a:solidFill>
+          <a:ln w="28575"/>
+        </p:spPr>
+        <p:style>
+          <a:lnRef idx="2">
+            <a:schemeClr val="accent1">
+              <a:shade val="50000"/>
+            </a:schemeClr>
+          </a:lnRef>
+          <a:fillRef idx="1">
+            <a:schemeClr val="accent1"/>
+          </a:fillRef>
+          <a:effectRef idx="0">
+            <a:schemeClr val="accent1"/>
+          </a:effectRef>
+          <a:fontRef idx="minor">
+            <a:schemeClr val="lt1"/>
+          </a:fontRef>
+        </p:style>
+        <p:txBody>
+          <a:bodyPr rtlCol="0" anchor="ctr"/>
+          <a:lstStyle/>
+          <a:p>
+            <a:r>
+              <a:rPr lang="en-US" dirty="0">
+                <a:solidFill>
+                  <a:schemeClr val="tx1"/>
+                </a:solidFill>
+                <a:latin typeface="Courier New" panose="02070309020205020404" pitchFamily="49" charset="0"/>
+                <a:cs typeface="Courier New" panose="02070309020205020404" pitchFamily="49" charset="0"/>
+              </a:rPr>
+              <a:t>op</a:t>
+            </a:r>
+          </a:p>
+        </p:txBody>
+      </p:sp>
+      <p:sp>
+        <p:nvSpPr>
+          <p:cNvPr id="16" name="Rectangle 15">
+            <a:extLst>
+              <a:ext uri="{FF2B5EF4-FFF2-40B4-BE49-F238E27FC236}">
+                <a16:creationId xmlns:a16="http://schemas.microsoft.com/office/drawing/2014/main" id="{5ADD4B4E-177C-E79E-8D73-1F1302CE8101}"/>
+              </a:ext>
+            </a:extLst>
+          </p:cNvPr>
+          <p:cNvSpPr/>
+          <p:nvPr/>
+        </p:nvSpPr>
+        <p:spPr>
+          <a:xfrm>
+            <a:off x="7908454" y="4494211"/>
+            <a:ext cx="783771" cy="432707"/>
+          </a:xfrm>
+          <a:prstGeom prst="rect">
+            <a:avLst/>
+          </a:prstGeom>
+          <a:solidFill>
+            <a:schemeClr val="bg2"/>
+          </a:solidFill>
+          <a:ln w="28575"/>
+        </p:spPr>
+        <p:style>
+          <a:lnRef idx="2">
+            <a:schemeClr val="accent1">
+              <a:shade val="50000"/>
+            </a:schemeClr>
+          </a:lnRef>
+          <a:fillRef idx="1">
+            <a:schemeClr val="accent1"/>
+          </a:fillRef>
+          <a:effectRef idx="0">
+            <a:schemeClr val="accent1"/>
+          </a:effectRef>
+          <a:fontRef idx="minor">
+            <a:schemeClr val="lt1"/>
+          </a:fontRef>
+        </p:style>
+        <p:txBody>
+          <a:bodyPr rtlCol="0" anchor="ctr"/>
+          <a:lstStyle/>
+          <a:p>
+            <a:pPr algn="ctr"/>
+            <a:r>
+              <a:rPr lang="en-US" dirty="0">
+                <a:solidFill>
+                  <a:schemeClr val="tx1"/>
+                </a:solidFill>
+              </a:rPr>
+              <a:t>42</a:t>
+            </a:r>
+          </a:p>
+        </p:txBody>
+      </p:sp>
+      <p:sp>
+        <p:nvSpPr>
+          <p:cNvPr id="29" name="Rectangle 28">
+            <a:extLst>
+              <a:ext uri="{FF2B5EF4-FFF2-40B4-BE49-F238E27FC236}">
+                <a16:creationId xmlns:a16="http://schemas.microsoft.com/office/drawing/2014/main" id="{5B06053B-1190-1A46-01BD-A544037869B4}"/>
+              </a:ext>
+            </a:extLst>
+          </p:cNvPr>
+          <p:cNvSpPr/>
+          <p:nvPr/>
+        </p:nvSpPr>
+        <p:spPr>
+          <a:xfrm>
+            <a:off x="7402261" y="3770311"/>
+            <a:ext cx="1289957" cy="432707"/>
+          </a:xfrm>
+          <a:prstGeom prst="rect">
+            <a:avLst/>
+          </a:prstGeom>
+          <a:solidFill>
+            <a:schemeClr val="bg1"/>
+          </a:solidFill>
+          <a:ln w="28575"/>
+        </p:spPr>
+        <p:style>
+          <a:lnRef idx="2">
+            <a:schemeClr val="accent1">
+              <a:shade val="50000"/>
+            </a:schemeClr>
+          </a:lnRef>
+          <a:fillRef idx="1">
+            <a:schemeClr val="accent1"/>
+          </a:fillRef>
+          <a:effectRef idx="0">
+            <a:schemeClr val="accent1"/>
+          </a:effectRef>
+          <a:fontRef idx="minor">
+            <a:schemeClr val="lt1"/>
+          </a:fontRef>
+        </p:style>
+        <p:txBody>
+          <a:bodyPr rtlCol="0" anchor="ctr"/>
+          <a:lstStyle/>
+          <a:p>
+            <a:r>
+              <a:rPr lang="en-US" dirty="0" err="1">
+                <a:solidFill>
+                  <a:schemeClr val="tx1"/>
+                </a:solidFill>
+                <a:latin typeface="Courier New" panose="02070309020205020404" pitchFamily="49" charset="0"/>
+                <a:cs typeface="Courier New" panose="02070309020205020404" pitchFamily="49" charset="0"/>
+              </a:rPr>
+              <a:t>tn</a:t>
+            </a:r>
+            <a:endParaRPr lang="en-US" dirty="0">
+              <a:solidFill>
+                <a:schemeClr val="tx1"/>
+              </a:solidFill>
+              <a:latin typeface="Courier New" panose="02070309020205020404" pitchFamily="49" charset="0"/>
+              <a:cs typeface="Courier New" panose="02070309020205020404" pitchFamily="49" charset="0"/>
+            </a:endParaRPr>
+          </a:p>
+        </p:txBody>
+      </p:sp>
+      <p:sp>
+        <p:nvSpPr>
+          <p:cNvPr id="30" name="Rectangle 29">
+            <a:extLst>
+              <a:ext uri="{FF2B5EF4-FFF2-40B4-BE49-F238E27FC236}">
+                <a16:creationId xmlns:a16="http://schemas.microsoft.com/office/drawing/2014/main" id="{6321B1E4-E97E-D6B0-D96D-C10D6EA469BA}"/>
+              </a:ext>
+            </a:extLst>
+          </p:cNvPr>
+          <p:cNvSpPr/>
+          <p:nvPr/>
+        </p:nvSpPr>
+        <p:spPr>
+          <a:xfrm>
+            <a:off x="7908447" y="3770311"/>
+            <a:ext cx="783771" cy="432707"/>
+          </a:xfrm>
+          <a:prstGeom prst="rect">
+            <a:avLst/>
+          </a:prstGeom>
+          <a:solidFill>
+            <a:schemeClr val="bg2"/>
+          </a:solidFill>
+          <a:ln w="28575"/>
+        </p:spPr>
+        <p:style>
+          <a:lnRef idx="2">
+            <a:schemeClr val="accent1">
+              <a:shade val="50000"/>
+            </a:schemeClr>
+          </a:lnRef>
+          <a:fillRef idx="1">
+            <a:schemeClr val="accent1"/>
+          </a:fillRef>
+          <a:effectRef idx="0">
+            <a:schemeClr val="accent1"/>
+          </a:effectRef>
+          <a:fontRef idx="minor">
+            <a:schemeClr val="lt1"/>
+          </a:fontRef>
+        </p:style>
+        <p:txBody>
+          <a:bodyPr rtlCol="0" anchor="ctr"/>
+          <a:lstStyle/>
+          <a:p>
+            <a:pPr algn="ctr"/>
+            <a:r>
+              <a:rPr lang="en-US" dirty="0">
+                <a:solidFill>
+                  <a:schemeClr val="tx1"/>
+                </a:solidFill>
+              </a:rPr>
+              <a:t>10</a:t>
+            </a:r>
+          </a:p>
+        </p:txBody>
+      </p:sp>
+      <p:cxnSp>
+        <p:nvCxnSpPr>
+          <p:cNvPr id="36" name="Curved Connector 35">
+            <a:extLst>
+              <a:ext uri="{FF2B5EF4-FFF2-40B4-BE49-F238E27FC236}">
+                <a16:creationId xmlns:a16="http://schemas.microsoft.com/office/drawing/2014/main" id="{E41DDAF1-4386-37C3-AC16-15637DCBC74B}"/>
+              </a:ext>
+            </a:extLst>
+          </p:cNvPr>
+          <p:cNvCxnSpPr>
+            <a:cxnSpLocks/>
+            <a:stCxn id="14" idx="1"/>
+            <a:endCxn id="16" idx="1"/>
+          </p:cNvCxnSpPr>
+          <p:nvPr/>
+        </p:nvCxnSpPr>
+        <p:spPr>
+          <a:xfrm rot="10800000">
+            <a:off x="7908454" y="4710566"/>
+            <a:ext cx="12700" cy="905291"/>
+          </a:xfrm>
+          <a:prstGeom prst="curvedConnector3">
+            <a:avLst>
+              <a:gd name="adj1" fmla="val 1157142"/>
+            </a:avLst>
+          </a:prstGeom>
+          <a:ln w="28575">
+            <a:tailEnd type="triangle"/>
+          </a:ln>
+        </p:spPr>
+        <p:style>
+          <a:lnRef idx="1">
+            <a:schemeClr val="accent1"/>
+          </a:lnRef>
+          <a:fillRef idx="0">
+            <a:schemeClr val="accent1"/>
+          </a:fillRef>
+          <a:effectRef idx="0">
+            <a:schemeClr val="accent1"/>
+          </a:effectRef>
+          <a:fontRef idx="minor">
+            <a:schemeClr val="tx1"/>
+          </a:fontRef>
+        </p:style>
+      </p:cxnSp>
+      <p:sp>
+        <p:nvSpPr>
+          <p:cNvPr id="44" name="Left Brace 43">
+            <a:extLst>
+              <a:ext uri="{FF2B5EF4-FFF2-40B4-BE49-F238E27FC236}">
+                <a16:creationId xmlns:a16="http://schemas.microsoft.com/office/drawing/2014/main" id="{B122C915-9EBD-225C-70DF-C94FAB9E95A7}"/>
+              </a:ext>
+            </a:extLst>
+          </p:cNvPr>
+          <p:cNvSpPr/>
+          <p:nvPr/>
+        </p:nvSpPr>
+        <p:spPr>
+          <a:xfrm>
+            <a:off x="6640274" y="3624942"/>
+            <a:ext cx="783770" cy="1358383"/>
+          </a:xfrm>
+          <a:prstGeom prst="leftBrace">
+            <a:avLst/>
+          </a:prstGeom>
+          <a:ln w="28575">
+            <a:solidFill>
+              <a:srgbClr val="00B050"/>
+            </a:solidFill>
+          </a:ln>
+        </p:spPr>
+        <p:style>
+          <a:lnRef idx="1">
+            <a:schemeClr val="accent1"/>
+          </a:lnRef>
+          <a:fillRef idx="0">
+            <a:schemeClr val="accent1"/>
+          </a:fillRef>
+          <a:effectRef idx="0">
+            <a:schemeClr val="accent1"/>
+          </a:effectRef>
+          <a:fontRef idx="minor">
+            <a:schemeClr val="tx1"/>
+          </a:fontRef>
+        </p:style>
+        <p:txBody>
+          <a:bodyPr rtlCol="0" anchor="ctr"/>
+          <a:lstStyle/>
+          <a:p>
+            <a:pPr algn="ctr"/>
+            <a:endParaRPr lang="en-US"/>
+          </a:p>
+        </p:txBody>
+      </p:sp>
+      <p:sp>
+        <p:nvSpPr>
+          <p:cNvPr id="25" name="TextBox 24">
+            <a:extLst>
+              <a:ext uri="{FF2B5EF4-FFF2-40B4-BE49-F238E27FC236}">
+                <a16:creationId xmlns:a16="http://schemas.microsoft.com/office/drawing/2014/main" id="{E97C6882-DA49-4674-34C6-12E6A5298129}"/>
+              </a:ext>
+            </a:extLst>
+          </p:cNvPr>
+          <p:cNvSpPr txBox="1"/>
+          <p:nvPr/>
+        </p:nvSpPr>
+        <p:spPr>
+          <a:xfrm>
+            <a:off x="5976234" y="3986664"/>
+            <a:ext cx="800116" cy="646331"/>
+          </a:xfrm>
+          <a:prstGeom prst="rect">
+            <a:avLst/>
+          </a:prstGeom>
+          <a:noFill/>
+        </p:spPr>
+        <p:txBody>
+          <a:bodyPr wrap="square" rtlCol="0">
+            <a:spAutoFit/>
+          </a:bodyPr>
           <a:lstStyle/>
           <a:p>
             <a:r>
               <a:rPr lang="en-US" dirty="0"/>
-              <a:t>Summary</a:t>
-            </a:r>
-          </a:p>
-        </p:txBody>
-      </p:sp>
-      <p:sp>
-        <p:nvSpPr>
-          <p:cNvPr id="2" name="Content Placeholder 1">
-            <a:extLst>
-              <a:ext uri="{FF2B5EF4-FFF2-40B4-BE49-F238E27FC236}">
-                <a16:creationId xmlns:a16="http://schemas.microsoft.com/office/drawing/2014/main" id="{50791E68-B219-7E1C-2218-042D2ED13759}"/>
-              </a:ext>
-            </a:extLst>
-          </p:cNvPr>
-          <p:cNvSpPr>
-            <a:spLocks noGrp="1"/>
-          </p:cNvSpPr>
-          <p:nvPr>
-            <p:ph idx="1"/>
-          </p:nvPr>
-        </p:nvSpPr>
-        <p:spPr/>
-        <p:txBody>
-          <a:bodyPr/>
-          <a:lstStyle/>
+              <a:t>stack</a:t>
+            </a:r>
+          </a:p>
           <a:p>
             <a:r>
               <a:rPr lang="en-US" dirty="0"/>
-              <a:t>Void type – the universal pointer</a:t>
-            </a:r>
-          </a:p>
+              <a:t>frame</a:t>
+            </a:r>
+          </a:p>
+        </p:txBody>
+      </p:sp>
+      <p:sp>
+        <p:nvSpPr>
+          <p:cNvPr id="35" name="TextBox 34">
+            <a:extLst>
+              <a:ext uri="{FF2B5EF4-FFF2-40B4-BE49-F238E27FC236}">
+                <a16:creationId xmlns:a16="http://schemas.microsoft.com/office/drawing/2014/main" id="{B4D9F8F6-AB2B-1F06-2866-D38773FCC104}"/>
+              </a:ext>
+            </a:extLst>
+          </p:cNvPr>
+          <p:cNvSpPr txBox="1"/>
+          <p:nvPr/>
+        </p:nvSpPr>
+        <p:spPr>
+          <a:xfrm>
+            <a:off x="8942579" y="4557586"/>
+            <a:ext cx="1932232" cy="369332"/>
+          </a:xfrm>
+          <a:prstGeom prst="rect">
+            <a:avLst/>
+          </a:prstGeom>
+          <a:noFill/>
+        </p:spPr>
+        <p:txBody>
+          <a:bodyPr wrap="square" rtlCol="0">
+            <a:spAutoFit/>
+          </a:bodyPr>
+          <a:lstStyle/>
           <a:p>
             <a:r>
               <a:rPr lang="en-US" dirty="0"/>
-              <a:t>Passing arrays by reference</a:t>
-            </a:r>
-          </a:p>
+              <a:t>one parameters</a:t>
+            </a:r>
+          </a:p>
+        </p:txBody>
+      </p:sp>
+      <p:sp>
+        <p:nvSpPr>
+          <p:cNvPr id="37" name="TextBox 36">
+            <a:extLst>
+              <a:ext uri="{FF2B5EF4-FFF2-40B4-BE49-F238E27FC236}">
+                <a16:creationId xmlns:a16="http://schemas.microsoft.com/office/drawing/2014/main" id="{32BE95EC-F20E-0BA0-1952-03794779CE24}"/>
+              </a:ext>
+            </a:extLst>
+          </p:cNvPr>
+          <p:cNvSpPr txBox="1"/>
+          <p:nvPr/>
+        </p:nvSpPr>
+        <p:spPr>
+          <a:xfrm>
+            <a:off x="8942579" y="3801998"/>
+            <a:ext cx="2342260" cy="369332"/>
+          </a:xfrm>
+          <a:prstGeom prst="rect">
+            <a:avLst/>
+          </a:prstGeom>
+          <a:noFill/>
+        </p:spPr>
+        <p:txBody>
+          <a:bodyPr wrap="square" rtlCol="0">
+            <a:spAutoFit/>
+          </a:bodyPr>
+          <a:lstStyle/>
           <a:p>
             <a:r>
               <a:rPr lang="en-US" dirty="0"/>
-              <a:t>Recursion</a:t>
-            </a:r>
-          </a:p>
+              <a:t>one automatic vars</a:t>
+            </a:r>
+          </a:p>
+        </p:txBody>
+      </p:sp>
+      <p:sp>
+        <p:nvSpPr>
+          <p:cNvPr id="42" name="TextBox 41">
+            <a:extLst>
+              <a:ext uri="{FF2B5EF4-FFF2-40B4-BE49-F238E27FC236}">
+                <a16:creationId xmlns:a16="http://schemas.microsoft.com/office/drawing/2014/main" id="{64A68777-0AF5-DB4A-197D-8E5847523BEC}"/>
+              </a:ext>
+            </a:extLst>
+          </p:cNvPr>
+          <p:cNvSpPr txBox="1"/>
+          <p:nvPr/>
+        </p:nvSpPr>
+        <p:spPr>
+          <a:xfrm>
+            <a:off x="8942579" y="5399502"/>
+            <a:ext cx="2925548" cy="369332"/>
+          </a:xfrm>
+          <a:prstGeom prst="rect">
+            <a:avLst/>
+          </a:prstGeom>
+          <a:noFill/>
+        </p:spPr>
+        <p:txBody>
+          <a:bodyPr wrap="square" rtlCol="0">
+            <a:spAutoFit/>
+          </a:bodyPr>
+          <a:lstStyle/>
           <a:p>
             <a:r>
               <a:rPr lang="en-US" dirty="0"/>
-              <a:t>The Pre Processor</a:t>
+              <a:t>main automatic variables</a:t>
             </a:r>
           </a:p>
         </p:txBody>
@@ -4022,7 +9051,7 @@
     </p:spTree>
     <p:extLst>
       <p:ext uri="{BB962C8B-B14F-4D97-AF65-F5344CB8AC3E}">
-        <p14:creationId xmlns:p14="http://schemas.microsoft.com/office/powerpoint/2010/main" val="3953165598"/>
+        <p14:creationId xmlns:p14="http://schemas.microsoft.com/office/powerpoint/2010/main" val="3337647577"/>
       </p:ext>
     </p:extLst>
   </p:cSld>
@@ -4051,38 +9080,60 @@
       </p:grpSpPr>
       <p:sp>
         <p:nvSpPr>
-          <p:cNvPr id="2" name="Title 1">
-            <a:extLst>
-              <a:ext uri="{FF2B5EF4-FFF2-40B4-BE49-F238E27FC236}">
-                <a16:creationId xmlns:a16="http://schemas.microsoft.com/office/drawing/2014/main" id="{38E4AE3D-C70D-220E-82A8-C1D64A900A0F}"/>
-              </a:ext>
-            </a:extLst>
-          </p:cNvPr>
-          <p:cNvSpPr>
-            <a:spLocks noGrp="1"/>
-          </p:cNvSpPr>
-          <p:nvPr>
-            <p:ph type="title"/>
-          </p:nvPr>
-        </p:nvSpPr>
-        <p:spPr/>
-        <p:txBody>
-          <a:bodyPr/>
-          <a:lstStyle/>
-          <a:p>
-            <a:r>
-              <a:rPr lang="en-US" dirty="0"/>
-              <a:t>Acknowledgements / Contributions</a:t>
-            </a:r>
-          </a:p>
-        </p:txBody>
-      </p:sp>
-      <p:sp>
-        <p:nvSpPr>
-          <p:cNvPr id="7" name="TextBox 6">
-            <a:extLst>
-              <a:ext uri="{FF2B5EF4-FFF2-40B4-BE49-F238E27FC236}">
-                <a16:creationId xmlns:a16="http://schemas.microsoft.com/office/drawing/2014/main" id="{D1725F2C-A6DC-4096-AD36-A6A5AF1FFD40}"/>
+          <p:cNvPr id="9" name="Rectangle 8">
+            <a:extLst>
+              <a:ext uri="{FF2B5EF4-FFF2-40B4-BE49-F238E27FC236}">
+                <a16:creationId xmlns:a16="http://schemas.microsoft.com/office/drawing/2014/main" id="{B5DE88A2-0BAA-511E-921E-3BDA4B25E5A4}"/>
+              </a:ext>
+            </a:extLst>
+          </p:cNvPr>
+          <p:cNvSpPr/>
+          <p:nvPr/>
+        </p:nvSpPr>
+        <p:spPr>
+          <a:xfrm>
+            <a:off x="5861943" y="1203060"/>
+            <a:ext cx="1289957" cy="4629149"/>
+          </a:xfrm>
+          <a:prstGeom prst="rect">
+            <a:avLst/>
+          </a:prstGeom>
+          <a:solidFill>
+            <a:schemeClr val="bg1"/>
+          </a:solidFill>
+          <a:ln w="28575"/>
+        </p:spPr>
+        <p:style>
+          <a:lnRef idx="2">
+            <a:schemeClr val="accent1">
+              <a:shade val="50000"/>
+            </a:schemeClr>
+          </a:lnRef>
+          <a:fillRef idx="1">
+            <a:schemeClr val="accent1"/>
+          </a:fillRef>
+          <a:effectRef idx="0">
+            <a:schemeClr val="accent1"/>
+          </a:effectRef>
+          <a:fontRef idx="minor">
+            <a:schemeClr val="lt1"/>
+          </a:fontRef>
+        </p:style>
+        <p:txBody>
+          <a:bodyPr rtlCol="0" anchor="ctr"/>
+          <a:lstStyle/>
+          <a:p>
+            <a:pPr algn="ctr"/>
+            <a:endParaRPr lang="en-US"/>
+          </a:p>
+        </p:txBody>
+      </p:sp>
+      <p:sp>
+        <p:nvSpPr>
+          <p:cNvPr id="4" name="TextBox 3">
+            <a:extLst>
+              <a:ext uri="{FF2B5EF4-FFF2-40B4-BE49-F238E27FC236}">
+                <a16:creationId xmlns:a16="http://schemas.microsoft.com/office/drawing/2014/main" id="{F6120957-35F6-C82C-E0BD-A7B15EF85A00}"/>
               </a:ext>
             </a:extLst>
           </p:cNvPr>
@@ -4091,8 +9142,1438 @@
         </p:nvSpPr>
         <p:spPr>
           <a:xfrm>
-            <a:off x="838201" y="1502688"/>
-            <a:ext cx="5055704" cy="2492990"/>
+            <a:off x="598695" y="776453"/>
+            <a:ext cx="4751622" cy="3785652"/>
+          </a:xfrm>
+          <a:prstGeom prst="rect">
+            <a:avLst/>
+          </a:prstGeom>
+          <a:noFill/>
+        </p:spPr>
+        <p:txBody>
+          <a:bodyPr wrap="none" rtlCol="0">
+            <a:spAutoFit/>
+          </a:bodyPr>
+          <a:lstStyle/>
+          <a:p>
+            <a:r>
+              <a:rPr lang="en-US" sz="1600" b="1" dirty="0">
+                <a:latin typeface="Courier New" panose="02070309020205020404" pitchFamily="49" charset="0"/>
+                <a:cs typeface="Courier New" panose="02070309020205020404" pitchFamily="49" charset="0"/>
+              </a:rPr>
+              <a:t>void one(op)</a:t>
+            </a:r>
+          </a:p>
+          <a:p>
+            <a:r>
+              <a:rPr lang="en-US" sz="1600" b="1" dirty="0">
+                <a:latin typeface="Courier New" panose="02070309020205020404" pitchFamily="49" charset="0"/>
+                <a:cs typeface="Courier New" panose="02070309020205020404" pitchFamily="49" charset="0"/>
+              </a:rPr>
+              <a:t>    int op;</a:t>
+            </a:r>
+          </a:p>
+          <a:p>
+            <a:r>
+              <a:rPr lang="en-US" sz="1600" b="1" dirty="0">
+                <a:latin typeface="Courier New" panose="02070309020205020404" pitchFamily="49" charset="0"/>
+                <a:cs typeface="Courier New" panose="02070309020205020404" pitchFamily="49" charset="0"/>
+              </a:rPr>
+              <a:t>{   </a:t>
+            </a:r>
+          </a:p>
+          <a:p>
+            <a:r>
+              <a:rPr lang="en-US" sz="1600" b="1" dirty="0">
+                <a:latin typeface="Courier New" panose="02070309020205020404" pitchFamily="49" charset="0"/>
+                <a:cs typeface="Courier New" panose="02070309020205020404" pitchFamily="49" charset="0"/>
+              </a:rPr>
+              <a:t>    int </a:t>
+            </a:r>
+            <a:r>
+              <a:rPr lang="en-US" sz="1600" b="1" dirty="0" err="1">
+                <a:latin typeface="Courier New" panose="02070309020205020404" pitchFamily="49" charset="0"/>
+                <a:cs typeface="Courier New" panose="02070309020205020404" pitchFamily="49" charset="0"/>
+              </a:rPr>
+              <a:t>tn</a:t>
+            </a:r>
+            <a:r>
+              <a:rPr lang="en-US" sz="1600" b="1" dirty="0">
+                <a:latin typeface="Courier New" panose="02070309020205020404" pitchFamily="49" charset="0"/>
+                <a:cs typeface="Courier New" panose="02070309020205020404" pitchFamily="49" charset="0"/>
+              </a:rPr>
+              <a:t> = 10;</a:t>
+            </a:r>
+          </a:p>
+          <a:p>
+            <a:r>
+              <a:rPr lang="en-US" sz="1600" b="1" dirty="0">
+                <a:latin typeface="Courier New" panose="02070309020205020404" pitchFamily="49" charset="0"/>
+                <a:cs typeface="Courier New" panose="02070309020205020404" pitchFamily="49" charset="0"/>
+              </a:rPr>
+              <a:t>    </a:t>
+            </a:r>
+            <a:r>
+              <a:rPr lang="en-US" sz="1600" b="1" dirty="0" err="1">
+                <a:latin typeface="Courier New" panose="02070309020205020404" pitchFamily="49" charset="0"/>
+                <a:cs typeface="Courier New" panose="02070309020205020404" pitchFamily="49" charset="0"/>
+              </a:rPr>
+              <a:t>printf</a:t>
+            </a:r>
+            <a:r>
+              <a:rPr lang="en-US" sz="1600" b="1" dirty="0">
+                <a:latin typeface="Courier New" panose="02070309020205020404" pitchFamily="49" charset="0"/>
+                <a:cs typeface="Courier New" panose="02070309020205020404" pitchFamily="49" charset="0"/>
+              </a:rPr>
+              <a:t>("One  op before %d\</a:t>
+            </a:r>
+            <a:r>
+              <a:rPr lang="en-US" sz="1600" b="1" dirty="0" err="1">
+                <a:latin typeface="Courier New" panose="02070309020205020404" pitchFamily="49" charset="0"/>
+                <a:cs typeface="Courier New" panose="02070309020205020404" pitchFamily="49" charset="0"/>
+              </a:rPr>
+              <a:t>n",op</a:t>
+            </a:r>
+            <a:r>
+              <a:rPr lang="en-US" sz="1600" b="1" dirty="0">
+                <a:latin typeface="Courier New" panose="02070309020205020404" pitchFamily="49" charset="0"/>
+                <a:cs typeface="Courier New" panose="02070309020205020404" pitchFamily="49" charset="0"/>
+              </a:rPr>
+              <a:t>);</a:t>
+            </a:r>
+          </a:p>
+          <a:p>
+            <a:r>
+              <a:rPr lang="en-US" sz="1600" b="1" dirty="0">
+                <a:latin typeface="Courier New" panose="02070309020205020404" pitchFamily="49" charset="0"/>
+                <a:cs typeface="Courier New" panose="02070309020205020404" pitchFamily="49" charset="0"/>
+              </a:rPr>
+              <a:t>    op = op - </a:t>
+            </a:r>
+            <a:r>
+              <a:rPr lang="en-US" sz="1600" b="1" dirty="0" err="1">
+                <a:latin typeface="Courier New" panose="02070309020205020404" pitchFamily="49" charset="0"/>
+                <a:cs typeface="Courier New" panose="02070309020205020404" pitchFamily="49" charset="0"/>
+              </a:rPr>
+              <a:t>tn</a:t>
+            </a:r>
+            <a:r>
+              <a:rPr lang="en-US" sz="1600" b="1" dirty="0">
+                <a:latin typeface="Courier New" panose="02070309020205020404" pitchFamily="49" charset="0"/>
+                <a:cs typeface="Courier New" panose="02070309020205020404" pitchFamily="49" charset="0"/>
+              </a:rPr>
+              <a:t>;</a:t>
+            </a:r>
+          </a:p>
+          <a:p>
+            <a:r>
+              <a:rPr lang="en-US" sz="1600" b="1" dirty="0">
+                <a:latin typeface="Courier New" panose="02070309020205020404" pitchFamily="49" charset="0"/>
+                <a:cs typeface="Courier New" panose="02070309020205020404" pitchFamily="49" charset="0"/>
+              </a:rPr>
+              <a:t>    </a:t>
+            </a:r>
+            <a:r>
+              <a:rPr lang="en-US" sz="1600" b="1" dirty="0" err="1">
+                <a:latin typeface="Courier New" panose="02070309020205020404" pitchFamily="49" charset="0"/>
+                <a:cs typeface="Courier New" panose="02070309020205020404" pitchFamily="49" charset="0"/>
+              </a:rPr>
+              <a:t>printf</a:t>
+            </a:r>
+            <a:r>
+              <a:rPr lang="en-US" sz="1600" b="1" dirty="0">
+                <a:latin typeface="Courier New" panose="02070309020205020404" pitchFamily="49" charset="0"/>
+                <a:cs typeface="Courier New" panose="02070309020205020404" pitchFamily="49" charset="0"/>
+              </a:rPr>
+              <a:t>("One  op after  %d\</a:t>
+            </a:r>
+            <a:r>
+              <a:rPr lang="en-US" sz="1600" b="1" dirty="0" err="1">
+                <a:latin typeface="Courier New" panose="02070309020205020404" pitchFamily="49" charset="0"/>
+                <a:cs typeface="Courier New" panose="02070309020205020404" pitchFamily="49" charset="0"/>
+              </a:rPr>
+              <a:t>n",op</a:t>
+            </a:r>
+            <a:r>
+              <a:rPr lang="en-US" sz="1600" b="1" dirty="0">
+                <a:latin typeface="Courier New" panose="02070309020205020404" pitchFamily="49" charset="0"/>
+                <a:cs typeface="Courier New" panose="02070309020205020404" pitchFamily="49" charset="0"/>
+              </a:rPr>
+              <a:t>);</a:t>
+            </a:r>
+          </a:p>
+          <a:p>
+            <a:r>
+              <a:rPr lang="en-US" sz="1600" b="1" dirty="0">
+                <a:latin typeface="Courier New" panose="02070309020205020404" pitchFamily="49" charset="0"/>
+                <a:cs typeface="Courier New" panose="02070309020205020404" pitchFamily="49" charset="0"/>
+              </a:rPr>
+              <a:t>}</a:t>
+            </a:r>
+          </a:p>
+          <a:p>
+            <a:endParaRPr lang="en-US" sz="1600" b="1" dirty="0">
+              <a:latin typeface="Courier New" panose="02070309020205020404" pitchFamily="49" charset="0"/>
+              <a:cs typeface="Courier New" panose="02070309020205020404" pitchFamily="49" charset="0"/>
+            </a:endParaRPr>
+          </a:p>
+          <a:p>
+            <a:r>
+              <a:rPr lang="en-US" sz="1600" b="1" dirty="0">
+                <a:latin typeface="Courier New" panose="02070309020205020404" pitchFamily="49" charset="0"/>
+                <a:cs typeface="Courier New" panose="02070309020205020404" pitchFamily="49" charset="0"/>
+              </a:rPr>
+              <a:t>int main() {</a:t>
+            </a:r>
+          </a:p>
+          <a:p>
+            <a:r>
+              <a:rPr lang="en-US" sz="1600" b="1" dirty="0">
+                <a:latin typeface="Courier New" panose="02070309020205020404" pitchFamily="49" charset="0"/>
+                <a:cs typeface="Courier New" panose="02070309020205020404" pitchFamily="49" charset="0"/>
+              </a:rPr>
+              <a:t>    int ma = 42; </a:t>
+            </a:r>
+          </a:p>
+          <a:p>
+            <a:r>
+              <a:rPr lang="en-US" sz="1600" b="1" dirty="0">
+                <a:latin typeface="Courier New" panose="02070309020205020404" pitchFamily="49" charset="0"/>
+                <a:cs typeface="Courier New" panose="02070309020205020404" pitchFamily="49" charset="0"/>
+              </a:rPr>
+              <a:t>    </a:t>
+            </a:r>
+            <a:r>
+              <a:rPr lang="en-US" sz="1600" b="1" dirty="0" err="1">
+                <a:latin typeface="Courier New" panose="02070309020205020404" pitchFamily="49" charset="0"/>
+                <a:cs typeface="Courier New" panose="02070309020205020404" pitchFamily="49" charset="0"/>
+              </a:rPr>
+              <a:t>printf</a:t>
+            </a:r>
+            <a:r>
+              <a:rPr lang="en-US" sz="1600" b="1" dirty="0">
+                <a:latin typeface="Courier New" panose="02070309020205020404" pitchFamily="49" charset="0"/>
+                <a:cs typeface="Courier New" panose="02070309020205020404" pitchFamily="49" charset="0"/>
+              </a:rPr>
+              <a:t>("Main ma before %d\</a:t>
+            </a:r>
+            <a:r>
+              <a:rPr lang="en-US" sz="1600" b="1" dirty="0" err="1">
+                <a:latin typeface="Courier New" panose="02070309020205020404" pitchFamily="49" charset="0"/>
+                <a:cs typeface="Courier New" panose="02070309020205020404" pitchFamily="49" charset="0"/>
+              </a:rPr>
+              <a:t>n",ma</a:t>
+            </a:r>
+            <a:r>
+              <a:rPr lang="en-US" sz="1600" b="1" dirty="0">
+                <a:latin typeface="Courier New" panose="02070309020205020404" pitchFamily="49" charset="0"/>
+                <a:cs typeface="Courier New" panose="02070309020205020404" pitchFamily="49" charset="0"/>
+              </a:rPr>
+              <a:t>);</a:t>
+            </a:r>
+          </a:p>
+          <a:p>
+            <a:r>
+              <a:rPr lang="en-US" sz="1600" b="1" dirty="0">
+                <a:latin typeface="Courier New" panose="02070309020205020404" pitchFamily="49" charset="0"/>
+                <a:cs typeface="Courier New" panose="02070309020205020404" pitchFamily="49" charset="0"/>
+              </a:rPr>
+              <a:t>    one(ma);</a:t>
+            </a:r>
+          </a:p>
+          <a:p>
+            <a:r>
+              <a:rPr lang="en-US" sz="1600" b="1" dirty="0">
+                <a:latin typeface="Courier New" panose="02070309020205020404" pitchFamily="49" charset="0"/>
+                <a:cs typeface="Courier New" panose="02070309020205020404" pitchFamily="49" charset="0"/>
+              </a:rPr>
+              <a:t>    </a:t>
+            </a:r>
+            <a:r>
+              <a:rPr lang="en-US" sz="1600" b="1" dirty="0" err="1">
+                <a:latin typeface="Courier New" panose="02070309020205020404" pitchFamily="49" charset="0"/>
+                <a:cs typeface="Courier New" panose="02070309020205020404" pitchFamily="49" charset="0"/>
+              </a:rPr>
+              <a:t>printf</a:t>
+            </a:r>
+            <a:r>
+              <a:rPr lang="en-US" sz="1600" b="1" dirty="0">
+                <a:latin typeface="Courier New" panose="02070309020205020404" pitchFamily="49" charset="0"/>
+                <a:cs typeface="Courier New" panose="02070309020205020404" pitchFamily="49" charset="0"/>
+              </a:rPr>
+              <a:t>("Main ma after  %d\</a:t>
+            </a:r>
+            <a:r>
+              <a:rPr lang="en-US" sz="1600" b="1" dirty="0" err="1">
+                <a:latin typeface="Courier New" panose="02070309020205020404" pitchFamily="49" charset="0"/>
+                <a:cs typeface="Courier New" panose="02070309020205020404" pitchFamily="49" charset="0"/>
+              </a:rPr>
+              <a:t>n",ma</a:t>
+            </a:r>
+            <a:r>
+              <a:rPr lang="en-US" sz="1600" b="1" dirty="0">
+                <a:latin typeface="Courier New" panose="02070309020205020404" pitchFamily="49" charset="0"/>
+                <a:cs typeface="Courier New" panose="02070309020205020404" pitchFamily="49" charset="0"/>
+              </a:rPr>
+              <a:t>);</a:t>
+            </a:r>
+          </a:p>
+          <a:p>
+            <a:r>
+              <a:rPr lang="en-US" sz="1600" b="1" dirty="0">
+                <a:latin typeface="Courier New" panose="02070309020205020404" pitchFamily="49" charset="0"/>
+                <a:cs typeface="Courier New" panose="02070309020205020404" pitchFamily="49" charset="0"/>
+              </a:rPr>
+              <a:t>}</a:t>
+            </a:r>
+          </a:p>
+        </p:txBody>
+      </p:sp>
+      <p:sp>
+        <p:nvSpPr>
+          <p:cNvPr id="5" name="TextBox 4">
+            <a:extLst>
+              <a:ext uri="{FF2B5EF4-FFF2-40B4-BE49-F238E27FC236}">
+                <a16:creationId xmlns:a16="http://schemas.microsoft.com/office/drawing/2014/main" id="{70BF47B6-82C2-527F-764A-DBEF6FE9491F}"/>
+              </a:ext>
+            </a:extLst>
+          </p:cNvPr>
+          <p:cNvSpPr txBox="1"/>
+          <p:nvPr/>
+        </p:nvSpPr>
+        <p:spPr>
+          <a:xfrm>
+            <a:off x="293915" y="6338986"/>
+            <a:ext cx="1382485" cy="307777"/>
+          </a:xfrm>
+          <a:prstGeom prst="rect">
+            <a:avLst/>
+          </a:prstGeom>
+          <a:noFill/>
+        </p:spPr>
+        <p:txBody>
+          <a:bodyPr wrap="square">
+            <a:spAutoFit/>
+          </a:bodyPr>
+          <a:lstStyle/>
+          <a:p>
+            <a:r>
+              <a:rPr lang="en-US" sz="1400" b="1" dirty="0">
+                <a:solidFill>
+                  <a:srgbClr val="000000"/>
+                </a:solidFill>
+                <a:latin typeface="Menlo" panose="020B0609030804020204" pitchFamily="49" charset="0"/>
+              </a:rPr>
+              <a:t>kr_04_01.c</a:t>
+            </a:r>
+          </a:p>
+        </p:txBody>
+      </p:sp>
+      <p:sp>
+        <p:nvSpPr>
+          <p:cNvPr id="6" name="TextBox 5">
+            <a:extLst>
+              <a:ext uri="{FF2B5EF4-FFF2-40B4-BE49-F238E27FC236}">
+                <a16:creationId xmlns:a16="http://schemas.microsoft.com/office/drawing/2014/main" id="{2C6526EF-2BB6-C9A5-C88A-9548E85E54AA}"/>
+              </a:ext>
+            </a:extLst>
+          </p:cNvPr>
+          <p:cNvSpPr txBox="1"/>
+          <p:nvPr/>
+        </p:nvSpPr>
+        <p:spPr>
+          <a:xfrm>
+            <a:off x="1103538" y="4799337"/>
+            <a:ext cx="2528256" cy="923330"/>
+          </a:xfrm>
+          <a:prstGeom prst="rect">
+            <a:avLst/>
+          </a:prstGeom>
+          <a:noFill/>
+        </p:spPr>
+        <p:txBody>
+          <a:bodyPr wrap="none" rtlCol="0">
+            <a:spAutoFit/>
+          </a:bodyPr>
+          <a:lstStyle/>
+          <a:p>
+            <a:r>
+              <a:rPr lang="en-US" b="1" dirty="0">
+                <a:latin typeface="Courier New" panose="02070309020205020404" pitchFamily="49" charset="0"/>
+                <a:cs typeface="Courier New" panose="02070309020205020404" pitchFamily="49" charset="0"/>
+              </a:rPr>
+              <a:t>Main ma before 42</a:t>
+            </a:r>
+          </a:p>
+          <a:p>
+            <a:r>
+              <a:rPr lang="en-US" b="1" dirty="0">
+                <a:latin typeface="Courier New" panose="02070309020205020404" pitchFamily="49" charset="0"/>
+                <a:cs typeface="Courier New" panose="02070309020205020404" pitchFamily="49" charset="0"/>
+              </a:rPr>
+              <a:t>One  op before 42</a:t>
+            </a:r>
+          </a:p>
+          <a:p>
+            <a:r>
+              <a:rPr lang="en-US" b="1" dirty="0">
+                <a:latin typeface="Courier New" panose="02070309020205020404" pitchFamily="49" charset="0"/>
+                <a:cs typeface="Courier New" panose="02070309020205020404" pitchFamily="49" charset="0"/>
+              </a:rPr>
+              <a:t>One  op after  30</a:t>
+            </a:r>
+          </a:p>
+        </p:txBody>
+      </p:sp>
+      <p:sp>
+        <p:nvSpPr>
+          <p:cNvPr id="7" name="Rectangle 6">
+            <a:extLst>
+              <a:ext uri="{FF2B5EF4-FFF2-40B4-BE49-F238E27FC236}">
+                <a16:creationId xmlns:a16="http://schemas.microsoft.com/office/drawing/2014/main" id="{CF2A4D56-1F60-AB7D-3BCB-6C5FC63E6905}"/>
+              </a:ext>
+            </a:extLst>
+          </p:cNvPr>
+          <p:cNvSpPr/>
+          <p:nvPr/>
+        </p:nvSpPr>
+        <p:spPr>
+          <a:xfrm>
+            <a:off x="5861943" y="5399502"/>
+            <a:ext cx="1289957" cy="432707"/>
+          </a:xfrm>
+          <a:prstGeom prst="rect">
+            <a:avLst/>
+          </a:prstGeom>
+          <a:solidFill>
+            <a:schemeClr val="bg1"/>
+          </a:solidFill>
+          <a:ln w="28575"/>
+        </p:spPr>
+        <p:style>
+          <a:lnRef idx="2">
+            <a:schemeClr val="accent1">
+              <a:shade val="50000"/>
+            </a:schemeClr>
+          </a:lnRef>
+          <a:fillRef idx="1">
+            <a:schemeClr val="accent1"/>
+          </a:fillRef>
+          <a:effectRef idx="0">
+            <a:schemeClr val="accent1"/>
+          </a:effectRef>
+          <a:fontRef idx="minor">
+            <a:schemeClr val="lt1"/>
+          </a:fontRef>
+        </p:style>
+        <p:txBody>
+          <a:bodyPr rtlCol="0" anchor="ctr"/>
+          <a:lstStyle/>
+          <a:p>
+            <a:r>
+              <a:rPr lang="en-US" dirty="0">
+                <a:solidFill>
+                  <a:schemeClr val="tx1"/>
+                </a:solidFill>
+                <a:latin typeface="Courier New" panose="02070309020205020404" pitchFamily="49" charset="0"/>
+                <a:cs typeface="Courier New" panose="02070309020205020404" pitchFamily="49" charset="0"/>
+              </a:rPr>
+              <a:t>ma</a:t>
+            </a:r>
+          </a:p>
+        </p:txBody>
+      </p:sp>
+      <p:sp>
+        <p:nvSpPr>
+          <p:cNvPr id="8" name="Rectangle 7">
+            <a:extLst>
+              <a:ext uri="{FF2B5EF4-FFF2-40B4-BE49-F238E27FC236}">
+                <a16:creationId xmlns:a16="http://schemas.microsoft.com/office/drawing/2014/main" id="{A88B3B43-2899-3CF2-FFBA-DC1357ED5834}"/>
+              </a:ext>
+            </a:extLst>
+          </p:cNvPr>
+          <p:cNvSpPr/>
+          <p:nvPr/>
+        </p:nvSpPr>
+        <p:spPr>
+          <a:xfrm>
+            <a:off x="6368129" y="5399502"/>
+            <a:ext cx="783771" cy="432707"/>
+          </a:xfrm>
+          <a:prstGeom prst="rect">
+            <a:avLst/>
+          </a:prstGeom>
+          <a:solidFill>
+            <a:schemeClr val="bg2"/>
+          </a:solidFill>
+          <a:ln w="28575"/>
+        </p:spPr>
+        <p:style>
+          <a:lnRef idx="2">
+            <a:schemeClr val="accent1">
+              <a:shade val="50000"/>
+            </a:schemeClr>
+          </a:lnRef>
+          <a:fillRef idx="1">
+            <a:schemeClr val="accent1"/>
+          </a:fillRef>
+          <a:effectRef idx="0">
+            <a:schemeClr val="accent1"/>
+          </a:effectRef>
+          <a:fontRef idx="minor">
+            <a:schemeClr val="lt1"/>
+          </a:fontRef>
+        </p:style>
+        <p:txBody>
+          <a:bodyPr rtlCol="0" anchor="ctr"/>
+          <a:lstStyle/>
+          <a:p>
+            <a:pPr algn="ctr"/>
+            <a:r>
+              <a:rPr lang="en-US" dirty="0">
+                <a:solidFill>
+                  <a:schemeClr val="tx1"/>
+                </a:solidFill>
+              </a:rPr>
+              <a:t>42</a:t>
+            </a:r>
+          </a:p>
+        </p:txBody>
+      </p:sp>
+      <p:sp>
+        <p:nvSpPr>
+          <p:cNvPr id="10" name="TextBox 9">
+            <a:extLst>
+              <a:ext uri="{FF2B5EF4-FFF2-40B4-BE49-F238E27FC236}">
+                <a16:creationId xmlns:a16="http://schemas.microsoft.com/office/drawing/2014/main" id="{350BE642-BC91-4CE6-A618-D8AC090F594B}"/>
+              </a:ext>
+            </a:extLst>
+          </p:cNvPr>
+          <p:cNvSpPr txBox="1"/>
+          <p:nvPr/>
+        </p:nvSpPr>
+        <p:spPr>
+          <a:xfrm>
+            <a:off x="6188510" y="625681"/>
+            <a:ext cx="736164" cy="400110"/>
+          </a:xfrm>
+          <a:prstGeom prst="rect">
+            <a:avLst/>
+          </a:prstGeom>
+          <a:noFill/>
+        </p:spPr>
+        <p:txBody>
+          <a:bodyPr wrap="none" rtlCol="0">
+            <a:spAutoFit/>
+          </a:bodyPr>
+          <a:lstStyle/>
+          <a:p>
+            <a:r>
+              <a:rPr lang="en-US" sz="2000" dirty="0"/>
+              <a:t>Stack</a:t>
+            </a:r>
+          </a:p>
+        </p:txBody>
+      </p:sp>
+      <p:sp>
+        <p:nvSpPr>
+          <p:cNvPr id="11" name="TextBox 10">
+            <a:extLst>
+              <a:ext uri="{FF2B5EF4-FFF2-40B4-BE49-F238E27FC236}">
+                <a16:creationId xmlns:a16="http://schemas.microsoft.com/office/drawing/2014/main" id="{FE0E6899-6033-14FE-FD62-FF541AC3ABDD}"/>
+              </a:ext>
+            </a:extLst>
+          </p:cNvPr>
+          <p:cNvSpPr txBox="1"/>
+          <p:nvPr/>
+        </p:nvSpPr>
+        <p:spPr>
+          <a:xfrm>
+            <a:off x="5955302" y="5992385"/>
+            <a:ext cx="966931" cy="400110"/>
+          </a:xfrm>
+          <a:prstGeom prst="rect">
+            <a:avLst/>
+          </a:prstGeom>
+          <a:noFill/>
+        </p:spPr>
+        <p:txBody>
+          <a:bodyPr wrap="none" rtlCol="0">
+            <a:spAutoFit/>
+          </a:bodyPr>
+          <a:lstStyle/>
+          <a:p>
+            <a:r>
+              <a:rPr lang="en-US" sz="2000" dirty="0"/>
+              <a:t>Time -&gt;</a:t>
+            </a:r>
+          </a:p>
+        </p:txBody>
+      </p:sp>
+      <p:sp>
+        <p:nvSpPr>
+          <p:cNvPr id="12" name="Rectangle 11">
+            <a:extLst>
+              <a:ext uri="{FF2B5EF4-FFF2-40B4-BE49-F238E27FC236}">
+                <a16:creationId xmlns:a16="http://schemas.microsoft.com/office/drawing/2014/main" id="{69E42395-FE2D-27E6-D6A2-C0F4DFB59AC4}"/>
+              </a:ext>
+            </a:extLst>
+          </p:cNvPr>
+          <p:cNvSpPr/>
+          <p:nvPr/>
+        </p:nvSpPr>
+        <p:spPr>
+          <a:xfrm>
+            <a:off x="7402268" y="1203060"/>
+            <a:ext cx="1289957" cy="4629149"/>
+          </a:xfrm>
+          <a:prstGeom prst="rect">
+            <a:avLst/>
+          </a:prstGeom>
+          <a:solidFill>
+            <a:schemeClr val="bg1"/>
+          </a:solidFill>
+          <a:ln w="28575"/>
+        </p:spPr>
+        <p:style>
+          <a:lnRef idx="2">
+            <a:schemeClr val="accent1">
+              <a:shade val="50000"/>
+            </a:schemeClr>
+          </a:lnRef>
+          <a:fillRef idx="1">
+            <a:schemeClr val="accent1"/>
+          </a:fillRef>
+          <a:effectRef idx="0">
+            <a:schemeClr val="accent1"/>
+          </a:effectRef>
+          <a:fontRef idx="minor">
+            <a:schemeClr val="lt1"/>
+          </a:fontRef>
+        </p:style>
+        <p:txBody>
+          <a:bodyPr rtlCol="0" anchor="ctr"/>
+          <a:lstStyle/>
+          <a:p>
+            <a:pPr algn="ctr"/>
+            <a:endParaRPr lang="en-US"/>
+          </a:p>
+        </p:txBody>
+      </p:sp>
+      <p:sp>
+        <p:nvSpPr>
+          <p:cNvPr id="13" name="Rectangle 12">
+            <a:extLst>
+              <a:ext uri="{FF2B5EF4-FFF2-40B4-BE49-F238E27FC236}">
+                <a16:creationId xmlns:a16="http://schemas.microsoft.com/office/drawing/2014/main" id="{FEDC134D-7BD4-BF16-3015-C503AF138526}"/>
+              </a:ext>
+            </a:extLst>
+          </p:cNvPr>
+          <p:cNvSpPr/>
+          <p:nvPr/>
+        </p:nvSpPr>
+        <p:spPr>
+          <a:xfrm>
+            <a:off x="7402268" y="5399502"/>
+            <a:ext cx="1289957" cy="432707"/>
+          </a:xfrm>
+          <a:prstGeom prst="rect">
+            <a:avLst/>
+          </a:prstGeom>
+          <a:solidFill>
+            <a:schemeClr val="bg1"/>
+          </a:solidFill>
+          <a:ln w="28575"/>
+        </p:spPr>
+        <p:style>
+          <a:lnRef idx="2">
+            <a:schemeClr val="accent1">
+              <a:shade val="50000"/>
+            </a:schemeClr>
+          </a:lnRef>
+          <a:fillRef idx="1">
+            <a:schemeClr val="accent1"/>
+          </a:fillRef>
+          <a:effectRef idx="0">
+            <a:schemeClr val="accent1"/>
+          </a:effectRef>
+          <a:fontRef idx="minor">
+            <a:schemeClr val="lt1"/>
+          </a:fontRef>
+        </p:style>
+        <p:txBody>
+          <a:bodyPr rtlCol="0" anchor="ctr"/>
+          <a:lstStyle/>
+          <a:p>
+            <a:r>
+              <a:rPr lang="en-US" dirty="0">
+                <a:solidFill>
+                  <a:schemeClr val="tx1"/>
+                </a:solidFill>
+                <a:latin typeface="Courier New" panose="02070309020205020404" pitchFamily="49" charset="0"/>
+                <a:cs typeface="Courier New" panose="02070309020205020404" pitchFamily="49" charset="0"/>
+              </a:rPr>
+              <a:t>ma</a:t>
+            </a:r>
+          </a:p>
+        </p:txBody>
+      </p:sp>
+      <p:sp>
+        <p:nvSpPr>
+          <p:cNvPr id="14" name="Rectangle 13">
+            <a:extLst>
+              <a:ext uri="{FF2B5EF4-FFF2-40B4-BE49-F238E27FC236}">
+                <a16:creationId xmlns:a16="http://schemas.microsoft.com/office/drawing/2014/main" id="{A17D40F8-CDE5-2421-522B-C2B9868883BA}"/>
+              </a:ext>
+            </a:extLst>
+          </p:cNvPr>
+          <p:cNvSpPr/>
+          <p:nvPr/>
+        </p:nvSpPr>
+        <p:spPr>
+          <a:xfrm>
+            <a:off x="7908454" y="5399502"/>
+            <a:ext cx="783771" cy="432707"/>
+          </a:xfrm>
+          <a:prstGeom prst="rect">
+            <a:avLst/>
+          </a:prstGeom>
+          <a:solidFill>
+            <a:schemeClr val="bg2"/>
+          </a:solidFill>
+          <a:ln w="28575"/>
+        </p:spPr>
+        <p:style>
+          <a:lnRef idx="2">
+            <a:schemeClr val="accent1">
+              <a:shade val="50000"/>
+            </a:schemeClr>
+          </a:lnRef>
+          <a:fillRef idx="1">
+            <a:schemeClr val="accent1"/>
+          </a:fillRef>
+          <a:effectRef idx="0">
+            <a:schemeClr val="accent1"/>
+          </a:effectRef>
+          <a:fontRef idx="minor">
+            <a:schemeClr val="lt1"/>
+          </a:fontRef>
+        </p:style>
+        <p:txBody>
+          <a:bodyPr rtlCol="0" anchor="ctr"/>
+          <a:lstStyle/>
+          <a:p>
+            <a:pPr algn="ctr"/>
+            <a:r>
+              <a:rPr lang="en-US" dirty="0">
+                <a:solidFill>
+                  <a:schemeClr val="tx1"/>
+                </a:solidFill>
+              </a:rPr>
+              <a:t>42</a:t>
+            </a:r>
+          </a:p>
+        </p:txBody>
+      </p:sp>
+      <p:sp>
+        <p:nvSpPr>
+          <p:cNvPr id="15" name="Rectangle 14">
+            <a:extLst>
+              <a:ext uri="{FF2B5EF4-FFF2-40B4-BE49-F238E27FC236}">
+                <a16:creationId xmlns:a16="http://schemas.microsoft.com/office/drawing/2014/main" id="{1422B8C1-825D-A9F5-3295-18B4841249F3}"/>
+              </a:ext>
+            </a:extLst>
+          </p:cNvPr>
+          <p:cNvSpPr/>
+          <p:nvPr/>
+        </p:nvSpPr>
+        <p:spPr>
+          <a:xfrm>
+            <a:off x="7402268" y="4494211"/>
+            <a:ext cx="1289957" cy="432707"/>
+          </a:xfrm>
+          <a:prstGeom prst="rect">
+            <a:avLst/>
+          </a:prstGeom>
+          <a:solidFill>
+            <a:schemeClr val="bg1"/>
+          </a:solidFill>
+          <a:ln w="28575"/>
+        </p:spPr>
+        <p:style>
+          <a:lnRef idx="2">
+            <a:schemeClr val="accent1">
+              <a:shade val="50000"/>
+            </a:schemeClr>
+          </a:lnRef>
+          <a:fillRef idx="1">
+            <a:schemeClr val="accent1"/>
+          </a:fillRef>
+          <a:effectRef idx="0">
+            <a:schemeClr val="accent1"/>
+          </a:effectRef>
+          <a:fontRef idx="minor">
+            <a:schemeClr val="lt1"/>
+          </a:fontRef>
+        </p:style>
+        <p:txBody>
+          <a:bodyPr rtlCol="0" anchor="ctr"/>
+          <a:lstStyle/>
+          <a:p>
+            <a:r>
+              <a:rPr lang="en-US" dirty="0">
+                <a:solidFill>
+                  <a:schemeClr val="tx1"/>
+                </a:solidFill>
+                <a:latin typeface="Courier New" panose="02070309020205020404" pitchFamily="49" charset="0"/>
+                <a:cs typeface="Courier New" panose="02070309020205020404" pitchFamily="49" charset="0"/>
+              </a:rPr>
+              <a:t>op</a:t>
+            </a:r>
+          </a:p>
+        </p:txBody>
+      </p:sp>
+      <p:sp>
+        <p:nvSpPr>
+          <p:cNvPr id="16" name="Rectangle 15">
+            <a:extLst>
+              <a:ext uri="{FF2B5EF4-FFF2-40B4-BE49-F238E27FC236}">
+                <a16:creationId xmlns:a16="http://schemas.microsoft.com/office/drawing/2014/main" id="{5ADD4B4E-177C-E79E-8D73-1F1302CE8101}"/>
+              </a:ext>
+            </a:extLst>
+          </p:cNvPr>
+          <p:cNvSpPr/>
+          <p:nvPr/>
+        </p:nvSpPr>
+        <p:spPr>
+          <a:xfrm>
+            <a:off x="7908454" y="4494211"/>
+            <a:ext cx="783771" cy="432707"/>
+          </a:xfrm>
+          <a:prstGeom prst="rect">
+            <a:avLst/>
+          </a:prstGeom>
+          <a:solidFill>
+            <a:schemeClr val="bg2"/>
+          </a:solidFill>
+          <a:ln w="28575"/>
+        </p:spPr>
+        <p:style>
+          <a:lnRef idx="2">
+            <a:schemeClr val="accent1">
+              <a:shade val="50000"/>
+            </a:schemeClr>
+          </a:lnRef>
+          <a:fillRef idx="1">
+            <a:schemeClr val="accent1"/>
+          </a:fillRef>
+          <a:effectRef idx="0">
+            <a:schemeClr val="accent1"/>
+          </a:effectRef>
+          <a:fontRef idx="minor">
+            <a:schemeClr val="lt1"/>
+          </a:fontRef>
+        </p:style>
+        <p:txBody>
+          <a:bodyPr rtlCol="0" anchor="ctr"/>
+          <a:lstStyle/>
+          <a:p>
+            <a:pPr algn="ctr"/>
+            <a:r>
+              <a:rPr lang="en-US" dirty="0">
+                <a:solidFill>
+                  <a:schemeClr val="tx1"/>
+                </a:solidFill>
+              </a:rPr>
+              <a:t>42</a:t>
+            </a:r>
+          </a:p>
+        </p:txBody>
+      </p:sp>
+      <p:sp>
+        <p:nvSpPr>
+          <p:cNvPr id="17" name="Rectangle 16">
+            <a:extLst>
+              <a:ext uri="{FF2B5EF4-FFF2-40B4-BE49-F238E27FC236}">
+                <a16:creationId xmlns:a16="http://schemas.microsoft.com/office/drawing/2014/main" id="{E8A5BF7B-817E-5727-BC23-7E35A86F5CD5}"/>
+              </a:ext>
+            </a:extLst>
+          </p:cNvPr>
+          <p:cNvSpPr/>
+          <p:nvPr/>
+        </p:nvSpPr>
+        <p:spPr>
+          <a:xfrm>
+            <a:off x="8926264" y="1203060"/>
+            <a:ext cx="1289957" cy="4629149"/>
+          </a:xfrm>
+          <a:prstGeom prst="rect">
+            <a:avLst/>
+          </a:prstGeom>
+          <a:solidFill>
+            <a:schemeClr val="bg1"/>
+          </a:solidFill>
+          <a:ln w="28575"/>
+        </p:spPr>
+        <p:style>
+          <a:lnRef idx="2">
+            <a:schemeClr val="accent1">
+              <a:shade val="50000"/>
+            </a:schemeClr>
+          </a:lnRef>
+          <a:fillRef idx="1">
+            <a:schemeClr val="accent1"/>
+          </a:fillRef>
+          <a:effectRef idx="0">
+            <a:schemeClr val="accent1"/>
+          </a:effectRef>
+          <a:fontRef idx="minor">
+            <a:schemeClr val="lt1"/>
+          </a:fontRef>
+        </p:style>
+        <p:txBody>
+          <a:bodyPr rtlCol="0" anchor="ctr"/>
+          <a:lstStyle/>
+          <a:p>
+            <a:pPr algn="ctr"/>
+            <a:endParaRPr lang="en-US"/>
+          </a:p>
+        </p:txBody>
+      </p:sp>
+      <p:sp>
+        <p:nvSpPr>
+          <p:cNvPr id="18" name="Rectangle 17">
+            <a:extLst>
+              <a:ext uri="{FF2B5EF4-FFF2-40B4-BE49-F238E27FC236}">
+                <a16:creationId xmlns:a16="http://schemas.microsoft.com/office/drawing/2014/main" id="{929613B1-B04B-A45E-19EA-7E0E507E1874}"/>
+              </a:ext>
+            </a:extLst>
+          </p:cNvPr>
+          <p:cNvSpPr/>
+          <p:nvPr/>
+        </p:nvSpPr>
+        <p:spPr>
+          <a:xfrm>
+            <a:off x="8926264" y="5399502"/>
+            <a:ext cx="1289957" cy="432707"/>
+          </a:xfrm>
+          <a:prstGeom prst="rect">
+            <a:avLst/>
+          </a:prstGeom>
+          <a:solidFill>
+            <a:schemeClr val="bg1"/>
+          </a:solidFill>
+          <a:ln w="28575"/>
+        </p:spPr>
+        <p:style>
+          <a:lnRef idx="2">
+            <a:schemeClr val="accent1">
+              <a:shade val="50000"/>
+            </a:schemeClr>
+          </a:lnRef>
+          <a:fillRef idx="1">
+            <a:schemeClr val="accent1"/>
+          </a:fillRef>
+          <a:effectRef idx="0">
+            <a:schemeClr val="accent1"/>
+          </a:effectRef>
+          <a:fontRef idx="minor">
+            <a:schemeClr val="lt1"/>
+          </a:fontRef>
+        </p:style>
+        <p:txBody>
+          <a:bodyPr rtlCol="0" anchor="ctr"/>
+          <a:lstStyle/>
+          <a:p>
+            <a:r>
+              <a:rPr lang="en-US" dirty="0">
+                <a:solidFill>
+                  <a:schemeClr val="tx1"/>
+                </a:solidFill>
+                <a:latin typeface="Courier New" panose="02070309020205020404" pitchFamily="49" charset="0"/>
+                <a:cs typeface="Courier New" panose="02070309020205020404" pitchFamily="49" charset="0"/>
+              </a:rPr>
+              <a:t>ma</a:t>
+            </a:r>
+          </a:p>
+        </p:txBody>
+      </p:sp>
+      <p:sp>
+        <p:nvSpPr>
+          <p:cNvPr id="19" name="Rectangle 18">
+            <a:extLst>
+              <a:ext uri="{FF2B5EF4-FFF2-40B4-BE49-F238E27FC236}">
+                <a16:creationId xmlns:a16="http://schemas.microsoft.com/office/drawing/2014/main" id="{B448D20A-53FA-2924-18BD-99B08EF95E7A}"/>
+              </a:ext>
+            </a:extLst>
+          </p:cNvPr>
+          <p:cNvSpPr/>
+          <p:nvPr/>
+        </p:nvSpPr>
+        <p:spPr>
+          <a:xfrm>
+            <a:off x="9432450" y="5399502"/>
+            <a:ext cx="783771" cy="432707"/>
+          </a:xfrm>
+          <a:prstGeom prst="rect">
+            <a:avLst/>
+          </a:prstGeom>
+          <a:solidFill>
+            <a:schemeClr val="bg2"/>
+          </a:solidFill>
+          <a:ln w="28575"/>
+        </p:spPr>
+        <p:style>
+          <a:lnRef idx="2">
+            <a:schemeClr val="accent1">
+              <a:shade val="50000"/>
+            </a:schemeClr>
+          </a:lnRef>
+          <a:fillRef idx="1">
+            <a:schemeClr val="accent1"/>
+          </a:fillRef>
+          <a:effectRef idx="0">
+            <a:schemeClr val="accent1"/>
+          </a:effectRef>
+          <a:fontRef idx="minor">
+            <a:schemeClr val="lt1"/>
+          </a:fontRef>
+        </p:style>
+        <p:txBody>
+          <a:bodyPr rtlCol="0" anchor="ctr"/>
+          <a:lstStyle/>
+          <a:p>
+            <a:pPr algn="ctr"/>
+            <a:r>
+              <a:rPr lang="en-US" dirty="0">
+                <a:solidFill>
+                  <a:schemeClr val="tx1"/>
+                </a:solidFill>
+              </a:rPr>
+              <a:t>42</a:t>
+            </a:r>
+          </a:p>
+        </p:txBody>
+      </p:sp>
+      <p:sp>
+        <p:nvSpPr>
+          <p:cNvPr id="20" name="Rectangle 19">
+            <a:extLst>
+              <a:ext uri="{FF2B5EF4-FFF2-40B4-BE49-F238E27FC236}">
+                <a16:creationId xmlns:a16="http://schemas.microsoft.com/office/drawing/2014/main" id="{9D28AEF6-E8A0-4D06-B922-53C71C71773A}"/>
+              </a:ext>
+            </a:extLst>
+          </p:cNvPr>
+          <p:cNvSpPr/>
+          <p:nvPr/>
+        </p:nvSpPr>
+        <p:spPr>
+          <a:xfrm>
+            <a:off x="8926264" y="4494211"/>
+            <a:ext cx="1289957" cy="432707"/>
+          </a:xfrm>
+          <a:prstGeom prst="rect">
+            <a:avLst/>
+          </a:prstGeom>
+          <a:solidFill>
+            <a:schemeClr val="bg1"/>
+          </a:solidFill>
+          <a:ln w="28575"/>
+        </p:spPr>
+        <p:style>
+          <a:lnRef idx="2">
+            <a:schemeClr val="accent1">
+              <a:shade val="50000"/>
+            </a:schemeClr>
+          </a:lnRef>
+          <a:fillRef idx="1">
+            <a:schemeClr val="accent1"/>
+          </a:fillRef>
+          <a:effectRef idx="0">
+            <a:schemeClr val="accent1"/>
+          </a:effectRef>
+          <a:fontRef idx="minor">
+            <a:schemeClr val="lt1"/>
+          </a:fontRef>
+        </p:style>
+        <p:txBody>
+          <a:bodyPr rtlCol="0" anchor="ctr"/>
+          <a:lstStyle/>
+          <a:p>
+            <a:r>
+              <a:rPr lang="en-US" dirty="0">
+                <a:solidFill>
+                  <a:schemeClr val="tx1"/>
+                </a:solidFill>
+                <a:latin typeface="Courier New" panose="02070309020205020404" pitchFamily="49" charset="0"/>
+                <a:cs typeface="Courier New" panose="02070309020205020404" pitchFamily="49" charset="0"/>
+              </a:rPr>
+              <a:t>op</a:t>
+            </a:r>
+          </a:p>
+        </p:txBody>
+      </p:sp>
+      <p:sp>
+        <p:nvSpPr>
+          <p:cNvPr id="21" name="Rectangle 20">
+            <a:extLst>
+              <a:ext uri="{FF2B5EF4-FFF2-40B4-BE49-F238E27FC236}">
+                <a16:creationId xmlns:a16="http://schemas.microsoft.com/office/drawing/2014/main" id="{21000E43-C7A2-82E9-95C8-03428EF8921D}"/>
+              </a:ext>
+            </a:extLst>
+          </p:cNvPr>
+          <p:cNvSpPr/>
+          <p:nvPr/>
+        </p:nvSpPr>
+        <p:spPr>
+          <a:xfrm>
+            <a:off x="9432450" y="4494211"/>
+            <a:ext cx="783771" cy="432707"/>
+          </a:xfrm>
+          <a:prstGeom prst="rect">
+            <a:avLst/>
+          </a:prstGeom>
+          <a:solidFill>
+            <a:schemeClr val="bg2"/>
+          </a:solidFill>
+          <a:ln w="28575"/>
+        </p:spPr>
+        <p:style>
+          <a:lnRef idx="2">
+            <a:schemeClr val="accent1">
+              <a:shade val="50000"/>
+            </a:schemeClr>
+          </a:lnRef>
+          <a:fillRef idx="1">
+            <a:schemeClr val="accent1"/>
+          </a:fillRef>
+          <a:effectRef idx="0">
+            <a:schemeClr val="accent1"/>
+          </a:effectRef>
+          <a:fontRef idx="minor">
+            <a:schemeClr val="lt1"/>
+          </a:fontRef>
+        </p:style>
+        <p:txBody>
+          <a:bodyPr rtlCol="0" anchor="ctr"/>
+          <a:lstStyle/>
+          <a:p>
+            <a:pPr algn="ctr"/>
+            <a:r>
+              <a:rPr lang="en-US" dirty="0">
+                <a:solidFill>
+                  <a:schemeClr val="tx1"/>
+                </a:solidFill>
+              </a:rPr>
+              <a:t>32</a:t>
+            </a:r>
+          </a:p>
+        </p:txBody>
+      </p:sp>
+      <p:sp>
+        <p:nvSpPr>
+          <p:cNvPr id="27" name="Rectangle 26">
+            <a:extLst>
+              <a:ext uri="{FF2B5EF4-FFF2-40B4-BE49-F238E27FC236}">
+                <a16:creationId xmlns:a16="http://schemas.microsoft.com/office/drawing/2014/main" id="{78021CEA-E7EB-E84A-00A4-BB693D8EA634}"/>
+              </a:ext>
+            </a:extLst>
+          </p:cNvPr>
+          <p:cNvSpPr/>
+          <p:nvPr/>
+        </p:nvSpPr>
+        <p:spPr>
+          <a:xfrm>
+            <a:off x="8931703" y="3732214"/>
+            <a:ext cx="1289957" cy="432707"/>
+          </a:xfrm>
+          <a:prstGeom prst="rect">
+            <a:avLst/>
+          </a:prstGeom>
+          <a:solidFill>
+            <a:schemeClr val="bg1"/>
+          </a:solidFill>
+          <a:ln w="28575"/>
+        </p:spPr>
+        <p:style>
+          <a:lnRef idx="2">
+            <a:schemeClr val="accent1">
+              <a:shade val="50000"/>
+            </a:schemeClr>
+          </a:lnRef>
+          <a:fillRef idx="1">
+            <a:schemeClr val="accent1"/>
+          </a:fillRef>
+          <a:effectRef idx="0">
+            <a:schemeClr val="accent1"/>
+          </a:effectRef>
+          <a:fontRef idx="minor">
+            <a:schemeClr val="lt1"/>
+          </a:fontRef>
+        </p:style>
+        <p:txBody>
+          <a:bodyPr rtlCol="0" anchor="ctr"/>
+          <a:lstStyle/>
+          <a:p>
+            <a:r>
+              <a:rPr lang="en-US" dirty="0" err="1">
+                <a:solidFill>
+                  <a:schemeClr val="tx1"/>
+                </a:solidFill>
+                <a:latin typeface="Courier New" panose="02070309020205020404" pitchFamily="49" charset="0"/>
+                <a:cs typeface="Courier New" panose="02070309020205020404" pitchFamily="49" charset="0"/>
+              </a:rPr>
+              <a:t>tn</a:t>
+            </a:r>
+            <a:endParaRPr lang="en-US" dirty="0">
+              <a:solidFill>
+                <a:schemeClr val="tx1"/>
+              </a:solidFill>
+              <a:latin typeface="Courier New" panose="02070309020205020404" pitchFamily="49" charset="0"/>
+              <a:cs typeface="Courier New" panose="02070309020205020404" pitchFamily="49" charset="0"/>
+            </a:endParaRPr>
+          </a:p>
+        </p:txBody>
+      </p:sp>
+      <p:sp>
+        <p:nvSpPr>
+          <p:cNvPr id="28" name="Rectangle 27">
+            <a:extLst>
+              <a:ext uri="{FF2B5EF4-FFF2-40B4-BE49-F238E27FC236}">
+                <a16:creationId xmlns:a16="http://schemas.microsoft.com/office/drawing/2014/main" id="{4727D292-21CD-B7A2-BFD6-D82A497EBFEE}"/>
+              </a:ext>
+            </a:extLst>
+          </p:cNvPr>
+          <p:cNvSpPr/>
+          <p:nvPr/>
+        </p:nvSpPr>
+        <p:spPr>
+          <a:xfrm>
+            <a:off x="9437889" y="3732214"/>
+            <a:ext cx="783771" cy="432707"/>
+          </a:xfrm>
+          <a:prstGeom prst="rect">
+            <a:avLst/>
+          </a:prstGeom>
+          <a:solidFill>
+            <a:schemeClr val="bg2"/>
+          </a:solidFill>
+          <a:ln w="28575"/>
+        </p:spPr>
+        <p:style>
+          <a:lnRef idx="2">
+            <a:schemeClr val="accent1">
+              <a:shade val="50000"/>
+            </a:schemeClr>
+          </a:lnRef>
+          <a:fillRef idx="1">
+            <a:schemeClr val="accent1"/>
+          </a:fillRef>
+          <a:effectRef idx="0">
+            <a:schemeClr val="accent1"/>
+          </a:effectRef>
+          <a:fontRef idx="minor">
+            <a:schemeClr val="lt1"/>
+          </a:fontRef>
+        </p:style>
+        <p:txBody>
+          <a:bodyPr rtlCol="0" anchor="ctr"/>
+          <a:lstStyle/>
+          <a:p>
+            <a:pPr algn="ctr"/>
+            <a:r>
+              <a:rPr lang="en-US" dirty="0">
+                <a:solidFill>
+                  <a:schemeClr val="tx1"/>
+                </a:solidFill>
+              </a:rPr>
+              <a:t>10</a:t>
+            </a:r>
+          </a:p>
+        </p:txBody>
+      </p:sp>
+      <p:sp>
+        <p:nvSpPr>
+          <p:cNvPr id="29" name="Rectangle 28">
+            <a:extLst>
+              <a:ext uri="{FF2B5EF4-FFF2-40B4-BE49-F238E27FC236}">
+                <a16:creationId xmlns:a16="http://schemas.microsoft.com/office/drawing/2014/main" id="{5B06053B-1190-1A46-01BD-A544037869B4}"/>
+              </a:ext>
+            </a:extLst>
+          </p:cNvPr>
+          <p:cNvSpPr/>
+          <p:nvPr/>
+        </p:nvSpPr>
+        <p:spPr>
+          <a:xfrm>
+            <a:off x="7402261" y="3770311"/>
+            <a:ext cx="1289957" cy="432707"/>
+          </a:xfrm>
+          <a:prstGeom prst="rect">
+            <a:avLst/>
+          </a:prstGeom>
+          <a:solidFill>
+            <a:schemeClr val="bg1"/>
+          </a:solidFill>
+          <a:ln w="28575"/>
+        </p:spPr>
+        <p:style>
+          <a:lnRef idx="2">
+            <a:schemeClr val="accent1">
+              <a:shade val="50000"/>
+            </a:schemeClr>
+          </a:lnRef>
+          <a:fillRef idx="1">
+            <a:schemeClr val="accent1"/>
+          </a:fillRef>
+          <a:effectRef idx="0">
+            <a:schemeClr val="accent1"/>
+          </a:effectRef>
+          <a:fontRef idx="minor">
+            <a:schemeClr val="lt1"/>
+          </a:fontRef>
+        </p:style>
+        <p:txBody>
+          <a:bodyPr rtlCol="0" anchor="ctr"/>
+          <a:lstStyle/>
+          <a:p>
+            <a:r>
+              <a:rPr lang="en-US" dirty="0" err="1">
+                <a:solidFill>
+                  <a:schemeClr val="tx1"/>
+                </a:solidFill>
+                <a:latin typeface="Courier New" panose="02070309020205020404" pitchFamily="49" charset="0"/>
+                <a:cs typeface="Courier New" panose="02070309020205020404" pitchFamily="49" charset="0"/>
+              </a:rPr>
+              <a:t>tn</a:t>
+            </a:r>
+            <a:endParaRPr lang="en-US" dirty="0">
+              <a:solidFill>
+                <a:schemeClr val="tx1"/>
+              </a:solidFill>
+              <a:latin typeface="Courier New" panose="02070309020205020404" pitchFamily="49" charset="0"/>
+              <a:cs typeface="Courier New" panose="02070309020205020404" pitchFamily="49" charset="0"/>
+            </a:endParaRPr>
+          </a:p>
+        </p:txBody>
+      </p:sp>
+      <p:sp>
+        <p:nvSpPr>
+          <p:cNvPr id="30" name="Rectangle 29">
+            <a:extLst>
+              <a:ext uri="{FF2B5EF4-FFF2-40B4-BE49-F238E27FC236}">
+                <a16:creationId xmlns:a16="http://schemas.microsoft.com/office/drawing/2014/main" id="{6321B1E4-E97E-D6B0-D96D-C10D6EA469BA}"/>
+              </a:ext>
+            </a:extLst>
+          </p:cNvPr>
+          <p:cNvSpPr/>
+          <p:nvPr/>
+        </p:nvSpPr>
+        <p:spPr>
+          <a:xfrm>
+            <a:off x="7908447" y="3770311"/>
+            <a:ext cx="783771" cy="432707"/>
+          </a:xfrm>
+          <a:prstGeom prst="rect">
+            <a:avLst/>
+          </a:prstGeom>
+          <a:solidFill>
+            <a:schemeClr val="bg2"/>
+          </a:solidFill>
+          <a:ln w="28575"/>
+        </p:spPr>
+        <p:style>
+          <a:lnRef idx="2">
+            <a:schemeClr val="accent1">
+              <a:shade val="50000"/>
+            </a:schemeClr>
+          </a:lnRef>
+          <a:fillRef idx="1">
+            <a:schemeClr val="accent1"/>
+          </a:fillRef>
+          <a:effectRef idx="0">
+            <a:schemeClr val="accent1"/>
+          </a:effectRef>
+          <a:fontRef idx="minor">
+            <a:schemeClr val="lt1"/>
+          </a:fontRef>
+        </p:style>
+        <p:txBody>
+          <a:bodyPr rtlCol="0" anchor="ctr"/>
+          <a:lstStyle/>
+          <a:p>
+            <a:pPr algn="ctr"/>
+            <a:r>
+              <a:rPr lang="en-US" dirty="0">
+                <a:solidFill>
+                  <a:schemeClr val="tx1"/>
+                </a:solidFill>
+              </a:rPr>
+              <a:t>10</a:t>
+            </a:r>
+          </a:p>
+        </p:txBody>
+      </p:sp>
+      <p:cxnSp>
+        <p:nvCxnSpPr>
+          <p:cNvPr id="36" name="Curved Connector 35">
+            <a:extLst>
+              <a:ext uri="{FF2B5EF4-FFF2-40B4-BE49-F238E27FC236}">
+                <a16:creationId xmlns:a16="http://schemas.microsoft.com/office/drawing/2014/main" id="{E41DDAF1-4386-37C3-AC16-15637DCBC74B}"/>
+              </a:ext>
+            </a:extLst>
+          </p:cNvPr>
+          <p:cNvCxnSpPr>
+            <a:stCxn id="14" idx="3"/>
+            <a:endCxn id="16" idx="3"/>
+          </p:cNvCxnSpPr>
+          <p:nvPr/>
+        </p:nvCxnSpPr>
+        <p:spPr>
+          <a:xfrm flipV="1">
+            <a:off x="8692225" y="4710565"/>
+            <a:ext cx="12700" cy="905291"/>
+          </a:xfrm>
+          <a:prstGeom prst="curvedConnector3">
+            <a:avLst>
+              <a:gd name="adj1" fmla="val 1285717"/>
+            </a:avLst>
+          </a:prstGeom>
+          <a:ln w="28575">
+            <a:tailEnd type="triangle"/>
+          </a:ln>
+        </p:spPr>
+        <p:style>
+          <a:lnRef idx="1">
+            <a:schemeClr val="accent1"/>
+          </a:lnRef>
+          <a:fillRef idx="0">
+            <a:schemeClr val="accent1"/>
+          </a:fillRef>
+          <a:effectRef idx="0">
+            <a:schemeClr val="accent1"/>
+          </a:effectRef>
+          <a:fontRef idx="minor">
+            <a:schemeClr val="tx1"/>
+          </a:fontRef>
+        </p:style>
+      </p:cxnSp>
+      <p:sp>
+        <p:nvSpPr>
+          <p:cNvPr id="40" name="TextBox 39">
+            <a:extLst>
+              <a:ext uri="{FF2B5EF4-FFF2-40B4-BE49-F238E27FC236}">
+                <a16:creationId xmlns:a16="http://schemas.microsoft.com/office/drawing/2014/main" id="{8B4CFFAA-8ED6-BE54-4F64-7CD7734895C3}"/>
+              </a:ext>
+            </a:extLst>
+          </p:cNvPr>
+          <p:cNvSpPr txBox="1"/>
+          <p:nvPr/>
+        </p:nvSpPr>
+        <p:spPr>
+          <a:xfrm>
+            <a:off x="5976234" y="3986664"/>
+            <a:ext cx="800116" cy="646331"/>
           </a:xfrm>
           <a:prstGeom prst="rect">
             <a:avLst/>
@@ -4106,50 +10587,153 @@
           <a:lstStyle/>
           <a:p>
             <a:r>
-              <a:rPr lang="en-US" sz="1200" dirty="0"/>
-              <a:t>These slides are Copyright 2022-  Charles R. Severance (</a:t>
-            </a:r>
-            <a:r>
-              <a:rPr lang="en-US" sz="1200" dirty="0" err="1"/>
-              <a:t>online.dr-chuck.com</a:t>
-            </a:r>
-            <a:r>
-              <a:rPr lang="en-US" sz="1200" dirty="0"/>
-              <a:t>) as part of www.cc4e.com and made available under a Creative Commons Attribution 4.0 License.  Please maintain this last slide in all copies of the document to comply with the attribution requirements of the license.  If you make a change, feel free to add your name and organization to the list of contributors on this page as you republish the materials.</a:t>
-            </a:r>
-          </a:p>
-          <a:p>
-            <a:endParaRPr lang="en-US" sz="1200" dirty="0"/>
-          </a:p>
-          <a:p>
-            <a:r>
-              <a:rPr lang="en-US" sz="1200" dirty="0"/>
-              <a:t>Initial Development: Charles Severance, University of Michigan School of Information</a:t>
-            </a:r>
-          </a:p>
-          <a:p>
-            <a:endParaRPr lang="en-US" sz="1200" dirty="0"/>
-          </a:p>
-          <a:p>
-            <a:r>
-              <a:rPr lang="en-US" sz="1200" b="1" dirty="0"/>
-              <a:t>Insert new Contributors and Translators here including names and dates</a:t>
-            </a:r>
-          </a:p>
-          <a:p>
-            <a:endParaRPr lang="en-US" sz="1200" dirty="0"/>
-          </a:p>
-          <a:p>
-            <a:endParaRPr lang="en-US" sz="1200" dirty="0"/>
-          </a:p>
-        </p:txBody>
-      </p:sp>
-      <p:sp>
-        <p:nvSpPr>
-          <p:cNvPr id="8" name="TextBox 7">
-            <a:extLst>
-              <a:ext uri="{FF2B5EF4-FFF2-40B4-BE49-F238E27FC236}">
-                <a16:creationId xmlns:a16="http://schemas.microsoft.com/office/drawing/2014/main" id="{A5B0D5A1-502A-F6A1-76FD-6D954B37EE94}"/>
+              <a:rPr lang="en-US" dirty="0"/>
+              <a:t>stack</a:t>
+            </a:r>
+          </a:p>
+          <a:p>
+            <a:r>
+              <a:rPr lang="en-US" dirty="0"/>
+              <a:t>frame</a:t>
+            </a:r>
+          </a:p>
+        </p:txBody>
+      </p:sp>
+      <p:sp>
+        <p:nvSpPr>
+          <p:cNvPr id="2" name="Left Brace 1">
+            <a:extLst>
+              <a:ext uri="{FF2B5EF4-FFF2-40B4-BE49-F238E27FC236}">
+                <a16:creationId xmlns:a16="http://schemas.microsoft.com/office/drawing/2014/main" id="{E6F4312A-FE25-478D-301D-5BCFC3F86363}"/>
+              </a:ext>
+            </a:extLst>
+          </p:cNvPr>
+          <p:cNvSpPr/>
+          <p:nvPr/>
+        </p:nvSpPr>
+        <p:spPr>
+          <a:xfrm>
+            <a:off x="6640274" y="3624942"/>
+            <a:ext cx="783770" cy="1358383"/>
+          </a:xfrm>
+          <a:prstGeom prst="leftBrace">
+            <a:avLst/>
+          </a:prstGeom>
+          <a:ln w="28575">
+            <a:solidFill>
+              <a:srgbClr val="00B050"/>
+            </a:solidFill>
+          </a:ln>
+        </p:spPr>
+        <p:style>
+          <a:lnRef idx="1">
+            <a:schemeClr val="accent1"/>
+          </a:lnRef>
+          <a:fillRef idx="0">
+            <a:schemeClr val="accent1"/>
+          </a:fillRef>
+          <a:effectRef idx="0">
+            <a:schemeClr val="accent1"/>
+          </a:effectRef>
+          <a:fontRef idx="minor">
+            <a:schemeClr val="tx1"/>
+          </a:fontRef>
+        </p:style>
+        <p:txBody>
+          <a:bodyPr rtlCol="0" anchor="ctr"/>
+          <a:lstStyle/>
+          <a:p>
+            <a:pPr algn="ctr"/>
+            <a:endParaRPr lang="en-US"/>
+          </a:p>
+        </p:txBody>
+      </p:sp>
+    </p:spTree>
+    <p:extLst>
+      <p:ext uri="{BB962C8B-B14F-4D97-AF65-F5344CB8AC3E}">
+        <p14:creationId xmlns:p14="http://schemas.microsoft.com/office/powerpoint/2010/main" val="3392049688"/>
+      </p:ext>
+    </p:extLst>
+  </p:cSld>
+  <p:clrMapOvr>
+    <a:masterClrMapping/>
+  </p:clrMapOvr>
+</p:sld>
+</file>
+
+<file path=ppt/slides/slide9.xml><?xml version="1.0" encoding="utf-8"?>
+<p:sld xmlns:a="http://schemas.openxmlformats.org/drawingml/2006/main" xmlns:r="http://schemas.openxmlformats.org/officeDocument/2006/relationships" xmlns:p="http://schemas.openxmlformats.org/presentationml/2006/main">
+  <p:cSld>
+    <p:spTree>
+      <p:nvGrpSpPr>
+        <p:cNvPr id="1" name=""/>
+        <p:cNvGrpSpPr/>
+        <p:nvPr/>
+      </p:nvGrpSpPr>
+      <p:grpSpPr>
+        <a:xfrm>
+          <a:off x="0" y="0"/>
+          <a:ext cx="0" cy="0"/>
+          <a:chOff x="0" y="0"/>
+          <a:chExt cx="0" cy="0"/>
+        </a:xfrm>
+      </p:grpSpPr>
+      <p:sp>
+        <p:nvSpPr>
+          <p:cNvPr id="9" name="Rectangle 8">
+            <a:extLst>
+              <a:ext uri="{FF2B5EF4-FFF2-40B4-BE49-F238E27FC236}">
+                <a16:creationId xmlns:a16="http://schemas.microsoft.com/office/drawing/2014/main" id="{B5DE88A2-0BAA-511E-921E-3BDA4B25E5A4}"/>
+              </a:ext>
+            </a:extLst>
+          </p:cNvPr>
+          <p:cNvSpPr/>
+          <p:nvPr/>
+        </p:nvSpPr>
+        <p:spPr>
+          <a:xfrm>
+            <a:off x="5861943" y="1203060"/>
+            <a:ext cx="1289957" cy="4629149"/>
+          </a:xfrm>
+          <a:prstGeom prst="rect">
+            <a:avLst/>
+          </a:prstGeom>
+          <a:solidFill>
+            <a:schemeClr val="bg1"/>
+          </a:solidFill>
+          <a:ln w="28575"/>
+        </p:spPr>
+        <p:style>
+          <a:lnRef idx="2">
+            <a:schemeClr val="accent1">
+              <a:shade val="50000"/>
+            </a:schemeClr>
+          </a:lnRef>
+          <a:fillRef idx="1">
+            <a:schemeClr val="accent1"/>
+          </a:fillRef>
+          <a:effectRef idx="0">
+            <a:schemeClr val="accent1"/>
+          </a:effectRef>
+          <a:fontRef idx="minor">
+            <a:schemeClr val="lt1"/>
+          </a:fontRef>
+        </p:style>
+        <p:txBody>
+          <a:bodyPr rtlCol="0" anchor="ctr"/>
+          <a:lstStyle/>
+          <a:p>
+            <a:pPr algn="ctr"/>
+            <a:endParaRPr lang="en-US"/>
+          </a:p>
+        </p:txBody>
+      </p:sp>
+      <p:sp>
+        <p:nvSpPr>
+          <p:cNvPr id="4" name="TextBox 3">
+            <a:extLst>
+              <a:ext uri="{FF2B5EF4-FFF2-40B4-BE49-F238E27FC236}">
+                <a16:creationId xmlns:a16="http://schemas.microsoft.com/office/drawing/2014/main" id="{F6120957-35F6-C82C-E0BD-A7B15EF85A00}"/>
               </a:ext>
             </a:extLst>
           </p:cNvPr>
@@ -4158,8 +10742,1568 @@
         </p:nvSpPr>
         <p:spPr>
           <a:xfrm>
-            <a:off x="6298097" y="1502688"/>
-            <a:ext cx="5055704" cy="461665"/>
+            <a:off x="598695" y="776453"/>
+            <a:ext cx="4751622" cy="3785652"/>
+          </a:xfrm>
+          <a:prstGeom prst="rect">
+            <a:avLst/>
+          </a:prstGeom>
+          <a:noFill/>
+        </p:spPr>
+        <p:txBody>
+          <a:bodyPr wrap="none" rtlCol="0">
+            <a:spAutoFit/>
+          </a:bodyPr>
+          <a:lstStyle/>
+          <a:p>
+            <a:r>
+              <a:rPr lang="en-US" sz="1600" b="1" dirty="0">
+                <a:latin typeface="Courier New" panose="02070309020205020404" pitchFamily="49" charset="0"/>
+                <a:cs typeface="Courier New" panose="02070309020205020404" pitchFamily="49" charset="0"/>
+              </a:rPr>
+              <a:t>void one(op)</a:t>
+            </a:r>
+          </a:p>
+          <a:p>
+            <a:r>
+              <a:rPr lang="en-US" sz="1600" b="1" dirty="0">
+                <a:latin typeface="Courier New" panose="02070309020205020404" pitchFamily="49" charset="0"/>
+                <a:cs typeface="Courier New" panose="02070309020205020404" pitchFamily="49" charset="0"/>
+              </a:rPr>
+              <a:t>    int op;</a:t>
+            </a:r>
+          </a:p>
+          <a:p>
+            <a:r>
+              <a:rPr lang="en-US" sz="1600" b="1" dirty="0">
+                <a:latin typeface="Courier New" panose="02070309020205020404" pitchFamily="49" charset="0"/>
+                <a:cs typeface="Courier New" panose="02070309020205020404" pitchFamily="49" charset="0"/>
+              </a:rPr>
+              <a:t>{   </a:t>
+            </a:r>
+          </a:p>
+          <a:p>
+            <a:r>
+              <a:rPr lang="en-US" sz="1600" b="1" dirty="0">
+                <a:latin typeface="Courier New" panose="02070309020205020404" pitchFamily="49" charset="0"/>
+                <a:cs typeface="Courier New" panose="02070309020205020404" pitchFamily="49" charset="0"/>
+              </a:rPr>
+              <a:t>    int </a:t>
+            </a:r>
+            <a:r>
+              <a:rPr lang="en-US" sz="1600" b="1" dirty="0" err="1">
+                <a:latin typeface="Courier New" panose="02070309020205020404" pitchFamily="49" charset="0"/>
+                <a:cs typeface="Courier New" panose="02070309020205020404" pitchFamily="49" charset="0"/>
+              </a:rPr>
+              <a:t>tn</a:t>
+            </a:r>
+            <a:r>
+              <a:rPr lang="en-US" sz="1600" b="1" dirty="0">
+                <a:latin typeface="Courier New" panose="02070309020205020404" pitchFamily="49" charset="0"/>
+                <a:cs typeface="Courier New" panose="02070309020205020404" pitchFamily="49" charset="0"/>
+              </a:rPr>
+              <a:t> = 10;</a:t>
+            </a:r>
+          </a:p>
+          <a:p>
+            <a:r>
+              <a:rPr lang="en-US" sz="1600" b="1" dirty="0">
+                <a:latin typeface="Courier New" panose="02070309020205020404" pitchFamily="49" charset="0"/>
+                <a:cs typeface="Courier New" panose="02070309020205020404" pitchFamily="49" charset="0"/>
+              </a:rPr>
+              <a:t>    </a:t>
+            </a:r>
+            <a:r>
+              <a:rPr lang="en-US" sz="1600" b="1" dirty="0" err="1">
+                <a:latin typeface="Courier New" panose="02070309020205020404" pitchFamily="49" charset="0"/>
+                <a:cs typeface="Courier New" panose="02070309020205020404" pitchFamily="49" charset="0"/>
+              </a:rPr>
+              <a:t>printf</a:t>
+            </a:r>
+            <a:r>
+              <a:rPr lang="en-US" sz="1600" b="1" dirty="0">
+                <a:latin typeface="Courier New" panose="02070309020205020404" pitchFamily="49" charset="0"/>
+                <a:cs typeface="Courier New" panose="02070309020205020404" pitchFamily="49" charset="0"/>
+              </a:rPr>
+              <a:t>("One  op before %d\</a:t>
+            </a:r>
+            <a:r>
+              <a:rPr lang="en-US" sz="1600" b="1" dirty="0" err="1">
+                <a:latin typeface="Courier New" panose="02070309020205020404" pitchFamily="49" charset="0"/>
+                <a:cs typeface="Courier New" panose="02070309020205020404" pitchFamily="49" charset="0"/>
+              </a:rPr>
+              <a:t>n",op</a:t>
+            </a:r>
+            <a:r>
+              <a:rPr lang="en-US" sz="1600" b="1" dirty="0">
+                <a:latin typeface="Courier New" panose="02070309020205020404" pitchFamily="49" charset="0"/>
+                <a:cs typeface="Courier New" panose="02070309020205020404" pitchFamily="49" charset="0"/>
+              </a:rPr>
+              <a:t>);</a:t>
+            </a:r>
+          </a:p>
+          <a:p>
+            <a:r>
+              <a:rPr lang="en-US" sz="1600" b="1" dirty="0">
+                <a:latin typeface="Courier New" panose="02070309020205020404" pitchFamily="49" charset="0"/>
+                <a:cs typeface="Courier New" panose="02070309020205020404" pitchFamily="49" charset="0"/>
+              </a:rPr>
+              <a:t>    op = op - </a:t>
+            </a:r>
+            <a:r>
+              <a:rPr lang="en-US" sz="1600" b="1" dirty="0" err="1">
+                <a:latin typeface="Courier New" panose="02070309020205020404" pitchFamily="49" charset="0"/>
+                <a:cs typeface="Courier New" panose="02070309020205020404" pitchFamily="49" charset="0"/>
+              </a:rPr>
+              <a:t>tn</a:t>
+            </a:r>
+            <a:r>
+              <a:rPr lang="en-US" sz="1600" b="1" dirty="0">
+                <a:latin typeface="Courier New" panose="02070309020205020404" pitchFamily="49" charset="0"/>
+                <a:cs typeface="Courier New" panose="02070309020205020404" pitchFamily="49" charset="0"/>
+              </a:rPr>
+              <a:t>;</a:t>
+            </a:r>
+          </a:p>
+          <a:p>
+            <a:r>
+              <a:rPr lang="en-US" sz="1600" b="1" dirty="0">
+                <a:latin typeface="Courier New" panose="02070309020205020404" pitchFamily="49" charset="0"/>
+                <a:cs typeface="Courier New" panose="02070309020205020404" pitchFamily="49" charset="0"/>
+              </a:rPr>
+              <a:t>    </a:t>
+            </a:r>
+            <a:r>
+              <a:rPr lang="en-US" sz="1600" b="1" dirty="0" err="1">
+                <a:latin typeface="Courier New" panose="02070309020205020404" pitchFamily="49" charset="0"/>
+                <a:cs typeface="Courier New" panose="02070309020205020404" pitchFamily="49" charset="0"/>
+              </a:rPr>
+              <a:t>printf</a:t>
+            </a:r>
+            <a:r>
+              <a:rPr lang="en-US" sz="1600" b="1" dirty="0">
+                <a:latin typeface="Courier New" panose="02070309020205020404" pitchFamily="49" charset="0"/>
+                <a:cs typeface="Courier New" panose="02070309020205020404" pitchFamily="49" charset="0"/>
+              </a:rPr>
+              <a:t>("One  op after  %d\</a:t>
+            </a:r>
+            <a:r>
+              <a:rPr lang="en-US" sz="1600" b="1" dirty="0" err="1">
+                <a:latin typeface="Courier New" panose="02070309020205020404" pitchFamily="49" charset="0"/>
+                <a:cs typeface="Courier New" panose="02070309020205020404" pitchFamily="49" charset="0"/>
+              </a:rPr>
+              <a:t>n",op</a:t>
+            </a:r>
+            <a:r>
+              <a:rPr lang="en-US" sz="1600" b="1" dirty="0">
+                <a:latin typeface="Courier New" panose="02070309020205020404" pitchFamily="49" charset="0"/>
+                <a:cs typeface="Courier New" panose="02070309020205020404" pitchFamily="49" charset="0"/>
+              </a:rPr>
+              <a:t>);</a:t>
+            </a:r>
+          </a:p>
+          <a:p>
+            <a:r>
+              <a:rPr lang="en-US" sz="1600" b="1" dirty="0">
+                <a:latin typeface="Courier New" panose="02070309020205020404" pitchFamily="49" charset="0"/>
+                <a:cs typeface="Courier New" panose="02070309020205020404" pitchFamily="49" charset="0"/>
+              </a:rPr>
+              <a:t>}</a:t>
+            </a:r>
+          </a:p>
+          <a:p>
+            <a:endParaRPr lang="en-US" sz="1600" b="1" dirty="0">
+              <a:latin typeface="Courier New" panose="02070309020205020404" pitchFamily="49" charset="0"/>
+              <a:cs typeface="Courier New" panose="02070309020205020404" pitchFamily="49" charset="0"/>
+            </a:endParaRPr>
+          </a:p>
+          <a:p>
+            <a:r>
+              <a:rPr lang="en-US" sz="1600" b="1" dirty="0">
+                <a:latin typeface="Courier New" panose="02070309020205020404" pitchFamily="49" charset="0"/>
+                <a:cs typeface="Courier New" panose="02070309020205020404" pitchFamily="49" charset="0"/>
+              </a:rPr>
+              <a:t>int main() {</a:t>
+            </a:r>
+          </a:p>
+          <a:p>
+            <a:r>
+              <a:rPr lang="en-US" sz="1600" b="1" dirty="0">
+                <a:latin typeface="Courier New" panose="02070309020205020404" pitchFamily="49" charset="0"/>
+                <a:cs typeface="Courier New" panose="02070309020205020404" pitchFamily="49" charset="0"/>
+              </a:rPr>
+              <a:t>    int ma = 42; </a:t>
+            </a:r>
+          </a:p>
+          <a:p>
+            <a:r>
+              <a:rPr lang="en-US" sz="1600" b="1" dirty="0">
+                <a:latin typeface="Courier New" panose="02070309020205020404" pitchFamily="49" charset="0"/>
+                <a:cs typeface="Courier New" panose="02070309020205020404" pitchFamily="49" charset="0"/>
+              </a:rPr>
+              <a:t>    </a:t>
+            </a:r>
+            <a:r>
+              <a:rPr lang="en-US" sz="1600" b="1" dirty="0" err="1">
+                <a:latin typeface="Courier New" panose="02070309020205020404" pitchFamily="49" charset="0"/>
+                <a:cs typeface="Courier New" panose="02070309020205020404" pitchFamily="49" charset="0"/>
+              </a:rPr>
+              <a:t>printf</a:t>
+            </a:r>
+            <a:r>
+              <a:rPr lang="en-US" sz="1600" b="1" dirty="0">
+                <a:latin typeface="Courier New" panose="02070309020205020404" pitchFamily="49" charset="0"/>
+                <a:cs typeface="Courier New" panose="02070309020205020404" pitchFamily="49" charset="0"/>
+              </a:rPr>
+              <a:t>("Main ma before %d\</a:t>
+            </a:r>
+            <a:r>
+              <a:rPr lang="en-US" sz="1600" b="1" dirty="0" err="1">
+                <a:latin typeface="Courier New" panose="02070309020205020404" pitchFamily="49" charset="0"/>
+                <a:cs typeface="Courier New" panose="02070309020205020404" pitchFamily="49" charset="0"/>
+              </a:rPr>
+              <a:t>n",ma</a:t>
+            </a:r>
+            <a:r>
+              <a:rPr lang="en-US" sz="1600" b="1" dirty="0">
+                <a:latin typeface="Courier New" panose="02070309020205020404" pitchFamily="49" charset="0"/>
+                <a:cs typeface="Courier New" panose="02070309020205020404" pitchFamily="49" charset="0"/>
+              </a:rPr>
+              <a:t>);</a:t>
+            </a:r>
+          </a:p>
+          <a:p>
+            <a:r>
+              <a:rPr lang="en-US" sz="1600" b="1" dirty="0">
+                <a:latin typeface="Courier New" panose="02070309020205020404" pitchFamily="49" charset="0"/>
+                <a:cs typeface="Courier New" panose="02070309020205020404" pitchFamily="49" charset="0"/>
+              </a:rPr>
+              <a:t>    one(ma);</a:t>
+            </a:r>
+          </a:p>
+          <a:p>
+            <a:r>
+              <a:rPr lang="en-US" sz="1600" b="1" dirty="0">
+                <a:latin typeface="Courier New" panose="02070309020205020404" pitchFamily="49" charset="0"/>
+                <a:cs typeface="Courier New" panose="02070309020205020404" pitchFamily="49" charset="0"/>
+              </a:rPr>
+              <a:t>    </a:t>
+            </a:r>
+            <a:r>
+              <a:rPr lang="en-US" sz="1600" b="1" dirty="0" err="1">
+                <a:latin typeface="Courier New" panose="02070309020205020404" pitchFamily="49" charset="0"/>
+                <a:cs typeface="Courier New" panose="02070309020205020404" pitchFamily="49" charset="0"/>
+              </a:rPr>
+              <a:t>printf</a:t>
+            </a:r>
+            <a:r>
+              <a:rPr lang="en-US" sz="1600" b="1" dirty="0">
+                <a:latin typeface="Courier New" panose="02070309020205020404" pitchFamily="49" charset="0"/>
+                <a:cs typeface="Courier New" panose="02070309020205020404" pitchFamily="49" charset="0"/>
+              </a:rPr>
+              <a:t>("Main ma after  %d\</a:t>
+            </a:r>
+            <a:r>
+              <a:rPr lang="en-US" sz="1600" b="1" dirty="0" err="1">
+                <a:latin typeface="Courier New" panose="02070309020205020404" pitchFamily="49" charset="0"/>
+                <a:cs typeface="Courier New" panose="02070309020205020404" pitchFamily="49" charset="0"/>
+              </a:rPr>
+              <a:t>n",ma</a:t>
+            </a:r>
+            <a:r>
+              <a:rPr lang="en-US" sz="1600" b="1" dirty="0">
+                <a:latin typeface="Courier New" panose="02070309020205020404" pitchFamily="49" charset="0"/>
+                <a:cs typeface="Courier New" panose="02070309020205020404" pitchFamily="49" charset="0"/>
+              </a:rPr>
+              <a:t>);</a:t>
+            </a:r>
+          </a:p>
+          <a:p>
+            <a:r>
+              <a:rPr lang="en-US" sz="1600" b="1" dirty="0">
+                <a:latin typeface="Courier New" panose="02070309020205020404" pitchFamily="49" charset="0"/>
+                <a:cs typeface="Courier New" panose="02070309020205020404" pitchFamily="49" charset="0"/>
+              </a:rPr>
+              <a:t>}</a:t>
+            </a:r>
+          </a:p>
+        </p:txBody>
+      </p:sp>
+      <p:sp>
+        <p:nvSpPr>
+          <p:cNvPr id="5" name="TextBox 4">
+            <a:extLst>
+              <a:ext uri="{FF2B5EF4-FFF2-40B4-BE49-F238E27FC236}">
+                <a16:creationId xmlns:a16="http://schemas.microsoft.com/office/drawing/2014/main" id="{70BF47B6-82C2-527F-764A-DBEF6FE9491F}"/>
+              </a:ext>
+            </a:extLst>
+          </p:cNvPr>
+          <p:cNvSpPr txBox="1"/>
+          <p:nvPr/>
+        </p:nvSpPr>
+        <p:spPr>
+          <a:xfrm>
+            <a:off x="293915" y="6338986"/>
+            <a:ext cx="1382485" cy="307777"/>
+          </a:xfrm>
+          <a:prstGeom prst="rect">
+            <a:avLst/>
+          </a:prstGeom>
+          <a:noFill/>
+        </p:spPr>
+        <p:txBody>
+          <a:bodyPr wrap="square">
+            <a:spAutoFit/>
+          </a:bodyPr>
+          <a:lstStyle/>
+          <a:p>
+            <a:r>
+              <a:rPr lang="en-US" sz="1400" b="1" dirty="0">
+                <a:solidFill>
+                  <a:srgbClr val="000000"/>
+                </a:solidFill>
+                <a:latin typeface="Menlo" panose="020B0609030804020204" pitchFamily="49" charset="0"/>
+              </a:rPr>
+              <a:t>kr_04_01.c</a:t>
+            </a:r>
+          </a:p>
+        </p:txBody>
+      </p:sp>
+      <p:sp>
+        <p:nvSpPr>
+          <p:cNvPr id="6" name="TextBox 5">
+            <a:extLst>
+              <a:ext uri="{FF2B5EF4-FFF2-40B4-BE49-F238E27FC236}">
+                <a16:creationId xmlns:a16="http://schemas.microsoft.com/office/drawing/2014/main" id="{2C6526EF-2BB6-C9A5-C88A-9548E85E54AA}"/>
+              </a:ext>
+            </a:extLst>
+          </p:cNvPr>
+          <p:cNvSpPr txBox="1"/>
+          <p:nvPr/>
+        </p:nvSpPr>
+        <p:spPr>
+          <a:xfrm>
+            <a:off x="1103538" y="4799337"/>
+            <a:ext cx="2528256" cy="1200329"/>
+          </a:xfrm>
+          <a:prstGeom prst="rect">
+            <a:avLst/>
+          </a:prstGeom>
+          <a:noFill/>
+        </p:spPr>
+        <p:txBody>
+          <a:bodyPr wrap="none" rtlCol="0">
+            <a:spAutoFit/>
+          </a:bodyPr>
+          <a:lstStyle/>
+          <a:p>
+            <a:r>
+              <a:rPr lang="en-US" b="1" dirty="0">
+                <a:latin typeface="Courier New" panose="02070309020205020404" pitchFamily="49" charset="0"/>
+                <a:cs typeface="Courier New" panose="02070309020205020404" pitchFamily="49" charset="0"/>
+              </a:rPr>
+              <a:t>Main ma before 42</a:t>
+            </a:r>
+          </a:p>
+          <a:p>
+            <a:r>
+              <a:rPr lang="en-US" b="1" dirty="0">
+                <a:latin typeface="Courier New" panose="02070309020205020404" pitchFamily="49" charset="0"/>
+                <a:cs typeface="Courier New" panose="02070309020205020404" pitchFamily="49" charset="0"/>
+              </a:rPr>
+              <a:t>One  op before 42</a:t>
+            </a:r>
+          </a:p>
+          <a:p>
+            <a:r>
+              <a:rPr lang="en-US" b="1" dirty="0">
+                <a:latin typeface="Courier New" panose="02070309020205020404" pitchFamily="49" charset="0"/>
+                <a:cs typeface="Courier New" panose="02070309020205020404" pitchFamily="49" charset="0"/>
+              </a:rPr>
+              <a:t>One  op after  30</a:t>
+            </a:r>
+          </a:p>
+          <a:p>
+            <a:r>
+              <a:rPr lang="en-US" b="1" dirty="0">
+                <a:latin typeface="Courier New" panose="02070309020205020404" pitchFamily="49" charset="0"/>
+                <a:cs typeface="Courier New" panose="02070309020205020404" pitchFamily="49" charset="0"/>
+              </a:rPr>
+              <a:t>Main ma after  42</a:t>
+            </a:r>
+          </a:p>
+        </p:txBody>
+      </p:sp>
+      <p:sp>
+        <p:nvSpPr>
+          <p:cNvPr id="7" name="Rectangle 6">
+            <a:extLst>
+              <a:ext uri="{FF2B5EF4-FFF2-40B4-BE49-F238E27FC236}">
+                <a16:creationId xmlns:a16="http://schemas.microsoft.com/office/drawing/2014/main" id="{CF2A4D56-1F60-AB7D-3BCB-6C5FC63E6905}"/>
+              </a:ext>
+            </a:extLst>
+          </p:cNvPr>
+          <p:cNvSpPr/>
+          <p:nvPr/>
+        </p:nvSpPr>
+        <p:spPr>
+          <a:xfrm>
+            <a:off x="5861943" y="5399502"/>
+            <a:ext cx="1289957" cy="432707"/>
+          </a:xfrm>
+          <a:prstGeom prst="rect">
+            <a:avLst/>
+          </a:prstGeom>
+          <a:solidFill>
+            <a:schemeClr val="bg1"/>
+          </a:solidFill>
+          <a:ln w="28575"/>
+        </p:spPr>
+        <p:style>
+          <a:lnRef idx="2">
+            <a:schemeClr val="accent1">
+              <a:shade val="50000"/>
+            </a:schemeClr>
+          </a:lnRef>
+          <a:fillRef idx="1">
+            <a:schemeClr val="accent1"/>
+          </a:fillRef>
+          <a:effectRef idx="0">
+            <a:schemeClr val="accent1"/>
+          </a:effectRef>
+          <a:fontRef idx="minor">
+            <a:schemeClr val="lt1"/>
+          </a:fontRef>
+        </p:style>
+        <p:txBody>
+          <a:bodyPr rtlCol="0" anchor="ctr"/>
+          <a:lstStyle/>
+          <a:p>
+            <a:r>
+              <a:rPr lang="en-US" dirty="0">
+                <a:solidFill>
+                  <a:schemeClr val="tx1"/>
+                </a:solidFill>
+                <a:latin typeface="Courier New" panose="02070309020205020404" pitchFamily="49" charset="0"/>
+                <a:cs typeface="Courier New" panose="02070309020205020404" pitchFamily="49" charset="0"/>
+              </a:rPr>
+              <a:t>ma</a:t>
+            </a:r>
+          </a:p>
+        </p:txBody>
+      </p:sp>
+      <p:sp>
+        <p:nvSpPr>
+          <p:cNvPr id="8" name="Rectangle 7">
+            <a:extLst>
+              <a:ext uri="{FF2B5EF4-FFF2-40B4-BE49-F238E27FC236}">
+                <a16:creationId xmlns:a16="http://schemas.microsoft.com/office/drawing/2014/main" id="{A88B3B43-2899-3CF2-FFBA-DC1357ED5834}"/>
+              </a:ext>
+            </a:extLst>
+          </p:cNvPr>
+          <p:cNvSpPr/>
+          <p:nvPr/>
+        </p:nvSpPr>
+        <p:spPr>
+          <a:xfrm>
+            <a:off x="6368129" y="5399502"/>
+            <a:ext cx="783771" cy="432707"/>
+          </a:xfrm>
+          <a:prstGeom prst="rect">
+            <a:avLst/>
+          </a:prstGeom>
+          <a:solidFill>
+            <a:schemeClr val="bg2"/>
+          </a:solidFill>
+          <a:ln w="28575"/>
+        </p:spPr>
+        <p:style>
+          <a:lnRef idx="2">
+            <a:schemeClr val="accent1">
+              <a:shade val="50000"/>
+            </a:schemeClr>
+          </a:lnRef>
+          <a:fillRef idx="1">
+            <a:schemeClr val="accent1"/>
+          </a:fillRef>
+          <a:effectRef idx="0">
+            <a:schemeClr val="accent1"/>
+          </a:effectRef>
+          <a:fontRef idx="minor">
+            <a:schemeClr val="lt1"/>
+          </a:fontRef>
+        </p:style>
+        <p:txBody>
+          <a:bodyPr rtlCol="0" anchor="ctr"/>
+          <a:lstStyle/>
+          <a:p>
+            <a:pPr algn="ctr"/>
+            <a:r>
+              <a:rPr lang="en-US" dirty="0">
+                <a:solidFill>
+                  <a:schemeClr val="tx1"/>
+                </a:solidFill>
+              </a:rPr>
+              <a:t>42</a:t>
+            </a:r>
+          </a:p>
+        </p:txBody>
+      </p:sp>
+      <p:sp>
+        <p:nvSpPr>
+          <p:cNvPr id="10" name="TextBox 9">
+            <a:extLst>
+              <a:ext uri="{FF2B5EF4-FFF2-40B4-BE49-F238E27FC236}">
+                <a16:creationId xmlns:a16="http://schemas.microsoft.com/office/drawing/2014/main" id="{350BE642-BC91-4CE6-A618-D8AC090F594B}"/>
+              </a:ext>
+            </a:extLst>
+          </p:cNvPr>
+          <p:cNvSpPr txBox="1"/>
+          <p:nvPr/>
+        </p:nvSpPr>
+        <p:spPr>
+          <a:xfrm>
+            <a:off x="6188510" y="625681"/>
+            <a:ext cx="736164" cy="400110"/>
+          </a:xfrm>
+          <a:prstGeom prst="rect">
+            <a:avLst/>
+          </a:prstGeom>
+          <a:noFill/>
+        </p:spPr>
+        <p:txBody>
+          <a:bodyPr wrap="none" rtlCol="0">
+            <a:spAutoFit/>
+          </a:bodyPr>
+          <a:lstStyle/>
+          <a:p>
+            <a:r>
+              <a:rPr lang="en-US" sz="2000" dirty="0"/>
+              <a:t>Stack</a:t>
+            </a:r>
+          </a:p>
+        </p:txBody>
+      </p:sp>
+      <p:sp>
+        <p:nvSpPr>
+          <p:cNvPr id="11" name="TextBox 10">
+            <a:extLst>
+              <a:ext uri="{FF2B5EF4-FFF2-40B4-BE49-F238E27FC236}">
+                <a16:creationId xmlns:a16="http://schemas.microsoft.com/office/drawing/2014/main" id="{FE0E6899-6033-14FE-FD62-FF541AC3ABDD}"/>
+              </a:ext>
+            </a:extLst>
+          </p:cNvPr>
+          <p:cNvSpPr txBox="1"/>
+          <p:nvPr/>
+        </p:nvSpPr>
+        <p:spPr>
+          <a:xfrm>
+            <a:off x="5955302" y="5992385"/>
+            <a:ext cx="966931" cy="400110"/>
+          </a:xfrm>
+          <a:prstGeom prst="rect">
+            <a:avLst/>
+          </a:prstGeom>
+          <a:noFill/>
+        </p:spPr>
+        <p:txBody>
+          <a:bodyPr wrap="none" rtlCol="0">
+            <a:spAutoFit/>
+          </a:bodyPr>
+          <a:lstStyle/>
+          <a:p>
+            <a:r>
+              <a:rPr lang="en-US" sz="2000" dirty="0"/>
+              <a:t>Time -&gt;</a:t>
+            </a:r>
+          </a:p>
+        </p:txBody>
+      </p:sp>
+      <p:sp>
+        <p:nvSpPr>
+          <p:cNvPr id="12" name="Rectangle 11">
+            <a:extLst>
+              <a:ext uri="{FF2B5EF4-FFF2-40B4-BE49-F238E27FC236}">
+                <a16:creationId xmlns:a16="http://schemas.microsoft.com/office/drawing/2014/main" id="{69E42395-FE2D-27E6-D6A2-C0F4DFB59AC4}"/>
+              </a:ext>
+            </a:extLst>
+          </p:cNvPr>
+          <p:cNvSpPr/>
+          <p:nvPr/>
+        </p:nvSpPr>
+        <p:spPr>
+          <a:xfrm>
+            <a:off x="7402268" y="1203060"/>
+            <a:ext cx="1289957" cy="4629149"/>
+          </a:xfrm>
+          <a:prstGeom prst="rect">
+            <a:avLst/>
+          </a:prstGeom>
+          <a:solidFill>
+            <a:schemeClr val="bg1"/>
+          </a:solidFill>
+          <a:ln w="28575"/>
+        </p:spPr>
+        <p:style>
+          <a:lnRef idx="2">
+            <a:schemeClr val="accent1">
+              <a:shade val="50000"/>
+            </a:schemeClr>
+          </a:lnRef>
+          <a:fillRef idx="1">
+            <a:schemeClr val="accent1"/>
+          </a:fillRef>
+          <a:effectRef idx="0">
+            <a:schemeClr val="accent1"/>
+          </a:effectRef>
+          <a:fontRef idx="minor">
+            <a:schemeClr val="lt1"/>
+          </a:fontRef>
+        </p:style>
+        <p:txBody>
+          <a:bodyPr rtlCol="0" anchor="ctr"/>
+          <a:lstStyle/>
+          <a:p>
+            <a:pPr algn="ctr"/>
+            <a:endParaRPr lang="en-US"/>
+          </a:p>
+        </p:txBody>
+      </p:sp>
+      <p:sp>
+        <p:nvSpPr>
+          <p:cNvPr id="13" name="Rectangle 12">
+            <a:extLst>
+              <a:ext uri="{FF2B5EF4-FFF2-40B4-BE49-F238E27FC236}">
+                <a16:creationId xmlns:a16="http://schemas.microsoft.com/office/drawing/2014/main" id="{FEDC134D-7BD4-BF16-3015-C503AF138526}"/>
+              </a:ext>
+            </a:extLst>
+          </p:cNvPr>
+          <p:cNvSpPr/>
+          <p:nvPr/>
+        </p:nvSpPr>
+        <p:spPr>
+          <a:xfrm>
+            <a:off x="7402268" y="5399502"/>
+            <a:ext cx="1289957" cy="432707"/>
+          </a:xfrm>
+          <a:prstGeom prst="rect">
+            <a:avLst/>
+          </a:prstGeom>
+          <a:solidFill>
+            <a:schemeClr val="bg1"/>
+          </a:solidFill>
+          <a:ln w="28575"/>
+        </p:spPr>
+        <p:style>
+          <a:lnRef idx="2">
+            <a:schemeClr val="accent1">
+              <a:shade val="50000"/>
+            </a:schemeClr>
+          </a:lnRef>
+          <a:fillRef idx="1">
+            <a:schemeClr val="accent1"/>
+          </a:fillRef>
+          <a:effectRef idx="0">
+            <a:schemeClr val="accent1"/>
+          </a:effectRef>
+          <a:fontRef idx="minor">
+            <a:schemeClr val="lt1"/>
+          </a:fontRef>
+        </p:style>
+        <p:txBody>
+          <a:bodyPr rtlCol="0" anchor="ctr"/>
+          <a:lstStyle/>
+          <a:p>
+            <a:r>
+              <a:rPr lang="en-US" dirty="0">
+                <a:solidFill>
+                  <a:schemeClr val="tx1"/>
+                </a:solidFill>
+                <a:latin typeface="Courier New" panose="02070309020205020404" pitchFamily="49" charset="0"/>
+                <a:cs typeface="Courier New" panose="02070309020205020404" pitchFamily="49" charset="0"/>
+              </a:rPr>
+              <a:t>ma</a:t>
+            </a:r>
+          </a:p>
+        </p:txBody>
+      </p:sp>
+      <p:sp>
+        <p:nvSpPr>
+          <p:cNvPr id="14" name="Rectangle 13">
+            <a:extLst>
+              <a:ext uri="{FF2B5EF4-FFF2-40B4-BE49-F238E27FC236}">
+                <a16:creationId xmlns:a16="http://schemas.microsoft.com/office/drawing/2014/main" id="{A17D40F8-CDE5-2421-522B-C2B9868883BA}"/>
+              </a:ext>
+            </a:extLst>
+          </p:cNvPr>
+          <p:cNvSpPr/>
+          <p:nvPr/>
+        </p:nvSpPr>
+        <p:spPr>
+          <a:xfrm>
+            <a:off x="7908454" y="5399502"/>
+            <a:ext cx="783771" cy="432707"/>
+          </a:xfrm>
+          <a:prstGeom prst="rect">
+            <a:avLst/>
+          </a:prstGeom>
+          <a:solidFill>
+            <a:schemeClr val="bg2"/>
+          </a:solidFill>
+          <a:ln w="28575"/>
+        </p:spPr>
+        <p:style>
+          <a:lnRef idx="2">
+            <a:schemeClr val="accent1">
+              <a:shade val="50000"/>
+            </a:schemeClr>
+          </a:lnRef>
+          <a:fillRef idx="1">
+            <a:schemeClr val="accent1"/>
+          </a:fillRef>
+          <a:effectRef idx="0">
+            <a:schemeClr val="accent1"/>
+          </a:effectRef>
+          <a:fontRef idx="minor">
+            <a:schemeClr val="lt1"/>
+          </a:fontRef>
+        </p:style>
+        <p:txBody>
+          <a:bodyPr rtlCol="0" anchor="ctr"/>
+          <a:lstStyle/>
+          <a:p>
+            <a:pPr algn="ctr"/>
+            <a:r>
+              <a:rPr lang="en-US" dirty="0">
+                <a:solidFill>
+                  <a:schemeClr val="tx1"/>
+                </a:solidFill>
+              </a:rPr>
+              <a:t>42</a:t>
+            </a:r>
+          </a:p>
+        </p:txBody>
+      </p:sp>
+      <p:sp>
+        <p:nvSpPr>
+          <p:cNvPr id="15" name="Rectangle 14">
+            <a:extLst>
+              <a:ext uri="{FF2B5EF4-FFF2-40B4-BE49-F238E27FC236}">
+                <a16:creationId xmlns:a16="http://schemas.microsoft.com/office/drawing/2014/main" id="{1422B8C1-825D-A9F5-3295-18B4841249F3}"/>
+              </a:ext>
+            </a:extLst>
+          </p:cNvPr>
+          <p:cNvSpPr/>
+          <p:nvPr/>
+        </p:nvSpPr>
+        <p:spPr>
+          <a:xfrm>
+            <a:off x="7402268" y="4494211"/>
+            <a:ext cx="1289957" cy="432707"/>
+          </a:xfrm>
+          <a:prstGeom prst="rect">
+            <a:avLst/>
+          </a:prstGeom>
+          <a:solidFill>
+            <a:schemeClr val="bg1"/>
+          </a:solidFill>
+          <a:ln w="28575"/>
+        </p:spPr>
+        <p:style>
+          <a:lnRef idx="2">
+            <a:schemeClr val="accent1">
+              <a:shade val="50000"/>
+            </a:schemeClr>
+          </a:lnRef>
+          <a:fillRef idx="1">
+            <a:schemeClr val="accent1"/>
+          </a:fillRef>
+          <a:effectRef idx="0">
+            <a:schemeClr val="accent1"/>
+          </a:effectRef>
+          <a:fontRef idx="minor">
+            <a:schemeClr val="lt1"/>
+          </a:fontRef>
+        </p:style>
+        <p:txBody>
+          <a:bodyPr rtlCol="0" anchor="ctr"/>
+          <a:lstStyle/>
+          <a:p>
+            <a:r>
+              <a:rPr lang="en-US" dirty="0">
+                <a:solidFill>
+                  <a:schemeClr val="tx1"/>
+                </a:solidFill>
+                <a:latin typeface="Courier New" panose="02070309020205020404" pitchFamily="49" charset="0"/>
+                <a:cs typeface="Courier New" panose="02070309020205020404" pitchFamily="49" charset="0"/>
+              </a:rPr>
+              <a:t>op</a:t>
+            </a:r>
+          </a:p>
+        </p:txBody>
+      </p:sp>
+      <p:sp>
+        <p:nvSpPr>
+          <p:cNvPr id="16" name="Rectangle 15">
+            <a:extLst>
+              <a:ext uri="{FF2B5EF4-FFF2-40B4-BE49-F238E27FC236}">
+                <a16:creationId xmlns:a16="http://schemas.microsoft.com/office/drawing/2014/main" id="{5ADD4B4E-177C-E79E-8D73-1F1302CE8101}"/>
+              </a:ext>
+            </a:extLst>
+          </p:cNvPr>
+          <p:cNvSpPr/>
+          <p:nvPr/>
+        </p:nvSpPr>
+        <p:spPr>
+          <a:xfrm>
+            <a:off x="7908454" y="4494211"/>
+            <a:ext cx="783771" cy="432707"/>
+          </a:xfrm>
+          <a:prstGeom prst="rect">
+            <a:avLst/>
+          </a:prstGeom>
+          <a:solidFill>
+            <a:schemeClr val="bg2"/>
+          </a:solidFill>
+          <a:ln w="28575"/>
+        </p:spPr>
+        <p:style>
+          <a:lnRef idx="2">
+            <a:schemeClr val="accent1">
+              <a:shade val="50000"/>
+            </a:schemeClr>
+          </a:lnRef>
+          <a:fillRef idx="1">
+            <a:schemeClr val="accent1"/>
+          </a:fillRef>
+          <a:effectRef idx="0">
+            <a:schemeClr val="accent1"/>
+          </a:effectRef>
+          <a:fontRef idx="minor">
+            <a:schemeClr val="lt1"/>
+          </a:fontRef>
+        </p:style>
+        <p:txBody>
+          <a:bodyPr rtlCol="0" anchor="ctr"/>
+          <a:lstStyle/>
+          <a:p>
+            <a:pPr algn="ctr"/>
+            <a:r>
+              <a:rPr lang="en-US" dirty="0">
+                <a:solidFill>
+                  <a:schemeClr val="tx1"/>
+                </a:solidFill>
+              </a:rPr>
+              <a:t>42</a:t>
+            </a:r>
+          </a:p>
+        </p:txBody>
+      </p:sp>
+      <p:sp>
+        <p:nvSpPr>
+          <p:cNvPr id="17" name="Rectangle 16">
+            <a:extLst>
+              <a:ext uri="{FF2B5EF4-FFF2-40B4-BE49-F238E27FC236}">
+                <a16:creationId xmlns:a16="http://schemas.microsoft.com/office/drawing/2014/main" id="{E8A5BF7B-817E-5727-BC23-7E35A86F5CD5}"/>
+              </a:ext>
+            </a:extLst>
+          </p:cNvPr>
+          <p:cNvSpPr/>
+          <p:nvPr/>
+        </p:nvSpPr>
+        <p:spPr>
+          <a:xfrm>
+            <a:off x="8926264" y="1203060"/>
+            <a:ext cx="1289957" cy="4629149"/>
+          </a:xfrm>
+          <a:prstGeom prst="rect">
+            <a:avLst/>
+          </a:prstGeom>
+          <a:solidFill>
+            <a:schemeClr val="bg1"/>
+          </a:solidFill>
+          <a:ln w="28575"/>
+        </p:spPr>
+        <p:style>
+          <a:lnRef idx="2">
+            <a:schemeClr val="accent1">
+              <a:shade val="50000"/>
+            </a:schemeClr>
+          </a:lnRef>
+          <a:fillRef idx="1">
+            <a:schemeClr val="accent1"/>
+          </a:fillRef>
+          <a:effectRef idx="0">
+            <a:schemeClr val="accent1"/>
+          </a:effectRef>
+          <a:fontRef idx="minor">
+            <a:schemeClr val="lt1"/>
+          </a:fontRef>
+        </p:style>
+        <p:txBody>
+          <a:bodyPr rtlCol="0" anchor="ctr"/>
+          <a:lstStyle/>
+          <a:p>
+            <a:pPr algn="ctr"/>
+            <a:endParaRPr lang="en-US"/>
+          </a:p>
+        </p:txBody>
+      </p:sp>
+      <p:sp>
+        <p:nvSpPr>
+          <p:cNvPr id="18" name="Rectangle 17">
+            <a:extLst>
+              <a:ext uri="{FF2B5EF4-FFF2-40B4-BE49-F238E27FC236}">
+                <a16:creationId xmlns:a16="http://schemas.microsoft.com/office/drawing/2014/main" id="{929613B1-B04B-A45E-19EA-7E0E507E1874}"/>
+              </a:ext>
+            </a:extLst>
+          </p:cNvPr>
+          <p:cNvSpPr/>
+          <p:nvPr/>
+        </p:nvSpPr>
+        <p:spPr>
+          <a:xfrm>
+            <a:off x="8926264" y="5399502"/>
+            <a:ext cx="1289957" cy="432707"/>
+          </a:xfrm>
+          <a:prstGeom prst="rect">
+            <a:avLst/>
+          </a:prstGeom>
+          <a:solidFill>
+            <a:schemeClr val="bg1"/>
+          </a:solidFill>
+          <a:ln w="28575"/>
+        </p:spPr>
+        <p:style>
+          <a:lnRef idx="2">
+            <a:schemeClr val="accent1">
+              <a:shade val="50000"/>
+            </a:schemeClr>
+          </a:lnRef>
+          <a:fillRef idx="1">
+            <a:schemeClr val="accent1"/>
+          </a:fillRef>
+          <a:effectRef idx="0">
+            <a:schemeClr val="accent1"/>
+          </a:effectRef>
+          <a:fontRef idx="minor">
+            <a:schemeClr val="lt1"/>
+          </a:fontRef>
+        </p:style>
+        <p:txBody>
+          <a:bodyPr rtlCol="0" anchor="ctr"/>
+          <a:lstStyle/>
+          <a:p>
+            <a:r>
+              <a:rPr lang="en-US" dirty="0">
+                <a:solidFill>
+                  <a:schemeClr val="tx1"/>
+                </a:solidFill>
+                <a:latin typeface="Courier New" panose="02070309020205020404" pitchFamily="49" charset="0"/>
+                <a:cs typeface="Courier New" panose="02070309020205020404" pitchFamily="49" charset="0"/>
+              </a:rPr>
+              <a:t>ma</a:t>
+            </a:r>
+          </a:p>
+        </p:txBody>
+      </p:sp>
+      <p:sp>
+        <p:nvSpPr>
+          <p:cNvPr id="19" name="Rectangle 18">
+            <a:extLst>
+              <a:ext uri="{FF2B5EF4-FFF2-40B4-BE49-F238E27FC236}">
+                <a16:creationId xmlns:a16="http://schemas.microsoft.com/office/drawing/2014/main" id="{B448D20A-53FA-2924-18BD-99B08EF95E7A}"/>
+              </a:ext>
+            </a:extLst>
+          </p:cNvPr>
+          <p:cNvSpPr/>
+          <p:nvPr/>
+        </p:nvSpPr>
+        <p:spPr>
+          <a:xfrm>
+            <a:off x="9432450" y="5399502"/>
+            <a:ext cx="783771" cy="432707"/>
+          </a:xfrm>
+          <a:prstGeom prst="rect">
+            <a:avLst/>
+          </a:prstGeom>
+          <a:solidFill>
+            <a:schemeClr val="bg2"/>
+          </a:solidFill>
+          <a:ln w="28575"/>
+        </p:spPr>
+        <p:style>
+          <a:lnRef idx="2">
+            <a:schemeClr val="accent1">
+              <a:shade val="50000"/>
+            </a:schemeClr>
+          </a:lnRef>
+          <a:fillRef idx="1">
+            <a:schemeClr val="accent1"/>
+          </a:fillRef>
+          <a:effectRef idx="0">
+            <a:schemeClr val="accent1"/>
+          </a:effectRef>
+          <a:fontRef idx="minor">
+            <a:schemeClr val="lt1"/>
+          </a:fontRef>
+        </p:style>
+        <p:txBody>
+          <a:bodyPr rtlCol="0" anchor="ctr"/>
+          <a:lstStyle/>
+          <a:p>
+            <a:pPr algn="ctr"/>
+            <a:r>
+              <a:rPr lang="en-US" dirty="0">
+                <a:solidFill>
+                  <a:schemeClr val="tx1"/>
+                </a:solidFill>
+              </a:rPr>
+              <a:t>42</a:t>
+            </a:r>
+          </a:p>
+        </p:txBody>
+      </p:sp>
+      <p:sp>
+        <p:nvSpPr>
+          <p:cNvPr id="20" name="Rectangle 19">
+            <a:extLst>
+              <a:ext uri="{FF2B5EF4-FFF2-40B4-BE49-F238E27FC236}">
+                <a16:creationId xmlns:a16="http://schemas.microsoft.com/office/drawing/2014/main" id="{9D28AEF6-E8A0-4D06-B922-53C71C71773A}"/>
+              </a:ext>
+            </a:extLst>
+          </p:cNvPr>
+          <p:cNvSpPr/>
+          <p:nvPr/>
+        </p:nvSpPr>
+        <p:spPr>
+          <a:xfrm>
+            <a:off x="8926264" y="4494211"/>
+            <a:ext cx="1289957" cy="432707"/>
+          </a:xfrm>
+          <a:prstGeom prst="rect">
+            <a:avLst/>
+          </a:prstGeom>
+          <a:solidFill>
+            <a:schemeClr val="bg1"/>
+          </a:solidFill>
+          <a:ln w="28575"/>
+        </p:spPr>
+        <p:style>
+          <a:lnRef idx="2">
+            <a:schemeClr val="accent1">
+              <a:shade val="50000"/>
+            </a:schemeClr>
+          </a:lnRef>
+          <a:fillRef idx="1">
+            <a:schemeClr val="accent1"/>
+          </a:fillRef>
+          <a:effectRef idx="0">
+            <a:schemeClr val="accent1"/>
+          </a:effectRef>
+          <a:fontRef idx="minor">
+            <a:schemeClr val="lt1"/>
+          </a:fontRef>
+        </p:style>
+        <p:txBody>
+          <a:bodyPr rtlCol="0" anchor="ctr"/>
+          <a:lstStyle/>
+          <a:p>
+            <a:r>
+              <a:rPr lang="en-US" dirty="0">
+                <a:solidFill>
+                  <a:schemeClr val="tx1"/>
+                </a:solidFill>
+                <a:latin typeface="Courier New" panose="02070309020205020404" pitchFamily="49" charset="0"/>
+                <a:cs typeface="Courier New" panose="02070309020205020404" pitchFamily="49" charset="0"/>
+              </a:rPr>
+              <a:t>op</a:t>
+            </a:r>
+          </a:p>
+        </p:txBody>
+      </p:sp>
+      <p:sp>
+        <p:nvSpPr>
+          <p:cNvPr id="21" name="Rectangle 20">
+            <a:extLst>
+              <a:ext uri="{FF2B5EF4-FFF2-40B4-BE49-F238E27FC236}">
+                <a16:creationId xmlns:a16="http://schemas.microsoft.com/office/drawing/2014/main" id="{21000E43-C7A2-82E9-95C8-03428EF8921D}"/>
+              </a:ext>
+            </a:extLst>
+          </p:cNvPr>
+          <p:cNvSpPr/>
+          <p:nvPr/>
+        </p:nvSpPr>
+        <p:spPr>
+          <a:xfrm>
+            <a:off x="9432450" y="4494211"/>
+            <a:ext cx="783771" cy="432707"/>
+          </a:xfrm>
+          <a:prstGeom prst="rect">
+            <a:avLst/>
+          </a:prstGeom>
+          <a:solidFill>
+            <a:schemeClr val="bg2"/>
+          </a:solidFill>
+          <a:ln w="28575"/>
+        </p:spPr>
+        <p:style>
+          <a:lnRef idx="2">
+            <a:schemeClr val="accent1">
+              <a:shade val="50000"/>
+            </a:schemeClr>
+          </a:lnRef>
+          <a:fillRef idx="1">
+            <a:schemeClr val="accent1"/>
+          </a:fillRef>
+          <a:effectRef idx="0">
+            <a:schemeClr val="accent1"/>
+          </a:effectRef>
+          <a:fontRef idx="minor">
+            <a:schemeClr val="lt1"/>
+          </a:fontRef>
+        </p:style>
+        <p:txBody>
+          <a:bodyPr rtlCol="0" anchor="ctr"/>
+          <a:lstStyle/>
+          <a:p>
+            <a:pPr algn="ctr"/>
+            <a:r>
+              <a:rPr lang="en-US" dirty="0">
+                <a:solidFill>
+                  <a:schemeClr val="tx1"/>
+                </a:solidFill>
+              </a:rPr>
+              <a:t>32</a:t>
+            </a:r>
+          </a:p>
+        </p:txBody>
+      </p:sp>
+      <p:sp>
+        <p:nvSpPr>
+          <p:cNvPr id="22" name="Rectangle 21">
+            <a:extLst>
+              <a:ext uri="{FF2B5EF4-FFF2-40B4-BE49-F238E27FC236}">
+                <a16:creationId xmlns:a16="http://schemas.microsoft.com/office/drawing/2014/main" id="{95C2C898-8B93-AE6A-F5BF-F266F8A779B4}"/>
+              </a:ext>
+            </a:extLst>
+          </p:cNvPr>
+          <p:cNvSpPr/>
+          <p:nvPr/>
+        </p:nvSpPr>
+        <p:spPr>
+          <a:xfrm>
+            <a:off x="10480215" y="1203060"/>
+            <a:ext cx="1289957" cy="4629149"/>
+          </a:xfrm>
+          <a:prstGeom prst="rect">
+            <a:avLst/>
+          </a:prstGeom>
+          <a:solidFill>
+            <a:schemeClr val="bg1"/>
+          </a:solidFill>
+          <a:ln w="28575"/>
+        </p:spPr>
+        <p:style>
+          <a:lnRef idx="2">
+            <a:schemeClr val="accent1">
+              <a:shade val="50000"/>
+            </a:schemeClr>
+          </a:lnRef>
+          <a:fillRef idx="1">
+            <a:schemeClr val="accent1"/>
+          </a:fillRef>
+          <a:effectRef idx="0">
+            <a:schemeClr val="accent1"/>
+          </a:effectRef>
+          <a:fontRef idx="minor">
+            <a:schemeClr val="lt1"/>
+          </a:fontRef>
+        </p:style>
+        <p:txBody>
+          <a:bodyPr rtlCol="0" anchor="ctr"/>
+          <a:lstStyle/>
+          <a:p>
+            <a:pPr algn="ctr"/>
+            <a:endParaRPr lang="en-US"/>
+          </a:p>
+        </p:txBody>
+      </p:sp>
+      <p:sp>
+        <p:nvSpPr>
+          <p:cNvPr id="23" name="Rectangle 22">
+            <a:extLst>
+              <a:ext uri="{FF2B5EF4-FFF2-40B4-BE49-F238E27FC236}">
+                <a16:creationId xmlns:a16="http://schemas.microsoft.com/office/drawing/2014/main" id="{69AF8311-5969-47A0-9844-0688B9F55248}"/>
+              </a:ext>
+            </a:extLst>
+          </p:cNvPr>
+          <p:cNvSpPr/>
+          <p:nvPr/>
+        </p:nvSpPr>
+        <p:spPr>
+          <a:xfrm>
+            <a:off x="10480215" y="5399502"/>
+            <a:ext cx="1289957" cy="432707"/>
+          </a:xfrm>
+          <a:prstGeom prst="rect">
+            <a:avLst/>
+          </a:prstGeom>
+          <a:solidFill>
+            <a:schemeClr val="bg1"/>
+          </a:solidFill>
+          <a:ln w="28575"/>
+        </p:spPr>
+        <p:style>
+          <a:lnRef idx="2">
+            <a:schemeClr val="accent1">
+              <a:shade val="50000"/>
+            </a:schemeClr>
+          </a:lnRef>
+          <a:fillRef idx="1">
+            <a:schemeClr val="accent1"/>
+          </a:fillRef>
+          <a:effectRef idx="0">
+            <a:schemeClr val="accent1"/>
+          </a:effectRef>
+          <a:fontRef idx="minor">
+            <a:schemeClr val="lt1"/>
+          </a:fontRef>
+        </p:style>
+        <p:txBody>
+          <a:bodyPr rtlCol="0" anchor="ctr"/>
+          <a:lstStyle/>
+          <a:p>
+            <a:r>
+              <a:rPr lang="en-US" dirty="0">
+                <a:solidFill>
+                  <a:schemeClr val="tx1"/>
+                </a:solidFill>
+                <a:latin typeface="Courier New" panose="02070309020205020404" pitchFamily="49" charset="0"/>
+                <a:cs typeface="Courier New" panose="02070309020205020404" pitchFamily="49" charset="0"/>
+              </a:rPr>
+              <a:t>ma</a:t>
+            </a:r>
+          </a:p>
+        </p:txBody>
+      </p:sp>
+      <p:sp>
+        <p:nvSpPr>
+          <p:cNvPr id="24" name="Rectangle 23">
+            <a:extLst>
+              <a:ext uri="{FF2B5EF4-FFF2-40B4-BE49-F238E27FC236}">
+                <a16:creationId xmlns:a16="http://schemas.microsoft.com/office/drawing/2014/main" id="{38AEECC6-957E-E6B8-9CC1-969BCACFDA48}"/>
+              </a:ext>
+            </a:extLst>
+          </p:cNvPr>
+          <p:cNvSpPr/>
+          <p:nvPr/>
+        </p:nvSpPr>
+        <p:spPr>
+          <a:xfrm>
+            <a:off x="10986401" y="5399502"/>
+            <a:ext cx="783771" cy="432707"/>
+          </a:xfrm>
+          <a:prstGeom prst="rect">
+            <a:avLst/>
+          </a:prstGeom>
+          <a:solidFill>
+            <a:schemeClr val="bg2"/>
+          </a:solidFill>
+          <a:ln w="28575"/>
+        </p:spPr>
+        <p:style>
+          <a:lnRef idx="2">
+            <a:schemeClr val="accent1">
+              <a:shade val="50000"/>
+            </a:schemeClr>
+          </a:lnRef>
+          <a:fillRef idx="1">
+            <a:schemeClr val="accent1"/>
+          </a:fillRef>
+          <a:effectRef idx="0">
+            <a:schemeClr val="accent1"/>
+          </a:effectRef>
+          <a:fontRef idx="minor">
+            <a:schemeClr val="lt1"/>
+          </a:fontRef>
+        </p:style>
+        <p:txBody>
+          <a:bodyPr rtlCol="0" anchor="ctr"/>
+          <a:lstStyle/>
+          <a:p>
+            <a:pPr algn="ctr"/>
+            <a:r>
+              <a:rPr lang="en-US" dirty="0">
+                <a:solidFill>
+                  <a:schemeClr val="tx1"/>
+                </a:solidFill>
+              </a:rPr>
+              <a:t>42</a:t>
+            </a:r>
+          </a:p>
+        </p:txBody>
+      </p:sp>
+      <p:sp>
+        <p:nvSpPr>
+          <p:cNvPr id="27" name="Rectangle 26">
+            <a:extLst>
+              <a:ext uri="{FF2B5EF4-FFF2-40B4-BE49-F238E27FC236}">
+                <a16:creationId xmlns:a16="http://schemas.microsoft.com/office/drawing/2014/main" id="{78021CEA-E7EB-E84A-00A4-BB693D8EA634}"/>
+              </a:ext>
+            </a:extLst>
+          </p:cNvPr>
+          <p:cNvSpPr/>
+          <p:nvPr/>
+        </p:nvSpPr>
+        <p:spPr>
+          <a:xfrm>
+            <a:off x="8931703" y="3732214"/>
+            <a:ext cx="1289957" cy="432707"/>
+          </a:xfrm>
+          <a:prstGeom prst="rect">
+            <a:avLst/>
+          </a:prstGeom>
+          <a:solidFill>
+            <a:schemeClr val="bg1"/>
+          </a:solidFill>
+          <a:ln w="28575"/>
+        </p:spPr>
+        <p:style>
+          <a:lnRef idx="2">
+            <a:schemeClr val="accent1">
+              <a:shade val="50000"/>
+            </a:schemeClr>
+          </a:lnRef>
+          <a:fillRef idx="1">
+            <a:schemeClr val="accent1"/>
+          </a:fillRef>
+          <a:effectRef idx="0">
+            <a:schemeClr val="accent1"/>
+          </a:effectRef>
+          <a:fontRef idx="minor">
+            <a:schemeClr val="lt1"/>
+          </a:fontRef>
+        </p:style>
+        <p:txBody>
+          <a:bodyPr rtlCol="0" anchor="ctr"/>
+          <a:lstStyle/>
+          <a:p>
+            <a:r>
+              <a:rPr lang="en-US" dirty="0" err="1">
+                <a:solidFill>
+                  <a:schemeClr val="tx1"/>
+                </a:solidFill>
+                <a:latin typeface="Courier New" panose="02070309020205020404" pitchFamily="49" charset="0"/>
+                <a:cs typeface="Courier New" panose="02070309020205020404" pitchFamily="49" charset="0"/>
+              </a:rPr>
+              <a:t>tn</a:t>
+            </a:r>
+            <a:endParaRPr lang="en-US" dirty="0">
+              <a:solidFill>
+                <a:schemeClr val="tx1"/>
+              </a:solidFill>
+              <a:latin typeface="Courier New" panose="02070309020205020404" pitchFamily="49" charset="0"/>
+              <a:cs typeface="Courier New" panose="02070309020205020404" pitchFamily="49" charset="0"/>
+            </a:endParaRPr>
+          </a:p>
+        </p:txBody>
+      </p:sp>
+      <p:sp>
+        <p:nvSpPr>
+          <p:cNvPr id="28" name="Rectangle 27">
+            <a:extLst>
+              <a:ext uri="{FF2B5EF4-FFF2-40B4-BE49-F238E27FC236}">
+                <a16:creationId xmlns:a16="http://schemas.microsoft.com/office/drawing/2014/main" id="{4727D292-21CD-B7A2-BFD6-D82A497EBFEE}"/>
+              </a:ext>
+            </a:extLst>
+          </p:cNvPr>
+          <p:cNvSpPr/>
+          <p:nvPr/>
+        </p:nvSpPr>
+        <p:spPr>
+          <a:xfrm>
+            <a:off x="9437889" y="3732214"/>
+            <a:ext cx="783771" cy="432707"/>
+          </a:xfrm>
+          <a:prstGeom prst="rect">
+            <a:avLst/>
+          </a:prstGeom>
+          <a:solidFill>
+            <a:schemeClr val="bg2"/>
+          </a:solidFill>
+          <a:ln w="28575"/>
+        </p:spPr>
+        <p:style>
+          <a:lnRef idx="2">
+            <a:schemeClr val="accent1">
+              <a:shade val="50000"/>
+            </a:schemeClr>
+          </a:lnRef>
+          <a:fillRef idx="1">
+            <a:schemeClr val="accent1"/>
+          </a:fillRef>
+          <a:effectRef idx="0">
+            <a:schemeClr val="accent1"/>
+          </a:effectRef>
+          <a:fontRef idx="minor">
+            <a:schemeClr val="lt1"/>
+          </a:fontRef>
+        </p:style>
+        <p:txBody>
+          <a:bodyPr rtlCol="0" anchor="ctr"/>
+          <a:lstStyle/>
+          <a:p>
+            <a:pPr algn="ctr"/>
+            <a:r>
+              <a:rPr lang="en-US" dirty="0">
+                <a:solidFill>
+                  <a:schemeClr val="tx1"/>
+                </a:solidFill>
+              </a:rPr>
+              <a:t>10</a:t>
+            </a:r>
+          </a:p>
+        </p:txBody>
+      </p:sp>
+      <p:sp>
+        <p:nvSpPr>
+          <p:cNvPr id="29" name="Rectangle 28">
+            <a:extLst>
+              <a:ext uri="{FF2B5EF4-FFF2-40B4-BE49-F238E27FC236}">
+                <a16:creationId xmlns:a16="http://schemas.microsoft.com/office/drawing/2014/main" id="{5B06053B-1190-1A46-01BD-A544037869B4}"/>
+              </a:ext>
+            </a:extLst>
+          </p:cNvPr>
+          <p:cNvSpPr/>
+          <p:nvPr/>
+        </p:nvSpPr>
+        <p:spPr>
+          <a:xfrm>
+            <a:off x="7402261" y="3770311"/>
+            <a:ext cx="1289957" cy="432707"/>
+          </a:xfrm>
+          <a:prstGeom prst="rect">
+            <a:avLst/>
+          </a:prstGeom>
+          <a:solidFill>
+            <a:schemeClr val="bg1"/>
+          </a:solidFill>
+          <a:ln w="28575"/>
+        </p:spPr>
+        <p:style>
+          <a:lnRef idx="2">
+            <a:schemeClr val="accent1">
+              <a:shade val="50000"/>
+            </a:schemeClr>
+          </a:lnRef>
+          <a:fillRef idx="1">
+            <a:schemeClr val="accent1"/>
+          </a:fillRef>
+          <a:effectRef idx="0">
+            <a:schemeClr val="accent1"/>
+          </a:effectRef>
+          <a:fontRef idx="minor">
+            <a:schemeClr val="lt1"/>
+          </a:fontRef>
+        </p:style>
+        <p:txBody>
+          <a:bodyPr rtlCol="0" anchor="ctr"/>
+          <a:lstStyle/>
+          <a:p>
+            <a:r>
+              <a:rPr lang="en-US" dirty="0" err="1">
+                <a:solidFill>
+                  <a:schemeClr val="tx1"/>
+                </a:solidFill>
+                <a:latin typeface="Courier New" panose="02070309020205020404" pitchFamily="49" charset="0"/>
+                <a:cs typeface="Courier New" panose="02070309020205020404" pitchFamily="49" charset="0"/>
+              </a:rPr>
+              <a:t>tn</a:t>
+            </a:r>
+            <a:endParaRPr lang="en-US" dirty="0">
+              <a:solidFill>
+                <a:schemeClr val="tx1"/>
+              </a:solidFill>
+              <a:latin typeface="Courier New" panose="02070309020205020404" pitchFamily="49" charset="0"/>
+              <a:cs typeface="Courier New" panose="02070309020205020404" pitchFamily="49" charset="0"/>
+            </a:endParaRPr>
+          </a:p>
+        </p:txBody>
+      </p:sp>
+      <p:sp>
+        <p:nvSpPr>
+          <p:cNvPr id="30" name="Rectangle 29">
+            <a:extLst>
+              <a:ext uri="{FF2B5EF4-FFF2-40B4-BE49-F238E27FC236}">
+                <a16:creationId xmlns:a16="http://schemas.microsoft.com/office/drawing/2014/main" id="{6321B1E4-E97E-D6B0-D96D-C10D6EA469BA}"/>
+              </a:ext>
+            </a:extLst>
+          </p:cNvPr>
+          <p:cNvSpPr/>
+          <p:nvPr/>
+        </p:nvSpPr>
+        <p:spPr>
+          <a:xfrm>
+            <a:off x="7908447" y="3770311"/>
+            <a:ext cx="783771" cy="432707"/>
+          </a:xfrm>
+          <a:prstGeom prst="rect">
+            <a:avLst/>
+          </a:prstGeom>
+          <a:solidFill>
+            <a:schemeClr val="bg2"/>
+          </a:solidFill>
+          <a:ln w="28575"/>
+        </p:spPr>
+        <p:style>
+          <a:lnRef idx="2">
+            <a:schemeClr val="accent1">
+              <a:shade val="50000"/>
+            </a:schemeClr>
+          </a:lnRef>
+          <a:fillRef idx="1">
+            <a:schemeClr val="accent1"/>
+          </a:fillRef>
+          <a:effectRef idx="0">
+            <a:schemeClr val="accent1"/>
+          </a:effectRef>
+          <a:fontRef idx="minor">
+            <a:schemeClr val="lt1"/>
+          </a:fontRef>
+        </p:style>
+        <p:txBody>
+          <a:bodyPr rtlCol="0" anchor="ctr"/>
+          <a:lstStyle/>
+          <a:p>
+            <a:pPr algn="ctr"/>
+            <a:r>
+              <a:rPr lang="en-US" dirty="0">
+                <a:solidFill>
+                  <a:schemeClr val="tx1"/>
+                </a:solidFill>
+              </a:rPr>
+              <a:t>10</a:t>
+            </a:r>
+          </a:p>
+        </p:txBody>
+      </p:sp>
+      <p:sp>
+        <p:nvSpPr>
+          <p:cNvPr id="32" name="TextBox 31">
+            <a:extLst>
+              <a:ext uri="{FF2B5EF4-FFF2-40B4-BE49-F238E27FC236}">
+                <a16:creationId xmlns:a16="http://schemas.microsoft.com/office/drawing/2014/main" id="{256190C7-007A-83BA-39F3-0655ED2C880A}"/>
+              </a:ext>
+            </a:extLst>
+          </p:cNvPr>
+          <p:cNvSpPr txBox="1"/>
+          <p:nvPr/>
+        </p:nvSpPr>
+        <p:spPr>
+          <a:xfrm>
+            <a:off x="4454966" y="5292689"/>
+            <a:ext cx="1289957" cy="646331"/>
           </a:xfrm>
           <a:prstGeom prst="rect">
             <a:avLst/>
@@ -4173,19 +12317,228 @@
           <a:lstStyle/>
           <a:p>
             <a:r>
-              <a:rPr lang="en-US" sz="1200" b="1" dirty="0"/>
-              <a:t>Continue new Contributors and Translators here</a:t>
-            </a:r>
-          </a:p>
-          <a:p>
-            <a:endParaRPr lang="en-US" sz="1200" dirty="0"/>
+              <a:rPr lang="en-US" dirty="0"/>
+              <a:t>main auto vars</a:t>
+            </a:r>
+          </a:p>
+        </p:txBody>
+      </p:sp>
+      <p:sp>
+        <p:nvSpPr>
+          <p:cNvPr id="33" name="TextBox 32">
+            <a:extLst>
+              <a:ext uri="{FF2B5EF4-FFF2-40B4-BE49-F238E27FC236}">
+                <a16:creationId xmlns:a16="http://schemas.microsoft.com/office/drawing/2014/main" id="{D47BB9A1-B3F3-B7C8-E81E-6FDA9E8CC976}"/>
+              </a:ext>
+            </a:extLst>
+          </p:cNvPr>
+          <p:cNvSpPr txBox="1"/>
+          <p:nvPr/>
+        </p:nvSpPr>
+        <p:spPr>
+          <a:xfrm>
+            <a:off x="8469901" y="7861437"/>
+            <a:ext cx="1289957" cy="646331"/>
+          </a:xfrm>
+          <a:prstGeom prst="rect">
+            <a:avLst/>
+          </a:prstGeom>
+          <a:noFill/>
+        </p:spPr>
+        <p:txBody>
+          <a:bodyPr wrap="square" rtlCol="0">
+            <a:spAutoFit/>
+          </a:bodyPr>
+          <a:lstStyle/>
+          <a:p>
+            <a:r>
+              <a:rPr lang="en-US" dirty="0"/>
+              <a:t>one </a:t>
+            </a:r>
+            <a:r>
+              <a:rPr lang="en-US" dirty="0" err="1"/>
+              <a:t>parm</a:t>
+            </a:r>
+            <a:r>
+              <a:rPr lang="en-US" dirty="0"/>
+              <a:t> vars</a:t>
+            </a:r>
+          </a:p>
+        </p:txBody>
+      </p:sp>
+      <p:sp>
+        <p:nvSpPr>
+          <p:cNvPr id="34" name="TextBox 33">
+            <a:extLst>
+              <a:ext uri="{FF2B5EF4-FFF2-40B4-BE49-F238E27FC236}">
+                <a16:creationId xmlns:a16="http://schemas.microsoft.com/office/drawing/2014/main" id="{5DA9263A-3A6C-CCE5-CEB4-0E62FA119479}"/>
+              </a:ext>
+            </a:extLst>
+          </p:cNvPr>
+          <p:cNvSpPr txBox="1"/>
+          <p:nvPr/>
+        </p:nvSpPr>
+        <p:spPr>
+          <a:xfrm>
+            <a:off x="8526219" y="7064192"/>
+            <a:ext cx="1289957" cy="646331"/>
+          </a:xfrm>
+          <a:prstGeom prst="rect">
+            <a:avLst/>
+          </a:prstGeom>
+          <a:noFill/>
+        </p:spPr>
+        <p:txBody>
+          <a:bodyPr wrap="square" rtlCol="0">
+            <a:spAutoFit/>
+          </a:bodyPr>
+          <a:lstStyle/>
+          <a:p>
+            <a:r>
+              <a:rPr lang="en-US" dirty="0"/>
+              <a:t>one auto vars</a:t>
+            </a:r>
+          </a:p>
+        </p:txBody>
+      </p:sp>
+      <p:cxnSp>
+        <p:nvCxnSpPr>
+          <p:cNvPr id="36" name="Curved Connector 35">
+            <a:extLst>
+              <a:ext uri="{FF2B5EF4-FFF2-40B4-BE49-F238E27FC236}">
+                <a16:creationId xmlns:a16="http://schemas.microsoft.com/office/drawing/2014/main" id="{E41DDAF1-4386-37C3-AC16-15637DCBC74B}"/>
+              </a:ext>
+            </a:extLst>
+          </p:cNvPr>
+          <p:cNvCxnSpPr>
+            <a:stCxn id="14" idx="3"/>
+            <a:endCxn id="16" idx="3"/>
+          </p:cNvCxnSpPr>
+          <p:nvPr/>
+        </p:nvCxnSpPr>
+        <p:spPr>
+          <a:xfrm flipV="1">
+            <a:off x="8692225" y="4710565"/>
+            <a:ext cx="12700" cy="905291"/>
+          </a:xfrm>
+          <a:prstGeom prst="curvedConnector3">
+            <a:avLst>
+              <a:gd name="adj1" fmla="val 1285717"/>
+            </a:avLst>
+          </a:prstGeom>
+          <a:ln w="28575">
+            <a:tailEnd type="triangle"/>
+          </a:ln>
+        </p:spPr>
+        <p:style>
+          <a:lnRef idx="1">
+            <a:schemeClr val="accent1"/>
+          </a:lnRef>
+          <a:fillRef idx="0">
+            <a:schemeClr val="accent1"/>
+          </a:fillRef>
+          <a:effectRef idx="0">
+            <a:schemeClr val="accent1"/>
+          </a:effectRef>
+          <a:fontRef idx="minor">
+            <a:schemeClr val="tx1"/>
+          </a:fontRef>
+        </p:style>
+      </p:cxnSp>
+      <p:sp>
+        <p:nvSpPr>
+          <p:cNvPr id="40" name="TextBox 39">
+            <a:extLst>
+              <a:ext uri="{FF2B5EF4-FFF2-40B4-BE49-F238E27FC236}">
+                <a16:creationId xmlns:a16="http://schemas.microsoft.com/office/drawing/2014/main" id="{8B4CFFAA-8ED6-BE54-4F64-7CD7734895C3}"/>
+              </a:ext>
+            </a:extLst>
+          </p:cNvPr>
+          <p:cNvSpPr txBox="1"/>
+          <p:nvPr/>
+        </p:nvSpPr>
+        <p:spPr>
+          <a:xfrm>
+            <a:off x="5976234" y="3986664"/>
+            <a:ext cx="800116" cy="646331"/>
+          </a:xfrm>
+          <a:prstGeom prst="rect">
+            <a:avLst/>
+          </a:prstGeom>
+          <a:noFill/>
+        </p:spPr>
+        <p:txBody>
+          <a:bodyPr wrap="square" rtlCol="0">
+            <a:spAutoFit/>
+          </a:bodyPr>
+          <a:lstStyle/>
+          <a:p>
+            <a:r>
+              <a:rPr lang="en-US" dirty="0"/>
+              <a:t>stack</a:t>
+            </a:r>
+          </a:p>
+          <a:p>
+            <a:r>
+              <a:rPr lang="en-US" dirty="0"/>
+              <a:t>frame</a:t>
+            </a:r>
+          </a:p>
+        </p:txBody>
+      </p:sp>
+      <p:sp>
+        <p:nvSpPr>
+          <p:cNvPr id="2" name="Left Brace 1">
+            <a:extLst>
+              <a:ext uri="{FF2B5EF4-FFF2-40B4-BE49-F238E27FC236}">
+                <a16:creationId xmlns:a16="http://schemas.microsoft.com/office/drawing/2014/main" id="{3B246714-1E25-11C5-FFFF-E10BA9A654C3}"/>
+              </a:ext>
+            </a:extLst>
+          </p:cNvPr>
+          <p:cNvSpPr/>
+          <p:nvPr/>
+        </p:nvSpPr>
+        <p:spPr>
+          <a:xfrm>
+            <a:off x="6640274" y="3624942"/>
+            <a:ext cx="783770" cy="1358383"/>
+          </a:xfrm>
+          <a:prstGeom prst="leftBrace">
+            <a:avLst/>
+          </a:prstGeom>
+          <a:ln w="28575">
+            <a:solidFill>
+              <a:srgbClr val="00B050"/>
+            </a:solidFill>
+          </a:ln>
+        </p:spPr>
+        <p:style>
+          <a:lnRef idx="1">
+            <a:schemeClr val="accent1"/>
+          </a:lnRef>
+          <a:fillRef idx="0">
+            <a:schemeClr val="accent1"/>
+          </a:fillRef>
+          <a:effectRef idx="0">
+            <a:schemeClr val="accent1"/>
+          </a:effectRef>
+          <a:fontRef idx="minor">
+            <a:schemeClr val="tx1"/>
+          </a:fontRef>
+        </p:style>
+        <p:txBody>
+          <a:bodyPr rtlCol="0" anchor="ctr"/>
+          <a:lstStyle/>
+          <a:p>
+            <a:pPr algn="ctr"/>
+            <a:endParaRPr lang="en-US"/>
           </a:p>
         </p:txBody>
       </p:sp>
     </p:spTree>
     <p:extLst>
       <p:ext uri="{BB962C8B-B14F-4D97-AF65-F5344CB8AC3E}">
-        <p14:creationId xmlns:p14="http://schemas.microsoft.com/office/powerpoint/2010/main" val="2963881526"/>
+        <p14:creationId xmlns:p14="http://schemas.microsoft.com/office/powerpoint/2010/main" val="3842059776"/>
       </p:ext>
     </p:extLst>
   </p:cSld>

--- a/lectures/KR-4.pptx
+++ b/lectures/KR-4.pptx
@@ -16,10 +16,12 @@
     <p:sldId id="295" r:id="rId10"/>
     <p:sldId id="296" r:id="rId11"/>
     <p:sldId id="289" r:id="rId12"/>
-    <p:sldId id="290" r:id="rId13"/>
-    <p:sldId id="291" r:id="rId14"/>
-    <p:sldId id="284" r:id="rId15"/>
-    <p:sldId id="285" r:id="rId16"/>
+    <p:sldId id="299" r:id="rId13"/>
+    <p:sldId id="290" r:id="rId14"/>
+    <p:sldId id="300" r:id="rId15"/>
+    <p:sldId id="291" r:id="rId16"/>
+    <p:sldId id="284" r:id="rId17"/>
+    <p:sldId id="285" r:id="rId18"/>
   </p:sldIdLst>
   <p:sldSz cx="12192000" cy="6858000"/>
   <p:notesSz cx="6858000" cy="9144000"/>
@@ -4432,33 +4434,651 @@
           <a:p>
             <a:r>
               <a:rPr lang="en-US" dirty="0"/>
-              <a:t>Arrays pass by reference</a:t>
-            </a:r>
-          </a:p>
-        </p:txBody>
-      </p:sp>
-      <p:sp>
-        <p:nvSpPr>
-          <p:cNvPr id="3" name="Content Placeholder 2">
-            <a:extLst>
-              <a:ext uri="{FF2B5EF4-FFF2-40B4-BE49-F238E27FC236}">
-                <a16:creationId xmlns:a16="http://schemas.microsoft.com/office/drawing/2014/main" id="{9E14723B-2E88-EE4E-C3F7-1C1BCD89DBFB}"/>
-              </a:ext>
-            </a:extLst>
-          </p:cNvPr>
-          <p:cNvSpPr>
-            <a:spLocks noGrp="1"/>
-          </p:cNvSpPr>
-          <p:nvPr>
-            <p:ph idx="1"/>
-          </p:nvPr>
-        </p:nvSpPr>
-        <p:spPr/>
-        <p:txBody>
-          <a:bodyPr/>
-          <a:lstStyle/>
-          <a:p>
-            <a:endParaRPr lang="en-US"/>
+              <a:t>Are arrays call by value in C?</a:t>
+            </a:r>
+          </a:p>
+        </p:txBody>
+      </p:sp>
+      <p:sp>
+        <p:nvSpPr>
+          <p:cNvPr id="4" name="TextBox 3">
+            <a:extLst>
+              <a:ext uri="{FF2B5EF4-FFF2-40B4-BE49-F238E27FC236}">
+                <a16:creationId xmlns:a16="http://schemas.microsoft.com/office/drawing/2014/main" id="{1D399855-5E4C-0802-DB41-9D90CF07706E}"/>
+              </a:ext>
+            </a:extLst>
+          </p:cNvPr>
+          <p:cNvSpPr txBox="1"/>
+          <p:nvPr/>
+        </p:nvSpPr>
+        <p:spPr>
+          <a:xfrm>
+            <a:off x="1477308" y="1581826"/>
+            <a:ext cx="3764172" cy="2308324"/>
+          </a:xfrm>
+          <a:prstGeom prst="rect">
+            <a:avLst/>
+          </a:prstGeom>
+          <a:noFill/>
+        </p:spPr>
+        <p:txBody>
+          <a:bodyPr wrap="none" rtlCol="0">
+            <a:spAutoFit/>
+          </a:bodyPr>
+          <a:lstStyle/>
+          <a:p>
+            <a:r>
+              <a:rPr lang="en-US" sz="1600" b="1" dirty="0">
+                <a:latin typeface="Courier New" panose="02070309020205020404" pitchFamily="49" charset="0"/>
+                <a:cs typeface="Courier New" panose="02070309020205020404" pitchFamily="49" charset="0"/>
+              </a:rPr>
+              <a:t>def zap(y):</a:t>
+            </a:r>
+          </a:p>
+          <a:p>
+            <a:r>
+              <a:rPr lang="en-US" sz="1600" b="1" dirty="0">
+                <a:latin typeface="Courier New" panose="02070309020205020404" pitchFamily="49" charset="0"/>
+                <a:cs typeface="Courier New" panose="02070309020205020404" pitchFamily="49" charset="0"/>
+              </a:rPr>
+              <a:t>    print('Y start  </a:t>
+            </a:r>
+            <a:r>
+              <a:rPr lang="en-US" sz="1600" b="1" dirty="0" err="1">
+                <a:latin typeface="Courier New" panose="02070309020205020404" pitchFamily="49" charset="0"/>
+                <a:cs typeface="Courier New" panose="02070309020205020404" pitchFamily="49" charset="0"/>
+              </a:rPr>
+              <a:t>zap:',y</a:t>
+            </a:r>
+            <a:r>
+              <a:rPr lang="en-US" sz="1600" b="1" dirty="0">
+                <a:latin typeface="Courier New" panose="02070309020205020404" pitchFamily="49" charset="0"/>
+                <a:cs typeface="Courier New" panose="02070309020205020404" pitchFamily="49" charset="0"/>
+              </a:rPr>
+              <a:t>);</a:t>
+            </a:r>
+          </a:p>
+          <a:p>
+            <a:r>
+              <a:rPr lang="en-US" sz="1600" b="1" dirty="0">
+                <a:latin typeface="Courier New" panose="02070309020205020404" pitchFamily="49" charset="0"/>
+                <a:cs typeface="Courier New" panose="02070309020205020404" pitchFamily="49" charset="0"/>
+              </a:rPr>
+              <a:t>    y = 'CHANGED'</a:t>
+            </a:r>
+          </a:p>
+          <a:p>
+            <a:r>
+              <a:rPr lang="en-US" sz="1600" b="1" dirty="0">
+                <a:latin typeface="Courier New" panose="02070309020205020404" pitchFamily="49" charset="0"/>
+                <a:cs typeface="Courier New" panose="02070309020205020404" pitchFamily="49" charset="0"/>
+              </a:rPr>
+              <a:t>    print('Y end    </a:t>
+            </a:r>
+            <a:r>
+              <a:rPr lang="en-US" sz="1600" b="1" dirty="0" err="1">
+                <a:latin typeface="Courier New" panose="02070309020205020404" pitchFamily="49" charset="0"/>
+                <a:cs typeface="Courier New" panose="02070309020205020404" pitchFamily="49" charset="0"/>
+              </a:rPr>
+              <a:t>zap:',y</a:t>
+            </a:r>
+            <a:r>
+              <a:rPr lang="en-US" sz="1600" b="1" dirty="0">
+                <a:latin typeface="Courier New" panose="02070309020205020404" pitchFamily="49" charset="0"/>
+                <a:cs typeface="Courier New" panose="02070309020205020404" pitchFamily="49" charset="0"/>
+              </a:rPr>
+              <a:t>);</a:t>
+            </a:r>
+          </a:p>
+          <a:p>
+            <a:endParaRPr lang="en-US" sz="1600" b="1" dirty="0">
+              <a:latin typeface="Courier New" panose="02070309020205020404" pitchFamily="49" charset="0"/>
+              <a:cs typeface="Courier New" panose="02070309020205020404" pitchFamily="49" charset="0"/>
+            </a:endParaRPr>
+          </a:p>
+          <a:p>
+            <a:r>
+              <a:rPr lang="en-US" sz="1600" b="1" dirty="0">
+                <a:latin typeface="Courier New" panose="02070309020205020404" pitchFamily="49" charset="0"/>
+                <a:cs typeface="Courier New" panose="02070309020205020404" pitchFamily="49" charset="0"/>
+              </a:rPr>
+              <a:t>x = 'ORIGINAL'</a:t>
+            </a:r>
+          </a:p>
+          <a:p>
+            <a:r>
+              <a:rPr lang="en-US" sz="1600" b="1" dirty="0">
+                <a:latin typeface="Courier New" panose="02070309020205020404" pitchFamily="49" charset="0"/>
+                <a:cs typeface="Courier New" panose="02070309020205020404" pitchFamily="49" charset="0"/>
+              </a:rPr>
+              <a:t>print('X before </a:t>
+            </a:r>
+            <a:r>
+              <a:rPr lang="en-US" sz="1600" b="1" dirty="0" err="1">
+                <a:latin typeface="Courier New" panose="02070309020205020404" pitchFamily="49" charset="0"/>
+                <a:cs typeface="Courier New" panose="02070309020205020404" pitchFamily="49" charset="0"/>
+              </a:rPr>
+              <a:t>zap:',x</a:t>
+            </a:r>
+            <a:r>
+              <a:rPr lang="en-US" sz="1600" b="1" dirty="0">
+                <a:latin typeface="Courier New" panose="02070309020205020404" pitchFamily="49" charset="0"/>
+                <a:cs typeface="Courier New" panose="02070309020205020404" pitchFamily="49" charset="0"/>
+              </a:rPr>
+              <a:t>);</a:t>
+            </a:r>
+          </a:p>
+          <a:p>
+            <a:r>
+              <a:rPr lang="en-US" sz="1600" b="1" dirty="0">
+                <a:latin typeface="Courier New" panose="02070309020205020404" pitchFamily="49" charset="0"/>
+                <a:cs typeface="Courier New" panose="02070309020205020404" pitchFamily="49" charset="0"/>
+              </a:rPr>
+              <a:t>zap(x)</a:t>
+            </a:r>
+          </a:p>
+          <a:p>
+            <a:r>
+              <a:rPr lang="en-US" sz="1600" b="1" dirty="0">
+                <a:latin typeface="Courier New" panose="02070309020205020404" pitchFamily="49" charset="0"/>
+                <a:cs typeface="Courier New" panose="02070309020205020404" pitchFamily="49" charset="0"/>
+              </a:rPr>
+              <a:t>print('X after  </a:t>
+            </a:r>
+            <a:r>
+              <a:rPr lang="en-US" sz="1600" b="1" dirty="0" err="1">
+                <a:latin typeface="Courier New" panose="02070309020205020404" pitchFamily="49" charset="0"/>
+                <a:cs typeface="Courier New" panose="02070309020205020404" pitchFamily="49" charset="0"/>
+              </a:rPr>
+              <a:t>zap:',x</a:t>
+            </a:r>
+            <a:r>
+              <a:rPr lang="en-US" sz="1600" b="1" dirty="0">
+                <a:latin typeface="Courier New" panose="02070309020205020404" pitchFamily="49" charset="0"/>
+                <a:cs typeface="Courier New" panose="02070309020205020404" pitchFamily="49" charset="0"/>
+              </a:rPr>
+              <a:t>);</a:t>
+            </a:r>
+          </a:p>
+        </p:txBody>
+      </p:sp>
+      <p:sp>
+        <p:nvSpPr>
+          <p:cNvPr id="5" name="TextBox 4">
+            <a:extLst>
+              <a:ext uri="{FF2B5EF4-FFF2-40B4-BE49-F238E27FC236}">
+                <a16:creationId xmlns:a16="http://schemas.microsoft.com/office/drawing/2014/main" id="{D91D7C1C-AF09-EBEB-F808-0BA6C6DAC8B8}"/>
+              </a:ext>
+            </a:extLst>
+          </p:cNvPr>
+          <p:cNvSpPr txBox="1"/>
+          <p:nvPr/>
+        </p:nvSpPr>
+        <p:spPr>
+          <a:xfrm>
+            <a:off x="6476993" y="1581826"/>
+            <a:ext cx="4504759" cy="3046988"/>
+          </a:xfrm>
+          <a:prstGeom prst="rect">
+            <a:avLst/>
+          </a:prstGeom>
+          <a:noFill/>
+        </p:spPr>
+        <p:txBody>
+          <a:bodyPr wrap="none" rtlCol="0">
+            <a:spAutoFit/>
+          </a:bodyPr>
+          <a:lstStyle/>
+          <a:p>
+            <a:r>
+              <a:rPr lang="en-US" sz="1600" b="1" dirty="0">
+                <a:latin typeface="Courier New" panose="02070309020205020404" pitchFamily="49" charset="0"/>
+                <a:cs typeface="Courier New" panose="02070309020205020404" pitchFamily="49" charset="0"/>
+              </a:rPr>
+              <a:t>void zap(char y[]) {</a:t>
+            </a:r>
+          </a:p>
+          <a:p>
+            <a:r>
+              <a:rPr lang="en-US" sz="1600" b="1" dirty="0">
+                <a:latin typeface="Courier New" panose="02070309020205020404" pitchFamily="49" charset="0"/>
+                <a:cs typeface="Courier New" panose="02070309020205020404" pitchFamily="49" charset="0"/>
+              </a:rPr>
+              <a:t>    </a:t>
+            </a:r>
+            <a:r>
+              <a:rPr lang="en-US" sz="1600" b="1" dirty="0" err="1">
+                <a:latin typeface="Courier New" panose="02070309020205020404" pitchFamily="49" charset="0"/>
+                <a:cs typeface="Courier New" panose="02070309020205020404" pitchFamily="49" charset="0"/>
+              </a:rPr>
+              <a:t>printf</a:t>
+            </a:r>
+            <a:r>
+              <a:rPr lang="en-US" sz="1600" b="1" dirty="0">
+                <a:latin typeface="Courier New" panose="02070309020205020404" pitchFamily="49" charset="0"/>
+                <a:cs typeface="Courier New" panose="02070309020205020404" pitchFamily="49" charset="0"/>
+              </a:rPr>
+              <a:t>("Y start  zap: %s\</a:t>
+            </a:r>
+            <a:r>
+              <a:rPr lang="en-US" sz="1600" b="1" dirty="0" err="1">
+                <a:latin typeface="Courier New" panose="02070309020205020404" pitchFamily="49" charset="0"/>
+                <a:cs typeface="Courier New" panose="02070309020205020404" pitchFamily="49" charset="0"/>
+              </a:rPr>
+              <a:t>n",y</a:t>
+            </a:r>
+            <a:r>
+              <a:rPr lang="en-US" sz="1600" b="1" dirty="0">
+                <a:latin typeface="Courier New" panose="02070309020205020404" pitchFamily="49" charset="0"/>
+                <a:cs typeface="Courier New" panose="02070309020205020404" pitchFamily="49" charset="0"/>
+              </a:rPr>
+              <a:t>);</a:t>
+            </a:r>
+          </a:p>
+          <a:p>
+            <a:r>
+              <a:rPr lang="en-US" sz="1600" b="1" dirty="0">
+                <a:latin typeface="Courier New" panose="02070309020205020404" pitchFamily="49" charset="0"/>
+                <a:cs typeface="Courier New" panose="02070309020205020404" pitchFamily="49" charset="0"/>
+              </a:rPr>
+              <a:t>    </a:t>
+            </a:r>
+            <a:r>
+              <a:rPr lang="en-US" sz="1600" b="1" dirty="0" err="1">
+                <a:latin typeface="Courier New" panose="02070309020205020404" pitchFamily="49" charset="0"/>
+                <a:cs typeface="Courier New" panose="02070309020205020404" pitchFamily="49" charset="0"/>
+              </a:rPr>
+              <a:t>strcpy</a:t>
+            </a:r>
+            <a:r>
+              <a:rPr lang="en-US" sz="1600" b="1" dirty="0">
+                <a:latin typeface="Courier New" panose="02070309020205020404" pitchFamily="49" charset="0"/>
+                <a:cs typeface="Courier New" panose="02070309020205020404" pitchFamily="49" charset="0"/>
+              </a:rPr>
+              <a:t>(y, "CHANGED");</a:t>
+            </a:r>
+          </a:p>
+          <a:p>
+            <a:r>
+              <a:rPr lang="en-US" sz="1600" b="1" dirty="0">
+                <a:latin typeface="Courier New" panose="02070309020205020404" pitchFamily="49" charset="0"/>
+                <a:cs typeface="Courier New" panose="02070309020205020404" pitchFamily="49" charset="0"/>
+              </a:rPr>
+              <a:t>    </a:t>
+            </a:r>
+            <a:r>
+              <a:rPr lang="en-US" sz="1600" b="1" dirty="0" err="1">
+                <a:latin typeface="Courier New" panose="02070309020205020404" pitchFamily="49" charset="0"/>
+                <a:cs typeface="Courier New" panose="02070309020205020404" pitchFamily="49" charset="0"/>
+              </a:rPr>
+              <a:t>printf</a:t>
+            </a:r>
+            <a:r>
+              <a:rPr lang="en-US" sz="1600" b="1" dirty="0">
+                <a:latin typeface="Courier New" panose="02070309020205020404" pitchFamily="49" charset="0"/>
+                <a:cs typeface="Courier New" panose="02070309020205020404" pitchFamily="49" charset="0"/>
+              </a:rPr>
+              <a:t>("Y end    zap: %s\</a:t>
+            </a:r>
+            <a:r>
+              <a:rPr lang="en-US" sz="1600" b="1" dirty="0" err="1">
+                <a:latin typeface="Courier New" panose="02070309020205020404" pitchFamily="49" charset="0"/>
+                <a:cs typeface="Courier New" panose="02070309020205020404" pitchFamily="49" charset="0"/>
+              </a:rPr>
+              <a:t>n",y</a:t>
+            </a:r>
+            <a:r>
+              <a:rPr lang="en-US" sz="1600" b="1" dirty="0">
+                <a:latin typeface="Courier New" panose="02070309020205020404" pitchFamily="49" charset="0"/>
+                <a:cs typeface="Courier New" panose="02070309020205020404" pitchFamily="49" charset="0"/>
+              </a:rPr>
+              <a:t>);</a:t>
+            </a:r>
+          </a:p>
+          <a:p>
+            <a:r>
+              <a:rPr lang="en-US" sz="1600" b="1" dirty="0">
+                <a:latin typeface="Courier New" panose="02070309020205020404" pitchFamily="49" charset="0"/>
+                <a:cs typeface="Courier New" panose="02070309020205020404" pitchFamily="49" charset="0"/>
+              </a:rPr>
+              <a:t>}</a:t>
+            </a:r>
+          </a:p>
+          <a:p>
+            <a:endParaRPr lang="en-US" sz="1600" b="1" dirty="0">
+              <a:latin typeface="Courier New" panose="02070309020205020404" pitchFamily="49" charset="0"/>
+              <a:cs typeface="Courier New" panose="02070309020205020404" pitchFamily="49" charset="0"/>
+            </a:endParaRPr>
+          </a:p>
+          <a:p>
+            <a:r>
+              <a:rPr lang="en-US" sz="1600" b="1" dirty="0">
+                <a:latin typeface="Courier New" panose="02070309020205020404" pitchFamily="49" charset="0"/>
+                <a:cs typeface="Courier New" panose="02070309020205020404" pitchFamily="49" charset="0"/>
+              </a:rPr>
+              <a:t>int main(){</a:t>
+            </a:r>
+          </a:p>
+          <a:p>
+            <a:r>
+              <a:rPr lang="en-US" sz="1600" b="1" dirty="0">
+                <a:latin typeface="Courier New" panose="02070309020205020404" pitchFamily="49" charset="0"/>
+                <a:cs typeface="Courier New" panose="02070309020205020404" pitchFamily="49" charset="0"/>
+              </a:rPr>
+              <a:t>    char x[] = "ORIGINAL";</a:t>
+            </a:r>
+          </a:p>
+          <a:p>
+            <a:r>
+              <a:rPr lang="en-US" sz="1600" b="1" dirty="0">
+                <a:latin typeface="Courier New" panose="02070309020205020404" pitchFamily="49" charset="0"/>
+                <a:cs typeface="Courier New" panose="02070309020205020404" pitchFamily="49" charset="0"/>
+              </a:rPr>
+              <a:t>    </a:t>
+            </a:r>
+            <a:r>
+              <a:rPr lang="en-US" sz="1600" b="1" dirty="0" err="1">
+                <a:latin typeface="Courier New" panose="02070309020205020404" pitchFamily="49" charset="0"/>
+                <a:cs typeface="Courier New" panose="02070309020205020404" pitchFamily="49" charset="0"/>
+              </a:rPr>
+              <a:t>printf</a:t>
+            </a:r>
+            <a:r>
+              <a:rPr lang="en-US" sz="1600" b="1" dirty="0">
+                <a:latin typeface="Courier New" panose="02070309020205020404" pitchFamily="49" charset="0"/>
+                <a:cs typeface="Courier New" panose="02070309020205020404" pitchFamily="49" charset="0"/>
+              </a:rPr>
+              <a:t>("X before zap: %s\</a:t>
+            </a:r>
+            <a:r>
+              <a:rPr lang="en-US" sz="1600" b="1" dirty="0" err="1">
+                <a:latin typeface="Courier New" panose="02070309020205020404" pitchFamily="49" charset="0"/>
+                <a:cs typeface="Courier New" panose="02070309020205020404" pitchFamily="49" charset="0"/>
+              </a:rPr>
+              <a:t>n",x</a:t>
+            </a:r>
+            <a:r>
+              <a:rPr lang="en-US" sz="1600" b="1" dirty="0">
+                <a:latin typeface="Courier New" panose="02070309020205020404" pitchFamily="49" charset="0"/>
+                <a:cs typeface="Courier New" panose="02070309020205020404" pitchFamily="49" charset="0"/>
+              </a:rPr>
+              <a:t>);</a:t>
+            </a:r>
+          </a:p>
+          <a:p>
+            <a:r>
+              <a:rPr lang="en-US" sz="1600" b="1" dirty="0">
+                <a:latin typeface="Courier New" panose="02070309020205020404" pitchFamily="49" charset="0"/>
+                <a:cs typeface="Courier New" panose="02070309020205020404" pitchFamily="49" charset="0"/>
+              </a:rPr>
+              <a:t>    zap(x);</a:t>
+            </a:r>
+          </a:p>
+          <a:p>
+            <a:r>
+              <a:rPr lang="en-US" sz="1600" b="1" dirty="0">
+                <a:latin typeface="Courier New" panose="02070309020205020404" pitchFamily="49" charset="0"/>
+                <a:cs typeface="Courier New" panose="02070309020205020404" pitchFamily="49" charset="0"/>
+              </a:rPr>
+              <a:t>    </a:t>
+            </a:r>
+            <a:r>
+              <a:rPr lang="en-US" sz="1600" b="1" dirty="0" err="1">
+                <a:latin typeface="Courier New" panose="02070309020205020404" pitchFamily="49" charset="0"/>
+                <a:cs typeface="Courier New" panose="02070309020205020404" pitchFamily="49" charset="0"/>
+              </a:rPr>
+              <a:t>printf</a:t>
+            </a:r>
+            <a:r>
+              <a:rPr lang="en-US" sz="1600" b="1" dirty="0">
+                <a:latin typeface="Courier New" panose="02070309020205020404" pitchFamily="49" charset="0"/>
+                <a:cs typeface="Courier New" panose="02070309020205020404" pitchFamily="49" charset="0"/>
+              </a:rPr>
+              <a:t>("X after  zap: %s\</a:t>
+            </a:r>
+            <a:r>
+              <a:rPr lang="en-US" sz="1600" b="1" dirty="0" err="1">
+                <a:latin typeface="Courier New" panose="02070309020205020404" pitchFamily="49" charset="0"/>
+                <a:cs typeface="Courier New" panose="02070309020205020404" pitchFamily="49" charset="0"/>
+              </a:rPr>
+              <a:t>n",x</a:t>
+            </a:r>
+            <a:r>
+              <a:rPr lang="en-US" sz="1600" b="1" dirty="0">
+                <a:latin typeface="Courier New" panose="02070309020205020404" pitchFamily="49" charset="0"/>
+                <a:cs typeface="Courier New" panose="02070309020205020404" pitchFamily="49" charset="0"/>
+              </a:rPr>
+              <a:t>);</a:t>
+            </a:r>
+          </a:p>
+          <a:p>
+            <a:r>
+              <a:rPr lang="en-US" sz="1600" b="1" dirty="0">
+                <a:latin typeface="Courier New" panose="02070309020205020404" pitchFamily="49" charset="0"/>
+                <a:cs typeface="Courier New" panose="02070309020205020404" pitchFamily="49" charset="0"/>
+              </a:rPr>
+              <a:t>}</a:t>
+            </a:r>
+          </a:p>
+        </p:txBody>
+      </p:sp>
+      <p:sp>
+        <p:nvSpPr>
+          <p:cNvPr id="6" name="TextBox 5">
+            <a:extLst>
+              <a:ext uri="{FF2B5EF4-FFF2-40B4-BE49-F238E27FC236}">
+                <a16:creationId xmlns:a16="http://schemas.microsoft.com/office/drawing/2014/main" id="{2A15AB5E-5CA3-E39A-1B27-36FA93DBDF75}"/>
+              </a:ext>
+            </a:extLst>
+          </p:cNvPr>
+          <p:cNvSpPr txBox="1"/>
+          <p:nvPr/>
+        </p:nvSpPr>
+        <p:spPr>
+          <a:xfrm>
+            <a:off x="1477308" y="4198956"/>
+            <a:ext cx="2900153" cy="1077218"/>
+          </a:xfrm>
+          <a:prstGeom prst="rect">
+            <a:avLst/>
+          </a:prstGeom>
+          <a:noFill/>
+        </p:spPr>
+        <p:txBody>
+          <a:bodyPr wrap="none" rtlCol="0">
+            <a:spAutoFit/>
+          </a:bodyPr>
+          <a:lstStyle/>
+          <a:p>
+            <a:r>
+              <a:rPr lang="en-US" sz="1600" b="1" dirty="0">
+                <a:latin typeface="Courier New" panose="02070309020205020404" pitchFamily="49" charset="0"/>
+                <a:cs typeface="Courier New" panose="02070309020205020404" pitchFamily="49" charset="0"/>
+              </a:rPr>
+              <a:t>X before zap: ORIGINAL</a:t>
+            </a:r>
+          </a:p>
+          <a:p>
+            <a:r>
+              <a:rPr lang="en-US" sz="1600" b="1" dirty="0">
+                <a:latin typeface="Courier New" panose="02070309020205020404" pitchFamily="49" charset="0"/>
+                <a:cs typeface="Courier New" panose="02070309020205020404" pitchFamily="49" charset="0"/>
+              </a:rPr>
+              <a:t>X start  zap: ORIGINAL</a:t>
+            </a:r>
+          </a:p>
+          <a:p>
+            <a:r>
+              <a:rPr lang="en-US" sz="1600" b="1" dirty="0">
+                <a:latin typeface="Courier New" panose="02070309020205020404" pitchFamily="49" charset="0"/>
+                <a:cs typeface="Courier New" panose="02070309020205020404" pitchFamily="49" charset="0"/>
+              </a:rPr>
+              <a:t>X end    zap: CHANGED</a:t>
+            </a:r>
+          </a:p>
+          <a:p>
+            <a:r>
+              <a:rPr lang="en-US" sz="1600" b="1" dirty="0">
+                <a:latin typeface="Courier New" panose="02070309020205020404" pitchFamily="49" charset="0"/>
+                <a:cs typeface="Courier New" panose="02070309020205020404" pitchFamily="49" charset="0"/>
+              </a:rPr>
+              <a:t>X after  zap: ORIGINAL</a:t>
+            </a:r>
+          </a:p>
+        </p:txBody>
+      </p:sp>
+      <p:sp>
+        <p:nvSpPr>
+          <p:cNvPr id="7" name="TextBox 6">
+            <a:extLst>
+              <a:ext uri="{FF2B5EF4-FFF2-40B4-BE49-F238E27FC236}">
+                <a16:creationId xmlns:a16="http://schemas.microsoft.com/office/drawing/2014/main" id="{13F9A5C8-C7DB-F3F9-1630-DD2EBE91BD34}"/>
+              </a:ext>
+            </a:extLst>
+          </p:cNvPr>
+          <p:cNvSpPr txBox="1"/>
+          <p:nvPr/>
+        </p:nvSpPr>
+        <p:spPr>
+          <a:xfrm>
+            <a:off x="6476993" y="4958944"/>
+            <a:ext cx="2900153" cy="1077218"/>
+          </a:xfrm>
+          <a:prstGeom prst="rect">
+            <a:avLst/>
+          </a:prstGeom>
+          <a:noFill/>
+        </p:spPr>
+        <p:txBody>
+          <a:bodyPr wrap="none" rtlCol="0">
+            <a:spAutoFit/>
+          </a:bodyPr>
+          <a:lstStyle/>
+          <a:p>
+            <a:r>
+              <a:rPr lang="en-US" sz="1600" b="1" dirty="0">
+                <a:latin typeface="Courier New" panose="02070309020205020404" pitchFamily="49" charset="0"/>
+                <a:cs typeface="Courier New" panose="02070309020205020404" pitchFamily="49" charset="0"/>
+              </a:rPr>
+              <a:t>X before zap: ORIGINAL</a:t>
+            </a:r>
+          </a:p>
+          <a:p>
+            <a:r>
+              <a:rPr lang="en-US" sz="1600" b="1" dirty="0">
+                <a:latin typeface="Courier New" panose="02070309020205020404" pitchFamily="49" charset="0"/>
+                <a:cs typeface="Courier New" panose="02070309020205020404" pitchFamily="49" charset="0"/>
+              </a:rPr>
+              <a:t>Y start  zap: ORIGINAL</a:t>
+            </a:r>
+          </a:p>
+          <a:p>
+            <a:r>
+              <a:rPr lang="en-US" sz="1600" b="1" dirty="0">
+                <a:latin typeface="Courier New" panose="02070309020205020404" pitchFamily="49" charset="0"/>
+                <a:cs typeface="Courier New" panose="02070309020205020404" pitchFamily="49" charset="0"/>
+              </a:rPr>
+              <a:t>Y end    zap: CHANGED</a:t>
+            </a:r>
+          </a:p>
+          <a:p>
+            <a:r>
+              <a:rPr lang="en-US" sz="1600" b="1" dirty="0">
+                <a:latin typeface="Courier New" panose="02070309020205020404" pitchFamily="49" charset="0"/>
+                <a:cs typeface="Courier New" panose="02070309020205020404" pitchFamily="49" charset="0"/>
+              </a:rPr>
+              <a:t>X after  zap: </a:t>
+            </a:r>
+            <a:r>
+              <a:rPr lang="en-US" sz="1600" b="1" dirty="0">
+                <a:solidFill>
+                  <a:srgbClr val="FF0000"/>
+                </a:solidFill>
+                <a:latin typeface="Courier New" panose="02070309020205020404" pitchFamily="49" charset="0"/>
+                <a:cs typeface="Courier New" panose="02070309020205020404" pitchFamily="49" charset="0"/>
+              </a:rPr>
+              <a:t>CHANGED</a:t>
+            </a:r>
+          </a:p>
+        </p:txBody>
+      </p:sp>
+      <p:sp>
+        <p:nvSpPr>
+          <p:cNvPr id="8" name="TextBox 7">
+            <a:extLst>
+              <a:ext uri="{FF2B5EF4-FFF2-40B4-BE49-F238E27FC236}">
+                <a16:creationId xmlns:a16="http://schemas.microsoft.com/office/drawing/2014/main" id="{97FE8BE9-CC96-C1A1-F86B-F4504FBC6D80}"/>
+              </a:ext>
+            </a:extLst>
+          </p:cNvPr>
+          <p:cNvSpPr txBox="1"/>
+          <p:nvPr/>
+        </p:nvSpPr>
+        <p:spPr>
+          <a:xfrm>
+            <a:off x="293915" y="6338986"/>
+            <a:ext cx="1382485" cy="307777"/>
+          </a:xfrm>
+          <a:prstGeom prst="rect">
+            <a:avLst/>
+          </a:prstGeom>
+          <a:noFill/>
+        </p:spPr>
+        <p:txBody>
+          <a:bodyPr wrap="square">
+            <a:spAutoFit/>
+          </a:bodyPr>
+          <a:lstStyle/>
+          <a:p>
+            <a:r>
+              <a:rPr lang="en-US" sz="1400" b="1" dirty="0">
+                <a:solidFill>
+                  <a:srgbClr val="000000"/>
+                </a:solidFill>
+                <a:latin typeface="Menlo" panose="020B0609030804020204" pitchFamily="49" charset="0"/>
+              </a:rPr>
+              <a:t>kr_04_02.py</a:t>
+            </a:r>
+          </a:p>
+        </p:txBody>
+      </p:sp>
+      <p:sp>
+        <p:nvSpPr>
+          <p:cNvPr id="9" name="TextBox 8">
+            <a:extLst>
+              <a:ext uri="{FF2B5EF4-FFF2-40B4-BE49-F238E27FC236}">
+                <a16:creationId xmlns:a16="http://schemas.microsoft.com/office/drawing/2014/main" id="{22D4576E-A38E-1B3A-9A53-5D1EF4CFD393}"/>
+              </a:ext>
+            </a:extLst>
+          </p:cNvPr>
+          <p:cNvSpPr txBox="1"/>
+          <p:nvPr/>
+        </p:nvSpPr>
+        <p:spPr>
+          <a:xfrm>
+            <a:off x="10515600" y="6349418"/>
+            <a:ext cx="1382485" cy="307777"/>
+          </a:xfrm>
+          <a:prstGeom prst="rect">
+            <a:avLst/>
+          </a:prstGeom>
+          <a:noFill/>
+        </p:spPr>
+        <p:txBody>
+          <a:bodyPr wrap="square">
+            <a:spAutoFit/>
+          </a:bodyPr>
+          <a:lstStyle/>
+          <a:p>
+            <a:r>
+              <a:rPr lang="en-US" sz="1400" b="1" dirty="0">
+                <a:solidFill>
+                  <a:srgbClr val="000000"/>
+                </a:solidFill>
+                <a:latin typeface="Menlo" panose="020B0609030804020204" pitchFamily="49" charset="0"/>
+              </a:rPr>
+              <a:t>kr_04_02.c</a:t>
+            </a:r>
           </a:p>
         </p:txBody>
       </p:sp>
@@ -4494,61 +5114,1039 @@
       </p:grpSpPr>
       <p:sp>
         <p:nvSpPr>
-          <p:cNvPr id="2" name="Title 1">
-            <a:extLst>
-              <a:ext uri="{FF2B5EF4-FFF2-40B4-BE49-F238E27FC236}">
-                <a16:creationId xmlns:a16="http://schemas.microsoft.com/office/drawing/2014/main" id="{617513D2-75CA-9FF5-AF46-15E529B6E5B9}"/>
-              </a:ext>
-            </a:extLst>
-          </p:cNvPr>
-          <p:cNvSpPr>
-            <a:spLocks noGrp="1"/>
-          </p:cNvSpPr>
-          <p:nvPr>
-            <p:ph type="title"/>
-          </p:nvPr>
-        </p:nvSpPr>
-        <p:spPr/>
-        <p:txBody>
-          <a:bodyPr/>
+          <p:cNvPr id="5" name="TextBox 4">
+            <a:extLst>
+              <a:ext uri="{FF2B5EF4-FFF2-40B4-BE49-F238E27FC236}">
+                <a16:creationId xmlns:a16="http://schemas.microsoft.com/office/drawing/2014/main" id="{D91D7C1C-AF09-EBEB-F808-0BA6C6DAC8B8}"/>
+              </a:ext>
+            </a:extLst>
+          </p:cNvPr>
+          <p:cNvSpPr txBox="1"/>
+          <p:nvPr/>
+        </p:nvSpPr>
+        <p:spPr>
+          <a:xfrm>
+            <a:off x="293915" y="749069"/>
+            <a:ext cx="4504759" cy="3046988"/>
+          </a:xfrm>
+          <a:prstGeom prst="rect">
+            <a:avLst/>
+          </a:prstGeom>
+          <a:noFill/>
+        </p:spPr>
+        <p:txBody>
+          <a:bodyPr wrap="none" rtlCol="0">
+            <a:spAutoFit/>
+          </a:bodyPr>
+          <a:lstStyle/>
+          <a:p>
+            <a:r>
+              <a:rPr lang="en-US" sz="1600" b="1" dirty="0">
+                <a:latin typeface="Courier New" panose="02070309020205020404" pitchFamily="49" charset="0"/>
+                <a:cs typeface="Courier New" panose="02070309020205020404" pitchFamily="49" charset="0"/>
+              </a:rPr>
+              <a:t>void zap(char y[]) {</a:t>
+            </a:r>
+          </a:p>
+          <a:p>
+            <a:r>
+              <a:rPr lang="en-US" sz="1600" b="1" dirty="0">
+                <a:latin typeface="Courier New" panose="02070309020205020404" pitchFamily="49" charset="0"/>
+                <a:cs typeface="Courier New" panose="02070309020205020404" pitchFamily="49" charset="0"/>
+              </a:rPr>
+              <a:t>    </a:t>
+            </a:r>
+            <a:r>
+              <a:rPr lang="en-US" sz="1600" b="1" dirty="0" err="1">
+                <a:latin typeface="Courier New" panose="02070309020205020404" pitchFamily="49" charset="0"/>
+                <a:cs typeface="Courier New" panose="02070309020205020404" pitchFamily="49" charset="0"/>
+              </a:rPr>
+              <a:t>printf</a:t>
+            </a:r>
+            <a:r>
+              <a:rPr lang="en-US" sz="1600" b="1" dirty="0">
+                <a:latin typeface="Courier New" panose="02070309020205020404" pitchFamily="49" charset="0"/>
+                <a:cs typeface="Courier New" panose="02070309020205020404" pitchFamily="49" charset="0"/>
+              </a:rPr>
+              <a:t>("Y start  zap: %s\</a:t>
+            </a:r>
+            <a:r>
+              <a:rPr lang="en-US" sz="1600" b="1" dirty="0" err="1">
+                <a:latin typeface="Courier New" panose="02070309020205020404" pitchFamily="49" charset="0"/>
+                <a:cs typeface="Courier New" panose="02070309020205020404" pitchFamily="49" charset="0"/>
+              </a:rPr>
+              <a:t>n",y</a:t>
+            </a:r>
+            <a:r>
+              <a:rPr lang="en-US" sz="1600" b="1" dirty="0">
+                <a:latin typeface="Courier New" panose="02070309020205020404" pitchFamily="49" charset="0"/>
+                <a:cs typeface="Courier New" panose="02070309020205020404" pitchFamily="49" charset="0"/>
+              </a:rPr>
+              <a:t>);</a:t>
+            </a:r>
+          </a:p>
+          <a:p>
+            <a:r>
+              <a:rPr lang="en-US" sz="1600" b="1" dirty="0">
+                <a:latin typeface="Courier New" panose="02070309020205020404" pitchFamily="49" charset="0"/>
+                <a:cs typeface="Courier New" panose="02070309020205020404" pitchFamily="49" charset="0"/>
+              </a:rPr>
+              <a:t>    </a:t>
+            </a:r>
+            <a:r>
+              <a:rPr lang="en-US" sz="1600" b="1" dirty="0" err="1">
+                <a:latin typeface="Courier New" panose="02070309020205020404" pitchFamily="49" charset="0"/>
+                <a:cs typeface="Courier New" panose="02070309020205020404" pitchFamily="49" charset="0"/>
+              </a:rPr>
+              <a:t>strcpy</a:t>
+            </a:r>
+            <a:r>
+              <a:rPr lang="en-US" sz="1600" b="1" dirty="0">
+                <a:latin typeface="Courier New" panose="02070309020205020404" pitchFamily="49" charset="0"/>
+                <a:cs typeface="Courier New" panose="02070309020205020404" pitchFamily="49" charset="0"/>
+              </a:rPr>
+              <a:t>(y, "CHANGED");</a:t>
+            </a:r>
+          </a:p>
+          <a:p>
+            <a:r>
+              <a:rPr lang="en-US" sz="1600" b="1" dirty="0">
+                <a:latin typeface="Courier New" panose="02070309020205020404" pitchFamily="49" charset="0"/>
+                <a:cs typeface="Courier New" panose="02070309020205020404" pitchFamily="49" charset="0"/>
+              </a:rPr>
+              <a:t>    </a:t>
+            </a:r>
+            <a:r>
+              <a:rPr lang="en-US" sz="1600" b="1" dirty="0" err="1">
+                <a:latin typeface="Courier New" panose="02070309020205020404" pitchFamily="49" charset="0"/>
+                <a:cs typeface="Courier New" panose="02070309020205020404" pitchFamily="49" charset="0"/>
+              </a:rPr>
+              <a:t>printf</a:t>
+            </a:r>
+            <a:r>
+              <a:rPr lang="en-US" sz="1600" b="1" dirty="0">
+                <a:latin typeface="Courier New" panose="02070309020205020404" pitchFamily="49" charset="0"/>
+                <a:cs typeface="Courier New" panose="02070309020205020404" pitchFamily="49" charset="0"/>
+              </a:rPr>
+              <a:t>("Y end    zap: %s\</a:t>
+            </a:r>
+            <a:r>
+              <a:rPr lang="en-US" sz="1600" b="1" dirty="0" err="1">
+                <a:latin typeface="Courier New" panose="02070309020205020404" pitchFamily="49" charset="0"/>
+                <a:cs typeface="Courier New" panose="02070309020205020404" pitchFamily="49" charset="0"/>
+              </a:rPr>
+              <a:t>n",y</a:t>
+            </a:r>
+            <a:r>
+              <a:rPr lang="en-US" sz="1600" b="1" dirty="0">
+                <a:latin typeface="Courier New" panose="02070309020205020404" pitchFamily="49" charset="0"/>
+                <a:cs typeface="Courier New" panose="02070309020205020404" pitchFamily="49" charset="0"/>
+              </a:rPr>
+              <a:t>);</a:t>
+            </a:r>
+          </a:p>
+          <a:p>
+            <a:r>
+              <a:rPr lang="en-US" sz="1600" b="1" dirty="0">
+                <a:latin typeface="Courier New" panose="02070309020205020404" pitchFamily="49" charset="0"/>
+                <a:cs typeface="Courier New" panose="02070309020205020404" pitchFamily="49" charset="0"/>
+              </a:rPr>
+              <a:t>}</a:t>
+            </a:r>
+          </a:p>
+          <a:p>
+            <a:endParaRPr lang="en-US" sz="1600" b="1" dirty="0">
+              <a:latin typeface="Courier New" panose="02070309020205020404" pitchFamily="49" charset="0"/>
+              <a:cs typeface="Courier New" panose="02070309020205020404" pitchFamily="49" charset="0"/>
+            </a:endParaRPr>
+          </a:p>
+          <a:p>
+            <a:r>
+              <a:rPr lang="en-US" sz="1600" b="1" dirty="0">
+                <a:latin typeface="Courier New" panose="02070309020205020404" pitchFamily="49" charset="0"/>
+                <a:cs typeface="Courier New" panose="02070309020205020404" pitchFamily="49" charset="0"/>
+              </a:rPr>
+              <a:t>int main(){</a:t>
+            </a:r>
+          </a:p>
+          <a:p>
+            <a:r>
+              <a:rPr lang="en-US" sz="1600" b="1" dirty="0">
+                <a:latin typeface="Courier New" panose="02070309020205020404" pitchFamily="49" charset="0"/>
+                <a:cs typeface="Courier New" panose="02070309020205020404" pitchFamily="49" charset="0"/>
+              </a:rPr>
+              <a:t>    char x[] = "ORIGINAL";</a:t>
+            </a:r>
+          </a:p>
+          <a:p>
+            <a:r>
+              <a:rPr lang="en-US" sz="1600" b="1" dirty="0">
+                <a:latin typeface="Courier New" panose="02070309020205020404" pitchFamily="49" charset="0"/>
+                <a:cs typeface="Courier New" panose="02070309020205020404" pitchFamily="49" charset="0"/>
+              </a:rPr>
+              <a:t>    </a:t>
+            </a:r>
+            <a:r>
+              <a:rPr lang="en-US" sz="1600" b="1" dirty="0" err="1">
+                <a:latin typeface="Courier New" panose="02070309020205020404" pitchFamily="49" charset="0"/>
+                <a:cs typeface="Courier New" panose="02070309020205020404" pitchFamily="49" charset="0"/>
+              </a:rPr>
+              <a:t>printf</a:t>
+            </a:r>
+            <a:r>
+              <a:rPr lang="en-US" sz="1600" b="1" dirty="0">
+                <a:latin typeface="Courier New" panose="02070309020205020404" pitchFamily="49" charset="0"/>
+                <a:cs typeface="Courier New" panose="02070309020205020404" pitchFamily="49" charset="0"/>
+              </a:rPr>
+              <a:t>("X before zap: %s\</a:t>
+            </a:r>
+            <a:r>
+              <a:rPr lang="en-US" sz="1600" b="1" dirty="0" err="1">
+                <a:latin typeface="Courier New" panose="02070309020205020404" pitchFamily="49" charset="0"/>
+                <a:cs typeface="Courier New" panose="02070309020205020404" pitchFamily="49" charset="0"/>
+              </a:rPr>
+              <a:t>n",x</a:t>
+            </a:r>
+            <a:r>
+              <a:rPr lang="en-US" sz="1600" b="1" dirty="0">
+                <a:latin typeface="Courier New" panose="02070309020205020404" pitchFamily="49" charset="0"/>
+                <a:cs typeface="Courier New" panose="02070309020205020404" pitchFamily="49" charset="0"/>
+              </a:rPr>
+              <a:t>);</a:t>
+            </a:r>
+          </a:p>
+          <a:p>
+            <a:r>
+              <a:rPr lang="en-US" sz="1600" b="1" dirty="0">
+                <a:latin typeface="Courier New" panose="02070309020205020404" pitchFamily="49" charset="0"/>
+                <a:cs typeface="Courier New" panose="02070309020205020404" pitchFamily="49" charset="0"/>
+              </a:rPr>
+              <a:t>    zap(x);</a:t>
+            </a:r>
+          </a:p>
+          <a:p>
+            <a:r>
+              <a:rPr lang="en-US" sz="1600" b="1" dirty="0">
+                <a:latin typeface="Courier New" panose="02070309020205020404" pitchFamily="49" charset="0"/>
+                <a:cs typeface="Courier New" panose="02070309020205020404" pitchFamily="49" charset="0"/>
+              </a:rPr>
+              <a:t>    </a:t>
+            </a:r>
+            <a:r>
+              <a:rPr lang="en-US" sz="1600" b="1" dirty="0" err="1">
+                <a:latin typeface="Courier New" panose="02070309020205020404" pitchFamily="49" charset="0"/>
+                <a:cs typeface="Courier New" panose="02070309020205020404" pitchFamily="49" charset="0"/>
+              </a:rPr>
+              <a:t>printf</a:t>
+            </a:r>
+            <a:r>
+              <a:rPr lang="en-US" sz="1600" b="1" dirty="0">
+                <a:latin typeface="Courier New" panose="02070309020205020404" pitchFamily="49" charset="0"/>
+                <a:cs typeface="Courier New" panose="02070309020205020404" pitchFamily="49" charset="0"/>
+              </a:rPr>
+              <a:t>("X after  zap: %s\</a:t>
+            </a:r>
+            <a:r>
+              <a:rPr lang="en-US" sz="1600" b="1" dirty="0" err="1">
+                <a:latin typeface="Courier New" panose="02070309020205020404" pitchFamily="49" charset="0"/>
+                <a:cs typeface="Courier New" panose="02070309020205020404" pitchFamily="49" charset="0"/>
+              </a:rPr>
+              <a:t>n",x</a:t>
+            </a:r>
+            <a:r>
+              <a:rPr lang="en-US" sz="1600" b="1" dirty="0">
+                <a:latin typeface="Courier New" panose="02070309020205020404" pitchFamily="49" charset="0"/>
+                <a:cs typeface="Courier New" panose="02070309020205020404" pitchFamily="49" charset="0"/>
+              </a:rPr>
+              <a:t>);</a:t>
+            </a:r>
+          </a:p>
+          <a:p>
+            <a:r>
+              <a:rPr lang="en-US" sz="1600" b="1" dirty="0">
+                <a:latin typeface="Courier New" panose="02070309020205020404" pitchFamily="49" charset="0"/>
+                <a:cs typeface="Courier New" panose="02070309020205020404" pitchFamily="49" charset="0"/>
+              </a:rPr>
+              <a:t>}</a:t>
+            </a:r>
+          </a:p>
+        </p:txBody>
+      </p:sp>
+      <p:sp>
+        <p:nvSpPr>
+          <p:cNvPr id="7" name="TextBox 6">
+            <a:extLst>
+              <a:ext uri="{FF2B5EF4-FFF2-40B4-BE49-F238E27FC236}">
+                <a16:creationId xmlns:a16="http://schemas.microsoft.com/office/drawing/2014/main" id="{13F9A5C8-C7DB-F3F9-1630-DD2EBE91BD34}"/>
+              </a:ext>
+            </a:extLst>
+          </p:cNvPr>
+          <p:cNvSpPr txBox="1"/>
+          <p:nvPr/>
+        </p:nvSpPr>
+        <p:spPr>
+          <a:xfrm>
+            <a:off x="293915" y="4126187"/>
+            <a:ext cx="2900153" cy="1077218"/>
+          </a:xfrm>
+          <a:prstGeom prst="rect">
+            <a:avLst/>
+          </a:prstGeom>
+          <a:noFill/>
+        </p:spPr>
+        <p:txBody>
+          <a:bodyPr wrap="none" rtlCol="0">
+            <a:spAutoFit/>
+          </a:bodyPr>
+          <a:lstStyle/>
+          <a:p>
+            <a:r>
+              <a:rPr lang="en-US" sz="1600" b="1" dirty="0">
+                <a:latin typeface="Courier New" panose="02070309020205020404" pitchFamily="49" charset="0"/>
+                <a:cs typeface="Courier New" panose="02070309020205020404" pitchFamily="49" charset="0"/>
+              </a:rPr>
+              <a:t>X before zap: ORIGINAL</a:t>
+            </a:r>
+          </a:p>
+          <a:p>
+            <a:r>
+              <a:rPr lang="en-US" sz="1600" b="1" dirty="0">
+                <a:latin typeface="Courier New" panose="02070309020205020404" pitchFamily="49" charset="0"/>
+                <a:cs typeface="Courier New" panose="02070309020205020404" pitchFamily="49" charset="0"/>
+              </a:rPr>
+              <a:t>Y start  zap: ORIGINAL</a:t>
+            </a:r>
+          </a:p>
+          <a:p>
+            <a:r>
+              <a:rPr lang="en-US" sz="1600" b="1" dirty="0">
+                <a:latin typeface="Courier New" panose="02070309020205020404" pitchFamily="49" charset="0"/>
+                <a:cs typeface="Courier New" panose="02070309020205020404" pitchFamily="49" charset="0"/>
+              </a:rPr>
+              <a:t>Y end    zap: CHANGED</a:t>
+            </a:r>
+          </a:p>
+          <a:p>
+            <a:r>
+              <a:rPr lang="en-US" sz="1600" b="1" dirty="0">
+                <a:latin typeface="Courier New" panose="02070309020205020404" pitchFamily="49" charset="0"/>
+                <a:cs typeface="Courier New" panose="02070309020205020404" pitchFamily="49" charset="0"/>
+              </a:rPr>
+              <a:t>X after  zap: </a:t>
+            </a:r>
+            <a:r>
+              <a:rPr lang="en-US" sz="1600" b="1" dirty="0">
+                <a:solidFill>
+                  <a:srgbClr val="FF0000"/>
+                </a:solidFill>
+                <a:latin typeface="Courier New" panose="02070309020205020404" pitchFamily="49" charset="0"/>
+                <a:cs typeface="Courier New" panose="02070309020205020404" pitchFamily="49" charset="0"/>
+              </a:rPr>
+              <a:t>CHANGED</a:t>
+            </a:r>
+          </a:p>
+        </p:txBody>
+      </p:sp>
+      <p:sp>
+        <p:nvSpPr>
+          <p:cNvPr id="8" name="TextBox 7">
+            <a:extLst>
+              <a:ext uri="{FF2B5EF4-FFF2-40B4-BE49-F238E27FC236}">
+                <a16:creationId xmlns:a16="http://schemas.microsoft.com/office/drawing/2014/main" id="{97FE8BE9-CC96-C1A1-F86B-F4504FBC6D80}"/>
+              </a:ext>
+            </a:extLst>
+          </p:cNvPr>
+          <p:cNvSpPr txBox="1"/>
+          <p:nvPr/>
+        </p:nvSpPr>
+        <p:spPr>
+          <a:xfrm>
+            <a:off x="293915" y="6338986"/>
+            <a:ext cx="1382485" cy="307777"/>
+          </a:xfrm>
+          <a:prstGeom prst="rect">
+            <a:avLst/>
+          </a:prstGeom>
+          <a:noFill/>
+        </p:spPr>
+        <p:txBody>
+          <a:bodyPr wrap="square">
+            <a:spAutoFit/>
+          </a:bodyPr>
+          <a:lstStyle/>
+          <a:p>
+            <a:r>
+              <a:rPr lang="en-US" sz="1400" b="1" dirty="0">
+                <a:solidFill>
+                  <a:srgbClr val="000000"/>
+                </a:solidFill>
+                <a:latin typeface="Menlo" panose="020B0609030804020204" pitchFamily="49" charset="0"/>
+              </a:rPr>
+              <a:t>kr_04_02.c</a:t>
+            </a:r>
+          </a:p>
+        </p:txBody>
+      </p:sp>
+      <p:sp>
+        <p:nvSpPr>
+          <p:cNvPr id="3" name="Rectangle 2">
+            <a:extLst>
+              <a:ext uri="{FF2B5EF4-FFF2-40B4-BE49-F238E27FC236}">
+                <a16:creationId xmlns:a16="http://schemas.microsoft.com/office/drawing/2014/main" id="{08F13965-2F1F-7597-9BBF-3499136C1DA5}"/>
+              </a:ext>
+            </a:extLst>
+          </p:cNvPr>
+          <p:cNvSpPr/>
+          <p:nvPr/>
+        </p:nvSpPr>
+        <p:spPr>
+          <a:xfrm>
+            <a:off x="6084513" y="995183"/>
+            <a:ext cx="1289957" cy="4629149"/>
+          </a:xfrm>
+          <a:prstGeom prst="rect">
+            <a:avLst/>
+          </a:prstGeom>
+          <a:solidFill>
+            <a:schemeClr val="bg1"/>
+          </a:solidFill>
+          <a:ln w="28575"/>
+        </p:spPr>
+        <p:style>
+          <a:lnRef idx="2">
+            <a:schemeClr val="accent1">
+              <a:shade val="50000"/>
+            </a:schemeClr>
+          </a:lnRef>
+          <a:fillRef idx="1">
+            <a:schemeClr val="accent1"/>
+          </a:fillRef>
+          <a:effectRef idx="0">
+            <a:schemeClr val="accent1"/>
+          </a:effectRef>
+          <a:fontRef idx="minor">
+            <a:schemeClr val="lt1"/>
+          </a:fontRef>
+        </p:style>
+        <p:txBody>
+          <a:bodyPr rtlCol="0" anchor="ctr"/>
+          <a:lstStyle/>
+          <a:p>
+            <a:pPr algn="ctr"/>
+            <a:endParaRPr lang="en-US"/>
+          </a:p>
+        </p:txBody>
+      </p:sp>
+      <p:sp>
+        <p:nvSpPr>
+          <p:cNvPr id="10" name="Rectangle 9">
+            <a:extLst>
+              <a:ext uri="{FF2B5EF4-FFF2-40B4-BE49-F238E27FC236}">
+                <a16:creationId xmlns:a16="http://schemas.microsoft.com/office/drawing/2014/main" id="{DFA17990-A4DA-34C4-5AAB-E4A01F18B95C}"/>
+              </a:ext>
+            </a:extLst>
+          </p:cNvPr>
+          <p:cNvSpPr/>
+          <p:nvPr/>
+        </p:nvSpPr>
+        <p:spPr>
+          <a:xfrm>
+            <a:off x="6084513" y="5191625"/>
+            <a:ext cx="1289957" cy="432707"/>
+          </a:xfrm>
+          <a:prstGeom prst="rect">
+            <a:avLst/>
+          </a:prstGeom>
+          <a:solidFill>
+            <a:schemeClr val="bg1"/>
+          </a:solidFill>
+          <a:ln w="28575"/>
+        </p:spPr>
+        <p:style>
+          <a:lnRef idx="2">
+            <a:schemeClr val="accent1">
+              <a:shade val="50000"/>
+            </a:schemeClr>
+          </a:lnRef>
+          <a:fillRef idx="1">
+            <a:schemeClr val="accent1"/>
+          </a:fillRef>
+          <a:effectRef idx="0">
+            <a:schemeClr val="accent1"/>
+          </a:effectRef>
+          <a:fontRef idx="minor">
+            <a:schemeClr val="lt1"/>
+          </a:fontRef>
+        </p:style>
+        <p:txBody>
+          <a:bodyPr rtlCol="0" anchor="ctr"/>
+          <a:lstStyle/>
+          <a:p>
+            <a:r>
+              <a:rPr lang="en-US" dirty="0">
+                <a:solidFill>
+                  <a:schemeClr val="tx1"/>
+                </a:solidFill>
+                <a:latin typeface="Courier New" panose="02070309020205020404" pitchFamily="49" charset="0"/>
+                <a:cs typeface="Courier New" panose="02070309020205020404" pitchFamily="49" charset="0"/>
+              </a:rPr>
+              <a:t>x</a:t>
+            </a:r>
+          </a:p>
+        </p:txBody>
+      </p:sp>
+      <p:sp>
+        <p:nvSpPr>
+          <p:cNvPr id="11" name="Rectangle 10">
+            <a:extLst>
+              <a:ext uri="{FF2B5EF4-FFF2-40B4-BE49-F238E27FC236}">
+                <a16:creationId xmlns:a16="http://schemas.microsoft.com/office/drawing/2014/main" id="{2B7C2F1D-34E6-AD5A-69EC-D048204DBB12}"/>
+              </a:ext>
+            </a:extLst>
+          </p:cNvPr>
+          <p:cNvSpPr/>
+          <p:nvPr/>
+        </p:nvSpPr>
+        <p:spPr>
+          <a:xfrm>
+            <a:off x="6590699" y="5191625"/>
+            <a:ext cx="783771" cy="432707"/>
+          </a:xfrm>
+          <a:prstGeom prst="rect">
+            <a:avLst/>
+          </a:prstGeom>
+          <a:solidFill>
+            <a:schemeClr val="bg2"/>
+          </a:solidFill>
+          <a:ln w="28575"/>
+        </p:spPr>
+        <p:style>
+          <a:lnRef idx="2">
+            <a:schemeClr val="accent1">
+              <a:shade val="50000"/>
+            </a:schemeClr>
+          </a:lnRef>
+          <a:fillRef idx="1">
+            <a:schemeClr val="accent1"/>
+          </a:fillRef>
+          <a:effectRef idx="0">
+            <a:schemeClr val="accent1"/>
+          </a:effectRef>
+          <a:fontRef idx="minor">
+            <a:schemeClr val="lt1"/>
+          </a:fontRef>
+        </p:style>
+        <p:txBody>
+          <a:bodyPr rtlCol="0" anchor="ctr"/>
+          <a:lstStyle/>
+          <a:p>
+            <a:pPr algn="ctr"/>
+            <a:r>
+              <a:rPr lang="en-US" dirty="0">
+                <a:solidFill>
+                  <a:schemeClr val="tx1"/>
+                </a:solidFill>
+              </a:rPr>
+              <a:t> </a:t>
+            </a:r>
+          </a:p>
+        </p:txBody>
+      </p:sp>
+      <p:sp>
+        <p:nvSpPr>
+          <p:cNvPr id="12" name="Rectangle 11">
+            <a:extLst>
+              <a:ext uri="{FF2B5EF4-FFF2-40B4-BE49-F238E27FC236}">
+                <a16:creationId xmlns:a16="http://schemas.microsoft.com/office/drawing/2014/main" id="{A6EB4F96-4492-BD6F-3575-8E9DE3924F48}"/>
+              </a:ext>
+            </a:extLst>
+          </p:cNvPr>
+          <p:cNvSpPr/>
+          <p:nvPr/>
+        </p:nvSpPr>
+        <p:spPr>
+          <a:xfrm>
+            <a:off x="6084513" y="4286334"/>
+            <a:ext cx="1289957" cy="432707"/>
+          </a:xfrm>
+          <a:prstGeom prst="rect">
+            <a:avLst/>
+          </a:prstGeom>
+          <a:solidFill>
+            <a:schemeClr val="bg1"/>
+          </a:solidFill>
+          <a:ln w="28575"/>
+        </p:spPr>
+        <p:style>
+          <a:lnRef idx="2">
+            <a:schemeClr val="accent1">
+              <a:shade val="50000"/>
+            </a:schemeClr>
+          </a:lnRef>
+          <a:fillRef idx="1">
+            <a:schemeClr val="accent1"/>
+          </a:fillRef>
+          <a:effectRef idx="0">
+            <a:schemeClr val="accent1"/>
+          </a:effectRef>
+          <a:fontRef idx="minor">
+            <a:schemeClr val="lt1"/>
+          </a:fontRef>
+        </p:style>
+        <p:txBody>
+          <a:bodyPr rtlCol="0" anchor="ctr"/>
+          <a:lstStyle/>
+          <a:p>
+            <a:r>
+              <a:rPr lang="en-US" dirty="0">
+                <a:solidFill>
+                  <a:schemeClr val="tx1"/>
+                </a:solidFill>
+                <a:latin typeface="Courier New" panose="02070309020205020404" pitchFamily="49" charset="0"/>
+                <a:cs typeface="Courier New" panose="02070309020205020404" pitchFamily="49" charset="0"/>
+              </a:rPr>
+              <a:t>y</a:t>
+            </a:r>
+          </a:p>
+        </p:txBody>
+      </p:sp>
+      <p:sp>
+        <p:nvSpPr>
+          <p:cNvPr id="13" name="Rectangle 12">
+            <a:extLst>
+              <a:ext uri="{FF2B5EF4-FFF2-40B4-BE49-F238E27FC236}">
+                <a16:creationId xmlns:a16="http://schemas.microsoft.com/office/drawing/2014/main" id="{53C6C8C5-6AE1-F1C9-D745-78879845D933}"/>
+              </a:ext>
+            </a:extLst>
+          </p:cNvPr>
+          <p:cNvSpPr/>
+          <p:nvPr/>
+        </p:nvSpPr>
+        <p:spPr>
+          <a:xfrm>
+            <a:off x="6590699" y="4286334"/>
+            <a:ext cx="783771" cy="432707"/>
+          </a:xfrm>
+          <a:prstGeom prst="rect">
+            <a:avLst/>
+          </a:prstGeom>
+          <a:solidFill>
+            <a:schemeClr val="bg2"/>
+          </a:solidFill>
+          <a:ln w="28575"/>
+        </p:spPr>
+        <p:style>
+          <a:lnRef idx="2">
+            <a:schemeClr val="accent1">
+              <a:shade val="50000"/>
+            </a:schemeClr>
+          </a:lnRef>
+          <a:fillRef idx="1">
+            <a:schemeClr val="accent1"/>
+          </a:fillRef>
+          <a:effectRef idx="0">
+            <a:schemeClr val="accent1"/>
+          </a:effectRef>
+          <a:fontRef idx="minor">
+            <a:schemeClr val="lt1"/>
+          </a:fontRef>
+        </p:style>
+        <p:txBody>
+          <a:bodyPr rtlCol="0" anchor="ctr"/>
+          <a:lstStyle/>
+          <a:p>
+            <a:pPr algn="ctr"/>
+            <a:r>
+              <a:rPr lang="en-US" dirty="0">
+                <a:solidFill>
+                  <a:schemeClr val="tx1"/>
+                </a:solidFill>
+              </a:rPr>
+              <a:t> </a:t>
+            </a:r>
+          </a:p>
+        </p:txBody>
+      </p:sp>
+      <p:sp>
+        <p:nvSpPr>
+          <p:cNvPr id="17" name="Rectangle 16">
+            <a:extLst>
+              <a:ext uri="{FF2B5EF4-FFF2-40B4-BE49-F238E27FC236}">
+                <a16:creationId xmlns:a16="http://schemas.microsoft.com/office/drawing/2014/main" id="{4ED5CA26-A10C-2662-32A5-9CA1B9308950}"/>
+              </a:ext>
+            </a:extLst>
+          </p:cNvPr>
+          <p:cNvSpPr/>
+          <p:nvPr/>
+        </p:nvSpPr>
+        <p:spPr>
+          <a:xfrm>
+            <a:off x="9045678" y="3309757"/>
+            <a:ext cx="440893" cy="2529154"/>
+          </a:xfrm>
+          <a:prstGeom prst="rect">
+            <a:avLst/>
+          </a:prstGeom>
+          <a:solidFill>
+            <a:schemeClr val="bg1"/>
+          </a:solidFill>
+          <a:ln w="28575"/>
+        </p:spPr>
+        <p:style>
+          <a:lnRef idx="2">
+            <a:schemeClr val="accent1">
+              <a:shade val="50000"/>
+            </a:schemeClr>
+          </a:lnRef>
+          <a:fillRef idx="1">
+            <a:schemeClr val="accent1"/>
+          </a:fillRef>
+          <a:effectRef idx="0">
+            <a:schemeClr val="accent1"/>
+          </a:effectRef>
+          <a:fontRef idx="minor">
+            <a:schemeClr val="lt1"/>
+          </a:fontRef>
+        </p:style>
+        <p:txBody>
+          <a:bodyPr rtlCol="0" anchor="ctr"/>
+          <a:lstStyle/>
+          <a:p>
+            <a:pPr algn="ctr"/>
+            <a:r>
+              <a:rPr lang="en-US" dirty="0">
+                <a:solidFill>
+                  <a:schemeClr val="tx1"/>
+                </a:solidFill>
+              </a:rPr>
+              <a:t>O</a:t>
+            </a:r>
+          </a:p>
+          <a:p>
+            <a:pPr algn="ctr"/>
+            <a:r>
+              <a:rPr lang="en-US" dirty="0">
+                <a:solidFill>
+                  <a:schemeClr val="tx1"/>
+                </a:solidFill>
+              </a:rPr>
+              <a:t>R</a:t>
+            </a:r>
+            <a:br>
+              <a:rPr lang="en-US" dirty="0">
+                <a:solidFill>
+                  <a:schemeClr val="tx1"/>
+                </a:solidFill>
+              </a:rPr>
+            </a:br>
+            <a:r>
+              <a:rPr lang="en-US" dirty="0">
+                <a:solidFill>
+                  <a:schemeClr val="tx1"/>
+                </a:solidFill>
+              </a:rPr>
+              <a:t>I</a:t>
+            </a:r>
+            <a:br>
+              <a:rPr lang="en-US" dirty="0">
+                <a:solidFill>
+                  <a:schemeClr val="tx1"/>
+                </a:solidFill>
+              </a:rPr>
+            </a:br>
+            <a:r>
+              <a:rPr lang="en-US" dirty="0">
+                <a:solidFill>
+                  <a:schemeClr val="tx1"/>
+                </a:solidFill>
+              </a:rPr>
+              <a:t>G</a:t>
+            </a:r>
+            <a:br>
+              <a:rPr lang="en-US" dirty="0">
+                <a:solidFill>
+                  <a:schemeClr val="tx1"/>
+                </a:solidFill>
+              </a:rPr>
+            </a:br>
+            <a:r>
+              <a:rPr lang="en-US" dirty="0">
+                <a:solidFill>
+                  <a:schemeClr val="tx1"/>
+                </a:solidFill>
+              </a:rPr>
+              <a:t>I</a:t>
+            </a:r>
+            <a:br>
+              <a:rPr lang="en-US" dirty="0">
+                <a:solidFill>
+                  <a:schemeClr val="tx1"/>
+                </a:solidFill>
+              </a:rPr>
+            </a:br>
+            <a:r>
+              <a:rPr lang="en-US" dirty="0">
+                <a:solidFill>
+                  <a:schemeClr val="tx1"/>
+                </a:solidFill>
+              </a:rPr>
+              <a:t>N</a:t>
+            </a:r>
+            <a:br>
+              <a:rPr lang="en-US" dirty="0">
+                <a:solidFill>
+                  <a:schemeClr val="tx1"/>
+                </a:solidFill>
+              </a:rPr>
+            </a:br>
+            <a:r>
+              <a:rPr lang="en-US" dirty="0">
+                <a:solidFill>
+                  <a:schemeClr val="tx1"/>
+                </a:solidFill>
+              </a:rPr>
+              <a:t>A</a:t>
+            </a:r>
+            <a:br>
+              <a:rPr lang="en-US" dirty="0">
+                <a:solidFill>
+                  <a:schemeClr val="tx1"/>
+                </a:solidFill>
+              </a:rPr>
+            </a:br>
+            <a:r>
+              <a:rPr lang="en-US" dirty="0">
+                <a:solidFill>
+                  <a:schemeClr val="tx1"/>
+                </a:solidFill>
+              </a:rPr>
+              <a:t>L</a:t>
+            </a:r>
+          </a:p>
+          <a:p>
+            <a:pPr algn="ctr"/>
+            <a:r>
+              <a:rPr lang="en-US" dirty="0">
+                <a:solidFill>
+                  <a:schemeClr val="tx1"/>
+                </a:solidFill>
+              </a:rPr>
+              <a:t>\0</a:t>
+            </a:r>
+          </a:p>
+        </p:txBody>
+      </p:sp>
+      <p:cxnSp>
+        <p:nvCxnSpPr>
+          <p:cNvPr id="35" name="Straight Arrow Connector 34">
+            <a:extLst>
+              <a:ext uri="{FF2B5EF4-FFF2-40B4-BE49-F238E27FC236}">
+                <a16:creationId xmlns:a16="http://schemas.microsoft.com/office/drawing/2014/main" id="{4DC64D9C-2024-4659-BBDA-18A86454E28D}"/>
+              </a:ext>
+            </a:extLst>
+          </p:cNvPr>
+          <p:cNvCxnSpPr>
+            <a:cxnSpLocks/>
+          </p:cNvCxnSpPr>
+          <p:nvPr/>
+        </p:nvCxnSpPr>
+        <p:spPr>
+          <a:xfrm flipV="1">
+            <a:off x="6956862" y="3309757"/>
+            <a:ext cx="1939169" cy="1192930"/>
+          </a:xfrm>
+          <a:prstGeom prst="straightConnector1">
+            <a:avLst/>
+          </a:prstGeom>
+          <a:ln w="28575">
+            <a:tailEnd type="triangle"/>
+          </a:ln>
+        </p:spPr>
+        <p:style>
+          <a:lnRef idx="1">
+            <a:schemeClr val="accent1"/>
+          </a:lnRef>
+          <a:fillRef idx="0">
+            <a:schemeClr val="accent1"/>
+          </a:fillRef>
+          <a:effectRef idx="0">
+            <a:schemeClr val="accent1"/>
+          </a:effectRef>
+          <a:fontRef idx="minor">
+            <a:schemeClr val="tx1"/>
+          </a:fontRef>
+        </p:style>
+      </p:cxnSp>
+      <p:cxnSp>
+        <p:nvCxnSpPr>
+          <p:cNvPr id="37" name="Straight Arrow Connector 36">
+            <a:extLst>
+              <a:ext uri="{FF2B5EF4-FFF2-40B4-BE49-F238E27FC236}">
+                <a16:creationId xmlns:a16="http://schemas.microsoft.com/office/drawing/2014/main" id="{ED7C2C2C-853C-FC37-D840-90E27990E4E4}"/>
+              </a:ext>
+            </a:extLst>
+          </p:cNvPr>
+          <p:cNvCxnSpPr>
+            <a:cxnSpLocks/>
+          </p:cNvCxnSpPr>
+          <p:nvPr/>
+        </p:nvCxnSpPr>
+        <p:spPr>
+          <a:xfrm flipV="1">
+            <a:off x="6956862" y="3429000"/>
+            <a:ext cx="1939169" cy="2020519"/>
+          </a:xfrm>
+          <a:prstGeom prst="straightConnector1">
+            <a:avLst/>
+          </a:prstGeom>
+          <a:ln w="28575">
+            <a:tailEnd type="triangle"/>
+          </a:ln>
+        </p:spPr>
+        <p:style>
+          <a:lnRef idx="1">
+            <a:schemeClr val="accent1"/>
+          </a:lnRef>
+          <a:fillRef idx="0">
+            <a:schemeClr val="accent1"/>
+          </a:fillRef>
+          <a:effectRef idx="0">
+            <a:schemeClr val="accent1"/>
+          </a:effectRef>
+          <a:fontRef idx="minor">
+            <a:schemeClr val="tx1"/>
+          </a:fontRef>
+        </p:style>
+      </p:cxnSp>
+      <p:sp>
+        <p:nvSpPr>
+          <p:cNvPr id="40" name="Left Brace 39">
+            <a:extLst>
+              <a:ext uri="{FF2B5EF4-FFF2-40B4-BE49-F238E27FC236}">
+                <a16:creationId xmlns:a16="http://schemas.microsoft.com/office/drawing/2014/main" id="{C6157F09-894F-F9FB-ECDC-CA32D0202F68}"/>
+              </a:ext>
+            </a:extLst>
+          </p:cNvPr>
+          <p:cNvSpPr/>
+          <p:nvPr/>
+        </p:nvSpPr>
+        <p:spPr>
+          <a:xfrm>
+            <a:off x="5221816" y="4158845"/>
+            <a:ext cx="783770" cy="604241"/>
+          </a:xfrm>
+          <a:prstGeom prst="leftBrace">
+            <a:avLst/>
+          </a:prstGeom>
+          <a:ln w="28575">
+            <a:solidFill>
+              <a:srgbClr val="00B050"/>
+            </a:solidFill>
+          </a:ln>
+        </p:spPr>
+        <p:style>
+          <a:lnRef idx="1">
+            <a:schemeClr val="accent1"/>
+          </a:lnRef>
+          <a:fillRef idx="0">
+            <a:schemeClr val="accent1"/>
+          </a:fillRef>
+          <a:effectRef idx="0">
+            <a:schemeClr val="accent1"/>
+          </a:effectRef>
+          <a:fontRef idx="minor">
+            <a:schemeClr val="tx1"/>
+          </a:fontRef>
+        </p:style>
+        <p:txBody>
+          <a:bodyPr rtlCol="0" anchor="ctr"/>
+          <a:lstStyle/>
+          <a:p>
+            <a:pPr algn="ctr"/>
+            <a:endParaRPr lang="en-US"/>
+          </a:p>
+        </p:txBody>
+      </p:sp>
+      <p:sp>
+        <p:nvSpPr>
+          <p:cNvPr id="41" name="TextBox 40">
+            <a:extLst>
+              <a:ext uri="{FF2B5EF4-FFF2-40B4-BE49-F238E27FC236}">
+                <a16:creationId xmlns:a16="http://schemas.microsoft.com/office/drawing/2014/main" id="{3B832929-4A69-F998-0DDE-FBF3E1FC999D}"/>
+              </a:ext>
+            </a:extLst>
+          </p:cNvPr>
+          <p:cNvSpPr txBox="1"/>
+          <p:nvPr/>
+        </p:nvSpPr>
+        <p:spPr>
+          <a:xfrm>
+            <a:off x="4541920" y="4158845"/>
+            <a:ext cx="800116" cy="646331"/>
+          </a:xfrm>
+          <a:prstGeom prst="rect">
+            <a:avLst/>
+          </a:prstGeom>
+          <a:noFill/>
+        </p:spPr>
+        <p:txBody>
+          <a:bodyPr wrap="square" rtlCol="0">
+            <a:spAutoFit/>
+          </a:bodyPr>
           <a:lstStyle/>
           <a:p>
             <a:r>
               <a:rPr lang="en-US" dirty="0"/>
-              <a:t>Recursion, see recursion</a:t>
-            </a:r>
-          </a:p>
-        </p:txBody>
-      </p:sp>
-      <p:sp>
-        <p:nvSpPr>
-          <p:cNvPr id="3" name="Content Placeholder 2">
-            <a:extLst>
-              <a:ext uri="{FF2B5EF4-FFF2-40B4-BE49-F238E27FC236}">
-                <a16:creationId xmlns:a16="http://schemas.microsoft.com/office/drawing/2014/main" id="{7DAC45BB-9830-1EBE-B746-2FA7FEC20F2F}"/>
-              </a:ext>
-            </a:extLst>
-          </p:cNvPr>
-          <p:cNvSpPr>
-            <a:spLocks noGrp="1"/>
-          </p:cNvSpPr>
-          <p:nvPr>
-            <p:ph idx="1"/>
-          </p:nvPr>
-        </p:nvSpPr>
-        <p:spPr/>
-        <p:txBody>
-          <a:bodyPr/>
-          <a:lstStyle/>
-          <a:p>
-            <a:endParaRPr lang="en-US"/>
+              <a:t>stack</a:t>
+            </a:r>
+          </a:p>
+          <a:p>
+            <a:r>
+              <a:rPr lang="en-US" dirty="0"/>
+              <a:t>frame</a:t>
+            </a:r>
+          </a:p>
+        </p:txBody>
+      </p:sp>
+      <p:sp>
+        <p:nvSpPr>
+          <p:cNvPr id="42" name="TextBox 41">
+            <a:extLst>
+              <a:ext uri="{FF2B5EF4-FFF2-40B4-BE49-F238E27FC236}">
+                <a16:creationId xmlns:a16="http://schemas.microsoft.com/office/drawing/2014/main" id="{C46A4CBE-F53B-83AF-81F5-D5E7747425E5}"/>
+              </a:ext>
+            </a:extLst>
+          </p:cNvPr>
+          <p:cNvSpPr txBox="1"/>
+          <p:nvPr/>
+        </p:nvSpPr>
+        <p:spPr>
+          <a:xfrm>
+            <a:off x="7855375" y="906570"/>
+            <a:ext cx="3971639" cy="1938992"/>
+          </a:xfrm>
+          <a:prstGeom prst="rect">
+            <a:avLst/>
+          </a:prstGeom>
+          <a:noFill/>
+        </p:spPr>
+        <p:txBody>
+          <a:bodyPr wrap="square" rtlCol="0">
+            <a:spAutoFit/>
+          </a:bodyPr>
+          <a:lstStyle/>
+          <a:p>
+            <a:r>
+              <a:rPr lang="en-US" sz="2000" dirty="0"/>
+              <a:t>The array *location* is passed by value (i.e. a copy is made in the stack frame) but no copy is made of the data in the array.  Since the function *knows where* the data is, it can change the data.</a:t>
+            </a:r>
           </a:p>
         </p:txBody>
       </p:sp>
     </p:spTree>
     <p:extLst>
       <p:ext uri="{BB962C8B-B14F-4D97-AF65-F5344CB8AC3E}">
-        <p14:creationId xmlns:p14="http://schemas.microsoft.com/office/powerpoint/2010/main" val="1546743805"/>
+        <p14:creationId xmlns:p14="http://schemas.microsoft.com/office/powerpoint/2010/main" val="3060599030"/>
       </p:ext>
     </p:extLst>
   </p:cSld>
@@ -4580,7 +6178,7 @@
           <p:cNvPr id="2" name="Title 1">
             <a:extLst>
               <a:ext uri="{FF2B5EF4-FFF2-40B4-BE49-F238E27FC236}">
-                <a16:creationId xmlns:a16="http://schemas.microsoft.com/office/drawing/2014/main" id="{A873E460-3B9E-0C94-30C0-5AA55AAF307F}"/>
+                <a16:creationId xmlns:a16="http://schemas.microsoft.com/office/drawing/2014/main" id="{617513D2-75CA-9FF5-AF46-15E529B6E5B9}"/>
               </a:ext>
             </a:extLst>
           </p:cNvPr>
@@ -4598,7 +6196,7 @@
           <a:p>
             <a:r>
               <a:rPr lang="en-US" dirty="0"/>
-              <a:t>The C Pre Processor</a:t>
+              <a:t>Recursion, see recursion</a:t>
             </a:r>
           </a:p>
         </p:txBody>
@@ -4608,7 +6206,7 @@
           <p:cNvPr id="3" name="Content Placeholder 2">
             <a:extLst>
               <a:ext uri="{FF2B5EF4-FFF2-40B4-BE49-F238E27FC236}">
-                <a16:creationId xmlns:a16="http://schemas.microsoft.com/office/drawing/2014/main" id="{D4AF128A-08B5-673B-CFE8-E3156CD0D2DB}"/>
+                <a16:creationId xmlns:a16="http://schemas.microsoft.com/office/drawing/2014/main" id="{7DAC45BB-9830-1EBE-B746-2FA7FEC20F2F}"/>
               </a:ext>
             </a:extLst>
           </p:cNvPr>
@@ -4621,17 +6219,68 @@
         </p:nvSpPr>
         <p:spPr/>
         <p:txBody>
-          <a:bodyPr/>
-          <a:lstStyle/>
-          <a:p>
-            <a:endParaRPr lang="en-US"/>
+          <a:bodyPr>
+            <a:normAutofit lnSpcReduction="10000"/>
+          </a:bodyPr>
+          <a:lstStyle/>
+          <a:p>
+            <a:r>
+              <a:rPr lang="en-US" dirty="0"/>
+              <a:t>When a function calls itself, it is called “recursion”</a:t>
+            </a:r>
+          </a:p>
+          <a:p>
+            <a:r>
+              <a:rPr lang="en-US" dirty="0"/>
+              <a:t>Recursion is a powerful programming concept</a:t>
+            </a:r>
+          </a:p>
+          <a:p>
+            <a:r>
+              <a:rPr lang="en-US" dirty="0"/>
+              <a:t>Recursion is essential to writing good code in special situations</a:t>
+            </a:r>
+          </a:p>
+          <a:p>
+            <a:pPr lvl="1"/>
+            <a:r>
+              <a:rPr lang="en-US" dirty="0"/>
+              <a:t>Parsing expressions like (5 * 2) + ( ( 6 + 5 ) * 9 )</a:t>
+            </a:r>
+          </a:p>
+          <a:p>
+            <a:pPr lvl="1"/>
+            <a:r>
+              <a:rPr lang="en-US" dirty="0"/>
+              <a:t>Traversing tree-like structures</a:t>
+            </a:r>
+          </a:p>
+          <a:p>
+            <a:pPr lvl="1"/>
+            <a:endParaRPr lang="en-US" dirty="0"/>
+          </a:p>
+          <a:p>
+            <a:r>
+              <a:rPr lang="en-US" dirty="0">
+                <a:solidFill>
+                  <a:srgbClr val="FF0000"/>
+                </a:solidFill>
+              </a:rPr>
+              <a:t>Simple recursion examples (like this one) are very bad uses of recursion and completely mislead you as to the value and applications of recursion</a:t>
+            </a:r>
+          </a:p>
+          <a:p>
+            <a:r>
+              <a:rPr lang="en-US" dirty="0"/>
+              <a:t>We just want to see how a call stack makes recursion possible</a:t>
+            </a:r>
           </a:p>
         </p:txBody>
       </p:sp>
     </p:spTree>
     <p:extLst>
       <p:ext uri="{BB962C8B-B14F-4D97-AF65-F5344CB8AC3E}">
-        <p14:creationId xmlns:p14="http://schemas.microsoft.com/office/powerpoint/2010/main" val="2244150091"/>
+        <p14:creationId xmlns:p14="http://schemas.microsoft.com/office/powerpoint/2010/main" val="1546743805"/>
       </p:ext>
     </p:extLst>
   </p:cSld>
@@ -4660,6 +6309,1961 @@
       </p:grpSpPr>
       <p:sp>
         <p:nvSpPr>
+          <p:cNvPr id="4" name="TextBox 3">
+            <a:extLst>
+              <a:ext uri="{FF2B5EF4-FFF2-40B4-BE49-F238E27FC236}">
+                <a16:creationId xmlns:a16="http://schemas.microsoft.com/office/drawing/2014/main" id="{9F3DE9A5-5B3D-0E5C-4BB2-78BFAEA0000F}"/>
+              </a:ext>
+            </a:extLst>
+          </p:cNvPr>
+          <p:cNvSpPr txBox="1"/>
+          <p:nvPr/>
+        </p:nvSpPr>
+        <p:spPr>
+          <a:xfrm>
+            <a:off x="727223" y="674400"/>
+            <a:ext cx="5368777" cy="5509200"/>
+          </a:xfrm>
+          <a:prstGeom prst="rect">
+            <a:avLst/>
+          </a:prstGeom>
+          <a:noFill/>
+        </p:spPr>
+        <p:txBody>
+          <a:bodyPr wrap="none" rtlCol="0">
+            <a:spAutoFit/>
+          </a:bodyPr>
+          <a:lstStyle/>
+          <a:p>
+            <a:r>
+              <a:rPr lang="en-US" sz="1600" b="1" dirty="0">
+                <a:latin typeface="Courier New" panose="02070309020205020404" pitchFamily="49" charset="0"/>
+                <a:cs typeface="Courier New" panose="02070309020205020404" pitchFamily="49" charset="0"/>
+              </a:rPr>
+              <a:t>int </a:t>
+            </a:r>
+            <a:r>
+              <a:rPr lang="en-US" sz="1600" b="1" dirty="0" err="1">
+                <a:latin typeface="Courier New" panose="02070309020205020404" pitchFamily="49" charset="0"/>
+                <a:cs typeface="Courier New" panose="02070309020205020404" pitchFamily="49" charset="0"/>
+              </a:rPr>
+              <a:t>sumup</a:t>
+            </a:r>
+            <a:r>
+              <a:rPr lang="en-US" sz="1600" b="1" dirty="0">
+                <a:latin typeface="Courier New" panose="02070309020205020404" pitchFamily="49" charset="0"/>
+                <a:cs typeface="Courier New" panose="02070309020205020404" pitchFamily="49" charset="0"/>
+              </a:rPr>
+              <a:t>(int above)</a:t>
+            </a:r>
+          </a:p>
+          <a:p>
+            <a:r>
+              <a:rPr lang="en-US" sz="1600" b="1" dirty="0">
+                <a:latin typeface="Courier New" panose="02070309020205020404" pitchFamily="49" charset="0"/>
+                <a:cs typeface="Courier New" panose="02070309020205020404" pitchFamily="49" charset="0"/>
+              </a:rPr>
+              <a:t>{   </a:t>
+            </a:r>
+          </a:p>
+          <a:p>
+            <a:r>
+              <a:rPr lang="en-US" sz="1600" b="1" dirty="0">
+                <a:latin typeface="Courier New" panose="02070309020205020404" pitchFamily="49" charset="0"/>
+                <a:cs typeface="Courier New" panose="02070309020205020404" pitchFamily="49" charset="0"/>
+              </a:rPr>
+              <a:t>    int below;</a:t>
+            </a:r>
+          </a:p>
+          <a:p>
+            <a:r>
+              <a:rPr lang="en-US" sz="1600" b="1" dirty="0">
+                <a:latin typeface="Courier New" panose="02070309020205020404" pitchFamily="49" charset="0"/>
+                <a:cs typeface="Courier New" panose="02070309020205020404" pitchFamily="49" charset="0"/>
+              </a:rPr>
+              <a:t>    int sum;</a:t>
+            </a:r>
+          </a:p>
+          <a:p>
+            <a:r>
+              <a:rPr lang="en-US" sz="1600" b="1" dirty="0">
+                <a:latin typeface="Courier New" panose="02070309020205020404" pitchFamily="49" charset="0"/>
+                <a:cs typeface="Courier New" panose="02070309020205020404" pitchFamily="49" charset="0"/>
+              </a:rPr>
+              <a:t>    int </a:t>
+            </a:r>
+            <a:r>
+              <a:rPr lang="en-US" sz="1600" b="1" dirty="0" err="1">
+                <a:latin typeface="Courier New" panose="02070309020205020404" pitchFamily="49" charset="0"/>
+                <a:cs typeface="Courier New" panose="02070309020205020404" pitchFamily="49" charset="0"/>
+              </a:rPr>
+              <a:t>retval</a:t>
+            </a:r>
+            <a:r>
+              <a:rPr lang="en-US" sz="1600" b="1" dirty="0">
+                <a:latin typeface="Courier New" panose="02070309020205020404" pitchFamily="49" charset="0"/>
+                <a:cs typeface="Courier New" panose="02070309020205020404" pitchFamily="49" charset="0"/>
+              </a:rPr>
+              <a:t>;</a:t>
+            </a:r>
+          </a:p>
+          <a:p>
+            <a:endParaRPr lang="en-US" sz="1600" b="1" dirty="0">
+              <a:latin typeface="Courier New" panose="02070309020205020404" pitchFamily="49" charset="0"/>
+              <a:cs typeface="Courier New" panose="02070309020205020404" pitchFamily="49" charset="0"/>
+            </a:endParaRPr>
+          </a:p>
+          <a:p>
+            <a:r>
+              <a:rPr lang="en-US" sz="1600" b="1" dirty="0">
+                <a:latin typeface="Courier New" panose="02070309020205020404" pitchFamily="49" charset="0"/>
+                <a:cs typeface="Courier New" panose="02070309020205020404" pitchFamily="49" charset="0"/>
+              </a:rPr>
+              <a:t>    </a:t>
+            </a:r>
+            <a:r>
+              <a:rPr lang="en-US" sz="1600" b="1" dirty="0" err="1">
+                <a:latin typeface="Courier New" panose="02070309020205020404" pitchFamily="49" charset="0"/>
+                <a:cs typeface="Courier New" panose="02070309020205020404" pitchFamily="49" charset="0"/>
+              </a:rPr>
+              <a:t>printf</a:t>
+            </a:r>
+            <a:r>
+              <a:rPr lang="en-US" sz="1600" b="1" dirty="0">
+                <a:latin typeface="Courier New" panose="02070309020205020404" pitchFamily="49" charset="0"/>
+                <a:cs typeface="Courier New" panose="02070309020205020404" pitchFamily="49" charset="0"/>
+              </a:rPr>
+              <a:t>("In: %d\</a:t>
+            </a:r>
+            <a:r>
+              <a:rPr lang="en-US" sz="1600" b="1" dirty="0" err="1">
+                <a:latin typeface="Courier New" panose="02070309020205020404" pitchFamily="49" charset="0"/>
+                <a:cs typeface="Courier New" panose="02070309020205020404" pitchFamily="49" charset="0"/>
+              </a:rPr>
+              <a:t>n",above</a:t>
+            </a:r>
+            <a:r>
+              <a:rPr lang="en-US" sz="1600" b="1" dirty="0">
+                <a:latin typeface="Courier New" panose="02070309020205020404" pitchFamily="49" charset="0"/>
+                <a:cs typeface="Courier New" panose="02070309020205020404" pitchFamily="49" charset="0"/>
+              </a:rPr>
+              <a:t>);</a:t>
+            </a:r>
+          </a:p>
+          <a:p>
+            <a:r>
+              <a:rPr lang="en-US" sz="1600" b="1" dirty="0">
+                <a:latin typeface="Courier New" panose="02070309020205020404" pitchFamily="49" charset="0"/>
+                <a:cs typeface="Courier New" panose="02070309020205020404" pitchFamily="49" charset="0"/>
+              </a:rPr>
+              <a:t>    if ( above &lt;= 1 ) return 1; // Stop </a:t>
+            </a:r>
+          </a:p>
+          <a:p>
+            <a:r>
+              <a:rPr lang="en-US" sz="1600" b="1" dirty="0">
+                <a:latin typeface="Courier New" panose="02070309020205020404" pitchFamily="49" charset="0"/>
+                <a:cs typeface="Courier New" panose="02070309020205020404" pitchFamily="49" charset="0"/>
+              </a:rPr>
+              <a:t>    below = above - 1;          </a:t>
+            </a:r>
+          </a:p>
+          <a:p>
+            <a:r>
+              <a:rPr lang="en-US" sz="1600" b="1" dirty="0">
+                <a:latin typeface="Courier New" panose="02070309020205020404" pitchFamily="49" charset="0"/>
+                <a:cs typeface="Courier New" panose="02070309020205020404" pitchFamily="49" charset="0"/>
+              </a:rPr>
+              <a:t>    </a:t>
+            </a:r>
+            <a:r>
+              <a:rPr lang="en-US" sz="1600" b="1" dirty="0" err="1">
+                <a:latin typeface="Courier New" panose="02070309020205020404" pitchFamily="49" charset="0"/>
+                <a:cs typeface="Courier New" panose="02070309020205020404" pitchFamily="49" charset="0"/>
+              </a:rPr>
+              <a:t>printf</a:t>
+            </a:r>
+            <a:r>
+              <a:rPr lang="en-US" sz="1600" b="1" dirty="0">
+                <a:latin typeface="Courier New" panose="02070309020205020404" pitchFamily="49" charset="0"/>
+                <a:cs typeface="Courier New" panose="02070309020205020404" pitchFamily="49" charset="0"/>
+              </a:rPr>
+              <a:t>("Down: %d\</a:t>
+            </a:r>
+            <a:r>
+              <a:rPr lang="en-US" sz="1600" b="1" dirty="0" err="1">
+                <a:latin typeface="Courier New" panose="02070309020205020404" pitchFamily="49" charset="0"/>
+                <a:cs typeface="Courier New" panose="02070309020205020404" pitchFamily="49" charset="0"/>
+              </a:rPr>
+              <a:t>n",below</a:t>
+            </a:r>
+            <a:r>
+              <a:rPr lang="en-US" sz="1600" b="1" dirty="0">
+                <a:latin typeface="Courier New" panose="02070309020205020404" pitchFamily="49" charset="0"/>
+                <a:cs typeface="Courier New" panose="02070309020205020404" pitchFamily="49" charset="0"/>
+              </a:rPr>
+              <a:t>);</a:t>
+            </a:r>
+          </a:p>
+          <a:p>
+            <a:r>
+              <a:rPr lang="en-US" sz="1600" b="1" dirty="0">
+                <a:latin typeface="Courier New" panose="02070309020205020404" pitchFamily="49" charset="0"/>
+                <a:cs typeface="Courier New" panose="02070309020205020404" pitchFamily="49" charset="0"/>
+              </a:rPr>
+              <a:t>    sum = </a:t>
+            </a:r>
+            <a:r>
+              <a:rPr lang="en-US" sz="1600" b="1" dirty="0" err="1">
+                <a:latin typeface="Courier New" panose="02070309020205020404" pitchFamily="49" charset="0"/>
+                <a:cs typeface="Courier New" panose="02070309020205020404" pitchFamily="49" charset="0"/>
+              </a:rPr>
+              <a:t>sumup</a:t>
+            </a:r>
+            <a:r>
+              <a:rPr lang="en-US" sz="1600" b="1" dirty="0">
+                <a:latin typeface="Courier New" panose="02070309020205020404" pitchFamily="49" charset="0"/>
+                <a:cs typeface="Courier New" panose="02070309020205020404" pitchFamily="49" charset="0"/>
+              </a:rPr>
+              <a:t>(below);         // Recurse</a:t>
+            </a:r>
+          </a:p>
+          <a:p>
+            <a:r>
+              <a:rPr lang="en-US" sz="1600" b="1" dirty="0">
+                <a:latin typeface="Courier New" panose="02070309020205020404" pitchFamily="49" charset="0"/>
+                <a:cs typeface="Courier New" panose="02070309020205020404" pitchFamily="49" charset="0"/>
+              </a:rPr>
+              <a:t>    </a:t>
+            </a:r>
+            <a:r>
+              <a:rPr lang="en-US" sz="1600" b="1" dirty="0" err="1">
+                <a:latin typeface="Courier New" panose="02070309020205020404" pitchFamily="49" charset="0"/>
+                <a:cs typeface="Courier New" panose="02070309020205020404" pitchFamily="49" charset="0"/>
+              </a:rPr>
+              <a:t>printf</a:t>
+            </a:r>
+            <a:r>
+              <a:rPr lang="en-US" sz="1600" b="1" dirty="0">
+                <a:latin typeface="Courier New" panose="02070309020205020404" pitchFamily="49" charset="0"/>
+                <a:cs typeface="Courier New" panose="02070309020205020404" pitchFamily="49" charset="0"/>
+              </a:rPr>
+              <a:t>("Back: %d\</a:t>
+            </a:r>
+            <a:r>
+              <a:rPr lang="en-US" sz="1600" b="1" dirty="0" err="1">
+                <a:latin typeface="Courier New" panose="02070309020205020404" pitchFamily="49" charset="0"/>
+                <a:cs typeface="Courier New" panose="02070309020205020404" pitchFamily="49" charset="0"/>
+              </a:rPr>
+              <a:t>n",sum</a:t>
+            </a:r>
+            <a:r>
+              <a:rPr lang="en-US" sz="1600" b="1" dirty="0">
+                <a:latin typeface="Courier New" panose="02070309020205020404" pitchFamily="49" charset="0"/>
+                <a:cs typeface="Courier New" panose="02070309020205020404" pitchFamily="49" charset="0"/>
+              </a:rPr>
+              <a:t>);</a:t>
+            </a:r>
+          </a:p>
+          <a:p>
+            <a:r>
+              <a:rPr lang="en-US" sz="1600" b="1" dirty="0">
+                <a:latin typeface="Courier New" panose="02070309020205020404" pitchFamily="49" charset="0"/>
+                <a:cs typeface="Courier New" panose="02070309020205020404" pitchFamily="49" charset="0"/>
+              </a:rPr>
+              <a:t>    </a:t>
+            </a:r>
+            <a:r>
+              <a:rPr lang="en-US" sz="1600" b="1" dirty="0" err="1">
+                <a:latin typeface="Courier New" panose="02070309020205020404" pitchFamily="49" charset="0"/>
+                <a:cs typeface="Courier New" panose="02070309020205020404" pitchFamily="49" charset="0"/>
+              </a:rPr>
+              <a:t>retval</a:t>
+            </a:r>
+            <a:r>
+              <a:rPr lang="en-US" sz="1600" b="1" dirty="0">
+                <a:latin typeface="Courier New" panose="02070309020205020404" pitchFamily="49" charset="0"/>
+                <a:cs typeface="Courier New" panose="02070309020205020404" pitchFamily="49" charset="0"/>
+              </a:rPr>
+              <a:t> = above + sum;</a:t>
+            </a:r>
+          </a:p>
+          <a:p>
+            <a:r>
+              <a:rPr lang="en-US" sz="1600" b="1" dirty="0">
+                <a:highlight>
+                  <a:srgbClr val="00FFFF"/>
+                </a:highlight>
+                <a:latin typeface="Courier New" panose="02070309020205020404" pitchFamily="49" charset="0"/>
+                <a:cs typeface="Courier New" panose="02070309020205020404" pitchFamily="49" charset="0"/>
+              </a:rPr>
+              <a:t>    </a:t>
+            </a:r>
+            <a:r>
+              <a:rPr lang="en-US" sz="1600" b="1" dirty="0" err="1">
+                <a:highlight>
+                  <a:srgbClr val="00FFFF"/>
+                </a:highlight>
+                <a:latin typeface="Courier New" panose="02070309020205020404" pitchFamily="49" charset="0"/>
+                <a:cs typeface="Courier New" panose="02070309020205020404" pitchFamily="49" charset="0"/>
+              </a:rPr>
+              <a:t>printf</a:t>
+            </a:r>
+            <a:r>
+              <a:rPr lang="en-US" sz="1600" b="1" dirty="0">
+                <a:highlight>
+                  <a:srgbClr val="00FFFF"/>
+                </a:highlight>
+                <a:latin typeface="Courier New" panose="02070309020205020404" pitchFamily="49" charset="0"/>
+                <a:cs typeface="Courier New" panose="02070309020205020404" pitchFamily="49" charset="0"/>
+              </a:rPr>
+              <a:t>("Up: %d\n",</a:t>
+            </a:r>
+            <a:r>
+              <a:rPr lang="en-US" sz="1600" b="1" dirty="0" err="1">
+                <a:highlight>
+                  <a:srgbClr val="00FFFF"/>
+                </a:highlight>
+                <a:latin typeface="Courier New" panose="02070309020205020404" pitchFamily="49" charset="0"/>
+                <a:cs typeface="Courier New" panose="02070309020205020404" pitchFamily="49" charset="0"/>
+              </a:rPr>
+              <a:t>retval</a:t>
+            </a:r>
+            <a:r>
+              <a:rPr lang="en-US" sz="1600" b="1" dirty="0">
+                <a:highlight>
+                  <a:srgbClr val="00FFFF"/>
+                </a:highlight>
+                <a:latin typeface="Courier New" panose="02070309020205020404" pitchFamily="49" charset="0"/>
+                <a:cs typeface="Courier New" panose="02070309020205020404" pitchFamily="49" charset="0"/>
+              </a:rPr>
+              <a:t>);</a:t>
+            </a:r>
+          </a:p>
+          <a:p>
+            <a:r>
+              <a:rPr lang="en-US" sz="1600" b="1" dirty="0">
+                <a:latin typeface="Courier New" panose="02070309020205020404" pitchFamily="49" charset="0"/>
+                <a:cs typeface="Courier New" panose="02070309020205020404" pitchFamily="49" charset="0"/>
+              </a:rPr>
+              <a:t>    return </a:t>
+            </a:r>
+            <a:r>
+              <a:rPr lang="en-US" sz="1600" b="1" dirty="0" err="1">
+                <a:latin typeface="Courier New" panose="02070309020205020404" pitchFamily="49" charset="0"/>
+                <a:cs typeface="Courier New" panose="02070309020205020404" pitchFamily="49" charset="0"/>
+              </a:rPr>
+              <a:t>retval</a:t>
+            </a:r>
+            <a:r>
+              <a:rPr lang="en-US" sz="1600" b="1" dirty="0">
+                <a:latin typeface="Courier New" panose="02070309020205020404" pitchFamily="49" charset="0"/>
+                <a:cs typeface="Courier New" panose="02070309020205020404" pitchFamily="49" charset="0"/>
+              </a:rPr>
+              <a:t>;</a:t>
+            </a:r>
+          </a:p>
+          <a:p>
+            <a:r>
+              <a:rPr lang="en-US" sz="1600" b="1" dirty="0">
+                <a:latin typeface="Courier New" panose="02070309020205020404" pitchFamily="49" charset="0"/>
+                <a:cs typeface="Courier New" panose="02070309020205020404" pitchFamily="49" charset="0"/>
+              </a:rPr>
+              <a:t>}   </a:t>
+            </a:r>
+          </a:p>
+          <a:p>
+            <a:endParaRPr lang="en-US" sz="1600" b="1" dirty="0">
+              <a:latin typeface="Courier New" panose="02070309020205020404" pitchFamily="49" charset="0"/>
+              <a:cs typeface="Courier New" panose="02070309020205020404" pitchFamily="49" charset="0"/>
+            </a:endParaRPr>
+          </a:p>
+          <a:p>
+            <a:r>
+              <a:rPr lang="en-US" sz="1600" b="1" dirty="0">
+                <a:latin typeface="Courier New" panose="02070309020205020404" pitchFamily="49" charset="0"/>
+                <a:cs typeface="Courier New" panose="02070309020205020404" pitchFamily="49" charset="0"/>
+              </a:rPr>
+              <a:t>int main() </a:t>
+            </a:r>
+          </a:p>
+          <a:p>
+            <a:r>
+              <a:rPr lang="en-US" sz="1600" b="1" dirty="0">
+                <a:latin typeface="Courier New" panose="02070309020205020404" pitchFamily="49" charset="0"/>
+                <a:cs typeface="Courier New" panose="02070309020205020404" pitchFamily="49" charset="0"/>
+              </a:rPr>
+              <a:t>{   </a:t>
+            </a:r>
+          </a:p>
+          <a:p>
+            <a:r>
+              <a:rPr lang="en-US" sz="1600" b="1" dirty="0">
+                <a:latin typeface="Courier New" panose="02070309020205020404" pitchFamily="49" charset="0"/>
+                <a:cs typeface="Courier New" panose="02070309020205020404" pitchFamily="49" charset="0"/>
+              </a:rPr>
+              <a:t>    int sup = </a:t>
+            </a:r>
+            <a:r>
+              <a:rPr lang="en-US" sz="1600" b="1" dirty="0" err="1">
+                <a:latin typeface="Courier New" panose="02070309020205020404" pitchFamily="49" charset="0"/>
+                <a:cs typeface="Courier New" panose="02070309020205020404" pitchFamily="49" charset="0"/>
+              </a:rPr>
+              <a:t>sumup</a:t>
+            </a:r>
+            <a:r>
+              <a:rPr lang="en-US" sz="1600" b="1" dirty="0">
+                <a:latin typeface="Courier New" panose="02070309020205020404" pitchFamily="49" charset="0"/>
+                <a:cs typeface="Courier New" panose="02070309020205020404" pitchFamily="49" charset="0"/>
+              </a:rPr>
+              <a:t>(3);</a:t>
+            </a:r>
+          </a:p>
+          <a:p>
+            <a:r>
+              <a:rPr lang="en-US" sz="1600" b="1" dirty="0">
+                <a:latin typeface="Courier New" panose="02070309020205020404" pitchFamily="49" charset="0"/>
+                <a:cs typeface="Courier New" panose="02070309020205020404" pitchFamily="49" charset="0"/>
+              </a:rPr>
+              <a:t>    </a:t>
+            </a:r>
+            <a:r>
+              <a:rPr lang="en-US" sz="1600" b="1" dirty="0" err="1">
+                <a:latin typeface="Courier New" panose="02070309020205020404" pitchFamily="49" charset="0"/>
+                <a:cs typeface="Courier New" panose="02070309020205020404" pitchFamily="49" charset="0"/>
+              </a:rPr>
+              <a:t>printf</a:t>
+            </a:r>
+            <a:r>
+              <a:rPr lang="en-US" sz="1600" b="1" dirty="0">
+                <a:latin typeface="Courier New" panose="02070309020205020404" pitchFamily="49" charset="0"/>
+                <a:cs typeface="Courier New" panose="02070309020205020404" pitchFamily="49" charset="0"/>
+              </a:rPr>
+              <a:t>("Sup: %d\</a:t>
+            </a:r>
+            <a:r>
+              <a:rPr lang="en-US" sz="1600" b="1" dirty="0" err="1">
+                <a:latin typeface="Courier New" panose="02070309020205020404" pitchFamily="49" charset="0"/>
+                <a:cs typeface="Courier New" panose="02070309020205020404" pitchFamily="49" charset="0"/>
+              </a:rPr>
+              <a:t>n",sup</a:t>
+            </a:r>
+            <a:r>
+              <a:rPr lang="en-US" sz="1600" b="1" dirty="0">
+                <a:latin typeface="Courier New" panose="02070309020205020404" pitchFamily="49" charset="0"/>
+                <a:cs typeface="Courier New" panose="02070309020205020404" pitchFamily="49" charset="0"/>
+              </a:rPr>
+              <a:t>);</a:t>
+            </a:r>
+          </a:p>
+          <a:p>
+            <a:r>
+              <a:rPr lang="en-US" sz="1600" b="1" dirty="0">
+                <a:latin typeface="Courier New" panose="02070309020205020404" pitchFamily="49" charset="0"/>
+                <a:cs typeface="Courier New" panose="02070309020205020404" pitchFamily="49" charset="0"/>
+              </a:rPr>
+              <a:t>}</a:t>
+            </a:r>
+          </a:p>
+        </p:txBody>
+      </p:sp>
+      <p:sp>
+        <p:nvSpPr>
+          <p:cNvPr id="6" name="TextBox 5">
+            <a:extLst>
+              <a:ext uri="{FF2B5EF4-FFF2-40B4-BE49-F238E27FC236}">
+                <a16:creationId xmlns:a16="http://schemas.microsoft.com/office/drawing/2014/main" id="{03138CA8-8D5D-4541-3A04-89FD15B37620}"/>
+              </a:ext>
+            </a:extLst>
+          </p:cNvPr>
+          <p:cNvSpPr txBox="1"/>
+          <p:nvPr/>
+        </p:nvSpPr>
+        <p:spPr>
+          <a:xfrm>
+            <a:off x="7043058" y="1817400"/>
+            <a:ext cx="1295547" cy="2554545"/>
+          </a:xfrm>
+          <a:prstGeom prst="rect">
+            <a:avLst/>
+          </a:prstGeom>
+          <a:noFill/>
+        </p:spPr>
+        <p:txBody>
+          <a:bodyPr wrap="none" rtlCol="0">
+            <a:spAutoFit/>
+          </a:bodyPr>
+          <a:lstStyle/>
+          <a:p>
+            <a:r>
+              <a:rPr lang="en-US" sz="1600" b="1" dirty="0">
+                <a:latin typeface="Courier New" panose="02070309020205020404" pitchFamily="49" charset="0"/>
+                <a:cs typeface="Courier New" panose="02070309020205020404" pitchFamily="49" charset="0"/>
+              </a:rPr>
+              <a:t>In: 3</a:t>
+            </a:r>
+          </a:p>
+          <a:p>
+            <a:r>
+              <a:rPr lang="en-US" sz="1600" b="1" dirty="0">
+                <a:latin typeface="Courier New" panose="02070309020205020404" pitchFamily="49" charset="0"/>
+                <a:cs typeface="Courier New" panose="02070309020205020404" pitchFamily="49" charset="0"/>
+              </a:rPr>
+              <a:t>Down: 2</a:t>
+            </a:r>
+          </a:p>
+          <a:p>
+            <a:r>
+              <a:rPr lang="en-US" sz="1600" b="1" dirty="0">
+                <a:latin typeface="Courier New" panose="02070309020205020404" pitchFamily="49" charset="0"/>
+                <a:cs typeface="Courier New" panose="02070309020205020404" pitchFamily="49" charset="0"/>
+              </a:rPr>
+              <a:t>  In: 2</a:t>
+            </a:r>
+          </a:p>
+          <a:p>
+            <a:r>
+              <a:rPr lang="en-US" sz="1600" b="1" dirty="0">
+                <a:latin typeface="Courier New" panose="02070309020205020404" pitchFamily="49" charset="0"/>
+                <a:cs typeface="Courier New" panose="02070309020205020404" pitchFamily="49" charset="0"/>
+              </a:rPr>
+              <a:t>  Down: 1</a:t>
+            </a:r>
+          </a:p>
+          <a:p>
+            <a:r>
+              <a:rPr lang="en-US" sz="1600" b="1" dirty="0">
+                <a:latin typeface="Courier New" panose="02070309020205020404" pitchFamily="49" charset="0"/>
+                <a:cs typeface="Courier New" panose="02070309020205020404" pitchFamily="49" charset="0"/>
+              </a:rPr>
+              <a:t>    In: 1</a:t>
+            </a:r>
+          </a:p>
+          <a:p>
+            <a:r>
+              <a:rPr lang="en-US" sz="1600" b="1" dirty="0">
+                <a:latin typeface="Courier New" panose="02070309020205020404" pitchFamily="49" charset="0"/>
+                <a:cs typeface="Courier New" panose="02070309020205020404" pitchFamily="49" charset="0"/>
+              </a:rPr>
+              <a:t>  Back: 1</a:t>
+            </a:r>
+          </a:p>
+          <a:p>
+            <a:r>
+              <a:rPr lang="en-US" sz="1600" b="1" dirty="0">
+                <a:highlight>
+                  <a:srgbClr val="00FFFF"/>
+                </a:highlight>
+                <a:latin typeface="Courier New" panose="02070309020205020404" pitchFamily="49" charset="0"/>
+                <a:cs typeface="Courier New" panose="02070309020205020404" pitchFamily="49" charset="0"/>
+              </a:rPr>
+              <a:t>  Up: 3</a:t>
+            </a:r>
+          </a:p>
+          <a:p>
+            <a:r>
+              <a:rPr lang="en-US" sz="1600" b="1" dirty="0">
+                <a:latin typeface="Courier New" panose="02070309020205020404" pitchFamily="49" charset="0"/>
+                <a:cs typeface="Courier New" panose="02070309020205020404" pitchFamily="49" charset="0"/>
+              </a:rPr>
+              <a:t>Back: 3</a:t>
+            </a:r>
+          </a:p>
+          <a:p>
+            <a:r>
+              <a:rPr lang="en-US" sz="1600" b="1" dirty="0">
+                <a:latin typeface="Courier New" panose="02070309020205020404" pitchFamily="49" charset="0"/>
+                <a:cs typeface="Courier New" panose="02070309020205020404" pitchFamily="49" charset="0"/>
+              </a:rPr>
+              <a:t>Up: 6</a:t>
+            </a:r>
+          </a:p>
+          <a:p>
+            <a:r>
+              <a:rPr lang="en-US" sz="1600" b="1" dirty="0">
+                <a:latin typeface="Courier New" panose="02070309020205020404" pitchFamily="49" charset="0"/>
+                <a:cs typeface="Courier New" panose="02070309020205020404" pitchFamily="49" charset="0"/>
+              </a:rPr>
+              <a:t>Sup: 6</a:t>
+            </a:r>
+          </a:p>
+        </p:txBody>
+      </p:sp>
+      <p:sp>
+        <p:nvSpPr>
+          <p:cNvPr id="19" name="Rectangle 18">
+            <a:extLst>
+              <a:ext uri="{FF2B5EF4-FFF2-40B4-BE49-F238E27FC236}">
+                <a16:creationId xmlns:a16="http://schemas.microsoft.com/office/drawing/2014/main" id="{AF129ABD-0F8C-5FE9-D016-DEB3008D966C}"/>
+              </a:ext>
+            </a:extLst>
+          </p:cNvPr>
+          <p:cNvSpPr/>
+          <p:nvPr/>
+        </p:nvSpPr>
+        <p:spPr>
+          <a:xfrm>
+            <a:off x="9882564" y="411452"/>
+            <a:ext cx="1582214" cy="6035098"/>
+          </a:xfrm>
+          <a:prstGeom prst="rect">
+            <a:avLst/>
+          </a:prstGeom>
+          <a:solidFill>
+            <a:schemeClr val="bg1"/>
+          </a:solidFill>
+          <a:ln w="28575"/>
+        </p:spPr>
+        <p:style>
+          <a:lnRef idx="2">
+            <a:schemeClr val="accent1">
+              <a:shade val="50000"/>
+            </a:schemeClr>
+          </a:lnRef>
+          <a:fillRef idx="1">
+            <a:schemeClr val="accent1"/>
+          </a:fillRef>
+          <a:effectRef idx="0">
+            <a:schemeClr val="accent1"/>
+          </a:effectRef>
+          <a:fontRef idx="minor">
+            <a:schemeClr val="lt1"/>
+          </a:fontRef>
+        </p:style>
+        <p:txBody>
+          <a:bodyPr rtlCol="0" anchor="ctr"/>
+          <a:lstStyle/>
+          <a:p>
+            <a:pPr algn="ctr"/>
+            <a:endParaRPr lang="en-US"/>
+          </a:p>
+        </p:txBody>
+      </p:sp>
+      <p:sp>
+        <p:nvSpPr>
+          <p:cNvPr id="24" name="Rectangle 23">
+            <a:extLst>
+              <a:ext uri="{FF2B5EF4-FFF2-40B4-BE49-F238E27FC236}">
+                <a16:creationId xmlns:a16="http://schemas.microsoft.com/office/drawing/2014/main" id="{3AE4C860-C044-43F5-B3B6-F6925B10C2A3}"/>
+              </a:ext>
+            </a:extLst>
+          </p:cNvPr>
+          <p:cNvSpPr/>
+          <p:nvPr/>
+        </p:nvSpPr>
+        <p:spPr>
+          <a:xfrm>
+            <a:off x="9882569" y="6016233"/>
+            <a:ext cx="1582208" cy="432707"/>
+          </a:xfrm>
+          <a:prstGeom prst="rect">
+            <a:avLst/>
+          </a:prstGeom>
+          <a:solidFill>
+            <a:schemeClr val="bg1"/>
+          </a:solidFill>
+          <a:ln w="28575"/>
+        </p:spPr>
+        <p:style>
+          <a:lnRef idx="2">
+            <a:schemeClr val="accent1">
+              <a:shade val="50000"/>
+            </a:schemeClr>
+          </a:lnRef>
+          <a:fillRef idx="1">
+            <a:schemeClr val="accent1"/>
+          </a:fillRef>
+          <a:effectRef idx="0">
+            <a:schemeClr val="accent1"/>
+          </a:effectRef>
+          <a:fontRef idx="minor">
+            <a:schemeClr val="lt1"/>
+          </a:fontRef>
+        </p:style>
+        <p:txBody>
+          <a:bodyPr rtlCol="0" anchor="ctr"/>
+          <a:lstStyle/>
+          <a:p>
+            <a:r>
+              <a:rPr lang="en-US" dirty="0">
+                <a:solidFill>
+                  <a:schemeClr val="tx1"/>
+                </a:solidFill>
+                <a:latin typeface="Courier New" panose="02070309020205020404" pitchFamily="49" charset="0"/>
+                <a:cs typeface="Courier New" panose="02070309020205020404" pitchFamily="49" charset="0"/>
+              </a:rPr>
+              <a:t>sup</a:t>
+            </a:r>
+          </a:p>
+        </p:txBody>
+      </p:sp>
+      <p:sp>
+        <p:nvSpPr>
+          <p:cNvPr id="25" name="Rectangle 24">
+            <a:extLst>
+              <a:ext uri="{FF2B5EF4-FFF2-40B4-BE49-F238E27FC236}">
+                <a16:creationId xmlns:a16="http://schemas.microsoft.com/office/drawing/2014/main" id="{D8C760B9-B41B-A4B7-C950-61BAE4E27614}"/>
+              </a:ext>
+            </a:extLst>
+          </p:cNvPr>
+          <p:cNvSpPr/>
+          <p:nvPr/>
+        </p:nvSpPr>
+        <p:spPr>
+          <a:xfrm>
+            <a:off x="10907492" y="6016233"/>
+            <a:ext cx="557284" cy="432707"/>
+          </a:xfrm>
+          <a:prstGeom prst="rect">
+            <a:avLst/>
+          </a:prstGeom>
+          <a:solidFill>
+            <a:schemeClr val="bg2"/>
+          </a:solidFill>
+          <a:ln w="28575"/>
+        </p:spPr>
+        <p:style>
+          <a:lnRef idx="2">
+            <a:schemeClr val="accent1">
+              <a:shade val="50000"/>
+            </a:schemeClr>
+          </a:lnRef>
+          <a:fillRef idx="1">
+            <a:schemeClr val="accent1"/>
+          </a:fillRef>
+          <a:effectRef idx="0">
+            <a:schemeClr val="accent1"/>
+          </a:effectRef>
+          <a:fontRef idx="minor">
+            <a:schemeClr val="lt1"/>
+          </a:fontRef>
+        </p:style>
+        <p:txBody>
+          <a:bodyPr rtlCol="0" anchor="ctr"/>
+          <a:lstStyle/>
+          <a:p>
+            <a:pPr algn="ctr"/>
+            <a:endParaRPr lang="en-US" dirty="0">
+              <a:solidFill>
+                <a:schemeClr val="tx1"/>
+              </a:solidFill>
+            </a:endParaRPr>
+          </a:p>
+        </p:txBody>
+      </p:sp>
+      <p:sp>
+        <p:nvSpPr>
+          <p:cNvPr id="28" name="Rectangle 27">
+            <a:extLst>
+              <a:ext uri="{FF2B5EF4-FFF2-40B4-BE49-F238E27FC236}">
+                <a16:creationId xmlns:a16="http://schemas.microsoft.com/office/drawing/2014/main" id="{674FA832-2D96-67CD-756F-B39145E07242}"/>
+              </a:ext>
+            </a:extLst>
+          </p:cNvPr>
+          <p:cNvSpPr/>
+          <p:nvPr/>
+        </p:nvSpPr>
+        <p:spPr>
+          <a:xfrm>
+            <a:off x="9882568" y="5205247"/>
+            <a:ext cx="1582208" cy="432707"/>
+          </a:xfrm>
+          <a:prstGeom prst="rect">
+            <a:avLst/>
+          </a:prstGeom>
+          <a:solidFill>
+            <a:schemeClr val="bg1"/>
+          </a:solidFill>
+          <a:ln w="28575"/>
+        </p:spPr>
+        <p:style>
+          <a:lnRef idx="2">
+            <a:schemeClr val="accent1">
+              <a:shade val="50000"/>
+            </a:schemeClr>
+          </a:lnRef>
+          <a:fillRef idx="1">
+            <a:schemeClr val="accent1"/>
+          </a:fillRef>
+          <a:effectRef idx="0">
+            <a:schemeClr val="accent1"/>
+          </a:effectRef>
+          <a:fontRef idx="minor">
+            <a:schemeClr val="lt1"/>
+          </a:fontRef>
+        </p:style>
+        <p:txBody>
+          <a:bodyPr rtlCol="0" anchor="ctr"/>
+          <a:lstStyle/>
+          <a:p>
+            <a:r>
+              <a:rPr lang="en-US" dirty="0">
+                <a:solidFill>
+                  <a:schemeClr val="tx1"/>
+                </a:solidFill>
+                <a:latin typeface="Courier New" panose="02070309020205020404" pitchFamily="49" charset="0"/>
+                <a:cs typeface="Courier New" panose="02070309020205020404" pitchFamily="49" charset="0"/>
+              </a:rPr>
+              <a:t>above</a:t>
+            </a:r>
+          </a:p>
+        </p:txBody>
+      </p:sp>
+      <p:sp>
+        <p:nvSpPr>
+          <p:cNvPr id="29" name="Rectangle 28">
+            <a:extLst>
+              <a:ext uri="{FF2B5EF4-FFF2-40B4-BE49-F238E27FC236}">
+                <a16:creationId xmlns:a16="http://schemas.microsoft.com/office/drawing/2014/main" id="{CD6B982F-C68A-5DD0-CEC5-B863E9492B47}"/>
+              </a:ext>
+            </a:extLst>
+          </p:cNvPr>
+          <p:cNvSpPr/>
+          <p:nvPr/>
+        </p:nvSpPr>
+        <p:spPr>
+          <a:xfrm>
+            <a:off x="10907491" y="5205247"/>
+            <a:ext cx="557284" cy="432707"/>
+          </a:xfrm>
+          <a:prstGeom prst="rect">
+            <a:avLst/>
+          </a:prstGeom>
+          <a:solidFill>
+            <a:schemeClr val="bg2"/>
+          </a:solidFill>
+          <a:ln w="28575"/>
+        </p:spPr>
+        <p:style>
+          <a:lnRef idx="2">
+            <a:schemeClr val="accent1">
+              <a:shade val="50000"/>
+            </a:schemeClr>
+          </a:lnRef>
+          <a:fillRef idx="1">
+            <a:schemeClr val="accent1"/>
+          </a:fillRef>
+          <a:effectRef idx="0">
+            <a:schemeClr val="accent1"/>
+          </a:effectRef>
+          <a:fontRef idx="minor">
+            <a:schemeClr val="lt1"/>
+          </a:fontRef>
+        </p:style>
+        <p:txBody>
+          <a:bodyPr rtlCol="0" anchor="ctr"/>
+          <a:lstStyle/>
+          <a:p>
+            <a:pPr algn="ctr"/>
+            <a:r>
+              <a:rPr lang="en-US" dirty="0">
+                <a:solidFill>
+                  <a:schemeClr val="tx1"/>
+                </a:solidFill>
+              </a:rPr>
+              <a:t>3</a:t>
+            </a:r>
+          </a:p>
+        </p:txBody>
+      </p:sp>
+      <p:sp>
+        <p:nvSpPr>
+          <p:cNvPr id="30" name="Rectangle 29">
+            <a:extLst>
+              <a:ext uri="{FF2B5EF4-FFF2-40B4-BE49-F238E27FC236}">
+                <a16:creationId xmlns:a16="http://schemas.microsoft.com/office/drawing/2014/main" id="{BF5A2AD5-21A3-7463-4E09-BE8055AE097A}"/>
+              </a:ext>
+            </a:extLst>
+          </p:cNvPr>
+          <p:cNvSpPr/>
+          <p:nvPr/>
+        </p:nvSpPr>
+        <p:spPr>
+          <a:xfrm>
+            <a:off x="9882564" y="4770150"/>
+            <a:ext cx="1582208" cy="432707"/>
+          </a:xfrm>
+          <a:prstGeom prst="rect">
+            <a:avLst/>
+          </a:prstGeom>
+          <a:solidFill>
+            <a:schemeClr val="bg1"/>
+          </a:solidFill>
+          <a:ln w="28575"/>
+        </p:spPr>
+        <p:style>
+          <a:lnRef idx="2">
+            <a:schemeClr val="accent1">
+              <a:shade val="50000"/>
+            </a:schemeClr>
+          </a:lnRef>
+          <a:fillRef idx="1">
+            <a:schemeClr val="accent1"/>
+          </a:fillRef>
+          <a:effectRef idx="0">
+            <a:schemeClr val="accent1"/>
+          </a:effectRef>
+          <a:fontRef idx="minor">
+            <a:schemeClr val="lt1"/>
+          </a:fontRef>
+        </p:style>
+        <p:txBody>
+          <a:bodyPr rtlCol="0" anchor="ctr"/>
+          <a:lstStyle/>
+          <a:p>
+            <a:r>
+              <a:rPr lang="en-US" dirty="0">
+                <a:solidFill>
+                  <a:schemeClr val="tx1"/>
+                </a:solidFill>
+                <a:latin typeface="Courier New" panose="02070309020205020404" pitchFamily="49" charset="0"/>
+                <a:cs typeface="Courier New" panose="02070309020205020404" pitchFamily="49" charset="0"/>
+              </a:rPr>
+              <a:t>below</a:t>
+            </a:r>
+          </a:p>
+        </p:txBody>
+      </p:sp>
+      <p:sp>
+        <p:nvSpPr>
+          <p:cNvPr id="31" name="Rectangle 30">
+            <a:extLst>
+              <a:ext uri="{FF2B5EF4-FFF2-40B4-BE49-F238E27FC236}">
+                <a16:creationId xmlns:a16="http://schemas.microsoft.com/office/drawing/2014/main" id="{DBA69012-830C-1E8D-2A75-338C9D4CAEA9}"/>
+              </a:ext>
+            </a:extLst>
+          </p:cNvPr>
+          <p:cNvSpPr/>
+          <p:nvPr/>
+        </p:nvSpPr>
+        <p:spPr>
+          <a:xfrm>
+            <a:off x="10907487" y="4770150"/>
+            <a:ext cx="557284" cy="432707"/>
+          </a:xfrm>
+          <a:prstGeom prst="rect">
+            <a:avLst/>
+          </a:prstGeom>
+          <a:solidFill>
+            <a:schemeClr val="bg2"/>
+          </a:solidFill>
+          <a:ln w="28575"/>
+        </p:spPr>
+        <p:style>
+          <a:lnRef idx="2">
+            <a:schemeClr val="accent1">
+              <a:shade val="50000"/>
+            </a:schemeClr>
+          </a:lnRef>
+          <a:fillRef idx="1">
+            <a:schemeClr val="accent1"/>
+          </a:fillRef>
+          <a:effectRef idx="0">
+            <a:schemeClr val="accent1"/>
+          </a:effectRef>
+          <a:fontRef idx="minor">
+            <a:schemeClr val="lt1"/>
+          </a:fontRef>
+        </p:style>
+        <p:txBody>
+          <a:bodyPr rtlCol="0" anchor="ctr"/>
+          <a:lstStyle/>
+          <a:p>
+            <a:pPr algn="ctr"/>
+            <a:r>
+              <a:rPr lang="en-US" dirty="0">
+                <a:solidFill>
+                  <a:schemeClr val="tx1"/>
+                </a:solidFill>
+              </a:rPr>
+              <a:t>2</a:t>
+            </a:r>
+          </a:p>
+        </p:txBody>
+      </p:sp>
+      <p:sp>
+        <p:nvSpPr>
+          <p:cNvPr id="32" name="Rectangle 31">
+            <a:extLst>
+              <a:ext uri="{FF2B5EF4-FFF2-40B4-BE49-F238E27FC236}">
+                <a16:creationId xmlns:a16="http://schemas.microsoft.com/office/drawing/2014/main" id="{F861489A-CC4B-AA72-5313-E8CCE98DAF21}"/>
+              </a:ext>
+            </a:extLst>
+          </p:cNvPr>
+          <p:cNvSpPr/>
+          <p:nvPr/>
+        </p:nvSpPr>
+        <p:spPr>
+          <a:xfrm>
+            <a:off x="9882558" y="4342536"/>
+            <a:ext cx="1582208" cy="432707"/>
+          </a:xfrm>
+          <a:prstGeom prst="rect">
+            <a:avLst/>
+          </a:prstGeom>
+          <a:solidFill>
+            <a:schemeClr val="bg1"/>
+          </a:solidFill>
+          <a:ln w="28575"/>
+        </p:spPr>
+        <p:style>
+          <a:lnRef idx="2">
+            <a:schemeClr val="accent1">
+              <a:shade val="50000"/>
+            </a:schemeClr>
+          </a:lnRef>
+          <a:fillRef idx="1">
+            <a:schemeClr val="accent1"/>
+          </a:fillRef>
+          <a:effectRef idx="0">
+            <a:schemeClr val="accent1"/>
+          </a:effectRef>
+          <a:fontRef idx="minor">
+            <a:schemeClr val="lt1"/>
+          </a:fontRef>
+        </p:style>
+        <p:txBody>
+          <a:bodyPr rtlCol="0" anchor="ctr"/>
+          <a:lstStyle/>
+          <a:p>
+            <a:r>
+              <a:rPr lang="en-US" dirty="0">
+                <a:solidFill>
+                  <a:schemeClr val="tx1"/>
+                </a:solidFill>
+                <a:latin typeface="Courier New" panose="02070309020205020404" pitchFamily="49" charset="0"/>
+                <a:cs typeface="Courier New" panose="02070309020205020404" pitchFamily="49" charset="0"/>
+              </a:rPr>
+              <a:t>sum</a:t>
+            </a:r>
+          </a:p>
+        </p:txBody>
+      </p:sp>
+      <p:sp>
+        <p:nvSpPr>
+          <p:cNvPr id="33" name="Rectangle 32">
+            <a:extLst>
+              <a:ext uri="{FF2B5EF4-FFF2-40B4-BE49-F238E27FC236}">
+                <a16:creationId xmlns:a16="http://schemas.microsoft.com/office/drawing/2014/main" id="{78AFC1EA-6202-1D56-0481-1DDBC79050DD}"/>
+              </a:ext>
+            </a:extLst>
+          </p:cNvPr>
+          <p:cNvSpPr/>
+          <p:nvPr/>
+        </p:nvSpPr>
+        <p:spPr>
+          <a:xfrm>
+            <a:off x="10907481" y="4342536"/>
+            <a:ext cx="557284" cy="432707"/>
+          </a:xfrm>
+          <a:prstGeom prst="rect">
+            <a:avLst/>
+          </a:prstGeom>
+          <a:solidFill>
+            <a:schemeClr val="bg2"/>
+          </a:solidFill>
+          <a:ln w="28575"/>
+        </p:spPr>
+        <p:style>
+          <a:lnRef idx="2">
+            <a:schemeClr val="accent1">
+              <a:shade val="50000"/>
+            </a:schemeClr>
+          </a:lnRef>
+          <a:fillRef idx="1">
+            <a:schemeClr val="accent1"/>
+          </a:fillRef>
+          <a:effectRef idx="0">
+            <a:schemeClr val="accent1"/>
+          </a:effectRef>
+          <a:fontRef idx="minor">
+            <a:schemeClr val="lt1"/>
+          </a:fontRef>
+        </p:style>
+        <p:txBody>
+          <a:bodyPr rtlCol="0" anchor="ctr"/>
+          <a:lstStyle/>
+          <a:p>
+            <a:pPr algn="ctr"/>
+            <a:endParaRPr lang="en-US" dirty="0">
+              <a:solidFill>
+                <a:schemeClr val="tx1"/>
+              </a:solidFill>
+            </a:endParaRPr>
+          </a:p>
+        </p:txBody>
+      </p:sp>
+      <p:sp>
+        <p:nvSpPr>
+          <p:cNvPr id="34" name="Rectangle 33">
+            <a:extLst>
+              <a:ext uri="{FF2B5EF4-FFF2-40B4-BE49-F238E27FC236}">
+                <a16:creationId xmlns:a16="http://schemas.microsoft.com/office/drawing/2014/main" id="{58861EA1-723A-953B-6507-F3D8E7F3F576}"/>
+              </a:ext>
+            </a:extLst>
+          </p:cNvPr>
+          <p:cNvSpPr/>
+          <p:nvPr/>
+        </p:nvSpPr>
+        <p:spPr>
+          <a:xfrm>
+            <a:off x="9882546" y="3906088"/>
+            <a:ext cx="1582208" cy="432707"/>
+          </a:xfrm>
+          <a:prstGeom prst="rect">
+            <a:avLst/>
+          </a:prstGeom>
+          <a:solidFill>
+            <a:schemeClr val="bg1"/>
+          </a:solidFill>
+          <a:ln w="28575"/>
+        </p:spPr>
+        <p:style>
+          <a:lnRef idx="2">
+            <a:schemeClr val="accent1">
+              <a:shade val="50000"/>
+            </a:schemeClr>
+          </a:lnRef>
+          <a:fillRef idx="1">
+            <a:schemeClr val="accent1"/>
+          </a:fillRef>
+          <a:effectRef idx="0">
+            <a:schemeClr val="accent1"/>
+          </a:effectRef>
+          <a:fontRef idx="minor">
+            <a:schemeClr val="lt1"/>
+          </a:fontRef>
+        </p:style>
+        <p:txBody>
+          <a:bodyPr rtlCol="0" anchor="ctr"/>
+          <a:lstStyle/>
+          <a:p>
+            <a:r>
+              <a:rPr lang="en-US" dirty="0" err="1">
+                <a:solidFill>
+                  <a:schemeClr val="tx1"/>
+                </a:solidFill>
+                <a:latin typeface="Courier New" panose="02070309020205020404" pitchFamily="49" charset="0"/>
+                <a:cs typeface="Courier New" panose="02070309020205020404" pitchFamily="49" charset="0"/>
+              </a:rPr>
+              <a:t>retval</a:t>
+            </a:r>
+            <a:endParaRPr lang="en-US" dirty="0">
+              <a:solidFill>
+                <a:schemeClr val="tx1"/>
+              </a:solidFill>
+              <a:latin typeface="Courier New" panose="02070309020205020404" pitchFamily="49" charset="0"/>
+              <a:cs typeface="Courier New" panose="02070309020205020404" pitchFamily="49" charset="0"/>
+            </a:endParaRPr>
+          </a:p>
+        </p:txBody>
+      </p:sp>
+      <p:sp>
+        <p:nvSpPr>
+          <p:cNvPr id="35" name="Rectangle 34">
+            <a:extLst>
+              <a:ext uri="{FF2B5EF4-FFF2-40B4-BE49-F238E27FC236}">
+                <a16:creationId xmlns:a16="http://schemas.microsoft.com/office/drawing/2014/main" id="{8EE2D0E9-A1BB-3B69-0739-4E3D6EE7C5C1}"/>
+              </a:ext>
+            </a:extLst>
+          </p:cNvPr>
+          <p:cNvSpPr/>
+          <p:nvPr/>
+        </p:nvSpPr>
+        <p:spPr>
+          <a:xfrm>
+            <a:off x="10907469" y="3906088"/>
+            <a:ext cx="557284" cy="432707"/>
+          </a:xfrm>
+          <a:prstGeom prst="rect">
+            <a:avLst/>
+          </a:prstGeom>
+          <a:solidFill>
+            <a:schemeClr val="bg2"/>
+          </a:solidFill>
+          <a:ln w="28575"/>
+        </p:spPr>
+        <p:style>
+          <a:lnRef idx="2">
+            <a:schemeClr val="accent1">
+              <a:shade val="50000"/>
+            </a:schemeClr>
+          </a:lnRef>
+          <a:fillRef idx="1">
+            <a:schemeClr val="accent1"/>
+          </a:fillRef>
+          <a:effectRef idx="0">
+            <a:schemeClr val="accent1"/>
+          </a:effectRef>
+          <a:fontRef idx="minor">
+            <a:schemeClr val="lt1"/>
+          </a:fontRef>
+        </p:style>
+        <p:txBody>
+          <a:bodyPr rtlCol="0" anchor="ctr"/>
+          <a:lstStyle/>
+          <a:p>
+            <a:pPr algn="ctr"/>
+            <a:endParaRPr lang="en-US" dirty="0">
+              <a:solidFill>
+                <a:schemeClr val="tx1"/>
+              </a:solidFill>
+            </a:endParaRPr>
+          </a:p>
+        </p:txBody>
+      </p:sp>
+      <p:sp>
+        <p:nvSpPr>
+          <p:cNvPr id="36" name="Rectangle 35">
+            <a:extLst>
+              <a:ext uri="{FF2B5EF4-FFF2-40B4-BE49-F238E27FC236}">
+                <a16:creationId xmlns:a16="http://schemas.microsoft.com/office/drawing/2014/main" id="{D45D2C5C-A70D-BA5A-9042-DDC1B9416224}"/>
+              </a:ext>
+            </a:extLst>
+          </p:cNvPr>
+          <p:cNvSpPr/>
+          <p:nvPr/>
+        </p:nvSpPr>
+        <p:spPr>
+          <a:xfrm>
+            <a:off x="9882545" y="3067888"/>
+            <a:ext cx="1582208" cy="432707"/>
+          </a:xfrm>
+          <a:prstGeom prst="rect">
+            <a:avLst/>
+          </a:prstGeom>
+          <a:solidFill>
+            <a:schemeClr val="bg1"/>
+          </a:solidFill>
+          <a:ln w="28575"/>
+        </p:spPr>
+        <p:style>
+          <a:lnRef idx="2">
+            <a:schemeClr val="accent1">
+              <a:shade val="50000"/>
+            </a:schemeClr>
+          </a:lnRef>
+          <a:fillRef idx="1">
+            <a:schemeClr val="accent1"/>
+          </a:fillRef>
+          <a:effectRef idx="0">
+            <a:schemeClr val="accent1"/>
+          </a:effectRef>
+          <a:fontRef idx="minor">
+            <a:schemeClr val="lt1"/>
+          </a:fontRef>
+        </p:style>
+        <p:txBody>
+          <a:bodyPr rtlCol="0" anchor="ctr"/>
+          <a:lstStyle/>
+          <a:p>
+            <a:r>
+              <a:rPr lang="en-US" dirty="0">
+                <a:solidFill>
+                  <a:schemeClr val="tx1"/>
+                </a:solidFill>
+                <a:latin typeface="Courier New" panose="02070309020205020404" pitchFamily="49" charset="0"/>
+                <a:cs typeface="Courier New" panose="02070309020205020404" pitchFamily="49" charset="0"/>
+              </a:rPr>
+              <a:t>above</a:t>
+            </a:r>
+          </a:p>
+        </p:txBody>
+      </p:sp>
+      <p:sp>
+        <p:nvSpPr>
+          <p:cNvPr id="37" name="Rectangle 36">
+            <a:extLst>
+              <a:ext uri="{FF2B5EF4-FFF2-40B4-BE49-F238E27FC236}">
+                <a16:creationId xmlns:a16="http://schemas.microsoft.com/office/drawing/2014/main" id="{CA5864DE-9085-85DB-B0CC-122B75B9C1DF}"/>
+              </a:ext>
+            </a:extLst>
+          </p:cNvPr>
+          <p:cNvSpPr/>
+          <p:nvPr/>
+        </p:nvSpPr>
+        <p:spPr>
+          <a:xfrm>
+            <a:off x="10907468" y="3067888"/>
+            <a:ext cx="557284" cy="432707"/>
+          </a:xfrm>
+          <a:prstGeom prst="rect">
+            <a:avLst/>
+          </a:prstGeom>
+          <a:solidFill>
+            <a:schemeClr val="bg2"/>
+          </a:solidFill>
+          <a:ln w="28575"/>
+        </p:spPr>
+        <p:style>
+          <a:lnRef idx="2">
+            <a:schemeClr val="accent1">
+              <a:shade val="50000"/>
+            </a:schemeClr>
+          </a:lnRef>
+          <a:fillRef idx="1">
+            <a:schemeClr val="accent1"/>
+          </a:fillRef>
+          <a:effectRef idx="0">
+            <a:schemeClr val="accent1"/>
+          </a:effectRef>
+          <a:fontRef idx="minor">
+            <a:schemeClr val="lt1"/>
+          </a:fontRef>
+        </p:style>
+        <p:txBody>
+          <a:bodyPr rtlCol="0" anchor="ctr"/>
+          <a:lstStyle/>
+          <a:p>
+            <a:pPr algn="ctr"/>
+            <a:r>
+              <a:rPr lang="en-US" dirty="0">
+                <a:solidFill>
+                  <a:schemeClr val="tx1"/>
+                </a:solidFill>
+              </a:rPr>
+              <a:t>2</a:t>
+            </a:r>
+          </a:p>
+        </p:txBody>
+      </p:sp>
+      <p:sp>
+        <p:nvSpPr>
+          <p:cNvPr id="38" name="Rectangle 37">
+            <a:extLst>
+              <a:ext uri="{FF2B5EF4-FFF2-40B4-BE49-F238E27FC236}">
+                <a16:creationId xmlns:a16="http://schemas.microsoft.com/office/drawing/2014/main" id="{3965DA6A-D0C1-66D5-6FA2-AA3AE1B1BB3C}"/>
+              </a:ext>
+            </a:extLst>
+          </p:cNvPr>
+          <p:cNvSpPr/>
+          <p:nvPr/>
+        </p:nvSpPr>
+        <p:spPr>
+          <a:xfrm>
+            <a:off x="9882541" y="2632791"/>
+            <a:ext cx="1582208" cy="432707"/>
+          </a:xfrm>
+          <a:prstGeom prst="rect">
+            <a:avLst/>
+          </a:prstGeom>
+          <a:solidFill>
+            <a:schemeClr val="bg1"/>
+          </a:solidFill>
+          <a:ln w="28575"/>
+        </p:spPr>
+        <p:style>
+          <a:lnRef idx="2">
+            <a:schemeClr val="accent1">
+              <a:shade val="50000"/>
+            </a:schemeClr>
+          </a:lnRef>
+          <a:fillRef idx="1">
+            <a:schemeClr val="accent1"/>
+          </a:fillRef>
+          <a:effectRef idx="0">
+            <a:schemeClr val="accent1"/>
+          </a:effectRef>
+          <a:fontRef idx="minor">
+            <a:schemeClr val="lt1"/>
+          </a:fontRef>
+        </p:style>
+        <p:txBody>
+          <a:bodyPr rtlCol="0" anchor="ctr"/>
+          <a:lstStyle/>
+          <a:p>
+            <a:r>
+              <a:rPr lang="en-US" dirty="0">
+                <a:solidFill>
+                  <a:schemeClr val="tx1"/>
+                </a:solidFill>
+                <a:latin typeface="Courier New" panose="02070309020205020404" pitchFamily="49" charset="0"/>
+                <a:cs typeface="Courier New" panose="02070309020205020404" pitchFamily="49" charset="0"/>
+              </a:rPr>
+              <a:t>below</a:t>
+            </a:r>
+          </a:p>
+        </p:txBody>
+      </p:sp>
+      <p:sp>
+        <p:nvSpPr>
+          <p:cNvPr id="39" name="Rectangle 38">
+            <a:extLst>
+              <a:ext uri="{FF2B5EF4-FFF2-40B4-BE49-F238E27FC236}">
+                <a16:creationId xmlns:a16="http://schemas.microsoft.com/office/drawing/2014/main" id="{71668F5E-B312-242A-4FE9-C821E9758391}"/>
+              </a:ext>
+            </a:extLst>
+          </p:cNvPr>
+          <p:cNvSpPr/>
+          <p:nvPr/>
+        </p:nvSpPr>
+        <p:spPr>
+          <a:xfrm>
+            <a:off x="10907464" y="2632791"/>
+            <a:ext cx="557284" cy="432707"/>
+          </a:xfrm>
+          <a:prstGeom prst="rect">
+            <a:avLst/>
+          </a:prstGeom>
+          <a:solidFill>
+            <a:schemeClr val="bg2"/>
+          </a:solidFill>
+          <a:ln w="28575"/>
+        </p:spPr>
+        <p:style>
+          <a:lnRef idx="2">
+            <a:schemeClr val="accent1">
+              <a:shade val="50000"/>
+            </a:schemeClr>
+          </a:lnRef>
+          <a:fillRef idx="1">
+            <a:schemeClr val="accent1"/>
+          </a:fillRef>
+          <a:effectRef idx="0">
+            <a:schemeClr val="accent1"/>
+          </a:effectRef>
+          <a:fontRef idx="minor">
+            <a:schemeClr val="lt1"/>
+          </a:fontRef>
+        </p:style>
+        <p:txBody>
+          <a:bodyPr rtlCol="0" anchor="ctr"/>
+          <a:lstStyle/>
+          <a:p>
+            <a:pPr algn="ctr"/>
+            <a:r>
+              <a:rPr lang="en-US" dirty="0">
+                <a:solidFill>
+                  <a:schemeClr val="tx1"/>
+                </a:solidFill>
+              </a:rPr>
+              <a:t>1</a:t>
+            </a:r>
+          </a:p>
+        </p:txBody>
+      </p:sp>
+      <p:sp>
+        <p:nvSpPr>
+          <p:cNvPr id="40" name="Rectangle 39">
+            <a:extLst>
+              <a:ext uri="{FF2B5EF4-FFF2-40B4-BE49-F238E27FC236}">
+                <a16:creationId xmlns:a16="http://schemas.microsoft.com/office/drawing/2014/main" id="{7B7C6208-C68E-E35E-52A5-0452CB36E702}"/>
+              </a:ext>
+            </a:extLst>
+          </p:cNvPr>
+          <p:cNvSpPr/>
+          <p:nvPr/>
+        </p:nvSpPr>
+        <p:spPr>
+          <a:xfrm>
+            <a:off x="9882535" y="2205177"/>
+            <a:ext cx="1582208" cy="432707"/>
+          </a:xfrm>
+          <a:prstGeom prst="rect">
+            <a:avLst/>
+          </a:prstGeom>
+          <a:solidFill>
+            <a:schemeClr val="bg1"/>
+          </a:solidFill>
+          <a:ln w="28575"/>
+        </p:spPr>
+        <p:style>
+          <a:lnRef idx="2">
+            <a:schemeClr val="accent1">
+              <a:shade val="50000"/>
+            </a:schemeClr>
+          </a:lnRef>
+          <a:fillRef idx="1">
+            <a:schemeClr val="accent1"/>
+          </a:fillRef>
+          <a:effectRef idx="0">
+            <a:schemeClr val="accent1"/>
+          </a:effectRef>
+          <a:fontRef idx="minor">
+            <a:schemeClr val="lt1"/>
+          </a:fontRef>
+        </p:style>
+        <p:txBody>
+          <a:bodyPr rtlCol="0" anchor="ctr"/>
+          <a:lstStyle/>
+          <a:p>
+            <a:r>
+              <a:rPr lang="en-US" dirty="0">
+                <a:solidFill>
+                  <a:schemeClr val="tx1"/>
+                </a:solidFill>
+                <a:latin typeface="Courier New" panose="02070309020205020404" pitchFamily="49" charset="0"/>
+                <a:cs typeface="Courier New" panose="02070309020205020404" pitchFamily="49" charset="0"/>
+              </a:rPr>
+              <a:t>sum</a:t>
+            </a:r>
+          </a:p>
+        </p:txBody>
+      </p:sp>
+      <p:sp>
+        <p:nvSpPr>
+          <p:cNvPr id="41" name="Rectangle 40">
+            <a:extLst>
+              <a:ext uri="{FF2B5EF4-FFF2-40B4-BE49-F238E27FC236}">
+                <a16:creationId xmlns:a16="http://schemas.microsoft.com/office/drawing/2014/main" id="{11EA6888-C86A-E939-2828-B5BE24AD21BF}"/>
+              </a:ext>
+            </a:extLst>
+          </p:cNvPr>
+          <p:cNvSpPr/>
+          <p:nvPr/>
+        </p:nvSpPr>
+        <p:spPr>
+          <a:xfrm>
+            <a:off x="10907458" y="2205177"/>
+            <a:ext cx="557284" cy="432707"/>
+          </a:xfrm>
+          <a:prstGeom prst="rect">
+            <a:avLst/>
+          </a:prstGeom>
+          <a:solidFill>
+            <a:schemeClr val="bg2"/>
+          </a:solidFill>
+          <a:ln w="28575"/>
+        </p:spPr>
+        <p:style>
+          <a:lnRef idx="2">
+            <a:schemeClr val="accent1">
+              <a:shade val="50000"/>
+            </a:schemeClr>
+          </a:lnRef>
+          <a:fillRef idx="1">
+            <a:schemeClr val="accent1"/>
+          </a:fillRef>
+          <a:effectRef idx="0">
+            <a:schemeClr val="accent1"/>
+          </a:effectRef>
+          <a:fontRef idx="minor">
+            <a:schemeClr val="lt1"/>
+          </a:fontRef>
+        </p:style>
+        <p:txBody>
+          <a:bodyPr rtlCol="0" anchor="ctr"/>
+          <a:lstStyle/>
+          <a:p>
+            <a:pPr algn="ctr"/>
+            <a:r>
+              <a:rPr lang="en-US" dirty="0">
+                <a:solidFill>
+                  <a:schemeClr val="tx1"/>
+                </a:solidFill>
+              </a:rPr>
+              <a:t>1</a:t>
+            </a:r>
+          </a:p>
+        </p:txBody>
+      </p:sp>
+      <p:sp>
+        <p:nvSpPr>
+          <p:cNvPr id="42" name="Rectangle 41">
+            <a:extLst>
+              <a:ext uri="{FF2B5EF4-FFF2-40B4-BE49-F238E27FC236}">
+                <a16:creationId xmlns:a16="http://schemas.microsoft.com/office/drawing/2014/main" id="{7FA4D62A-4A2A-B3B3-0FFA-F2FCA4922B0C}"/>
+              </a:ext>
+            </a:extLst>
+          </p:cNvPr>
+          <p:cNvSpPr/>
+          <p:nvPr/>
+        </p:nvSpPr>
+        <p:spPr>
+          <a:xfrm>
+            <a:off x="9882523" y="1768729"/>
+            <a:ext cx="1582208" cy="432707"/>
+          </a:xfrm>
+          <a:prstGeom prst="rect">
+            <a:avLst/>
+          </a:prstGeom>
+          <a:solidFill>
+            <a:schemeClr val="bg1"/>
+          </a:solidFill>
+          <a:ln w="28575"/>
+        </p:spPr>
+        <p:style>
+          <a:lnRef idx="2">
+            <a:schemeClr val="accent1">
+              <a:shade val="50000"/>
+            </a:schemeClr>
+          </a:lnRef>
+          <a:fillRef idx="1">
+            <a:schemeClr val="accent1"/>
+          </a:fillRef>
+          <a:effectRef idx="0">
+            <a:schemeClr val="accent1"/>
+          </a:effectRef>
+          <a:fontRef idx="minor">
+            <a:schemeClr val="lt1"/>
+          </a:fontRef>
+        </p:style>
+        <p:txBody>
+          <a:bodyPr rtlCol="0" anchor="ctr"/>
+          <a:lstStyle/>
+          <a:p>
+            <a:r>
+              <a:rPr lang="en-US" dirty="0" err="1">
+                <a:solidFill>
+                  <a:schemeClr val="tx1"/>
+                </a:solidFill>
+                <a:latin typeface="Courier New" panose="02070309020205020404" pitchFamily="49" charset="0"/>
+                <a:cs typeface="Courier New" panose="02070309020205020404" pitchFamily="49" charset="0"/>
+              </a:rPr>
+              <a:t>retval</a:t>
+            </a:r>
+            <a:endParaRPr lang="en-US" dirty="0">
+              <a:solidFill>
+                <a:schemeClr val="tx1"/>
+              </a:solidFill>
+              <a:latin typeface="Courier New" panose="02070309020205020404" pitchFamily="49" charset="0"/>
+              <a:cs typeface="Courier New" panose="02070309020205020404" pitchFamily="49" charset="0"/>
+            </a:endParaRPr>
+          </a:p>
+        </p:txBody>
+      </p:sp>
+      <p:sp>
+        <p:nvSpPr>
+          <p:cNvPr id="43" name="Rectangle 42">
+            <a:extLst>
+              <a:ext uri="{FF2B5EF4-FFF2-40B4-BE49-F238E27FC236}">
+                <a16:creationId xmlns:a16="http://schemas.microsoft.com/office/drawing/2014/main" id="{747B482E-868B-B0DA-01CE-E3DB19484E9C}"/>
+              </a:ext>
+            </a:extLst>
+          </p:cNvPr>
+          <p:cNvSpPr/>
+          <p:nvPr/>
+        </p:nvSpPr>
+        <p:spPr>
+          <a:xfrm>
+            <a:off x="10907446" y="1768729"/>
+            <a:ext cx="557284" cy="432707"/>
+          </a:xfrm>
+          <a:prstGeom prst="rect">
+            <a:avLst/>
+          </a:prstGeom>
+          <a:solidFill>
+            <a:schemeClr val="bg2"/>
+          </a:solidFill>
+          <a:ln w="28575"/>
+        </p:spPr>
+        <p:style>
+          <a:lnRef idx="2">
+            <a:schemeClr val="accent1">
+              <a:shade val="50000"/>
+            </a:schemeClr>
+          </a:lnRef>
+          <a:fillRef idx="1">
+            <a:schemeClr val="accent1"/>
+          </a:fillRef>
+          <a:effectRef idx="0">
+            <a:schemeClr val="accent1"/>
+          </a:effectRef>
+          <a:fontRef idx="minor">
+            <a:schemeClr val="lt1"/>
+          </a:fontRef>
+        </p:style>
+        <p:txBody>
+          <a:bodyPr rtlCol="0" anchor="ctr"/>
+          <a:lstStyle/>
+          <a:p>
+            <a:pPr algn="ctr"/>
+            <a:r>
+              <a:rPr lang="en-US" dirty="0">
+                <a:solidFill>
+                  <a:schemeClr val="tx1"/>
+                </a:solidFill>
+              </a:rPr>
+              <a:t>3</a:t>
+            </a:r>
+          </a:p>
+        </p:txBody>
+      </p:sp>
+      <p:sp>
+        <p:nvSpPr>
+          <p:cNvPr id="44" name="Up-Down Arrow 43">
+            <a:extLst>
+              <a:ext uri="{FF2B5EF4-FFF2-40B4-BE49-F238E27FC236}">
+                <a16:creationId xmlns:a16="http://schemas.microsoft.com/office/drawing/2014/main" id="{FD251668-E1DC-9262-BEC4-4E07C8BFAF76}"/>
+              </a:ext>
+            </a:extLst>
+          </p:cNvPr>
+          <p:cNvSpPr/>
+          <p:nvPr/>
+        </p:nvSpPr>
+        <p:spPr>
+          <a:xfrm>
+            <a:off x="10487317" y="671164"/>
+            <a:ext cx="372619" cy="813054"/>
+          </a:xfrm>
+          <a:prstGeom prst="upDownArrow">
+            <a:avLst/>
+          </a:prstGeom>
+        </p:spPr>
+        <p:style>
+          <a:lnRef idx="2">
+            <a:schemeClr val="accent1">
+              <a:shade val="50000"/>
+            </a:schemeClr>
+          </a:lnRef>
+          <a:fillRef idx="1">
+            <a:schemeClr val="accent1"/>
+          </a:fillRef>
+          <a:effectRef idx="0">
+            <a:schemeClr val="accent1"/>
+          </a:effectRef>
+          <a:fontRef idx="minor">
+            <a:schemeClr val="lt1"/>
+          </a:fontRef>
+        </p:style>
+        <p:txBody>
+          <a:bodyPr rtlCol="0" anchor="ctr"/>
+          <a:lstStyle/>
+          <a:p>
+            <a:pPr algn="ctr"/>
+            <a:endParaRPr lang="en-US"/>
+          </a:p>
+        </p:txBody>
+      </p:sp>
+      <p:sp>
+        <p:nvSpPr>
+          <p:cNvPr id="47" name="TextBox 46">
+            <a:extLst>
+              <a:ext uri="{FF2B5EF4-FFF2-40B4-BE49-F238E27FC236}">
+                <a16:creationId xmlns:a16="http://schemas.microsoft.com/office/drawing/2014/main" id="{88BC09AA-EAEF-88EA-A136-E9913AE4C91A}"/>
+              </a:ext>
+            </a:extLst>
+          </p:cNvPr>
+          <p:cNvSpPr txBox="1"/>
+          <p:nvPr/>
+        </p:nvSpPr>
+        <p:spPr>
+          <a:xfrm>
+            <a:off x="8598630" y="-1296751"/>
+            <a:ext cx="736164" cy="400110"/>
+          </a:xfrm>
+          <a:prstGeom prst="rect">
+            <a:avLst/>
+          </a:prstGeom>
+          <a:noFill/>
+        </p:spPr>
+        <p:txBody>
+          <a:bodyPr wrap="none" rtlCol="0">
+            <a:spAutoFit/>
+          </a:bodyPr>
+          <a:lstStyle/>
+          <a:p>
+            <a:r>
+              <a:rPr lang="en-US" sz="2000" dirty="0"/>
+              <a:t>Stack</a:t>
+            </a:r>
+          </a:p>
+        </p:txBody>
+      </p:sp>
+      <p:sp>
+        <p:nvSpPr>
+          <p:cNvPr id="49" name="Left Brace 48">
+            <a:extLst>
+              <a:ext uri="{FF2B5EF4-FFF2-40B4-BE49-F238E27FC236}">
+                <a16:creationId xmlns:a16="http://schemas.microsoft.com/office/drawing/2014/main" id="{159C5051-B880-BA2D-2E8C-6EB74D29B90B}"/>
+              </a:ext>
+            </a:extLst>
+          </p:cNvPr>
+          <p:cNvSpPr/>
+          <p:nvPr/>
+        </p:nvSpPr>
+        <p:spPr>
+          <a:xfrm>
+            <a:off x="9363486" y="1768729"/>
+            <a:ext cx="470677" cy="1731866"/>
+          </a:xfrm>
+          <a:prstGeom prst="leftBrace">
+            <a:avLst/>
+          </a:prstGeom>
+          <a:ln w="28575">
+            <a:solidFill>
+              <a:srgbClr val="3EFEFF"/>
+            </a:solidFill>
+          </a:ln>
+        </p:spPr>
+        <p:style>
+          <a:lnRef idx="1">
+            <a:schemeClr val="accent1"/>
+          </a:lnRef>
+          <a:fillRef idx="0">
+            <a:schemeClr val="accent1"/>
+          </a:fillRef>
+          <a:effectRef idx="0">
+            <a:schemeClr val="accent1"/>
+          </a:effectRef>
+          <a:fontRef idx="minor">
+            <a:schemeClr val="tx1"/>
+          </a:fontRef>
+        </p:style>
+        <p:txBody>
+          <a:bodyPr rtlCol="0" anchor="ctr"/>
+          <a:lstStyle/>
+          <a:p>
+            <a:pPr algn="ctr"/>
+            <a:endParaRPr lang="en-US"/>
+          </a:p>
+        </p:txBody>
+      </p:sp>
+      <p:sp>
+        <p:nvSpPr>
+          <p:cNvPr id="50" name="TextBox 49">
+            <a:extLst>
+              <a:ext uri="{FF2B5EF4-FFF2-40B4-BE49-F238E27FC236}">
+                <a16:creationId xmlns:a16="http://schemas.microsoft.com/office/drawing/2014/main" id="{DAD72D46-3BA1-CAB2-D1EE-E25091E387F5}"/>
+              </a:ext>
+            </a:extLst>
+          </p:cNvPr>
+          <p:cNvSpPr txBox="1"/>
+          <p:nvPr/>
+        </p:nvSpPr>
+        <p:spPr>
+          <a:xfrm>
+            <a:off x="293915" y="6338986"/>
+            <a:ext cx="1382485" cy="307777"/>
+          </a:xfrm>
+          <a:prstGeom prst="rect">
+            <a:avLst/>
+          </a:prstGeom>
+          <a:noFill/>
+        </p:spPr>
+        <p:txBody>
+          <a:bodyPr wrap="square">
+            <a:spAutoFit/>
+          </a:bodyPr>
+          <a:lstStyle/>
+          <a:p>
+            <a:r>
+              <a:rPr lang="en-US" sz="1400" b="1" dirty="0">
+                <a:solidFill>
+                  <a:srgbClr val="000000"/>
+                </a:solidFill>
+                <a:latin typeface="Menlo" panose="020B0609030804020204" pitchFamily="49" charset="0"/>
+              </a:rPr>
+              <a:t>kr_04_03.c</a:t>
+            </a:r>
+          </a:p>
+        </p:txBody>
+      </p:sp>
+    </p:spTree>
+    <p:extLst>
+      <p:ext uri="{BB962C8B-B14F-4D97-AF65-F5344CB8AC3E}">
+        <p14:creationId xmlns:p14="http://schemas.microsoft.com/office/powerpoint/2010/main" val="3469691239"/>
+      </p:ext>
+    </p:extLst>
+  </p:cSld>
+  <p:clrMapOvr>
+    <a:masterClrMapping/>
+  </p:clrMapOvr>
+</p:sld>
+</file>
+
+<file path=ppt/slides/slide15.xml><?xml version="1.0" encoding="utf-8"?>
+<p:sld xmlns:a="http://schemas.openxmlformats.org/drawingml/2006/main" xmlns:r="http://schemas.openxmlformats.org/officeDocument/2006/relationships" xmlns:p="http://schemas.openxmlformats.org/presentationml/2006/main">
+  <p:cSld>
+    <p:spTree>
+      <p:nvGrpSpPr>
+        <p:cNvPr id="1" name=""/>
+        <p:cNvGrpSpPr/>
+        <p:nvPr/>
+      </p:nvGrpSpPr>
+      <p:grpSpPr>
+        <a:xfrm>
+          <a:off x="0" y="0"/>
+          <a:ext cx="0" cy="0"/>
+          <a:chOff x="0" y="0"/>
+          <a:chExt cx="0" cy="0"/>
+        </a:xfrm>
+      </p:grpSpPr>
+      <p:sp>
+        <p:nvSpPr>
+          <p:cNvPr id="2" name="Title 1">
+            <a:extLst>
+              <a:ext uri="{FF2B5EF4-FFF2-40B4-BE49-F238E27FC236}">
+                <a16:creationId xmlns:a16="http://schemas.microsoft.com/office/drawing/2014/main" id="{A873E460-3B9E-0C94-30C0-5AA55AAF307F}"/>
+              </a:ext>
+            </a:extLst>
+          </p:cNvPr>
+          <p:cNvSpPr>
+            <a:spLocks noGrp="1"/>
+          </p:cNvSpPr>
+          <p:nvPr>
+            <p:ph type="title"/>
+          </p:nvPr>
+        </p:nvSpPr>
+        <p:spPr/>
+        <p:txBody>
+          <a:bodyPr/>
+          <a:lstStyle/>
+          <a:p>
+            <a:r>
+              <a:rPr lang="en-US" dirty="0"/>
+              <a:t>The C Pre Processor</a:t>
+            </a:r>
+          </a:p>
+        </p:txBody>
+      </p:sp>
+      <p:sp>
+        <p:nvSpPr>
+          <p:cNvPr id="3" name="Content Placeholder 2">
+            <a:extLst>
+              <a:ext uri="{FF2B5EF4-FFF2-40B4-BE49-F238E27FC236}">
+                <a16:creationId xmlns:a16="http://schemas.microsoft.com/office/drawing/2014/main" id="{D4AF128A-08B5-673B-CFE8-E3156CD0D2DB}"/>
+              </a:ext>
+            </a:extLst>
+          </p:cNvPr>
+          <p:cNvSpPr>
+            <a:spLocks noGrp="1"/>
+          </p:cNvSpPr>
+          <p:nvPr>
+            <p:ph idx="1"/>
+          </p:nvPr>
+        </p:nvSpPr>
+        <p:spPr/>
+        <p:txBody>
+          <a:bodyPr/>
+          <a:lstStyle/>
+          <a:p>
+            <a:endParaRPr lang="en-US"/>
+          </a:p>
+        </p:txBody>
+      </p:sp>
+    </p:spTree>
+    <p:extLst>
+      <p:ext uri="{BB962C8B-B14F-4D97-AF65-F5344CB8AC3E}">
+        <p14:creationId xmlns:p14="http://schemas.microsoft.com/office/powerpoint/2010/main" val="2244150091"/>
+      </p:ext>
+    </p:extLst>
+  </p:cSld>
+  <p:clrMapOvr>
+    <a:masterClrMapping/>
+  </p:clrMapOvr>
+</p:sld>
+</file>
+
+<file path=ppt/slides/slide16.xml><?xml version="1.0" encoding="utf-8"?>
+<p:sld xmlns:a="http://schemas.openxmlformats.org/drawingml/2006/main" xmlns:r="http://schemas.openxmlformats.org/officeDocument/2006/relationships" xmlns:p="http://schemas.openxmlformats.org/presentationml/2006/main">
+  <p:cSld>
+    <p:spTree>
+      <p:nvGrpSpPr>
+        <p:cNvPr id="1" name=""/>
+        <p:cNvGrpSpPr/>
+        <p:nvPr/>
+      </p:nvGrpSpPr>
+      <p:grpSpPr>
+        <a:xfrm>
+          <a:off x="0" y="0"/>
+          <a:ext cx="0" cy="0"/>
+          <a:chOff x="0" y="0"/>
+          <a:chExt cx="0" cy="0"/>
+        </a:xfrm>
+      </p:grpSpPr>
+      <p:sp>
+        <p:nvSpPr>
           <p:cNvPr id="3" name="Title 2">
             <a:extLst>
               <a:ext uri="{FF2B5EF4-FFF2-40B4-BE49-F238E27FC236}">
@@ -4745,7 +8349,7 @@
 </p:sld>
 </file>
 
-<file path=ppt/slides/slide15.xml><?xml version="1.0" encoding="utf-8"?>
+<file path=ppt/slides/slide17.xml><?xml version="1.0" encoding="utf-8"?>
 <p:sld xmlns:a="http://schemas.openxmlformats.org/drawingml/2006/main" xmlns:r="http://schemas.openxmlformats.org/officeDocument/2006/relationships" xmlns:p="http://schemas.openxmlformats.org/presentationml/2006/main">
   <p:cSld>
     <p:spTree>
@@ -4976,7 +8580,7 @@
           <a:p>
             <a:r>
               <a:rPr lang="en-US" dirty="0"/>
-              <a:t>Section 4.1 – Automatic variables, parameters and the stack</a:t>
+              <a:t>Section 4.1 – Automatic variables, parameters and the stack, Oh My!</a:t>
             </a:r>
           </a:p>
           <a:p>

--- a/lectures/KR-4.pptx
+++ b/lectures/KR-4.pptx
@@ -20,8 +20,10 @@
     <p:sldId id="290" r:id="rId14"/>
     <p:sldId id="300" r:id="rId15"/>
     <p:sldId id="291" r:id="rId16"/>
-    <p:sldId id="284" r:id="rId17"/>
-    <p:sldId id="285" r:id="rId18"/>
+    <p:sldId id="301" r:id="rId17"/>
+    <p:sldId id="302" r:id="rId18"/>
+    <p:sldId id="284" r:id="rId19"/>
+    <p:sldId id="285" r:id="rId20"/>
   </p:sldIdLst>
   <p:sldSz cx="12192000" cy="6858000"/>
   <p:notesSz cx="6858000" cy="9144000"/>
@@ -8228,7 +8230,92 @@
           <a:bodyPr/>
           <a:lstStyle/>
           <a:p>
-            <a:endParaRPr lang="en-US"/>
+            <a:r>
+              <a:rPr lang="en-US" dirty="0"/>
+              <a:t>While C solved many of the problems that led to the ability to build portable applications, things were always in flux</a:t>
+            </a:r>
+          </a:p>
+          <a:p>
+            <a:pPr lvl="1"/>
+            <a:r>
+              <a:rPr lang="en-US" dirty="0"/>
+              <a:t>Language evolution</a:t>
+            </a:r>
+          </a:p>
+          <a:p>
+            <a:pPr lvl="1"/>
+            <a:r>
+              <a:rPr lang="en-US" dirty="0"/>
+              <a:t>Library evolution</a:t>
+            </a:r>
+          </a:p>
+          <a:p>
+            <a:pPr lvl="1"/>
+            <a:r>
+              <a:rPr lang="en-US" dirty="0"/>
+              <a:t>Hardware evolution</a:t>
+            </a:r>
+          </a:p>
+          <a:p>
+            <a:pPr lvl="1"/>
+            <a:r>
+              <a:rPr lang="en-US" dirty="0"/>
+              <a:t>Operating system evolution</a:t>
+            </a:r>
+          </a:p>
+          <a:p>
+            <a:r>
+              <a:rPr lang="en-US" dirty="0"/>
+              <a:t>The pre-processor allowed for adjusting to these changes without breaking backwards compatibility</a:t>
+            </a:r>
+          </a:p>
+        </p:txBody>
+      </p:sp>
+      <p:sp>
+        <p:nvSpPr>
+          <p:cNvPr id="4" name="TextBox 3">
+            <a:extLst>
+              <a:ext uri="{FF2B5EF4-FFF2-40B4-BE49-F238E27FC236}">
+                <a16:creationId xmlns:a16="http://schemas.microsoft.com/office/drawing/2014/main" id="{708BFAEA-8CE0-231F-3768-5E876AE8E7FA}"/>
+              </a:ext>
+            </a:extLst>
+          </p:cNvPr>
+          <p:cNvSpPr txBox="1"/>
+          <p:nvPr/>
+        </p:nvSpPr>
+        <p:spPr>
+          <a:xfrm>
+            <a:off x="4963886" y="5292546"/>
+            <a:ext cx="6825343" cy="1200329"/>
+          </a:xfrm>
+          <a:prstGeom prst="rect">
+            <a:avLst/>
+          </a:prstGeom>
+          <a:noFill/>
+        </p:spPr>
+        <p:txBody>
+          <a:bodyPr wrap="square" rtlCol="0">
+            <a:spAutoFit/>
+          </a:bodyPr>
+          <a:lstStyle/>
+          <a:p>
+            <a:r>
+              <a:rPr lang="en-US" dirty="0"/>
+              <a:t>… The second incompleteness theorem, an extension of the first, shows that the system cannot demonstrate its own consistency. </a:t>
+            </a:r>
+          </a:p>
+          <a:p>
+            <a:endParaRPr lang="en-US" dirty="0"/>
+          </a:p>
+          <a:p>
+            <a:r>
+              <a:rPr lang="en-US" dirty="0"/>
+              <a:t>                        --- </a:t>
+            </a:r>
+            <a:r>
+              <a:rPr lang="en-US" b="1" dirty="0"/>
+              <a:t>Gödel's incompleteness theorems</a:t>
+            </a:r>
           </a:p>
         </p:txBody>
       </p:sp>
@@ -8264,6 +8351,646 @@
       </p:grpSpPr>
       <p:sp>
         <p:nvSpPr>
+          <p:cNvPr id="8" name="TextBox 7">
+            <a:extLst>
+              <a:ext uri="{FF2B5EF4-FFF2-40B4-BE49-F238E27FC236}">
+                <a16:creationId xmlns:a16="http://schemas.microsoft.com/office/drawing/2014/main" id="{F1FBA055-B204-4D02-B979-F74380C365C8}"/>
+              </a:ext>
+            </a:extLst>
+          </p:cNvPr>
+          <p:cNvSpPr txBox="1"/>
+          <p:nvPr/>
+        </p:nvSpPr>
+        <p:spPr>
+          <a:xfrm>
+            <a:off x="1102781" y="1029989"/>
+            <a:ext cx="2776722" cy="3785652"/>
+          </a:xfrm>
+          <a:prstGeom prst="rect">
+            <a:avLst/>
+          </a:prstGeom>
+          <a:noFill/>
+        </p:spPr>
+        <p:txBody>
+          <a:bodyPr wrap="none" rtlCol="0">
+            <a:spAutoFit/>
+          </a:bodyPr>
+          <a:lstStyle/>
+          <a:p>
+            <a:r>
+              <a:rPr lang="en-US" sz="1600" b="1" dirty="0">
+                <a:latin typeface="Courier New" panose="02070309020205020404" pitchFamily="49" charset="0"/>
+                <a:cs typeface="Courier New" panose="02070309020205020404" pitchFamily="49" charset="0"/>
+              </a:rPr>
+              <a:t>#include &lt;</a:t>
+            </a:r>
+            <a:r>
+              <a:rPr lang="en-US" sz="1600" b="1" dirty="0" err="1">
+                <a:latin typeface="Courier New" panose="02070309020205020404" pitchFamily="49" charset="0"/>
+                <a:cs typeface="Courier New" panose="02070309020205020404" pitchFamily="49" charset="0"/>
+              </a:rPr>
+              <a:t>stdio.h</a:t>
+            </a:r>
+            <a:r>
+              <a:rPr lang="en-US" sz="1600" b="1" dirty="0">
+                <a:latin typeface="Courier New" panose="02070309020205020404" pitchFamily="49" charset="0"/>
+                <a:cs typeface="Courier New" panose="02070309020205020404" pitchFamily="49" charset="0"/>
+              </a:rPr>
+              <a:t>&gt;</a:t>
+            </a:r>
+          </a:p>
+          <a:p>
+            <a:endParaRPr lang="en-US" sz="1600" b="1" dirty="0">
+              <a:latin typeface="Courier New" panose="02070309020205020404" pitchFamily="49" charset="0"/>
+              <a:cs typeface="Courier New" panose="02070309020205020404" pitchFamily="49" charset="0"/>
+            </a:endParaRPr>
+          </a:p>
+          <a:p>
+            <a:r>
+              <a:rPr lang="en-US" sz="1600" b="1" dirty="0">
+                <a:latin typeface="Courier New" panose="02070309020205020404" pitchFamily="49" charset="0"/>
+                <a:cs typeface="Courier New" panose="02070309020205020404" pitchFamily="49" charset="0"/>
+              </a:rPr>
+              <a:t>#ifdef USE_LONG</a:t>
+            </a:r>
+          </a:p>
+          <a:p>
+            <a:r>
+              <a:rPr lang="en-US" sz="1600" b="1" dirty="0">
+                <a:latin typeface="Courier New" panose="02070309020205020404" pitchFamily="49" charset="0"/>
+                <a:cs typeface="Courier New" panose="02070309020205020404" pitchFamily="49" charset="0"/>
+              </a:rPr>
+              <a:t>#define INT_32 long</a:t>
+            </a:r>
+          </a:p>
+          <a:p>
+            <a:r>
+              <a:rPr lang="en-US" sz="1600" b="1" dirty="0">
+                <a:latin typeface="Courier New" panose="02070309020205020404" pitchFamily="49" charset="0"/>
+                <a:cs typeface="Courier New" panose="02070309020205020404" pitchFamily="49" charset="0"/>
+              </a:rPr>
+              <a:t>#else</a:t>
+            </a:r>
+          </a:p>
+          <a:p>
+            <a:r>
+              <a:rPr lang="en-US" sz="1600" b="1" dirty="0">
+                <a:latin typeface="Courier New" panose="02070309020205020404" pitchFamily="49" charset="0"/>
+                <a:cs typeface="Courier New" panose="02070309020205020404" pitchFamily="49" charset="0"/>
+              </a:rPr>
+              <a:t>#define INT_32 int</a:t>
+            </a:r>
+          </a:p>
+          <a:p>
+            <a:r>
+              <a:rPr lang="en-US" sz="1600" b="1" dirty="0">
+                <a:latin typeface="Courier New" panose="02070309020205020404" pitchFamily="49" charset="0"/>
+                <a:cs typeface="Courier New" panose="02070309020205020404" pitchFamily="49" charset="0"/>
+              </a:rPr>
+              <a:t>#endif</a:t>
+            </a:r>
+          </a:p>
+          <a:p>
+            <a:endParaRPr lang="en-US" sz="1600" b="1" dirty="0">
+              <a:latin typeface="Courier New" panose="02070309020205020404" pitchFamily="49" charset="0"/>
+              <a:cs typeface="Courier New" panose="02070309020205020404" pitchFamily="49" charset="0"/>
+            </a:endParaRPr>
+          </a:p>
+          <a:p>
+            <a:r>
+              <a:rPr lang="en-US" sz="1600" b="1" dirty="0">
+                <a:latin typeface="Courier New" panose="02070309020205020404" pitchFamily="49" charset="0"/>
+                <a:cs typeface="Courier New" panose="02070309020205020404" pitchFamily="49" charset="0"/>
+              </a:rPr>
+              <a:t>int main() {</a:t>
+            </a:r>
+          </a:p>
+          <a:p>
+            <a:endParaRPr lang="en-US" sz="1600" b="1" dirty="0">
+              <a:latin typeface="Courier New" panose="02070309020205020404" pitchFamily="49" charset="0"/>
+              <a:cs typeface="Courier New" panose="02070309020205020404" pitchFamily="49" charset="0"/>
+            </a:endParaRPr>
+          </a:p>
+          <a:p>
+            <a:r>
+              <a:rPr lang="en-US" sz="1600" b="1" dirty="0">
+                <a:latin typeface="Courier New" panose="02070309020205020404" pitchFamily="49" charset="0"/>
+                <a:cs typeface="Courier New" panose="02070309020205020404" pitchFamily="49" charset="0"/>
+              </a:rPr>
+              <a:t>    int </a:t>
+            </a:r>
+            <a:r>
+              <a:rPr lang="en-US" sz="1600" b="1" dirty="0" err="1">
+                <a:latin typeface="Courier New" panose="02070309020205020404" pitchFamily="49" charset="0"/>
+                <a:cs typeface="Courier New" panose="02070309020205020404" pitchFamily="49" charset="0"/>
+              </a:rPr>
+              <a:t>i</a:t>
+            </a:r>
+            <a:r>
+              <a:rPr lang="en-US" sz="1600" b="1" dirty="0">
+                <a:latin typeface="Courier New" panose="02070309020205020404" pitchFamily="49" charset="0"/>
+                <a:cs typeface="Courier New" panose="02070309020205020404" pitchFamily="49" charset="0"/>
+              </a:rPr>
+              <a:t>;</a:t>
+            </a:r>
+          </a:p>
+          <a:p>
+            <a:r>
+              <a:rPr lang="en-US" sz="1600" b="1" dirty="0">
+                <a:latin typeface="Courier New" panose="02070309020205020404" pitchFamily="49" charset="0"/>
+                <a:cs typeface="Courier New" panose="02070309020205020404" pitchFamily="49" charset="0"/>
+              </a:rPr>
+              <a:t>    INT_32 </a:t>
+            </a:r>
+            <a:r>
+              <a:rPr lang="en-US" sz="1600" b="1" dirty="0" err="1">
+                <a:latin typeface="Courier New" panose="02070309020205020404" pitchFamily="49" charset="0"/>
+                <a:cs typeface="Courier New" panose="02070309020205020404" pitchFamily="49" charset="0"/>
+              </a:rPr>
+              <a:t>ipaddress</a:t>
+            </a:r>
+            <a:r>
+              <a:rPr lang="en-US" sz="1600" b="1" dirty="0">
+                <a:latin typeface="Courier New" panose="02070309020205020404" pitchFamily="49" charset="0"/>
+                <a:cs typeface="Courier New" panose="02070309020205020404" pitchFamily="49" charset="0"/>
+              </a:rPr>
+              <a:t>;</a:t>
+            </a:r>
+          </a:p>
+          <a:p>
+            <a:endParaRPr lang="en-US" sz="1600" b="1" dirty="0">
+              <a:latin typeface="Courier New" panose="02070309020205020404" pitchFamily="49" charset="0"/>
+              <a:cs typeface="Courier New" panose="02070309020205020404" pitchFamily="49" charset="0"/>
+            </a:endParaRPr>
+          </a:p>
+          <a:p>
+            <a:r>
+              <a:rPr lang="en-US" sz="1600" b="1" dirty="0">
+                <a:latin typeface="Courier New" panose="02070309020205020404" pitchFamily="49" charset="0"/>
+                <a:cs typeface="Courier New" panose="02070309020205020404" pitchFamily="49" charset="0"/>
+              </a:rPr>
+              <a:t>    // ...</a:t>
+            </a:r>
+          </a:p>
+          <a:p>
+            <a:r>
+              <a:rPr lang="en-US" sz="1600" b="1" dirty="0">
+                <a:latin typeface="Courier New" panose="02070309020205020404" pitchFamily="49" charset="0"/>
+                <a:cs typeface="Courier New" panose="02070309020205020404" pitchFamily="49" charset="0"/>
+              </a:rPr>
+              <a:t>}</a:t>
+            </a:r>
+          </a:p>
+        </p:txBody>
+      </p:sp>
+      <p:sp>
+        <p:nvSpPr>
+          <p:cNvPr id="9" name="TextBox 8">
+            <a:extLst>
+              <a:ext uri="{FF2B5EF4-FFF2-40B4-BE49-F238E27FC236}">
+                <a16:creationId xmlns:a16="http://schemas.microsoft.com/office/drawing/2014/main" id="{CB3F72A3-ECEE-C2C7-3DBC-65EEE84D3D84}"/>
+              </a:ext>
+            </a:extLst>
+          </p:cNvPr>
+          <p:cNvSpPr txBox="1"/>
+          <p:nvPr/>
+        </p:nvSpPr>
+        <p:spPr>
+          <a:xfrm>
+            <a:off x="7933567" y="1536174"/>
+            <a:ext cx="2406428" cy="2308324"/>
+          </a:xfrm>
+          <a:prstGeom prst="rect">
+            <a:avLst/>
+          </a:prstGeom>
+          <a:noFill/>
+        </p:spPr>
+        <p:txBody>
+          <a:bodyPr wrap="none" rtlCol="0">
+            <a:spAutoFit/>
+          </a:bodyPr>
+          <a:lstStyle/>
+          <a:p>
+            <a:r>
+              <a:rPr lang="en-US" sz="1600" b="1" dirty="0">
+                <a:latin typeface="Courier New" panose="02070309020205020404" pitchFamily="49" charset="0"/>
+                <a:cs typeface="Courier New" panose="02070309020205020404" pitchFamily="49" charset="0"/>
+              </a:rPr>
+              <a:t>#include &lt;</a:t>
+            </a:r>
+            <a:r>
+              <a:rPr lang="en-US" sz="1600" b="1" dirty="0" err="1">
+                <a:latin typeface="Courier New" panose="02070309020205020404" pitchFamily="49" charset="0"/>
+                <a:cs typeface="Courier New" panose="02070309020205020404" pitchFamily="49" charset="0"/>
+              </a:rPr>
+              <a:t>stdio.h</a:t>
+            </a:r>
+            <a:r>
+              <a:rPr lang="en-US" sz="1600" b="1" dirty="0">
+                <a:latin typeface="Courier New" panose="02070309020205020404" pitchFamily="49" charset="0"/>
+                <a:cs typeface="Courier New" panose="02070309020205020404" pitchFamily="49" charset="0"/>
+              </a:rPr>
+              <a:t>&gt;</a:t>
+            </a:r>
+          </a:p>
+          <a:p>
+            <a:endParaRPr lang="en-US" sz="1600" b="1" dirty="0">
+              <a:latin typeface="Courier New" panose="02070309020205020404" pitchFamily="49" charset="0"/>
+              <a:cs typeface="Courier New" panose="02070309020205020404" pitchFamily="49" charset="0"/>
+            </a:endParaRPr>
+          </a:p>
+          <a:p>
+            <a:r>
+              <a:rPr lang="en-US" sz="1600" b="1" dirty="0">
+                <a:latin typeface="Courier New" panose="02070309020205020404" pitchFamily="49" charset="0"/>
+                <a:cs typeface="Courier New" panose="02070309020205020404" pitchFamily="49" charset="0"/>
+              </a:rPr>
+              <a:t>int main() {</a:t>
+            </a:r>
+          </a:p>
+          <a:p>
+            <a:endParaRPr lang="en-US" sz="1600" b="1" dirty="0">
+              <a:latin typeface="Courier New" panose="02070309020205020404" pitchFamily="49" charset="0"/>
+              <a:cs typeface="Courier New" panose="02070309020205020404" pitchFamily="49" charset="0"/>
+            </a:endParaRPr>
+          </a:p>
+          <a:p>
+            <a:r>
+              <a:rPr lang="en-US" sz="1600" b="1" dirty="0">
+                <a:latin typeface="Courier New" panose="02070309020205020404" pitchFamily="49" charset="0"/>
+                <a:cs typeface="Courier New" panose="02070309020205020404" pitchFamily="49" charset="0"/>
+              </a:rPr>
+              <a:t>    int </a:t>
+            </a:r>
+            <a:r>
+              <a:rPr lang="en-US" sz="1600" b="1" dirty="0" err="1">
+                <a:latin typeface="Courier New" panose="02070309020205020404" pitchFamily="49" charset="0"/>
+                <a:cs typeface="Courier New" panose="02070309020205020404" pitchFamily="49" charset="0"/>
+              </a:rPr>
+              <a:t>i</a:t>
+            </a:r>
+            <a:r>
+              <a:rPr lang="en-US" sz="1600" b="1" dirty="0">
+                <a:latin typeface="Courier New" panose="02070309020205020404" pitchFamily="49" charset="0"/>
+                <a:cs typeface="Courier New" panose="02070309020205020404" pitchFamily="49" charset="0"/>
+              </a:rPr>
+              <a:t>;</a:t>
+            </a:r>
+          </a:p>
+          <a:p>
+            <a:r>
+              <a:rPr lang="en-US" sz="1600" b="1" dirty="0">
+                <a:latin typeface="Courier New" panose="02070309020205020404" pitchFamily="49" charset="0"/>
+                <a:cs typeface="Courier New" panose="02070309020205020404" pitchFamily="49" charset="0"/>
+              </a:rPr>
+              <a:t>    int </a:t>
+            </a:r>
+            <a:r>
+              <a:rPr lang="en-US" sz="1600" b="1" dirty="0" err="1">
+                <a:latin typeface="Courier New" panose="02070309020205020404" pitchFamily="49" charset="0"/>
+                <a:cs typeface="Courier New" panose="02070309020205020404" pitchFamily="49" charset="0"/>
+              </a:rPr>
+              <a:t>ipaddress</a:t>
+            </a:r>
+            <a:r>
+              <a:rPr lang="en-US" sz="1600" b="1" dirty="0">
+                <a:latin typeface="Courier New" panose="02070309020205020404" pitchFamily="49" charset="0"/>
+                <a:cs typeface="Courier New" panose="02070309020205020404" pitchFamily="49" charset="0"/>
+              </a:rPr>
+              <a:t>;</a:t>
+            </a:r>
+          </a:p>
+          <a:p>
+            <a:r>
+              <a:rPr lang="en-US" sz="1600" b="1" dirty="0">
+                <a:latin typeface="Courier New" panose="02070309020205020404" pitchFamily="49" charset="0"/>
+                <a:cs typeface="Courier New" panose="02070309020205020404" pitchFamily="49" charset="0"/>
+              </a:rPr>
+              <a:t>    // ...</a:t>
+            </a:r>
+          </a:p>
+          <a:p>
+            <a:endParaRPr lang="en-US" sz="1600" b="1" dirty="0">
+              <a:latin typeface="Courier New" panose="02070309020205020404" pitchFamily="49" charset="0"/>
+              <a:cs typeface="Courier New" panose="02070309020205020404" pitchFamily="49" charset="0"/>
+            </a:endParaRPr>
+          </a:p>
+          <a:p>
+            <a:r>
+              <a:rPr lang="en-US" sz="1600" b="1" dirty="0">
+                <a:latin typeface="Courier New" panose="02070309020205020404" pitchFamily="49" charset="0"/>
+                <a:cs typeface="Courier New" panose="02070309020205020404" pitchFamily="49" charset="0"/>
+              </a:rPr>
+              <a:t>}</a:t>
+            </a:r>
+          </a:p>
+        </p:txBody>
+      </p:sp>
+      <p:sp>
+        <p:nvSpPr>
+          <p:cNvPr id="12" name="Right Arrow 11">
+            <a:extLst>
+              <a:ext uri="{FF2B5EF4-FFF2-40B4-BE49-F238E27FC236}">
+                <a16:creationId xmlns:a16="http://schemas.microsoft.com/office/drawing/2014/main" id="{319689AE-0C60-3ACF-0F4B-95870AA81D07}"/>
+              </a:ext>
+            </a:extLst>
+          </p:cNvPr>
+          <p:cNvSpPr/>
+          <p:nvPr/>
+        </p:nvSpPr>
+        <p:spPr>
+          <a:xfrm>
+            <a:off x="4583921" y="2326822"/>
+            <a:ext cx="2645228" cy="1191986"/>
+          </a:xfrm>
+          <a:prstGeom prst="rightArrow">
+            <a:avLst/>
+          </a:prstGeom>
+        </p:spPr>
+        <p:style>
+          <a:lnRef idx="2">
+            <a:schemeClr val="accent1">
+              <a:shade val="50000"/>
+            </a:schemeClr>
+          </a:lnRef>
+          <a:fillRef idx="1">
+            <a:schemeClr val="accent1"/>
+          </a:fillRef>
+          <a:effectRef idx="0">
+            <a:schemeClr val="accent1"/>
+          </a:effectRef>
+          <a:fontRef idx="minor">
+            <a:schemeClr val="lt1"/>
+          </a:fontRef>
+        </p:style>
+        <p:txBody>
+          <a:bodyPr rtlCol="0" anchor="ctr"/>
+          <a:lstStyle/>
+          <a:p>
+            <a:pPr algn="ctr"/>
+            <a:r>
+              <a:rPr lang="en-US" dirty="0" err="1"/>
+              <a:t>gcc</a:t>
+            </a:r>
+            <a:r>
+              <a:rPr lang="en-US" dirty="0"/>
+              <a:t> –E kr_04_04.c</a:t>
+            </a:r>
+          </a:p>
+        </p:txBody>
+      </p:sp>
+      <p:sp>
+        <p:nvSpPr>
+          <p:cNvPr id="13" name="TextBox 12">
+            <a:extLst>
+              <a:ext uri="{FF2B5EF4-FFF2-40B4-BE49-F238E27FC236}">
+                <a16:creationId xmlns:a16="http://schemas.microsoft.com/office/drawing/2014/main" id="{FA4B4657-E39B-3155-1639-E329296F9B09}"/>
+              </a:ext>
+            </a:extLst>
+          </p:cNvPr>
+          <p:cNvSpPr txBox="1"/>
+          <p:nvPr/>
+        </p:nvSpPr>
+        <p:spPr>
+          <a:xfrm>
+            <a:off x="293915" y="6338986"/>
+            <a:ext cx="1382485" cy="307777"/>
+          </a:xfrm>
+          <a:prstGeom prst="rect">
+            <a:avLst/>
+          </a:prstGeom>
+          <a:noFill/>
+        </p:spPr>
+        <p:txBody>
+          <a:bodyPr wrap="square">
+            <a:spAutoFit/>
+          </a:bodyPr>
+          <a:lstStyle/>
+          <a:p>
+            <a:r>
+              <a:rPr lang="en-US" sz="1400" b="1" dirty="0">
+                <a:solidFill>
+                  <a:srgbClr val="000000"/>
+                </a:solidFill>
+                <a:latin typeface="Menlo" panose="020B0609030804020204" pitchFamily="49" charset="0"/>
+              </a:rPr>
+              <a:t>kr_04_04.c</a:t>
+            </a:r>
+          </a:p>
+        </p:txBody>
+      </p:sp>
+    </p:spTree>
+    <p:extLst>
+      <p:ext uri="{BB962C8B-B14F-4D97-AF65-F5344CB8AC3E}">
+        <p14:creationId xmlns:p14="http://schemas.microsoft.com/office/powerpoint/2010/main" val="1640140383"/>
+      </p:ext>
+    </p:extLst>
+  </p:cSld>
+  <p:clrMapOvr>
+    <a:masterClrMapping/>
+  </p:clrMapOvr>
+</p:sld>
+</file>
+
+<file path=ppt/slides/slide17.xml><?xml version="1.0" encoding="utf-8"?>
+<p:sld xmlns:a="http://schemas.openxmlformats.org/drawingml/2006/main" xmlns:r="http://schemas.openxmlformats.org/officeDocument/2006/relationships" xmlns:p="http://schemas.openxmlformats.org/presentationml/2006/main">
+  <p:cSld>
+    <p:spTree>
+      <p:nvGrpSpPr>
+        <p:cNvPr id="1" name=""/>
+        <p:cNvGrpSpPr/>
+        <p:nvPr/>
+      </p:nvGrpSpPr>
+      <p:grpSpPr>
+        <a:xfrm>
+          <a:off x="0" y="0"/>
+          <a:ext cx="0" cy="0"/>
+          <a:chOff x="0" y="0"/>
+          <a:chExt cx="0" cy="0"/>
+        </a:xfrm>
+      </p:grpSpPr>
+      <p:sp>
+        <p:nvSpPr>
+          <p:cNvPr id="3" name="TextBox 2">
+            <a:extLst>
+              <a:ext uri="{FF2B5EF4-FFF2-40B4-BE49-F238E27FC236}">
+                <a16:creationId xmlns:a16="http://schemas.microsoft.com/office/drawing/2014/main" id="{3D35D4B3-CA2E-4DD2-B4B8-425FA3188E1F}"/>
+              </a:ext>
+            </a:extLst>
+          </p:cNvPr>
+          <p:cNvSpPr txBox="1"/>
+          <p:nvPr/>
+        </p:nvSpPr>
+        <p:spPr>
+          <a:xfrm>
+            <a:off x="838200" y="5875502"/>
+            <a:ext cx="7172325" cy="369332"/>
+          </a:xfrm>
+          <a:prstGeom prst="rect">
+            <a:avLst/>
+          </a:prstGeom>
+          <a:noFill/>
+        </p:spPr>
+        <p:txBody>
+          <a:bodyPr wrap="square">
+            <a:spAutoFit/>
+          </a:bodyPr>
+          <a:lstStyle/>
+          <a:p>
+            <a:r>
+              <a:rPr lang="en-US" dirty="0"/>
+              <a:t>https://</a:t>
+            </a:r>
+            <a:r>
+              <a:rPr lang="en-US" dirty="0" err="1"/>
+              <a:t>github.com</a:t>
+            </a:r>
+            <a:r>
+              <a:rPr lang="en-US" dirty="0"/>
+              <a:t>/csev/xmosaic-1.2/blob/master/</a:t>
+            </a:r>
+            <a:r>
+              <a:rPr lang="en-US" dirty="0" err="1"/>
+              <a:t>libwww</a:t>
+            </a:r>
+            <a:r>
+              <a:rPr lang="en-US" dirty="0"/>
+              <a:t>/HTTCP.c#L47</a:t>
+            </a:r>
+          </a:p>
+        </p:txBody>
+      </p:sp>
+      <p:pic>
+        <p:nvPicPr>
+          <p:cNvPr id="54" name="Picture 53" descr="Source code from XMosaic 1.2 - the precise code is less important than the complexity of the code.&#10;&#10;https://github.com/csev/xmosaic-1.2/blob/master/libwww/HTTCP.c#L47">
+            <a:extLst>
+              <a:ext uri="{FF2B5EF4-FFF2-40B4-BE49-F238E27FC236}">
+                <a16:creationId xmlns:a16="http://schemas.microsoft.com/office/drawing/2014/main" id="{8FEACF99-E0AD-29C6-4DC3-EBB6F7EEB8DA}"/>
+              </a:ext>
+            </a:extLst>
+          </p:cNvPr>
+          <p:cNvPicPr>
+            <a:picLocks noChangeAspect="1"/>
+          </p:cNvPicPr>
+          <p:nvPr/>
+        </p:nvPicPr>
+        <p:blipFill>
+          <a:blip r:embed="rId2"/>
+          <a:stretch>
+            <a:fillRect/>
+          </a:stretch>
+        </p:blipFill>
+        <p:spPr>
+          <a:xfrm>
+            <a:off x="8249557" y="468395"/>
+            <a:ext cx="3479800" cy="5143500"/>
+          </a:xfrm>
+          <a:prstGeom prst="rect">
+            <a:avLst/>
+          </a:prstGeom>
+        </p:spPr>
+      </p:pic>
+      <p:sp>
+        <p:nvSpPr>
+          <p:cNvPr id="55" name="Title 54">
+            <a:extLst>
+              <a:ext uri="{FF2B5EF4-FFF2-40B4-BE49-F238E27FC236}">
+                <a16:creationId xmlns:a16="http://schemas.microsoft.com/office/drawing/2014/main" id="{83466623-66F6-2D88-B914-BC766E88A77A}"/>
+              </a:ext>
+            </a:extLst>
+          </p:cNvPr>
+          <p:cNvSpPr>
+            <a:spLocks noGrp="1"/>
+          </p:cNvSpPr>
+          <p:nvPr>
+            <p:ph type="title"/>
+          </p:nvPr>
+        </p:nvSpPr>
+        <p:spPr/>
+        <p:txBody>
+          <a:bodyPr/>
+          <a:lstStyle/>
+          <a:p>
+            <a:r>
+              <a:rPr lang="en-US" dirty="0"/>
+              <a:t>Compensating for weirdness …</a:t>
+            </a:r>
+          </a:p>
+        </p:txBody>
+      </p:sp>
+      <p:sp>
+        <p:nvSpPr>
+          <p:cNvPr id="56" name="Content Placeholder 55">
+            <a:extLst>
+              <a:ext uri="{FF2B5EF4-FFF2-40B4-BE49-F238E27FC236}">
+                <a16:creationId xmlns:a16="http://schemas.microsoft.com/office/drawing/2014/main" id="{E3F4C29E-4A05-B52D-B70A-F796B17D07F9}"/>
+              </a:ext>
+            </a:extLst>
+          </p:cNvPr>
+          <p:cNvSpPr>
+            <a:spLocks noGrp="1"/>
+          </p:cNvSpPr>
+          <p:nvPr>
+            <p:ph idx="1"/>
+          </p:nvPr>
+        </p:nvSpPr>
+        <p:spPr>
+          <a:xfrm>
+            <a:off x="838200" y="1825625"/>
+            <a:ext cx="6379029" cy="2387146"/>
+          </a:xfrm>
+        </p:spPr>
+        <p:txBody>
+          <a:bodyPr/>
+          <a:lstStyle/>
+          <a:p>
+            <a:r>
+              <a:rPr lang="en-US" dirty="0"/>
+              <a:t>In this example C snippet from </a:t>
+            </a:r>
+            <a:r>
+              <a:rPr lang="en-US" dirty="0" err="1"/>
+              <a:t>XMosaic</a:t>
+            </a:r>
+            <a:r>
+              <a:rPr lang="en-US" dirty="0"/>
+              <a:t> 1.2 from 1994, we see constant effort to compile the program on a wide range of operating systems and even versions of those operating systems.</a:t>
+            </a:r>
+          </a:p>
+        </p:txBody>
+      </p:sp>
+    </p:spTree>
+    <p:extLst>
+      <p:ext uri="{BB962C8B-B14F-4D97-AF65-F5344CB8AC3E}">
+        <p14:creationId xmlns:p14="http://schemas.microsoft.com/office/powerpoint/2010/main" val="1916434316"/>
+      </p:ext>
+    </p:extLst>
+  </p:cSld>
+  <p:clrMapOvr>
+    <a:masterClrMapping/>
+  </p:clrMapOvr>
+</p:sld>
+</file>
+
+<file path=ppt/slides/slide18.xml><?xml version="1.0" encoding="utf-8"?>
+<p:sld xmlns:a="http://schemas.openxmlformats.org/drawingml/2006/main" xmlns:r="http://schemas.openxmlformats.org/officeDocument/2006/relationships" xmlns:p="http://schemas.openxmlformats.org/presentationml/2006/main">
+  <p:cSld>
+    <p:spTree>
+      <p:nvGrpSpPr>
+        <p:cNvPr id="1" name=""/>
+        <p:cNvGrpSpPr/>
+        <p:nvPr/>
+      </p:nvGrpSpPr>
+      <p:grpSpPr>
+        <a:xfrm>
+          <a:off x="0" y="0"/>
+          <a:ext cx="0" cy="0"/>
+          <a:chOff x="0" y="0"/>
+          <a:chExt cx="0" cy="0"/>
+        </a:xfrm>
+      </p:grpSpPr>
+      <p:sp>
+        <p:nvSpPr>
           <p:cNvPr id="3" name="Title 2">
             <a:extLst>
               <a:ext uri="{FF2B5EF4-FFF2-40B4-BE49-F238E27FC236}">
@@ -8349,7 +9076,7 @@
 </p:sld>
 </file>
 
-<file path=ppt/slides/slide17.xml><?xml version="1.0" encoding="utf-8"?>
+<file path=ppt/slides/slide19.xml><?xml version="1.0" encoding="utf-8"?>
 <p:sld xmlns:a="http://schemas.openxmlformats.org/drawingml/2006/main" xmlns:r="http://schemas.openxmlformats.org/officeDocument/2006/relationships" xmlns:p="http://schemas.openxmlformats.org/presentationml/2006/main">
   <p:cSld>
     <p:spTree>

--- a/lectures/KR-4.pptx
+++ b/lectures/KR-4.pptx
@@ -4497,7 +4497,7 @@
                 <a:latin typeface="Courier New" panose="02070309020205020404" pitchFamily="49" charset="0"/>
                 <a:cs typeface="Courier New" panose="02070309020205020404" pitchFamily="49" charset="0"/>
               </a:rPr>
-              <a:t>);</a:t>
+              <a:t>)</a:t>
             </a:r>
           </a:p>
           <a:p>
@@ -4529,7 +4529,7 @@
                 <a:latin typeface="Courier New" panose="02070309020205020404" pitchFamily="49" charset="0"/>
                 <a:cs typeface="Courier New" panose="02070309020205020404" pitchFamily="49" charset="0"/>
               </a:rPr>
-              <a:t>);</a:t>
+              <a:t>)</a:t>
             </a:r>
           </a:p>
           <a:p>
@@ -4567,7 +4567,7 @@
                 <a:latin typeface="Courier New" panose="02070309020205020404" pitchFamily="49" charset="0"/>
                 <a:cs typeface="Courier New" panose="02070309020205020404" pitchFamily="49" charset="0"/>
               </a:rPr>
-              <a:t>);</a:t>
+              <a:t>)</a:t>
             </a:r>
           </a:p>
           <a:p>
@@ -4599,7 +4599,7 @@
                 <a:latin typeface="Courier New" panose="02070309020205020404" pitchFamily="49" charset="0"/>
                 <a:cs typeface="Courier New" panose="02070309020205020404" pitchFamily="49" charset="0"/>
               </a:rPr>
-              <a:t>);</a:t>
+              <a:t>)</a:t>
             </a:r>
           </a:p>
         </p:txBody>
@@ -6222,7 +6222,7 @@
         <p:spPr/>
         <p:txBody>
           <a:bodyPr>
-            <a:normAutofit lnSpcReduction="10000"/>
+            <a:normAutofit/>
           </a:bodyPr>
           <a:lstStyle/>
           <a:p>
@@ -6268,7 +6268,23 @@
                   <a:srgbClr val="FF0000"/>
                 </a:solidFill>
               </a:rPr>
-              <a:t>Simple recursion examples (like this one) are very bad uses of recursion and completely mislead you as to the value and applications of recursion</a:t>
+              <a:t>Simple recursion examples (like this one) are very bad uses of recursion </a:t>
+            </a:r>
+            <a:r>
+              <a:rPr lang="en-US">
+                <a:solidFill>
+                  <a:srgbClr val="FF0000"/>
+                </a:solidFill>
+              </a:rPr>
+              <a:t>and mislead </a:t>
+            </a:r>
+            <a:r>
+              <a:rPr lang="en-US" dirty="0">
+                <a:solidFill>
+                  <a:srgbClr val="FF0000"/>
+                </a:solidFill>
+              </a:rPr>
+              <a:t>you as to the applications of recursion</a:t>
             </a:r>
           </a:p>
           <a:p>
@@ -9520,7 +9536,7 @@
                 <a:latin typeface="Courier New" panose="02070309020205020404" pitchFamily="49" charset="0"/>
                 <a:cs typeface="Courier New" panose="02070309020205020404" pitchFamily="49" charset="0"/>
               </a:rPr>
-              <a:t>);</a:t>
+              <a:t>)</a:t>
             </a:r>
           </a:p>
           <a:p>
@@ -9559,7 +9575,7 @@
                 <a:latin typeface="Courier New" panose="02070309020205020404" pitchFamily="49" charset="0"/>
                 <a:cs typeface="Courier New" panose="02070309020205020404" pitchFamily="49" charset="0"/>
               </a:rPr>
-              <a:t>);</a:t>
+              <a:t>)</a:t>
             </a:r>
           </a:p>
           <a:p>
@@ -9598,7 +9614,7 @@
                 <a:latin typeface="Courier New" panose="02070309020205020404" pitchFamily="49" charset="0"/>
                 <a:cs typeface="Courier New" panose="02070309020205020404" pitchFamily="49" charset="0"/>
               </a:rPr>
-              <a:t>);</a:t>
+              <a:t>)</a:t>
             </a:r>
           </a:p>
           <a:p>
@@ -9644,7 +9660,7 @@
                 <a:latin typeface="Courier New" panose="02070309020205020404" pitchFamily="49" charset="0"/>
                 <a:cs typeface="Courier New" panose="02070309020205020404" pitchFamily="49" charset="0"/>
               </a:rPr>
-              <a:t>);</a:t>
+              <a:t>)</a:t>
             </a:r>
           </a:p>
         </p:txBody>
@@ -10141,7 +10157,7 @@
                 <a:latin typeface="Courier New" panose="02070309020205020404" pitchFamily="49" charset="0"/>
                 <a:cs typeface="Courier New" panose="02070309020205020404" pitchFamily="49" charset="0"/>
               </a:rPr>
-              <a:t>);</a:t>
+              <a:t>)</a:t>
             </a:r>
           </a:p>
           <a:p>
@@ -10180,7 +10196,7 @@
                 <a:latin typeface="Courier New" panose="02070309020205020404" pitchFamily="49" charset="0"/>
                 <a:cs typeface="Courier New" panose="02070309020205020404" pitchFamily="49" charset="0"/>
               </a:rPr>
-              <a:t>);</a:t>
+              <a:t>)</a:t>
             </a:r>
           </a:p>
           <a:p>
@@ -10219,7 +10235,7 @@
                 <a:latin typeface="Courier New" panose="02070309020205020404" pitchFamily="49" charset="0"/>
                 <a:cs typeface="Courier New" panose="02070309020205020404" pitchFamily="49" charset="0"/>
               </a:rPr>
-              <a:t>);</a:t>
+              <a:t>)</a:t>
             </a:r>
           </a:p>
           <a:p>
@@ -10265,7 +10281,7 @@
                 <a:latin typeface="Courier New" panose="02070309020205020404" pitchFamily="49" charset="0"/>
                 <a:cs typeface="Courier New" panose="02070309020205020404" pitchFamily="49" charset="0"/>
               </a:rPr>
-              <a:t>);</a:t>
+              <a:t>)</a:t>
             </a:r>
           </a:p>
         </p:txBody>
@@ -10914,7 +10930,7 @@
         <p:spPr>
           <a:xfrm>
             <a:off x="838200" y="1845012"/>
-            <a:ext cx="4751622" cy="4031873"/>
+            <a:ext cx="4875053" cy="4031873"/>
           </a:xfrm>
           <a:prstGeom prst="rect">
             <a:avLst/>

--- a/lectures/KR-4.pptx
+++ b/lectures/KR-4.pptx
@@ -6635,7 +6635,7 @@
                 <a:latin typeface="Courier New" panose="02070309020205020404" pitchFamily="49" charset="0"/>
                 <a:cs typeface="Courier New" panose="02070309020205020404" pitchFamily="49" charset="0"/>
               </a:rPr>
-              <a:t>("Up: %d\n",</a:t>
+              <a:t>(”Ret: %d\n",</a:t>
             </a:r>
             <a:r>
               <a:rPr lang="en-US" sz="1600" b="1" dirty="0" err="1">
@@ -6875,7 +6875,7 @@
                 <a:latin typeface="Courier New" panose="02070309020205020404" pitchFamily="49" charset="0"/>
                 <a:cs typeface="Courier New" panose="02070309020205020404" pitchFamily="49" charset="0"/>
               </a:rPr>
-              <a:t>  Up: 3</a:t>
+              <a:t>  Ret: 3</a:t>
             </a:r>
           </a:p>
           <a:p>
@@ -6893,7 +6893,7 @@
                 <a:latin typeface="Courier New" panose="02070309020205020404" pitchFamily="49" charset="0"/>
                 <a:cs typeface="Courier New" panose="02070309020205020404" pitchFamily="49" charset="0"/>
               </a:rPr>
-              <a:t>Up: 6</a:t>
+              <a:t>Ret: 6</a:t>
             </a:r>
           </a:p>
           <a:p>
@@ -8163,6 +8163,47 @@
                 <a:latin typeface="Menlo" panose="020B0609030804020204" pitchFamily="49" charset="0"/>
               </a:rPr>
               <a:t>kr_04_03.c</a:t>
+            </a:r>
+          </a:p>
+        </p:txBody>
+      </p:sp>
+      <p:sp>
+        <p:nvSpPr>
+          <p:cNvPr id="2" name="TextBox 1">
+            <a:extLst>
+              <a:ext uri="{FF2B5EF4-FFF2-40B4-BE49-F238E27FC236}">
+                <a16:creationId xmlns:a16="http://schemas.microsoft.com/office/drawing/2014/main" id="{D8B55B4B-9419-C5EF-5C3B-DDA468146540}"/>
+              </a:ext>
+            </a:extLst>
+          </p:cNvPr>
+          <p:cNvSpPr txBox="1"/>
+          <p:nvPr/>
+        </p:nvSpPr>
+        <p:spPr>
+          <a:xfrm>
+            <a:off x="8798708" y="1878270"/>
+            <a:ext cx="800116" cy="646331"/>
+          </a:xfrm>
+          <a:prstGeom prst="rect">
+            <a:avLst/>
+          </a:prstGeom>
+          <a:noFill/>
+        </p:spPr>
+        <p:txBody>
+          <a:bodyPr wrap="square" rtlCol="0">
+            <a:spAutoFit/>
+          </a:bodyPr>
+          <a:lstStyle/>
+          <a:p>
+            <a:r>
+              <a:rPr lang="en-US" dirty="0"/>
+              <a:t>stack</a:t>
+            </a:r>
+          </a:p>
+          <a:p>
+            <a:r>
+              <a:rPr lang="en-US" dirty="0"/>
+              <a:t>frame</a:t>
             </a:r>
           </a:p>
         </p:txBody>

--- a/lectures/KR-4.pptx
+++ b/lectures/KR-4.pptx
@@ -3812,6 +3812,9 @@
           <a:p>
             <a:r>
               <a:rPr lang="en-US" sz="1600" b="1" dirty="0">
+                <a:solidFill>
+                  <a:srgbClr val="4472C4"/>
+                </a:solidFill>
                 <a:latin typeface="Courier New" panose="02070309020205020404" pitchFamily="49" charset="0"/>
                 <a:cs typeface="Courier New" panose="02070309020205020404" pitchFamily="49" charset="0"/>
               </a:rPr>
@@ -3819,6 +3822,9 @@
             </a:r>
             <a:r>
               <a:rPr lang="en-US" sz="1600" b="1" dirty="0" err="1">
+                <a:solidFill>
+                  <a:srgbClr val="4472C4"/>
+                </a:solidFill>
                 <a:latin typeface="Courier New" panose="02070309020205020404" pitchFamily="49" charset="0"/>
                 <a:cs typeface="Courier New" panose="02070309020205020404" pitchFamily="49" charset="0"/>
               </a:rPr>
@@ -3826,6 +3832,9 @@
             </a:r>
             <a:r>
               <a:rPr lang="en-US" sz="1600" b="1" dirty="0">
+                <a:solidFill>
+                  <a:srgbClr val="4472C4"/>
+                </a:solidFill>
                 <a:latin typeface="Courier New" panose="02070309020205020404" pitchFamily="49" charset="0"/>
                 <a:cs typeface="Courier New" panose="02070309020205020404" pitchFamily="49" charset="0"/>
               </a:rPr>
@@ -3833,6 +3842,9 @@
             </a:r>
             <a:r>
               <a:rPr lang="en-US" sz="1600" b="1" dirty="0" err="1">
+                <a:solidFill>
+                  <a:srgbClr val="4472C4"/>
+                </a:solidFill>
                 <a:latin typeface="Courier New" panose="02070309020205020404" pitchFamily="49" charset="0"/>
                 <a:cs typeface="Courier New" panose="02070309020205020404" pitchFamily="49" charset="0"/>
               </a:rPr>
@@ -3840,6 +3852,9 @@
             </a:r>
             <a:r>
               <a:rPr lang="en-US" sz="1600" b="1" dirty="0">
+                <a:solidFill>
+                  <a:srgbClr val="4472C4"/>
+                </a:solidFill>
                 <a:latin typeface="Courier New" panose="02070309020205020404" pitchFamily="49" charset="0"/>
                 <a:cs typeface="Courier New" panose="02070309020205020404" pitchFamily="49" charset="0"/>
               </a:rPr>
@@ -4436,7 +4451,7 @@
           <a:p>
             <a:r>
               <a:rPr lang="en-US" dirty="0"/>
-              <a:t>Are arrays call by value in C?</a:t>
+              <a:t>Are arrays call by value in C?  Sort of.</a:t>
             </a:r>
           </a:p>
         </p:txBody>
@@ -6140,7 +6155,23 @@
           <a:p>
             <a:r>
               <a:rPr lang="en-US" sz="2000" dirty="0"/>
-              <a:t>The array *location* is passed by value (i.e. a copy is made in the stack frame) but no copy is made of the data in the array.  Since the function *knows where* the data is, it can change the data.</a:t>
+              <a:t>The array </a:t>
+            </a:r>
+            <a:r>
+              <a:rPr lang="en-US" sz="2000" b="1" i="1" dirty="0"/>
+              <a:t>*location* </a:t>
+            </a:r>
+            <a:r>
+              <a:rPr lang="en-US" sz="2000" dirty="0"/>
+              <a:t>is passed by value (i.e. a copy is made in the stack frame) but no copy is made of the data in the array.  Since the function </a:t>
+            </a:r>
+            <a:r>
+              <a:rPr lang="en-US" sz="2000" b="1" i="1" dirty="0"/>
+              <a:t>*knows where* </a:t>
+            </a:r>
+            <a:r>
+              <a:rPr lang="en-US" sz="2000" dirty="0"/>
+              <a:t>the data is, it can change the data.</a:t>
             </a:r>
           </a:p>
         </p:txBody>
@@ -8342,8 +8373,8 @@
         </p:nvSpPr>
         <p:spPr>
           <a:xfrm>
-            <a:off x="4963886" y="5292546"/>
-            <a:ext cx="6825343" cy="1200329"/>
+            <a:off x="4995417" y="5388570"/>
+            <a:ext cx="6825343" cy="923330"/>
           </a:xfrm>
           <a:prstGeom prst="rect">
             <a:avLst/>
@@ -8360,9 +8391,6 @@
               <a:rPr lang="en-US" dirty="0"/>
               <a:t>… The second incompleteness theorem, an extension of the first, shows that the system cannot demonstrate its own consistency. </a:t>
             </a:r>
-          </a:p>
-          <a:p>
-            <a:endParaRPr lang="en-US" dirty="0"/>
           </a:p>
           <a:p>
             <a:r>
@@ -8757,8 +8785,8 @@
         </p:nvSpPr>
         <p:spPr>
           <a:xfrm>
-            <a:off x="4583921" y="2326822"/>
-            <a:ext cx="2645228" cy="1191986"/>
+            <a:off x="4103847" y="2421416"/>
+            <a:ext cx="3256796" cy="1191986"/>
           </a:xfrm>
           <a:prstGeom prst="rightArrow">
             <a:avLst/>
@@ -8786,11 +8814,17 @@
           <a:p>
             <a:pPr algn="ctr"/>
             <a:r>
-              <a:rPr lang="en-US" dirty="0" err="1"/>
+              <a:rPr lang="en-US" sz="2000" dirty="0" err="1">
+                <a:latin typeface="Courier New" panose="02070309020205020404" pitchFamily="49" charset="0"/>
+                <a:cs typeface="Courier New" panose="02070309020205020404" pitchFamily="49" charset="0"/>
+              </a:rPr>
               <a:t>gcc</a:t>
             </a:r>
             <a:r>
-              <a:rPr lang="en-US" dirty="0"/>
+              <a:rPr lang="en-US" sz="2000" dirty="0">
+                <a:latin typeface="Courier New" panose="02070309020205020404" pitchFamily="49" charset="0"/>
+                <a:cs typeface="Courier New" panose="02070309020205020404" pitchFamily="49" charset="0"/>
+              </a:rPr>
               <a:t> –E kr_04_04.c</a:t>
             </a:r>
           </a:p>
@@ -8993,12 +9027,14 @@
         </p:nvSpPr>
         <p:spPr>
           <a:xfrm>
-            <a:off x="838200" y="1825625"/>
-            <a:ext cx="6379029" cy="2387146"/>
-          </a:xfrm>
-        </p:spPr>
-        <p:txBody>
-          <a:bodyPr/>
+            <a:off x="838200" y="1825624"/>
+            <a:ext cx="6379029" cy="3229851"/>
+          </a:xfrm>
+        </p:spPr>
+        <p:txBody>
+          <a:bodyPr>
+            <a:normAutofit/>
+          </a:bodyPr>
           <a:lstStyle/>
           <a:p>
             <a:r>
@@ -9011,7 +9047,7 @@
             </a:r>
             <a:r>
               <a:rPr lang="en-US" dirty="0"/>
-              <a:t> 1.2 from 1994, we see constant effort to compile the program on a wide range of operating systems and even versions of those operating systems.</a:t>
+              <a:t> 1.2 from 1994, we see constant effort to use the pre-processor so we can compile the program on a wide range of operating systems and even versions of those operating systems.</a:t>
             </a:r>
           </a:p>
         </p:txBody>
@@ -10910,7 +10946,7 @@
           <a:p>
             <a:r>
               <a:rPr lang="en-US" dirty="0"/>
-              <a:t>Call by value – But how does it work?</a:t>
+              <a:t>Call by value</a:t>
             </a:r>
           </a:p>
         </p:txBody>
@@ -10939,19 +10975,35 @@
         </p:spPr>
         <p:txBody>
           <a:bodyPr>
-            <a:normAutofit lnSpcReduction="10000"/>
+            <a:normAutofit fontScale="92500" lnSpcReduction="10000"/>
           </a:bodyPr>
           <a:lstStyle/>
           <a:p>
             <a:r>
               <a:rPr lang="en-US" dirty="0"/>
-              <a:t>Call by value says that within a function, you can change a parameter and it does not affect the variable in the main()</a:t>
-            </a:r>
-          </a:p>
-          <a:p>
+              <a:t>Call by </a:t>
+            </a:r>
+            <a:r>
+              <a:rPr lang="en-US" b="1" i="1" dirty="0"/>
+              <a:t>value</a:t>
+            </a:r>
             <a:r>
               <a:rPr lang="en-US" dirty="0"/>
-              <a:t>Parameters are “isolated to within the function”</a:t>
+              <a:t> says that within a function, you can change a parameter and it does not affect the copy of the variable in the main()</a:t>
+            </a:r>
+          </a:p>
+          <a:p>
+            <a:r>
+              <a:rPr lang="en-US" dirty="0"/>
+              <a:t>Parameters are “</a:t>
+            </a:r>
+            <a:r>
+              <a:rPr lang="en-US" b="1" i="1" dirty="0"/>
+              <a:t>isolated</a:t>
+            </a:r>
+            <a:r>
+              <a:rPr lang="en-US" dirty="0"/>
+              <a:t> to within the function”</a:t>
             </a:r>
           </a:p>
         </p:txBody>
@@ -12301,6 +12353,9 @@
           <a:p>
             <a:r>
               <a:rPr lang="en-US" sz="1600" b="1" dirty="0">
+                <a:solidFill>
+                  <a:srgbClr val="4472C4"/>
+                </a:solidFill>
                 <a:latin typeface="Courier New" panose="02070309020205020404" pitchFamily="49" charset="0"/>
                 <a:cs typeface="Courier New" panose="02070309020205020404" pitchFamily="49" charset="0"/>
               </a:rPr>
@@ -12308,6 +12363,9 @@
             </a:r>
             <a:r>
               <a:rPr lang="en-US" sz="1600" b="1" dirty="0" err="1">
+                <a:solidFill>
+                  <a:srgbClr val="4472C4"/>
+                </a:solidFill>
                 <a:latin typeface="Courier New" panose="02070309020205020404" pitchFamily="49" charset="0"/>
                 <a:cs typeface="Courier New" panose="02070309020205020404" pitchFamily="49" charset="0"/>
               </a:rPr>
@@ -12315,6 +12373,9 @@
             </a:r>
             <a:r>
               <a:rPr lang="en-US" sz="1600" b="1" dirty="0">
+                <a:solidFill>
+                  <a:srgbClr val="4472C4"/>
+                </a:solidFill>
                 <a:latin typeface="Courier New" panose="02070309020205020404" pitchFamily="49" charset="0"/>
                 <a:cs typeface="Courier New" panose="02070309020205020404" pitchFamily="49" charset="0"/>
               </a:rPr>
@@ -12322,6 +12383,9 @@
             </a:r>
             <a:r>
               <a:rPr lang="en-US" sz="1600" b="1" dirty="0" err="1">
+                <a:solidFill>
+                  <a:srgbClr val="4472C4"/>
+                </a:solidFill>
                 <a:latin typeface="Courier New" panose="02070309020205020404" pitchFamily="49" charset="0"/>
                 <a:cs typeface="Courier New" panose="02070309020205020404" pitchFamily="49" charset="0"/>
               </a:rPr>
@@ -12329,6 +12393,9 @@
             </a:r>
             <a:r>
               <a:rPr lang="en-US" sz="1600" b="1" dirty="0">
+                <a:solidFill>
+                  <a:srgbClr val="4472C4"/>
+                </a:solidFill>
                 <a:latin typeface="Courier New" panose="02070309020205020404" pitchFamily="49" charset="0"/>
                 <a:cs typeface="Courier New" panose="02070309020205020404" pitchFamily="49" charset="0"/>
               </a:rPr>
@@ -13656,6 +13723,9 @@
           <a:p>
             <a:r>
               <a:rPr lang="en-US" sz="1600" b="1" dirty="0">
+                <a:solidFill>
+                  <a:srgbClr val="4472C4"/>
+                </a:solidFill>
                 <a:latin typeface="Courier New" panose="02070309020205020404" pitchFamily="49" charset="0"/>
                 <a:cs typeface="Courier New" panose="02070309020205020404" pitchFamily="49" charset="0"/>
               </a:rPr>
@@ -13663,6 +13733,9 @@
             </a:r>
             <a:r>
               <a:rPr lang="en-US" sz="1600" b="1" dirty="0" err="1">
+                <a:solidFill>
+                  <a:srgbClr val="4472C4"/>
+                </a:solidFill>
                 <a:latin typeface="Courier New" panose="02070309020205020404" pitchFamily="49" charset="0"/>
                 <a:cs typeface="Courier New" panose="02070309020205020404" pitchFamily="49" charset="0"/>
               </a:rPr>
@@ -13670,6 +13743,9 @@
             </a:r>
             <a:r>
               <a:rPr lang="en-US" sz="1600" b="1" dirty="0">
+                <a:solidFill>
+                  <a:srgbClr val="4472C4"/>
+                </a:solidFill>
                 <a:latin typeface="Courier New" panose="02070309020205020404" pitchFamily="49" charset="0"/>
                 <a:cs typeface="Courier New" panose="02070309020205020404" pitchFamily="49" charset="0"/>
               </a:rPr>
@@ -13677,6 +13753,9 @@
             </a:r>
             <a:r>
               <a:rPr lang="en-US" sz="1600" b="1" dirty="0" err="1">
+                <a:solidFill>
+                  <a:srgbClr val="4472C4"/>
+                </a:solidFill>
                 <a:latin typeface="Courier New" panose="02070309020205020404" pitchFamily="49" charset="0"/>
                 <a:cs typeface="Courier New" panose="02070309020205020404" pitchFamily="49" charset="0"/>
               </a:rPr>
@@ -13684,6 +13763,9 @@
             </a:r>
             <a:r>
               <a:rPr lang="en-US" sz="1600" b="1" dirty="0">
+                <a:solidFill>
+                  <a:srgbClr val="4472C4"/>
+                </a:solidFill>
                 <a:latin typeface="Courier New" panose="02070309020205020404" pitchFamily="49" charset="0"/>
                 <a:cs typeface="Courier New" panose="02070309020205020404" pitchFamily="49" charset="0"/>
               </a:rPr>
@@ -15372,6 +15454,9 @@
           <a:p>
             <a:r>
               <a:rPr lang="en-US" sz="1600" b="1" dirty="0">
+                <a:solidFill>
+                  <a:srgbClr val="4472C4"/>
+                </a:solidFill>
                 <a:latin typeface="Courier New" panose="02070309020205020404" pitchFamily="49" charset="0"/>
                 <a:cs typeface="Courier New" panose="02070309020205020404" pitchFamily="49" charset="0"/>
               </a:rPr>
@@ -15379,6 +15464,9 @@
             </a:r>
             <a:r>
               <a:rPr lang="en-US" sz="1600" b="1" dirty="0" err="1">
+                <a:solidFill>
+                  <a:srgbClr val="4472C4"/>
+                </a:solidFill>
                 <a:latin typeface="Courier New" panose="02070309020205020404" pitchFamily="49" charset="0"/>
                 <a:cs typeface="Courier New" panose="02070309020205020404" pitchFamily="49" charset="0"/>
               </a:rPr>
@@ -15386,6 +15474,9 @@
             </a:r>
             <a:r>
               <a:rPr lang="en-US" sz="1600" b="1" dirty="0">
+                <a:solidFill>
+                  <a:srgbClr val="4472C4"/>
+                </a:solidFill>
                 <a:latin typeface="Courier New" panose="02070309020205020404" pitchFamily="49" charset="0"/>
                 <a:cs typeface="Courier New" panose="02070309020205020404" pitchFamily="49" charset="0"/>
               </a:rPr>
@@ -15393,6 +15484,9 @@
             </a:r>
             <a:r>
               <a:rPr lang="en-US" sz="1600" b="1" dirty="0" err="1">
+                <a:solidFill>
+                  <a:srgbClr val="4472C4"/>
+                </a:solidFill>
                 <a:latin typeface="Courier New" panose="02070309020205020404" pitchFamily="49" charset="0"/>
                 <a:cs typeface="Courier New" panose="02070309020205020404" pitchFamily="49" charset="0"/>
               </a:rPr>
@@ -15400,6 +15494,9 @@
             </a:r>
             <a:r>
               <a:rPr lang="en-US" sz="1600" b="1" dirty="0">
+                <a:solidFill>
+                  <a:srgbClr val="4472C4"/>
+                </a:solidFill>
                 <a:latin typeface="Courier New" panose="02070309020205020404" pitchFamily="49" charset="0"/>
                 <a:cs typeface="Courier New" panose="02070309020205020404" pitchFamily="49" charset="0"/>
               </a:rPr>

--- a/lectures/KR-4.pptx
+++ b/lectures/KR-4.pptx
@@ -17,13 +17,14 @@
     <p:sldId id="296" r:id="rId11"/>
     <p:sldId id="289" r:id="rId12"/>
     <p:sldId id="299" r:id="rId13"/>
-    <p:sldId id="290" r:id="rId14"/>
-    <p:sldId id="300" r:id="rId15"/>
-    <p:sldId id="291" r:id="rId16"/>
-    <p:sldId id="301" r:id="rId17"/>
-    <p:sldId id="302" r:id="rId18"/>
-    <p:sldId id="284" r:id="rId19"/>
-    <p:sldId id="285" r:id="rId20"/>
+    <p:sldId id="303" r:id="rId14"/>
+    <p:sldId id="290" r:id="rId15"/>
+    <p:sldId id="300" r:id="rId16"/>
+    <p:sldId id="291" r:id="rId17"/>
+    <p:sldId id="301" r:id="rId18"/>
+    <p:sldId id="302" r:id="rId19"/>
+    <p:sldId id="284" r:id="rId20"/>
+    <p:sldId id="285" r:id="rId21"/>
   </p:sldIdLst>
   <p:sldSz cx="12192000" cy="6858000"/>
   <p:notesSz cx="6858000" cy="9144000"/>
@@ -277,7 +278,7 @@
           <a:p>
             <a:fld id="{C13A938A-C9BA-0346-A74F-83EB1631032C}" type="datetimeFigureOut">
               <a:rPr lang="en-US" smtClean="0"/>
-              <a:t>1/23/23</a:t>
+              <a:t>1/24/23</a:t>
             </a:fld>
             <a:endParaRPr lang="en-US"/>
           </a:p>
@@ -475,7 +476,7 @@
           <a:p>
             <a:fld id="{C13A938A-C9BA-0346-A74F-83EB1631032C}" type="datetimeFigureOut">
               <a:rPr lang="en-US" smtClean="0"/>
-              <a:t>1/23/23</a:t>
+              <a:t>1/24/23</a:t>
             </a:fld>
             <a:endParaRPr lang="en-US"/>
           </a:p>
@@ -683,7 +684,7 @@
           <a:p>
             <a:fld id="{C13A938A-C9BA-0346-A74F-83EB1631032C}" type="datetimeFigureOut">
               <a:rPr lang="en-US" smtClean="0"/>
-              <a:t>1/23/23</a:t>
+              <a:t>1/24/23</a:t>
             </a:fld>
             <a:endParaRPr lang="en-US"/>
           </a:p>
@@ -881,7 +882,7 @@
           <a:p>
             <a:fld id="{C13A938A-C9BA-0346-A74F-83EB1631032C}" type="datetimeFigureOut">
               <a:rPr lang="en-US" smtClean="0"/>
-              <a:t>1/23/23</a:t>
+              <a:t>1/24/23</a:t>
             </a:fld>
             <a:endParaRPr lang="en-US"/>
           </a:p>
@@ -1156,7 +1157,7 @@
           <a:p>
             <a:fld id="{C13A938A-C9BA-0346-A74F-83EB1631032C}" type="datetimeFigureOut">
               <a:rPr lang="en-US" smtClean="0"/>
-              <a:t>1/23/23</a:t>
+              <a:t>1/24/23</a:t>
             </a:fld>
             <a:endParaRPr lang="en-US"/>
           </a:p>
@@ -1421,7 +1422,7 @@
           <a:p>
             <a:fld id="{C13A938A-C9BA-0346-A74F-83EB1631032C}" type="datetimeFigureOut">
               <a:rPr lang="en-US" smtClean="0"/>
-              <a:t>1/23/23</a:t>
+              <a:t>1/24/23</a:t>
             </a:fld>
             <a:endParaRPr lang="en-US"/>
           </a:p>
@@ -1833,7 +1834,7 @@
           <a:p>
             <a:fld id="{C13A938A-C9BA-0346-A74F-83EB1631032C}" type="datetimeFigureOut">
               <a:rPr lang="en-US" smtClean="0"/>
-              <a:t>1/23/23</a:t>
+              <a:t>1/24/23</a:t>
             </a:fld>
             <a:endParaRPr lang="en-US"/>
           </a:p>
@@ -1974,7 +1975,7 @@
           <a:p>
             <a:fld id="{C13A938A-C9BA-0346-A74F-83EB1631032C}" type="datetimeFigureOut">
               <a:rPr lang="en-US" smtClean="0"/>
-              <a:t>1/23/23</a:t>
+              <a:t>1/24/23</a:t>
             </a:fld>
             <a:endParaRPr lang="en-US"/>
           </a:p>
@@ -2087,7 +2088,7 @@
           <a:p>
             <a:fld id="{C13A938A-C9BA-0346-A74F-83EB1631032C}" type="datetimeFigureOut">
               <a:rPr lang="en-US" smtClean="0"/>
-              <a:t>1/23/23</a:t>
+              <a:t>1/24/23</a:t>
             </a:fld>
             <a:endParaRPr lang="en-US"/>
           </a:p>
@@ -2398,7 +2399,7 @@
           <a:p>
             <a:fld id="{C13A938A-C9BA-0346-A74F-83EB1631032C}" type="datetimeFigureOut">
               <a:rPr lang="en-US" smtClean="0"/>
-              <a:t>1/23/23</a:t>
+              <a:t>1/24/23</a:t>
             </a:fld>
             <a:endParaRPr lang="en-US"/>
           </a:p>
@@ -2686,7 +2687,7 @@
           <a:p>
             <a:fld id="{C13A938A-C9BA-0346-A74F-83EB1631032C}" type="datetimeFigureOut">
               <a:rPr lang="en-US" smtClean="0"/>
-              <a:t>1/23/23</a:t>
+              <a:t>1/24/23</a:t>
             </a:fld>
             <a:endParaRPr lang="en-US"/>
           </a:p>
@@ -2927,7 +2928,7 @@
           <a:p>
             <a:fld id="{C13A938A-C9BA-0346-A74F-83EB1631032C}" type="datetimeFigureOut">
               <a:rPr lang="en-US" smtClean="0"/>
-              <a:t>1/23/23</a:t>
+              <a:t>1/24/23</a:t>
             </a:fld>
             <a:endParaRPr lang="en-US"/>
           </a:p>
@@ -3969,6 +3970,9 @@
           <a:p>
             <a:r>
               <a:rPr lang="en-US" b="1" dirty="0">
+                <a:solidFill>
+                  <a:srgbClr val="4472C4"/>
+                </a:solidFill>
                 <a:latin typeface="Courier New" panose="02070309020205020404" pitchFamily="49" charset="0"/>
                 <a:cs typeface="Courier New" panose="02070309020205020404" pitchFamily="49" charset="0"/>
               </a:rPr>
@@ -4597,6 +4601,9 @@
           <a:p>
             <a:r>
               <a:rPr lang="en-US" sz="1600" b="1" dirty="0">
+                <a:solidFill>
+                  <a:srgbClr val="4472C4"/>
+                </a:solidFill>
                 <a:latin typeface="Courier New" panose="02070309020205020404" pitchFamily="49" charset="0"/>
                 <a:cs typeface="Courier New" panose="02070309020205020404" pitchFamily="49" charset="0"/>
               </a:rPr>
@@ -4604,6 +4611,9 @@
             </a:r>
             <a:r>
               <a:rPr lang="en-US" sz="1600" b="1" dirty="0" err="1">
+                <a:solidFill>
+                  <a:srgbClr val="4472C4"/>
+                </a:solidFill>
                 <a:latin typeface="Courier New" panose="02070309020205020404" pitchFamily="49" charset="0"/>
                 <a:cs typeface="Courier New" panose="02070309020205020404" pitchFamily="49" charset="0"/>
               </a:rPr>
@@ -4611,6 +4621,9 @@
             </a:r>
             <a:r>
               <a:rPr lang="en-US" sz="1600" b="1" dirty="0">
+                <a:solidFill>
+                  <a:srgbClr val="4472C4"/>
+                </a:solidFill>
                 <a:latin typeface="Courier New" panose="02070309020205020404" pitchFamily="49" charset="0"/>
                 <a:cs typeface="Courier New" panose="02070309020205020404" pitchFamily="49" charset="0"/>
               </a:rPr>
@@ -4834,6 +4847,9 @@
           <a:p>
             <a:r>
               <a:rPr lang="en-US" sz="1600" b="1" dirty="0">
+                <a:solidFill>
+                  <a:srgbClr val="4472C4"/>
+                </a:solidFill>
                 <a:latin typeface="Courier New" panose="02070309020205020404" pitchFamily="49" charset="0"/>
                 <a:cs typeface="Courier New" panose="02070309020205020404" pitchFamily="49" charset="0"/>
               </a:rPr>
@@ -4841,6 +4857,9 @@
             </a:r>
             <a:r>
               <a:rPr lang="en-US" sz="1600" b="1" dirty="0" err="1">
+                <a:solidFill>
+                  <a:srgbClr val="4472C4"/>
+                </a:solidFill>
                 <a:latin typeface="Courier New" panose="02070309020205020404" pitchFamily="49" charset="0"/>
                 <a:cs typeface="Courier New" panose="02070309020205020404" pitchFamily="49" charset="0"/>
               </a:rPr>
@@ -4848,6 +4867,9 @@
             </a:r>
             <a:r>
               <a:rPr lang="en-US" sz="1600" b="1" dirty="0">
+                <a:solidFill>
+                  <a:srgbClr val="4472C4"/>
+                </a:solidFill>
                 <a:latin typeface="Courier New" panose="02070309020205020404" pitchFamily="49" charset="0"/>
                 <a:cs typeface="Courier New" panose="02070309020205020404" pitchFamily="49" charset="0"/>
               </a:rPr>
@@ -4855,6 +4877,9 @@
             </a:r>
             <a:r>
               <a:rPr lang="en-US" sz="1600" b="1" dirty="0" err="1">
+                <a:solidFill>
+                  <a:srgbClr val="4472C4"/>
+                </a:solidFill>
                 <a:latin typeface="Courier New" panose="02070309020205020404" pitchFamily="49" charset="0"/>
                 <a:cs typeface="Courier New" panose="02070309020205020404" pitchFamily="49" charset="0"/>
               </a:rPr>
@@ -4862,6 +4887,9 @@
             </a:r>
             <a:r>
               <a:rPr lang="en-US" sz="1600" b="1" dirty="0">
+                <a:solidFill>
+                  <a:srgbClr val="4472C4"/>
+                </a:solidFill>
                 <a:latin typeface="Courier New" panose="02070309020205020404" pitchFamily="49" charset="0"/>
                 <a:cs typeface="Courier New" panose="02070309020205020404" pitchFamily="49" charset="0"/>
               </a:rPr>
@@ -4893,7 +4921,7 @@
         </p:nvSpPr>
         <p:spPr>
           <a:xfrm>
-            <a:off x="1477308" y="4198956"/>
+            <a:off x="1477308" y="4575959"/>
             <a:ext cx="2900153" cy="1077218"/>
           </a:xfrm>
           <a:prstGeom prst="rect">
@@ -4936,6 +4964,9 @@
           <a:p>
             <a:r>
               <a:rPr lang="en-US" sz="1600" b="1" dirty="0">
+                <a:solidFill>
+                  <a:srgbClr val="4472C4"/>
+                </a:solidFill>
                 <a:latin typeface="Courier New" panose="02070309020205020404" pitchFamily="49" charset="0"/>
                 <a:cs typeface="Courier New" panose="02070309020205020404" pitchFamily="49" charset="0"/>
               </a:rPr>
@@ -5001,6 +5032,9 @@
           <a:p>
             <a:r>
               <a:rPr lang="en-US" sz="1600" b="1" dirty="0">
+                <a:solidFill>
+                  <a:srgbClr val="4472C4"/>
+                </a:solidFill>
                 <a:latin typeface="Courier New" panose="02070309020205020404" pitchFamily="49" charset="0"/>
                 <a:cs typeface="Courier New" panose="02070309020205020404" pitchFamily="49" charset="0"/>
               </a:rPr>
@@ -6163,7 +6197,15 @@
             </a:r>
             <a:r>
               <a:rPr lang="en-US" sz="2000" dirty="0"/>
-              <a:t>is passed by value (i.e. a copy is made in the stack frame) but no copy is made of the data in the array.  Since the function </a:t>
+              <a:t>is passed *</a:t>
+            </a:r>
+            <a:r>
+              <a:rPr lang="en-US" sz="2000" b="1" i="1" dirty="0"/>
+              <a:t>by value*</a:t>
+            </a:r>
+            <a:r>
+              <a:rPr lang="en-US" sz="2000" dirty="0"/>
+              <a:t> (i.e. a copy is made into the stack frame) but no copy is made of the data in the array.  Since the function </a:t>
             </a:r>
             <a:r>
               <a:rPr lang="en-US" sz="2000" b="1" i="1" dirty="0"/>
@@ -6211,7 +6253,7 @@
           <p:cNvPr id="2" name="Title 1">
             <a:extLst>
               <a:ext uri="{FF2B5EF4-FFF2-40B4-BE49-F238E27FC236}">
-                <a16:creationId xmlns:a16="http://schemas.microsoft.com/office/drawing/2014/main" id="{617513D2-75CA-9FF5-AF46-15E529B6E5B9}"/>
+                <a16:creationId xmlns:a16="http://schemas.microsoft.com/office/drawing/2014/main" id="{8B308483-D572-DD26-3141-AB9EF8BF95C5}"/>
               </a:ext>
             </a:extLst>
           </p:cNvPr>
@@ -6229,7 +6271,7 @@
           <a:p>
             <a:r>
               <a:rPr lang="en-US" dirty="0"/>
-              <a:t>Recursion, see recursion</a:t>
+              <a:t>Register Variables</a:t>
             </a:r>
           </a:p>
         </p:txBody>
@@ -6239,7 +6281,7 @@
           <p:cNvPr id="3" name="Content Placeholder 2">
             <a:extLst>
               <a:ext uri="{FF2B5EF4-FFF2-40B4-BE49-F238E27FC236}">
-                <a16:creationId xmlns:a16="http://schemas.microsoft.com/office/drawing/2014/main" id="{7DAC45BB-9830-1EBE-B746-2FA7FEC20F2F}"/>
+                <a16:creationId xmlns:a16="http://schemas.microsoft.com/office/drawing/2014/main" id="{5F528EF9-9A25-9931-40E3-26835266CE89}"/>
               </a:ext>
             </a:extLst>
           </p:cNvPr>
@@ -6250,78 +6292,81 @@
             <p:ph idx="1"/>
           </p:nvPr>
         </p:nvSpPr>
-        <p:spPr/>
-        <p:txBody>
-          <a:bodyPr>
-            <a:normAutofit/>
+        <p:spPr>
+          <a:xfrm>
+            <a:off x="838200" y="1825625"/>
+            <a:ext cx="6497782" cy="4351338"/>
+          </a:xfrm>
+        </p:spPr>
+        <p:txBody>
+          <a:bodyPr/>
+          <a:lstStyle/>
+          <a:p>
+            <a:r>
+              <a:rPr lang="en-US" dirty="0"/>
+              <a:t>Register variables are another nod to assembly language programmers who were concerned about the performance of their code</a:t>
+            </a:r>
+          </a:p>
+          <a:p>
+            <a:r>
+              <a:rPr lang="en-US" dirty="0"/>
+              <a:t>You can’t get the “memory address” of a variable declared as register</a:t>
+            </a:r>
+          </a:p>
+          <a:p>
+            <a:r>
+              <a:rPr lang="en-US" dirty="0"/>
+              <a:t>Likely completely ignored in modern compilers</a:t>
+            </a:r>
+          </a:p>
+          <a:p>
+            <a:endParaRPr lang="en-US" dirty="0"/>
+          </a:p>
+        </p:txBody>
+      </p:sp>
+      <p:sp>
+        <p:nvSpPr>
+          <p:cNvPr id="4" name="TextBox 3">
+            <a:extLst>
+              <a:ext uri="{FF2B5EF4-FFF2-40B4-BE49-F238E27FC236}">
+                <a16:creationId xmlns:a16="http://schemas.microsoft.com/office/drawing/2014/main" id="{DC3ECF9C-76D6-4FA0-E07B-3F662601BCD8}"/>
+              </a:ext>
+            </a:extLst>
+          </p:cNvPr>
+          <p:cNvSpPr txBox="1"/>
+          <p:nvPr/>
+        </p:nvSpPr>
+        <p:spPr>
+          <a:xfrm>
+            <a:off x="8915400" y="3136612"/>
+            <a:ext cx="2159566" cy="584775"/>
+          </a:xfrm>
+          <a:prstGeom prst="rect">
+            <a:avLst/>
+          </a:prstGeom>
+          <a:noFill/>
+        </p:spPr>
+        <p:txBody>
+          <a:bodyPr wrap="none" rtlCol="0">
+            <a:spAutoFit/>
           </a:bodyPr>
           <a:lstStyle/>
           <a:p>
             <a:r>
-              <a:rPr lang="en-US" dirty="0"/>
-              <a:t>When a function calls itself, it is called “recursion”</a:t>
-            </a:r>
-          </a:p>
-          <a:p>
-            <a:r>
-              <a:rPr lang="en-US" dirty="0"/>
-              <a:t>Recursion is a powerful programming concept</a:t>
-            </a:r>
-          </a:p>
-          <a:p>
-            <a:r>
-              <a:rPr lang="en-US" dirty="0"/>
-              <a:t>Recursion is essential to writing good code in special situations</a:t>
-            </a:r>
-          </a:p>
-          <a:p>
-            <a:pPr lvl="1"/>
-            <a:r>
-              <a:rPr lang="en-US" dirty="0"/>
-              <a:t>Parsing expressions like (5 * 2) + ( ( 6 + 5 ) * 9 )</a:t>
-            </a:r>
-          </a:p>
-          <a:p>
-            <a:pPr lvl="1"/>
-            <a:r>
-              <a:rPr lang="en-US" dirty="0"/>
-              <a:t>Traversing tree-like structures</a:t>
-            </a:r>
-          </a:p>
-          <a:p>
-            <a:pPr lvl="1"/>
-            <a:endParaRPr lang="en-US" dirty="0"/>
-          </a:p>
-          <a:p>
-            <a:r>
-              <a:rPr lang="en-US" dirty="0">
-                <a:solidFill>
-                  <a:srgbClr val="FF0000"/>
-                </a:solidFill>
-              </a:rPr>
-              <a:t>Simple recursion examples (like this one) are very bad uses of recursion </a:t>
-            </a:r>
-            <a:r>
-              <a:rPr lang="en-US">
-                <a:solidFill>
-                  <a:srgbClr val="FF0000"/>
-                </a:solidFill>
-              </a:rPr>
-              <a:t>and mislead </a:t>
-            </a:r>
-            <a:r>
-              <a:rPr lang="en-US" dirty="0">
-                <a:solidFill>
-                  <a:srgbClr val="FF0000"/>
-                </a:solidFill>
-              </a:rPr>
-              <a:t>you as to the applications of recursion</a:t>
-            </a:r>
-          </a:p>
-          <a:p>
-            <a:r>
-              <a:rPr lang="en-US" dirty="0"/>
-              <a:t>We just want to see how a call stack makes recursion possible</a:t>
+              <a:rPr lang="en-US" sz="1600" b="1" dirty="0">
+                <a:latin typeface="Courier New" panose="02070309020205020404" pitchFamily="49" charset="0"/>
+                <a:cs typeface="Courier New" panose="02070309020205020404" pitchFamily="49" charset="0"/>
+              </a:rPr>
+              <a:t>register int x;</a:t>
+            </a:r>
+          </a:p>
+          <a:p>
+            <a:r>
+              <a:rPr lang="en-US" sz="1600" b="1" dirty="0">
+                <a:latin typeface="Courier New" panose="02070309020205020404" pitchFamily="49" charset="0"/>
+                <a:cs typeface="Courier New" panose="02070309020205020404" pitchFamily="49" charset="0"/>
+              </a:rPr>
+              <a:t>register char c;</a:t>
             </a:r>
           </a:p>
         </p:txBody>
@@ -6329,7 +6374,7 @@
     </p:spTree>
     <p:extLst>
       <p:ext uri="{BB962C8B-B14F-4D97-AF65-F5344CB8AC3E}">
-        <p14:creationId xmlns:p14="http://schemas.microsoft.com/office/powerpoint/2010/main" val="1546743805"/>
+        <p14:creationId xmlns:p14="http://schemas.microsoft.com/office/powerpoint/2010/main" val="1208225085"/>
       </p:ext>
     </p:extLst>
   </p:cSld>
@@ -6358,1883 +6403,120 @@
       </p:grpSpPr>
       <p:sp>
         <p:nvSpPr>
-          <p:cNvPr id="4" name="TextBox 3">
-            <a:extLst>
-              <a:ext uri="{FF2B5EF4-FFF2-40B4-BE49-F238E27FC236}">
-                <a16:creationId xmlns:a16="http://schemas.microsoft.com/office/drawing/2014/main" id="{9F3DE9A5-5B3D-0E5C-4BB2-78BFAEA0000F}"/>
-              </a:ext>
-            </a:extLst>
-          </p:cNvPr>
-          <p:cNvSpPr txBox="1"/>
-          <p:nvPr/>
-        </p:nvSpPr>
-        <p:spPr>
-          <a:xfrm>
-            <a:off x="727223" y="674400"/>
-            <a:ext cx="5368777" cy="5509200"/>
-          </a:xfrm>
-          <a:prstGeom prst="rect">
-            <a:avLst/>
-          </a:prstGeom>
-          <a:noFill/>
-        </p:spPr>
-        <p:txBody>
-          <a:bodyPr wrap="none" rtlCol="0">
-            <a:spAutoFit/>
+          <p:cNvPr id="2" name="Title 1">
+            <a:extLst>
+              <a:ext uri="{FF2B5EF4-FFF2-40B4-BE49-F238E27FC236}">
+                <a16:creationId xmlns:a16="http://schemas.microsoft.com/office/drawing/2014/main" id="{617513D2-75CA-9FF5-AF46-15E529B6E5B9}"/>
+              </a:ext>
+            </a:extLst>
+          </p:cNvPr>
+          <p:cNvSpPr>
+            <a:spLocks noGrp="1"/>
+          </p:cNvSpPr>
+          <p:nvPr>
+            <p:ph type="title"/>
+          </p:nvPr>
+        </p:nvSpPr>
+        <p:spPr/>
+        <p:txBody>
+          <a:bodyPr/>
+          <a:lstStyle/>
+          <a:p>
+            <a:r>
+              <a:rPr lang="en-US" dirty="0"/>
+              <a:t>Recursion, see recursion</a:t>
+            </a:r>
+          </a:p>
+        </p:txBody>
+      </p:sp>
+      <p:sp>
+        <p:nvSpPr>
+          <p:cNvPr id="3" name="Content Placeholder 2">
+            <a:extLst>
+              <a:ext uri="{FF2B5EF4-FFF2-40B4-BE49-F238E27FC236}">
+                <a16:creationId xmlns:a16="http://schemas.microsoft.com/office/drawing/2014/main" id="{7DAC45BB-9830-1EBE-B746-2FA7FEC20F2F}"/>
+              </a:ext>
+            </a:extLst>
+          </p:cNvPr>
+          <p:cNvSpPr>
+            <a:spLocks noGrp="1"/>
+          </p:cNvSpPr>
+          <p:nvPr>
+            <p:ph idx="1"/>
+          </p:nvPr>
+        </p:nvSpPr>
+        <p:spPr/>
+        <p:txBody>
+          <a:bodyPr>
+            <a:normAutofit/>
           </a:bodyPr>
           <a:lstStyle/>
           <a:p>
             <a:r>
-              <a:rPr lang="en-US" sz="1600" b="1" dirty="0">
-                <a:latin typeface="Courier New" panose="02070309020205020404" pitchFamily="49" charset="0"/>
-                <a:cs typeface="Courier New" panose="02070309020205020404" pitchFamily="49" charset="0"/>
-              </a:rPr>
-              <a:t>int </a:t>
-            </a:r>
-            <a:r>
-              <a:rPr lang="en-US" sz="1600" b="1" dirty="0" err="1">
-                <a:latin typeface="Courier New" panose="02070309020205020404" pitchFamily="49" charset="0"/>
-                <a:cs typeface="Courier New" panose="02070309020205020404" pitchFamily="49" charset="0"/>
-              </a:rPr>
-              <a:t>sumup</a:t>
-            </a:r>
-            <a:r>
-              <a:rPr lang="en-US" sz="1600" b="1" dirty="0">
-                <a:latin typeface="Courier New" panose="02070309020205020404" pitchFamily="49" charset="0"/>
-                <a:cs typeface="Courier New" panose="02070309020205020404" pitchFamily="49" charset="0"/>
-              </a:rPr>
-              <a:t>(int above)</a:t>
-            </a:r>
-          </a:p>
-          <a:p>
-            <a:r>
-              <a:rPr lang="en-US" sz="1600" b="1" dirty="0">
-                <a:latin typeface="Courier New" panose="02070309020205020404" pitchFamily="49" charset="0"/>
-                <a:cs typeface="Courier New" panose="02070309020205020404" pitchFamily="49" charset="0"/>
-              </a:rPr>
-              <a:t>{   </a:t>
-            </a:r>
-          </a:p>
-          <a:p>
-            <a:r>
-              <a:rPr lang="en-US" sz="1600" b="1" dirty="0">
-                <a:latin typeface="Courier New" panose="02070309020205020404" pitchFamily="49" charset="0"/>
-                <a:cs typeface="Courier New" panose="02070309020205020404" pitchFamily="49" charset="0"/>
-              </a:rPr>
-              <a:t>    int below;</a:t>
-            </a:r>
-          </a:p>
-          <a:p>
-            <a:r>
-              <a:rPr lang="en-US" sz="1600" b="1" dirty="0">
-                <a:latin typeface="Courier New" panose="02070309020205020404" pitchFamily="49" charset="0"/>
-                <a:cs typeface="Courier New" panose="02070309020205020404" pitchFamily="49" charset="0"/>
-              </a:rPr>
-              <a:t>    int sum;</a:t>
-            </a:r>
-          </a:p>
-          <a:p>
-            <a:r>
-              <a:rPr lang="en-US" sz="1600" b="1" dirty="0">
-                <a:latin typeface="Courier New" panose="02070309020205020404" pitchFamily="49" charset="0"/>
-                <a:cs typeface="Courier New" panose="02070309020205020404" pitchFamily="49" charset="0"/>
-              </a:rPr>
-              <a:t>    int </a:t>
-            </a:r>
-            <a:r>
-              <a:rPr lang="en-US" sz="1600" b="1" dirty="0" err="1">
-                <a:latin typeface="Courier New" panose="02070309020205020404" pitchFamily="49" charset="0"/>
-                <a:cs typeface="Courier New" panose="02070309020205020404" pitchFamily="49" charset="0"/>
-              </a:rPr>
-              <a:t>retval</a:t>
-            </a:r>
-            <a:r>
-              <a:rPr lang="en-US" sz="1600" b="1" dirty="0">
-                <a:latin typeface="Courier New" panose="02070309020205020404" pitchFamily="49" charset="0"/>
-                <a:cs typeface="Courier New" panose="02070309020205020404" pitchFamily="49" charset="0"/>
-              </a:rPr>
-              <a:t>;</a:t>
-            </a:r>
-          </a:p>
-          <a:p>
-            <a:endParaRPr lang="en-US" sz="1600" b="1" dirty="0">
-              <a:latin typeface="Courier New" panose="02070309020205020404" pitchFamily="49" charset="0"/>
-              <a:cs typeface="Courier New" panose="02070309020205020404" pitchFamily="49" charset="0"/>
-            </a:endParaRPr>
-          </a:p>
-          <a:p>
-            <a:r>
-              <a:rPr lang="en-US" sz="1600" b="1" dirty="0">
-                <a:latin typeface="Courier New" panose="02070309020205020404" pitchFamily="49" charset="0"/>
-                <a:cs typeface="Courier New" panose="02070309020205020404" pitchFamily="49" charset="0"/>
-              </a:rPr>
-              <a:t>    </a:t>
-            </a:r>
-            <a:r>
-              <a:rPr lang="en-US" sz="1600" b="1" dirty="0" err="1">
-                <a:latin typeface="Courier New" panose="02070309020205020404" pitchFamily="49" charset="0"/>
-                <a:cs typeface="Courier New" panose="02070309020205020404" pitchFamily="49" charset="0"/>
-              </a:rPr>
-              <a:t>printf</a:t>
-            </a:r>
-            <a:r>
-              <a:rPr lang="en-US" sz="1600" b="1" dirty="0">
-                <a:latin typeface="Courier New" panose="02070309020205020404" pitchFamily="49" charset="0"/>
-                <a:cs typeface="Courier New" panose="02070309020205020404" pitchFamily="49" charset="0"/>
-              </a:rPr>
-              <a:t>("In: %d\</a:t>
-            </a:r>
-            <a:r>
-              <a:rPr lang="en-US" sz="1600" b="1" dirty="0" err="1">
-                <a:latin typeface="Courier New" panose="02070309020205020404" pitchFamily="49" charset="0"/>
-                <a:cs typeface="Courier New" panose="02070309020205020404" pitchFamily="49" charset="0"/>
-              </a:rPr>
-              <a:t>n",above</a:t>
-            </a:r>
-            <a:r>
-              <a:rPr lang="en-US" sz="1600" b="1" dirty="0">
-                <a:latin typeface="Courier New" panose="02070309020205020404" pitchFamily="49" charset="0"/>
-                <a:cs typeface="Courier New" panose="02070309020205020404" pitchFamily="49" charset="0"/>
-              </a:rPr>
-              <a:t>);</a:t>
-            </a:r>
-          </a:p>
-          <a:p>
-            <a:r>
-              <a:rPr lang="en-US" sz="1600" b="1" dirty="0">
-                <a:latin typeface="Courier New" panose="02070309020205020404" pitchFamily="49" charset="0"/>
-                <a:cs typeface="Courier New" panose="02070309020205020404" pitchFamily="49" charset="0"/>
-              </a:rPr>
-              <a:t>    if ( above &lt;= 1 ) return 1; // Stop </a:t>
-            </a:r>
-          </a:p>
-          <a:p>
-            <a:r>
-              <a:rPr lang="en-US" sz="1600" b="1" dirty="0">
-                <a:latin typeface="Courier New" panose="02070309020205020404" pitchFamily="49" charset="0"/>
-                <a:cs typeface="Courier New" panose="02070309020205020404" pitchFamily="49" charset="0"/>
-              </a:rPr>
-              <a:t>    below = above - 1;          </a:t>
-            </a:r>
-          </a:p>
-          <a:p>
-            <a:r>
-              <a:rPr lang="en-US" sz="1600" b="1" dirty="0">
-                <a:latin typeface="Courier New" panose="02070309020205020404" pitchFamily="49" charset="0"/>
-                <a:cs typeface="Courier New" panose="02070309020205020404" pitchFamily="49" charset="0"/>
-              </a:rPr>
-              <a:t>    </a:t>
-            </a:r>
-            <a:r>
-              <a:rPr lang="en-US" sz="1600" b="1" dirty="0" err="1">
-                <a:latin typeface="Courier New" panose="02070309020205020404" pitchFamily="49" charset="0"/>
-                <a:cs typeface="Courier New" panose="02070309020205020404" pitchFamily="49" charset="0"/>
-              </a:rPr>
-              <a:t>printf</a:t>
-            </a:r>
-            <a:r>
-              <a:rPr lang="en-US" sz="1600" b="1" dirty="0">
-                <a:latin typeface="Courier New" panose="02070309020205020404" pitchFamily="49" charset="0"/>
-                <a:cs typeface="Courier New" panose="02070309020205020404" pitchFamily="49" charset="0"/>
-              </a:rPr>
-              <a:t>("Down: %d\</a:t>
-            </a:r>
-            <a:r>
-              <a:rPr lang="en-US" sz="1600" b="1" dirty="0" err="1">
-                <a:latin typeface="Courier New" panose="02070309020205020404" pitchFamily="49" charset="0"/>
-                <a:cs typeface="Courier New" panose="02070309020205020404" pitchFamily="49" charset="0"/>
-              </a:rPr>
-              <a:t>n",below</a:t>
-            </a:r>
-            <a:r>
-              <a:rPr lang="en-US" sz="1600" b="1" dirty="0">
-                <a:latin typeface="Courier New" panose="02070309020205020404" pitchFamily="49" charset="0"/>
-                <a:cs typeface="Courier New" panose="02070309020205020404" pitchFamily="49" charset="0"/>
-              </a:rPr>
-              <a:t>);</a:t>
-            </a:r>
-          </a:p>
-          <a:p>
-            <a:r>
-              <a:rPr lang="en-US" sz="1600" b="1" dirty="0">
-                <a:latin typeface="Courier New" panose="02070309020205020404" pitchFamily="49" charset="0"/>
-                <a:cs typeface="Courier New" panose="02070309020205020404" pitchFamily="49" charset="0"/>
-              </a:rPr>
-              <a:t>    sum = </a:t>
-            </a:r>
-            <a:r>
-              <a:rPr lang="en-US" sz="1600" b="1" dirty="0" err="1">
-                <a:latin typeface="Courier New" panose="02070309020205020404" pitchFamily="49" charset="0"/>
-                <a:cs typeface="Courier New" panose="02070309020205020404" pitchFamily="49" charset="0"/>
-              </a:rPr>
-              <a:t>sumup</a:t>
-            </a:r>
-            <a:r>
-              <a:rPr lang="en-US" sz="1600" b="1" dirty="0">
-                <a:latin typeface="Courier New" panose="02070309020205020404" pitchFamily="49" charset="0"/>
-                <a:cs typeface="Courier New" panose="02070309020205020404" pitchFamily="49" charset="0"/>
-              </a:rPr>
-              <a:t>(below);         // Recurse</a:t>
-            </a:r>
-          </a:p>
-          <a:p>
-            <a:r>
-              <a:rPr lang="en-US" sz="1600" b="1" dirty="0">
-                <a:latin typeface="Courier New" panose="02070309020205020404" pitchFamily="49" charset="0"/>
-                <a:cs typeface="Courier New" panose="02070309020205020404" pitchFamily="49" charset="0"/>
-              </a:rPr>
-              <a:t>    </a:t>
-            </a:r>
-            <a:r>
-              <a:rPr lang="en-US" sz="1600" b="1" dirty="0" err="1">
-                <a:latin typeface="Courier New" panose="02070309020205020404" pitchFamily="49" charset="0"/>
-                <a:cs typeface="Courier New" panose="02070309020205020404" pitchFamily="49" charset="0"/>
-              </a:rPr>
-              <a:t>printf</a:t>
-            </a:r>
-            <a:r>
-              <a:rPr lang="en-US" sz="1600" b="1" dirty="0">
-                <a:latin typeface="Courier New" panose="02070309020205020404" pitchFamily="49" charset="0"/>
-                <a:cs typeface="Courier New" panose="02070309020205020404" pitchFamily="49" charset="0"/>
-              </a:rPr>
-              <a:t>("Back: %d\</a:t>
-            </a:r>
-            <a:r>
-              <a:rPr lang="en-US" sz="1600" b="1" dirty="0" err="1">
-                <a:latin typeface="Courier New" panose="02070309020205020404" pitchFamily="49" charset="0"/>
-                <a:cs typeface="Courier New" panose="02070309020205020404" pitchFamily="49" charset="0"/>
-              </a:rPr>
-              <a:t>n",sum</a:t>
-            </a:r>
-            <a:r>
-              <a:rPr lang="en-US" sz="1600" b="1" dirty="0">
-                <a:latin typeface="Courier New" panose="02070309020205020404" pitchFamily="49" charset="0"/>
-                <a:cs typeface="Courier New" panose="02070309020205020404" pitchFamily="49" charset="0"/>
-              </a:rPr>
-              <a:t>);</a:t>
-            </a:r>
-          </a:p>
-          <a:p>
-            <a:r>
-              <a:rPr lang="en-US" sz="1600" b="1" dirty="0">
-                <a:latin typeface="Courier New" panose="02070309020205020404" pitchFamily="49" charset="0"/>
-                <a:cs typeface="Courier New" panose="02070309020205020404" pitchFamily="49" charset="0"/>
-              </a:rPr>
-              <a:t>    </a:t>
-            </a:r>
-            <a:r>
-              <a:rPr lang="en-US" sz="1600" b="1" dirty="0" err="1">
-                <a:latin typeface="Courier New" panose="02070309020205020404" pitchFamily="49" charset="0"/>
-                <a:cs typeface="Courier New" panose="02070309020205020404" pitchFamily="49" charset="0"/>
-              </a:rPr>
-              <a:t>retval</a:t>
-            </a:r>
-            <a:r>
-              <a:rPr lang="en-US" sz="1600" b="1" dirty="0">
-                <a:latin typeface="Courier New" panose="02070309020205020404" pitchFamily="49" charset="0"/>
-                <a:cs typeface="Courier New" panose="02070309020205020404" pitchFamily="49" charset="0"/>
-              </a:rPr>
-              <a:t> = above + sum;</a:t>
-            </a:r>
-          </a:p>
-          <a:p>
-            <a:r>
-              <a:rPr lang="en-US" sz="1600" b="1" dirty="0">
-                <a:highlight>
-                  <a:srgbClr val="00FFFF"/>
-                </a:highlight>
-                <a:latin typeface="Courier New" panose="02070309020205020404" pitchFamily="49" charset="0"/>
-                <a:cs typeface="Courier New" panose="02070309020205020404" pitchFamily="49" charset="0"/>
-              </a:rPr>
-              <a:t>    </a:t>
-            </a:r>
-            <a:r>
-              <a:rPr lang="en-US" sz="1600" b="1" dirty="0" err="1">
-                <a:highlight>
-                  <a:srgbClr val="00FFFF"/>
-                </a:highlight>
-                <a:latin typeface="Courier New" panose="02070309020205020404" pitchFamily="49" charset="0"/>
-                <a:cs typeface="Courier New" panose="02070309020205020404" pitchFamily="49" charset="0"/>
-              </a:rPr>
-              <a:t>printf</a:t>
-            </a:r>
-            <a:r>
-              <a:rPr lang="en-US" sz="1600" b="1" dirty="0">
-                <a:highlight>
-                  <a:srgbClr val="00FFFF"/>
-                </a:highlight>
-                <a:latin typeface="Courier New" panose="02070309020205020404" pitchFamily="49" charset="0"/>
-                <a:cs typeface="Courier New" panose="02070309020205020404" pitchFamily="49" charset="0"/>
-              </a:rPr>
-              <a:t>(”Ret: %d\n",</a:t>
-            </a:r>
-            <a:r>
-              <a:rPr lang="en-US" sz="1600" b="1" dirty="0" err="1">
-                <a:highlight>
-                  <a:srgbClr val="00FFFF"/>
-                </a:highlight>
-                <a:latin typeface="Courier New" panose="02070309020205020404" pitchFamily="49" charset="0"/>
-                <a:cs typeface="Courier New" panose="02070309020205020404" pitchFamily="49" charset="0"/>
-              </a:rPr>
-              <a:t>retval</a:t>
-            </a:r>
-            <a:r>
-              <a:rPr lang="en-US" sz="1600" b="1" dirty="0">
-                <a:highlight>
-                  <a:srgbClr val="00FFFF"/>
-                </a:highlight>
-                <a:latin typeface="Courier New" panose="02070309020205020404" pitchFamily="49" charset="0"/>
-                <a:cs typeface="Courier New" panose="02070309020205020404" pitchFamily="49" charset="0"/>
-              </a:rPr>
-              <a:t>);</a:t>
-            </a:r>
-          </a:p>
-          <a:p>
-            <a:r>
-              <a:rPr lang="en-US" sz="1600" b="1" dirty="0">
-                <a:latin typeface="Courier New" panose="02070309020205020404" pitchFamily="49" charset="0"/>
-                <a:cs typeface="Courier New" panose="02070309020205020404" pitchFamily="49" charset="0"/>
-              </a:rPr>
-              <a:t>    return </a:t>
-            </a:r>
-            <a:r>
-              <a:rPr lang="en-US" sz="1600" b="1" dirty="0" err="1">
-                <a:latin typeface="Courier New" panose="02070309020205020404" pitchFamily="49" charset="0"/>
-                <a:cs typeface="Courier New" panose="02070309020205020404" pitchFamily="49" charset="0"/>
-              </a:rPr>
-              <a:t>retval</a:t>
-            </a:r>
-            <a:r>
-              <a:rPr lang="en-US" sz="1600" b="1" dirty="0">
-                <a:latin typeface="Courier New" panose="02070309020205020404" pitchFamily="49" charset="0"/>
-                <a:cs typeface="Courier New" panose="02070309020205020404" pitchFamily="49" charset="0"/>
-              </a:rPr>
-              <a:t>;</a:t>
-            </a:r>
-          </a:p>
-          <a:p>
-            <a:r>
-              <a:rPr lang="en-US" sz="1600" b="1" dirty="0">
-                <a:latin typeface="Courier New" panose="02070309020205020404" pitchFamily="49" charset="0"/>
-                <a:cs typeface="Courier New" panose="02070309020205020404" pitchFamily="49" charset="0"/>
-              </a:rPr>
-              <a:t>}   </a:t>
-            </a:r>
-          </a:p>
-          <a:p>
-            <a:endParaRPr lang="en-US" sz="1600" b="1" dirty="0">
-              <a:latin typeface="Courier New" panose="02070309020205020404" pitchFamily="49" charset="0"/>
-              <a:cs typeface="Courier New" panose="02070309020205020404" pitchFamily="49" charset="0"/>
-            </a:endParaRPr>
-          </a:p>
-          <a:p>
-            <a:r>
-              <a:rPr lang="en-US" sz="1600" b="1" dirty="0">
-                <a:latin typeface="Courier New" panose="02070309020205020404" pitchFamily="49" charset="0"/>
-                <a:cs typeface="Courier New" panose="02070309020205020404" pitchFamily="49" charset="0"/>
-              </a:rPr>
-              <a:t>int main() </a:t>
-            </a:r>
-          </a:p>
-          <a:p>
-            <a:r>
-              <a:rPr lang="en-US" sz="1600" b="1" dirty="0">
-                <a:latin typeface="Courier New" panose="02070309020205020404" pitchFamily="49" charset="0"/>
-                <a:cs typeface="Courier New" panose="02070309020205020404" pitchFamily="49" charset="0"/>
-              </a:rPr>
-              <a:t>{   </a:t>
-            </a:r>
-          </a:p>
-          <a:p>
-            <a:r>
-              <a:rPr lang="en-US" sz="1600" b="1" dirty="0">
-                <a:latin typeface="Courier New" panose="02070309020205020404" pitchFamily="49" charset="0"/>
-                <a:cs typeface="Courier New" panose="02070309020205020404" pitchFamily="49" charset="0"/>
-              </a:rPr>
-              <a:t>    int sup = </a:t>
-            </a:r>
-            <a:r>
-              <a:rPr lang="en-US" sz="1600" b="1" dirty="0" err="1">
-                <a:latin typeface="Courier New" panose="02070309020205020404" pitchFamily="49" charset="0"/>
-                <a:cs typeface="Courier New" panose="02070309020205020404" pitchFamily="49" charset="0"/>
-              </a:rPr>
-              <a:t>sumup</a:t>
-            </a:r>
-            <a:r>
-              <a:rPr lang="en-US" sz="1600" b="1" dirty="0">
-                <a:latin typeface="Courier New" panose="02070309020205020404" pitchFamily="49" charset="0"/>
-                <a:cs typeface="Courier New" panose="02070309020205020404" pitchFamily="49" charset="0"/>
-              </a:rPr>
-              <a:t>(3);</a:t>
-            </a:r>
-          </a:p>
-          <a:p>
-            <a:r>
-              <a:rPr lang="en-US" sz="1600" b="1" dirty="0">
-                <a:latin typeface="Courier New" panose="02070309020205020404" pitchFamily="49" charset="0"/>
-                <a:cs typeface="Courier New" panose="02070309020205020404" pitchFamily="49" charset="0"/>
-              </a:rPr>
-              <a:t>    </a:t>
-            </a:r>
-            <a:r>
-              <a:rPr lang="en-US" sz="1600" b="1" dirty="0" err="1">
-                <a:latin typeface="Courier New" panose="02070309020205020404" pitchFamily="49" charset="0"/>
-                <a:cs typeface="Courier New" panose="02070309020205020404" pitchFamily="49" charset="0"/>
-              </a:rPr>
-              <a:t>printf</a:t>
-            </a:r>
-            <a:r>
-              <a:rPr lang="en-US" sz="1600" b="1" dirty="0">
-                <a:latin typeface="Courier New" panose="02070309020205020404" pitchFamily="49" charset="0"/>
-                <a:cs typeface="Courier New" panose="02070309020205020404" pitchFamily="49" charset="0"/>
-              </a:rPr>
-              <a:t>("Sup: %d\</a:t>
-            </a:r>
-            <a:r>
-              <a:rPr lang="en-US" sz="1600" b="1" dirty="0" err="1">
-                <a:latin typeface="Courier New" panose="02070309020205020404" pitchFamily="49" charset="0"/>
-                <a:cs typeface="Courier New" panose="02070309020205020404" pitchFamily="49" charset="0"/>
-              </a:rPr>
-              <a:t>n",sup</a:t>
-            </a:r>
-            <a:r>
-              <a:rPr lang="en-US" sz="1600" b="1" dirty="0">
-                <a:latin typeface="Courier New" panose="02070309020205020404" pitchFamily="49" charset="0"/>
-                <a:cs typeface="Courier New" panose="02070309020205020404" pitchFamily="49" charset="0"/>
-              </a:rPr>
-              <a:t>);</a:t>
-            </a:r>
-          </a:p>
-          <a:p>
-            <a:r>
-              <a:rPr lang="en-US" sz="1600" b="1" dirty="0">
-                <a:latin typeface="Courier New" panose="02070309020205020404" pitchFamily="49" charset="0"/>
-                <a:cs typeface="Courier New" panose="02070309020205020404" pitchFamily="49" charset="0"/>
-              </a:rPr>
-              <a:t>}</a:t>
-            </a:r>
-          </a:p>
-        </p:txBody>
-      </p:sp>
-      <p:sp>
-        <p:nvSpPr>
-          <p:cNvPr id="6" name="TextBox 5">
-            <a:extLst>
-              <a:ext uri="{FF2B5EF4-FFF2-40B4-BE49-F238E27FC236}">
-                <a16:creationId xmlns:a16="http://schemas.microsoft.com/office/drawing/2014/main" id="{03138CA8-8D5D-4541-3A04-89FD15B37620}"/>
-              </a:ext>
-            </a:extLst>
-          </p:cNvPr>
-          <p:cNvSpPr txBox="1"/>
-          <p:nvPr/>
-        </p:nvSpPr>
-        <p:spPr>
-          <a:xfrm>
-            <a:off x="7043058" y="1817400"/>
-            <a:ext cx="1295547" cy="2554545"/>
-          </a:xfrm>
-          <a:prstGeom prst="rect">
-            <a:avLst/>
-          </a:prstGeom>
-          <a:noFill/>
-        </p:spPr>
-        <p:txBody>
-          <a:bodyPr wrap="none" rtlCol="0">
-            <a:spAutoFit/>
-          </a:bodyPr>
-          <a:lstStyle/>
-          <a:p>
-            <a:r>
-              <a:rPr lang="en-US" sz="1600" b="1" dirty="0">
-                <a:latin typeface="Courier New" panose="02070309020205020404" pitchFamily="49" charset="0"/>
-                <a:cs typeface="Courier New" panose="02070309020205020404" pitchFamily="49" charset="0"/>
-              </a:rPr>
-              <a:t>In: 3</a:t>
-            </a:r>
-          </a:p>
-          <a:p>
-            <a:r>
-              <a:rPr lang="en-US" sz="1600" b="1" dirty="0">
-                <a:latin typeface="Courier New" panose="02070309020205020404" pitchFamily="49" charset="0"/>
-                <a:cs typeface="Courier New" panose="02070309020205020404" pitchFamily="49" charset="0"/>
-              </a:rPr>
-              <a:t>Down: 2</a:t>
-            </a:r>
-          </a:p>
-          <a:p>
-            <a:r>
-              <a:rPr lang="en-US" sz="1600" b="1" dirty="0">
-                <a:latin typeface="Courier New" panose="02070309020205020404" pitchFamily="49" charset="0"/>
-                <a:cs typeface="Courier New" panose="02070309020205020404" pitchFamily="49" charset="0"/>
-              </a:rPr>
-              <a:t>  In: 2</a:t>
-            </a:r>
-          </a:p>
-          <a:p>
-            <a:r>
-              <a:rPr lang="en-US" sz="1600" b="1" dirty="0">
-                <a:latin typeface="Courier New" panose="02070309020205020404" pitchFamily="49" charset="0"/>
-                <a:cs typeface="Courier New" panose="02070309020205020404" pitchFamily="49" charset="0"/>
-              </a:rPr>
-              <a:t>  Down: 1</a:t>
-            </a:r>
-          </a:p>
-          <a:p>
-            <a:r>
-              <a:rPr lang="en-US" sz="1600" b="1" dirty="0">
-                <a:latin typeface="Courier New" panose="02070309020205020404" pitchFamily="49" charset="0"/>
-                <a:cs typeface="Courier New" panose="02070309020205020404" pitchFamily="49" charset="0"/>
-              </a:rPr>
-              <a:t>    In: 1</a:t>
-            </a:r>
-          </a:p>
-          <a:p>
-            <a:r>
-              <a:rPr lang="en-US" sz="1600" b="1" dirty="0">
-                <a:latin typeface="Courier New" panose="02070309020205020404" pitchFamily="49" charset="0"/>
-                <a:cs typeface="Courier New" panose="02070309020205020404" pitchFamily="49" charset="0"/>
-              </a:rPr>
-              <a:t>  Back: 1</a:t>
-            </a:r>
-          </a:p>
-          <a:p>
-            <a:r>
-              <a:rPr lang="en-US" sz="1600" b="1" dirty="0">
-                <a:highlight>
-                  <a:srgbClr val="00FFFF"/>
-                </a:highlight>
-                <a:latin typeface="Courier New" panose="02070309020205020404" pitchFamily="49" charset="0"/>
-                <a:cs typeface="Courier New" panose="02070309020205020404" pitchFamily="49" charset="0"/>
-              </a:rPr>
-              <a:t>  Ret: 3</a:t>
-            </a:r>
-          </a:p>
-          <a:p>
-            <a:r>
-              <a:rPr lang="en-US" sz="1600" b="1" dirty="0">
-                <a:latin typeface="Courier New" panose="02070309020205020404" pitchFamily="49" charset="0"/>
-                <a:cs typeface="Courier New" panose="02070309020205020404" pitchFamily="49" charset="0"/>
-              </a:rPr>
-              <a:t>Back: 3</a:t>
-            </a:r>
-          </a:p>
-          <a:p>
-            <a:r>
-              <a:rPr lang="en-US" sz="1600" b="1" dirty="0">
-                <a:latin typeface="Courier New" panose="02070309020205020404" pitchFamily="49" charset="0"/>
-                <a:cs typeface="Courier New" panose="02070309020205020404" pitchFamily="49" charset="0"/>
-              </a:rPr>
-              <a:t>Ret: 6</a:t>
-            </a:r>
-          </a:p>
-          <a:p>
-            <a:r>
-              <a:rPr lang="en-US" sz="1600" b="1" dirty="0">
-                <a:latin typeface="Courier New" panose="02070309020205020404" pitchFamily="49" charset="0"/>
-                <a:cs typeface="Courier New" panose="02070309020205020404" pitchFamily="49" charset="0"/>
-              </a:rPr>
-              <a:t>Sup: 6</a:t>
-            </a:r>
-          </a:p>
-        </p:txBody>
-      </p:sp>
-      <p:sp>
-        <p:nvSpPr>
-          <p:cNvPr id="19" name="Rectangle 18">
-            <a:extLst>
-              <a:ext uri="{FF2B5EF4-FFF2-40B4-BE49-F238E27FC236}">
-                <a16:creationId xmlns:a16="http://schemas.microsoft.com/office/drawing/2014/main" id="{AF129ABD-0F8C-5FE9-D016-DEB3008D966C}"/>
-              </a:ext>
-            </a:extLst>
-          </p:cNvPr>
-          <p:cNvSpPr/>
-          <p:nvPr/>
-        </p:nvSpPr>
-        <p:spPr>
-          <a:xfrm>
-            <a:off x="9882564" y="411452"/>
-            <a:ext cx="1582214" cy="6035098"/>
-          </a:xfrm>
-          <a:prstGeom prst="rect">
-            <a:avLst/>
-          </a:prstGeom>
-          <a:solidFill>
-            <a:schemeClr val="bg1"/>
-          </a:solidFill>
-          <a:ln w="28575"/>
-        </p:spPr>
-        <p:style>
-          <a:lnRef idx="2">
-            <a:schemeClr val="accent1">
-              <a:shade val="50000"/>
-            </a:schemeClr>
-          </a:lnRef>
-          <a:fillRef idx="1">
-            <a:schemeClr val="accent1"/>
-          </a:fillRef>
-          <a:effectRef idx="0">
-            <a:schemeClr val="accent1"/>
-          </a:effectRef>
-          <a:fontRef idx="minor">
-            <a:schemeClr val="lt1"/>
-          </a:fontRef>
-        </p:style>
-        <p:txBody>
-          <a:bodyPr rtlCol="0" anchor="ctr"/>
-          <a:lstStyle/>
-          <a:p>
-            <a:pPr algn="ctr"/>
-            <a:endParaRPr lang="en-US"/>
-          </a:p>
-        </p:txBody>
-      </p:sp>
-      <p:sp>
-        <p:nvSpPr>
-          <p:cNvPr id="24" name="Rectangle 23">
-            <a:extLst>
-              <a:ext uri="{FF2B5EF4-FFF2-40B4-BE49-F238E27FC236}">
-                <a16:creationId xmlns:a16="http://schemas.microsoft.com/office/drawing/2014/main" id="{3AE4C860-C044-43F5-B3B6-F6925B10C2A3}"/>
-              </a:ext>
-            </a:extLst>
-          </p:cNvPr>
-          <p:cNvSpPr/>
-          <p:nvPr/>
-        </p:nvSpPr>
-        <p:spPr>
-          <a:xfrm>
-            <a:off x="9882569" y="6016233"/>
-            <a:ext cx="1582208" cy="432707"/>
-          </a:xfrm>
-          <a:prstGeom prst="rect">
-            <a:avLst/>
-          </a:prstGeom>
-          <a:solidFill>
-            <a:schemeClr val="bg1"/>
-          </a:solidFill>
-          <a:ln w="28575"/>
-        </p:spPr>
-        <p:style>
-          <a:lnRef idx="2">
-            <a:schemeClr val="accent1">
-              <a:shade val="50000"/>
-            </a:schemeClr>
-          </a:lnRef>
-          <a:fillRef idx="1">
-            <a:schemeClr val="accent1"/>
-          </a:fillRef>
-          <a:effectRef idx="0">
-            <a:schemeClr val="accent1"/>
-          </a:effectRef>
-          <a:fontRef idx="minor">
-            <a:schemeClr val="lt1"/>
-          </a:fontRef>
-        </p:style>
-        <p:txBody>
-          <a:bodyPr rtlCol="0" anchor="ctr"/>
-          <a:lstStyle/>
+              <a:rPr lang="en-US" dirty="0"/>
+              <a:t>When a function calls itself, it is called “recursion”</a:t>
+            </a:r>
+          </a:p>
+          <a:p>
+            <a:r>
+              <a:rPr lang="en-US" dirty="0"/>
+              <a:t>Recursion is a powerful programming concept</a:t>
+            </a:r>
+          </a:p>
+          <a:p>
+            <a:r>
+              <a:rPr lang="en-US" dirty="0"/>
+              <a:t>Recursion is essential to writing good code in special situations</a:t>
+            </a:r>
+          </a:p>
+          <a:p>
+            <a:pPr lvl="1"/>
+            <a:r>
+              <a:rPr lang="en-US" dirty="0"/>
+              <a:t>Parsing expressions like (5 * 2) + ( ( 6 + 5 ) * 9 )</a:t>
+            </a:r>
+          </a:p>
+          <a:p>
+            <a:pPr lvl="1"/>
+            <a:r>
+              <a:rPr lang="en-US" dirty="0"/>
+              <a:t>Traversing tree-like structures</a:t>
+            </a:r>
+          </a:p>
+          <a:p>
+            <a:pPr lvl="1"/>
+            <a:endParaRPr lang="en-US" dirty="0"/>
+          </a:p>
           <a:p>
             <a:r>
               <a:rPr lang="en-US" dirty="0">
                 <a:solidFill>
-                  <a:schemeClr val="tx1"/>
-                </a:solidFill>
-                <a:latin typeface="Courier New" panose="02070309020205020404" pitchFamily="49" charset="0"/>
-                <a:cs typeface="Courier New" panose="02070309020205020404" pitchFamily="49" charset="0"/>
-              </a:rPr>
-              <a:t>sup</a:t>
-            </a:r>
-          </a:p>
-        </p:txBody>
-      </p:sp>
-      <p:sp>
-        <p:nvSpPr>
-          <p:cNvPr id="25" name="Rectangle 24">
-            <a:extLst>
-              <a:ext uri="{FF2B5EF4-FFF2-40B4-BE49-F238E27FC236}">
-                <a16:creationId xmlns:a16="http://schemas.microsoft.com/office/drawing/2014/main" id="{D8C760B9-B41B-A4B7-C950-61BAE4E27614}"/>
-              </a:ext>
-            </a:extLst>
-          </p:cNvPr>
-          <p:cNvSpPr/>
-          <p:nvPr/>
-        </p:nvSpPr>
-        <p:spPr>
-          <a:xfrm>
-            <a:off x="10907492" y="6016233"/>
-            <a:ext cx="557284" cy="432707"/>
-          </a:xfrm>
-          <a:prstGeom prst="rect">
-            <a:avLst/>
-          </a:prstGeom>
-          <a:solidFill>
-            <a:schemeClr val="bg2"/>
-          </a:solidFill>
-          <a:ln w="28575"/>
-        </p:spPr>
-        <p:style>
-          <a:lnRef idx="2">
-            <a:schemeClr val="accent1">
-              <a:shade val="50000"/>
-            </a:schemeClr>
-          </a:lnRef>
-          <a:fillRef idx="1">
-            <a:schemeClr val="accent1"/>
-          </a:fillRef>
-          <a:effectRef idx="0">
-            <a:schemeClr val="accent1"/>
-          </a:effectRef>
-          <a:fontRef idx="minor">
-            <a:schemeClr val="lt1"/>
-          </a:fontRef>
-        </p:style>
-        <p:txBody>
-          <a:bodyPr rtlCol="0" anchor="ctr"/>
-          <a:lstStyle/>
-          <a:p>
-            <a:pPr algn="ctr"/>
-            <a:endParaRPr lang="en-US" dirty="0">
-              <a:solidFill>
-                <a:schemeClr val="tx1"/>
-              </a:solidFill>
-            </a:endParaRPr>
-          </a:p>
-        </p:txBody>
-      </p:sp>
-      <p:sp>
-        <p:nvSpPr>
-          <p:cNvPr id="28" name="Rectangle 27">
-            <a:extLst>
-              <a:ext uri="{FF2B5EF4-FFF2-40B4-BE49-F238E27FC236}">
-                <a16:creationId xmlns:a16="http://schemas.microsoft.com/office/drawing/2014/main" id="{674FA832-2D96-67CD-756F-B39145E07242}"/>
-              </a:ext>
-            </a:extLst>
-          </p:cNvPr>
-          <p:cNvSpPr/>
-          <p:nvPr/>
-        </p:nvSpPr>
-        <p:spPr>
-          <a:xfrm>
-            <a:off x="9882568" y="5205247"/>
-            <a:ext cx="1582208" cy="432707"/>
-          </a:xfrm>
-          <a:prstGeom prst="rect">
-            <a:avLst/>
-          </a:prstGeom>
-          <a:solidFill>
-            <a:schemeClr val="bg1"/>
-          </a:solidFill>
-          <a:ln w="28575"/>
-        </p:spPr>
-        <p:style>
-          <a:lnRef idx="2">
-            <a:schemeClr val="accent1">
-              <a:shade val="50000"/>
-            </a:schemeClr>
-          </a:lnRef>
-          <a:fillRef idx="1">
-            <a:schemeClr val="accent1"/>
-          </a:fillRef>
-          <a:effectRef idx="0">
-            <a:schemeClr val="accent1"/>
-          </a:effectRef>
-          <a:fontRef idx="minor">
-            <a:schemeClr val="lt1"/>
-          </a:fontRef>
-        </p:style>
-        <p:txBody>
-          <a:bodyPr rtlCol="0" anchor="ctr"/>
-          <a:lstStyle/>
-          <a:p>
+                  <a:srgbClr val="FF0000"/>
+                </a:solidFill>
+              </a:rPr>
+              <a:t>Simple recursion examples (like this one) are very bad uses of recursion </a:t>
+            </a:r>
+            <a:r>
+              <a:rPr lang="en-US">
+                <a:solidFill>
+                  <a:srgbClr val="FF0000"/>
+                </a:solidFill>
+              </a:rPr>
+              <a:t>and mislead </a:t>
+            </a:r>
             <a:r>
               <a:rPr lang="en-US" dirty="0">
                 <a:solidFill>
-                  <a:schemeClr val="tx1"/>
-                </a:solidFill>
-                <a:latin typeface="Courier New" panose="02070309020205020404" pitchFamily="49" charset="0"/>
-                <a:cs typeface="Courier New" panose="02070309020205020404" pitchFamily="49" charset="0"/>
-              </a:rPr>
-              <a:t>above</a:t>
-            </a:r>
-          </a:p>
-        </p:txBody>
-      </p:sp>
-      <p:sp>
-        <p:nvSpPr>
-          <p:cNvPr id="29" name="Rectangle 28">
-            <a:extLst>
-              <a:ext uri="{FF2B5EF4-FFF2-40B4-BE49-F238E27FC236}">
-                <a16:creationId xmlns:a16="http://schemas.microsoft.com/office/drawing/2014/main" id="{CD6B982F-C68A-5DD0-CEC5-B863E9492B47}"/>
-              </a:ext>
-            </a:extLst>
-          </p:cNvPr>
-          <p:cNvSpPr/>
-          <p:nvPr/>
-        </p:nvSpPr>
-        <p:spPr>
-          <a:xfrm>
-            <a:off x="10907491" y="5205247"/>
-            <a:ext cx="557284" cy="432707"/>
-          </a:xfrm>
-          <a:prstGeom prst="rect">
-            <a:avLst/>
-          </a:prstGeom>
-          <a:solidFill>
-            <a:schemeClr val="bg2"/>
-          </a:solidFill>
-          <a:ln w="28575"/>
-        </p:spPr>
-        <p:style>
-          <a:lnRef idx="2">
-            <a:schemeClr val="accent1">
-              <a:shade val="50000"/>
-            </a:schemeClr>
-          </a:lnRef>
-          <a:fillRef idx="1">
-            <a:schemeClr val="accent1"/>
-          </a:fillRef>
-          <a:effectRef idx="0">
-            <a:schemeClr val="accent1"/>
-          </a:effectRef>
-          <a:fontRef idx="minor">
-            <a:schemeClr val="lt1"/>
-          </a:fontRef>
-        </p:style>
-        <p:txBody>
-          <a:bodyPr rtlCol="0" anchor="ctr"/>
-          <a:lstStyle/>
-          <a:p>
-            <a:pPr algn="ctr"/>
-            <a:r>
-              <a:rPr lang="en-US" dirty="0">
-                <a:solidFill>
-                  <a:schemeClr val="tx1"/>
-                </a:solidFill>
-              </a:rPr>
-              <a:t>3</a:t>
-            </a:r>
-          </a:p>
-        </p:txBody>
-      </p:sp>
-      <p:sp>
-        <p:nvSpPr>
-          <p:cNvPr id="30" name="Rectangle 29">
-            <a:extLst>
-              <a:ext uri="{FF2B5EF4-FFF2-40B4-BE49-F238E27FC236}">
-                <a16:creationId xmlns:a16="http://schemas.microsoft.com/office/drawing/2014/main" id="{BF5A2AD5-21A3-7463-4E09-BE8055AE097A}"/>
-              </a:ext>
-            </a:extLst>
-          </p:cNvPr>
-          <p:cNvSpPr/>
-          <p:nvPr/>
-        </p:nvSpPr>
-        <p:spPr>
-          <a:xfrm>
-            <a:off x="9882564" y="4770150"/>
-            <a:ext cx="1582208" cy="432707"/>
-          </a:xfrm>
-          <a:prstGeom prst="rect">
-            <a:avLst/>
-          </a:prstGeom>
-          <a:solidFill>
-            <a:schemeClr val="bg1"/>
-          </a:solidFill>
-          <a:ln w="28575"/>
-        </p:spPr>
-        <p:style>
-          <a:lnRef idx="2">
-            <a:schemeClr val="accent1">
-              <a:shade val="50000"/>
-            </a:schemeClr>
-          </a:lnRef>
-          <a:fillRef idx="1">
-            <a:schemeClr val="accent1"/>
-          </a:fillRef>
-          <a:effectRef idx="0">
-            <a:schemeClr val="accent1"/>
-          </a:effectRef>
-          <a:fontRef idx="minor">
-            <a:schemeClr val="lt1"/>
-          </a:fontRef>
-        </p:style>
-        <p:txBody>
-          <a:bodyPr rtlCol="0" anchor="ctr"/>
-          <a:lstStyle/>
-          <a:p>
-            <a:r>
-              <a:rPr lang="en-US" dirty="0">
-                <a:solidFill>
-                  <a:schemeClr val="tx1"/>
-                </a:solidFill>
-                <a:latin typeface="Courier New" panose="02070309020205020404" pitchFamily="49" charset="0"/>
-                <a:cs typeface="Courier New" panose="02070309020205020404" pitchFamily="49" charset="0"/>
-              </a:rPr>
-              <a:t>below</a:t>
-            </a:r>
-          </a:p>
-        </p:txBody>
-      </p:sp>
-      <p:sp>
-        <p:nvSpPr>
-          <p:cNvPr id="31" name="Rectangle 30">
-            <a:extLst>
-              <a:ext uri="{FF2B5EF4-FFF2-40B4-BE49-F238E27FC236}">
-                <a16:creationId xmlns:a16="http://schemas.microsoft.com/office/drawing/2014/main" id="{DBA69012-830C-1E8D-2A75-338C9D4CAEA9}"/>
-              </a:ext>
-            </a:extLst>
-          </p:cNvPr>
-          <p:cNvSpPr/>
-          <p:nvPr/>
-        </p:nvSpPr>
-        <p:spPr>
-          <a:xfrm>
-            <a:off x="10907487" y="4770150"/>
-            <a:ext cx="557284" cy="432707"/>
-          </a:xfrm>
-          <a:prstGeom prst="rect">
-            <a:avLst/>
-          </a:prstGeom>
-          <a:solidFill>
-            <a:schemeClr val="bg2"/>
-          </a:solidFill>
-          <a:ln w="28575"/>
-        </p:spPr>
-        <p:style>
-          <a:lnRef idx="2">
-            <a:schemeClr val="accent1">
-              <a:shade val="50000"/>
-            </a:schemeClr>
-          </a:lnRef>
-          <a:fillRef idx="1">
-            <a:schemeClr val="accent1"/>
-          </a:fillRef>
-          <a:effectRef idx="0">
-            <a:schemeClr val="accent1"/>
-          </a:effectRef>
-          <a:fontRef idx="minor">
-            <a:schemeClr val="lt1"/>
-          </a:fontRef>
-        </p:style>
-        <p:txBody>
-          <a:bodyPr rtlCol="0" anchor="ctr"/>
-          <a:lstStyle/>
-          <a:p>
-            <a:pPr algn="ctr"/>
-            <a:r>
-              <a:rPr lang="en-US" dirty="0">
-                <a:solidFill>
-                  <a:schemeClr val="tx1"/>
-                </a:solidFill>
-              </a:rPr>
-              <a:t>2</a:t>
-            </a:r>
-          </a:p>
-        </p:txBody>
-      </p:sp>
-      <p:sp>
-        <p:nvSpPr>
-          <p:cNvPr id="32" name="Rectangle 31">
-            <a:extLst>
-              <a:ext uri="{FF2B5EF4-FFF2-40B4-BE49-F238E27FC236}">
-                <a16:creationId xmlns:a16="http://schemas.microsoft.com/office/drawing/2014/main" id="{F861489A-CC4B-AA72-5313-E8CCE98DAF21}"/>
-              </a:ext>
-            </a:extLst>
-          </p:cNvPr>
-          <p:cNvSpPr/>
-          <p:nvPr/>
-        </p:nvSpPr>
-        <p:spPr>
-          <a:xfrm>
-            <a:off x="9882558" y="4342536"/>
-            <a:ext cx="1582208" cy="432707"/>
-          </a:xfrm>
-          <a:prstGeom prst="rect">
-            <a:avLst/>
-          </a:prstGeom>
-          <a:solidFill>
-            <a:schemeClr val="bg1"/>
-          </a:solidFill>
-          <a:ln w="28575"/>
-        </p:spPr>
-        <p:style>
-          <a:lnRef idx="2">
-            <a:schemeClr val="accent1">
-              <a:shade val="50000"/>
-            </a:schemeClr>
-          </a:lnRef>
-          <a:fillRef idx="1">
-            <a:schemeClr val="accent1"/>
-          </a:fillRef>
-          <a:effectRef idx="0">
-            <a:schemeClr val="accent1"/>
-          </a:effectRef>
-          <a:fontRef idx="minor">
-            <a:schemeClr val="lt1"/>
-          </a:fontRef>
-        </p:style>
-        <p:txBody>
-          <a:bodyPr rtlCol="0" anchor="ctr"/>
-          <a:lstStyle/>
-          <a:p>
-            <a:r>
-              <a:rPr lang="en-US" dirty="0">
-                <a:solidFill>
-                  <a:schemeClr val="tx1"/>
-                </a:solidFill>
-                <a:latin typeface="Courier New" panose="02070309020205020404" pitchFamily="49" charset="0"/>
-                <a:cs typeface="Courier New" panose="02070309020205020404" pitchFamily="49" charset="0"/>
-              </a:rPr>
-              <a:t>sum</a:t>
-            </a:r>
-          </a:p>
-        </p:txBody>
-      </p:sp>
-      <p:sp>
-        <p:nvSpPr>
-          <p:cNvPr id="33" name="Rectangle 32">
-            <a:extLst>
-              <a:ext uri="{FF2B5EF4-FFF2-40B4-BE49-F238E27FC236}">
-                <a16:creationId xmlns:a16="http://schemas.microsoft.com/office/drawing/2014/main" id="{78AFC1EA-6202-1D56-0481-1DDBC79050DD}"/>
-              </a:ext>
-            </a:extLst>
-          </p:cNvPr>
-          <p:cNvSpPr/>
-          <p:nvPr/>
-        </p:nvSpPr>
-        <p:spPr>
-          <a:xfrm>
-            <a:off x="10907481" y="4342536"/>
-            <a:ext cx="557284" cy="432707"/>
-          </a:xfrm>
-          <a:prstGeom prst="rect">
-            <a:avLst/>
-          </a:prstGeom>
-          <a:solidFill>
-            <a:schemeClr val="bg2"/>
-          </a:solidFill>
-          <a:ln w="28575"/>
-        </p:spPr>
-        <p:style>
-          <a:lnRef idx="2">
-            <a:schemeClr val="accent1">
-              <a:shade val="50000"/>
-            </a:schemeClr>
-          </a:lnRef>
-          <a:fillRef idx="1">
-            <a:schemeClr val="accent1"/>
-          </a:fillRef>
-          <a:effectRef idx="0">
-            <a:schemeClr val="accent1"/>
-          </a:effectRef>
-          <a:fontRef idx="minor">
-            <a:schemeClr val="lt1"/>
-          </a:fontRef>
-        </p:style>
-        <p:txBody>
-          <a:bodyPr rtlCol="0" anchor="ctr"/>
-          <a:lstStyle/>
-          <a:p>
-            <a:pPr algn="ctr"/>
-            <a:endParaRPr lang="en-US" dirty="0">
-              <a:solidFill>
-                <a:schemeClr val="tx1"/>
-              </a:solidFill>
-            </a:endParaRPr>
-          </a:p>
-        </p:txBody>
-      </p:sp>
-      <p:sp>
-        <p:nvSpPr>
-          <p:cNvPr id="34" name="Rectangle 33">
-            <a:extLst>
-              <a:ext uri="{FF2B5EF4-FFF2-40B4-BE49-F238E27FC236}">
-                <a16:creationId xmlns:a16="http://schemas.microsoft.com/office/drawing/2014/main" id="{58861EA1-723A-953B-6507-F3D8E7F3F576}"/>
-              </a:ext>
-            </a:extLst>
-          </p:cNvPr>
-          <p:cNvSpPr/>
-          <p:nvPr/>
-        </p:nvSpPr>
-        <p:spPr>
-          <a:xfrm>
-            <a:off x="9882546" y="3906088"/>
-            <a:ext cx="1582208" cy="432707"/>
-          </a:xfrm>
-          <a:prstGeom prst="rect">
-            <a:avLst/>
-          </a:prstGeom>
-          <a:solidFill>
-            <a:schemeClr val="bg1"/>
-          </a:solidFill>
-          <a:ln w="28575"/>
-        </p:spPr>
-        <p:style>
-          <a:lnRef idx="2">
-            <a:schemeClr val="accent1">
-              <a:shade val="50000"/>
-            </a:schemeClr>
-          </a:lnRef>
-          <a:fillRef idx="1">
-            <a:schemeClr val="accent1"/>
-          </a:fillRef>
-          <a:effectRef idx="0">
-            <a:schemeClr val="accent1"/>
-          </a:effectRef>
-          <a:fontRef idx="minor">
-            <a:schemeClr val="lt1"/>
-          </a:fontRef>
-        </p:style>
-        <p:txBody>
-          <a:bodyPr rtlCol="0" anchor="ctr"/>
-          <a:lstStyle/>
-          <a:p>
-            <a:r>
-              <a:rPr lang="en-US" dirty="0" err="1">
-                <a:solidFill>
-                  <a:schemeClr val="tx1"/>
-                </a:solidFill>
-                <a:latin typeface="Courier New" panose="02070309020205020404" pitchFamily="49" charset="0"/>
-                <a:cs typeface="Courier New" panose="02070309020205020404" pitchFamily="49" charset="0"/>
-              </a:rPr>
-              <a:t>retval</a:t>
-            </a:r>
-            <a:endParaRPr lang="en-US" dirty="0">
-              <a:solidFill>
-                <a:schemeClr val="tx1"/>
-              </a:solidFill>
-              <a:latin typeface="Courier New" panose="02070309020205020404" pitchFamily="49" charset="0"/>
-              <a:cs typeface="Courier New" panose="02070309020205020404" pitchFamily="49" charset="0"/>
-            </a:endParaRPr>
-          </a:p>
-        </p:txBody>
-      </p:sp>
-      <p:sp>
-        <p:nvSpPr>
-          <p:cNvPr id="35" name="Rectangle 34">
-            <a:extLst>
-              <a:ext uri="{FF2B5EF4-FFF2-40B4-BE49-F238E27FC236}">
-                <a16:creationId xmlns:a16="http://schemas.microsoft.com/office/drawing/2014/main" id="{8EE2D0E9-A1BB-3B69-0739-4E3D6EE7C5C1}"/>
-              </a:ext>
-            </a:extLst>
-          </p:cNvPr>
-          <p:cNvSpPr/>
-          <p:nvPr/>
-        </p:nvSpPr>
-        <p:spPr>
-          <a:xfrm>
-            <a:off x="10907469" y="3906088"/>
-            <a:ext cx="557284" cy="432707"/>
-          </a:xfrm>
-          <a:prstGeom prst="rect">
-            <a:avLst/>
-          </a:prstGeom>
-          <a:solidFill>
-            <a:schemeClr val="bg2"/>
-          </a:solidFill>
-          <a:ln w="28575"/>
-        </p:spPr>
-        <p:style>
-          <a:lnRef idx="2">
-            <a:schemeClr val="accent1">
-              <a:shade val="50000"/>
-            </a:schemeClr>
-          </a:lnRef>
-          <a:fillRef idx="1">
-            <a:schemeClr val="accent1"/>
-          </a:fillRef>
-          <a:effectRef idx="0">
-            <a:schemeClr val="accent1"/>
-          </a:effectRef>
-          <a:fontRef idx="minor">
-            <a:schemeClr val="lt1"/>
-          </a:fontRef>
-        </p:style>
-        <p:txBody>
-          <a:bodyPr rtlCol="0" anchor="ctr"/>
-          <a:lstStyle/>
-          <a:p>
-            <a:pPr algn="ctr"/>
-            <a:endParaRPr lang="en-US" dirty="0">
-              <a:solidFill>
-                <a:schemeClr val="tx1"/>
-              </a:solidFill>
-            </a:endParaRPr>
-          </a:p>
-        </p:txBody>
-      </p:sp>
-      <p:sp>
-        <p:nvSpPr>
-          <p:cNvPr id="36" name="Rectangle 35">
-            <a:extLst>
-              <a:ext uri="{FF2B5EF4-FFF2-40B4-BE49-F238E27FC236}">
-                <a16:creationId xmlns:a16="http://schemas.microsoft.com/office/drawing/2014/main" id="{D45D2C5C-A70D-BA5A-9042-DDC1B9416224}"/>
-              </a:ext>
-            </a:extLst>
-          </p:cNvPr>
-          <p:cNvSpPr/>
-          <p:nvPr/>
-        </p:nvSpPr>
-        <p:spPr>
-          <a:xfrm>
-            <a:off x="9882545" y="3067888"/>
-            <a:ext cx="1582208" cy="432707"/>
-          </a:xfrm>
-          <a:prstGeom prst="rect">
-            <a:avLst/>
-          </a:prstGeom>
-          <a:solidFill>
-            <a:schemeClr val="bg1"/>
-          </a:solidFill>
-          <a:ln w="28575"/>
-        </p:spPr>
-        <p:style>
-          <a:lnRef idx="2">
-            <a:schemeClr val="accent1">
-              <a:shade val="50000"/>
-            </a:schemeClr>
-          </a:lnRef>
-          <a:fillRef idx="1">
-            <a:schemeClr val="accent1"/>
-          </a:fillRef>
-          <a:effectRef idx="0">
-            <a:schemeClr val="accent1"/>
-          </a:effectRef>
-          <a:fontRef idx="minor">
-            <a:schemeClr val="lt1"/>
-          </a:fontRef>
-        </p:style>
-        <p:txBody>
-          <a:bodyPr rtlCol="0" anchor="ctr"/>
-          <a:lstStyle/>
-          <a:p>
-            <a:r>
-              <a:rPr lang="en-US" dirty="0">
-                <a:solidFill>
-                  <a:schemeClr val="tx1"/>
-                </a:solidFill>
-                <a:latin typeface="Courier New" panose="02070309020205020404" pitchFamily="49" charset="0"/>
-                <a:cs typeface="Courier New" panose="02070309020205020404" pitchFamily="49" charset="0"/>
-              </a:rPr>
-              <a:t>above</a:t>
-            </a:r>
-          </a:p>
-        </p:txBody>
-      </p:sp>
-      <p:sp>
-        <p:nvSpPr>
-          <p:cNvPr id="37" name="Rectangle 36">
-            <a:extLst>
-              <a:ext uri="{FF2B5EF4-FFF2-40B4-BE49-F238E27FC236}">
-                <a16:creationId xmlns:a16="http://schemas.microsoft.com/office/drawing/2014/main" id="{CA5864DE-9085-85DB-B0CC-122B75B9C1DF}"/>
-              </a:ext>
-            </a:extLst>
-          </p:cNvPr>
-          <p:cNvSpPr/>
-          <p:nvPr/>
-        </p:nvSpPr>
-        <p:spPr>
-          <a:xfrm>
-            <a:off x="10907468" y="3067888"/>
-            <a:ext cx="557284" cy="432707"/>
-          </a:xfrm>
-          <a:prstGeom prst="rect">
-            <a:avLst/>
-          </a:prstGeom>
-          <a:solidFill>
-            <a:schemeClr val="bg2"/>
-          </a:solidFill>
-          <a:ln w="28575"/>
-        </p:spPr>
-        <p:style>
-          <a:lnRef idx="2">
-            <a:schemeClr val="accent1">
-              <a:shade val="50000"/>
-            </a:schemeClr>
-          </a:lnRef>
-          <a:fillRef idx="1">
-            <a:schemeClr val="accent1"/>
-          </a:fillRef>
-          <a:effectRef idx="0">
-            <a:schemeClr val="accent1"/>
-          </a:effectRef>
-          <a:fontRef idx="minor">
-            <a:schemeClr val="lt1"/>
-          </a:fontRef>
-        </p:style>
-        <p:txBody>
-          <a:bodyPr rtlCol="0" anchor="ctr"/>
-          <a:lstStyle/>
-          <a:p>
-            <a:pPr algn="ctr"/>
-            <a:r>
-              <a:rPr lang="en-US" dirty="0">
-                <a:solidFill>
-                  <a:schemeClr val="tx1"/>
-                </a:solidFill>
-              </a:rPr>
-              <a:t>2</a:t>
-            </a:r>
-          </a:p>
-        </p:txBody>
-      </p:sp>
-      <p:sp>
-        <p:nvSpPr>
-          <p:cNvPr id="38" name="Rectangle 37">
-            <a:extLst>
-              <a:ext uri="{FF2B5EF4-FFF2-40B4-BE49-F238E27FC236}">
-                <a16:creationId xmlns:a16="http://schemas.microsoft.com/office/drawing/2014/main" id="{3965DA6A-D0C1-66D5-6FA2-AA3AE1B1BB3C}"/>
-              </a:ext>
-            </a:extLst>
-          </p:cNvPr>
-          <p:cNvSpPr/>
-          <p:nvPr/>
-        </p:nvSpPr>
-        <p:spPr>
-          <a:xfrm>
-            <a:off x="9882541" y="2632791"/>
-            <a:ext cx="1582208" cy="432707"/>
-          </a:xfrm>
-          <a:prstGeom prst="rect">
-            <a:avLst/>
-          </a:prstGeom>
-          <a:solidFill>
-            <a:schemeClr val="bg1"/>
-          </a:solidFill>
-          <a:ln w="28575"/>
-        </p:spPr>
-        <p:style>
-          <a:lnRef idx="2">
-            <a:schemeClr val="accent1">
-              <a:shade val="50000"/>
-            </a:schemeClr>
-          </a:lnRef>
-          <a:fillRef idx="1">
-            <a:schemeClr val="accent1"/>
-          </a:fillRef>
-          <a:effectRef idx="0">
-            <a:schemeClr val="accent1"/>
-          </a:effectRef>
-          <a:fontRef idx="minor">
-            <a:schemeClr val="lt1"/>
-          </a:fontRef>
-        </p:style>
-        <p:txBody>
-          <a:bodyPr rtlCol="0" anchor="ctr"/>
-          <a:lstStyle/>
-          <a:p>
-            <a:r>
-              <a:rPr lang="en-US" dirty="0">
-                <a:solidFill>
-                  <a:schemeClr val="tx1"/>
-                </a:solidFill>
-                <a:latin typeface="Courier New" panose="02070309020205020404" pitchFamily="49" charset="0"/>
-                <a:cs typeface="Courier New" panose="02070309020205020404" pitchFamily="49" charset="0"/>
-              </a:rPr>
-              <a:t>below</a:t>
-            </a:r>
-          </a:p>
-        </p:txBody>
-      </p:sp>
-      <p:sp>
-        <p:nvSpPr>
-          <p:cNvPr id="39" name="Rectangle 38">
-            <a:extLst>
-              <a:ext uri="{FF2B5EF4-FFF2-40B4-BE49-F238E27FC236}">
-                <a16:creationId xmlns:a16="http://schemas.microsoft.com/office/drawing/2014/main" id="{71668F5E-B312-242A-4FE9-C821E9758391}"/>
-              </a:ext>
-            </a:extLst>
-          </p:cNvPr>
-          <p:cNvSpPr/>
-          <p:nvPr/>
-        </p:nvSpPr>
-        <p:spPr>
-          <a:xfrm>
-            <a:off x="10907464" y="2632791"/>
-            <a:ext cx="557284" cy="432707"/>
-          </a:xfrm>
-          <a:prstGeom prst="rect">
-            <a:avLst/>
-          </a:prstGeom>
-          <a:solidFill>
-            <a:schemeClr val="bg2"/>
-          </a:solidFill>
-          <a:ln w="28575"/>
-        </p:spPr>
-        <p:style>
-          <a:lnRef idx="2">
-            <a:schemeClr val="accent1">
-              <a:shade val="50000"/>
-            </a:schemeClr>
-          </a:lnRef>
-          <a:fillRef idx="1">
-            <a:schemeClr val="accent1"/>
-          </a:fillRef>
-          <a:effectRef idx="0">
-            <a:schemeClr val="accent1"/>
-          </a:effectRef>
-          <a:fontRef idx="minor">
-            <a:schemeClr val="lt1"/>
-          </a:fontRef>
-        </p:style>
-        <p:txBody>
-          <a:bodyPr rtlCol="0" anchor="ctr"/>
-          <a:lstStyle/>
-          <a:p>
-            <a:pPr algn="ctr"/>
-            <a:r>
-              <a:rPr lang="en-US" dirty="0">
-                <a:solidFill>
-                  <a:schemeClr val="tx1"/>
-                </a:solidFill>
-              </a:rPr>
-              <a:t>1</a:t>
-            </a:r>
-          </a:p>
-        </p:txBody>
-      </p:sp>
-      <p:sp>
-        <p:nvSpPr>
-          <p:cNvPr id="40" name="Rectangle 39">
-            <a:extLst>
-              <a:ext uri="{FF2B5EF4-FFF2-40B4-BE49-F238E27FC236}">
-                <a16:creationId xmlns:a16="http://schemas.microsoft.com/office/drawing/2014/main" id="{7B7C6208-C68E-E35E-52A5-0452CB36E702}"/>
-              </a:ext>
-            </a:extLst>
-          </p:cNvPr>
-          <p:cNvSpPr/>
-          <p:nvPr/>
-        </p:nvSpPr>
-        <p:spPr>
-          <a:xfrm>
-            <a:off x="9882535" y="2205177"/>
-            <a:ext cx="1582208" cy="432707"/>
-          </a:xfrm>
-          <a:prstGeom prst="rect">
-            <a:avLst/>
-          </a:prstGeom>
-          <a:solidFill>
-            <a:schemeClr val="bg1"/>
-          </a:solidFill>
-          <a:ln w="28575"/>
-        </p:spPr>
-        <p:style>
-          <a:lnRef idx="2">
-            <a:schemeClr val="accent1">
-              <a:shade val="50000"/>
-            </a:schemeClr>
-          </a:lnRef>
-          <a:fillRef idx="1">
-            <a:schemeClr val="accent1"/>
-          </a:fillRef>
-          <a:effectRef idx="0">
-            <a:schemeClr val="accent1"/>
-          </a:effectRef>
-          <a:fontRef idx="minor">
-            <a:schemeClr val="lt1"/>
-          </a:fontRef>
-        </p:style>
-        <p:txBody>
-          <a:bodyPr rtlCol="0" anchor="ctr"/>
-          <a:lstStyle/>
-          <a:p>
-            <a:r>
-              <a:rPr lang="en-US" dirty="0">
-                <a:solidFill>
-                  <a:schemeClr val="tx1"/>
-                </a:solidFill>
-                <a:latin typeface="Courier New" panose="02070309020205020404" pitchFamily="49" charset="0"/>
-                <a:cs typeface="Courier New" panose="02070309020205020404" pitchFamily="49" charset="0"/>
-              </a:rPr>
-              <a:t>sum</a:t>
-            </a:r>
-          </a:p>
-        </p:txBody>
-      </p:sp>
-      <p:sp>
-        <p:nvSpPr>
-          <p:cNvPr id="41" name="Rectangle 40">
-            <a:extLst>
-              <a:ext uri="{FF2B5EF4-FFF2-40B4-BE49-F238E27FC236}">
-                <a16:creationId xmlns:a16="http://schemas.microsoft.com/office/drawing/2014/main" id="{11EA6888-C86A-E939-2828-B5BE24AD21BF}"/>
-              </a:ext>
-            </a:extLst>
-          </p:cNvPr>
-          <p:cNvSpPr/>
-          <p:nvPr/>
-        </p:nvSpPr>
-        <p:spPr>
-          <a:xfrm>
-            <a:off x="10907458" y="2205177"/>
-            <a:ext cx="557284" cy="432707"/>
-          </a:xfrm>
-          <a:prstGeom prst="rect">
-            <a:avLst/>
-          </a:prstGeom>
-          <a:solidFill>
-            <a:schemeClr val="bg2"/>
-          </a:solidFill>
-          <a:ln w="28575"/>
-        </p:spPr>
-        <p:style>
-          <a:lnRef idx="2">
-            <a:schemeClr val="accent1">
-              <a:shade val="50000"/>
-            </a:schemeClr>
-          </a:lnRef>
-          <a:fillRef idx="1">
-            <a:schemeClr val="accent1"/>
-          </a:fillRef>
-          <a:effectRef idx="0">
-            <a:schemeClr val="accent1"/>
-          </a:effectRef>
-          <a:fontRef idx="minor">
-            <a:schemeClr val="lt1"/>
-          </a:fontRef>
-        </p:style>
-        <p:txBody>
-          <a:bodyPr rtlCol="0" anchor="ctr"/>
-          <a:lstStyle/>
-          <a:p>
-            <a:pPr algn="ctr"/>
-            <a:r>
-              <a:rPr lang="en-US" dirty="0">
-                <a:solidFill>
-                  <a:schemeClr val="tx1"/>
-                </a:solidFill>
-              </a:rPr>
-              <a:t>1</a:t>
-            </a:r>
-          </a:p>
-        </p:txBody>
-      </p:sp>
-      <p:sp>
-        <p:nvSpPr>
-          <p:cNvPr id="42" name="Rectangle 41">
-            <a:extLst>
-              <a:ext uri="{FF2B5EF4-FFF2-40B4-BE49-F238E27FC236}">
-                <a16:creationId xmlns:a16="http://schemas.microsoft.com/office/drawing/2014/main" id="{7FA4D62A-4A2A-B3B3-0FFA-F2FCA4922B0C}"/>
-              </a:ext>
-            </a:extLst>
-          </p:cNvPr>
-          <p:cNvSpPr/>
-          <p:nvPr/>
-        </p:nvSpPr>
-        <p:spPr>
-          <a:xfrm>
-            <a:off x="9882523" y="1768729"/>
-            <a:ext cx="1582208" cy="432707"/>
-          </a:xfrm>
-          <a:prstGeom prst="rect">
-            <a:avLst/>
-          </a:prstGeom>
-          <a:solidFill>
-            <a:schemeClr val="bg1"/>
-          </a:solidFill>
-          <a:ln w="28575"/>
-        </p:spPr>
-        <p:style>
-          <a:lnRef idx="2">
-            <a:schemeClr val="accent1">
-              <a:shade val="50000"/>
-            </a:schemeClr>
-          </a:lnRef>
-          <a:fillRef idx="1">
-            <a:schemeClr val="accent1"/>
-          </a:fillRef>
-          <a:effectRef idx="0">
-            <a:schemeClr val="accent1"/>
-          </a:effectRef>
-          <a:fontRef idx="minor">
-            <a:schemeClr val="lt1"/>
-          </a:fontRef>
-        </p:style>
-        <p:txBody>
-          <a:bodyPr rtlCol="0" anchor="ctr"/>
-          <a:lstStyle/>
-          <a:p>
-            <a:r>
-              <a:rPr lang="en-US" dirty="0" err="1">
-                <a:solidFill>
-                  <a:schemeClr val="tx1"/>
-                </a:solidFill>
-                <a:latin typeface="Courier New" panose="02070309020205020404" pitchFamily="49" charset="0"/>
-                <a:cs typeface="Courier New" panose="02070309020205020404" pitchFamily="49" charset="0"/>
-              </a:rPr>
-              <a:t>retval</a:t>
-            </a:r>
-            <a:endParaRPr lang="en-US" dirty="0">
-              <a:solidFill>
-                <a:schemeClr val="tx1"/>
-              </a:solidFill>
-              <a:latin typeface="Courier New" panose="02070309020205020404" pitchFamily="49" charset="0"/>
-              <a:cs typeface="Courier New" panose="02070309020205020404" pitchFamily="49" charset="0"/>
-            </a:endParaRPr>
-          </a:p>
-        </p:txBody>
-      </p:sp>
-      <p:sp>
-        <p:nvSpPr>
-          <p:cNvPr id="43" name="Rectangle 42">
-            <a:extLst>
-              <a:ext uri="{FF2B5EF4-FFF2-40B4-BE49-F238E27FC236}">
-                <a16:creationId xmlns:a16="http://schemas.microsoft.com/office/drawing/2014/main" id="{747B482E-868B-B0DA-01CE-E3DB19484E9C}"/>
-              </a:ext>
-            </a:extLst>
-          </p:cNvPr>
-          <p:cNvSpPr/>
-          <p:nvPr/>
-        </p:nvSpPr>
-        <p:spPr>
-          <a:xfrm>
-            <a:off x="10907446" y="1768729"/>
-            <a:ext cx="557284" cy="432707"/>
-          </a:xfrm>
-          <a:prstGeom prst="rect">
-            <a:avLst/>
-          </a:prstGeom>
-          <a:solidFill>
-            <a:schemeClr val="bg2"/>
-          </a:solidFill>
-          <a:ln w="28575"/>
-        </p:spPr>
-        <p:style>
-          <a:lnRef idx="2">
-            <a:schemeClr val="accent1">
-              <a:shade val="50000"/>
-            </a:schemeClr>
-          </a:lnRef>
-          <a:fillRef idx="1">
-            <a:schemeClr val="accent1"/>
-          </a:fillRef>
-          <a:effectRef idx="0">
-            <a:schemeClr val="accent1"/>
-          </a:effectRef>
-          <a:fontRef idx="minor">
-            <a:schemeClr val="lt1"/>
-          </a:fontRef>
-        </p:style>
-        <p:txBody>
-          <a:bodyPr rtlCol="0" anchor="ctr"/>
-          <a:lstStyle/>
-          <a:p>
-            <a:pPr algn="ctr"/>
-            <a:r>
-              <a:rPr lang="en-US" dirty="0">
-                <a:solidFill>
-                  <a:schemeClr val="tx1"/>
-                </a:solidFill>
-              </a:rPr>
-              <a:t>3</a:t>
-            </a:r>
-          </a:p>
-        </p:txBody>
-      </p:sp>
-      <p:sp>
-        <p:nvSpPr>
-          <p:cNvPr id="44" name="Up-Down Arrow 43">
-            <a:extLst>
-              <a:ext uri="{FF2B5EF4-FFF2-40B4-BE49-F238E27FC236}">
-                <a16:creationId xmlns:a16="http://schemas.microsoft.com/office/drawing/2014/main" id="{FD251668-E1DC-9262-BEC4-4E07C8BFAF76}"/>
-              </a:ext>
-            </a:extLst>
-          </p:cNvPr>
-          <p:cNvSpPr/>
-          <p:nvPr/>
-        </p:nvSpPr>
-        <p:spPr>
-          <a:xfrm>
-            <a:off x="10487317" y="671164"/>
-            <a:ext cx="372619" cy="813054"/>
-          </a:xfrm>
-          <a:prstGeom prst="upDownArrow">
-            <a:avLst/>
-          </a:prstGeom>
-        </p:spPr>
-        <p:style>
-          <a:lnRef idx="2">
-            <a:schemeClr val="accent1">
-              <a:shade val="50000"/>
-            </a:schemeClr>
-          </a:lnRef>
-          <a:fillRef idx="1">
-            <a:schemeClr val="accent1"/>
-          </a:fillRef>
-          <a:effectRef idx="0">
-            <a:schemeClr val="accent1"/>
-          </a:effectRef>
-          <a:fontRef idx="minor">
-            <a:schemeClr val="lt1"/>
-          </a:fontRef>
-        </p:style>
-        <p:txBody>
-          <a:bodyPr rtlCol="0" anchor="ctr"/>
-          <a:lstStyle/>
-          <a:p>
-            <a:pPr algn="ctr"/>
-            <a:endParaRPr lang="en-US"/>
-          </a:p>
-        </p:txBody>
-      </p:sp>
-      <p:sp>
-        <p:nvSpPr>
-          <p:cNvPr id="47" name="TextBox 46">
-            <a:extLst>
-              <a:ext uri="{FF2B5EF4-FFF2-40B4-BE49-F238E27FC236}">
-                <a16:creationId xmlns:a16="http://schemas.microsoft.com/office/drawing/2014/main" id="{88BC09AA-EAEF-88EA-A136-E9913AE4C91A}"/>
-              </a:ext>
-            </a:extLst>
-          </p:cNvPr>
-          <p:cNvSpPr txBox="1"/>
-          <p:nvPr/>
-        </p:nvSpPr>
-        <p:spPr>
-          <a:xfrm>
-            <a:off x="8598630" y="-1296751"/>
-            <a:ext cx="736164" cy="400110"/>
-          </a:xfrm>
-          <a:prstGeom prst="rect">
-            <a:avLst/>
-          </a:prstGeom>
-          <a:noFill/>
-        </p:spPr>
-        <p:txBody>
-          <a:bodyPr wrap="none" rtlCol="0">
-            <a:spAutoFit/>
-          </a:bodyPr>
-          <a:lstStyle/>
-          <a:p>
-            <a:r>
-              <a:rPr lang="en-US" sz="2000" dirty="0"/>
-              <a:t>Stack</a:t>
-            </a:r>
-          </a:p>
-        </p:txBody>
-      </p:sp>
-      <p:sp>
-        <p:nvSpPr>
-          <p:cNvPr id="49" name="Left Brace 48">
-            <a:extLst>
-              <a:ext uri="{FF2B5EF4-FFF2-40B4-BE49-F238E27FC236}">
-                <a16:creationId xmlns:a16="http://schemas.microsoft.com/office/drawing/2014/main" id="{159C5051-B880-BA2D-2E8C-6EB74D29B90B}"/>
-              </a:ext>
-            </a:extLst>
-          </p:cNvPr>
-          <p:cNvSpPr/>
-          <p:nvPr/>
-        </p:nvSpPr>
-        <p:spPr>
-          <a:xfrm>
-            <a:off x="9363486" y="1768729"/>
-            <a:ext cx="470677" cy="1731866"/>
-          </a:xfrm>
-          <a:prstGeom prst="leftBrace">
-            <a:avLst/>
-          </a:prstGeom>
-          <a:ln w="28575">
-            <a:solidFill>
-              <a:srgbClr val="3EFEFF"/>
-            </a:solidFill>
-          </a:ln>
-        </p:spPr>
-        <p:style>
-          <a:lnRef idx="1">
-            <a:schemeClr val="accent1"/>
-          </a:lnRef>
-          <a:fillRef idx="0">
-            <a:schemeClr val="accent1"/>
-          </a:fillRef>
-          <a:effectRef idx="0">
-            <a:schemeClr val="accent1"/>
-          </a:effectRef>
-          <a:fontRef idx="minor">
-            <a:schemeClr val="tx1"/>
-          </a:fontRef>
-        </p:style>
-        <p:txBody>
-          <a:bodyPr rtlCol="0" anchor="ctr"/>
-          <a:lstStyle/>
-          <a:p>
-            <a:pPr algn="ctr"/>
-            <a:endParaRPr lang="en-US"/>
-          </a:p>
-        </p:txBody>
-      </p:sp>
-      <p:sp>
-        <p:nvSpPr>
-          <p:cNvPr id="50" name="TextBox 49">
-            <a:extLst>
-              <a:ext uri="{FF2B5EF4-FFF2-40B4-BE49-F238E27FC236}">
-                <a16:creationId xmlns:a16="http://schemas.microsoft.com/office/drawing/2014/main" id="{DAD72D46-3BA1-CAB2-D1EE-E25091E387F5}"/>
-              </a:ext>
-            </a:extLst>
-          </p:cNvPr>
-          <p:cNvSpPr txBox="1"/>
-          <p:nvPr/>
-        </p:nvSpPr>
-        <p:spPr>
-          <a:xfrm>
-            <a:off x="293915" y="6338986"/>
-            <a:ext cx="1382485" cy="307777"/>
-          </a:xfrm>
-          <a:prstGeom prst="rect">
-            <a:avLst/>
-          </a:prstGeom>
-          <a:noFill/>
-        </p:spPr>
-        <p:txBody>
-          <a:bodyPr wrap="square">
-            <a:spAutoFit/>
-          </a:bodyPr>
-          <a:lstStyle/>
-          <a:p>
-            <a:r>
-              <a:rPr lang="en-US" sz="1400" b="1" dirty="0">
-                <a:solidFill>
-                  <a:srgbClr val="000000"/>
-                </a:solidFill>
-                <a:latin typeface="Menlo" panose="020B0609030804020204" pitchFamily="49" charset="0"/>
-              </a:rPr>
-              <a:t>kr_04_03.c</a:t>
-            </a:r>
-          </a:p>
-        </p:txBody>
-      </p:sp>
-      <p:sp>
-        <p:nvSpPr>
-          <p:cNvPr id="2" name="TextBox 1">
-            <a:extLst>
-              <a:ext uri="{FF2B5EF4-FFF2-40B4-BE49-F238E27FC236}">
-                <a16:creationId xmlns:a16="http://schemas.microsoft.com/office/drawing/2014/main" id="{D8B55B4B-9419-C5EF-5C3B-DDA468146540}"/>
-              </a:ext>
-            </a:extLst>
-          </p:cNvPr>
-          <p:cNvSpPr txBox="1"/>
-          <p:nvPr/>
-        </p:nvSpPr>
-        <p:spPr>
-          <a:xfrm>
-            <a:off x="8798708" y="1878270"/>
-            <a:ext cx="800116" cy="646331"/>
-          </a:xfrm>
-          <a:prstGeom prst="rect">
-            <a:avLst/>
-          </a:prstGeom>
-          <a:noFill/>
-        </p:spPr>
-        <p:txBody>
-          <a:bodyPr wrap="square" rtlCol="0">
-            <a:spAutoFit/>
-          </a:bodyPr>
-          <a:lstStyle/>
+                  <a:srgbClr val="FF0000"/>
+                </a:solidFill>
+              </a:rPr>
+              <a:t>you as to the applications of recursion</a:t>
+            </a:r>
+          </a:p>
           <a:p>
             <a:r>
               <a:rPr lang="en-US" dirty="0"/>
-              <a:t>stack</a:t>
-            </a:r>
-          </a:p>
-          <a:p>
-            <a:r>
-              <a:rPr lang="en-US" dirty="0"/>
-              <a:t>frame</a:t>
+              <a:t>We just want to see how a call stack makes recursion possible</a:t>
             </a:r>
           </a:p>
         </p:txBody>
@@ -8242,7 +6524,7 @@
     </p:spTree>
     <p:extLst>
       <p:ext uri="{BB962C8B-B14F-4D97-AF65-F5344CB8AC3E}">
-        <p14:creationId xmlns:p14="http://schemas.microsoft.com/office/powerpoint/2010/main" val="3469691239"/>
+        <p14:creationId xmlns:p14="http://schemas.microsoft.com/office/powerpoint/2010/main" val="1546743805"/>
       </p:ext>
     </p:extLst>
   </p:cSld>
@@ -8271,100 +6553,10 @@
       </p:grpSpPr>
       <p:sp>
         <p:nvSpPr>
-          <p:cNvPr id="2" name="Title 1">
-            <a:extLst>
-              <a:ext uri="{FF2B5EF4-FFF2-40B4-BE49-F238E27FC236}">
-                <a16:creationId xmlns:a16="http://schemas.microsoft.com/office/drawing/2014/main" id="{A873E460-3B9E-0C94-30C0-5AA55AAF307F}"/>
-              </a:ext>
-            </a:extLst>
-          </p:cNvPr>
-          <p:cNvSpPr>
-            <a:spLocks noGrp="1"/>
-          </p:cNvSpPr>
-          <p:nvPr>
-            <p:ph type="title"/>
-          </p:nvPr>
-        </p:nvSpPr>
-        <p:spPr/>
-        <p:txBody>
-          <a:bodyPr/>
-          <a:lstStyle/>
-          <a:p>
-            <a:r>
-              <a:rPr lang="en-US" dirty="0"/>
-              <a:t>The C Pre Processor</a:t>
-            </a:r>
-          </a:p>
-        </p:txBody>
-      </p:sp>
-      <p:sp>
-        <p:nvSpPr>
-          <p:cNvPr id="3" name="Content Placeholder 2">
-            <a:extLst>
-              <a:ext uri="{FF2B5EF4-FFF2-40B4-BE49-F238E27FC236}">
-                <a16:creationId xmlns:a16="http://schemas.microsoft.com/office/drawing/2014/main" id="{D4AF128A-08B5-673B-CFE8-E3156CD0D2DB}"/>
-              </a:ext>
-            </a:extLst>
-          </p:cNvPr>
-          <p:cNvSpPr>
-            <a:spLocks noGrp="1"/>
-          </p:cNvSpPr>
-          <p:nvPr>
-            <p:ph idx="1"/>
-          </p:nvPr>
-        </p:nvSpPr>
-        <p:spPr/>
-        <p:txBody>
-          <a:bodyPr/>
-          <a:lstStyle/>
-          <a:p>
-            <a:r>
-              <a:rPr lang="en-US" dirty="0"/>
-              <a:t>While C solved many of the problems that led to the ability to build portable applications, things were always in flux</a:t>
-            </a:r>
-          </a:p>
-          <a:p>
-            <a:pPr lvl="1"/>
-            <a:r>
-              <a:rPr lang="en-US" dirty="0"/>
-              <a:t>Language evolution</a:t>
-            </a:r>
-          </a:p>
-          <a:p>
-            <a:pPr lvl="1"/>
-            <a:r>
-              <a:rPr lang="en-US" dirty="0"/>
-              <a:t>Library evolution</a:t>
-            </a:r>
-          </a:p>
-          <a:p>
-            <a:pPr lvl="1"/>
-            <a:r>
-              <a:rPr lang="en-US" dirty="0"/>
-              <a:t>Hardware evolution</a:t>
-            </a:r>
-          </a:p>
-          <a:p>
-            <a:pPr lvl="1"/>
-            <a:r>
-              <a:rPr lang="en-US" dirty="0"/>
-              <a:t>Operating system evolution</a:t>
-            </a:r>
-          </a:p>
-          <a:p>
-            <a:r>
-              <a:rPr lang="en-US" dirty="0"/>
-              <a:t>The pre-processor allowed for adjusting to these changes without breaking backwards compatibility</a:t>
-            </a:r>
-          </a:p>
-        </p:txBody>
-      </p:sp>
-      <p:sp>
-        <p:nvSpPr>
           <p:cNvPr id="4" name="TextBox 3">
             <a:extLst>
               <a:ext uri="{FF2B5EF4-FFF2-40B4-BE49-F238E27FC236}">
-                <a16:creationId xmlns:a16="http://schemas.microsoft.com/office/drawing/2014/main" id="{708BFAEA-8CE0-231F-3768-5E876AE8E7FA}"/>
+                <a16:creationId xmlns:a16="http://schemas.microsoft.com/office/drawing/2014/main" id="{9F3DE9A5-5B3D-0E5C-4BB2-78BFAEA0000F}"/>
               </a:ext>
             </a:extLst>
           </p:cNvPr>
@@ -8373,8 +6565,1850 @@
         </p:nvSpPr>
         <p:spPr>
           <a:xfrm>
-            <a:off x="4995417" y="5388570"/>
-            <a:ext cx="6825343" cy="923330"/>
+            <a:off x="727223" y="674400"/>
+            <a:ext cx="5368777" cy="5509200"/>
+          </a:xfrm>
+          <a:prstGeom prst="rect">
+            <a:avLst/>
+          </a:prstGeom>
+          <a:noFill/>
+        </p:spPr>
+        <p:txBody>
+          <a:bodyPr wrap="none" rtlCol="0">
+            <a:spAutoFit/>
+          </a:bodyPr>
+          <a:lstStyle/>
+          <a:p>
+            <a:r>
+              <a:rPr lang="en-US" sz="1600" b="1" dirty="0">
+                <a:latin typeface="Courier New" panose="02070309020205020404" pitchFamily="49" charset="0"/>
+                <a:cs typeface="Courier New" panose="02070309020205020404" pitchFamily="49" charset="0"/>
+              </a:rPr>
+              <a:t>int </a:t>
+            </a:r>
+            <a:r>
+              <a:rPr lang="en-US" sz="1600" b="1" dirty="0" err="1">
+                <a:latin typeface="Courier New" panose="02070309020205020404" pitchFamily="49" charset="0"/>
+                <a:cs typeface="Courier New" panose="02070309020205020404" pitchFamily="49" charset="0"/>
+              </a:rPr>
+              <a:t>sumup</a:t>
+            </a:r>
+            <a:r>
+              <a:rPr lang="en-US" sz="1600" b="1" dirty="0">
+                <a:latin typeface="Courier New" panose="02070309020205020404" pitchFamily="49" charset="0"/>
+                <a:cs typeface="Courier New" panose="02070309020205020404" pitchFamily="49" charset="0"/>
+              </a:rPr>
+              <a:t>(int above)</a:t>
+            </a:r>
+          </a:p>
+          <a:p>
+            <a:r>
+              <a:rPr lang="en-US" sz="1600" b="1" dirty="0">
+                <a:latin typeface="Courier New" panose="02070309020205020404" pitchFamily="49" charset="0"/>
+                <a:cs typeface="Courier New" panose="02070309020205020404" pitchFamily="49" charset="0"/>
+              </a:rPr>
+              <a:t>{   </a:t>
+            </a:r>
+          </a:p>
+          <a:p>
+            <a:r>
+              <a:rPr lang="en-US" sz="1600" b="1" dirty="0">
+                <a:latin typeface="Courier New" panose="02070309020205020404" pitchFamily="49" charset="0"/>
+                <a:cs typeface="Courier New" panose="02070309020205020404" pitchFamily="49" charset="0"/>
+              </a:rPr>
+              <a:t>    int below;</a:t>
+            </a:r>
+          </a:p>
+          <a:p>
+            <a:r>
+              <a:rPr lang="en-US" sz="1600" b="1" dirty="0">
+                <a:latin typeface="Courier New" panose="02070309020205020404" pitchFamily="49" charset="0"/>
+                <a:cs typeface="Courier New" panose="02070309020205020404" pitchFamily="49" charset="0"/>
+              </a:rPr>
+              <a:t>    int sum;</a:t>
+            </a:r>
+          </a:p>
+          <a:p>
+            <a:r>
+              <a:rPr lang="en-US" sz="1600" b="1" dirty="0">
+                <a:latin typeface="Courier New" panose="02070309020205020404" pitchFamily="49" charset="0"/>
+                <a:cs typeface="Courier New" panose="02070309020205020404" pitchFamily="49" charset="0"/>
+              </a:rPr>
+              <a:t>    int </a:t>
+            </a:r>
+            <a:r>
+              <a:rPr lang="en-US" sz="1600" b="1" dirty="0" err="1">
+                <a:latin typeface="Courier New" panose="02070309020205020404" pitchFamily="49" charset="0"/>
+                <a:cs typeface="Courier New" panose="02070309020205020404" pitchFamily="49" charset="0"/>
+              </a:rPr>
+              <a:t>retval</a:t>
+            </a:r>
+            <a:r>
+              <a:rPr lang="en-US" sz="1600" b="1" dirty="0">
+                <a:latin typeface="Courier New" panose="02070309020205020404" pitchFamily="49" charset="0"/>
+                <a:cs typeface="Courier New" panose="02070309020205020404" pitchFamily="49" charset="0"/>
+              </a:rPr>
+              <a:t>;</a:t>
+            </a:r>
+          </a:p>
+          <a:p>
+            <a:endParaRPr lang="en-US" sz="1600" b="1" dirty="0">
+              <a:latin typeface="Courier New" panose="02070309020205020404" pitchFamily="49" charset="0"/>
+              <a:cs typeface="Courier New" panose="02070309020205020404" pitchFamily="49" charset="0"/>
+            </a:endParaRPr>
+          </a:p>
+          <a:p>
+            <a:r>
+              <a:rPr lang="en-US" sz="1600" b="1" dirty="0">
+                <a:latin typeface="Courier New" panose="02070309020205020404" pitchFamily="49" charset="0"/>
+                <a:cs typeface="Courier New" panose="02070309020205020404" pitchFamily="49" charset="0"/>
+              </a:rPr>
+              <a:t>    </a:t>
+            </a:r>
+            <a:r>
+              <a:rPr lang="en-US" sz="1600" b="1" dirty="0" err="1">
+                <a:latin typeface="Courier New" panose="02070309020205020404" pitchFamily="49" charset="0"/>
+                <a:cs typeface="Courier New" panose="02070309020205020404" pitchFamily="49" charset="0"/>
+              </a:rPr>
+              <a:t>printf</a:t>
+            </a:r>
+            <a:r>
+              <a:rPr lang="en-US" sz="1600" b="1" dirty="0">
+                <a:latin typeface="Courier New" panose="02070309020205020404" pitchFamily="49" charset="0"/>
+                <a:cs typeface="Courier New" panose="02070309020205020404" pitchFamily="49" charset="0"/>
+              </a:rPr>
+              <a:t>("In: %d\</a:t>
+            </a:r>
+            <a:r>
+              <a:rPr lang="en-US" sz="1600" b="1" dirty="0" err="1">
+                <a:latin typeface="Courier New" panose="02070309020205020404" pitchFamily="49" charset="0"/>
+                <a:cs typeface="Courier New" panose="02070309020205020404" pitchFamily="49" charset="0"/>
+              </a:rPr>
+              <a:t>n",above</a:t>
+            </a:r>
+            <a:r>
+              <a:rPr lang="en-US" sz="1600" b="1" dirty="0">
+                <a:latin typeface="Courier New" panose="02070309020205020404" pitchFamily="49" charset="0"/>
+                <a:cs typeface="Courier New" panose="02070309020205020404" pitchFamily="49" charset="0"/>
+              </a:rPr>
+              <a:t>);</a:t>
+            </a:r>
+          </a:p>
+          <a:p>
+            <a:r>
+              <a:rPr lang="en-US" sz="1600" b="1" dirty="0">
+                <a:latin typeface="Courier New" panose="02070309020205020404" pitchFamily="49" charset="0"/>
+                <a:cs typeface="Courier New" panose="02070309020205020404" pitchFamily="49" charset="0"/>
+              </a:rPr>
+              <a:t>    if ( above &lt;= 1 ) return 1; // Stop </a:t>
+            </a:r>
+          </a:p>
+          <a:p>
+            <a:r>
+              <a:rPr lang="en-US" sz="1600" b="1" dirty="0">
+                <a:latin typeface="Courier New" panose="02070309020205020404" pitchFamily="49" charset="0"/>
+                <a:cs typeface="Courier New" panose="02070309020205020404" pitchFamily="49" charset="0"/>
+              </a:rPr>
+              <a:t>    below = above - 1;          </a:t>
+            </a:r>
+          </a:p>
+          <a:p>
+            <a:r>
+              <a:rPr lang="en-US" sz="1600" b="1" dirty="0">
+                <a:latin typeface="Courier New" panose="02070309020205020404" pitchFamily="49" charset="0"/>
+                <a:cs typeface="Courier New" panose="02070309020205020404" pitchFamily="49" charset="0"/>
+              </a:rPr>
+              <a:t>    </a:t>
+            </a:r>
+            <a:r>
+              <a:rPr lang="en-US" sz="1600" b="1" dirty="0" err="1">
+                <a:latin typeface="Courier New" panose="02070309020205020404" pitchFamily="49" charset="0"/>
+                <a:cs typeface="Courier New" panose="02070309020205020404" pitchFamily="49" charset="0"/>
+              </a:rPr>
+              <a:t>printf</a:t>
+            </a:r>
+            <a:r>
+              <a:rPr lang="en-US" sz="1600" b="1" dirty="0">
+                <a:latin typeface="Courier New" panose="02070309020205020404" pitchFamily="49" charset="0"/>
+                <a:cs typeface="Courier New" panose="02070309020205020404" pitchFamily="49" charset="0"/>
+              </a:rPr>
+              <a:t>("Down: %d\</a:t>
+            </a:r>
+            <a:r>
+              <a:rPr lang="en-US" sz="1600" b="1" dirty="0" err="1">
+                <a:latin typeface="Courier New" panose="02070309020205020404" pitchFamily="49" charset="0"/>
+                <a:cs typeface="Courier New" panose="02070309020205020404" pitchFamily="49" charset="0"/>
+              </a:rPr>
+              <a:t>n",below</a:t>
+            </a:r>
+            <a:r>
+              <a:rPr lang="en-US" sz="1600" b="1" dirty="0">
+                <a:latin typeface="Courier New" panose="02070309020205020404" pitchFamily="49" charset="0"/>
+                <a:cs typeface="Courier New" panose="02070309020205020404" pitchFamily="49" charset="0"/>
+              </a:rPr>
+              <a:t>);</a:t>
+            </a:r>
+          </a:p>
+          <a:p>
+            <a:r>
+              <a:rPr lang="en-US" sz="1600" b="1" dirty="0">
+                <a:latin typeface="Courier New" panose="02070309020205020404" pitchFamily="49" charset="0"/>
+                <a:cs typeface="Courier New" panose="02070309020205020404" pitchFamily="49" charset="0"/>
+              </a:rPr>
+              <a:t>    sum = </a:t>
+            </a:r>
+            <a:r>
+              <a:rPr lang="en-US" sz="1600" b="1" dirty="0" err="1">
+                <a:latin typeface="Courier New" panose="02070309020205020404" pitchFamily="49" charset="0"/>
+                <a:cs typeface="Courier New" panose="02070309020205020404" pitchFamily="49" charset="0"/>
+              </a:rPr>
+              <a:t>sumup</a:t>
+            </a:r>
+            <a:r>
+              <a:rPr lang="en-US" sz="1600" b="1" dirty="0">
+                <a:latin typeface="Courier New" panose="02070309020205020404" pitchFamily="49" charset="0"/>
+                <a:cs typeface="Courier New" panose="02070309020205020404" pitchFamily="49" charset="0"/>
+              </a:rPr>
+              <a:t>(below);         // Recurse</a:t>
+            </a:r>
+          </a:p>
+          <a:p>
+            <a:r>
+              <a:rPr lang="en-US" sz="1600" b="1" dirty="0">
+                <a:latin typeface="Courier New" panose="02070309020205020404" pitchFamily="49" charset="0"/>
+                <a:cs typeface="Courier New" panose="02070309020205020404" pitchFamily="49" charset="0"/>
+              </a:rPr>
+              <a:t>    </a:t>
+            </a:r>
+            <a:r>
+              <a:rPr lang="en-US" sz="1600" b="1" dirty="0" err="1">
+                <a:latin typeface="Courier New" panose="02070309020205020404" pitchFamily="49" charset="0"/>
+                <a:cs typeface="Courier New" panose="02070309020205020404" pitchFamily="49" charset="0"/>
+              </a:rPr>
+              <a:t>printf</a:t>
+            </a:r>
+            <a:r>
+              <a:rPr lang="en-US" sz="1600" b="1" dirty="0">
+                <a:latin typeface="Courier New" panose="02070309020205020404" pitchFamily="49" charset="0"/>
+                <a:cs typeface="Courier New" panose="02070309020205020404" pitchFamily="49" charset="0"/>
+              </a:rPr>
+              <a:t>("Back: %d\</a:t>
+            </a:r>
+            <a:r>
+              <a:rPr lang="en-US" sz="1600" b="1" dirty="0" err="1">
+                <a:latin typeface="Courier New" panose="02070309020205020404" pitchFamily="49" charset="0"/>
+                <a:cs typeface="Courier New" panose="02070309020205020404" pitchFamily="49" charset="0"/>
+              </a:rPr>
+              <a:t>n",sum</a:t>
+            </a:r>
+            <a:r>
+              <a:rPr lang="en-US" sz="1600" b="1" dirty="0">
+                <a:latin typeface="Courier New" panose="02070309020205020404" pitchFamily="49" charset="0"/>
+                <a:cs typeface="Courier New" panose="02070309020205020404" pitchFamily="49" charset="0"/>
+              </a:rPr>
+              <a:t>);</a:t>
+            </a:r>
+          </a:p>
+          <a:p>
+            <a:r>
+              <a:rPr lang="en-US" sz="1600" b="1" dirty="0">
+                <a:latin typeface="Courier New" panose="02070309020205020404" pitchFamily="49" charset="0"/>
+                <a:cs typeface="Courier New" panose="02070309020205020404" pitchFamily="49" charset="0"/>
+              </a:rPr>
+              <a:t>    </a:t>
+            </a:r>
+            <a:r>
+              <a:rPr lang="en-US" sz="1600" b="1" dirty="0" err="1">
+                <a:latin typeface="Courier New" panose="02070309020205020404" pitchFamily="49" charset="0"/>
+                <a:cs typeface="Courier New" panose="02070309020205020404" pitchFamily="49" charset="0"/>
+              </a:rPr>
+              <a:t>retval</a:t>
+            </a:r>
+            <a:r>
+              <a:rPr lang="en-US" sz="1600" b="1" dirty="0">
+                <a:latin typeface="Courier New" panose="02070309020205020404" pitchFamily="49" charset="0"/>
+                <a:cs typeface="Courier New" panose="02070309020205020404" pitchFamily="49" charset="0"/>
+              </a:rPr>
+              <a:t> = above + sum;</a:t>
+            </a:r>
+          </a:p>
+          <a:p>
+            <a:r>
+              <a:rPr lang="en-US" sz="1600" b="1" dirty="0">
+                <a:highlight>
+                  <a:srgbClr val="00FFFF"/>
+                </a:highlight>
+                <a:latin typeface="Courier New" panose="02070309020205020404" pitchFamily="49" charset="0"/>
+                <a:cs typeface="Courier New" panose="02070309020205020404" pitchFamily="49" charset="0"/>
+              </a:rPr>
+              <a:t>    </a:t>
+            </a:r>
+            <a:r>
+              <a:rPr lang="en-US" sz="1600" b="1" dirty="0" err="1">
+                <a:highlight>
+                  <a:srgbClr val="00FFFF"/>
+                </a:highlight>
+                <a:latin typeface="Courier New" panose="02070309020205020404" pitchFamily="49" charset="0"/>
+                <a:cs typeface="Courier New" panose="02070309020205020404" pitchFamily="49" charset="0"/>
+              </a:rPr>
+              <a:t>printf</a:t>
+            </a:r>
+            <a:r>
+              <a:rPr lang="en-US" sz="1600" b="1" dirty="0">
+                <a:highlight>
+                  <a:srgbClr val="00FFFF"/>
+                </a:highlight>
+                <a:latin typeface="Courier New" panose="02070309020205020404" pitchFamily="49" charset="0"/>
+                <a:cs typeface="Courier New" panose="02070309020205020404" pitchFamily="49" charset="0"/>
+              </a:rPr>
+              <a:t>(”Ret: %d\n",</a:t>
+            </a:r>
+            <a:r>
+              <a:rPr lang="en-US" sz="1600" b="1" dirty="0" err="1">
+                <a:highlight>
+                  <a:srgbClr val="00FFFF"/>
+                </a:highlight>
+                <a:latin typeface="Courier New" panose="02070309020205020404" pitchFamily="49" charset="0"/>
+                <a:cs typeface="Courier New" panose="02070309020205020404" pitchFamily="49" charset="0"/>
+              </a:rPr>
+              <a:t>retval</a:t>
+            </a:r>
+            <a:r>
+              <a:rPr lang="en-US" sz="1600" b="1" dirty="0">
+                <a:highlight>
+                  <a:srgbClr val="00FFFF"/>
+                </a:highlight>
+                <a:latin typeface="Courier New" panose="02070309020205020404" pitchFamily="49" charset="0"/>
+                <a:cs typeface="Courier New" panose="02070309020205020404" pitchFamily="49" charset="0"/>
+              </a:rPr>
+              <a:t>);</a:t>
+            </a:r>
+          </a:p>
+          <a:p>
+            <a:r>
+              <a:rPr lang="en-US" sz="1600" b="1" dirty="0">
+                <a:latin typeface="Courier New" panose="02070309020205020404" pitchFamily="49" charset="0"/>
+                <a:cs typeface="Courier New" panose="02070309020205020404" pitchFamily="49" charset="0"/>
+              </a:rPr>
+              <a:t>    return </a:t>
+            </a:r>
+            <a:r>
+              <a:rPr lang="en-US" sz="1600" b="1" dirty="0" err="1">
+                <a:latin typeface="Courier New" panose="02070309020205020404" pitchFamily="49" charset="0"/>
+                <a:cs typeface="Courier New" panose="02070309020205020404" pitchFamily="49" charset="0"/>
+              </a:rPr>
+              <a:t>retval</a:t>
+            </a:r>
+            <a:r>
+              <a:rPr lang="en-US" sz="1600" b="1" dirty="0">
+                <a:latin typeface="Courier New" panose="02070309020205020404" pitchFamily="49" charset="0"/>
+                <a:cs typeface="Courier New" panose="02070309020205020404" pitchFamily="49" charset="0"/>
+              </a:rPr>
+              <a:t>;</a:t>
+            </a:r>
+          </a:p>
+          <a:p>
+            <a:r>
+              <a:rPr lang="en-US" sz="1600" b="1" dirty="0">
+                <a:latin typeface="Courier New" panose="02070309020205020404" pitchFamily="49" charset="0"/>
+                <a:cs typeface="Courier New" panose="02070309020205020404" pitchFamily="49" charset="0"/>
+              </a:rPr>
+              <a:t>}   </a:t>
+            </a:r>
+          </a:p>
+          <a:p>
+            <a:endParaRPr lang="en-US" sz="1600" b="1" dirty="0">
+              <a:latin typeface="Courier New" panose="02070309020205020404" pitchFamily="49" charset="0"/>
+              <a:cs typeface="Courier New" panose="02070309020205020404" pitchFamily="49" charset="0"/>
+            </a:endParaRPr>
+          </a:p>
+          <a:p>
+            <a:r>
+              <a:rPr lang="en-US" sz="1600" b="1" dirty="0">
+                <a:latin typeface="Courier New" panose="02070309020205020404" pitchFamily="49" charset="0"/>
+                <a:cs typeface="Courier New" panose="02070309020205020404" pitchFamily="49" charset="0"/>
+              </a:rPr>
+              <a:t>int main() </a:t>
+            </a:r>
+          </a:p>
+          <a:p>
+            <a:r>
+              <a:rPr lang="en-US" sz="1600" b="1" dirty="0">
+                <a:latin typeface="Courier New" panose="02070309020205020404" pitchFamily="49" charset="0"/>
+                <a:cs typeface="Courier New" panose="02070309020205020404" pitchFamily="49" charset="0"/>
+              </a:rPr>
+              <a:t>{   </a:t>
+            </a:r>
+          </a:p>
+          <a:p>
+            <a:r>
+              <a:rPr lang="en-US" sz="1600" b="1" dirty="0">
+                <a:latin typeface="Courier New" panose="02070309020205020404" pitchFamily="49" charset="0"/>
+                <a:cs typeface="Courier New" panose="02070309020205020404" pitchFamily="49" charset="0"/>
+              </a:rPr>
+              <a:t>    int sup = </a:t>
+            </a:r>
+            <a:r>
+              <a:rPr lang="en-US" sz="1600" b="1" dirty="0" err="1">
+                <a:latin typeface="Courier New" panose="02070309020205020404" pitchFamily="49" charset="0"/>
+                <a:cs typeface="Courier New" panose="02070309020205020404" pitchFamily="49" charset="0"/>
+              </a:rPr>
+              <a:t>sumup</a:t>
+            </a:r>
+            <a:r>
+              <a:rPr lang="en-US" sz="1600" b="1" dirty="0">
+                <a:latin typeface="Courier New" panose="02070309020205020404" pitchFamily="49" charset="0"/>
+                <a:cs typeface="Courier New" panose="02070309020205020404" pitchFamily="49" charset="0"/>
+              </a:rPr>
+              <a:t>(3);</a:t>
+            </a:r>
+          </a:p>
+          <a:p>
+            <a:r>
+              <a:rPr lang="en-US" sz="1600" b="1" dirty="0">
+                <a:latin typeface="Courier New" panose="02070309020205020404" pitchFamily="49" charset="0"/>
+                <a:cs typeface="Courier New" panose="02070309020205020404" pitchFamily="49" charset="0"/>
+              </a:rPr>
+              <a:t>    </a:t>
+            </a:r>
+            <a:r>
+              <a:rPr lang="en-US" sz="1600" b="1" dirty="0" err="1">
+                <a:latin typeface="Courier New" panose="02070309020205020404" pitchFamily="49" charset="0"/>
+                <a:cs typeface="Courier New" panose="02070309020205020404" pitchFamily="49" charset="0"/>
+              </a:rPr>
+              <a:t>printf</a:t>
+            </a:r>
+            <a:r>
+              <a:rPr lang="en-US" sz="1600" b="1" dirty="0">
+                <a:latin typeface="Courier New" panose="02070309020205020404" pitchFamily="49" charset="0"/>
+                <a:cs typeface="Courier New" panose="02070309020205020404" pitchFamily="49" charset="0"/>
+              </a:rPr>
+              <a:t>("Sup: %d\</a:t>
+            </a:r>
+            <a:r>
+              <a:rPr lang="en-US" sz="1600" b="1" dirty="0" err="1">
+                <a:latin typeface="Courier New" panose="02070309020205020404" pitchFamily="49" charset="0"/>
+                <a:cs typeface="Courier New" panose="02070309020205020404" pitchFamily="49" charset="0"/>
+              </a:rPr>
+              <a:t>n",sup</a:t>
+            </a:r>
+            <a:r>
+              <a:rPr lang="en-US" sz="1600" b="1" dirty="0">
+                <a:latin typeface="Courier New" panose="02070309020205020404" pitchFamily="49" charset="0"/>
+                <a:cs typeface="Courier New" panose="02070309020205020404" pitchFamily="49" charset="0"/>
+              </a:rPr>
+              <a:t>);</a:t>
+            </a:r>
+          </a:p>
+          <a:p>
+            <a:r>
+              <a:rPr lang="en-US" sz="1600" b="1" dirty="0">
+                <a:latin typeface="Courier New" panose="02070309020205020404" pitchFamily="49" charset="0"/>
+                <a:cs typeface="Courier New" panose="02070309020205020404" pitchFamily="49" charset="0"/>
+              </a:rPr>
+              <a:t>}</a:t>
+            </a:r>
+          </a:p>
+        </p:txBody>
+      </p:sp>
+      <p:sp>
+        <p:nvSpPr>
+          <p:cNvPr id="6" name="TextBox 5">
+            <a:extLst>
+              <a:ext uri="{FF2B5EF4-FFF2-40B4-BE49-F238E27FC236}">
+                <a16:creationId xmlns:a16="http://schemas.microsoft.com/office/drawing/2014/main" id="{03138CA8-8D5D-4541-3A04-89FD15B37620}"/>
+              </a:ext>
+            </a:extLst>
+          </p:cNvPr>
+          <p:cNvSpPr txBox="1"/>
+          <p:nvPr/>
+        </p:nvSpPr>
+        <p:spPr>
+          <a:xfrm>
+            <a:off x="7043058" y="1817400"/>
+            <a:ext cx="1295547" cy="2554545"/>
+          </a:xfrm>
+          <a:prstGeom prst="rect">
+            <a:avLst/>
+          </a:prstGeom>
+          <a:noFill/>
+        </p:spPr>
+        <p:txBody>
+          <a:bodyPr wrap="none" rtlCol="0">
+            <a:spAutoFit/>
+          </a:bodyPr>
+          <a:lstStyle/>
+          <a:p>
+            <a:r>
+              <a:rPr lang="en-US" sz="1600" b="1" dirty="0">
+                <a:latin typeface="Courier New" panose="02070309020205020404" pitchFamily="49" charset="0"/>
+                <a:cs typeface="Courier New" panose="02070309020205020404" pitchFamily="49" charset="0"/>
+              </a:rPr>
+              <a:t>In: 3</a:t>
+            </a:r>
+          </a:p>
+          <a:p>
+            <a:r>
+              <a:rPr lang="en-US" sz="1600" b="1" dirty="0">
+                <a:latin typeface="Courier New" panose="02070309020205020404" pitchFamily="49" charset="0"/>
+                <a:cs typeface="Courier New" panose="02070309020205020404" pitchFamily="49" charset="0"/>
+              </a:rPr>
+              <a:t>Down: 2</a:t>
+            </a:r>
+          </a:p>
+          <a:p>
+            <a:r>
+              <a:rPr lang="en-US" sz="1600" b="1" dirty="0">
+                <a:latin typeface="Courier New" panose="02070309020205020404" pitchFamily="49" charset="0"/>
+                <a:cs typeface="Courier New" panose="02070309020205020404" pitchFamily="49" charset="0"/>
+              </a:rPr>
+              <a:t>  In: 2</a:t>
+            </a:r>
+          </a:p>
+          <a:p>
+            <a:r>
+              <a:rPr lang="en-US" sz="1600" b="1" dirty="0">
+                <a:latin typeface="Courier New" panose="02070309020205020404" pitchFamily="49" charset="0"/>
+                <a:cs typeface="Courier New" panose="02070309020205020404" pitchFamily="49" charset="0"/>
+              </a:rPr>
+              <a:t>  Down: 1</a:t>
+            </a:r>
+          </a:p>
+          <a:p>
+            <a:r>
+              <a:rPr lang="en-US" sz="1600" b="1" dirty="0">
+                <a:latin typeface="Courier New" panose="02070309020205020404" pitchFamily="49" charset="0"/>
+                <a:cs typeface="Courier New" panose="02070309020205020404" pitchFamily="49" charset="0"/>
+              </a:rPr>
+              <a:t>    In: 1</a:t>
+            </a:r>
+          </a:p>
+          <a:p>
+            <a:r>
+              <a:rPr lang="en-US" sz="1600" b="1" dirty="0">
+                <a:latin typeface="Courier New" panose="02070309020205020404" pitchFamily="49" charset="0"/>
+                <a:cs typeface="Courier New" panose="02070309020205020404" pitchFamily="49" charset="0"/>
+              </a:rPr>
+              <a:t>  Back: 1</a:t>
+            </a:r>
+          </a:p>
+          <a:p>
+            <a:r>
+              <a:rPr lang="en-US" sz="1600" b="1" dirty="0">
+                <a:highlight>
+                  <a:srgbClr val="00FFFF"/>
+                </a:highlight>
+                <a:latin typeface="Courier New" panose="02070309020205020404" pitchFamily="49" charset="0"/>
+                <a:cs typeface="Courier New" panose="02070309020205020404" pitchFamily="49" charset="0"/>
+              </a:rPr>
+              <a:t>  Ret: 3</a:t>
+            </a:r>
+          </a:p>
+          <a:p>
+            <a:r>
+              <a:rPr lang="en-US" sz="1600" b="1" dirty="0">
+                <a:latin typeface="Courier New" panose="02070309020205020404" pitchFamily="49" charset="0"/>
+                <a:cs typeface="Courier New" panose="02070309020205020404" pitchFamily="49" charset="0"/>
+              </a:rPr>
+              <a:t>Back: 3</a:t>
+            </a:r>
+          </a:p>
+          <a:p>
+            <a:r>
+              <a:rPr lang="en-US" sz="1600" b="1" dirty="0">
+                <a:latin typeface="Courier New" panose="02070309020205020404" pitchFamily="49" charset="0"/>
+                <a:cs typeface="Courier New" panose="02070309020205020404" pitchFamily="49" charset="0"/>
+              </a:rPr>
+              <a:t>Ret: 6</a:t>
+            </a:r>
+          </a:p>
+          <a:p>
+            <a:r>
+              <a:rPr lang="en-US" sz="1600" b="1" dirty="0">
+                <a:latin typeface="Courier New" panose="02070309020205020404" pitchFamily="49" charset="0"/>
+                <a:cs typeface="Courier New" panose="02070309020205020404" pitchFamily="49" charset="0"/>
+              </a:rPr>
+              <a:t>Sup: 6</a:t>
+            </a:r>
+          </a:p>
+        </p:txBody>
+      </p:sp>
+      <p:sp>
+        <p:nvSpPr>
+          <p:cNvPr id="19" name="Rectangle 18">
+            <a:extLst>
+              <a:ext uri="{FF2B5EF4-FFF2-40B4-BE49-F238E27FC236}">
+                <a16:creationId xmlns:a16="http://schemas.microsoft.com/office/drawing/2014/main" id="{AF129ABD-0F8C-5FE9-D016-DEB3008D966C}"/>
+              </a:ext>
+            </a:extLst>
+          </p:cNvPr>
+          <p:cNvSpPr/>
+          <p:nvPr/>
+        </p:nvSpPr>
+        <p:spPr>
+          <a:xfrm>
+            <a:off x="9882564" y="411452"/>
+            <a:ext cx="1582214" cy="6035098"/>
+          </a:xfrm>
+          <a:prstGeom prst="rect">
+            <a:avLst/>
+          </a:prstGeom>
+          <a:solidFill>
+            <a:schemeClr val="bg1"/>
+          </a:solidFill>
+          <a:ln w="28575"/>
+        </p:spPr>
+        <p:style>
+          <a:lnRef idx="2">
+            <a:schemeClr val="accent1">
+              <a:shade val="50000"/>
+            </a:schemeClr>
+          </a:lnRef>
+          <a:fillRef idx="1">
+            <a:schemeClr val="accent1"/>
+          </a:fillRef>
+          <a:effectRef idx="0">
+            <a:schemeClr val="accent1"/>
+          </a:effectRef>
+          <a:fontRef idx="minor">
+            <a:schemeClr val="lt1"/>
+          </a:fontRef>
+        </p:style>
+        <p:txBody>
+          <a:bodyPr rtlCol="0" anchor="ctr"/>
+          <a:lstStyle/>
+          <a:p>
+            <a:pPr algn="ctr"/>
+            <a:endParaRPr lang="en-US"/>
+          </a:p>
+        </p:txBody>
+      </p:sp>
+      <p:sp>
+        <p:nvSpPr>
+          <p:cNvPr id="24" name="Rectangle 23">
+            <a:extLst>
+              <a:ext uri="{FF2B5EF4-FFF2-40B4-BE49-F238E27FC236}">
+                <a16:creationId xmlns:a16="http://schemas.microsoft.com/office/drawing/2014/main" id="{3AE4C860-C044-43F5-B3B6-F6925B10C2A3}"/>
+              </a:ext>
+            </a:extLst>
+          </p:cNvPr>
+          <p:cNvSpPr/>
+          <p:nvPr/>
+        </p:nvSpPr>
+        <p:spPr>
+          <a:xfrm>
+            <a:off x="9882569" y="6016233"/>
+            <a:ext cx="1582208" cy="432707"/>
+          </a:xfrm>
+          <a:prstGeom prst="rect">
+            <a:avLst/>
+          </a:prstGeom>
+          <a:solidFill>
+            <a:schemeClr val="bg1"/>
+          </a:solidFill>
+          <a:ln w="28575"/>
+        </p:spPr>
+        <p:style>
+          <a:lnRef idx="2">
+            <a:schemeClr val="accent1">
+              <a:shade val="50000"/>
+            </a:schemeClr>
+          </a:lnRef>
+          <a:fillRef idx="1">
+            <a:schemeClr val="accent1"/>
+          </a:fillRef>
+          <a:effectRef idx="0">
+            <a:schemeClr val="accent1"/>
+          </a:effectRef>
+          <a:fontRef idx="minor">
+            <a:schemeClr val="lt1"/>
+          </a:fontRef>
+        </p:style>
+        <p:txBody>
+          <a:bodyPr rtlCol="0" anchor="ctr"/>
+          <a:lstStyle/>
+          <a:p>
+            <a:r>
+              <a:rPr lang="en-US" dirty="0">
+                <a:solidFill>
+                  <a:schemeClr val="tx1"/>
+                </a:solidFill>
+                <a:latin typeface="Courier New" panose="02070309020205020404" pitchFamily="49" charset="0"/>
+                <a:cs typeface="Courier New" panose="02070309020205020404" pitchFamily="49" charset="0"/>
+              </a:rPr>
+              <a:t>sup</a:t>
+            </a:r>
+          </a:p>
+        </p:txBody>
+      </p:sp>
+      <p:sp>
+        <p:nvSpPr>
+          <p:cNvPr id="25" name="Rectangle 24">
+            <a:extLst>
+              <a:ext uri="{FF2B5EF4-FFF2-40B4-BE49-F238E27FC236}">
+                <a16:creationId xmlns:a16="http://schemas.microsoft.com/office/drawing/2014/main" id="{D8C760B9-B41B-A4B7-C950-61BAE4E27614}"/>
+              </a:ext>
+            </a:extLst>
+          </p:cNvPr>
+          <p:cNvSpPr/>
+          <p:nvPr/>
+        </p:nvSpPr>
+        <p:spPr>
+          <a:xfrm>
+            <a:off x="10907492" y="6016233"/>
+            <a:ext cx="557284" cy="432707"/>
+          </a:xfrm>
+          <a:prstGeom prst="rect">
+            <a:avLst/>
+          </a:prstGeom>
+          <a:solidFill>
+            <a:schemeClr val="bg2"/>
+          </a:solidFill>
+          <a:ln w="28575"/>
+        </p:spPr>
+        <p:style>
+          <a:lnRef idx="2">
+            <a:schemeClr val="accent1">
+              <a:shade val="50000"/>
+            </a:schemeClr>
+          </a:lnRef>
+          <a:fillRef idx="1">
+            <a:schemeClr val="accent1"/>
+          </a:fillRef>
+          <a:effectRef idx="0">
+            <a:schemeClr val="accent1"/>
+          </a:effectRef>
+          <a:fontRef idx="minor">
+            <a:schemeClr val="lt1"/>
+          </a:fontRef>
+        </p:style>
+        <p:txBody>
+          <a:bodyPr rtlCol="0" anchor="ctr"/>
+          <a:lstStyle/>
+          <a:p>
+            <a:pPr algn="ctr"/>
+            <a:endParaRPr lang="en-US" dirty="0">
+              <a:solidFill>
+                <a:schemeClr val="tx1"/>
+              </a:solidFill>
+            </a:endParaRPr>
+          </a:p>
+        </p:txBody>
+      </p:sp>
+      <p:sp>
+        <p:nvSpPr>
+          <p:cNvPr id="28" name="Rectangle 27">
+            <a:extLst>
+              <a:ext uri="{FF2B5EF4-FFF2-40B4-BE49-F238E27FC236}">
+                <a16:creationId xmlns:a16="http://schemas.microsoft.com/office/drawing/2014/main" id="{674FA832-2D96-67CD-756F-B39145E07242}"/>
+              </a:ext>
+            </a:extLst>
+          </p:cNvPr>
+          <p:cNvSpPr/>
+          <p:nvPr/>
+        </p:nvSpPr>
+        <p:spPr>
+          <a:xfrm>
+            <a:off x="9882568" y="5205247"/>
+            <a:ext cx="1582208" cy="432707"/>
+          </a:xfrm>
+          <a:prstGeom prst="rect">
+            <a:avLst/>
+          </a:prstGeom>
+          <a:solidFill>
+            <a:schemeClr val="bg1"/>
+          </a:solidFill>
+          <a:ln w="28575"/>
+        </p:spPr>
+        <p:style>
+          <a:lnRef idx="2">
+            <a:schemeClr val="accent1">
+              <a:shade val="50000"/>
+            </a:schemeClr>
+          </a:lnRef>
+          <a:fillRef idx="1">
+            <a:schemeClr val="accent1"/>
+          </a:fillRef>
+          <a:effectRef idx="0">
+            <a:schemeClr val="accent1"/>
+          </a:effectRef>
+          <a:fontRef idx="minor">
+            <a:schemeClr val="lt1"/>
+          </a:fontRef>
+        </p:style>
+        <p:txBody>
+          <a:bodyPr rtlCol="0" anchor="ctr"/>
+          <a:lstStyle/>
+          <a:p>
+            <a:r>
+              <a:rPr lang="en-US" dirty="0">
+                <a:solidFill>
+                  <a:schemeClr val="tx1"/>
+                </a:solidFill>
+                <a:latin typeface="Courier New" panose="02070309020205020404" pitchFamily="49" charset="0"/>
+                <a:cs typeface="Courier New" panose="02070309020205020404" pitchFamily="49" charset="0"/>
+              </a:rPr>
+              <a:t>above</a:t>
+            </a:r>
+          </a:p>
+        </p:txBody>
+      </p:sp>
+      <p:sp>
+        <p:nvSpPr>
+          <p:cNvPr id="29" name="Rectangle 28">
+            <a:extLst>
+              <a:ext uri="{FF2B5EF4-FFF2-40B4-BE49-F238E27FC236}">
+                <a16:creationId xmlns:a16="http://schemas.microsoft.com/office/drawing/2014/main" id="{CD6B982F-C68A-5DD0-CEC5-B863E9492B47}"/>
+              </a:ext>
+            </a:extLst>
+          </p:cNvPr>
+          <p:cNvSpPr/>
+          <p:nvPr/>
+        </p:nvSpPr>
+        <p:spPr>
+          <a:xfrm>
+            <a:off x="10907491" y="5205247"/>
+            <a:ext cx="557284" cy="432707"/>
+          </a:xfrm>
+          <a:prstGeom prst="rect">
+            <a:avLst/>
+          </a:prstGeom>
+          <a:solidFill>
+            <a:schemeClr val="bg2"/>
+          </a:solidFill>
+          <a:ln w="28575"/>
+        </p:spPr>
+        <p:style>
+          <a:lnRef idx="2">
+            <a:schemeClr val="accent1">
+              <a:shade val="50000"/>
+            </a:schemeClr>
+          </a:lnRef>
+          <a:fillRef idx="1">
+            <a:schemeClr val="accent1"/>
+          </a:fillRef>
+          <a:effectRef idx="0">
+            <a:schemeClr val="accent1"/>
+          </a:effectRef>
+          <a:fontRef idx="minor">
+            <a:schemeClr val="lt1"/>
+          </a:fontRef>
+        </p:style>
+        <p:txBody>
+          <a:bodyPr rtlCol="0" anchor="ctr"/>
+          <a:lstStyle/>
+          <a:p>
+            <a:pPr algn="ctr"/>
+            <a:r>
+              <a:rPr lang="en-US" dirty="0">
+                <a:solidFill>
+                  <a:schemeClr val="tx1"/>
+                </a:solidFill>
+              </a:rPr>
+              <a:t>3</a:t>
+            </a:r>
+          </a:p>
+        </p:txBody>
+      </p:sp>
+      <p:sp>
+        <p:nvSpPr>
+          <p:cNvPr id="30" name="Rectangle 29">
+            <a:extLst>
+              <a:ext uri="{FF2B5EF4-FFF2-40B4-BE49-F238E27FC236}">
+                <a16:creationId xmlns:a16="http://schemas.microsoft.com/office/drawing/2014/main" id="{BF5A2AD5-21A3-7463-4E09-BE8055AE097A}"/>
+              </a:ext>
+            </a:extLst>
+          </p:cNvPr>
+          <p:cNvSpPr/>
+          <p:nvPr/>
+        </p:nvSpPr>
+        <p:spPr>
+          <a:xfrm>
+            <a:off x="9882564" y="4770150"/>
+            <a:ext cx="1582208" cy="432707"/>
+          </a:xfrm>
+          <a:prstGeom prst="rect">
+            <a:avLst/>
+          </a:prstGeom>
+          <a:solidFill>
+            <a:schemeClr val="bg1"/>
+          </a:solidFill>
+          <a:ln w="28575"/>
+        </p:spPr>
+        <p:style>
+          <a:lnRef idx="2">
+            <a:schemeClr val="accent1">
+              <a:shade val="50000"/>
+            </a:schemeClr>
+          </a:lnRef>
+          <a:fillRef idx="1">
+            <a:schemeClr val="accent1"/>
+          </a:fillRef>
+          <a:effectRef idx="0">
+            <a:schemeClr val="accent1"/>
+          </a:effectRef>
+          <a:fontRef idx="minor">
+            <a:schemeClr val="lt1"/>
+          </a:fontRef>
+        </p:style>
+        <p:txBody>
+          <a:bodyPr rtlCol="0" anchor="ctr"/>
+          <a:lstStyle/>
+          <a:p>
+            <a:r>
+              <a:rPr lang="en-US" dirty="0">
+                <a:solidFill>
+                  <a:schemeClr val="tx1"/>
+                </a:solidFill>
+                <a:latin typeface="Courier New" panose="02070309020205020404" pitchFamily="49" charset="0"/>
+                <a:cs typeface="Courier New" panose="02070309020205020404" pitchFamily="49" charset="0"/>
+              </a:rPr>
+              <a:t>below</a:t>
+            </a:r>
+          </a:p>
+        </p:txBody>
+      </p:sp>
+      <p:sp>
+        <p:nvSpPr>
+          <p:cNvPr id="31" name="Rectangle 30">
+            <a:extLst>
+              <a:ext uri="{FF2B5EF4-FFF2-40B4-BE49-F238E27FC236}">
+                <a16:creationId xmlns:a16="http://schemas.microsoft.com/office/drawing/2014/main" id="{DBA69012-830C-1E8D-2A75-338C9D4CAEA9}"/>
+              </a:ext>
+            </a:extLst>
+          </p:cNvPr>
+          <p:cNvSpPr/>
+          <p:nvPr/>
+        </p:nvSpPr>
+        <p:spPr>
+          <a:xfrm>
+            <a:off x="10907487" y="4770150"/>
+            <a:ext cx="557284" cy="432707"/>
+          </a:xfrm>
+          <a:prstGeom prst="rect">
+            <a:avLst/>
+          </a:prstGeom>
+          <a:solidFill>
+            <a:schemeClr val="bg2"/>
+          </a:solidFill>
+          <a:ln w="28575"/>
+        </p:spPr>
+        <p:style>
+          <a:lnRef idx="2">
+            <a:schemeClr val="accent1">
+              <a:shade val="50000"/>
+            </a:schemeClr>
+          </a:lnRef>
+          <a:fillRef idx="1">
+            <a:schemeClr val="accent1"/>
+          </a:fillRef>
+          <a:effectRef idx="0">
+            <a:schemeClr val="accent1"/>
+          </a:effectRef>
+          <a:fontRef idx="minor">
+            <a:schemeClr val="lt1"/>
+          </a:fontRef>
+        </p:style>
+        <p:txBody>
+          <a:bodyPr rtlCol="0" anchor="ctr"/>
+          <a:lstStyle/>
+          <a:p>
+            <a:pPr algn="ctr"/>
+            <a:r>
+              <a:rPr lang="en-US" dirty="0">
+                <a:solidFill>
+                  <a:schemeClr val="tx1"/>
+                </a:solidFill>
+              </a:rPr>
+              <a:t>2</a:t>
+            </a:r>
+          </a:p>
+        </p:txBody>
+      </p:sp>
+      <p:sp>
+        <p:nvSpPr>
+          <p:cNvPr id="32" name="Rectangle 31">
+            <a:extLst>
+              <a:ext uri="{FF2B5EF4-FFF2-40B4-BE49-F238E27FC236}">
+                <a16:creationId xmlns:a16="http://schemas.microsoft.com/office/drawing/2014/main" id="{F861489A-CC4B-AA72-5313-E8CCE98DAF21}"/>
+              </a:ext>
+            </a:extLst>
+          </p:cNvPr>
+          <p:cNvSpPr/>
+          <p:nvPr/>
+        </p:nvSpPr>
+        <p:spPr>
+          <a:xfrm>
+            <a:off x="9882558" y="4342536"/>
+            <a:ext cx="1582208" cy="432707"/>
+          </a:xfrm>
+          <a:prstGeom prst="rect">
+            <a:avLst/>
+          </a:prstGeom>
+          <a:solidFill>
+            <a:schemeClr val="bg1"/>
+          </a:solidFill>
+          <a:ln w="28575"/>
+        </p:spPr>
+        <p:style>
+          <a:lnRef idx="2">
+            <a:schemeClr val="accent1">
+              <a:shade val="50000"/>
+            </a:schemeClr>
+          </a:lnRef>
+          <a:fillRef idx="1">
+            <a:schemeClr val="accent1"/>
+          </a:fillRef>
+          <a:effectRef idx="0">
+            <a:schemeClr val="accent1"/>
+          </a:effectRef>
+          <a:fontRef idx="minor">
+            <a:schemeClr val="lt1"/>
+          </a:fontRef>
+        </p:style>
+        <p:txBody>
+          <a:bodyPr rtlCol="0" anchor="ctr"/>
+          <a:lstStyle/>
+          <a:p>
+            <a:r>
+              <a:rPr lang="en-US" dirty="0">
+                <a:solidFill>
+                  <a:schemeClr val="tx1"/>
+                </a:solidFill>
+                <a:latin typeface="Courier New" panose="02070309020205020404" pitchFamily="49" charset="0"/>
+                <a:cs typeface="Courier New" panose="02070309020205020404" pitchFamily="49" charset="0"/>
+              </a:rPr>
+              <a:t>sum</a:t>
+            </a:r>
+          </a:p>
+        </p:txBody>
+      </p:sp>
+      <p:sp>
+        <p:nvSpPr>
+          <p:cNvPr id="33" name="Rectangle 32">
+            <a:extLst>
+              <a:ext uri="{FF2B5EF4-FFF2-40B4-BE49-F238E27FC236}">
+                <a16:creationId xmlns:a16="http://schemas.microsoft.com/office/drawing/2014/main" id="{78AFC1EA-6202-1D56-0481-1DDBC79050DD}"/>
+              </a:ext>
+            </a:extLst>
+          </p:cNvPr>
+          <p:cNvSpPr/>
+          <p:nvPr/>
+        </p:nvSpPr>
+        <p:spPr>
+          <a:xfrm>
+            <a:off x="10907481" y="4342536"/>
+            <a:ext cx="557284" cy="432707"/>
+          </a:xfrm>
+          <a:prstGeom prst="rect">
+            <a:avLst/>
+          </a:prstGeom>
+          <a:solidFill>
+            <a:schemeClr val="bg2"/>
+          </a:solidFill>
+          <a:ln w="28575"/>
+        </p:spPr>
+        <p:style>
+          <a:lnRef idx="2">
+            <a:schemeClr val="accent1">
+              <a:shade val="50000"/>
+            </a:schemeClr>
+          </a:lnRef>
+          <a:fillRef idx="1">
+            <a:schemeClr val="accent1"/>
+          </a:fillRef>
+          <a:effectRef idx="0">
+            <a:schemeClr val="accent1"/>
+          </a:effectRef>
+          <a:fontRef idx="minor">
+            <a:schemeClr val="lt1"/>
+          </a:fontRef>
+        </p:style>
+        <p:txBody>
+          <a:bodyPr rtlCol="0" anchor="ctr"/>
+          <a:lstStyle/>
+          <a:p>
+            <a:pPr algn="ctr"/>
+            <a:endParaRPr lang="en-US" dirty="0">
+              <a:solidFill>
+                <a:schemeClr val="tx1"/>
+              </a:solidFill>
+            </a:endParaRPr>
+          </a:p>
+        </p:txBody>
+      </p:sp>
+      <p:sp>
+        <p:nvSpPr>
+          <p:cNvPr id="34" name="Rectangle 33">
+            <a:extLst>
+              <a:ext uri="{FF2B5EF4-FFF2-40B4-BE49-F238E27FC236}">
+                <a16:creationId xmlns:a16="http://schemas.microsoft.com/office/drawing/2014/main" id="{58861EA1-723A-953B-6507-F3D8E7F3F576}"/>
+              </a:ext>
+            </a:extLst>
+          </p:cNvPr>
+          <p:cNvSpPr/>
+          <p:nvPr/>
+        </p:nvSpPr>
+        <p:spPr>
+          <a:xfrm>
+            <a:off x="9882546" y="3906088"/>
+            <a:ext cx="1582208" cy="432707"/>
+          </a:xfrm>
+          <a:prstGeom prst="rect">
+            <a:avLst/>
+          </a:prstGeom>
+          <a:solidFill>
+            <a:schemeClr val="bg1"/>
+          </a:solidFill>
+          <a:ln w="28575"/>
+        </p:spPr>
+        <p:style>
+          <a:lnRef idx="2">
+            <a:schemeClr val="accent1">
+              <a:shade val="50000"/>
+            </a:schemeClr>
+          </a:lnRef>
+          <a:fillRef idx="1">
+            <a:schemeClr val="accent1"/>
+          </a:fillRef>
+          <a:effectRef idx="0">
+            <a:schemeClr val="accent1"/>
+          </a:effectRef>
+          <a:fontRef idx="minor">
+            <a:schemeClr val="lt1"/>
+          </a:fontRef>
+        </p:style>
+        <p:txBody>
+          <a:bodyPr rtlCol="0" anchor="ctr"/>
+          <a:lstStyle/>
+          <a:p>
+            <a:r>
+              <a:rPr lang="en-US" dirty="0" err="1">
+                <a:solidFill>
+                  <a:schemeClr val="tx1"/>
+                </a:solidFill>
+                <a:latin typeface="Courier New" panose="02070309020205020404" pitchFamily="49" charset="0"/>
+                <a:cs typeface="Courier New" panose="02070309020205020404" pitchFamily="49" charset="0"/>
+              </a:rPr>
+              <a:t>retval</a:t>
+            </a:r>
+            <a:endParaRPr lang="en-US" dirty="0">
+              <a:solidFill>
+                <a:schemeClr val="tx1"/>
+              </a:solidFill>
+              <a:latin typeface="Courier New" panose="02070309020205020404" pitchFamily="49" charset="0"/>
+              <a:cs typeface="Courier New" panose="02070309020205020404" pitchFamily="49" charset="0"/>
+            </a:endParaRPr>
+          </a:p>
+        </p:txBody>
+      </p:sp>
+      <p:sp>
+        <p:nvSpPr>
+          <p:cNvPr id="35" name="Rectangle 34">
+            <a:extLst>
+              <a:ext uri="{FF2B5EF4-FFF2-40B4-BE49-F238E27FC236}">
+                <a16:creationId xmlns:a16="http://schemas.microsoft.com/office/drawing/2014/main" id="{8EE2D0E9-A1BB-3B69-0739-4E3D6EE7C5C1}"/>
+              </a:ext>
+            </a:extLst>
+          </p:cNvPr>
+          <p:cNvSpPr/>
+          <p:nvPr/>
+        </p:nvSpPr>
+        <p:spPr>
+          <a:xfrm>
+            <a:off x="10907469" y="3906088"/>
+            <a:ext cx="557284" cy="432707"/>
+          </a:xfrm>
+          <a:prstGeom prst="rect">
+            <a:avLst/>
+          </a:prstGeom>
+          <a:solidFill>
+            <a:schemeClr val="bg2"/>
+          </a:solidFill>
+          <a:ln w="28575"/>
+        </p:spPr>
+        <p:style>
+          <a:lnRef idx="2">
+            <a:schemeClr val="accent1">
+              <a:shade val="50000"/>
+            </a:schemeClr>
+          </a:lnRef>
+          <a:fillRef idx="1">
+            <a:schemeClr val="accent1"/>
+          </a:fillRef>
+          <a:effectRef idx="0">
+            <a:schemeClr val="accent1"/>
+          </a:effectRef>
+          <a:fontRef idx="minor">
+            <a:schemeClr val="lt1"/>
+          </a:fontRef>
+        </p:style>
+        <p:txBody>
+          <a:bodyPr rtlCol="0" anchor="ctr"/>
+          <a:lstStyle/>
+          <a:p>
+            <a:pPr algn="ctr"/>
+            <a:endParaRPr lang="en-US" dirty="0">
+              <a:solidFill>
+                <a:schemeClr val="tx1"/>
+              </a:solidFill>
+            </a:endParaRPr>
+          </a:p>
+        </p:txBody>
+      </p:sp>
+      <p:sp>
+        <p:nvSpPr>
+          <p:cNvPr id="36" name="Rectangle 35">
+            <a:extLst>
+              <a:ext uri="{FF2B5EF4-FFF2-40B4-BE49-F238E27FC236}">
+                <a16:creationId xmlns:a16="http://schemas.microsoft.com/office/drawing/2014/main" id="{D45D2C5C-A70D-BA5A-9042-DDC1B9416224}"/>
+              </a:ext>
+            </a:extLst>
+          </p:cNvPr>
+          <p:cNvSpPr/>
+          <p:nvPr/>
+        </p:nvSpPr>
+        <p:spPr>
+          <a:xfrm>
+            <a:off x="9882545" y="3067888"/>
+            <a:ext cx="1582208" cy="432707"/>
+          </a:xfrm>
+          <a:prstGeom prst="rect">
+            <a:avLst/>
+          </a:prstGeom>
+          <a:solidFill>
+            <a:schemeClr val="bg1"/>
+          </a:solidFill>
+          <a:ln w="28575"/>
+        </p:spPr>
+        <p:style>
+          <a:lnRef idx="2">
+            <a:schemeClr val="accent1">
+              <a:shade val="50000"/>
+            </a:schemeClr>
+          </a:lnRef>
+          <a:fillRef idx="1">
+            <a:schemeClr val="accent1"/>
+          </a:fillRef>
+          <a:effectRef idx="0">
+            <a:schemeClr val="accent1"/>
+          </a:effectRef>
+          <a:fontRef idx="minor">
+            <a:schemeClr val="lt1"/>
+          </a:fontRef>
+        </p:style>
+        <p:txBody>
+          <a:bodyPr rtlCol="0" anchor="ctr"/>
+          <a:lstStyle/>
+          <a:p>
+            <a:r>
+              <a:rPr lang="en-US" dirty="0">
+                <a:solidFill>
+                  <a:schemeClr val="tx1"/>
+                </a:solidFill>
+                <a:latin typeface="Courier New" panose="02070309020205020404" pitchFamily="49" charset="0"/>
+                <a:cs typeface="Courier New" panose="02070309020205020404" pitchFamily="49" charset="0"/>
+              </a:rPr>
+              <a:t>above</a:t>
+            </a:r>
+          </a:p>
+        </p:txBody>
+      </p:sp>
+      <p:sp>
+        <p:nvSpPr>
+          <p:cNvPr id="37" name="Rectangle 36">
+            <a:extLst>
+              <a:ext uri="{FF2B5EF4-FFF2-40B4-BE49-F238E27FC236}">
+                <a16:creationId xmlns:a16="http://schemas.microsoft.com/office/drawing/2014/main" id="{CA5864DE-9085-85DB-B0CC-122B75B9C1DF}"/>
+              </a:ext>
+            </a:extLst>
+          </p:cNvPr>
+          <p:cNvSpPr/>
+          <p:nvPr/>
+        </p:nvSpPr>
+        <p:spPr>
+          <a:xfrm>
+            <a:off x="10907468" y="3067888"/>
+            <a:ext cx="557284" cy="432707"/>
+          </a:xfrm>
+          <a:prstGeom prst="rect">
+            <a:avLst/>
+          </a:prstGeom>
+          <a:solidFill>
+            <a:schemeClr val="bg2"/>
+          </a:solidFill>
+          <a:ln w="28575"/>
+        </p:spPr>
+        <p:style>
+          <a:lnRef idx="2">
+            <a:schemeClr val="accent1">
+              <a:shade val="50000"/>
+            </a:schemeClr>
+          </a:lnRef>
+          <a:fillRef idx="1">
+            <a:schemeClr val="accent1"/>
+          </a:fillRef>
+          <a:effectRef idx="0">
+            <a:schemeClr val="accent1"/>
+          </a:effectRef>
+          <a:fontRef idx="minor">
+            <a:schemeClr val="lt1"/>
+          </a:fontRef>
+        </p:style>
+        <p:txBody>
+          <a:bodyPr rtlCol="0" anchor="ctr"/>
+          <a:lstStyle/>
+          <a:p>
+            <a:pPr algn="ctr"/>
+            <a:r>
+              <a:rPr lang="en-US" dirty="0">
+                <a:solidFill>
+                  <a:schemeClr val="tx1"/>
+                </a:solidFill>
+              </a:rPr>
+              <a:t>2</a:t>
+            </a:r>
+          </a:p>
+        </p:txBody>
+      </p:sp>
+      <p:sp>
+        <p:nvSpPr>
+          <p:cNvPr id="38" name="Rectangle 37">
+            <a:extLst>
+              <a:ext uri="{FF2B5EF4-FFF2-40B4-BE49-F238E27FC236}">
+                <a16:creationId xmlns:a16="http://schemas.microsoft.com/office/drawing/2014/main" id="{3965DA6A-D0C1-66D5-6FA2-AA3AE1B1BB3C}"/>
+              </a:ext>
+            </a:extLst>
+          </p:cNvPr>
+          <p:cNvSpPr/>
+          <p:nvPr/>
+        </p:nvSpPr>
+        <p:spPr>
+          <a:xfrm>
+            <a:off x="9882541" y="2632791"/>
+            <a:ext cx="1582208" cy="432707"/>
+          </a:xfrm>
+          <a:prstGeom prst="rect">
+            <a:avLst/>
+          </a:prstGeom>
+          <a:solidFill>
+            <a:schemeClr val="bg1"/>
+          </a:solidFill>
+          <a:ln w="28575"/>
+        </p:spPr>
+        <p:style>
+          <a:lnRef idx="2">
+            <a:schemeClr val="accent1">
+              <a:shade val="50000"/>
+            </a:schemeClr>
+          </a:lnRef>
+          <a:fillRef idx="1">
+            <a:schemeClr val="accent1"/>
+          </a:fillRef>
+          <a:effectRef idx="0">
+            <a:schemeClr val="accent1"/>
+          </a:effectRef>
+          <a:fontRef idx="minor">
+            <a:schemeClr val="lt1"/>
+          </a:fontRef>
+        </p:style>
+        <p:txBody>
+          <a:bodyPr rtlCol="0" anchor="ctr"/>
+          <a:lstStyle/>
+          <a:p>
+            <a:r>
+              <a:rPr lang="en-US" dirty="0">
+                <a:solidFill>
+                  <a:schemeClr val="tx1"/>
+                </a:solidFill>
+                <a:latin typeface="Courier New" panose="02070309020205020404" pitchFamily="49" charset="0"/>
+                <a:cs typeface="Courier New" panose="02070309020205020404" pitchFamily="49" charset="0"/>
+              </a:rPr>
+              <a:t>below</a:t>
+            </a:r>
+          </a:p>
+        </p:txBody>
+      </p:sp>
+      <p:sp>
+        <p:nvSpPr>
+          <p:cNvPr id="39" name="Rectangle 38">
+            <a:extLst>
+              <a:ext uri="{FF2B5EF4-FFF2-40B4-BE49-F238E27FC236}">
+                <a16:creationId xmlns:a16="http://schemas.microsoft.com/office/drawing/2014/main" id="{71668F5E-B312-242A-4FE9-C821E9758391}"/>
+              </a:ext>
+            </a:extLst>
+          </p:cNvPr>
+          <p:cNvSpPr/>
+          <p:nvPr/>
+        </p:nvSpPr>
+        <p:spPr>
+          <a:xfrm>
+            <a:off x="10907464" y="2632791"/>
+            <a:ext cx="557284" cy="432707"/>
+          </a:xfrm>
+          <a:prstGeom prst="rect">
+            <a:avLst/>
+          </a:prstGeom>
+          <a:solidFill>
+            <a:schemeClr val="bg2"/>
+          </a:solidFill>
+          <a:ln w="28575"/>
+        </p:spPr>
+        <p:style>
+          <a:lnRef idx="2">
+            <a:schemeClr val="accent1">
+              <a:shade val="50000"/>
+            </a:schemeClr>
+          </a:lnRef>
+          <a:fillRef idx="1">
+            <a:schemeClr val="accent1"/>
+          </a:fillRef>
+          <a:effectRef idx="0">
+            <a:schemeClr val="accent1"/>
+          </a:effectRef>
+          <a:fontRef idx="minor">
+            <a:schemeClr val="lt1"/>
+          </a:fontRef>
+        </p:style>
+        <p:txBody>
+          <a:bodyPr rtlCol="0" anchor="ctr"/>
+          <a:lstStyle/>
+          <a:p>
+            <a:pPr algn="ctr"/>
+            <a:r>
+              <a:rPr lang="en-US" dirty="0">
+                <a:solidFill>
+                  <a:schemeClr val="tx1"/>
+                </a:solidFill>
+              </a:rPr>
+              <a:t>1</a:t>
+            </a:r>
+          </a:p>
+        </p:txBody>
+      </p:sp>
+      <p:sp>
+        <p:nvSpPr>
+          <p:cNvPr id="40" name="Rectangle 39">
+            <a:extLst>
+              <a:ext uri="{FF2B5EF4-FFF2-40B4-BE49-F238E27FC236}">
+                <a16:creationId xmlns:a16="http://schemas.microsoft.com/office/drawing/2014/main" id="{7B7C6208-C68E-E35E-52A5-0452CB36E702}"/>
+              </a:ext>
+            </a:extLst>
+          </p:cNvPr>
+          <p:cNvSpPr/>
+          <p:nvPr/>
+        </p:nvSpPr>
+        <p:spPr>
+          <a:xfrm>
+            <a:off x="9882535" y="2205177"/>
+            <a:ext cx="1582208" cy="432707"/>
+          </a:xfrm>
+          <a:prstGeom prst="rect">
+            <a:avLst/>
+          </a:prstGeom>
+          <a:solidFill>
+            <a:schemeClr val="bg1"/>
+          </a:solidFill>
+          <a:ln w="28575"/>
+        </p:spPr>
+        <p:style>
+          <a:lnRef idx="2">
+            <a:schemeClr val="accent1">
+              <a:shade val="50000"/>
+            </a:schemeClr>
+          </a:lnRef>
+          <a:fillRef idx="1">
+            <a:schemeClr val="accent1"/>
+          </a:fillRef>
+          <a:effectRef idx="0">
+            <a:schemeClr val="accent1"/>
+          </a:effectRef>
+          <a:fontRef idx="minor">
+            <a:schemeClr val="lt1"/>
+          </a:fontRef>
+        </p:style>
+        <p:txBody>
+          <a:bodyPr rtlCol="0" anchor="ctr"/>
+          <a:lstStyle/>
+          <a:p>
+            <a:r>
+              <a:rPr lang="en-US" dirty="0">
+                <a:solidFill>
+                  <a:schemeClr val="tx1"/>
+                </a:solidFill>
+                <a:latin typeface="Courier New" panose="02070309020205020404" pitchFamily="49" charset="0"/>
+                <a:cs typeface="Courier New" panose="02070309020205020404" pitchFamily="49" charset="0"/>
+              </a:rPr>
+              <a:t>sum</a:t>
+            </a:r>
+          </a:p>
+        </p:txBody>
+      </p:sp>
+      <p:sp>
+        <p:nvSpPr>
+          <p:cNvPr id="41" name="Rectangle 40">
+            <a:extLst>
+              <a:ext uri="{FF2B5EF4-FFF2-40B4-BE49-F238E27FC236}">
+                <a16:creationId xmlns:a16="http://schemas.microsoft.com/office/drawing/2014/main" id="{11EA6888-C86A-E939-2828-B5BE24AD21BF}"/>
+              </a:ext>
+            </a:extLst>
+          </p:cNvPr>
+          <p:cNvSpPr/>
+          <p:nvPr/>
+        </p:nvSpPr>
+        <p:spPr>
+          <a:xfrm>
+            <a:off x="10907458" y="2205177"/>
+            <a:ext cx="557284" cy="432707"/>
+          </a:xfrm>
+          <a:prstGeom prst="rect">
+            <a:avLst/>
+          </a:prstGeom>
+          <a:solidFill>
+            <a:schemeClr val="bg2"/>
+          </a:solidFill>
+          <a:ln w="28575"/>
+        </p:spPr>
+        <p:style>
+          <a:lnRef idx="2">
+            <a:schemeClr val="accent1">
+              <a:shade val="50000"/>
+            </a:schemeClr>
+          </a:lnRef>
+          <a:fillRef idx="1">
+            <a:schemeClr val="accent1"/>
+          </a:fillRef>
+          <a:effectRef idx="0">
+            <a:schemeClr val="accent1"/>
+          </a:effectRef>
+          <a:fontRef idx="minor">
+            <a:schemeClr val="lt1"/>
+          </a:fontRef>
+        </p:style>
+        <p:txBody>
+          <a:bodyPr rtlCol="0" anchor="ctr"/>
+          <a:lstStyle/>
+          <a:p>
+            <a:pPr algn="ctr"/>
+            <a:r>
+              <a:rPr lang="en-US" dirty="0">
+                <a:solidFill>
+                  <a:schemeClr val="tx1"/>
+                </a:solidFill>
+              </a:rPr>
+              <a:t>1</a:t>
+            </a:r>
+          </a:p>
+        </p:txBody>
+      </p:sp>
+      <p:sp>
+        <p:nvSpPr>
+          <p:cNvPr id="42" name="Rectangle 41">
+            <a:extLst>
+              <a:ext uri="{FF2B5EF4-FFF2-40B4-BE49-F238E27FC236}">
+                <a16:creationId xmlns:a16="http://schemas.microsoft.com/office/drawing/2014/main" id="{7FA4D62A-4A2A-B3B3-0FFA-F2FCA4922B0C}"/>
+              </a:ext>
+            </a:extLst>
+          </p:cNvPr>
+          <p:cNvSpPr/>
+          <p:nvPr/>
+        </p:nvSpPr>
+        <p:spPr>
+          <a:xfrm>
+            <a:off x="9882523" y="1768729"/>
+            <a:ext cx="1582208" cy="432707"/>
+          </a:xfrm>
+          <a:prstGeom prst="rect">
+            <a:avLst/>
+          </a:prstGeom>
+          <a:solidFill>
+            <a:schemeClr val="bg1"/>
+          </a:solidFill>
+          <a:ln w="28575"/>
+        </p:spPr>
+        <p:style>
+          <a:lnRef idx="2">
+            <a:schemeClr val="accent1">
+              <a:shade val="50000"/>
+            </a:schemeClr>
+          </a:lnRef>
+          <a:fillRef idx="1">
+            <a:schemeClr val="accent1"/>
+          </a:fillRef>
+          <a:effectRef idx="0">
+            <a:schemeClr val="accent1"/>
+          </a:effectRef>
+          <a:fontRef idx="minor">
+            <a:schemeClr val="lt1"/>
+          </a:fontRef>
+        </p:style>
+        <p:txBody>
+          <a:bodyPr rtlCol="0" anchor="ctr"/>
+          <a:lstStyle/>
+          <a:p>
+            <a:r>
+              <a:rPr lang="en-US" dirty="0" err="1">
+                <a:solidFill>
+                  <a:schemeClr val="tx1"/>
+                </a:solidFill>
+                <a:latin typeface="Courier New" panose="02070309020205020404" pitchFamily="49" charset="0"/>
+                <a:cs typeface="Courier New" panose="02070309020205020404" pitchFamily="49" charset="0"/>
+              </a:rPr>
+              <a:t>retval</a:t>
+            </a:r>
+            <a:endParaRPr lang="en-US" dirty="0">
+              <a:solidFill>
+                <a:schemeClr val="tx1"/>
+              </a:solidFill>
+              <a:latin typeface="Courier New" panose="02070309020205020404" pitchFamily="49" charset="0"/>
+              <a:cs typeface="Courier New" panose="02070309020205020404" pitchFamily="49" charset="0"/>
+            </a:endParaRPr>
+          </a:p>
+        </p:txBody>
+      </p:sp>
+      <p:sp>
+        <p:nvSpPr>
+          <p:cNvPr id="43" name="Rectangle 42">
+            <a:extLst>
+              <a:ext uri="{FF2B5EF4-FFF2-40B4-BE49-F238E27FC236}">
+                <a16:creationId xmlns:a16="http://schemas.microsoft.com/office/drawing/2014/main" id="{747B482E-868B-B0DA-01CE-E3DB19484E9C}"/>
+              </a:ext>
+            </a:extLst>
+          </p:cNvPr>
+          <p:cNvSpPr/>
+          <p:nvPr/>
+        </p:nvSpPr>
+        <p:spPr>
+          <a:xfrm>
+            <a:off x="10907446" y="1768729"/>
+            <a:ext cx="557284" cy="432707"/>
+          </a:xfrm>
+          <a:prstGeom prst="rect">
+            <a:avLst/>
+          </a:prstGeom>
+          <a:solidFill>
+            <a:schemeClr val="bg2"/>
+          </a:solidFill>
+          <a:ln w="28575"/>
+        </p:spPr>
+        <p:style>
+          <a:lnRef idx="2">
+            <a:schemeClr val="accent1">
+              <a:shade val="50000"/>
+            </a:schemeClr>
+          </a:lnRef>
+          <a:fillRef idx="1">
+            <a:schemeClr val="accent1"/>
+          </a:fillRef>
+          <a:effectRef idx="0">
+            <a:schemeClr val="accent1"/>
+          </a:effectRef>
+          <a:fontRef idx="minor">
+            <a:schemeClr val="lt1"/>
+          </a:fontRef>
+        </p:style>
+        <p:txBody>
+          <a:bodyPr rtlCol="0" anchor="ctr"/>
+          <a:lstStyle/>
+          <a:p>
+            <a:pPr algn="ctr"/>
+            <a:r>
+              <a:rPr lang="en-US" dirty="0">
+                <a:solidFill>
+                  <a:schemeClr val="tx1"/>
+                </a:solidFill>
+              </a:rPr>
+              <a:t>3</a:t>
+            </a:r>
+          </a:p>
+        </p:txBody>
+      </p:sp>
+      <p:sp>
+        <p:nvSpPr>
+          <p:cNvPr id="44" name="Up-Down Arrow 43">
+            <a:extLst>
+              <a:ext uri="{FF2B5EF4-FFF2-40B4-BE49-F238E27FC236}">
+                <a16:creationId xmlns:a16="http://schemas.microsoft.com/office/drawing/2014/main" id="{FD251668-E1DC-9262-BEC4-4E07C8BFAF76}"/>
+              </a:ext>
+            </a:extLst>
+          </p:cNvPr>
+          <p:cNvSpPr/>
+          <p:nvPr/>
+        </p:nvSpPr>
+        <p:spPr>
+          <a:xfrm>
+            <a:off x="10487317" y="671164"/>
+            <a:ext cx="372619" cy="813054"/>
+          </a:xfrm>
+          <a:prstGeom prst="upDownArrow">
+            <a:avLst/>
+          </a:prstGeom>
+        </p:spPr>
+        <p:style>
+          <a:lnRef idx="2">
+            <a:schemeClr val="accent1">
+              <a:shade val="50000"/>
+            </a:schemeClr>
+          </a:lnRef>
+          <a:fillRef idx="1">
+            <a:schemeClr val="accent1"/>
+          </a:fillRef>
+          <a:effectRef idx="0">
+            <a:schemeClr val="accent1"/>
+          </a:effectRef>
+          <a:fontRef idx="minor">
+            <a:schemeClr val="lt1"/>
+          </a:fontRef>
+        </p:style>
+        <p:txBody>
+          <a:bodyPr rtlCol="0" anchor="ctr"/>
+          <a:lstStyle/>
+          <a:p>
+            <a:pPr algn="ctr"/>
+            <a:endParaRPr lang="en-US"/>
+          </a:p>
+        </p:txBody>
+      </p:sp>
+      <p:sp>
+        <p:nvSpPr>
+          <p:cNvPr id="47" name="TextBox 46">
+            <a:extLst>
+              <a:ext uri="{FF2B5EF4-FFF2-40B4-BE49-F238E27FC236}">
+                <a16:creationId xmlns:a16="http://schemas.microsoft.com/office/drawing/2014/main" id="{88BC09AA-EAEF-88EA-A136-E9913AE4C91A}"/>
+              </a:ext>
+            </a:extLst>
+          </p:cNvPr>
+          <p:cNvSpPr txBox="1"/>
+          <p:nvPr/>
+        </p:nvSpPr>
+        <p:spPr>
+          <a:xfrm>
+            <a:off x="8598630" y="-1296751"/>
+            <a:ext cx="736164" cy="400110"/>
+          </a:xfrm>
+          <a:prstGeom prst="rect">
+            <a:avLst/>
+          </a:prstGeom>
+          <a:noFill/>
+        </p:spPr>
+        <p:txBody>
+          <a:bodyPr wrap="none" rtlCol="0">
+            <a:spAutoFit/>
+          </a:bodyPr>
+          <a:lstStyle/>
+          <a:p>
+            <a:r>
+              <a:rPr lang="en-US" sz="2000" dirty="0"/>
+              <a:t>Stack</a:t>
+            </a:r>
+          </a:p>
+        </p:txBody>
+      </p:sp>
+      <p:sp>
+        <p:nvSpPr>
+          <p:cNvPr id="49" name="Left Brace 48">
+            <a:extLst>
+              <a:ext uri="{FF2B5EF4-FFF2-40B4-BE49-F238E27FC236}">
+                <a16:creationId xmlns:a16="http://schemas.microsoft.com/office/drawing/2014/main" id="{159C5051-B880-BA2D-2E8C-6EB74D29B90B}"/>
+              </a:ext>
+            </a:extLst>
+          </p:cNvPr>
+          <p:cNvSpPr/>
+          <p:nvPr/>
+        </p:nvSpPr>
+        <p:spPr>
+          <a:xfrm>
+            <a:off x="9363486" y="1768729"/>
+            <a:ext cx="470677" cy="1731866"/>
+          </a:xfrm>
+          <a:prstGeom prst="leftBrace">
+            <a:avLst/>
+          </a:prstGeom>
+          <a:ln w="28575">
+            <a:solidFill>
+              <a:srgbClr val="3EFEFF"/>
+            </a:solidFill>
+          </a:ln>
+        </p:spPr>
+        <p:style>
+          <a:lnRef idx="1">
+            <a:schemeClr val="accent1"/>
+          </a:lnRef>
+          <a:fillRef idx="0">
+            <a:schemeClr val="accent1"/>
+          </a:fillRef>
+          <a:effectRef idx="0">
+            <a:schemeClr val="accent1"/>
+          </a:effectRef>
+          <a:fontRef idx="minor">
+            <a:schemeClr val="tx1"/>
+          </a:fontRef>
+        </p:style>
+        <p:txBody>
+          <a:bodyPr rtlCol="0" anchor="ctr"/>
+          <a:lstStyle/>
+          <a:p>
+            <a:pPr algn="ctr"/>
+            <a:endParaRPr lang="en-US"/>
+          </a:p>
+        </p:txBody>
+      </p:sp>
+      <p:sp>
+        <p:nvSpPr>
+          <p:cNvPr id="50" name="TextBox 49">
+            <a:extLst>
+              <a:ext uri="{FF2B5EF4-FFF2-40B4-BE49-F238E27FC236}">
+                <a16:creationId xmlns:a16="http://schemas.microsoft.com/office/drawing/2014/main" id="{DAD72D46-3BA1-CAB2-D1EE-E25091E387F5}"/>
+              </a:ext>
+            </a:extLst>
+          </p:cNvPr>
+          <p:cNvSpPr txBox="1"/>
+          <p:nvPr/>
+        </p:nvSpPr>
+        <p:spPr>
+          <a:xfrm>
+            <a:off x="293915" y="6338986"/>
+            <a:ext cx="1382485" cy="307777"/>
+          </a:xfrm>
+          <a:prstGeom prst="rect">
+            <a:avLst/>
+          </a:prstGeom>
+          <a:noFill/>
+        </p:spPr>
+        <p:txBody>
+          <a:bodyPr wrap="square">
+            <a:spAutoFit/>
+          </a:bodyPr>
+          <a:lstStyle/>
+          <a:p>
+            <a:r>
+              <a:rPr lang="en-US" sz="1400" b="1" dirty="0">
+                <a:solidFill>
+                  <a:srgbClr val="000000"/>
+                </a:solidFill>
+                <a:latin typeface="Menlo" panose="020B0609030804020204" pitchFamily="49" charset="0"/>
+              </a:rPr>
+              <a:t>kr_04_03.c</a:t>
+            </a:r>
+          </a:p>
+        </p:txBody>
+      </p:sp>
+      <p:sp>
+        <p:nvSpPr>
+          <p:cNvPr id="2" name="TextBox 1">
+            <a:extLst>
+              <a:ext uri="{FF2B5EF4-FFF2-40B4-BE49-F238E27FC236}">
+                <a16:creationId xmlns:a16="http://schemas.microsoft.com/office/drawing/2014/main" id="{D8B55B4B-9419-C5EF-5C3B-DDA468146540}"/>
+              </a:ext>
+            </a:extLst>
+          </p:cNvPr>
+          <p:cNvSpPr txBox="1"/>
+          <p:nvPr/>
+        </p:nvSpPr>
+        <p:spPr>
+          <a:xfrm>
+            <a:off x="8798708" y="1878270"/>
+            <a:ext cx="800116" cy="646331"/>
           </a:xfrm>
           <a:prstGeom prst="rect">
             <a:avLst/>
@@ -8389,17 +8423,57 @@
           <a:p>
             <a:r>
               <a:rPr lang="en-US" dirty="0"/>
-              <a:t>… The second incompleteness theorem, an extension of the first, shows that the system cannot demonstrate its own consistency. </a:t>
+              <a:t>stack</a:t>
             </a:r>
           </a:p>
           <a:p>
             <a:r>
               <a:rPr lang="en-US" dirty="0"/>
-              <a:t>                        --- </a:t>
-            </a:r>
-            <a:r>
-              <a:rPr lang="en-US" b="1" dirty="0"/>
-              <a:t>Gödel's incompleteness theorems</a:t>
+              <a:t>frame</a:t>
+            </a:r>
+          </a:p>
+        </p:txBody>
+      </p:sp>
+      <p:sp>
+        <p:nvSpPr>
+          <p:cNvPr id="3" name="TextBox 2">
+            <a:extLst>
+              <a:ext uri="{FF2B5EF4-FFF2-40B4-BE49-F238E27FC236}">
+                <a16:creationId xmlns:a16="http://schemas.microsoft.com/office/drawing/2014/main" id="{3463A52E-14C3-BCB0-1142-2BB78E4611E3}"/>
+              </a:ext>
+            </a:extLst>
+          </p:cNvPr>
+          <p:cNvSpPr txBox="1"/>
+          <p:nvPr/>
+        </p:nvSpPr>
+        <p:spPr>
+          <a:xfrm>
+            <a:off x="4561841" y="671164"/>
+            <a:ext cx="2435282" cy="369332"/>
+          </a:xfrm>
+          <a:prstGeom prst="rect">
+            <a:avLst/>
+          </a:prstGeom>
+          <a:noFill/>
+          <a:ln w="28575">
+            <a:solidFill>
+              <a:schemeClr val="accent1"/>
+            </a:solidFill>
+          </a:ln>
+        </p:spPr>
+        <p:txBody>
+          <a:bodyPr wrap="none" rtlCol="0">
+            <a:spAutoFit/>
+          </a:bodyPr>
+          <a:lstStyle/>
+          <a:p>
+            <a:r>
+              <a:rPr lang="en-US" dirty="0" err="1"/>
+              <a:t>sumup</a:t>
+            </a:r>
+            <a:r>
+              <a:rPr lang="en-US" dirty="0"/>
+              <a:t>(3) = 1 + 2 + 3 = 6</a:t>
             </a:r>
           </a:p>
         </p:txBody>
@@ -8407,7 +8481,7 @@
     </p:spTree>
     <p:extLst>
       <p:ext uri="{BB962C8B-B14F-4D97-AF65-F5344CB8AC3E}">
-        <p14:creationId xmlns:p14="http://schemas.microsoft.com/office/powerpoint/2010/main" val="2244150091"/>
+        <p14:creationId xmlns:p14="http://schemas.microsoft.com/office/powerpoint/2010/main" val="3469691239"/>
       </p:ext>
     </p:extLst>
   </p:cSld>
@@ -8436,10 +8510,100 @@
       </p:grpSpPr>
       <p:sp>
         <p:nvSpPr>
-          <p:cNvPr id="8" name="TextBox 7">
-            <a:extLst>
-              <a:ext uri="{FF2B5EF4-FFF2-40B4-BE49-F238E27FC236}">
-                <a16:creationId xmlns:a16="http://schemas.microsoft.com/office/drawing/2014/main" id="{F1FBA055-B204-4D02-B979-F74380C365C8}"/>
+          <p:cNvPr id="2" name="Title 1">
+            <a:extLst>
+              <a:ext uri="{FF2B5EF4-FFF2-40B4-BE49-F238E27FC236}">
+                <a16:creationId xmlns:a16="http://schemas.microsoft.com/office/drawing/2014/main" id="{A873E460-3B9E-0C94-30C0-5AA55AAF307F}"/>
+              </a:ext>
+            </a:extLst>
+          </p:cNvPr>
+          <p:cNvSpPr>
+            <a:spLocks noGrp="1"/>
+          </p:cNvSpPr>
+          <p:nvPr>
+            <p:ph type="title"/>
+          </p:nvPr>
+        </p:nvSpPr>
+        <p:spPr/>
+        <p:txBody>
+          <a:bodyPr/>
+          <a:lstStyle/>
+          <a:p>
+            <a:r>
+              <a:rPr lang="en-US" dirty="0"/>
+              <a:t>The C Pre Processor</a:t>
+            </a:r>
+          </a:p>
+        </p:txBody>
+      </p:sp>
+      <p:sp>
+        <p:nvSpPr>
+          <p:cNvPr id="3" name="Content Placeholder 2">
+            <a:extLst>
+              <a:ext uri="{FF2B5EF4-FFF2-40B4-BE49-F238E27FC236}">
+                <a16:creationId xmlns:a16="http://schemas.microsoft.com/office/drawing/2014/main" id="{D4AF128A-08B5-673B-CFE8-E3156CD0D2DB}"/>
+              </a:ext>
+            </a:extLst>
+          </p:cNvPr>
+          <p:cNvSpPr>
+            <a:spLocks noGrp="1"/>
+          </p:cNvSpPr>
+          <p:nvPr>
+            <p:ph idx="1"/>
+          </p:nvPr>
+        </p:nvSpPr>
+        <p:spPr/>
+        <p:txBody>
+          <a:bodyPr/>
+          <a:lstStyle/>
+          <a:p>
+            <a:r>
+              <a:rPr lang="en-US" dirty="0"/>
+              <a:t>While C solved many of the problems that led to the ability to build portable applications, things were always in flux</a:t>
+            </a:r>
+          </a:p>
+          <a:p>
+            <a:pPr lvl="1"/>
+            <a:r>
+              <a:rPr lang="en-US" dirty="0"/>
+              <a:t>Language evolution</a:t>
+            </a:r>
+          </a:p>
+          <a:p>
+            <a:pPr lvl="1"/>
+            <a:r>
+              <a:rPr lang="en-US" dirty="0"/>
+              <a:t>Library evolution</a:t>
+            </a:r>
+          </a:p>
+          <a:p>
+            <a:pPr lvl="1"/>
+            <a:r>
+              <a:rPr lang="en-US" dirty="0"/>
+              <a:t>Hardware evolution</a:t>
+            </a:r>
+          </a:p>
+          <a:p>
+            <a:pPr lvl="1"/>
+            <a:r>
+              <a:rPr lang="en-US" dirty="0"/>
+              <a:t>Operating system evolution</a:t>
+            </a:r>
+          </a:p>
+          <a:p>
+            <a:r>
+              <a:rPr lang="en-US" dirty="0"/>
+              <a:t>The pre-processor allowed for adjusting to these changes without breaking backwards compatibility</a:t>
+            </a:r>
+          </a:p>
+        </p:txBody>
+      </p:sp>
+      <p:sp>
+        <p:nvSpPr>
+          <p:cNvPr id="4" name="TextBox 3">
+            <a:extLst>
+              <a:ext uri="{FF2B5EF4-FFF2-40B4-BE49-F238E27FC236}">
+                <a16:creationId xmlns:a16="http://schemas.microsoft.com/office/drawing/2014/main" id="{708BFAEA-8CE0-231F-3768-5E876AE8E7FA}"/>
               </a:ext>
             </a:extLst>
           </p:cNvPr>
@@ -8448,8 +8612,8 @@
         </p:nvSpPr>
         <p:spPr>
           <a:xfrm>
-            <a:off x="1102781" y="1029989"/>
-            <a:ext cx="2776722" cy="3785652"/>
+            <a:off x="4995417" y="5388570"/>
+            <a:ext cx="6825343" cy="923330"/>
           </a:xfrm>
           <a:prstGeom prst="rect">
             <a:avLst/>
@@ -8457,415 +8621,24 @@
           <a:noFill/>
         </p:spPr>
         <p:txBody>
-          <a:bodyPr wrap="none" rtlCol="0">
+          <a:bodyPr wrap="square" rtlCol="0">
             <a:spAutoFit/>
           </a:bodyPr>
           <a:lstStyle/>
           <a:p>
             <a:r>
-              <a:rPr lang="en-US" sz="1600" b="1" dirty="0">
-                <a:latin typeface="Courier New" panose="02070309020205020404" pitchFamily="49" charset="0"/>
-                <a:cs typeface="Courier New" panose="02070309020205020404" pitchFamily="49" charset="0"/>
-              </a:rPr>
-              <a:t>#include &lt;</a:t>
-            </a:r>
-            <a:r>
-              <a:rPr lang="en-US" sz="1600" b="1" dirty="0" err="1">
-                <a:latin typeface="Courier New" panose="02070309020205020404" pitchFamily="49" charset="0"/>
-                <a:cs typeface="Courier New" panose="02070309020205020404" pitchFamily="49" charset="0"/>
-              </a:rPr>
-              <a:t>stdio.h</a:t>
-            </a:r>
-            <a:r>
-              <a:rPr lang="en-US" sz="1600" b="1" dirty="0">
-                <a:latin typeface="Courier New" panose="02070309020205020404" pitchFamily="49" charset="0"/>
-                <a:cs typeface="Courier New" panose="02070309020205020404" pitchFamily="49" charset="0"/>
-              </a:rPr>
-              <a:t>&gt;</a:t>
-            </a:r>
-          </a:p>
-          <a:p>
-            <a:endParaRPr lang="en-US" sz="1600" b="1" dirty="0">
-              <a:latin typeface="Courier New" panose="02070309020205020404" pitchFamily="49" charset="0"/>
-              <a:cs typeface="Courier New" panose="02070309020205020404" pitchFamily="49" charset="0"/>
-            </a:endParaRPr>
-          </a:p>
-          <a:p>
-            <a:r>
-              <a:rPr lang="en-US" sz="1600" b="1" dirty="0">
-                <a:latin typeface="Courier New" panose="02070309020205020404" pitchFamily="49" charset="0"/>
-                <a:cs typeface="Courier New" panose="02070309020205020404" pitchFamily="49" charset="0"/>
-              </a:rPr>
-              <a:t>#ifdef USE_LONG</a:t>
-            </a:r>
-          </a:p>
-          <a:p>
-            <a:r>
-              <a:rPr lang="en-US" sz="1600" b="1" dirty="0">
-                <a:latin typeface="Courier New" panose="02070309020205020404" pitchFamily="49" charset="0"/>
-                <a:cs typeface="Courier New" panose="02070309020205020404" pitchFamily="49" charset="0"/>
-              </a:rPr>
-              <a:t>#define INT_32 long</a:t>
-            </a:r>
-          </a:p>
-          <a:p>
-            <a:r>
-              <a:rPr lang="en-US" sz="1600" b="1" dirty="0">
-                <a:latin typeface="Courier New" panose="02070309020205020404" pitchFamily="49" charset="0"/>
-                <a:cs typeface="Courier New" panose="02070309020205020404" pitchFamily="49" charset="0"/>
-              </a:rPr>
-              <a:t>#else</a:t>
-            </a:r>
-          </a:p>
-          <a:p>
-            <a:r>
-              <a:rPr lang="en-US" sz="1600" b="1" dirty="0">
-                <a:latin typeface="Courier New" panose="02070309020205020404" pitchFamily="49" charset="0"/>
-                <a:cs typeface="Courier New" panose="02070309020205020404" pitchFamily="49" charset="0"/>
-              </a:rPr>
-              <a:t>#define INT_32 int</a:t>
-            </a:r>
-          </a:p>
-          <a:p>
-            <a:r>
-              <a:rPr lang="en-US" sz="1600" b="1" dirty="0">
-                <a:latin typeface="Courier New" panose="02070309020205020404" pitchFamily="49" charset="0"/>
-                <a:cs typeface="Courier New" panose="02070309020205020404" pitchFamily="49" charset="0"/>
-              </a:rPr>
-              <a:t>#endif</a:t>
-            </a:r>
-          </a:p>
-          <a:p>
-            <a:endParaRPr lang="en-US" sz="1600" b="1" dirty="0">
-              <a:latin typeface="Courier New" panose="02070309020205020404" pitchFamily="49" charset="0"/>
-              <a:cs typeface="Courier New" panose="02070309020205020404" pitchFamily="49" charset="0"/>
-            </a:endParaRPr>
-          </a:p>
-          <a:p>
-            <a:r>
-              <a:rPr lang="en-US" sz="1600" b="1" dirty="0">
-                <a:latin typeface="Courier New" panose="02070309020205020404" pitchFamily="49" charset="0"/>
-                <a:cs typeface="Courier New" panose="02070309020205020404" pitchFamily="49" charset="0"/>
-              </a:rPr>
-              <a:t>int main() {</a:t>
-            </a:r>
-          </a:p>
-          <a:p>
-            <a:endParaRPr lang="en-US" sz="1600" b="1" dirty="0">
-              <a:latin typeface="Courier New" panose="02070309020205020404" pitchFamily="49" charset="0"/>
-              <a:cs typeface="Courier New" panose="02070309020205020404" pitchFamily="49" charset="0"/>
-            </a:endParaRPr>
-          </a:p>
-          <a:p>
-            <a:r>
-              <a:rPr lang="en-US" sz="1600" b="1" dirty="0">
-                <a:latin typeface="Courier New" panose="02070309020205020404" pitchFamily="49" charset="0"/>
-                <a:cs typeface="Courier New" panose="02070309020205020404" pitchFamily="49" charset="0"/>
-              </a:rPr>
-              <a:t>    int </a:t>
-            </a:r>
-            <a:r>
-              <a:rPr lang="en-US" sz="1600" b="1" dirty="0" err="1">
-                <a:latin typeface="Courier New" panose="02070309020205020404" pitchFamily="49" charset="0"/>
-                <a:cs typeface="Courier New" panose="02070309020205020404" pitchFamily="49" charset="0"/>
-              </a:rPr>
-              <a:t>i</a:t>
-            </a:r>
-            <a:r>
-              <a:rPr lang="en-US" sz="1600" b="1" dirty="0">
-                <a:latin typeface="Courier New" panose="02070309020205020404" pitchFamily="49" charset="0"/>
-                <a:cs typeface="Courier New" panose="02070309020205020404" pitchFamily="49" charset="0"/>
-              </a:rPr>
-              <a:t>;</a:t>
-            </a:r>
-          </a:p>
-          <a:p>
-            <a:r>
-              <a:rPr lang="en-US" sz="1600" b="1" dirty="0">
-                <a:latin typeface="Courier New" panose="02070309020205020404" pitchFamily="49" charset="0"/>
-                <a:cs typeface="Courier New" panose="02070309020205020404" pitchFamily="49" charset="0"/>
-              </a:rPr>
-              <a:t>    INT_32 </a:t>
-            </a:r>
-            <a:r>
-              <a:rPr lang="en-US" sz="1600" b="1" dirty="0" err="1">
-                <a:latin typeface="Courier New" panose="02070309020205020404" pitchFamily="49" charset="0"/>
-                <a:cs typeface="Courier New" panose="02070309020205020404" pitchFamily="49" charset="0"/>
-              </a:rPr>
-              <a:t>ipaddress</a:t>
-            </a:r>
-            <a:r>
-              <a:rPr lang="en-US" sz="1600" b="1" dirty="0">
-                <a:latin typeface="Courier New" panose="02070309020205020404" pitchFamily="49" charset="0"/>
-                <a:cs typeface="Courier New" panose="02070309020205020404" pitchFamily="49" charset="0"/>
-              </a:rPr>
-              <a:t>;</a:t>
-            </a:r>
-          </a:p>
-          <a:p>
-            <a:endParaRPr lang="en-US" sz="1600" b="1" dirty="0">
-              <a:latin typeface="Courier New" panose="02070309020205020404" pitchFamily="49" charset="0"/>
-              <a:cs typeface="Courier New" panose="02070309020205020404" pitchFamily="49" charset="0"/>
-            </a:endParaRPr>
-          </a:p>
-          <a:p>
-            <a:r>
-              <a:rPr lang="en-US" sz="1600" b="1" dirty="0">
-                <a:latin typeface="Courier New" panose="02070309020205020404" pitchFamily="49" charset="0"/>
-                <a:cs typeface="Courier New" panose="02070309020205020404" pitchFamily="49" charset="0"/>
-              </a:rPr>
-              <a:t>    // ...</a:t>
-            </a:r>
-          </a:p>
-          <a:p>
-            <a:r>
-              <a:rPr lang="en-US" sz="1600" b="1" dirty="0">
-                <a:latin typeface="Courier New" panose="02070309020205020404" pitchFamily="49" charset="0"/>
-                <a:cs typeface="Courier New" panose="02070309020205020404" pitchFamily="49" charset="0"/>
-              </a:rPr>
-              <a:t>}</a:t>
-            </a:r>
-          </a:p>
-        </p:txBody>
-      </p:sp>
-      <p:sp>
-        <p:nvSpPr>
-          <p:cNvPr id="9" name="TextBox 8">
-            <a:extLst>
-              <a:ext uri="{FF2B5EF4-FFF2-40B4-BE49-F238E27FC236}">
-                <a16:creationId xmlns:a16="http://schemas.microsoft.com/office/drawing/2014/main" id="{CB3F72A3-ECEE-C2C7-3DBC-65EEE84D3D84}"/>
-              </a:ext>
-            </a:extLst>
-          </p:cNvPr>
-          <p:cNvSpPr txBox="1"/>
-          <p:nvPr/>
-        </p:nvSpPr>
-        <p:spPr>
-          <a:xfrm>
-            <a:off x="7933567" y="1536174"/>
-            <a:ext cx="2406428" cy="2308324"/>
-          </a:xfrm>
-          <a:prstGeom prst="rect">
-            <a:avLst/>
-          </a:prstGeom>
-          <a:noFill/>
-        </p:spPr>
-        <p:txBody>
-          <a:bodyPr wrap="none" rtlCol="0">
-            <a:spAutoFit/>
-          </a:bodyPr>
-          <a:lstStyle/>
-          <a:p>
-            <a:r>
-              <a:rPr lang="en-US" sz="1600" b="1" dirty="0">
-                <a:latin typeface="Courier New" panose="02070309020205020404" pitchFamily="49" charset="0"/>
-                <a:cs typeface="Courier New" panose="02070309020205020404" pitchFamily="49" charset="0"/>
-              </a:rPr>
-              <a:t>#include &lt;</a:t>
-            </a:r>
-            <a:r>
-              <a:rPr lang="en-US" sz="1600" b="1" dirty="0" err="1">
-                <a:latin typeface="Courier New" panose="02070309020205020404" pitchFamily="49" charset="0"/>
-                <a:cs typeface="Courier New" panose="02070309020205020404" pitchFamily="49" charset="0"/>
-              </a:rPr>
-              <a:t>stdio.h</a:t>
-            </a:r>
-            <a:r>
-              <a:rPr lang="en-US" sz="1600" b="1" dirty="0">
-                <a:latin typeface="Courier New" panose="02070309020205020404" pitchFamily="49" charset="0"/>
-                <a:cs typeface="Courier New" panose="02070309020205020404" pitchFamily="49" charset="0"/>
-              </a:rPr>
-              <a:t>&gt;</a:t>
-            </a:r>
-          </a:p>
-          <a:p>
-            <a:endParaRPr lang="en-US" sz="1600" b="1" dirty="0">
-              <a:latin typeface="Courier New" panose="02070309020205020404" pitchFamily="49" charset="0"/>
-              <a:cs typeface="Courier New" panose="02070309020205020404" pitchFamily="49" charset="0"/>
-            </a:endParaRPr>
-          </a:p>
-          <a:p>
-            <a:r>
-              <a:rPr lang="en-US" sz="1600" b="1" dirty="0">
-                <a:latin typeface="Courier New" panose="02070309020205020404" pitchFamily="49" charset="0"/>
-                <a:cs typeface="Courier New" panose="02070309020205020404" pitchFamily="49" charset="0"/>
-              </a:rPr>
-              <a:t>int main() {</a:t>
-            </a:r>
-          </a:p>
-          <a:p>
-            <a:endParaRPr lang="en-US" sz="1600" b="1" dirty="0">
-              <a:latin typeface="Courier New" panose="02070309020205020404" pitchFamily="49" charset="0"/>
-              <a:cs typeface="Courier New" panose="02070309020205020404" pitchFamily="49" charset="0"/>
-            </a:endParaRPr>
-          </a:p>
-          <a:p>
-            <a:r>
-              <a:rPr lang="en-US" sz="1600" b="1" dirty="0">
-                <a:latin typeface="Courier New" panose="02070309020205020404" pitchFamily="49" charset="0"/>
-                <a:cs typeface="Courier New" panose="02070309020205020404" pitchFamily="49" charset="0"/>
-              </a:rPr>
-              <a:t>    int </a:t>
-            </a:r>
-            <a:r>
-              <a:rPr lang="en-US" sz="1600" b="1" dirty="0" err="1">
-                <a:latin typeface="Courier New" panose="02070309020205020404" pitchFamily="49" charset="0"/>
-                <a:cs typeface="Courier New" panose="02070309020205020404" pitchFamily="49" charset="0"/>
-              </a:rPr>
-              <a:t>i</a:t>
-            </a:r>
-            <a:r>
-              <a:rPr lang="en-US" sz="1600" b="1" dirty="0">
-                <a:latin typeface="Courier New" panose="02070309020205020404" pitchFamily="49" charset="0"/>
-                <a:cs typeface="Courier New" panose="02070309020205020404" pitchFamily="49" charset="0"/>
-              </a:rPr>
-              <a:t>;</a:t>
-            </a:r>
-          </a:p>
-          <a:p>
-            <a:r>
-              <a:rPr lang="en-US" sz="1600" b="1" dirty="0">
-                <a:latin typeface="Courier New" panose="02070309020205020404" pitchFamily="49" charset="0"/>
-                <a:cs typeface="Courier New" panose="02070309020205020404" pitchFamily="49" charset="0"/>
-              </a:rPr>
-              <a:t>    int </a:t>
-            </a:r>
-            <a:r>
-              <a:rPr lang="en-US" sz="1600" b="1" dirty="0" err="1">
-                <a:latin typeface="Courier New" panose="02070309020205020404" pitchFamily="49" charset="0"/>
-                <a:cs typeface="Courier New" panose="02070309020205020404" pitchFamily="49" charset="0"/>
-              </a:rPr>
-              <a:t>ipaddress</a:t>
-            </a:r>
-            <a:r>
-              <a:rPr lang="en-US" sz="1600" b="1" dirty="0">
-                <a:latin typeface="Courier New" panose="02070309020205020404" pitchFamily="49" charset="0"/>
-                <a:cs typeface="Courier New" panose="02070309020205020404" pitchFamily="49" charset="0"/>
-              </a:rPr>
-              <a:t>;</a:t>
-            </a:r>
-          </a:p>
-          <a:p>
-            <a:r>
-              <a:rPr lang="en-US" sz="1600" b="1" dirty="0">
-                <a:latin typeface="Courier New" panose="02070309020205020404" pitchFamily="49" charset="0"/>
-                <a:cs typeface="Courier New" panose="02070309020205020404" pitchFamily="49" charset="0"/>
-              </a:rPr>
-              <a:t>    // ...</a:t>
-            </a:r>
-          </a:p>
-          <a:p>
-            <a:endParaRPr lang="en-US" sz="1600" b="1" dirty="0">
-              <a:latin typeface="Courier New" panose="02070309020205020404" pitchFamily="49" charset="0"/>
-              <a:cs typeface="Courier New" panose="02070309020205020404" pitchFamily="49" charset="0"/>
-            </a:endParaRPr>
-          </a:p>
-          <a:p>
-            <a:r>
-              <a:rPr lang="en-US" sz="1600" b="1" dirty="0">
-                <a:latin typeface="Courier New" panose="02070309020205020404" pitchFamily="49" charset="0"/>
-                <a:cs typeface="Courier New" panose="02070309020205020404" pitchFamily="49" charset="0"/>
-              </a:rPr>
-              <a:t>}</a:t>
-            </a:r>
-          </a:p>
-        </p:txBody>
-      </p:sp>
-      <p:sp>
-        <p:nvSpPr>
-          <p:cNvPr id="12" name="Right Arrow 11">
-            <a:extLst>
-              <a:ext uri="{FF2B5EF4-FFF2-40B4-BE49-F238E27FC236}">
-                <a16:creationId xmlns:a16="http://schemas.microsoft.com/office/drawing/2014/main" id="{319689AE-0C60-3ACF-0F4B-95870AA81D07}"/>
-              </a:ext>
-            </a:extLst>
-          </p:cNvPr>
-          <p:cNvSpPr/>
-          <p:nvPr/>
-        </p:nvSpPr>
-        <p:spPr>
-          <a:xfrm>
-            <a:off x="4103847" y="2421416"/>
-            <a:ext cx="3256796" cy="1191986"/>
-          </a:xfrm>
-          <a:prstGeom prst="rightArrow">
-            <a:avLst/>
-          </a:prstGeom>
-        </p:spPr>
-        <p:style>
-          <a:lnRef idx="2">
-            <a:schemeClr val="accent1">
-              <a:shade val="50000"/>
-            </a:schemeClr>
-          </a:lnRef>
-          <a:fillRef idx="1">
-            <a:schemeClr val="accent1"/>
-          </a:fillRef>
-          <a:effectRef idx="0">
-            <a:schemeClr val="accent1"/>
-          </a:effectRef>
-          <a:fontRef idx="minor">
-            <a:schemeClr val="lt1"/>
-          </a:fontRef>
-        </p:style>
-        <p:txBody>
-          <a:bodyPr rtlCol="0" anchor="ctr"/>
-          <a:lstStyle/>
-          <a:p>
-            <a:pPr algn="ctr"/>
-            <a:r>
-              <a:rPr lang="en-US" sz="2000" dirty="0" err="1">
-                <a:latin typeface="Courier New" panose="02070309020205020404" pitchFamily="49" charset="0"/>
-                <a:cs typeface="Courier New" panose="02070309020205020404" pitchFamily="49" charset="0"/>
-              </a:rPr>
-              <a:t>gcc</a:t>
-            </a:r>
-            <a:r>
-              <a:rPr lang="en-US" sz="2000" dirty="0">
-                <a:latin typeface="Courier New" panose="02070309020205020404" pitchFamily="49" charset="0"/>
-                <a:cs typeface="Courier New" panose="02070309020205020404" pitchFamily="49" charset="0"/>
-              </a:rPr>
-              <a:t> –E kr_04_04.c</a:t>
-            </a:r>
-          </a:p>
-        </p:txBody>
-      </p:sp>
-      <p:sp>
-        <p:nvSpPr>
-          <p:cNvPr id="13" name="TextBox 12">
-            <a:extLst>
-              <a:ext uri="{FF2B5EF4-FFF2-40B4-BE49-F238E27FC236}">
-                <a16:creationId xmlns:a16="http://schemas.microsoft.com/office/drawing/2014/main" id="{FA4B4657-E39B-3155-1639-E329296F9B09}"/>
-              </a:ext>
-            </a:extLst>
-          </p:cNvPr>
-          <p:cNvSpPr txBox="1"/>
-          <p:nvPr/>
-        </p:nvSpPr>
-        <p:spPr>
-          <a:xfrm>
-            <a:off x="293915" y="6338986"/>
-            <a:ext cx="1382485" cy="307777"/>
-          </a:xfrm>
-          <a:prstGeom prst="rect">
-            <a:avLst/>
-          </a:prstGeom>
-          <a:noFill/>
-        </p:spPr>
-        <p:txBody>
-          <a:bodyPr wrap="square">
-            <a:spAutoFit/>
-          </a:bodyPr>
-          <a:lstStyle/>
-          <a:p>
-            <a:r>
-              <a:rPr lang="en-US" sz="1400" b="1" dirty="0">
-                <a:solidFill>
-                  <a:srgbClr val="000000"/>
-                </a:solidFill>
-                <a:latin typeface="Menlo" panose="020B0609030804020204" pitchFamily="49" charset="0"/>
-              </a:rPr>
-              <a:t>kr_04_04.c</a:t>
+              <a:rPr lang="en-US" dirty="0"/>
+              <a:t>… The second incompleteness theorem, an extension of the first, shows that the system cannot demonstrate its own consistency. </a:t>
+            </a:r>
+          </a:p>
+          <a:p>
+            <a:r>
+              <a:rPr lang="en-US" dirty="0"/>
+              <a:t>                        --- </a:t>
+            </a:r>
+            <a:r>
+              <a:rPr lang="en-US" b="1" dirty="0"/>
+              <a:t>Gödel's incompleteness theorems</a:t>
             </a:r>
           </a:p>
         </p:txBody>
@@ -8873,7 +8646,7 @@
     </p:spTree>
     <p:extLst>
       <p:ext uri="{BB962C8B-B14F-4D97-AF65-F5344CB8AC3E}">
-        <p14:creationId xmlns:p14="http://schemas.microsoft.com/office/powerpoint/2010/main" val="1640140383"/>
+        <p14:creationId xmlns:p14="http://schemas.microsoft.com/office/powerpoint/2010/main" val="2244150091"/>
       </p:ext>
     </p:extLst>
   </p:cSld>
@@ -8902,10 +8675,10 @@
       </p:grpSpPr>
       <p:sp>
         <p:nvSpPr>
-          <p:cNvPr id="3" name="TextBox 2">
-            <a:extLst>
-              <a:ext uri="{FF2B5EF4-FFF2-40B4-BE49-F238E27FC236}">
-                <a16:creationId xmlns:a16="http://schemas.microsoft.com/office/drawing/2014/main" id="{3D35D4B3-CA2E-4DD2-B4B8-425FA3188E1F}"/>
+          <p:cNvPr id="8" name="TextBox 7">
+            <a:extLst>
+              <a:ext uri="{FF2B5EF4-FFF2-40B4-BE49-F238E27FC236}">
+                <a16:creationId xmlns:a16="http://schemas.microsoft.com/office/drawing/2014/main" id="{F1FBA055-B204-4D02-B979-F74380C365C8}"/>
               </a:ext>
             </a:extLst>
           </p:cNvPr>
@@ -8914,8 +8687,609 @@
         </p:nvSpPr>
         <p:spPr>
           <a:xfrm>
-            <a:off x="838200" y="5875502"/>
-            <a:ext cx="7172325" cy="369332"/>
+            <a:off x="985157" y="1773416"/>
+            <a:ext cx="2776722" cy="3785652"/>
+          </a:xfrm>
+          <a:prstGeom prst="rect">
+            <a:avLst/>
+          </a:prstGeom>
+          <a:noFill/>
+        </p:spPr>
+        <p:txBody>
+          <a:bodyPr wrap="none" rtlCol="0">
+            <a:spAutoFit/>
+          </a:bodyPr>
+          <a:lstStyle/>
+          <a:p>
+            <a:r>
+              <a:rPr lang="en-US" sz="1600" b="1" dirty="0">
+                <a:solidFill>
+                  <a:srgbClr val="4472C4"/>
+                </a:solidFill>
+                <a:latin typeface="Courier New" panose="02070309020205020404" pitchFamily="49" charset="0"/>
+                <a:cs typeface="Courier New" panose="02070309020205020404" pitchFamily="49" charset="0"/>
+              </a:rPr>
+              <a:t>#include &lt;</a:t>
+            </a:r>
+            <a:r>
+              <a:rPr lang="en-US" sz="1600" b="1" dirty="0" err="1">
+                <a:solidFill>
+                  <a:srgbClr val="4472C4"/>
+                </a:solidFill>
+                <a:latin typeface="Courier New" panose="02070309020205020404" pitchFamily="49" charset="0"/>
+                <a:cs typeface="Courier New" panose="02070309020205020404" pitchFamily="49" charset="0"/>
+              </a:rPr>
+              <a:t>stdio.h</a:t>
+            </a:r>
+            <a:r>
+              <a:rPr lang="en-US" sz="1600" b="1" dirty="0">
+                <a:solidFill>
+                  <a:srgbClr val="4472C4"/>
+                </a:solidFill>
+                <a:latin typeface="Courier New" panose="02070309020205020404" pitchFamily="49" charset="0"/>
+                <a:cs typeface="Courier New" panose="02070309020205020404" pitchFamily="49" charset="0"/>
+              </a:rPr>
+              <a:t>&gt;</a:t>
+            </a:r>
+          </a:p>
+          <a:p>
+            <a:endParaRPr lang="en-US" sz="1600" b="1" dirty="0">
+              <a:latin typeface="Courier New" panose="02070309020205020404" pitchFamily="49" charset="0"/>
+              <a:cs typeface="Courier New" panose="02070309020205020404" pitchFamily="49" charset="0"/>
+            </a:endParaRPr>
+          </a:p>
+          <a:p>
+            <a:r>
+              <a:rPr lang="en-US" sz="1600" b="1" dirty="0">
+                <a:solidFill>
+                  <a:schemeClr val="accent6">
+                    <a:lumMod val="50000"/>
+                  </a:schemeClr>
+                </a:solidFill>
+                <a:latin typeface="Courier New" panose="02070309020205020404" pitchFamily="49" charset="0"/>
+                <a:cs typeface="Courier New" panose="02070309020205020404" pitchFamily="49" charset="0"/>
+              </a:rPr>
+              <a:t>#ifdef USE_LONG</a:t>
+            </a:r>
+          </a:p>
+          <a:p>
+            <a:r>
+              <a:rPr lang="en-US" sz="1600" b="1" dirty="0">
+                <a:solidFill>
+                  <a:schemeClr val="accent6">
+                    <a:lumMod val="50000"/>
+                  </a:schemeClr>
+                </a:solidFill>
+                <a:latin typeface="Courier New" panose="02070309020205020404" pitchFamily="49" charset="0"/>
+                <a:cs typeface="Courier New" panose="02070309020205020404" pitchFamily="49" charset="0"/>
+              </a:rPr>
+              <a:t>#define INT_32 long</a:t>
+            </a:r>
+          </a:p>
+          <a:p>
+            <a:r>
+              <a:rPr lang="en-US" sz="1600" b="1" dirty="0">
+                <a:solidFill>
+                  <a:schemeClr val="accent6">
+                    <a:lumMod val="50000"/>
+                  </a:schemeClr>
+                </a:solidFill>
+                <a:latin typeface="Courier New" panose="02070309020205020404" pitchFamily="49" charset="0"/>
+                <a:cs typeface="Courier New" panose="02070309020205020404" pitchFamily="49" charset="0"/>
+              </a:rPr>
+              <a:t>#else</a:t>
+            </a:r>
+          </a:p>
+          <a:p>
+            <a:r>
+              <a:rPr lang="en-US" sz="1600" b="1" dirty="0">
+                <a:solidFill>
+                  <a:schemeClr val="accent6">
+                    <a:lumMod val="50000"/>
+                  </a:schemeClr>
+                </a:solidFill>
+                <a:latin typeface="Courier New" panose="02070309020205020404" pitchFamily="49" charset="0"/>
+                <a:cs typeface="Courier New" panose="02070309020205020404" pitchFamily="49" charset="0"/>
+              </a:rPr>
+              <a:t>#define INT_32 int</a:t>
+            </a:r>
+          </a:p>
+          <a:p>
+            <a:r>
+              <a:rPr lang="en-US" sz="1600" b="1" dirty="0">
+                <a:solidFill>
+                  <a:schemeClr val="accent6">
+                    <a:lumMod val="50000"/>
+                  </a:schemeClr>
+                </a:solidFill>
+                <a:latin typeface="Courier New" panose="02070309020205020404" pitchFamily="49" charset="0"/>
+                <a:cs typeface="Courier New" panose="02070309020205020404" pitchFamily="49" charset="0"/>
+              </a:rPr>
+              <a:t>#endif</a:t>
+            </a:r>
+          </a:p>
+          <a:p>
+            <a:endParaRPr lang="en-US" sz="1600" b="1" dirty="0">
+              <a:latin typeface="Courier New" panose="02070309020205020404" pitchFamily="49" charset="0"/>
+              <a:cs typeface="Courier New" panose="02070309020205020404" pitchFamily="49" charset="0"/>
+            </a:endParaRPr>
+          </a:p>
+          <a:p>
+            <a:r>
+              <a:rPr lang="en-US" sz="1600" b="1" dirty="0">
+                <a:latin typeface="Courier New" panose="02070309020205020404" pitchFamily="49" charset="0"/>
+                <a:cs typeface="Courier New" panose="02070309020205020404" pitchFamily="49" charset="0"/>
+              </a:rPr>
+              <a:t>int main() {</a:t>
+            </a:r>
+          </a:p>
+          <a:p>
+            <a:endParaRPr lang="en-US" sz="1600" b="1" dirty="0">
+              <a:latin typeface="Courier New" panose="02070309020205020404" pitchFamily="49" charset="0"/>
+              <a:cs typeface="Courier New" panose="02070309020205020404" pitchFamily="49" charset="0"/>
+            </a:endParaRPr>
+          </a:p>
+          <a:p>
+            <a:r>
+              <a:rPr lang="en-US" sz="1600" b="1" dirty="0">
+                <a:latin typeface="Courier New" panose="02070309020205020404" pitchFamily="49" charset="0"/>
+                <a:cs typeface="Courier New" panose="02070309020205020404" pitchFamily="49" charset="0"/>
+              </a:rPr>
+              <a:t>    int </a:t>
+            </a:r>
+            <a:r>
+              <a:rPr lang="en-US" sz="1600" b="1" dirty="0" err="1">
+                <a:latin typeface="Courier New" panose="02070309020205020404" pitchFamily="49" charset="0"/>
+                <a:cs typeface="Courier New" panose="02070309020205020404" pitchFamily="49" charset="0"/>
+              </a:rPr>
+              <a:t>i</a:t>
+            </a:r>
+            <a:r>
+              <a:rPr lang="en-US" sz="1600" b="1" dirty="0">
+                <a:latin typeface="Courier New" panose="02070309020205020404" pitchFamily="49" charset="0"/>
+                <a:cs typeface="Courier New" panose="02070309020205020404" pitchFamily="49" charset="0"/>
+              </a:rPr>
+              <a:t>;</a:t>
+            </a:r>
+          </a:p>
+          <a:p>
+            <a:r>
+              <a:rPr lang="en-US" sz="1600" b="1" dirty="0">
+                <a:solidFill>
+                  <a:schemeClr val="accent6">
+                    <a:lumMod val="50000"/>
+                  </a:schemeClr>
+                </a:solidFill>
+                <a:latin typeface="Courier New" panose="02070309020205020404" pitchFamily="49" charset="0"/>
+                <a:cs typeface="Courier New" panose="02070309020205020404" pitchFamily="49" charset="0"/>
+              </a:rPr>
+              <a:t>    INT_32 </a:t>
+            </a:r>
+            <a:r>
+              <a:rPr lang="en-US" sz="1600" b="1" dirty="0" err="1">
+                <a:solidFill>
+                  <a:schemeClr val="accent6">
+                    <a:lumMod val="50000"/>
+                  </a:schemeClr>
+                </a:solidFill>
+                <a:latin typeface="Courier New" panose="02070309020205020404" pitchFamily="49" charset="0"/>
+                <a:cs typeface="Courier New" panose="02070309020205020404" pitchFamily="49" charset="0"/>
+              </a:rPr>
+              <a:t>ipaddress</a:t>
+            </a:r>
+            <a:r>
+              <a:rPr lang="en-US" sz="1600" b="1" dirty="0">
+                <a:solidFill>
+                  <a:schemeClr val="accent6">
+                    <a:lumMod val="50000"/>
+                  </a:schemeClr>
+                </a:solidFill>
+                <a:latin typeface="Courier New" panose="02070309020205020404" pitchFamily="49" charset="0"/>
+                <a:cs typeface="Courier New" panose="02070309020205020404" pitchFamily="49" charset="0"/>
+              </a:rPr>
+              <a:t>;</a:t>
+            </a:r>
+          </a:p>
+          <a:p>
+            <a:endParaRPr lang="en-US" sz="1600" b="1" dirty="0">
+              <a:latin typeface="Courier New" panose="02070309020205020404" pitchFamily="49" charset="0"/>
+              <a:cs typeface="Courier New" panose="02070309020205020404" pitchFamily="49" charset="0"/>
+            </a:endParaRPr>
+          </a:p>
+          <a:p>
+            <a:r>
+              <a:rPr lang="en-US" sz="1600" b="1" dirty="0">
+                <a:latin typeface="Courier New" panose="02070309020205020404" pitchFamily="49" charset="0"/>
+                <a:cs typeface="Courier New" panose="02070309020205020404" pitchFamily="49" charset="0"/>
+              </a:rPr>
+              <a:t>    // ...</a:t>
+            </a:r>
+          </a:p>
+          <a:p>
+            <a:r>
+              <a:rPr lang="en-US" sz="1600" b="1" dirty="0">
+                <a:latin typeface="Courier New" panose="02070309020205020404" pitchFamily="49" charset="0"/>
+                <a:cs typeface="Courier New" panose="02070309020205020404" pitchFamily="49" charset="0"/>
+              </a:rPr>
+              <a:t>}</a:t>
+            </a:r>
+          </a:p>
+        </p:txBody>
+      </p:sp>
+      <p:sp>
+        <p:nvSpPr>
+          <p:cNvPr id="9" name="TextBox 8">
+            <a:extLst>
+              <a:ext uri="{FF2B5EF4-FFF2-40B4-BE49-F238E27FC236}">
+                <a16:creationId xmlns:a16="http://schemas.microsoft.com/office/drawing/2014/main" id="{CB3F72A3-ECEE-C2C7-3DBC-65EEE84D3D84}"/>
+              </a:ext>
+            </a:extLst>
+          </p:cNvPr>
+          <p:cNvSpPr txBox="1"/>
+          <p:nvPr/>
+        </p:nvSpPr>
+        <p:spPr>
+          <a:xfrm>
+            <a:off x="6958207" y="1784016"/>
+            <a:ext cx="4875053" cy="3785652"/>
+          </a:xfrm>
+          <a:prstGeom prst="rect">
+            <a:avLst/>
+          </a:prstGeom>
+          <a:noFill/>
+        </p:spPr>
+        <p:txBody>
+          <a:bodyPr wrap="none" rtlCol="0">
+            <a:spAutoFit/>
+          </a:bodyPr>
+          <a:lstStyle/>
+          <a:p>
+            <a:r>
+              <a:rPr lang="en-US" sz="1600" b="1" dirty="0">
+                <a:solidFill>
+                  <a:srgbClr val="4472C4"/>
+                </a:solidFill>
+                <a:latin typeface="Courier New" panose="02070309020205020404" pitchFamily="49" charset="0"/>
+                <a:cs typeface="Courier New" panose="02070309020205020404" pitchFamily="49" charset="0"/>
+              </a:rPr>
+              <a:t>int </a:t>
+            </a:r>
+            <a:r>
+              <a:rPr lang="en-US" sz="1600" b="1" dirty="0" err="1">
+                <a:solidFill>
+                  <a:srgbClr val="4472C4"/>
+                </a:solidFill>
+                <a:latin typeface="Courier New" panose="02070309020205020404" pitchFamily="49" charset="0"/>
+                <a:cs typeface="Courier New" panose="02070309020205020404" pitchFamily="49" charset="0"/>
+              </a:rPr>
+              <a:t>printf</a:t>
+            </a:r>
+            <a:r>
+              <a:rPr lang="en-US" sz="1600" b="1" dirty="0">
+                <a:solidFill>
+                  <a:srgbClr val="4472C4"/>
+                </a:solidFill>
+                <a:latin typeface="Courier New" panose="02070309020205020404" pitchFamily="49" charset="0"/>
+                <a:cs typeface="Courier New" panose="02070309020205020404" pitchFamily="49" charset="0"/>
+              </a:rPr>
+              <a:t>(const char * restrict, ...)</a:t>
+            </a:r>
+          </a:p>
+          <a:p>
+            <a:r>
+              <a:rPr lang="en-US" sz="1600" b="1" dirty="0">
+                <a:solidFill>
+                  <a:srgbClr val="4472C4"/>
+                </a:solidFill>
+                <a:latin typeface="Courier New" panose="02070309020205020404" pitchFamily="49" charset="0"/>
+                <a:cs typeface="Courier New" panose="02070309020205020404" pitchFamily="49" charset="0"/>
+              </a:rPr>
+              <a:t>int </a:t>
+            </a:r>
+            <a:r>
+              <a:rPr lang="en-US" sz="1600" b="1" dirty="0" err="1">
+                <a:solidFill>
+                  <a:srgbClr val="4472C4"/>
+                </a:solidFill>
+                <a:latin typeface="Courier New" panose="02070309020205020404" pitchFamily="49" charset="0"/>
+                <a:cs typeface="Courier New" panose="02070309020205020404" pitchFamily="49" charset="0"/>
+              </a:rPr>
+              <a:t>putc</a:t>
+            </a:r>
+            <a:r>
+              <a:rPr lang="en-US" sz="1600" b="1" dirty="0">
+                <a:solidFill>
+                  <a:srgbClr val="4472C4"/>
+                </a:solidFill>
+                <a:latin typeface="Courier New" panose="02070309020205020404" pitchFamily="49" charset="0"/>
+                <a:cs typeface="Courier New" panose="02070309020205020404" pitchFamily="49" charset="0"/>
+              </a:rPr>
+              <a:t>(int, FILE *);</a:t>
+            </a:r>
+          </a:p>
+          <a:p>
+            <a:r>
+              <a:rPr lang="en-US" sz="1600" b="1" dirty="0">
+                <a:solidFill>
+                  <a:srgbClr val="4472C4"/>
+                </a:solidFill>
+                <a:latin typeface="Courier New" panose="02070309020205020404" pitchFamily="49" charset="0"/>
+                <a:cs typeface="Courier New" panose="02070309020205020404" pitchFamily="49" charset="0"/>
+              </a:rPr>
+              <a:t>int </a:t>
+            </a:r>
+            <a:r>
+              <a:rPr lang="en-US" sz="1600" b="1" dirty="0" err="1">
+                <a:solidFill>
+                  <a:srgbClr val="4472C4"/>
+                </a:solidFill>
+                <a:latin typeface="Courier New" panose="02070309020205020404" pitchFamily="49" charset="0"/>
+                <a:cs typeface="Courier New" panose="02070309020205020404" pitchFamily="49" charset="0"/>
+              </a:rPr>
+              <a:t>putchar</a:t>
+            </a:r>
+            <a:r>
+              <a:rPr lang="en-US" sz="1600" b="1" dirty="0">
+                <a:solidFill>
+                  <a:srgbClr val="4472C4"/>
+                </a:solidFill>
+                <a:latin typeface="Courier New" panose="02070309020205020404" pitchFamily="49" charset="0"/>
+                <a:cs typeface="Courier New" panose="02070309020205020404" pitchFamily="49" charset="0"/>
+              </a:rPr>
+              <a:t>(int);</a:t>
+            </a:r>
+          </a:p>
+          <a:p>
+            <a:r>
+              <a:rPr lang="en-US" sz="1600" b="1" dirty="0">
+                <a:solidFill>
+                  <a:srgbClr val="4472C4"/>
+                </a:solidFill>
+                <a:latin typeface="Courier New" panose="02070309020205020404" pitchFamily="49" charset="0"/>
+                <a:cs typeface="Courier New" panose="02070309020205020404" pitchFamily="49" charset="0"/>
+              </a:rPr>
+              <a:t>int puts(const char *);</a:t>
+            </a:r>
+          </a:p>
+          <a:p>
+            <a:r>
+              <a:rPr lang="en-US" sz="1600" b="1" dirty="0">
+                <a:solidFill>
+                  <a:srgbClr val="4472C4"/>
+                </a:solidFill>
+                <a:latin typeface="Courier New" panose="02070309020205020404" pitchFamily="49" charset="0"/>
+                <a:cs typeface="Courier New" panose="02070309020205020404" pitchFamily="49" charset="0"/>
+              </a:rPr>
+              <a:t>int remove(const char *);</a:t>
+            </a:r>
+          </a:p>
+          <a:p>
+            <a:r>
+              <a:rPr lang="en-US" sz="1600" b="1" dirty="0">
+                <a:solidFill>
+                  <a:srgbClr val="4472C4"/>
+                </a:solidFill>
+                <a:latin typeface="Courier New" panose="02070309020205020404" pitchFamily="49" charset="0"/>
+                <a:cs typeface="Courier New" panose="02070309020205020404" pitchFamily="49" charset="0"/>
+              </a:rPr>
+              <a:t>void rewind(FILE *);</a:t>
+            </a:r>
+          </a:p>
+          <a:p>
+            <a:r>
+              <a:rPr lang="en-US" sz="1600" b="1" dirty="0">
+                <a:solidFill>
+                  <a:srgbClr val="4472C4"/>
+                </a:solidFill>
+                <a:latin typeface="Courier New" panose="02070309020205020404" pitchFamily="49" charset="0"/>
+                <a:cs typeface="Courier New" panose="02070309020205020404" pitchFamily="49" charset="0"/>
+              </a:rPr>
+              <a:t>int </a:t>
+            </a:r>
+            <a:r>
+              <a:rPr lang="en-US" sz="1600" b="1" dirty="0" err="1">
+                <a:solidFill>
+                  <a:srgbClr val="4472C4"/>
+                </a:solidFill>
+                <a:latin typeface="Courier New" panose="02070309020205020404" pitchFamily="49" charset="0"/>
+                <a:cs typeface="Courier New" panose="02070309020205020404" pitchFamily="49" charset="0"/>
+              </a:rPr>
+              <a:t>scanf</a:t>
+            </a:r>
+            <a:r>
+              <a:rPr lang="en-US" sz="1600" b="1" dirty="0">
+                <a:solidFill>
+                  <a:srgbClr val="4472C4"/>
+                </a:solidFill>
+                <a:latin typeface="Courier New" panose="02070309020205020404" pitchFamily="49" charset="0"/>
+                <a:cs typeface="Courier New" panose="02070309020205020404" pitchFamily="49" charset="0"/>
+              </a:rPr>
+              <a:t>(const char * restrict, ...)</a:t>
+            </a:r>
+          </a:p>
+          <a:p>
+            <a:endParaRPr lang="en-US" sz="1600" b="1" dirty="0">
+              <a:latin typeface="Courier New" panose="02070309020205020404" pitchFamily="49" charset="0"/>
+              <a:cs typeface="Courier New" panose="02070309020205020404" pitchFamily="49" charset="0"/>
+            </a:endParaRPr>
+          </a:p>
+          <a:p>
+            <a:r>
+              <a:rPr lang="en-US" sz="1600" b="1" dirty="0">
+                <a:latin typeface="Courier New" panose="02070309020205020404" pitchFamily="49" charset="0"/>
+                <a:cs typeface="Courier New" panose="02070309020205020404" pitchFamily="49" charset="0"/>
+              </a:rPr>
+              <a:t>int main() {</a:t>
+            </a:r>
+          </a:p>
+          <a:p>
+            <a:endParaRPr lang="en-US" sz="1600" b="1" dirty="0">
+              <a:latin typeface="Courier New" panose="02070309020205020404" pitchFamily="49" charset="0"/>
+              <a:cs typeface="Courier New" panose="02070309020205020404" pitchFamily="49" charset="0"/>
+            </a:endParaRPr>
+          </a:p>
+          <a:p>
+            <a:r>
+              <a:rPr lang="en-US" sz="1600" b="1" dirty="0">
+                <a:latin typeface="Courier New" panose="02070309020205020404" pitchFamily="49" charset="0"/>
+                <a:cs typeface="Courier New" panose="02070309020205020404" pitchFamily="49" charset="0"/>
+              </a:rPr>
+              <a:t>    int </a:t>
+            </a:r>
+            <a:r>
+              <a:rPr lang="en-US" sz="1600" b="1" dirty="0" err="1">
+                <a:latin typeface="Courier New" panose="02070309020205020404" pitchFamily="49" charset="0"/>
+                <a:cs typeface="Courier New" panose="02070309020205020404" pitchFamily="49" charset="0"/>
+              </a:rPr>
+              <a:t>i</a:t>
+            </a:r>
+            <a:r>
+              <a:rPr lang="en-US" sz="1600" b="1" dirty="0">
+                <a:latin typeface="Courier New" panose="02070309020205020404" pitchFamily="49" charset="0"/>
+                <a:cs typeface="Courier New" panose="02070309020205020404" pitchFamily="49" charset="0"/>
+              </a:rPr>
+              <a:t>;</a:t>
+            </a:r>
+          </a:p>
+          <a:p>
+            <a:r>
+              <a:rPr lang="en-US" sz="1600" b="1" dirty="0">
+                <a:solidFill>
+                  <a:schemeClr val="accent6">
+                    <a:lumMod val="50000"/>
+                  </a:schemeClr>
+                </a:solidFill>
+                <a:latin typeface="Courier New" panose="02070309020205020404" pitchFamily="49" charset="0"/>
+                <a:cs typeface="Courier New" panose="02070309020205020404" pitchFamily="49" charset="0"/>
+              </a:rPr>
+              <a:t>    int </a:t>
+            </a:r>
+            <a:r>
+              <a:rPr lang="en-US" sz="1600" b="1" dirty="0" err="1">
+                <a:solidFill>
+                  <a:schemeClr val="accent6">
+                    <a:lumMod val="50000"/>
+                  </a:schemeClr>
+                </a:solidFill>
+                <a:latin typeface="Courier New" panose="02070309020205020404" pitchFamily="49" charset="0"/>
+                <a:cs typeface="Courier New" panose="02070309020205020404" pitchFamily="49" charset="0"/>
+              </a:rPr>
+              <a:t>ipaddress</a:t>
+            </a:r>
+            <a:r>
+              <a:rPr lang="en-US" sz="1600" b="1" dirty="0">
+                <a:solidFill>
+                  <a:schemeClr val="accent6">
+                    <a:lumMod val="50000"/>
+                  </a:schemeClr>
+                </a:solidFill>
+                <a:latin typeface="Courier New" panose="02070309020205020404" pitchFamily="49" charset="0"/>
+                <a:cs typeface="Courier New" panose="02070309020205020404" pitchFamily="49" charset="0"/>
+              </a:rPr>
+              <a:t>;</a:t>
+            </a:r>
+          </a:p>
+          <a:p>
+            <a:r>
+              <a:rPr lang="en-US" sz="1600" b="1" dirty="0">
+                <a:latin typeface="Courier New" panose="02070309020205020404" pitchFamily="49" charset="0"/>
+                <a:cs typeface="Courier New" panose="02070309020205020404" pitchFamily="49" charset="0"/>
+              </a:rPr>
+              <a:t>    // ...</a:t>
+            </a:r>
+          </a:p>
+          <a:p>
+            <a:endParaRPr lang="en-US" sz="1600" b="1" dirty="0">
+              <a:latin typeface="Courier New" panose="02070309020205020404" pitchFamily="49" charset="0"/>
+              <a:cs typeface="Courier New" panose="02070309020205020404" pitchFamily="49" charset="0"/>
+            </a:endParaRPr>
+          </a:p>
+          <a:p>
+            <a:r>
+              <a:rPr lang="en-US" sz="1600" b="1" dirty="0">
+                <a:latin typeface="Courier New" panose="02070309020205020404" pitchFamily="49" charset="0"/>
+                <a:cs typeface="Courier New" panose="02070309020205020404" pitchFamily="49" charset="0"/>
+              </a:rPr>
+              <a:t>}</a:t>
+            </a:r>
+          </a:p>
+        </p:txBody>
+      </p:sp>
+      <p:sp>
+        <p:nvSpPr>
+          <p:cNvPr id="12" name="Right Arrow 11">
+            <a:extLst>
+              <a:ext uri="{FF2B5EF4-FFF2-40B4-BE49-F238E27FC236}">
+                <a16:creationId xmlns:a16="http://schemas.microsoft.com/office/drawing/2014/main" id="{319689AE-0C60-3ACF-0F4B-95870AA81D07}"/>
+              </a:ext>
+            </a:extLst>
+          </p:cNvPr>
+          <p:cNvSpPr/>
+          <p:nvPr/>
+        </p:nvSpPr>
+        <p:spPr>
+          <a:xfrm>
+            <a:off x="3761879" y="3210560"/>
+            <a:ext cx="2776722" cy="1023586"/>
+          </a:xfrm>
+          <a:prstGeom prst="rightArrow">
+            <a:avLst/>
+          </a:prstGeom>
+        </p:spPr>
+        <p:style>
+          <a:lnRef idx="2">
+            <a:schemeClr val="accent1">
+              <a:shade val="50000"/>
+            </a:schemeClr>
+          </a:lnRef>
+          <a:fillRef idx="1">
+            <a:schemeClr val="accent1"/>
+          </a:fillRef>
+          <a:effectRef idx="0">
+            <a:schemeClr val="accent1"/>
+          </a:effectRef>
+          <a:fontRef idx="minor">
+            <a:schemeClr val="lt1"/>
+          </a:fontRef>
+        </p:style>
+        <p:txBody>
+          <a:bodyPr rtlCol="0" anchor="ctr"/>
+          <a:lstStyle/>
+          <a:p>
+            <a:pPr algn="ctr"/>
+            <a:r>
+              <a:rPr lang="en-US" dirty="0" err="1">
+                <a:latin typeface="Courier New" panose="02070309020205020404" pitchFamily="49" charset="0"/>
+                <a:cs typeface="Courier New" panose="02070309020205020404" pitchFamily="49" charset="0"/>
+              </a:rPr>
+              <a:t>gcc</a:t>
+            </a:r>
+            <a:r>
+              <a:rPr lang="en-US" dirty="0">
+                <a:latin typeface="Courier New" panose="02070309020205020404" pitchFamily="49" charset="0"/>
+                <a:cs typeface="Courier New" panose="02070309020205020404" pitchFamily="49" charset="0"/>
+              </a:rPr>
+              <a:t> –E kr_04_04.c</a:t>
+            </a:r>
+          </a:p>
+        </p:txBody>
+      </p:sp>
+      <p:sp>
+        <p:nvSpPr>
+          <p:cNvPr id="13" name="TextBox 12">
+            <a:extLst>
+              <a:ext uri="{FF2B5EF4-FFF2-40B4-BE49-F238E27FC236}">
+                <a16:creationId xmlns:a16="http://schemas.microsoft.com/office/drawing/2014/main" id="{FA4B4657-E39B-3155-1639-E329296F9B09}"/>
+              </a:ext>
+            </a:extLst>
+          </p:cNvPr>
+          <p:cNvSpPr txBox="1"/>
+          <p:nvPr/>
+        </p:nvSpPr>
+        <p:spPr>
+          <a:xfrm>
+            <a:off x="293915" y="6338986"/>
+            <a:ext cx="1382485" cy="307777"/>
           </a:xfrm>
           <a:prstGeom prst="rect">
             <a:avLst/>
@@ -8929,64 +9303,23 @@
           <a:lstStyle/>
           <a:p>
             <a:r>
-              <a:rPr lang="en-US" dirty="0"/>
-              <a:t>https://</a:t>
-            </a:r>
-            <a:r>
-              <a:rPr lang="en-US" dirty="0" err="1"/>
-              <a:t>github.com</a:t>
-            </a:r>
-            <a:r>
-              <a:rPr lang="en-US" dirty="0"/>
-              <a:t>/csev/xmosaic-1.2/blob/master/</a:t>
-            </a:r>
-            <a:r>
-              <a:rPr lang="en-US" dirty="0" err="1"/>
-              <a:t>libwww</a:t>
-            </a:r>
-            <a:r>
-              <a:rPr lang="en-US" dirty="0"/>
-              <a:t>/HTTCP.c#L47</a:t>
-            </a:r>
-          </a:p>
-        </p:txBody>
-      </p:sp>
-      <p:pic>
-        <p:nvPicPr>
-          <p:cNvPr id="54" name="Picture 53" descr="Source code from XMosaic 1.2 - the precise code is less important than the complexity of the code.&#10;&#10;https://github.com/csev/xmosaic-1.2/blob/master/libwww/HTTCP.c#L47">
-            <a:extLst>
-              <a:ext uri="{FF2B5EF4-FFF2-40B4-BE49-F238E27FC236}">
-                <a16:creationId xmlns:a16="http://schemas.microsoft.com/office/drawing/2014/main" id="{8FEACF99-E0AD-29C6-4DC3-EBB6F7EEB8DA}"/>
-              </a:ext>
-            </a:extLst>
-          </p:cNvPr>
-          <p:cNvPicPr>
-            <a:picLocks noChangeAspect="1"/>
-          </p:cNvPicPr>
-          <p:nvPr/>
-        </p:nvPicPr>
-        <p:blipFill>
-          <a:blip r:embed="rId2"/>
-          <a:stretch>
-            <a:fillRect/>
-          </a:stretch>
-        </p:blipFill>
-        <p:spPr>
-          <a:xfrm>
-            <a:off x="8249557" y="468395"/>
-            <a:ext cx="3479800" cy="5143500"/>
-          </a:xfrm>
-          <a:prstGeom prst="rect">
-            <a:avLst/>
-          </a:prstGeom>
-        </p:spPr>
-      </p:pic>
-      <p:sp>
-        <p:nvSpPr>
-          <p:cNvPr id="55" name="Title 54">
-            <a:extLst>
-              <a:ext uri="{FF2B5EF4-FFF2-40B4-BE49-F238E27FC236}">
-                <a16:creationId xmlns:a16="http://schemas.microsoft.com/office/drawing/2014/main" id="{83466623-66F6-2D88-B914-BC766E88A77A}"/>
+              <a:rPr lang="en-US" sz="1400" b="1" dirty="0">
+                <a:solidFill>
+                  <a:srgbClr val="000000"/>
+                </a:solidFill>
+                <a:latin typeface="Menlo" panose="020B0609030804020204" pitchFamily="49" charset="0"/>
+              </a:rPr>
+              <a:t>kr_04_04.c</a:t>
+            </a:r>
+          </a:p>
+        </p:txBody>
+      </p:sp>
+      <p:sp>
+        <p:nvSpPr>
+          <p:cNvPr id="2" name="Title 1">
+            <a:extLst>
+              <a:ext uri="{FF2B5EF4-FFF2-40B4-BE49-F238E27FC236}">
+                <a16:creationId xmlns:a16="http://schemas.microsoft.com/office/drawing/2014/main" id="{73BBB7F8-CECD-E8EF-1ABA-33CF20AEB147}"/>
               </a:ext>
             </a:extLst>
           </p:cNvPr>
@@ -9004,50 +9337,7 @@
           <a:p>
             <a:r>
               <a:rPr lang="en-US" dirty="0"/>
-              <a:t>Compensating for weirdness …</a:t>
-            </a:r>
-          </a:p>
-        </p:txBody>
-      </p:sp>
-      <p:sp>
-        <p:nvSpPr>
-          <p:cNvPr id="56" name="Content Placeholder 55">
-            <a:extLst>
-              <a:ext uri="{FF2B5EF4-FFF2-40B4-BE49-F238E27FC236}">
-                <a16:creationId xmlns:a16="http://schemas.microsoft.com/office/drawing/2014/main" id="{E3F4C29E-4A05-B52D-B70A-F796B17D07F9}"/>
-              </a:ext>
-            </a:extLst>
-          </p:cNvPr>
-          <p:cNvSpPr>
-            <a:spLocks noGrp="1"/>
-          </p:cNvSpPr>
-          <p:nvPr>
-            <p:ph idx="1"/>
-          </p:nvPr>
-        </p:nvSpPr>
-        <p:spPr>
-          <a:xfrm>
-            <a:off x="838200" y="1825624"/>
-            <a:ext cx="6379029" cy="3229851"/>
-          </a:xfrm>
-        </p:spPr>
-        <p:txBody>
-          <a:bodyPr>
-            <a:normAutofit/>
-          </a:bodyPr>
-          <a:lstStyle/>
-          <a:p>
-            <a:r>
-              <a:rPr lang="en-US" dirty="0"/>
-              <a:t>In this example C snippet from </a:t>
-            </a:r>
-            <a:r>
-              <a:rPr lang="en-US" dirty="0" err="1"/>
-              <a:t>XMosaic</a:t>
-            </a:r>
-            <a:r>
-              <a:rPr lang="en-US" dirty="0"/>
-              <a:t> 1.2 from 1994, we see constant effort to use the pre-processor so we can compile the program on a wide range of operating systems and even versions of those operating systems.</a:t>
+              <a:t>Transform C Source code to C Source code</a:t>
             </a:r>
           </a:p>
         </p:txBody>
@@ -9055,7 +9345,7 @@
     </p:spTree>
     <p:extLst>
       <p:ext uri="{BB962C8B-B14F-4D97-AF65-F5344CB8AC3E}">
-        <p14:creationId xmlns:p14="http://schemas.microsoft.com/office/powerpoint/2010/main" val="1916434316"/>
+        <p14:creationId xmlns:p14="http://schemas.microsoft.com/office/powerpoint/2010/main" val="1640140383"/>
       </p:ext>
     </p:extLst>
   </p:cSld>
@@ -9084,10 +9374,90 @@
       </p:grpSpPr>
       <p:sp>
         <p:nvSpPr>
-          <p:cNvPr id="3" name="Title 2">
-            <a:extLst>
-              <a:ext uri="{FF2B5EF4-FFF2-40B4-BE49-F238E27FC236}">
-                <a16:creationId xmlns:a16="http://schemas.microsoft.com/office/drawing/2014/main" id="{26D5DF8A-3D98-DC7E-85E8-EAC7EDC57520}"/>
+          <p:cNvPr id="3" name="TextBox 2">
+            <a:extLst>
+              <a:ext uri="{FF2B5EF4-FFF2-40B4-BE49-F238E27FC236}">
+                <a16:creationId xmlns:a16="http://schemas.microsoft.com/office/drawing/2014/main" id="{3D35D4B3-CA2E-4DD2-B4B8-425FA3188E1F}"/>
+              </a:ext>
+            </a:extLst>
+          </p:cNvPr>
+          <p:cNvSpPr txBox="1"/>
+          <p:nvPr/>
+        </p:nvSpPr>
+        <p:spPr>
+          <a:xfrm>
+            <a:off x="2295525" y="5460762"/>
+            <a:ext cx="7172325" cy="369332"/>
+          </a:xfrm>
+          <a:prstGeom prst="rect">
+            <a:avLst/>
+          </a:prstGeom>
+          <a:noFill/>
+        </p:spPr>
+        <p:txBody>
+          <a:bodyPr wrap="square">
+            <a:spAutoFit/>
+          </a:bodyPr>
+          <a:lstStyle/>
+          <a:p>
+            <a:r>
+              <a:rPr lang="en-US" dirty="0"/>
+              <a:t>https://</a:t>
+            </a:r>
+            <a:r>
+              <a:rPr lang="en-US" dirty="0" err="1"/>
+              <a:t>github.com</a:t>
+            </a:r>
+            <a:r>
+              <a:rPr lang="en-US" dirty="0"/>
+              <a:t>/csev/xmosaic-1.2/blob/master/</a:t>
+            </a:r>
+            <a:r>
+              <a:rPr lang="en-US" dirty="0" err="1"/>
+              <a:t>libwww</a:t>
+            </a:r>
+            <a:r>
+              <a:rPr lang="en-US" dirty="0"/>
+              <a:t>/HTTCP.c#L47</a:t>
+            </a:r>
+          </a:p>
+        </p:txBody>
+      </p:sp>
+      <p:pic>
+        <p:nvPicPr>
+          <p:cNvPr id="54" name="Picture 53" descr="Source code from XMosaic 1.2 - the precise code is less important than the complexity of the code.&#10;&#10;https://github.com/csev/xmosaic-1.2/blob/master/libwww/HTTCP.c#L47">
+            <a:extLst>
+              <a:ext uri="{FF2B5EF4-FFF2-40B4-BE49-F238E27FC236}">
+                <a16:creationId xmlns:a16="http://schemas.microsoft.com/office/drawing/2014/main" id="{8FEACF99-E0AD-29C6-4DC3-EBB6F7EEB8DA}"/>
+              </a:ext>
+            </a:extLst>
+          </p:cNvPr>
+          <p:cNvPicPr>
+            <a:picLocks noChangeAspect="1"/>
+          </p:cNvPicPr>
+          <p:nvPr/>
+        </p:nvPicPr>
+        <p:blipFill rotWithShape="1">
+          <a:blip r:embed="rId2"/>
+          <a:srcRect t="23764"/>
+          <a:stretch/>
+        </p:blipFill>
+        <p:spPr>
+          <a:xfrm>
+            <a:off x="8249557" y="1027906"/>
+            <a:ext cx="3479800" cy="3921207"/>
+          </a:xfrm>
+          <a:prstGeom prst="rect">
+            <a:avLst/>
+          </a:prstGeom>
+        </p:spPr>
+      </p:pic>
+      <p:sp>
+        <p:nvSpPr>
+          <p:cNvPr id="55" name="Title 54">
+            <a:extLst>
+              <a:ext uri="{FF2B5EF4-FFF2-40B4-BE49-F238E27FC236}">
+                <a16:creationId xmlns:a16="http://schemas.microsoft.com/office/drawing/2014/main" id="{83466623-66F6-2D88-B914-BC766E88A77A}"/>
               </a:ext>
             </a:extLst>
           </p:cNvPr>
@@ -9105,17 +9475,17 @@
           <a:p>
             <a:r>
               <a:rPr lang="en-US" dirty="0"/>
-              <a:t>Summary</a:t>
-            </a:r>
-          </a:p>
-        </p:txBody>
-      </p:sp>
-      <p:sp>
-        <p:nvSpPr>
-          <p:cNvPr id="2" name="Content Placeholder 1">
-            <a:extLst>
-              <a:ext uri="{FF2B5EF4-FFF2-40B4-BE49-F238E27FC236}">
-                <a16:creationId xmlns:a16="http://schemas.microsoft.com/office/drawing/2014/main" id="{50791E68-B219-7E1C-2218-042D2ED13759}"/>
+              <a:t>Delivering real portability …</a:t>
+            </a:r>
+          </a:p>
+        </p:txBody>
+      </p:sp>
+      <p:sp>
+        <p:nvSpPr>
+          <p:cNvPr id="56" name="Content Placeholder 55">
+            <a:extLst>
+              <a:ext uri="{FF2B5EF4-FFF2-40B4-BE49-F238E27FC236}">
+                <a16:creationId xmlns:a16="http://schemas.microsoft.com/office/drawing/2014/main" id="{E3F4C29E-4A05-B52D-B70A-F796B17D07F9}"/>
               </a:ext>
             </a:extLst>
           </p:cNvPr>
@@ -9126,32 +9496,35 @@
             <p:ph idx="1"/>
           </p:nvPr>
         </p:nvSpPr>
-        <p:spPr/>
-        <p:txBody>
-          <a:bodyPr/>
+        <p:spPr>
+          <a:xfrm>
+            <a:off x="838200" y="1825624"/>
+            <a:ext cx="6379029" cy="3229851"/>
+          </a:xfrm>
+        </p:spPr>
+        <p:txBody>
+          <a:bodyPr>
+            <a:normAutofit lnSpcReduction="10000"/>
+          </a:bodyPr>
           <a:lstStyle/>
           <a:p>
             <a:r>
               <a:rPr lang="en-US" dirty="0"/>
-              <a:t>Void type – the universal pointer</a:t>
-            </a:r>
-          </a:p>
-          <a:p>
+              <a:t>In this example C snippet from </a:t>
+            </a:r>
+            <a:r>
+              <a:rPr lang="en-US" dirty="0" err="1"/>
+              <a:t>XMosaic</a:t>
+            </a:r>
             <a:r>
               <a:rPr lang="en-US" dirty="0"/>
-              <a:t>Passing arrays by reference</a:t>
+              <a:t> 1.2 from 1994, we see constant effort to use the pre-processor so we can compile the program on a wide range of operating systems and even versions of those operating systems.</a:t>
             </a:r>
           </a:p>
           <a:p>
             <a:r>
               <a:rPr lang="en-US" dirty="0"/>
-              <a:t>Recursion</a:t>
-            </a:r>
-          </a:p>
-          <a:p>
-            <a:r>
-              <a:rPr lang="en-US" dirty="0"/>
-              <a:t>The Pre Processor</a:t>
+              <a:t>The code makes network connections and handles errors</a:t>
             </a:r>
           </a:p>
         </p:txBody>
@@ -9159,7 +9532,7 @@
     </p:spTree>
     <p:extLst>
       <p:ext uri="{BB962C8B-B14F-4D97-AF65-F5344CB8AC3E}">
-        <p14:creationId xmlns:p14="http://schemas.microsoft.com/office/powerpoint/2010/main" val="3953165598"/>
+        <p14:creationId xmlns:p14="http://schemas.microsoft.com/office/powerpoint/2010/main" val="1916434316"/>
       </p:ext>
     </p:extLst>
   </p:cSld>
@@ -9188,10 +9561,10 @@
       </p:grpSpPr>
       <p:sp>
         <p:nvSpPr>
-          <p:cNvPr id="2" name="Title 1">
-            <a:extLst>
-              <a:ext uri="{FF2B5EF4-FFF2-40B4-BE49-F238E27FC236}">
-                <a16:creationId xmlns:a16="http://schemas.microsoft.com/office/drawing/2014/main" id="{38E4AE3D-C70D-220E-82A8-C1D64A900A0F}"/>
+          <p:cNvPr id="3" name="Title 2">
+            <a:extLst>
+              <a:ext uri="{FF2B5EF4-FFF2-40B4-BE49-F238E27FC236}">
+                <a16:creationId xmlns:a16="http://schemas.microsoft.com/office/drawing/2014/main" id="{26D5DF8A-3D98-DC7E-85E8-EAC7EDC57520}"/>
               </a:ext>
             </a:extLst>
           </p:cNvPr>
@@ -9209,120 +9582,61 @@
           <a:p>
             <a:r>
               <a:rPr lang="en-US" dirty="0"/>
-              <a:t>Acknowledgements / Contributions</a:t>
-            </a:r>
-          </a:p>
-        </p:txBody>
-      </p:sp>
-      <p:sp>
-        <p:nvSpPr>
-          <p:cNvPr id="7" name="TextBox 6">
-            <a:extLst>
-              <a:ext uri="{FF2B5EF4-FFF2-40B4-BE49-F238E27FC236}">
-                <a16:creationId xmlns:a16="http://schemas.microsoft.com/office/drawing/2014/main" id="{D1725F2C-A6DC-4096-AD36-A6A5AF1FFD40}"/>
-              </a:ext>
-            </a:extLst>
-          </p:cNvPr>
-          <p:cNvSpPr txBox="1"/>
-          <p:nvPr/>
-        </p:nvSpPr>
-        <p:spPr>
-          <a:xfrm>
-            <a:off x="838201" y="1502688"/>
-            <a:ext cx="5055704" cy="2492990"/>
-          </a:xfrm>
-          <a:prstGeom prst="rect">
-            <a:avLst/>
-          </a:prstGeom>
-          <a:noFill/>
-        </p:spPr>
-        <p:txBody>
-          <a:bodyPr wrap="square" rtlCol="0">
-            <a:spAutoFit/>
-          </a:bodyPr>
-          <a:lstStyle/>
-          <a:p>
-            <a:r>
-              <a:rPr lang="en-US" sz="1200" dirty="0"/>
-              <a:t>These slides are Copyright 2022-  Charles R. Severance (</a:t>
-            </a:r>
-            <a:r>
-              <a:rPr lang="en-US" sz="1200" dirty="0" err="1"/>
-              <a:t>online.dr-chuck.com</a:t>
-            </a:r>
-            <a:r>
-              <a:rPr lang="en-US" sz="1200" dirty="0"/>
-              <a:t>) as part of www.cc4e.com and made available under a Creative Commons Attribution 4.0 License.  Please maintain this last slide in all copies of the document to comply with the attribution requirements of the license.  If you make a change, feel free to add your name and organization to the list of contributors on this page as you republish the materials.</a:t>
-            </a:r>
-          </a:p>
-          <a:p>
-            <a:endParaRPr lang="en-US" sz="1200" dirty="0"/>
-          </a:p>
-          <a:p>
-            <a:r>
-              <a:rPr lang="en-US" sz="1200" dirty="0"/>
-              <a:t>Initial Development: Charles Severance, University of Michigan School of Information</a:t>
-            </a:r>
-          </a:p>
-          <a:p>
-            <a:endParaRPr lang="en-US" sz="1200" dirty="0"/>
-          </a:p>
-          <a:p>
-            <a:r>
-              <a:rPr lang="en-US" sz="1200" b="1" dirty="0"/>
-              <a:t>Insert new Contributors and Translators here including names and dates</a:t>
-            </a:r>
-          </a:p>
-          <a:p>
-            <a:endParaRPr lang="en-US" sz="1200" dirty="0"/>
-          </a:p>
-          <a:p>
-            <a:endParaRPr lang="en-US" sz="1200" dirty="0"/>
-          </a:p>
-        </p:txBody>
-      </p:sp>
-      <p:sp>
-        <p:nvSpPr>
-          <p:cNvPr id="8" name="TextBox 7">
-            <a:extLst>
-              <a:ext uri="{FF2B5EF4-FFF2-40B4-BE49-F238E27FC236}">
-                <a16:creationId xmlns:a16="http://schemas.microsoft.com/office/drawing/2014/main" id="{A5B0D5A1-502A-F6A1-76FD-6D954B37EE94}"/>
-              </a:ext>
-            </a:extLst>
-          </p:cNvPr>
-          <p:cNvSpPr txBox="1"/>
-          <p:nvPr/>
-        </p:nvSpPr>
-        <p:spPr>
-          <a:xfrm>
-            <a:off x="6298097" y="1502688"/>
-            <a:ext cx="5055704" cy="461665"/>
-          </a:xfrm>
-          <a:prstGeom prst="rect">
-            <a:avLst/>
-          </a:prstGeom>
-          <a:noFill/>
-        </p:spPr>
-        <p:txBody>
-          <a:bodyPr wrap="square" rtlCol="0">
-            <a:spAutoFit/>
-          </a:bodyPr>
-          <a:lstStyle/>
-          <a:p>
-            <a:r>
-              <a:rPr lang="en-US" sz="1200" b="1" dirty="0"/>
-              <a:t>Continue new Contributors and Translators here</a:t>
-            </a:r>
-          </a:p>
-          <a:p>
-            <a:endParaRPr lang="en-US" sz="1200" dirty="0"/>
+              <a:t>Summary</a:t>
+            </a:r>
+          </a:p>
+        </p:txBody>
+      </p:sp>
+      <p:sp>
+        <p:nvSpPr>
+          <p:cNvPr id="2" name="Content Placeholder 1">
+            <a:extLst>
+              <a:ext uri="{FF2B5EF4-FFF2-40B4-BE49-F238E27FC236}">
+                <a16:creationId xmlns:a16="http://schemas.microsoft.com/office/drawing/2014/main" id="{50791E68-B219-7E1C-2218-042D2ED13759}"/>
+              </a:ext>
+            </a:extLst>
+          </p:cNvPr>
+          <p:cNvSpPr>
+            <a:spLocks noGrp="1"/>
+          </p:cNvSpPr>
+          <p:nvPr>
+            <p:ph idx="1"/>
+          </p:nvPr>
+        </p:nvSpPr>
+        <p:spPr/>
+        <p:txBody>
+          <a:bodyPr/>
+          <a:lstStyle/>
+          <a:p>
+            <a:r>
+              <a:rPr lang="en-US" dirty="0"/>
+              <a:t>Void type – the universal pointer</a:t>
+            </a:r>
+          </a:p>
+          <a:p>
+            <a:r>
+              <a:rPr lang="en-US" dirty="0"/>
+              <a:t>Passing arrays by reference</a:t>
+            </a:r>
+          </a:p>
+          <a:p>
+            <a:r>
+              <a:rPr lang="en-US" dirty="0"/>
+              <a:t>Recursion</a:t>
+            </a:r>
+          </a:p>
+          <a:p>
+            <a:r>
+              <a:rPr lang="en-US" dirty="0"/>
+              <a:t>The Pre Processor</a:t>
+            </a:r>
           </a:p>
         </p:txBody>
       </p:sp>
     </p:spTree>
     <p:extLst>
       <p:ext uri="{BB962C8B-B14F-4D97-AF65-F5344CB8AC3E}">
-        <p14:creationId xmlns:p14="http://schemas.microsoft.com/office/powerpoint/2010/main" val="2963881526"/>
+        <p14:creationId xmlns:p14="http://schemas.microsoft.com/office/powerpoint/2010/main" val="3953165598"/>
       </p:ext>
     </p:extLst>
   </p:cSld>
@@ -9412,6 +9726,12 @@
           <a:p>
             <a:r>
               <a:rPr lang="en-US" dirty="0"/>
+              <a:t>Section 4.7 – Register variables</a:t>
+            </a:r>
+          </a:p>
+          <a:p>
+            <a:r>
+              <a:rPr lang="en-US" dirty="0"/>
               <a:t>Section 4.10 – Recursion – because recursion </a:t>
             </a:r>
             <a:r>
@@ -9441,6 +9761,169 @@
     <p:extLst>
       <p:ext uri="{BB962C8B-B14F-4D97-AF65-F5344CB8AC3E}">
         <p14:creationId xmlns:p14="http://schemas.microsoft.com/office/powerpoint/2010/main" val="1081645215"/>
+      </p:ext>
+    </p:extLst>
+  </p:cSld>
+  <p:clrMapOvr>
+    <a:masterClrMapping/>
+  </p:clrMapOvr>
+</p:sld>
+</file>
+
+<file path=ppt/slides/slide20.xml><?xml version="1.0" encoding="utf-8"?>
+<p:sld xmlns:a="http://schemas.openxmlformats.org/drawingml/2006/main" xmlns:r="http://schemas.openxmlformats.org/officeDocument/2006/relationships" xmlns:p="http://schemas.openxmlformats.org/presentationml/2006/main">
+  <p:cSld>
+    <p:spTree>
+      <p:nvGrpSpPr>
+        <p:cNvPr id="1" name=""/>
+        <p:cNvGrpSpPr/>
+        <p:nvPr/>
+      </p:nvGrpSpPr>
+      <p:grpSpPr>
+        <a:xfrm>
+          <a:off x="0" y="0"/>
+          <a:ext cx="0" cy="0"/>
+          <a:chOff x="0" y="0"/>
+          <a:chExt cx="0" cy="0"/>
+        </a:xfrm>
+      </p:grpSpPr>
+      <p:sp>
+        <p:nvSpPr>
+          <p:cNvPr id="2" name="Title 1">
+            <a:extLst>
+              <a:ext uri="{FF2B5EF4-FFF2-40B4-BE49-F238E27FC236}">
+                <a16:creationId xmlns:a16="http://schemas.microsoft.com/office/drawing/2014/main" id="{38E4AE3D-C70D-220E-82A8-C1D64A900A0F}"/>
+              </a:ext>
+            </a:extLst>
+          </p:cNvPr>
+          <p:cNvSpPr>
+            <a:spLocks noGrp="1"/>
+          </p:cNvSpPr>
+          <p:nvPr>
+            <p:ph type="title"/>
+          </p:nvPr>
+        </p:nvSpPr>
+        <p:spPr/>
+        <p:txBody>
+          <a:bodyPr/>
+          <a:lstStyle/>
+          <a:p>
+            <a:r>
+              <a:rPr lang="en-US" dirty="0"/>
+              <a:t>Acknowledgements / Contributions</a:t>
+            </a:r>
+          </a:p>
+        </p:txBody>
+      </p:sp>
+      <p:sp>
+        <p:nvSpPr>
+          <p:cNvPr id="7" name="TextBox 6">
+            <a:extLst>
+              <a:ext uri="{FF2B5EF4-FFF2-40B4-BE49-F238E27FC236}">
+                <a16:creationId xmlns:a16="http://schemas.microsoft.com/office/drawing/2014/main" id="{D1725F2C-A6DC-4096-AD36-A6A5AF1FFD40}"/>
+              </a:ext>
+            </a:extLst>
+          </p:cNvPr>
+          <p:cNvSpPr txBox="1"/>
+          <p:nvPr/>
+        </p:nvSpPr>
+        <p:spPr>
+          <a:xfrm>
+            <a:off x="838201" y="1502688"/>
+            <a:ext cx="5055704" cy="2492990"/>
+          </a:xfrm>
+          <a:prstGeom prst="rect">
+            <a:avLst/>
+          </a:prstGeom>
+          <a:noFill/>
+        </p:spPr>
+        <p:txBody>
+          <a:bodyPr wrap="square" rtlCol="0">
+            <a:spAutoFit/>
+          </a:bodyPr>
+          <a:lstStyle/>
+          <a:p>
+            <a:r>
+              <a:rPr lang="en-US" sz="1200" dirty="0"/>
+              <a:t>These slides are Copyright 2022-  Charles R. Severance (</a:t>
+            </a:r>
+            <a:r>
+              <a:rPr lang="en-US" sz="1200" dirty="0" err="1"/>
+              <a:t>online.dr-chuck.com</a:t>
+            </a:r>
+            <a:r>
+              <a:rPr lang="en-US" sz="1200" dirty="0"/>
+              <a:t>) as part of www.cc4e.com and made available under a Creative Commons Attribution 4.0 License.  Please maintain this last slide in all copies of the document to comply with the attribution requirements of the license.  If you make a change, feel free to add your name and organization to the list of contributors on this page as you republish the materials.</a:t>
+            </a:r>
+          </a:p>
+          <a:p>
+            <a:endParaRPr lang="en-US" sz="1200" dirty="0"/>
+          </a:p>
+          <a:p>
+            <a:r>
+              <a:rPr lang="en-US" sz="1200" dirty="0"/>
+              <a:t>Initial Development: Charles Severance, University of Michigan School of Information</a:t>
+            </a:r>
+          </a:p>
+          <a:p>
+            <a:endParaRPr lang="en-US" sz="1200" dirty="0"/>
+          </a:p>
+          <a:p>
+            <a:r>
+              <a:rPr lang="en-US" sz="1200" b="1" dirty="0"/>
+              <a:t>Insert new Contributors and Translators here including names and dates</a:t>
+            </a:r>
+          </a:p>
+          <a:p>
+            <a:endParaRPr lang="en-US" sz="1200" dirty="0"/>
+          </a:p>
+          <a:p>
+            <a:endParaRPr lang="en-US" sz="1200" dirty="0"/>
+          </a:p>
+        </p:txBody>
+      </p:sp>
+      <p:sp>
+        <p:nvSpPr>
+          <p:cNvPr id="8" name="TextBox 7">
+            <a:extLst>
+              <a:ext uri="{FF2B5EF4-FFF2-40B4-BE49-F238E27FC236}">
+                <a16:creationId xmlns:a16="http://schemas.microsoft.com/office/drawing/2014/main" id="{A5B0D5A1-502A-F6A1-76FD-6D954B37EE94}"/>
+              </a:ext>
+            </a:extLst>
+          </p:cNvPr>
+          <p:cNvSpPr txBox="1"/>
+          <p:nvPr/>
+        </p:nvSpPr>
+        <p:spPr>
+          <a:xfrm>
+            <a:off x="6298097" y="1502688"/>
+            <a:ext cx="5055704" cy="461665"/>
+          </a:xfrm>
+          <a:prstGeom prst="rect">
+            <a:avLst/>
+          </a:prstGeom>
+          <a:noFill/>
+        </p:spPr>
+        <p:txBody>
+          <a:bodyPr wrap="square" rtlCol="0">
+            <a:spAutoFit/>
+          </a:bodyPr>
+          <a:lstStyle/>
+          <a:p>
+            <a:r>
+              <a:rPr lang="en-US" sz="1200" b="1" dirty="0"/>
+              <a:t>Continue new Contributors and Translators here</a:t>
+            </a:r>
+          </a:p>
+          <a:p>
+            <a:endParaRPr lang="en-US" sz="1200" dirty="0"/>
+          </a:p>
+        </p:txBody>
+      </p:sp>
+    </p:spTree>
+    <p:extLst>
+      <p:ext uri="{BB962C8B-B14F-4D97-AF65-F5344CB8AC3E}">
+        <p14:creationId xmlns:p14="http://schemas.microsoft.com/office/powerpoint/2010/main" val="2963881526"/>
       </p:ext>
     </p:extLst>
   </p:cSld>
@@ -9596,6 +10079,9 @@
           <a:p>
             <a:r>
               <a:rPr lang="en-US" sz="1600" b="1" dirty="0">
+                <a:solidFill>
+                  <a:srgbClr val="4472C4"/>
+                </a:solidFill>
                 <a:latin typeface="Courier New" panose="02070309020205020404" pitchFamily="49" charset="0"/>
                 <a:cs typeface="Courier New" panose="02070309020205020404" pitchFamily="49" charset="0"/>
               </a:rPr>
@@ -9603,6 +10089,9 @@
             </a:r>
             <a:r>
               <a:rPr lang="en-US" sz="1600" b="1" dirty="0" err="1">
+                <a:solidFill>
+                  <a:srgbClr val="4472C4"/>
+                </a:solidFill>
                 <a:latin typeface="Courier New" panose="02070309020205020404" pitchFamily="49" charset="0"/>
                 <a:cs typeface="Courier New" panose="02070309020205020404" pitchFamily="49" charset="0"/>
               </a:rPr>
@@ -9610,6 +10099,9 @@
             </a:r>
             <a:r>
               <a:rPr lang="en-US" sz="1600" b="1" dirty="0">
+                <a:solidFill>
+                  <a:srgbClr val="4472C4"/>
+                </a:solidFill>
                 <a:latin typeface="Courier New" panose="02070309020205020404" pitchFamily="49" charset="0"/>
                 <a:cs typeface="Courier New" panose="02070309020205020404" pitchFamily="49" charset="0"/>
               </a:rPr>
@@ -9812,6 +10304,9 @@
           <a:p>
             <a:r>
               <a:rPr lang="en-US" sz="1600" b="1" dirty="0">
+                <a:solidFill>
+                  <a:srgbClr val="4472C4"/>
+                </a:solidFill>
                 <a:latin typeface="Courier New" panose="02070309020205020404" pitchFamily="49" charset="0"/>
                 <a:cs typeface="Courier New" panose="02070309020205020404" pitchFamily="49" charset="0"/>
               </a:rPr>
@@ -10256,6 +10751,9 @@
           <a:p>
             <a:r>
               <a:rPr lang="en-US" sz="1600" b="1" dirty="0">
+                <a:solidFill>
+                  <a:srgbClr val="4472C4"/>
+                </a:solidFill>
                 <a:latin typeface="Courier New" panose="02070309020205020404" pitchFamily="49" charset="0"/>
                 <a:cs typeface="Courier New" panose="02070309020205020404" pitchFamily="49" charset="0"/>
               </a:rPr>
@@ -10263,6 +10761,9 @@
             </a:r>
             <a:r>
               <a:rPr lang="en-US" sz="1600" b="1" dirty="0" err="1">
+                <a:solidFill>
+                  <a:srgbClr val="4472C4"/>
+                </a:solidFill>
                 <a:latin typeface="Courier New" panose="02070309020205020404" pitchFamily="49" charset="0"/>
                 <a:cs typeface="Courier New" panose="02070309020205020404" pitchFamily="49" charset="0"/>
               </a:rPr>
@@ -10270,6 +10771,9 @@
             </a:r>
             <a:r>
               <a:rPr lang="en-US" sz="1600" b="1" dirty="0">
+                <a:solidFill>
+                  <a:srgbClr val="4472C4"/>
+                </a:solidFill>
                 <a:latin typeface="Courier New" panose="02070309020205020404" pitchFamily="49" charset="0"/>
                 <a:cs typeface="Courier New" panose="02070309020205020404" pitchFamily="49" charset="0"/>
               </a:rPr>
@@ -10448,6 +10952,9 @@
           <a:p>
             <a:r>
               <a:rPr lang="en-US" sz="1600" b="1" dirty="0">
+                <a:solidFill>
+                  <a:srgbClr val="4472C4"/>
+                </a:solidFill>
                 <a:latin typeface="Courier New" panose="02070309020205020404" pitchFamily="49" charset="0"/>
                 <a:cs typeface="Courier New" panose="02070309020205020404" pitchFamily="49" charset="0"/>
               </a:rPr>
@@ -11256,6 +11763,9 @@
           <a:p>
             <a:r>
               <a:rPr lang="en-US" sz="1600" b="1" dirty="0">
+                <a:solidFill>
+                  <a:srgbClr val="4472C4"/>
+                </a:solidFill>
                 <a:latin typeface="Courier New" panose="02070309020205020404" pitchFamily="49" charset="0"/>
                 <a:cs typeface="Courier New" panose="02070309020205020404" pitchFamily="49" charset="0"/>
               </a:rPr>
@@ -11263,6 +11773,9 @@
             </a:r>
             <a:r>
               <a:rPr lang="en-US" sz="1600" b="1" dirty="0" err="1">
+                <a:solidFill>
+                  <a:srgbClr val="4472C4"/>
+                </a:solidFill>
                 <a:latin typeface="Courier New" panose="02070309020205020404" pitchFamily="49" charset="0"/>
                 <a:cs typeface="Courier New" panose="02070309020205020404" pitchFamily="49" charset="0"/>
               </a:rPr>
@@ -11270,6 +11783,9 @@
             </a:r>
             <a:r>
               <a:rPr lang="en-US" sz="1600" b="1" dirty="0">
+                <a:solidFill>
+                  <a:srgbClr val="4472C4"/>
+                </a:solidFill>
                 <a:latin typeface="Courier New" panose="02070309020205020404" pitchFamily="49" charset="0"/>
                 <a:cs typeface="Courier New" panose="02070309020205020404" pitchFamily="49" charset="0"/>
               </a:rPr>
@@ -11277,6 +11793,9 @@
             </a:r>
             <a:r>
               <a:rPr lang="en-US" sz="1600" b="1" dirty="0" err="1">
+                <a:solidFill>
+                  <a:srgbClr val="4472C4"/>
+                </a:solidFill>
                 <a:latin typeface="Courier New" panose="02070309020205020404" pitchFamily="49" charset="0"/>
                 <a:cs typeface="Courier New" panose="02070309020205020404" pitchFamily="49" charset="0"/>
               </a:rPr>
@@ -11284,6 +11803,9 @@
             </a:r>
             <a:r>
               <a:rPr lang="en-US" sz="1600" b="1" dirty="0">
+                <a:solidFill>
+                  <a:srgbClr val="4472C4"/>
+                </a:solidFill>
                 <a:latin typeface="Courier New" panose="02070309020205020404" pitchFamily="49" charset="0"/>
                 <a:cs typeface="Courier New" panose="02070309020205020404" pitchFamily="49" charset="0"/>
               </a:rPr>
@@ -11398,6 +11920,9 @@
           <a:p>
             <a:r>
               <a:rPr lang="en-US" b="1" dirty="0">
+                <a:solidFill>
+                  <a:srgbClr val="4472C4"/>
+                </a:solidFill>
                 <a:latin typeface="Courier New" panose="02070309020205020404" pitchFamily="49" charset="0"/>
                 <a:cs typeface="Courier New" panose="02070309020205020404" pitchFamily="49" charset="0"/>
               </a:rPr>
@@ -11696,6 +12221,9 @@
           <a:p>
             <a:r>
               <a:rPr lang="en-US" sz="1600" b="1" dirty="0">
+                <a:solidFill>
+                  <a:srgbClr val="4472C4"/>
+                </a:solidFill>
                 <a:latin typeface="Courier New" panose="02070309020205020404" pitchFamily="49" charset="0"/>
                 <a:cs typeface="Courier New" panose="02070309020205020404" pitchFamily="49" charset="0"/>
               </a:rPr>
@@ -11703,6 +12231,9 @@
             </a:r>
             <a:r>
               <a:rPr lang="en-US" sz="1600" b="1" dirty="0" err="1">
+                <a:solidFill>
+                  <a:srgbClr val="4472C4"/>
+                </a:solidFill>
                 <a:latin typeface="Courier New" panose="02070309020205020404" pitchFamily="49" charset="0"/>
                 <a:cs typeface="Courier New" panose="02070309020205020404" pitchFamily="49" charset="0"/>
               </a:rPr>
@@ -11710,6 +12241,9 @@
             </a:r>
             <a:r>
               <a:rPr lang="en-US" sz="1600" b="1" dirty="0">
+                <a:solidFill>
+                  <a:srgbClr val="4472C4"/>
+                </a:solidFill>
                 <a:latin typeface="Courier New" panose="02070309020205020404" pitchFamily="49" charset="0"/>
                 <a:cs typeface="Courier New" panose="02070309020205020404" pitchFamily="49" charset="0"/>
               </a:rPr>
@@ -11717,6 +12251,9 @@
             </a:r>
             <a:r>
               <a:rPr lang="en-US" sz="1600" b="1" dirty="0" err="1">
+                <a:solidFill>
+                  <a:srgbClr val="4472C4"/>
+                </a:solidFill>
                 <a:latin typeface="Courier New" panose="02070309020205020404" pitchFamily="49" charset="0"/>
                 <a:cs typeface="Courier New" panose="02070309020205020404" pitchFamily="49" charset="0"/>
               </a:rPr>
@@ -11724,6 +12261,9 @@
             </a:r>
             <a:r>
               <a:rPr lang="en-US" sz="1600" b="1" dirty="0">
+                <a:solidFill>
+                  <a:srgbClr val="4472C4"/>
+                </a:solidFill>
                 <a:latin typeface="Courier New" panose="02070309020205020404" pitchFamily="49" charset="0"/>
                 <a:cs typeface="Courier New" panose="02070309020205020404" pitchFamily="49" charset="0"/>
               </a:rPr>
@@ -11842,7 +12382,7 @@
         <p:spPr>
           <a:xfrm>
             <a:off x="1103538" y="4799337"/>
-            <a:ext cx="2528256" cy="1200329"/>
+            <a:ext cx="2528256" cy="369332"/>
           </a:xfrm>
           <a:prstGeom prst="rect">
             <a:avLst/>
@@ -11857,37 +12397,13 @@
           <a:p>
             <a:r>
               <a:rPr lang="en-US" b="1" dirty="0">
+                <a:solidFill>
+                  <a:srgbClr val="4472C4"/>
+                </a:solidFill>
                 <a:latin typeface="Courier New" panose="02070309020205020404" pitchFamily="49" charset="0"/>
                 <a:cs typeface="Courier New" panose="02070309020205020404" pitchFamily="49" charset="0"/>
               </a:rPr>
               <a:t>Main ma before 42</a:t>
-            </a:r>
-          </a:p>
-          <a:p>
-            <a:r>
-              <a:rPr lang="en-US" b="1" dirty="0">
-                <a:latin typeface="Courier New" panose="02070309020205020404" pitchFamily="49" charset="0"/>
-                <a:cs typeface="Courier New" panose="02070309020205020404" pitchFamily="49" charset="0"/>
-              </a:rPr>
-              <a:t>One  op before 42</a:t>
-            </a:r>
-          </a:p>
-          <a:p>
-            <a:r>
-              <a:rPr lang="en-US" b="1" dirty="0">
-                <a:latin typeface="Courier New" panose="02070309020205020404" pitchFamily="49" charset="0"/>
-                <a:cs typeface="Courier New" panose="02070309020205020404" pitchFamily="49" charset="0"/>
-              </a:rPr>
-              <a:t>One  op after  30</a:t>
-            </a:r>
-          </a:p>
-          <a:p>
-            <a:r>
-              <a:rPr lang="en-US" b="1" dirty="0">
-                <a:latin typeface="Courier New" panose="02070309020205020404" pitchFamily="49" charset="0"/>
-                <a:cs typeface="Courier New" panose="02070309020205020404" pitchFamily="49" charset="0"/>
-              </a:rPr>
-              <a:t>Main ma after  42</a:t>
             </a:r>
           </a:p>
         </p:txBody>
@@ -12668,6 +13184,9 @@
           <a:p>
             <a:r>
               <a:rPr lang="en-US" b="1" dirty="0">
+                <a:solidFill>
+                  <a:srgbClr val="4472C4"/>
+                </a:solidFill>
                 <a:latin typeface="Courier New" panose="02070309020205020404" pitchFamily="49" charset="0"/>
                 <a:cs typeface="Courier New" panose="02070309020205020404" pitchFamily="49" charset="0"/>
               </a:rPr>
@@ -13987,6 +14506,9 @@
           <a:p>
             <a:r>
               <a:rPr lang="en-US" b="1" dirty="0">
+                <a:solidFill>
+                  <a:srgbClr val="4472C4"/>
+                </a:solidFill>
                 <a:latin typeface="Courier New" panose="02070309020205020404" pitchFamily="49" charset="0"/>
                 <a:cs typeface="Courier New" panose="02070309020205020404" pitchFamily="49" charset="0"/>
               </a:rPr>
@@ -15611,6 +16133,9 @@
           <a:p>
             <a:r>
               <a:rPr lang="en-US" b="1" dirty="0">
+                <a:solidFill>
+                  <a:srgbClr val="4472C4"/>
+                </a:solidFill>
                 <a:latin typeface="Courier New" panose="02070309020205020404" pitchFamily="49" charset="0"/>
                 <a:cs typeface="Courier New" panose="02070309020205020404" pitchFamily="49" charset="0"/>
               </a:rPr>

--- a/lectures/KR-4.pptx
+++ b/lectures/KR-4.pptx
@@ -3964,7 +3964,7 @@
                 <a:latin typeface="Courier New" panose="02070309020205020404" pitchFamily="49" charset="0"/>
                 <a:cs typeface="Courier New" panose="02070309020205020404" pitchFamily="49" charset="0"/>
               </a:rPr>
-              <a:t>One  op after  30</a:t>
+              <a:t>One  op after  32</a:t>
             </a:r>
           </a:p>
           <a:p>
@@ -9845,7 +9845,15 @@
           <a:p>
             <a:r>
               <a:rPr lang="en-US" sz="1200" dirty="0"/>
-              <a:t>These slides are Copyright 2022-  Charles R. Severance (</a:t>
+              <a:t>These slides are </a:t>
+            </a:r>
+            <a:r>
+              <a:rPr lang="en-US" sz="1200"/>
+              <a:t>Copyright 2023-  </a:t>
+            </a:r>
+            <a:r>
+              <a:rPr lang="en-US" sz="1200" dirty="0"/>
+              <a:t>Charles R. Severance (</a:t>
             </a:r>
             <a:r>
               <a:rPr lang="en-US" sz="1200" dirty="0" err="1"/>
@@ -11453,7 +11461,7 @@
           <a:p>
             <a:r>
               <a:rPr lang="en-US" dirty="0"/>
-              <a:t>Call by value</a:t>
+              <a:t>Using a stack to implement call by value</a:t>
             </a:r>
           </a:p>
         </p:txBody>
@@ -11914,7 +11922,7 @@
                 <a:latin typeface="Courier New" panose="02070309020205020404" pitchFamily="49" charset="0"/>
                 <a:cs typeface="Courier New" panose="02070309020205020404" pitchFamily="49" charset="0"/>
               </a:rPr>
-              <a:t>One  op after  30</a:t>
+              <a:t>One  op after  32</a:t>
             </a:r>
           </a:p>
           <a:p>
@@ -14512,7 +14520,7 @@
                 <a:latin typeface="Courier New" panose="02070309020205020404" pitchFamily="49" charset="0"/>
                 <a:cs typeface="Courier New" panose="02070309020205020404" pitchFamily="49" charset="0"/>
               </a:rPr>
-              <a:t>One  op after  30</a:t>
+              <a:t>One  op after  32</a:t>
             </a:r>
           </a:p>
         </p:txBody>
@@ -16127,7 +16135,7 @@
                 <a:latin typeface="Courier New" panose="02070309020205020404" pitchFamily="49" charset="0"/>
                 <a:cs typeface="Courier New" panose="02070309020205020404" pitchFamily="49" charset="0"/>
               </a:rPr>
-              <a:t>One  op after  30</a:t>
+              <a:t>One  op after  32</a:t>
             </a:r>
           </a:p>
           <a:p>

--- a/lectures/KR-4.pptx
+++ b/lectures/KR-4.pptx
@@ -278,7 +278,7 @@
           <a:p>
             <a:fld id="{C13A938A-C9BA-0346-A74F-83EB1631032C}" type="datetimeFigureOut">
               <a:rPr lang="en-US" smtClean="0"/>
-              <a:t>1/24/23</a:t>
+              <a:t>3/3/23</a:t>
             </a:fld>
             <a:endParaRPr lang="en-US"/>
           </a:p>
@@ -476,7 +476,7 @@
           <a:p>
             <a:fld id="{C13A938A-C9BA-0346-A74F-83EB1631032C}" type="datetimeFigureOut">
               <a:rPr lang="en-US" smtClean="0"/>
-              <a:t>1/24/23</a:t>
+              <a:t>3/3/23</a:t>
             </a:fld>
             <a:endParaRPr lang="en-US"/>
           </a:p>
@@ -684,7 +684,7 @@
           <a:p>
             <a:fld id="{C13A938A-C9BA-0346-A74F-83EB1631032C}" type="datetimeFigureOut">
               <a:rPr lang="en-US" smtClean="0"/>
-              <a:t>1/24/23</a:t>
+              <a:t>3/3/23</a:t>
             </a:fld>
             <a:endParaRPr lang="en-US"/>
           </a:p>
@@ -882,7 +882,7 @@
           <a:p>
             <a:fld id="{C13A938A-C9BA-0346-A74F-83EB1631032C}" type="datetimeFigureOut">
               <a:rPr lang="en-US" smtClean="0"/>
-              <a:t>1/24/23</a:t>
+              <a:t>3/3/23</a:t>
             </a:fld>
             <a:endParaRPr lang="en-US"/>
           </a:p>
@@ -1157,7 +1157,7 @@
           <a:p>
             <a:fld id="{C13A938A-C9BA-0346-A74F-83EB1631032C}" type="datetimeFigureOut">
               <a:rPr lang="en-US" smtClean="0"/>
-              <a:t>1/24/23</a:t>
+              <a:t>3/3/23</a:t>
             </a:fld>
             <a:endParaRPr lang="en-US"/>
           </a:p>
@@ -1422,7 +1422,7 @@
           <a:p>
             <a:fld id="{C13A938A-C9BA-0346-A74F-83EB1631032C}" type="datetimeFigureOut">
               <a:rPr lang="en-US" smtClean="0"/>
-              <a:t>1/24/23</a:t>
+              <a:t>3/3/23</a:t>
             </a:fld>
             <a:endParaRPr lang="en-US"/>
           </a:p>
@@ -1834,7 +1834,7 @@
           <a:p>
             <a:fld id="{C13A938A-C9BA-0346-A74F-83EB1631032C}" type="datetimeFigureOut">
               <a:rPr lang="en-US" smtClean="0"/>
-              <a:t>1/24/23</a:t>
+              <a:t>3/3/23</a:t>
             </a:fld>
             <a:endParaRPr lang="en-US"/>
           </a:p>
@@ -1975,7 +1975,7 @@
           <a:p>
             <a:fld id="{C13A938A-C9BA-0346-A74F-83EB1631032C}" type="datetimeFigureOut">
               <a:rPr lang="en-US" smtClean="0"/>
-              <a:t>1/24/23</a:t>
+              <a:t>3/3/23</a:t>
             </a:fld>
             <a:endParaRPr lang="en-US"/>
           </a:p>
@@ -2088,7 +2088,7 @@
           <a:p>
             <a:fld id="{C13A938A-C9BA-0346-A74F-83EB1631032C}" type="datetimeFigureOut">
               <a:rPr lang="en-US" smtClean="0"/>
-              <a:t>1/24/23</a:t>
+              <a:t>3/3/23</a:t>
             </a:fld>
             <a:endParaRPr lang="en-US"/>
           </a:p>
@@ -2399,7 +2399,7 @@
           <a:p>
             <a:fld id="{C13A938A-C9BA-0346-A74F-83EB1631032C}" type="datetimeFigureOut">
               <a:rPr lang="en-US" smtClean="0"/>
-              <a:t>1/24/23</a:t>
+              <a:t>3/3/23</a:t>
             </a:fld>
             <a:endParaRPr lang="en-US"/>
           </a:p>
@@ -2687,7 +2687,7 @@
           <a:p>
             <a:fld id="{C13A938A-C9BA-0346-A74F-83EB1631032C}" type="datetimeFigureOut">
               <a:rPr lang="en-US" smtClean="0"/>
-              <a:t>1/24/23</a:t>
+              <a:t>3/3/23</a:t>
             </a:fld>
             <a:endParaRPr lang="en-US"/>
           </a:p>
@@ -2928,7 +2928,7 @@
           <a:p>
             <a:fld id="{C13A938A-C9BA-0346-A74F-83EB1631032C}" type="datetimeFigureOut">
               <a:rPr lang="en-US" smtClean="0"/>
-              <a:t>1/24/23</a:t>
+              <a:t>3/3/23</a:t>
             </a:fld>
             <a:endParaRPr lang="en-US"/>
           </a:p>
@@ -3401,7 +3401,9 @@
         </p:nvSpPr>
         <p:spPr/>
         <p:txBody>
-          <a:bodyPr/>
+          <a:bodyPr>
+            <a:normAutofit lnSpcReduction="10000"/>
+          </a:bodyPr>
           <a:lstStyle/>
           <a:p>
             <a:r>
@@ -3414,6 +3416,19 @@
               <a:rPr lang="en-US" dirty="0"/>
               <a:t>www.cc4e.com</a:t>
             </a:r>
+          </a:p>
+          <a:p>
+            <a:r>
+              <a:rPr lang="en-US" dirty="0"/>
+              <a:t>code.cc4e.com (sample code)</a:t>
+            </a:r>
+          </a:p>
+          <a:p>
+            <a:r>
+              <a:rPr lang="en-US"/>
+              <a:t>online.dr-chuck.com</a:t>
+            </a:r>
+            <a:endParaRPr lang="en-US" dirty="0"/>
           </a:p>
         </p:txBody>
       </p:sp>

--- a/lectures/KR-4.pptx
+++ b/lectures/KR-4.pptx
@@ -278,7 +278,7 @@
           <a:p>
             <a:fld id="{C13A938A-C9BA-0346-A74F-83EB1631032C}" type="datetimeFigureOut">
               <a:rPr lang="en-US" smtClean="0"/>
-              <a:t>3/3/23</a:t>
+              <a:t>7/2/24</a:t>
             </a:fld>
             <a:endParaRPr lang="en-US"/>
           </a:p>
@@ -476,7 +476,7 @@
           <a:p>
             <a:fld id="{C13A938A-C9BA-0346-A74F-83EB1631032C}" type="datetimeFigureOut">
               <a:rPr lang="en-US" smtClean="0"/>
-              <a:t>3/3/23</a:t>
+              <a:t>7/2/24</a:t>
             </a:fld>
             <a:endParaRPr lang="en-US"/>
           </a:p>
@@ -684,7 +684,7 @@
           <a:p>
             <a:fld id="{C13A938A-C9BA-0346-A74F-83EB1631032C}" type="datetimeFigureOut">
               <a:rPr lang="en-US" smtClean="0"/>
-              <a:t>3/3/23</a:t>
+              <a:t>7/2/24</a:t>
             </a:fld>
             <a:endParaRPr lang="en-US"/>
           </a:p>
@@ -882,7 +882,7 @@
           <a:p>
             <a:fld id="{C13A938A-C9BA-0346-A74F-83EB1631032C}" type="datetimeFigureOut">
               <a:rPr lang="en-US" smtClean="0"/>
-              <a:t>3/3/23</a:t>
+              <a:t>7/2/24</a:t>
             </a:fld>
             <a:endParaRPr lang="en-US"/>
           </a:p>
@@ -1157,7 +1157,7 @@
           <a:p>
             <a:fld id="{C13A938A-C9BA-0346-A74F-83EB1631032C}" type="datetimeFigureOut">
               <a:rPr lang="en-US" smtClean="0"/>
-              <a:t>3/3/23</a:t>
+              <a:t>7/2/24</a:t>
             </a:fld>
             <a:endParaRPr lang="en-US"/>
           </a:p>
@@ -1422,7 +1422,7 @@
           <a:p>
             <a:fld id="{C13A938A-C9BA-0346-A74F-83EB1631032C}" type="datetimeFigureOut">
               <a:rPr lang="en-US" smtClean="0"/>
-              <a:t>3/3/23</a:t>
+              <a:t>7/2/24</a:t>
             </a:fld>
             <a:endParaRPr lang="en-US"/>
           </a:p>
@@ -1834,7 +1834,7 @@
           <a:p>
             <a:fld id="{C13A938A-C9BA-0346-A74F-83EB1631032C}" type="datetimeFigureOut">
               <a:rPr lang="en-US" smtClean="0"/>
-              <a:t>3/3/23</a:t>
+              <a:t>7/2/24</a:t>
             </a:fld>
             <a:endParaRPr lang="en-US"/>
           </a:p>
@@ -1975,7 +1975,7 @@
           <a:p>
             <a:fld id="{C13A938A-C9BA-0346-A74F-83EB1631032C}" type="datetimeFigureOut">
               <a:rPr lang="en-US" smtClean="0"/>
-              <a:t>3/3/23</a:t>
+              <a:t>7/2/24</a:t>
             </a:fld>
             <a:endParaRPr lang="en-US"/>
           </a:p>
@@ -2088,7 +2088,7 @@
           <a:p>
             <a:fld id="{C13A938A-C9BA-0346-A74F-83EB1631032C}" type="datetimeFigureOut">
               <a:rPr lang="en-US" smtClean="0"/>
-              <a:t>3/3/23</a:t>
+              <a:t>7/2/24</a:t>
             </a:fld>
             <a:endParaRPr lang="en-US"/>
           </a:p>
@@ -2399,7 +2399,7 @@
           <a:p>
             <a:fld id="{C13A938A-C9BA-0346-A74F-83EB1631032C}" type="datetimeFigureOut">
               <a:rPr lang="en-US" smtClean="0"/>
-              <a:t>3/3/23</a:t>
+              <a:t>7/2/24</a:t>
             </a:fld>
             <a:endParaRPr lang="en-US"/>
           </a:p>
@@ -2687,7 +2687,7 @@
           <a:p>
             <a:fld id="{C13A938A-C9BA-0346-A74F-83EB1631032C}" type="datetimeFigureOut">
               <a:rPr lang="en-US" smtClean="0"/>
-              <a:t>3/3/23</a:t>
+              <a:t>7/2/24</a:t>
             </a:fld>
             <a:endParaRPr lang="en-US"/>
           </a:p>
@@ -2928,7 +2928,7 @@
           <a:p>
             <a:fld id="{C13A938A-C9BA-0346-A74F-83EB1631032C}" type="datetimeFigureOut">
               <a:rPr lang="en-US" smtClean="0"/>
-              <a:t>3/3/23</a:t>
+              <a:t>7/2/24</a:t>
             </a:fld>
             <a:endParaRPr lang="en-US"/>
           </a:p>
@@ -4964,16 +4964,16 @@
                 <a:latin typeface="Courier New" panose="02070309020205020404" pitchFamily="49" charset="0"/>
                 <a:cs typeface="Courier New" panose="02070309020205020404" pitchFamily="49" charset="0"/>
               </a:rPr>
-              <a:t>X start  zap: ORIGINAL</a:t>
-            </a:r>
-          </a:p>
-          <a:p>
-            <a:r>
-              <a:rPr lang="en-US" sz="1600" b="1" dirty="0">
-                <a:latin typeface="Courier New" panose="02070309020205020404" pitchFamily="49" charset="0"/>
-                <a:cs typeface="Courier New" panose="02070309020205020404" pitchFamily="49" charset="0"/>
-              </a:rPr>
-              <a:t>X end    zap: CHANGED</a:t>
+              <a:t>Y start  zap: ORIGINAL</a:t>
+            </a:r>
+          </a:p>
+          <a:p>
+            <a:r>
+              <a:rPr lang="en-US" sz="1600" b="1" dirty="0">
+                <a:latin typeface="Courier New" panose="02070309020205020404" pitchFamily="49" charset="0"/>
+                <a:cs typeface="Courier New" panose="02070309020205020404" pitchFamily="49" charset="0"/>
+              </a:rPr>
+              <a:t>Y end    zap: CHANGED</a:t>
             </a:r>
           </a:p>
           <a:p>
@@ -5145,6 +5145,38 @@
               </a:rPr>
               <a:t>kr_04_02.c</a:t>
             </a:r>
+          </a:p>
+        </p:txBody>
+      </p:sp>
+      <p:sp>
+        <p:nvSpPr>
+          <p:cNvPr id="3" name="TextBox 2">
+            <a:extLst>
+              <a:ext uri="{FF2B5EF4-FFF2-40B4-BE49-F238E27FC236}">
+                <a16:creationId xmlns:a16="http://schemas.microsoft.com/office/drawing/2014/main" id="{B08AFE87-5618-2453-6C4E-B91405308613}"/>
+              </a:ext>
+            </a:extLst>
+          </p:cNvPr>
+          <p:cNvSpPr txBox="1"/>
+          <p:nvPr/>
+        </p:nvSpPr>
+        <p:spPr>
+          <a:xfrm>
+            <a:off x="2679405" y="-1063256"/>
+            <a:ext cx="184731" cy="369332"/>
+          </a:xfrm>
+          <a:prstGeom prst="rect">
+            <a:avLst/>
+          </a:prstGeom>
+          <a:noFill/>
+        </p:spPr>
+        <p:txBody>
+          <a:bodyPr wrap="none" rtlCol="0">
+            <a:spAutoFit/>
+          </a:bodyPr>
+          <a:lstStyle/>
+          <a:p>
+            <a:endParaRPr lang="en-US"/>
           </a:p>
         </p:txBody>
       </p:sp>
